--- a/Presentation.pptx
+++ b/Presentation.pptx
@@ -1,18 +1,20 @@
 
 <file path=ppt/presentation.xml><?xml version="1.0" encoding="utf-8"?>
-<p:presentation xmlns:a="http://schemas.openxmlformats.org/drawingml/2006/main" xmlns:r="http://schemas.openxmlformats.org/officeDocument/2006/relationships" xmlns:p="http://schemas.openxmlformats.org/presentationml/2006/main" xmlns:m="http://schemas.openxmlformats.org/officeDocument/2006/math" xmlns:a14="http://schemas.microsoft.com/office/drawing/2010/main">
+<p:presentation xmlns:a="http://schemas.openxmlformats.org/drawingml/2006/main" xmlns:r="http://schemas.openxmlformats.org/officeDocument/2006/relationships" xmlns:p="http://schemas.openxmlformats.org/presentationml/2006/main">
   <p:sldMasterIdLst>
-    <p:sldMasterId id="2147483648" r:id="rId5"/>
+    <p:sldMasterId id="2147483648" r:id="rId1"/>
   </p:sldMasterIdLst>
   <p:notesMasterIdLst>
-    <p:notesMasterId r:id="rId7"/>
+    <p:notesMasterId r:id="rId9"/>
   </p:notesMasterIdLst>
   <p:sldIdLst>
-    <p:sldId id="256" r:id="rId8"/>
-    <p:sldId id="257" r:id="rId9"/>
-    <p:sldId id="258" r:id="rId10"/>
-    <p:sldId id="259" r:id="rId11"/>
-    <p:sldId id="260" r:id="rId12"/>
+    <p:sldId id="256" r:id="rId2"/>
+    <p:sldId id="257" r:id="rId3"/>
+    <p:sldId id="258" r:id="rId4"/>
+    <p:sldId id="261" r:id="rId5"/>
+    <p:sldId id="262" r:id="rId6"/>
+    <p:sldId id="259" r:id="rId7"/>
+    <p:sldId id="260" r:id="rId8"/>
   </p:sldIdLst>
   <p:sldSz cx="24384000" cy="13716000"/>
   <p:notesSz cx="6858000" cy="9144000"/>
@@ -32,7 +34,7 @@
       <a:buFontTx/>
       <a:buNone/>
       <a:tabLst/>
-      <a:defRPr b="0" baseline="0" cap="none" i="0" spc="0" strike="noStrike" sz="1800" u="none" kumimoji="0" normalizeH="0">
+      <a:defRPr kumimoji="0" sz="1800" b="0" i="0" u="none" strike="noStrike" cap="none" spc="0" normalizeH="0" baseline="0">
         <a:ln>
           <a:noFill/>
         </a:ln>
@@ -58,7 +60,7 @@
       <a:buFontTx/>
       <a:buNone/>
       <a:tabLst/>
-      <a:defRPr b="0" baseline="0" cap="none" i="0" spc="0" strike="noStrike" sz="4800" u="none" kumimoji="0" normalizeH="0">
+      <a:defRPr kumimoji="0" sz="4800" b="0" i="0" u="none" strike="noStrike" cap="none" spc="0" normalizeH="0" baseline="0">
         <a:ln>
           <a:noFill/>
         </a:ln>
@@ -88,7 +90,7 @@
       <a:buFontTx/>
       <a:buNone/>
       <a:tabLst/>
-      <a:defRPr b="0" baseline="0" cap="none" i="0" spc="0" strike="noStrike" sz="4800" u="none" kumimoji="0" normalizeH="0">
+      <a:defRPr kumimoji="0" sz="4800" b="0" i="0" u="none" strike="noStrike" cap="none" spc="0" normalizeH="0" baseline="0">
         <a:ln>
           <a:noFill/>
         </a:ln>
@@ -118,7 +120,7 @@
       <a:buFontTx/>
       <a:buNone/>
       <a:tabLst/>
-      <a:defRPr b="0" baseline="0" cap="none" i="0" spc="0" strike="noStrike" sz="4800" u="none" kumimoji="0" normalizeH="0">
+      <a:defRPr kumimoji="0" sz="4800" b="0" i="0" u="none" strike="noStrike" cap="none" spc="0" normalizeH="0" baseline="0">
         <a:ln>
           <a:noFill/>
         </a:ln>
@@ -148,7 +150,7 @@
       <a:buFontTx/>
       <a:buNone/>
       <a:tabLst/>
-      <a:defRPr b="0" baseline="0" cap="none" i="0" spc="0" strike="noStrike" sz="4800" u="none" kumimoji="0" normalizeH="0">
+      <a:defRPr kumimoji="0" sz="4800" b="0" i="0" u="none" strike="noStrike" cap="none" spc="0" normalizeH="0" baseline="0">
         <a:ln>
           <a:noFill/>
         </a:ln>
@@ -178,7 +180,7 @@
       <a:buFontTx/>
       <a:buNone/>
       <a:tabLst/>
-      <a:defRPr b="0" baseline="0" cap="none" i="0" spc="0" strike="noStrike" sz="4800" u="none" kumimoji="0" normalizeH="0">
+      <a:defRPr kumimoji="0" sz="4800" b="0" i="0" u="none" strike="noStrike" cap="none" spc="0" normalizeH="0" baseline="0">
         <a:ln>
           <a:noFill/>
         </a:ln>
@@ -208,7 +210,7 @@
       <a:buFontTx/>
       <a:buNone/>
       <a:tabLst/>
-      <a:defRPr b="0" baseline="0" cap="none" i="0" spc="0" strike="noStrike" sz="4800" u="none" kumimoji="0" normalizeH="0">
+      <a:defRPr kumimoji="0" sz="4800" b="0" i="0" u="none" strike="noStrike" cap="none" spc="0" normalizeH="0" baseline="0">
         <a:ln>
           <a:noFill/>
         </a:ln>
@@ -238,7 +240,7 @@
       <a:buFontTx/>
       <a:buNone/>
       <a:tabLst/>
-      <a:defRPr b="0" baseline="0" cap="none" i="0" spc="0" strike="noStrike" sz="4800" u="none" kumimoji="0" normalizeH="0">
+      <a:defRPr kumimoji="0" sz="4800" b="0" i="0" u="none" strike="noStrike" cap="none" spc="0" normalizeH="0" baseline="0">
         <a:ln>
           <a:noFill/>
         </a:ln>
@@ -268,7 +270,7 @@
       <a:buFontTx/>
       <a:buNone/>
       <a:tabLst/>
-      <a:defRPr b="0" baseline="0" cap="none" i="0" spc="0" strike="noStrike" sz="4800" u="none" kumimoji="0" normalizeH="0">
+      <a:defRPr kumimoji="0" sz="4800" b="0" i="0" u="none" strike="noStrike" cap="none" spc="0" normalizeH="0" baseline="0">
         <a:ln>
           <a:noFill/>
         </a:ln>
@@ -298,7 +300,7 @@
       <a:buFontTx/>
       <a:buNone/>
       <a:tabLst/>
-      <a:defRPr b="0" baseline="0" cap="none" i="0" spc="0" strike="noStrike" sz="4800" u="none" kumimoji="0" normalizeH="0">
+      <a:defRPr kumimoji="0" sz="4800" b="0" i="0" u="none" strike="noStrike" cap="none" spc="0" normalizeH="0" baseline="0">
         <a:ln>
           <a:noFill/>
         </a:ln>
@@ -317,13 +319,14 @@
 </p:presentation>
 </file>
 
-<file path=ppt/commentAuthors.xml><?xml version="1.0" encoding="utf-8"?>
-<p:cmAuthorLst xmlns:a="http://schemas.openxmlformats.org/drawingml/2006/main" xmlns:r="http://schemas.openxmlformats.org/officeDocument/2006/relationships" xmlns:p="http://schemas.openxmlformats.org/presentationml/2006/main" xmlns:m="http://schemas.openxmlformats.org/officeDocument/2006/math" xmlns:a14="http://schemas.microsoft.com/office/drawing/2010/main"/>
-</file>
-
 <file path=ppt/notesMasters/notesMaster1.xml><?xml version="1.0" encoding="utf-8"?>
-<p:notesMaster xmlns:a="http://schemas.openxmlformats.org/drawingml/2006/main" xmlns:r="http://schemas.openxmlformats.org/officeDocument/2006/relationships" xmlns:p="http://schemas.openxmlformats.org/presentationml/2006/main" xmlns:m="http://schemas.openxmlformats.org/officeDocument/2006/math" xmlns:a14="http://schemas.microsoft.com/office/drawing/2010/main">
+<p:notesMaster xmlns:a="http://schemas.openxmlformats.org/drawingml/2006/main" xmlns:r="http://schemas.openxmlformats.org/officeDocument/2006/relationships" xmlns:p="http://schemas.openxmlformats.org/presentationml/2006/main">
   <p:cSld>
+    <p:bg>
+      <p:bgRef idx="1001">
+        <a:schemeClr val="bg1"/>
+      </p:bgRef>
+    </p:bg>
     <p:spTree>
       <p:nvGrpSpPr>
         <p:cNvPr id="1" name=""/>
@@ -341,7 +344,9 @@
       <p:sp>
         <p:nvSpPr>
           <p:cNvPr id="168" name="Shape 168"/>
-          <p:cNvSpPr/>
+          <p:cNvSpPr>
+            <a:spLocks noGrp="1" noRot="1" noChangeAspect="1"/>
+          </p:cNvSpPr>
           <p:nvPr>
             <p:ph type="sldImg"/>
           </p:nvPr>
@@ -359,14 +364,16 @@
           <a:bodyPr/>
           <a:lstStyle/>
           <a:p>
-            <a:pPr/>
+            <a:endParaRPr/>
           </a:p>
         </p:txBody>
       </p:sp>
       <p:sp>
         <p:nvSpPr>
           <p:cNvPr id="169" name="Shape 169"/>
-          <p:cNvSpPr/>
+          <p:cNvSpPr>
+            <a:spLocks noGrp="1"/>
+          </p:cNvSpPr>
           <p:nvPr>
             <p:ph type="body" sz="quarter" idx="1"/>
           </p:nvPr>
@@ -384,7 +391,7 @@
           <a:bodyPr/>
           <a:lstStyle/>
           <a:p>
-            <a:pPr/>
+            <a:endParaRPr/>
           </a:p>
         </p:txBody>
       </p:sp>
@@ -496,13 +503,14 @@
 </file>
 
 <file path=ppt/slideLayouts/slideLayout1.xml><?xml version="1.0" encoding="utf-8"?>
-<p:sldLayout xmlns:a="http://schemas.openxmlformats.org/drawingml/2006/main" xmlns:r="http://schemas.openxmlformats.org/officeDocument/2006/relationships" xmlns:p="http://schemas.openxmlformats.org/presentationml/2006/main" xmlns:m="http://schemas.openxmlformats.org/officeDocument/2006/math" xmlns:a14="http://schemas.microsoft.com/office/drawing/2010/main" type="title" showMasterSp="1" showMasterPhAnim="1">
+<p:sldLayout xmlns:a="http://schemas.openxmlformats.org/drawingml/2006/main" xmlns:r="http://schemas.openxmlformats.org/officeDocument/2006/relationships" xmlns:p="http://schemas.openxmlformats.org/presentationml/2006/main" type="title">
   <p:cSld name="Titel">
     <p:bg>
       <p:bgPr>
         <a:solidFill>
           <a:srgbClr val="003462"/>
         </a:solidFill>
+        <a:effectLst/>
       </p:bgPr>
     </p:bg>
     <p:spTree>
@@ -522,7 +530,9 @@
       <p:sp>
         <p:nvSpPr>
           <p:cNvPr id="11" name="Autor:in und Datum"/>
-          <p:cNvSpPr txBox="1"/>
+          <p:cNvSpPr txBox="1">
+            <a:spLocks noGrp="1"/>
+          </p:cNvSpPr>
           <p:nvPr>
             <p:ph type="body" sz="quarter" idx="21" hasCustomPrompt="1"/>
           </p:nvPr>
@@ -548,7 +558,7 @@
               </a:spcBef>
               <a:buSzTx/>
               <a:buNone/>
-              <a:defRPr b="1" sz="3600">
+              <a:defRPr sz="3600" b="1">
                 <a:solidFill>
                   <a:srgbClr val="FFFFFF"/>
                 </a:solidFill>
@@ -556,7 +566,6 @@
             </a:lvl1pPr>
           </a:lstStyle>
           <a:p>
-            <a:pPr/>
             <a:r>
               <a:t>Autor:in und Datum</a:t>
             </a:r>
@@ -566,7 +575,9 @@
       <p:sp>
         <p:nvSpPr>
           <p:cNvPr id="12" name="Titel der Präsentation"/>
-          <p:cNvSpPr txBox="1"/>
+          <p:cNvSpPr txBox="1">
+            <a:spLocks noGrp="1"/>
+          </p:cNvSpPr>
           <p:nvPr>
             <p:ph type="title" hasCustomPrompt="1"/>
           </p:nvPr>
@@ -584,7 +595,7 @@
           <a:bodyPr anchor="b"/>
           <a:lstStyle>
             <a:lvl1pPr>
-              <a:defRPr spc="-232" sz="11600">
+              <a:defRPr sz="11600" spc="-232">
                 <a:solidFill>
                   <a:srgbClr val="FFFFFF"/>
                 </a:solidFill>
@@ -592,7 +603,6 @@
             </a:lvl1pPr>
           </a:lstStyle>
           <a:p>
-            <a:pPr/>
             <a:r>
               <a:t>Titel der Präsentation</a:t>
             </a:r>
@@ -602,7 +612,9 @@
       <p:sp>
         <p:nvSpPr>
           <p:cNvPr id="13" name="Textebene 1…"/>
-          <p:cNvSpPr txBox="1"/>
+          <p:cNvSpPr txBox="1">
+            <a:spLocks noGrp="1"/>
+          </p:cNvSpPr>
           <p:nvPr>
             <p:ph type="body" sz="quarter" idx="1" hasCustomPrompt="1"/>
           </p:nvPr>
@@ -628,7 +640,7 @@
               </a:spcBef>
               <a:buSzTx/>
               <a:buNone/>
-              <a:defRPr b="1" sz="5500">
+              <a:defRPr sz="5500" b="1">
                 <a:solidFill>
                   <a:schemeClr val="accent1"/>
                 </a:solidFill>
@@ -643,7 +655,7 @@
               </a:spcBef>
               <a:buSzTx/>
               <a:buNone/>
-              <a:defRPr b="1" sz="5500">
+              <a:defRPr sz="5500" b="1">
                 <a:solidFill>
                   <a:schemeClr val="accent1"/>
                 </a:solidFill>
@@ -658,7 +670,7 @@
               </a:spcBef>
               <a:buSzTx/>
               <a:buNone/>
-              <a:defRPr b="1" sz="5500">
+              <a:defRPr sz="5500" b="1">
                 <a:solidFill>
                   <a:schemeClr val="accent1"/>
                 </a:solidFill>
@@ -673,7 +685,7 @@
               </a:spcBef>
               <a:buSzTx/>
               <a:buNone/>
-              <a:defRPr b="1" sz="5500">
+              <a:defRPr sz="5500" b="1">
                 <a:solidFill>
                   <a:schemeClr val="accent1"/>
                 </a:solidFill>
@@ -688,7 +700,7 @@
               </a:spcBef>
               <a:buSzTx/>
               <a:buNone/>
-              <a:defRPr b="1" sz="5500">
+              <a:defRPr sz="5500" b="1">
                 <a:solidFill>
                   <a:schemeClr val="accent1"/>
                 </a:solidFill>
@@ -696,41 +708,34 @@
             </a:lvl5pPr>
           </a:lstStyle>
           <a:p>
-            <a:pPr/>
             <a:r>
               <a:t>Präsentationsuntertitel</a:t>
             </a:r>
           </a:p>
           <a:p>
             <a:pPr lvl="1"/>
-            <a:r>
-              <a:t/>
-            </a:r>
+            <a:endParaRPr/>
           </a:p>
           <a:p>
             <a:pPr lvl="2"/>
-            <a:r>
-              <a:t/>
-            </a:r>
+            <a:endParaRPr/>
           </a:p>
           <a:p>
             <a:pPr lvl="3"/>
-            <a:r>
-              <a:t/>
-            </a:r>
+            <a:endParaRPr/>
           </a:p>
           <a:p>
             <a:pPr lvl="4"/>
-            <a:r>
-              <a:t/>
-            </a:r>
+            <a:endParaRPr/>
           </a:p>
         </p:txBody>
       </p:sp>
       <p:sp>
         <p:nvSpPr>
           <p:cNvPr id="14" name="Foliennummer"/>
-          <p:cNvSpPr txBox="1"/>
+          <p:cNvSpPr txBox="1">
+            <a:spLocks noGrp="1"/>
+          </p:cNvSpPr>
           <p:nvPr>
             <p:ph type="sldNum" sz="quarter" idx="2"/>
           </p:nvPr>
@@ -752,8 +757,10 @@
             </a:lvl1pPr>
           </a:lstStyle>
           <a:p>
-            <a:pPr/>
-            <a:fld id="{86CB4B4D-7CA3-9044-876B-883B54F8677D}" type="slidenum"/>
+            <a:fld id="{86CB4B4D-7CA3-9044-876B-883B54F8677D}" type="slidenum">
+              <a:t>‹Nr.›</a:t>
+            </a:fld>
+            <a:endParaRPr/>
           </a:p>
         </p:txBody>
       </p:sp>
@@ -762,12 +769,12 @@
   <p:clrMapOvr>
     <a:masterClrMapping/>
   </p:clrMapOvr>
-  <p:transition xmlns:p14="http://schemas.microsoft.com/office/powerpoint/2010/main" spd="med" advClick="1"/>
+  <p:transition spd="med"/>
 </p:sldLayout>
 </file>
 
 <file path=ppt/slideLayouts/slideLayout10.xml><?xml version="1.0" encoding="utf-8"?>
-<p:sldLayout xmlns:a="http://schemas.openxmlformats.org/drawingml/2006/main" xmlns:r="http://schemas.openxmlformats.org/officeDocument/2006/relationships" xmlns:p="http://schemas.openxmlformats.org/presentationml/2006/main" xmlns:m="http://schemas.openxmlformats.org/officeDocument/2006/math" xmlns:a14="http://schemas.microsoft.com/office/drawing/2010/main" type="tx" showMasterSp="1" showMasterPhAnim="1">
+<p:sldLayout xmlns:a="http://schemas.openxmlformats.org/drawingml/2006/main" xmlns:r="http://schemas.openxmlformats.org/officeDocument/2006/relationships" xmlns:p="http://schemas.openxmlformats.org/presentationml/2006/main" type="tx">
   <p:cSld name="Nur Titel">
     <p:spTree>
       <p:nvGrpSpPr>
@@ -786,7 +793,9 @@
       <p:sp>
         <p:nvSpPr>
           <p:cNvPr id="99" name="Folientitel"/>
-          <p:cNvSpPr txBox="1"/>
+          <p:cNvSpPr txBox="1">
+            <a:spLocks noGrp="1"/>
+          </p:cNvSpPr>
           <p:nvPr>
             <p:ph type="title" hasCustomPrompt="1"/>
           </p:nvPr>
@@ -804,7 +813,6 @@
           <a:bodyPr/>
           <a:lstStyle/>
           <a:p>
-            <a:pPr/>
             <a:r>
               <a:t>Folientitel</a:t>
             </a:r>
@@ -814,7 +822,9 @@
       <p:sp>
         <p:nvSpPr>
           <p:cNvPr id="100" name="Folien-Untertitel"/>
-          <p:cNvSpPr txBox="1"/>
+          <p:cNvSpPr txBox="1">
+            <a:spLocks noGrp="1"/>
+          </p:cNvSpPr>
           <p:nvPr>
             <p:ph type="body" sz="quarter" idx="21" hasCustomPrompt="1"/>
           </p:nvPr>
@@ -840,11 +850,10 @@
               </a:spcBef>
               <a:buSzTx/>
               <a:buNone/>
-              <a:defRPr b="1" sz="5500"/>
+              <a:defRPr sz="5500" b="1"/>
             </a:lvl1pPr>
           </a:lstStyle>
           <a:p>
-            <a:pPr/>
             <a:r>
               <a:t>Folien-Untertitel</a:t>
             </a:r>
@@ -854,7 +863,9 @@
       <p:sp>
         <p:nvSpPr>
           <p:cNvPr id="101" name="Foliennummer"/>
-          <p:cNvSpPr txBox="1"/>
+          <p:cNvSpPr txBox="1">
+            <a:spLocks noGrp="1"/>
+          </p:cNvSpPr>
           <p:nvPr>
             <p:ph type="sldNum" sz="quarter" idx="2"/>
           </p:nvPr>
@@ -868,8 +879,10 @@
           <a:bodyPr/>
           <a:lstStyle/>
           <a:p>
-            <a:pPr/>
-            <a:fld id="{86CB4B4D-7CA3-9044-876B-883B54F8677D}" type="slidenum"/>
+            <a:fld id="{86CB4B4D-7CA3-9044-876B-883B54F8677D}" type="slidenum">
+              <a:t>‹Nr.›</a:t>
+            </a:fld>
+            <a:endParaRPr/>
           </a:p>
         </p:txBody>
       </p:sp>
@@ -878,12 +891,12 @@
   <p:clrMapOvr>
     <a:masterClrMapping/>
   </p:clrMapOvr>
-  <p:transition xmlns:p14="http://schemas.microsoft.com/office/powerpoint/2010/main" spd="med" advClick="1"/>
+  <p:transition spd="med"/>
 </p:sldLayout>
 </file>
 
 <file path=ppt/slideLayouts/slideLayout11.xml><?xml version="1.0" encoding="utf-8"?>
-<p:sldLayout xmlns:a="http://schemas.openxmlformats.org/drawingml/2006/main" xmlns:r="http://schemas.openxmlformats.org/officeDocument/2006/relationships" xmlns:p="http://schemas.openxmlformats.org/presentationml/2006/main" xmlns:m="http://schemas.openxmlformats.org/officeDocument/2006/math" xmlns:a14="http://schemas.microsoft.com/office/drawing/2010/main" type="tx" showMasterSp="1" showMasterPhAnim="1">
+<p:sldLayout xmlns:a="http://schemas.openxmlformats.org/drawingml/2006/main" xmlns:r="http://schemas.openxmlformats.org/officeDocument/2006/relationships" xmlns:p="http://schemas.openxmlformats.org/presentationml/2006/main" type="tx">
   <p:cSld name="Agenda">
     <p:spTree>
       <p:nvGrpSpPr>
@@ -902,7 +915,9 @@
       <p:sp>
         <p:nvSpPr>
           <p:cNvPr id="108" name="Agenda-Titel"/>
-          <p:cNvSpPr txBox="1"/>
+          <p:cNvSpPr txBox="1">
+            <a:spLocks noGrp="1"/>
+          </p:cNvSpPr>
           <p:nvPr>
             <p:ph type="title" hasCustomPrompt="1"/>
           </p:nvPr>
@@ -920,7 +935,6 @@
           <a:bodyPr/>
           <a:lstStyle/>
           <a:p>
-            <a:pPr/>
             <a:r>
               <a:t>Agenda-Titel</a:t>
             </a:r>
@@ -930,7 +944,9 @@
       <p:sp>
         <p:nvSpPr>
           <p:cNvPr id="109" name="Agenda-Untertitel"/>
-          <p:cNvSpPr txBox="1"/>
+          <p:cNvSpPr txBox="1">
+            <a:spLocks noGrp="1"/>
+          </p:cNvSpPr>
           <p:nvPr>
             <p:ph type="body" sz="quarter" idx="21" hasCustomPrompt="1"/>
           </p:nvPr>
@@ -956,11 +972,10 @@
               </a:spcBef>
               <a:buSzTx/>
               <a:buNone/>
-              <a:defRPr b="1" sz="5500"/>
+              <a:defRPr sz="5500" b="1"/>
             </a:lvl1pPr>
           </a:lstStyle>
           <a:p>
-            <a:pPr/>
             <a:r>
               <a:t>Agenda-Untertitel</a:t>
             </a:r>
@@ -970,7 +985,9 @@
       <p:sp>
         <p:nvSpPr>
           <p:cNvPr id="110" name="Textebene 1…"/>
-          <p:cNvSpPr txBox="1"/>
+          <p:cNvSpPr txBox="1">
+            <a:spLocks noGrp="1"/>
+          </p:cNvSpPr>
           <p:nvPr>
             <p:ph type="body" idx="1" hasCustomPrompt="1"/>
           </p:nvPr>
@@ -992,7 +1009,7 @@
               </a:spcBef>
               <a:buSzTx/>
               <a:buNone/>
-              <a:defRPr spc="-55" sz="5500"/>
+              <a:defRPr sz="5500" spc="-55"/>
             </a:lvl1pPr>
             <a:lvl2pPr marL="0" indent="457200" defTabSz="825500">
               <a:lnSpc>
@@ -1003,7 +1020,7 @@
               </a:spcBef>
               <a:buSzTx/>
               <a:buNone/>
-              <a:defRPr spc="-55" sz="5500"/>
+              <a:defRPr sz="5500" spc="-55"/>
             </a:lvl2pPr>
             <a:lvl3pPr marL="0" indent="914400" defTabSz="825500">
               <a:lnSpc>
@@ -1014,7 +1031,7 @@
               </a:spcBef>
               <a:buSzTx/>
               <a:buNone/>
-              <a:defRPr spc="-55" sz="5500"/>
+              <a:defRPr sz="5500" spc="-55"/>
             </a:lvl3pPr>
             <a:lvl4pPr marL="0" indent="1371600" defTabSz="825500">
               <a:lnSpc>
@@ -1025,7 +1042,7 @@
               </a:spcBef>
               <a:buSzTx/>
               <a:buNone/>
-              <a:defRPr spc="-55" sz="5500"/>
+              <a:defRPr sz="5500" spc="-55"/>
             </a:lvl4pPr>
             <a:lvl5pPr marL="0" indent="1828800" defTabSz="825500">
               <a:lnSpc>
@@ -1036,45 +1053,38 @@
               </a:spcBef>
               <a:buSzTx/>
               <a:buNone/>
-              <a:defRPr spc="-55" sz="5500"/>
+              <a:defRPr sz="5500" spc="-55"/>
             </a:lvl5pPr>
           </a:lstStyle>
           <a:p>
-            <a:pPr/>
             <a:r>
               <a:t>Agendathemen</a:t>
             </a:r>
           </a:p>
           <a:p>
             <a:pPr lvl="1"/>
-            <a:r>
-              <a:t/>
-            </a:r>
+            <a:endParaRPr/>
           </a:p>
           <a:p>
             <a:pPr lvl="2"/>
-            <a:r>
-              <a:t/>
-            </a:r>
+            <a:endParaRPr/>
           </a:p>
           <a:p>
             <a:pPr lvl="3"/>
-            <a:r>
-              <a:t/>
-            </a:r>
+            <a:endParaRPr/>
           </a:p>
           <a:p>
             <a:pPr lvl="4"/>
-            <a:r>
-              <a:t/>
-            </a:r>
+            <a:endParaRPr/>
           </a:p>
         </p:txBody>
       </p:sp>
       <p:sp>
         <p:nvSpPr>
           <p:cNvPr id="111" name="Foliennummer"/>
-          <p:cNvSpPr txBox="1"/>
+          <p:cNvSpPr txBox="1">
+            <a:spLocks noGrp="1"/>
+          </p:cNvSpPr>
           <p:nvPr>
             <p:ph type="sldNum" sz="quarter" idx="2"/>
           </p:nvPr>
@@ -1088,8 +1098,10 @@
           <a:bodyPr/>
           <a:lstStyle/>
           <a:p>
-            <a:pPr/>
-            <a:fld id="{86CB4B4D-7CA3-9044-876B-883B54F8677D}" type="slidenum"/>
+            <a:fld id="{86CB4B4D-7CA3-9044-876B-883B54F8677D}" type="slidenum">
+              <a:t>‹Nr.›</a:t>
+            </a:fld>
+            <a:endParaRPr/>
           </a:p>
         </p:txBody>
       </p:sp>
@@ -1098,12 +1110,12 @@
   <p:clrMapOvr>
     <a:masterClrMapping/>
   </p:clrMapOvr>
-  <p:transition xmlns:p14="http://schemas.microsoft.com/office/powerpoint/2010/main" spd="med" advClick="1"/>
+  <p:transition spd="med"/>
 </p:sldLayout>
 </file>
 
 <file path=ppt/slideLayouts/slideLayout12.xml><?xml version="1.0" encoding="utf-8"?>
-<p:sldLayout xmlns:a="http://schemas.openxmlformats.org/drawingml/2006/main" xmlns:r="http://schemas.openxmlformats.org/officeDocument/2006/relationships" xmlns:p="http://schemas.openxmlformats.org/presentationml/2006/main" xmlns:m="http://schemas.openxmlformats.org/officeDocument/2006/math" xmlns:a14="http://schemas.microsoft.com/office/drawing/2010/main" type="tx" showMasterSp="1" showMasterPhAnim="1">
+<p:sldLayout xmlns:a="http://schemas.openxmlformats.org/drawingml/2006/main" xmlns:r="http://schemas.openxmlformats.org/officeDocument/2006/relationships" xmlns:p="http://schemas.openxmlformats.org/presentationml/2006/main" type="tx">
   <p:cSld name="Aufstellung">
     <p:spTree>
       <p:nvGrpSpPr>
@@ -1122,7 +1134,9 @@
       <p:sp>
         <p:nvSpPr>
           <p:cNvPr id="118" name="Textebene 1…"/>
-          <p:cNvSpPr txBox="1"/>
+          <p:cNvSpPr txBox="1">
+            <a:spLocks noGrp="1"/>
+          </p:cNvSpPr>
           <p:nvPr>
             <p:ph type="body" sz="half" idx="1" hasCustomPrompt="1"/>
           </p:nvPr>
@@ -1148,7 +1162,7 @@
               </a:spcBef>
               <a:buSzTx/>
               <a:buNone/>
-              <a:defRPr spc="-232" sz="11600">
+              <a:defRPr sz="11600" spc="-232">
                 <a:solidFill>
                   <a:schemeClr val="accent1">
                     <a:hueOff val="114395"/>
@@ -1170,7 +1184,7 @@
               </a:spcBef>
               <a:buSzTx/>
               <a:buNone/>
-              <a:defRPr spc="-232" sz="11600">
+              <a:defRPr sz="11600" spc="-232">
                 <a:solidFill>
                   <a:schemeClr val="accent1">
                     <a:hueOff val="114395"/>
@@ -1192,7 +1206,7 @@
               </a:spcBef>
               <a:buSzTx/>
               <a:buNone/>
-              <a:defRPr spc="-232" sz="11600">
+              <a:defRPr sz="11600" spc="-232">
                 <a:solidFill>
                   <a:schemeClr val="accent1">
                     <a:hueOff val="114395"/>
@@ -1214,7 +1228,7 @@
               </a:spcBef>
               <a:buSzTx/>
               <a:buNone/>
-              <a:defRPr spc="-232" sz="11600">
+              <a:defRPr sz="11600" spc="-232">
                 <a:solidFill>
                   <a:schemeClr val="accent1">
                     <a:hueOff val="114395"/>
@@ -1236,7 +1250,7 @@
               </a:spcBef>
               <a:buSzTx/>
               <a:buNone/>
-              <a:defRPr spc="-232" sz="11600">
+              <a:defRPr sz="11600" spc="-232">
                 <a:solidFill>
                   <a:schemeClr val="accent1">
                     <a:hueOff val="114395"/>
@@ -1251,41 +1265,34 @@
             </a:lvl5pPr>
           </a:lstStyle>
           <a:p>
-            <a:pPr/>
             <a:r>
               <a:t>Aufstellung</a:t>
             </a:r>
           </a:p>
           <a:p>
             <a:pPr lvl="1"/>
-            <a:r>
-              <a:t/>
-            </a:r>
+            <a:endParaRPr/>
           </a:p>
           <a:p>
             <a:pPr lvl="2"/>
-            <a:r>
-              <a:t/>
-            </a:r>
+            <a:endParaRPr/>
           </a:p>
           <a:p>
             <a:pPr lvl="3"/>
-            <a:r>
-              <a:t/>
-            </a:r>
+            <a:endParaRPr/>
           </a:p>
           <a:p>
             <a:pPr lvl="4"/>
-            <a:r>
-              <a:t/>
-            </a:r>
+            <a:endParaRPr/>
           </a:p>
         </p:txBody>
       </p:sp>
       <p:sp>
         <p:nvSpPr>
           <p:cNvPr id="119" name="Foliennummer"/>
-          <p:cNvSpPr txBox="1"/>
+          <p:cNvSpPr txBox="1">
+            <a:spLocks noGrp="1"/>
+          </p:cNvSpPr>
           <p:nvPr>
             <p:ph type="sldNum" sz="quarter" idx="2"/>
           </p:nvPr>
@@ -1299,8 +1306,10 @@
           <a:bodyPr/>
           <a:lstStyle/>
           <a:p>
-            <a:pPr/>
-            <a:fld id="{86CB4B4D-7CA3-9044-876B-883B54F8677D}" type="slidenum"/>
+            <a:fld id="{86CB4B4D-7CA3-9044-876B-883B54F8677D}" type="slidenum">
+              <a:t>‹Nr.›</a:t>
+            </a:fld>
+            <a:endParaRPr/>
           </a:p>
         </p:txBody>
       </p:sp>
@@ -1309,12 +1318,12 @@
   <p:clrMapOvr>
     <a:masterClrMapping/>
   </p:clrMapOvr>
-  <p:transition xmlns:p14="http://schemas.microsoft.com/office/powerpoint/2010/main" spd="med" advClick="1"/>
+  <p:transition spd="med"/>
 </p:sldLayout>
 </file>
 
 <file path=ppt/slideLayouts/slideLayout13.xml><?xml version="1.0" encoding="utf-8"?>
-<p:sldLayout xmlns:a="http://schemas.openxmlformats.org/drawingml/2006/main" xmlns:r="http://schemas.openxmlformats.org/officeDocument/2006/relationships" xmlns:p="http://schemas.openxmlformats.org/presentationml/2006/main" xmlns:m="http://schemas.openxmlformats.org/officeDocument/2006/math" xmlns:a14="http://schemas.microsoft.com/office/drawing/2010/main" type="tx" showMasterSp="1" showMasterPhAnim="1">
+<p:sldLayout xmlns:a="http://schemas.openxmlformats.org/drawingml/2006/main" xmlns:r="http://schemas.openxmlformats.org/officeDocument/2006/relationships" xmlns:p="http://schemas.openxmlformats.org/presentationml/2006/main" type="tx">
   <p:cSld name="Fakt (groß)">
     <p:spTree>
       <p:nvGrpSpPr>
@@ -1333,7 +1342,9 @@
       <p:sp>
         <p:nvSpPr>
           <p:cNvPr id="126" name="Textebene 1…"/>
-          <p:cNvSpPr txBox="1"/>
+          <p:cNvSpPr txBox="1">
+            <a:spLocks noGrp="1"/>
+          </p:cNvSpPr>
           <p:nvPr>
             <p:ph type="body" idx="1" hasCustomPrompt="1"/>
           </p:nvPr>
@@ -1359,7 +1370,7 @@
               </a:spcBef>
               <a:buSzTx/>
               <a:buNone/>
-              <a:defRPr b="1" spc="-250" sz="25000">
+              <a:defRPr sz="25000" b="1" spc="-250">
                 <a:solidFill>
                   <a:schemeClr val="accent1">
                     <a:hueOff val="114395"/>
@@ -1377,7 +1388,7 @@
               </a:spcBef>
               <a:buSzTx/>
               <a:buNone/>
-              <a:defRPr b="1" spc="-250" sz="25000">
+              <a:defRPr sz="25000" b="1" spc="-250">
                 <a:solidFill>
                   <a:schemeClr val="accent1">
                     <a:hueOff val="114395"/>
@@ -1395,7 +1406,7 @@
               </a:spcBef>
               <a:buSzTx/>
               <a:buNone/>
-              <a:defRPr b="1" spc="-250" sz="25000">
+              <a:defRPr sz="25000" b="1" spc="-250">
                 <a:solidFill>
                   <a:schemeClr val="accent1">
                     <a:hueOff val="114395"/>
@@ -1413,7 +1424,7 @@
               </a:spcBef>
               <a:buSzTx/>
               <a:buNone/>
-              <a:defRPr b="1" spc="-250" sz="25000">
+              <a:defRPr sz="25000" b="1" spc="-250">
                 <a:solidFill>
                   <a:schemeClr val="accent1">
                     <a:hueOff val="114395"/>
@@ -1431,7 +1442,7 @@
               </a:spcBef>
               <a:buSzTx/>
               <a:buNone/>
-              <a:defRPr b="1" spc="-250" sz="25000">
+              <a:defRPr sz="25000" b="1" spc="-250">
                 <a:solidFill>
                   <a:schemeClr val="accent1">
                     <a:hueOff val="114395"/>
@@ -1442,41 +1453,34 @@
             </a:lvl5pPr>
           </a:lstStyle>
           <a:p>
-            <a:pPr/>
             <a:r>
               <a:t>100 %</a:t>
             </a:r>
           </a:p>
           <a:p>
             <a:pPr lvl="1"/>
-            <a:r>
-              <a:t/>
-            </a:r>
+            <a:endParaRPr/>
           </a:p>
           <a:p>
             <a:pPr lvl="2"/>
-            <a:r>
-              <a:t/>
-            </a:r>
+            <a:endParaRPr/>
           </a:p>
           <a:p>
             <a:pPr lvl="3"/>
-            <a:r>
-              <a:t/>
-            </a:r>
+            <a:endParaRPr/>
           </a:p>
           <a:p>
             <a:pPr lvl="4"/>
-            <a:r>
-              <a:t/>
-            </a:r>
+            <a:endParaRPr/>
           </a:p>
         </p:txBody>
       </p:sp>
       <p:sp>
         <p:nvSpPr>
           <p:cNvPr id="127" name="Fakten"/>
-          <p:cNvSpPr txBox="1"/>
+          <p:cNvSpPr txBox="1">
+            <a:spLocks noGrp="1"/>
+          </p:cNvSpPr>
           <p:nvPr>
             <p:ph type="body" sz="quarter" idx="21" hasCustomPrompt="1"/>
           </p:nvPr>
@@ -1502,11 +1506,10 @@
               </a:spcBef>
               <a:buSzTx/>
               <a:buNone/>
-              <a:defRPr b="1" sz="5500"/>
+              <a:defRPr sz="5500" b="1"/>
             </a:lvl1pPr>
           </a:lstStyle>
           <a:p>
-            <a:pPr/>
             <a:r>
               <a:t>Fakten</a:t>
             </a:r>
@@ -1516,7 +1519,9 @@
       <p:sp>
         <p:nvSpPr>
           <p:cNvPr id="128" name="Foliennummer"/>
-          <p:cNvSpPr txBox="1"/>
+          <p:cNvSpPr txBox="1">
+            <a:spLocks noGrp="1"/>
+          </p:cNvSpPr>
           <p:nvPr>
             <p:ph type="sldNum" sz="quarter" idx="2"/>
           </p:nvPr>
@@ -1530,8 +1535,10 @@
           <a:bodyPr/>
           <a:lstStyle/>
           <a:p>
-            <a:pPr/>
-            <a:fld id="{86CB4B4D-7CA3-9044-876B-883B54F8677D}" type="slidenum"/>
+            <a:fld id="{86CB4B4D-7CA3-9044-876B-883B54F8677D}" type="slidenum">
+              <a:t>‹Nr.›</a:t>
+            </a:fld>
+            <a:endParaRPr/>
           </a:p>
         </p:txBody>
       </p:sp>
@@ -1540,12 +1547,12 @@
   <p:clrMapOvr>
     <a:masterClrMapping/>
   </p:clrMapOvr>
-  <p:transition xmlns:p14="http://schemas.microsoft.com/office/powerpoint/2010/main" spd="med" advClick="1"/>
+  <p:transition spd="med"/>
 </p:sldLayout>
 </file>
 
 <file path=ppt/slideLayouts/slideLayout14.xml><?xml version="1.0" encoding="utf-8"?>
-<p:sldLayout xmlns:a="http://schemas.openxmlformats.org/drawingml/2006/main" xmlns:r="http://schemas.openxmlformats.org/officeDocument/2006/relationships" xmlns:p="http://schemas.openxmlformats.org/presentationml/2006/main" xmlns:m="http://schemas.openxmlformats.org/officeDocument/2006/math" xmlns:a14="http://schemas.microsoft.com/office/drawing/2010/main" type="tx" showMasterSp="1" showMasterPhAnim="1">
+<p:sldLayout xmlns:a="http://schemas.openxmlformats.org/drawingml/2006/main" xmlns:r="http://schemas.openxmlformats.org/officeDocument/2006/relationships" xmlns:p="http://schemas.openxmlformats.org/presentationml/2006/main" type="tx">
   <p:cSld name="Zitat">
     <p:spTree>
       <p:nvGrpSpPr>
@@ -1564,7 +1571,9 @@
       <p:sp>
         <p:nvSpPr>
           <p:cNvPr id="135" name="Quellenangabe"/>
-          <p:cNvSpPr txBox="1"/>
+          <p:cNvSpPr txBox="1">
+            <a:spLocks noGrp="1"/>
+          </p:cNvSpPr>
           <p:nvPr>
             <p:ph type="body" sz="quarter" idx="21" hasCustomPrompt="1"/>
           </p:nvPr>
@@ -1590,11 +1599,10 @@
               </a:spcBef>
               <a:buSzTx/>
               <a:buNone/>
-              <a:defRPr b="1" sz="3600"/>
+              <a:defRPr sz="3600" b="1"/>
             </a:lvl1pPr>
           </a:lstStyle>
           <a:p>
-            <a:pPr/>
             <a:r>
               <a:t>Quellenangabe</a:t>
             </a:r>
@@ -1604,7 +1612,9 @@
       <p:sp>
         <p:nvSpPr>
           <p:cNvPr id="136" name="Textebene 1…"/>
-          <p:cNvSpPr txBox="1"/>
+          <p:cNvSpPr txBox="1">
+            <a:spLocks noGrp="1"/>
+          </p:cNvSpPr>
           <p:nvPr>
             <p:ph type="body" sz="half" idx="1" hasCustomPrompt="1"/>
           </p:nvPr>
@@ -1627,7 +1637,7 @@
               </a:spcBef>
               <a:buSzTx/>
               <a:buNone/>
-              <a:defRPr spc="-170" sz="8500">
+              <a:defRPr sz="8500" spc="-170">
                 <a:solidFill>
                   <a:schemeClr val="accent1">
                     <a:hueOff val="114395"/>
@@ -1646,7 +1656,7 @@
               </a:spcBef>
               <a:buSzTx/>
               <a:buNone/>
-              <a:defRPr spc="-170" sz="8500">
+              <a:defRPr sz="8500" spc="-170">
                 <a:solidFill>
                   <a:schemeClr val="accent1">
                     <a:hueOff val="114395"/>
@@ -1665,7 +1675,7 @@
               </a:spcBef>
               <a:buSzTx/>
               <a:buNone/>
-              <a:defRPr spc="-170" sz="8500">
+              <a:defRPr sz="8500" spc="-170">
                 <a:solidFill>
                   <a:schemeClr val="accent1">
                     <a:hueOff val="114395"/>
@@ -1684,7 +1694,7 @@
               </a:spcBef>
               <a:buSzTx/>
               <a:buNone/>
-              <a:defRPr spc="-170" sz="8500">
+              <a:defRPr sz="8500" spc="-170">
                 <a:solidFill>
                   <a:schemeClr val="accent1">
                     <a:hueOff val="114395"/>
@@ -1703,7 +1713,7 @@
               </a:spcBef>
               <a:buSzTx/>
               <a:buNone/>
-              <a:defRPr spc="-170" sz="8500">
+              <a:defRPr sz="8500" spc="-170">
                 <a:solidFill>
                   <a:schemeClr val="accent1">
                     <a:hueOff val="114395"/>
@@ -1718,41 +1728,34 @@
             </a:lvl5pPr>
           </a:lstStyle>
           <a:p>
-            <a:pPr/>
             <a:r>
               <a:t>„Bemerkenswert“</a:t>
             </a:r>
           </a:p>
           <a:p>
             <a:pPr lvl="1"/>
-            <a:r>
-              <a:t/>
-            </a:r>
+            <a:endParaRPr/>
           </a:p>
           <a:p>
             <a:pPr lvl="2"/>
-            <a:r>
-              <a:t/>
-            </a:r>
+            <a:endParaRPr/>
           </a:p>
           <a:p>
             <a:pPr lvl="3"/>
-            <a:r>
-              <a:t/>
-            </a:r>
+            <a:endParaRPr/>
           </a:p>
           <a:p>
             <a:pPr lvl="4"/>
-            <a:r>
-              <a:t/>
-            </a:r>
+            <a:endParaRPr/>
           </a:p>
         </p:txBody>
       </p:sp>
       <p:sp>
         <p:nvSpPr>
           <p:cNvPr id="137" name="Foliennummer"/>
-          <p:cNvSpPr txBox="1"/>
+          <p:cNvSpPr txBox="1">
+            <a:spLocks noGrp="1"/>
+          </p:cNvSpPr>
           <p:nvPr>
             <p:ph type="sldNum" sz="quarter" idx="2"/>
           </p:nvPr>
@@ -1766,8 +1769,10 @@
           <a:bodyPr/>
           <a:lstStyle/>
           <a:p>
-            <a:pPr/>
-            <a:fld id="{86CB4B4D-7CA3-9044-876B-883B54F8677D}" type="slidenum"/>
+            <a:fld id="{86CB4B4D-7CA3-9044-876B-883B54F8677D}" type="slidenum">
+              <a:t>‹Nr.›</a:t>
+            </a:fld>
+            <a:endParaRPr/>
           </a:p>
         </p:txBody>
       </p:sp>
@@ -1776,12 +1781,12 @@
   <p:clrMapOvr>
     <a:masterClrMapping/>
   </p:clrMapOvr>
-  <p:transition xmlns:p14="http://schemas.microsoft.com/office/powerpoint/2010/main" spd="med" advClick="1"/>
+  <p:transition spd="med"/>
 </p:sldLayout>
 </file>
 
 <file path=ppt/slideLayouts/slideLayout15.xml><?xml version="1.0" encoding="utf-8"?>
-<p:sldLayout xmlns:a="http://schemas.openxmlformats.org/drawingml/2006/main" xmlns:r="http://schemas.openxmlformats.org/officeDocument/2006/relationships" xmlns:p="http://schemas.openxmlformats.org/presentationml/2006/main" xmlns:m="http://schemas.openxmlformats.org/officeDocument/2006/math" xmlns:a14="http://schemas.microsoft.com/office/drawing/2010/main" type="tx" showMasterSp="1" showMasterPhAnim="1">
+<p:sldLayout xmlns:a="http://schemas.openxmlformats.org/drawingml/2006/main" xmlns:r="http://schemas.openxmlformats.org/officeDocument/2006/relationships" xmlns:p="http://schemas.openxmlformats.org/presentationml/2006/main" type="tx">
   <p:cSld name="Foto - 3 Stück">
     <p:spTree>
       <p:nvGrpSpPr>
@@ -1800,7 +1805,9 @@
       <p:sp>
         <p:nvSpPr>
           <p:cNvPr id="144" name="Heißluftballon von unten vor blauem Himmel"/>
-          <p:cNvSpPr/>
+          <p:cNvSpPr>
+            <a:spLocks noGrp="1"/>
+          </p:cNvSpPr>
           <p:nvPr>
             <p:ph type="pic" sz="quarter" idx="21"/>
           </p:nvPr>
@@ -1820,14 +1827,16 @@
           </a:bodyPr>
           <a:lstStyle/>
           <a:p>
-            <a:pPr/>
+            <a:endParaRPr/>
           </a:p>
         </p:txBody>
       </p:sp>
       <p:sp>
         <p:nvSpPr>
           <p:cNvPr id="145" name="Nahaufnahme eines Heißluftballons von oben"/>
-          <p:cNvSpPr/>
+          <p:cNvSpPr>
+            <a:spLocks noGrp="1"/>
+          </p:cNvSpPr>
           <p:nvPr>
             <p:ph type="pic" sz="quarter" idx="22"/>
           </p:nvPr>
@@ -1847,14 +1856,16 @@
           </a:bodyPr>
           <a:lstStyle/>
           <a:p>
-            <a:pPr/>
+            <a:endParaRPr/>
           </a:p>
         </p:txBody>
       </p:sp>
       <p:sp>
         <p:nvSpPr>
           <p:cNvPr id="146" name="Heißluftballon von unten vor blauem Himmel"/>
-          <p:cNvSpPr/>
+          <p:cNvSpPr>
+            <a:spLocks noGrp="1"/>
+          </p:cNvSpPr>
           <p:nvPr>
             <p:ph type="pic" idx="23"/>
           </p:nvPr>
@@ -1874,14 +1885,16 @@
           </a:bodyPr>
           <a:lstStyle/>
           <a:p>
-            <a:pPr/>
+            <a:endParaRPr/>
           </a:p>
         </p:txBody>
       </p:sp>
       <p:sp>
         <p:nvSpPr>
           <p:cNvPr id="147" name="Foliennummer"/>
-          <p:cNvSpPr txBox="1"/>
+          <p:cNvSpPr txBox="1">
+            <a:spLocks noGrp="1"/>
+          </p:cNvSpPr>
           <p:nvPr>
             <p:ph type="sldNum" sz="quarter" idx="2"/>
           </p:nvPr>
@@ -1895,8 +1908,10 @@
           <a:bodyPr/>
           <a:lstStyle/>
           <a:p>
-            <a:pPr/>
-            <a:fld id="{86CB4B4D-7CA3-9044-876B-883B54F8677D}" type="slidenum"/>
+            <a:fld id="{86CB4B4D-7CA3-9044-876B-883B54F8677D}" type="slidenum">
+              <a:t>‹Nr.›</a:t>
+            </a:fld>
+            <a:endParaRPr/>
           </a:p>
         </p:txBody>
       </p:sp>
@@ -1905,12 +1920,12 @@
   <p:clrMapOvr>
     <a:masterClrMapping/>
   </p:clrMapOvr>
-  <p:transition xmlns:p14="http://schemas.microsoft.com/office/powerpoint/2010/main" spd="med" advClick="1"/>
+  <p:transition spd="med"/>
 </p:sldLayout>
 </file>
 
 <file path=ppt/slideLayouts/slideLayout16.xml><?xml version="1.0" encoding="utf-8"?>
-<p:sldLayout xmlns:a="http://schemas.openxmlformats.org/drawingml/2006/main" xmlns:r="http://schemas.openxmlformats.org/officeDocument/2006/relationships" xmlns:p="http://schemas.openxmlformats.org/presentationml/2006/main" xmlns:m="http://schemas.openxmlformats.org/officeDocument/2006/math" xmlns:a14="http://schemas.microsoft.com/office/drawing/2010/main" type="tx" showMasterSp="1" showMasterPhAnim="1">
+<p:sldLayout xmlns:a="http://schemas.openxmlformats.org/drawingml/2006/main" xmlns:r="http://schemas.openxmlformats.org/officeDocument/2006/relationships" xmlns:p="http://schemas.openxmlformats.org/presentationml/2006/main" type="tx">
   <p:cSld name="Foto">
     <p:spTree>
       <p:nvGrpSpPr>
@@ -1929,7 +1944,9 @@
       <p:sp>
         <p:nvSpPr>
           <p:cNvPr id="154" name="Heißluftballon von unten vor blauem Himmel"/>
-          <p:cNvSpPr/>
+          <p:cNvSpPr>
+            <a:spLocks noGrp="1"/>
+          </p:cNvSpPr>
           <p:nvPr>
             <p:ph type="pic" idx="21"/>
           </p:nvPr>
@@ -1949,14 +1966,16 @@
           </a:bodyPr>
           <a:lstStyle/>
           <a:p>
-            <a:pPr/>
+            <a:endParaRPr/>
           </a:p>
         </p:txBody>
       </p:sp>
       <p:sp>
         <p:nvSpPr>
           <p:cNvPr id="155" name="Foliennummer"/>
-          <p:cNvSpPr txBox="1"/>
+          <p:cNvSpPr txBox="1">
+            <a:spLocks noGrp="1"/>
+          </p:cNvSpPr>
           <p:nvPr>
             <p:ph type="sldNum" sz="quarter" idx="2"/>
           </p:nvPr>
@@ -1978,8 +1997,10 @@
             </a:lvl1pPr>
           </a:lstStyle>
           <a:p>
-            <a:pPr/>
-            <a:fld id="{86CB4B4D-7CA3-9044-876B-883B54F8677D}" type="slidenum"/>
+            <a:fld id="{86CB4B4D-7CA3-9044-876B-883B54F8677D}" type="slidenum">
+              <a:t>‹Nr.›</a:t>
+            </a:fld>
+            <a:endParaRPr/>
           </a:p>
         </p:txBody>
       </p:sp>
@@ -1988,12 +2009,12 @@
   <p:clrMapOvr>
     <a:masterClrMapping/>
   </p:clrMapOvr>
-  <p:transition xmlns:p14="http://schemas.microsoft.com/office/powerpoint/2010/main" spd="med" advClick="1"/>
+  <p:transition spd="med"/>
 </p:sldLayout>
 </file>
 
 <file path=ppt/slideLayouts/slideLayout17.xml><?xml version="1.0" encoding="utf-8"?>
-<p:sldLayout xmlns:a="http://schemas.openxmlformats.org/drawingml/2006/main" xmlns:r="http://schemas.openxmlformats.org/officeDocument/2006/relationships" xmlns:p="http://schemas.openxmlformats.org/presentationml/2006/main" xmlns:m="http://schemas.openxmlformats.org/officeDocument/2006/math" xmlns:a14="http://schemas.microsoft.com/office/drawing/2010/main" type="tx" showMasterSp="1" showMasterPhAnim="1">
+<p:sldLayout xmlns:a="http://schemas.openxmlformats.org/drawingml/2006/main" xmlns:r="http://schemas.openxmlformats.org/officeDocument/2006/relationships" xmlns:p="http://schemas.openxmlformats.org/presentationml/2006/main" type="tx">
   <p:cSld name="Leer">
     <p:spTree>
       <p:nvGrpSpPr>
@@ -2012,7 +2033,9 @@
       <p:sp>
         <p:nvSpPr>
           <p:cNvPr id="162" name="Foliennummer"/>
-          <p:cNvSpPr txBox="1"/>
+          <p:cNvSpPr txBox="1">
+            <a:spLocks noGrp="1"/>
+          </p:cNvSpPr>
           <p:nvPr>
             <p:ph type="sldNum" sz="quarter" idx="2"/>
           </p:nvPr>
@@ -2026,8 +2049,10 @@
           <a:bodyPr/>
           <a:lstStyle/>
           <a:p>
-            <a:pPr/>
-            <a:fld id="{86CB4B4D-7CA3-9044-876B-883B54F8677D}" type="slidenum"/>
+            <a:fld id="{86CB4B4D-7CA3-9044-876B-883B54F8677D}" type="slidenum">
+              <a:t>‹Nr.›</a:t>
+            </a:fld>
+            <a:endParaRPr/>
           </a:p>
         </p:txBody>
       </p:sp>
@@ -2036,12 +2061,12 @@
   <p:clrMapOvr>
     <a:masterClrMapping/>
   </p:clrMapOvr>
-  <p:transition xmlns:p14="http://schemas.microsoft.com/office/powerpoint/2010/main" spd="med" advClick="1"/>
+  <p:transition spd="med"/>
 </p:sldLayout>
 </file>
 
 <file path=ppt/slideLayouts/slideLayout2.xml><?xml version="1.0" encoding="utf-8"?>
-<p:sldLayout xmlns:a="http://schemas.openxmlformats.org/drawingml/2006/main" xmlns:r="http://schemas.openxmlformats.org/officeDocument/2006/relationships" xmlns:p="http://schemas.openxmlformats.org/presentationml/2006/main" xmlns:m="http://schemas.openxmlformats.org/officeDocument/2006/math" xmlns:a14="http://schemas.microsoft.com/office/drawing/2010/main" type="tx" showMasterSp="1" showMasterPhAnim="1">
+<p:sldLayout xmlns:a="http://schemas.openxmlformats.org/drawingml/2006/main" xmlns:r="http://schemas.openxmlformats.org/officeDocument/2006/relationships" xmlns:p="http://schemas.openxmlformats.org/presentationml/2006/main" type="tx">
   <p:cSld name="Titel &amp; Foto">
     <p:spTree>
       <p:nvGrpSpPr>
@@ -2060,7 +2085,9 @@
       <p:sp>
         <p:nvSpPr>
           <p:cNvPr id="21" name="Nahaufnahme eines Heißluftballons von oben"/>
-          <p:cNvSpPr/>
+          <p:cNvSpPr>
+            <a:spLocks noGrp="1"/>
+          </p:cNvSpPr>
           <p:nvPr>
             <p:ph type="pic" idx="21"/>
           </p:nvPr>
@@ -2080,14 +2107,16 @@
           </a:bodyPr>
           <a:lstStyle/>
           <a:p>
-            <a:pPr/>
+            <a:endParaRPr/>
           </a:p>
         </p:txBody>
       </p:sp>
       <p:sp>
         <p:nvSpPr>
           <p:cNvPr id="22" name="Titel der Präsentation"/>
-          <p:cNvSpPr txBox="1"/>
+          <p:cNvSpPr txBox="1">
+            <a:spLocks noGrp="1"/>
+          </p:cNvSpPr>
           <p:nvPr>
             <p:ph type="title" hasCustomPrompt="1"/>
           </p:nvPr>
@@ -2105,7 +2134,7 @@
           <a:bodyPr anchor="b"/>
           <a:lstStyle>
             <a:lvl1pPr>
-              <a:defRPr spc="-232" sz="11600">
+              <a:defRPr sz="11600" spc="-232">
                 <a:solidFill>
                   <a:srgbClr val="FFFFFF"/>
                 </a:solidFill>
@@ -2113,7 +2142,6 @@
             </a:lvl1pPr>
           </a:lstStyle>
           <a:p>
-            <a:pPr/>
             <a:r>
               <a:t>Titel der Präsentation</a:t>
             </a:r>
@@ -2123,7 +2151,9 @@
       <p:sp>
         <p:nvSpPr>
           <p:cNvPr id="23" name="Autor:in und Datum"/>
-          <p:cNvSpPr txBox="1"/>
+          <p:cNvSpPr txBox="1">
+            <a:spLocks noGrp="1"/>
+          </p:cNvSpPr>
           <p:nvPr>
             <p:ph type="body" sz="quarter" idx="22" hasCustomPrompt="1"/>
           </p:nvPr>
@@ -2149,11 +2179,10 @@
               </a:spcBef>
               <a:buSzTx/>
               <a:buNone/>
-              <a:defRPr b="1" sz="3600"/>
+              <a:defRPr sz="3600" b="1"/>
             </a:lvl1pPr>
           </a:lstStyle>
           <a:p>
-            <a:pPr/>
             <a:r>
               <a:t>Autor:in und Datum</a:t>
             </a:r>
@@ -2163,7 +2192,9 @@
       <p:sp>
         <p:nvSpPr>
           <p:cNvPr id="24" name="Textebene 1…"/>
-          <p:cNvSpPr txBox="1"/>
+          <p:cNvSpPr txBox="1">
+            <a:spLocks noGrp="1"/>
+          </p:cNvSpPr>
           <p:nvPr>
             <p:ph type="body" sz="quarter" idx="1" hasCustomPrompt="1"/>
           </p:nvPr>
@@ -2189,7 +2220,7 @@
               </a:spcBef>
               <a:buSzTx/>
               <a:buNone/>
-              <a:defRPr b="1" sz="5500">
+              <a:defRPr sz="5500" b="1">
                 <a:solidFill>
                   <a:srgbClr val="FFFFFF"/>
                 </a:solidFill>
@@ -2204,7 +2235,7 @@
               </a:spcBef>
               <a:buSzTx/>
               <a:buNone/>
-              <a:defRPr b="1" sz="5500">
+              <a:defRPr sz="5500" b="1">
                 <a:solidFill>
                   <a:srgbClr val="FFFFFF"/>
                 </a:solidFill>
@@ -2219,7 +2250,7 @@
               </a:spcBef>
               <a:buSzTx/>
               <a:buNone/>
-              <a:defRPr b="1" sz="5500">
+              <a:defRPr sz="5500" b="1">
                 <a:solidFill>
                   <a:srgbClr val="FFFFFF"/>
                 </a:solidFill>
@@ -2234,7 +2265,7 @@
               </a:spcBef>
               <a:buSzTx/>
               <a:buNone/>
-              <a:defRPr b="1" sz="5500">
+              <a:defRPr sz="5500" b="1">
                 <a:solidFill>
                   <a:srgbClr val="FFFFFF"/>
                 </a:solidFill>
@@ -2249,7 +2280,7 @@
               </a:spcBef>
               <a:buSzTx/>
               <a:buNone/>
-              <a:defRPr b="1" sz="5500">
+              <a:defRPr sz="5500" b="1">
                 <a:solidFill>
                   <a:srgbClr val="FFFFFF"/>
                 </a:solidFill>
@@ -2257,41 +2288,34 @@
             </a:lvl5pPr>
           </a:lstStyle>
           <a:p>
-            <a:pPr/>
             <a:r>
               <a:t>Präsentationsuntertitel</a:t>
             </a:r>
           </a:p>
           <a:p>
             <a:pPr lvl="1"/>
-            <a:r>
-              <a:t/>
-            </a:r>
+            <a:endParaRPr/>
           </a:p>
           <a:p>
             <a:pPr lvl="2"/>
-            <a:r>
-              <a:t/>
-            </a:r>
+            <a:endParaRPr/>
           </a:p>
           <a:p>
             <a:pPr lvl="3"/>
-            <a:r>
-              <a:t/>
-            </a:r>
+            <a:endParaRPr/>
           </a:p>
           <a:p>
             <a:pPr lvl="4"/>
-            <a:r>
-              <a:t/>
-            </a:r>
+            <a:endParaRPr/>
           </a:p>
         </p:txBody>
       </p:sp>
       <p:sp>
         <p:nvSpPr>
           <p:cNvPr id="25" name="Foliennummer"/>
-          <p:cNvSpPr txBox="1"/>
+          <p:cNvSpPr txBox="1">
+            <a:spLocks noGrp="1"/>
+          </p:cNvSpPr>
           <p:nvPr>
             <p:ph type="sldNum" sz="quarter" idx="2"/>
           </p:nvPr>
@@ -2313,8 +2337,10 @@
             </a:lvl1pPr>
           </a:lstStyle>
           <a:p>
-            <a:pPr/>
-            <a:fld id="{86CB4B4D-7CA3-9044-876B-883B54F8677D}" type="slidenum"/>
+            <a:fld id="{86CB4B4D-7CA3-9044-876B-883B54F8677D}" type="slidenum">
+              <a:t>‹Nr.›</a:t>
+            </a:fld>
+            <a:endParaRPr/>
           </a:p>
         </p:txBody>
       </p:sp>
@@ -2323,12 +2349,12 @@
   <p:clrMapOvr>
     <a:masterClrMapping/>
   </p:clrMapOvr>
-  <p:transition xmlns:p14="http://schemas.microsoft.com/office/powerpoint/2010/main" spd="med" advClick="1"/>
+  <p:transition spd="med"/>
 </p:sldLayout>
 </file>
 
 <file path=ppt/slideLayouts/slideLayout3.xml><?xml version="1.0" encoding="utf-8"?>
-<p:sldLayout xmlns:a="http://schemas.openxmlformats.org/drawingml/2006/main" xmlns:r="http://schemas.openxmlformats.org/officeDocument/2006/relationships" xmlns:p="http://schemas.openxmlformats.org/presentationml/2006/main" xmlns:m="http://schemas.openxmlformats.org/officeDocument/2006/math" xmlns:a14="http://schemas.microsoft.com/office/drawing/2010/main" type="tx" showMasterSp="1" showMasterPhAnim="1">
+<p:sldLayout xmlns:a="http://schemas.openxmlformats.org/drawingml/2006/main" xmlns:r="http://schemas.openxmlformats.org/officeDocument/2006/relationships" xmlns:p="http://schemas.openxmlformats.org/presentationml/2006/main" type="tx">
   <p:cSld name="Titel &amp; Foto 2">
     <p:spTree>
       <p:nvGrpSpPr>
@@ -2347,7 +2373,9 @@
       <p:sp>
         <p:nvSpPr>
           <p:cNvPr id="32" name="Nahaufnahme eines Heißluftballons von unten"/>
-          <p:cNvSpPr/>
+          <p:cNvSpPr>
+            <a:spLocks noGrp="1"/>
+          </p:cNvSpPr>
           <p:nvPr>
             <p:ph type="pic" idx="21"/>
           </p:nvPr>
@@ -2367,14 +2395,16 @@
           </a:bodyPr>
           <a:lstStyle/>
           <a:p>
-            <a:pPr/>
+            <a:endParaRPr/>
           </a:p>
         </p:txBody>
       </p:sp>
       <p:sp>
         <p:nvSpPr>
           <p:cNvPr id="33" name="Folientitel"/>
-          <p:cNvSpPr txBox="1"/>
+          <p:cNvSpPr txBox="1">
+            <a:spLocks noGrp="1"/>
+          </p:cNvSpPr>
           <p:nvPr>
             <p:ph type="title" hasCustomPrompt="1"/>
           </p:nvPr>
@@ -2392,7 +2422,6 @@
           <a:bodyPr anchor="b"/>
           <a:lstStyle/>
           <a:p>
-            <a:pPr/>
             <a:r>
               <a:t>Folientitel</a:t>
             </a:r>
@@ -2402,7 +2431,9 @@
       <p:sp>
         <p:nvSpPr>
           <p:cNvPr id="34" name="Textebene 1…"/>
-          <p:cNvSpPr txBox="1"/>
+          <p:cNvSpPr txBox="1">
+            <a:spLocks noGrp="1"/>
+          </p:cNvSpPr>
           <p:nvPr>
             <p:ph type="body" sz="quarter" idx="1" hasCustomPrompt="1"/>
           </p:nvPr>
@@ -2428,7 +2459,7 @@
               </a:spcBef>
               <a:buSzTx/>
               <a:buNone/>
-              <a:defRPr b="1" sz="5500"/>
+              <a:defRPr sz="5500" b="1"/>
             </a:lvl1pPr>
             <a:lvl2pPr marL="0" indent="457200" defTabSz="825500">
               <a:lnSpc>
@@ -2439,7 +2470,7 @@
               </a:spcBef>
               <a:buSzTx/>
               <a:buNone/>
-              <a:defRPr b="1" sz="5500"/>
+              <a:defRPr sz="5500" b="1"/>
             </a:lvl2pPr>
             <a:lvl3pPr marL="0" indent="914400" defTabSz="825500">
               <a:lnSpc>
@@ -2450,7 +2481,7 @@
               </a:spcBef>
               <a:buSzTx/>
               <a:buNone/>
-              <a:defRPr b="1" sz="5500"/>
+              <a:defRPr sz="5500" b="1"/>
             </a:lvl3pPr>
             <a:lvl4pPr marL="0" indent="1371600" defTabSz="825500">
               <a:lnSpc>
@@ -2461,7 +2492,7 @@
               </a:spcBef>
               <a:buSzTx/>
               <a:buNone/>
-              <a:defRPr b="1" sz="5500"/>
+              <a:defRPr sz="5500" b="1"/>
             </a:lvl4pPr>
             <a:lvl5pPr marL="0" indent="1828800" defTabSz="825500">
               <a:lnSpc>
@@ -2472,45 +2503,38 @@
               </a:spcBef>
               <a:buSzTx/>
               <a:buNone/>
-              <a:defRPr b="1" sz="5500"/>
+              <a:defRPr sz="5500" b="1"/>
             </a:lvl5pPr>
           </a:lstStyle>
           <a:p>
-            <a:pPr/>
             <a:r>
               <a:t>Folien-Untertitel</a:t>
             </a:r>
           </a:p>
           <a:p>
             <a:pPr lvl="1"/>
-            <a:r>
-              <a:t/>
-            </a:r>
+            <a:endParaRPr/>
           </a:p>
           <a:p>
             <a:pPr lvl="2"/>
-            <a:r>
-              <a:t/>
-            </a:r>
+            <a:endParaRPr/>
           </a:p>
           <a:p>
             <a:pPr lvl="3"/>
-            <a:r>
-              <a:t/>
-            </a:r>
+            <a:endParaRPr/>
           </a:p>
           <a:p>
             <a:pPr lvl="4"/>
-            <a:r>
-              <a:t/>
-            </a:r>
+            <a:endParaRPr/>
           </a:p>
         </p:txBody>
       </p:sp>
       <p:sp>
         <p:nvSpPr>
           <p:cNvPr id="35" name="Foliennummer"/>
-          <p:cNvSpPr txBox="1"/>
+          <p:cNvSpPr txBox="1">
+            <a:spLocks noGrp="1"/>
+          </p:cNvSpPr>
           <p:nvPr>
             <p:ph type="sldNum" sz="quarter" idx="2"/>
           </p:nvPr>
@@ -2528,8 +2552,10 @@
           <a:bodyPr/>
           <a:lstStyle/>
           <a:p>
-            <a:pPr/>
-            <a:fld id="{86CB4B4D-7CA3-9044-876B-883B54F8677D}" type="slidenum"/>
+            <a:fld id="{86CB4B4D-7CA3-9044-876B-883B54F8677D}" type="slidenum">
+              <a:t>‹Nr.›</a:t>
+            </a:fld>
+            <a:endParaRPr/>
           </a:p>
         </p:txBody>
       </p:sp>
@@ -2538,12 +2564,12 @@
   <p:clrMapOvr>
     <a:masterClrMapping/>
   </p:clrMapOvr>
-  <p:transition xmlns:p14="http://schemas.microsoft.com/office/powerpoint/2010/main" spd="med" advClick="1"/>
+  <p:transition spd="med"/>
 </p:sldLayout>
 </file>
 
 <file path=ppt/slideLayouts/slideLayout4.xml><?xml version="1.0" encoding="utf-8"?>
-<p:sldLayout xmlns:a="http://schemas.openxmlformats.org/drawingml/2006/main" xmlns:r="http://schemas.openxmlformats.org/officeDocument/2006/relationships" xmlns:p="http://schemas.openxmlformats.org/presentationml/2006/main" xmlns:m="http://schemas.openxmlformats.org/officeDocument/2006/math" xmlns:a14="http://schemas.microsoft.com/office/drawing/2010/main" type="tx" showMasterSp="1" showMasterPhAnim="1">
+<p:sldLayout xmlns:a="http://schemas.openxmlformats.org/drawingml/2006/main" xmlns:r="http://schemas.openxmlformats.org/officeDocument/2006/relationships" xmlns:p="http://schemas.openxmlformats.org/presentationml/2006/main" type="tx">
   <p:cSld name="Titel &amp; Punkte">
     <p:spTree>
       <p:nvGrpSpPr>
@@ -2562,7 +2588,9 @@
       <p:sp>
         <p:nvSpPr>
           <p:cNvPr id="42" name="Folientitel"/>
-          <p:cNvSpPr txBox="1"/>
+          <p:cNvSpPr txBox="1">
+            <a:spLocks noGrp="1"/>
+          </p:cNvSpPr>
           <p:nvPr>
             <p:ph type="title" hasCustomPrompt="1"/>
           </p:nvPr>
@@ -2576,7 +2604,6 @@
           <a:bodyPr/>
           <a:lstStyle/>
           <a:p>
-            <a:pPr/>
             <a:r>
               <a:t>Folientitel</a:t>
             </a:r>
@@ -2586,7 +2613,9 @@
       <p:sp>
         <p:nvSpPr>
           <p:cNvPr id="43" name="Folien-Untertitel"/>
-          <p:cNvSpPr txBox="1"/>
+          <p:cNvSpPr txBox="1">
+            <a:spLocks noGrp="1"/>
+          </p:cNvSpPr>
           <p:nvPr>
             <p:ph type="body" sz="quarter" idx="21" hasCustomPrompt="1"/>
           </p:nvPr>
@@ -2612,11 +2641,10 @@
               </a:spcBef>
               <a:buSzTx/>
               <a:buNone/>
-              <a:defRPr b="1" sz="5500"/>
+              <a:defRPr sz="5500" b="1"/>
             </a:lvl1pPr>
           </a:lstStyle>
           <a:p>
-            <a:pPr/>
             <a:r>
               <a:t>Folien-Untertitel</a:t>
             </a:r>
@@ -2626,7 +2654,9 @@
       <p:sp>
         <p:nvSpPr>
           <p:cNvPr id="44" name="Textebene 1…"/>
-          <p:cNvSpPr txBox="1"/>
+          <p:cNvSpPr txBox="1">
+            <a:spLocks noGrp="1"/>
+          </p:cNvSpPr>
           <p:nvPr>
             <p:ph type="body" idx="1" hasCustomPrompt="1"/>
           </p:nvPr>
@@ -2640,41 +2670,34 @@
           <a:bodyPr/>
           <a:lstStyle/>
           <a:p>
-            <a:pPr/>
             <a:r>
               <a:t>Text für Folienpunkt</a:t>
             </a:r>
           </a:p>
           <a:p>
             <a:pPr lvl="1"/>
-            <a:r>
-              <a:t/>
-            </a:r>
+            <a:endParaRPr/>
           </a:p>
           <a:p>
             <a:pPr lvl="2"/>
-            <a:r>
-              <a:t/>
-            </a:r>
+            <a:endParaRPr/>
           </a:p>
           <a:p>
             <a:pPr lvl="3"/>
-            <a:r>
-              <a:t/>
-            </a:r>
+            <a:endParaRPr/>
           </a:p>
           <a:p>
             <a:pPr lvl="4"/>
-            <a:r>
-              <a:t/>
-            </a:r>
+            <a:endParaRPr/>
           </a:p>
         </p:txBody>
       </p:sp>
       <p:sp>
         <p:nvSpPr>
           <p:cNvPr id="45" name="Foliennummer"/>
-          <p:cNvSpPr txBox="1"/>
+          <p:cNvSpPr txBox="1">
+            <a:spLocks noGrp="1"/>
+          </p:cNvSpPr>
           <p:nvPr>
             <p:ph type="sldNum" sz="quarter" idx="2"/>
           </p:nvPr>
@@ -2688,8 +2711,10 @@
           <a:bodyPr/>
           <a:lstStyle/>
           <a:p>
-            <a:pPr/>
-            <a:fld id="{86CB4B4D-7CA3-9044-876B-883B54F8677D}" type="slidenum"/>
+            <a:fld id="{86CB4B4D-7CA3-9044-876B-883B54F8677D}" type="slidenum">
+              <a:t>‹Nr.›</a:t>
+            </a:fld>
+            <a:endParaRPr/>
           </a:p>
         </p:txBody>
       </p:sp>
@@ -2698,12 +2723,12 @@
   <p:clrMapOvr>
     <a:masterClrMapping/>
   </p:clrMapOvr>
-  <p:transition xmlns:p14="http://schemas.microsoft.com/office/powerpoint/2010/main" spd="med" advClick="1"/>
+  <p:transition spd="med"/>
 </p:sldLayout>
 </file>
 
 <file path=ppt/slideLayouts/slideLayout5.xml><?xml version="1.0" encoding="utf-8"?>
-<p:sldLayout xmlns:a="http://schemas.openxmlformats.org/drawingml/2006/main" xmlns:r="http://schemas.openxmlformats.org/officeDocument/2006/relationships" xmlns:p="http://schemas.openxmlformats.org/presentationml/2006/main" xmlns:m="http://schemas.openxmlformats.org/officeDocument/2006/math" xmlns:a14="http://schemas.microsoft.com/office/drawing/2010/main" type="tx" showMasterSp="1" showMasterPhAnim="1">
+<p:sldLayout xmlns:a="http://schemas.openxmlformats.org/drawingml/2006/main" xmlns:r="http://schemas.openxmlformats.org/officeDocument/2006/relationships" xmlns:p="http://schemas.openxmlformats.org/presentationml/2006/main" type="tx">
   <p:cSld name="Punkte">
     <p:spTree>
       <p:nvGrpSpPr>
@@ -2722,7 +2747,9 @@
       <p:sp>
         <p:nvSpPr>
           <p:cNvPr id="52" name="Textebene 1…"/>
-          <p:cNvSpPr txBox="1"/>
+          <p:cNvSpPr txBox="1">
+            <a:spLocks noGrp="1"/>
+          </p:cNvSpPr>
           <p:nvPr>
             <p:ph type="body" idx="1" hasCustomPrompt="1"/>
           </p:nvPr>
@@ -2736,41 +2763,34 @@
           <a:bodyPr numCol="2" spcCol="1098550"/>
           <a:lstStyle/>
           <a:p>
-            <a:pPr/>
             <a:r>
               <a:t>Text für Folienpunkt</a:t>
             </a:r>
           </a:p>
           <a:p>
             <a:pPr lvl="1"/>
-            <a:r>
-              <a:t/>
-            </a:r>
+            <a:endParaRPr/>
           </a:p>
           <a:p>
             <a:pPr lvl="2"/>
-            <a:r>
-              <a:t/>
-            </a:r>
+            <a:endParaRPr/>
           </a:p>
           <a:p>
             <a:pPr lvl="3"/>
-            <a:r>
-              <a:t/>
-            </a:r>
+            <a:endParaRPr/>
           </a:p>
           <a:p>
             <a:pPr lvl="4"/>
-            <a:r>
-              <a:t/>
-            </a:r>
+            <a:endParaRPr/>
           </a:p>
         </p:txBody>
       </p:sp>
       <p:sp>
         <p:nvSpPr>
           <p:cNvPr id="53" name="Foliennummer"/>
-          <p:cNvSpPr txBox="1"/>
+          <p:cNvSpPr txBox="1">
+            <a:spLocks noGrp="1"/>
+          </p:cNvSpPr>
           <p:nvPr>
             <p:ph type="sldNum" sz="quarter" idx="2"/>
           </p:nvPr>
@@ -2784,8 +2804,10 @@
           <a:bodyPr/>
           <a:lstStyle/>
           <a:p>
-            <a:pPr/>
-            <a:fld id="{86CB4B4D-7CA3-9044-876B-883B54F8677D}" type="slidenum"/>
+            <a:fld id="{86CB4B4D-7CA3-9044-876B-883B54F8677D}" type="slidenum">
+              <a:t>‹Nr.›</a:t>
+            </a:fld>
+            <a:endParaRPr/>
           </a:p>
         </p:txBody>
       </p:sp>
@@ -2794,12 +2816,12 @@
   <p:clrMapOvr>
     <a:masterClrMapping/>
   </p:clrMapOvr>
-  <p:transition xmlns:p14="http://schemas.microsoft.com/office/powerpoint/2010/main" spd="med" advClick="1"/>
+  <p:transition spd="med"/>
 </p:sldLayout>
 </file>
 
 <file path=ppt/slideLayouts/slideLayout6.xml><?xml version="1.0" encoding="utf-8"?>
-<p:sldLayout xmlns:a="http://schemas.openxmlformats.org/drawingml/2006/main" xmlns:r="http://schemas.openxmlformats.org/officeDocument/2006/relationships" xmlns:p="http://schemas.openxmlformats.org/presentationml/2006/main" xmlns:m="http://schemas.openxmlformats.org/officeDocument/2006/math" xmlns:a14="http://schemas.microsoft.com/office/drawing/2010/main" type="tx" showMasterSp="1" showMasterPhAnim="1">
+<p:sldLayout xmlns:a="http://schemas.openxmlformats.org/drawingml/2006/main" xmlns:r="http://schemas.openxmlformats.org/officeDocument/2006/relationships" xmlns:p="http://schemas.openxmlformats.org/presentationml/2006/main" type="tx">
   <p:cSld name="Titel, Punkte &amp; Foto">
     <p:spTree>
       <p:nvGrpSpPr>
@@ -2818,7 +2840,9 @@
       <p:sp>
         <p:nvSpPr>
           <p:cNvPr id="60" name="Folien-Untertitel"/>
-          <p:cNvSpPr txBox="1"/>
+          <p:cNvSpPr txBox="1">
+            <a:spLocks noGrp="1"/>
+          </p:cNvSpPr>
           <p:nvPr>
             <p:ph type="body" sz="quarter" idx="21" hasCustomPrompt="1"/>
           </p:nvPr>
@@ -2844,11 +2868,10 @@
               </a:spcBef>
               <a:buSzTx/>
               <a:buNone/>
-              <a:defRPr b="1" sz="5500"/>
+              <a:defRPr sz="5500" b="1"/>
             </a:lvl1pPr>
           </a:lstStyle>
           <a:p>
-            <a:pPr/>
             <a:r>
               <a:t>Folien-Untertitel</a:t>
             </a:r>
@@ -2858,7 +2881,9 @@
       <p:sp>
         <p:nvSpPr>
           <p:cNvPr id="61" name="Textebene 1…"/>
-          <p:cNvSpPr txBox="1"/>
+          <p:cNvSpPr txBox="1">
+            <a:spLocks noGrp="1"/>
+          </p:cNvSpPr>
           <p:nvPr>
             <p:ph type="body" sz="half" idx="1" hasCustomPrompt="1"/>
           </p:nvPr>
@@ -2876,41 +2901,34 @@
           <a:bodyPr/>
           <a:lstStyle/>
           <a:p>
-            <a:pPr/>
             <a:r>
               <a:t>Text für Folienpunkt</a:t>
             </a:r>
           </a:p>
           <a:p>
             <a:pPr lvl="1"/>
-            <a:r>
-              <a:t/>
-            </a:r>
+            <a:endParaRPr/>
           </a:p>
           <a:p>
             <a:pPr lvl="2"/>
-            <a:r>
-              <a:t/>
-            </a:r>
+            <a:endParaRPr/>
           </a:p>
           <a:p>
             <a:pPr lvl="3"/>
-            <a:r>
-              <a:t/>
-            </a:r>
+            <a:endParaRPr/>
           </a:p>
           <a:p>
             <a:pPr lvl="4"/>
-            <a:r>
-              <a:t/>
-            </a:r>
+            <a:endParaRPr/>
           </a:p>
         </p:txBody>
       </p:sp>
       <p:sp>
         <p:nvSpPr>
           <p:cNvPr id="62" name="Heißluftballon von unten vor blauem Himmel"/>
-          <p:cNvSpPr/>
+          <p:cNvSpPr>
+            <a:spLocks noGrp="1"/>
+          </p:cNvSpPr>
           <p:nvPr>
             <p:ph type="pic" idx="22"/>
           </p:nvPr>
@@ -2930,14 +2948,16 @@
           </a:bodyPr>
           <a:lstStyle/>
           <a:p>
-            <a:pPr/>
+            <a:endParaRPr/>
           </a:p>
         </p:txBody>
       </p:sp>
       <p:sp>
         <p:nvSpPr>
           <p:cNvPr id="63" name="Folientitel"/>
-          <p:cNvSpPr txBox="1"/>
+          <p:cNvSpPr txBox="1">
+            <a:spLocks noGrp="1"/>
+          </p:cNvSpPr>
           <p:nvPr>
             <p:ph type="title" hasCustomPrompt="1"/>
           </p:nvPr>
@@ -2955,7 +2975,6 @@
           <a:bodyPr/>
           <a:lstStyle/>
           <a:p>
-            <a:pPr/>
             <a:r>
               <a:t>Folientitel</a:t>
             </a:r>
@@ -2965,7 +2984,9 @@
       <p:sp>
         <p:nvSpPr>
           <p:cNvPr id="64" name="Foliennummer"/>
-          <p:cNvSpPr txBox="1"/>
+          <p:cNvSpPr txBox="1">
+            <a:spLocks noGrp="1"/>
+          </p:cNvSpPr>
           <p:nvPr>
             <p:ph type="sldNum" sz="quarter" idx="2"/>
           </p:nvPr>
@@ -2979,8 +3000,10 @@
           <a:bodyPr/>
           <a:lstStyle/>
           <a:p>
-            <a:pPr/>
-            <a:fld id="{86CB4B4D-7CA3-9044-876B-883B54F8677D}" type="slidenum"/>
+            <a:fld id="{86CB4B4D-7CA3-9044-876B-883B54F8677D}" type="slidenum">
+              <a:t>‹Nr.›</a:t>
+            </a:fld>
+            <a:endParaRPr/>
           </a:p>
         </p:txBody>
       </p:sp>
@@ -2989,12 +3012,12 @@
   <p:clrMapOvr>
     <a:masterClrMapping/>
   </p:clrMapOvr>
-  <p:transition xmlns:p14="http://schemas.microsoft.com/office/powerpoint/2010/main" spd="med" advClick="1"/>
+  <p:transition spd="med"/>
 </p:sldLayout>
 </file>
 
 <file path=ppt/slideLayouts/slideLayout7.xml><?xml version="1.0" encoding="utf-8"?>
-<p:sldLayout xmlns:a="http://schemas.openxmlformats.org/drawingml/2006/main" xmlns:r="http://schemas.openxmlformats.org/officeDocument/2006/relationships" xmlns:p="http://schemas.openxmlformats.org/presentationml/2006/main" xmlns:m="http://schemas.openxmlformats.org/officeDocument/2006/math" xmlns:a14="http://schemas.microsoft.com/office/drawing/2010/main" type="tx" showMasterSp="1" showMasterPhAnim="1">
+<p:sldLayout xmlns:a="http://schemas.openxmlformats.org/drawingml/2006/main" xmlns:r="http://schemas.openxmlformats.org/officeDocument/2006/relationships" xmlns:p="http://schemas.openxmlformats.org/presentationml/2006/main" type="tx">
   <p:cSld name="Titel, Punkte &amp; Livevideo – klein">
     <p:spTree>
       <p:nvGrpSpPr>
@@ -3013,7 +3036,9 @@
       <p:sp>
         <p:nvSpPr>
           <p:cNvPr id="71" name="Folien-Untertitel"/>
-          <p:cNvSpPr txBox="1"/>
+          <p:cNvSpPr txBox="1">
+            <a:spLocks noGrp="1"/>
+          </p:cNvSpPr>
           <p:nvPr>
             <p:ph type="body" sz="quarter" idx="21" hasCustomPrompt="1"/>
           </p:nvPr>
@@ -3039,11 +3064,10 @@
               </a:spcBef>
               <a:buSzTx/>
               <a:buNone/>
-              <a:defRPr b="1" sz="5500"/>
+              <a:defRPr sz="5500" b="1"/>
             </a:lvl1pPr>
           </a:lstStyle>
           <a:p>
-            <a:pPr/>
             <a:r>
               <a:t>Folien-Untertitel</a:t>
             </a:r>
@@ -3053,7 +3077,9 @@
       <p:sp>
         <p:nvSpPr>
           <p:cNvPr id="72" name="Textebene 1…"/>
-          <p:cNvSpPr txBox="1"/>
+          <p:cNvSpPr txBox="1">
+            <a:spLocks noGrp="1"/>
+          </p:cNvSpPr>
           <p:nvPr>
             <p:ph type="body" sz="half" idx="1" hasCustomPrompt="1"/>
           </p:nvPr>
@@ -3071,41 +3097,34 @@
           <a:bodyPr/>
           <a:lstStyle/>
           <a:p>
-            <a:pPr/>
             <a:r>
               <a:t>Text für Folienpunkt</a:t>
             </a:r>
           </a:p>
           <a:p>
             <a:pPr lvl="1"/>
-            <a:r>
-              <a:t/>
-            </a:r>
+            <a:endParaRPr/>
           </a:p>
           <a:p>
             <a:pPr lvl="2"/>
-            <a:r>
-              <a:t/>
-            </a:r>
+            <a:endParaRPr/>
           </a:p>
           <a:p>
             <a:pPr lvl="3"/>
-            <a:r>
-              <a:t/>
-            </a:r>
+            <a:endParaRPr/>
           </a:p>
           <a:p>
             <a:pPr lvl="4"/>
-            <a:r>
-              <a:t/>
-            </a:r>
+            <a:endParaRPr/>
           </a:p>
         </p:txBody>
       </p:sp>
       <p:sp>
         <p:nvSpPr>
           <p:cNvPr id="73" name="Folientitel"/>
-          <p:cNvSpPr txBox="1"/>
+          <p:cNvSpPr txBox="1">
+            <a:spLocks noGrp="1"/>
+          </p:cNvSpPr>
           <p:nvPr>
             <p:ph type="title" hasCustomPrompt="1"/>
           </p:nvPr>
@@ -3123,7 +3142,6 @@
           <a:bodyPr/>
           <a:lstStyle/>
           <a:p>
-            <a:pPr/>
             <a:r>
               <a:t>Folientitel</a:t>
             </a:r>
@@ -3133,7 +3151,9 @@
       <p:sp>
         <p:nvSpPr>
           <p:cNvPr id="74" name="Foliennummer"/>
-          <p:cNvSpPr txBox="1"/>
+          <p:cNvSpPr txBox="1">
+            <a:spLocks noGrp="1"/>
+          </p:cNvSpPr>
           <p:nvPr>
             <p:ph type="sldNum" sz="quarter" idx="2"/>
           </p:nvPr>
@@ -3147,8 +3167,10 @@
           <a:bodyPr/>
           <a:lstStyle/>
           <a:p>
-            <a:pPr/>
-            <a:fld id="{86CB4B4D-7CA3-9044-876B-883B54F8677D}" type="slidenum"/>
+            <a:fld id="{86CB4B4D-7CA3-9044-876B-883B54F8677D}" type="slidenum">
+              <a:t>‹Nr.›</a:t>
+            </a:fld>
+            <a:endParaRPr/>
           </a:p>
         </p:txBody>
       </p:sp>
@@ -3157,12 +3179,12 @@
   <p:clrMapOvr>
     <a:masterClrMapping/>
   </p:clrMapOvr>
-  <p:transition xmlns:p14="http://schemas.microsoft.com/office/powerpoint/2010/main" spd="med" advClick="1"/>
+  <p:transition spd="med"/>
 </p:sldLayout>
 </file>
 
 <file path=ppt/slideLayouts/slideLayout8.xml><?xml version="1.0" encoding="utf-8"?>
-<p:sldLayout xmlns:a="http://schemas.openxmlformats.org/drawingml/2006/main" xmlns:r="http://schemas.openxmlformats.org/officeDocument/2006/relationships" xmlns:p="http://schemas.openxmlformats.org/presentationml/2006/main" xmlns:m="http://schemas.openxmlformats.org/officeDocument/2006/math" xmlns:a14="http://schemas.microsoft.com/office/drawing/2010/main" type="tx" showMasterSp="1" showMasterPhAnim="1">
+<p:sldLayout xmlns:a="http://schemas.openxmlformats.org/drawingml/2006/main" xmlns:r="http://schemas.openxmlformats.org/officeDocument/2006/relationships" xmlns:p="http://schemas.openxmlformats.org/presentationml/2006/main" type="tx">
   <p:cSld name="Titel, Punkte &amp; Livevideo – groß">
     <p:spTree>
       <p:nvGrpSpPr>
@@ -3181,7 +3203,9 @@
       <p:sp>
         <p:nvSpPr>
           <p:cNvPr id="81" name="Folien-Untertitel"/>
-          <p:cNvSpPr txBox="1"/>
+          <p:cNvSpPr txBox="1">
+            <a:spLocks noGrp="1"/>
+          </p:cNvSpPr>
           <p:nvPr>
             <p:ph type="body" sz="quarter" idx="21" hasCustomPrompt="1"/>
           </p:nvPr>
@@ -3207,11 +3231,10 @@
               </a:spcBef>
               <a:buSzTx/>
               <a:buNone/>
-              <a:defRPr b="1" sz="5500"/>
+              <a:defRPr sz="5500" b="1"/>
             </a:lvl1pPr>
           </a:lstStyle>
           <a:p>
-            <a:pPr/>
             <a:r>
               <a:t>Folien-Untertitel</a:t>
             </a:r>
@@ -3221,7 +3244,9 @@
       <p:sp>
         <p:nvSpPr>
           <p:cNvPr id="82" name="Textebene 1…"/>
-          <p:cNvSpPr txBox="1"/>
+          <p:cNvSpPr txBox="1">
+            <a:spLocks noGrp="1"/>
+          </p:cNvSpPr>
           <p:nvPr>
             <p:ph type="body" sz="half" idx="1" hasCustomPrompt="1"/>
           </p:nvPr>
@@ -3239,41 +3264,34 @@
           <a:bodyPr/>
           <a:lstStyle/>
           <a:p>
-            <a:pPr/>
             <a:r>
               <a:t>Text für Folienpunkt</a:t>
             </a:r>
           </a:p>
           <a:p>
             <a:pPr lvl="1"/>
-            <a:r>
-              <a:t/>
-            </a:r>
+            <a:endParaRPr/>
           </a:p>
           <a:p>
             <a:pPr lvl="2"/>
-            <a:r>
-              <a:t/>
-            </a:r>
+            <a:endParaRPr/>
           </a:p>
           <a:p>
             <a:pPr lvl="3"/>
-            <a:r>
-              <a:t/>
-            </a:r>
+            <a:endParaRPr/>
           </a:p>
           <a:p>
             <a:pPr lvl="4"/>
-            <a:r>
-              <a:t/>
-            </a:r>
+            <a:endParaRPr/>
           </a:p>
         </p:txBody>
       </p:sp>
       <p:sp>
         <p:nvSpPr>
           <p:cNvPr id="83" name="Folientitel"/>
-          <p:cNvSpPr txBox="1"/>
+          <p:cNvSpPr txBox="1">
+            <a:spLocks noGrp="1"/>
+          </p:cNvSpPr>
           <p:nvPr>
             <p:ph type="title" hasCustomPrompt="1"/>
           </p:nvPr>
@@ -3291,7 +3309,6 @@
           <a:bodyPr/>
           <a:lstStyle/>
           <a:p>
-            <a:pPr/>
             <a:r>
               <a:t>Folientitel</a:t>
             </a:r>
@@ -3301,7 +3318,9 @@
       <p:sp>
         <p:nvSpPr>
           <p:cNvPr id="84" name="Foliennummer"/>
-          <p:cNvSpPr txBox="1"/>
+          <p:cNvSpPr txBox="1">
+            <a:spLocks noGrp="1"/>
+          </p:cNvSpPr>
           <p:nvPr>
             <p:ph type="sldNum" sz="quarter" idx="2"/>
           </p:nvPr>
@@ -3315,8 +3334,10 @@
           <a:bodyPr/>
           <a:lstStyle/>
           <a:p>
-            <a:pPr/>
-            <a:fld id="{86CB4B4D-7CA3-9044-876B-883B54F8677D}" type="slidenum"/>
+            <a:fld id="{86CB4B4D-7CA3-9044-876B-883B54F8677D}" type="slidenum">
+              <a:t>‹Nr.›</a:t>
+            </a:fld>
+            <a:endParaRPr/>
           </a:p>
         </p:txBody>
       </p:sp>
@@ -3325,18 +3346,19 @@
   <p:clrMapOvr>
     <a:masterClrMapping/>
   </p:clrMapOvr>
-  <p:transition xmlns:p14="http://schemas.microsoft.com/office/powerpoint/2010/main" spd="med" advClick="1"/>
+  <p:transition spd="med"/>
 </p:sldLayout>
 </file>
 
 <file path=ppt/slideLayouts/slideLayout9.xml><?xml version="1.0" encoding="utf-8"?>
-<p:sldLayout xmlns:a="http://schemas.openxmlformats.org/drawingml/2006/main" xmlns:r="http://schemas.openxmlformats.org/officeDocument/2006/relationships" xmlns:p="http://schemas.openxmlformats.org/presentationml/2006/main" xmlns:m="http://schemas.openxmlformats.org/officeDocument/2006/math" xmlns:a14="http://schemas.microsoft.com/office/drawing/2010/main" type="tx" showMasterSp="1" showMasterPhAnim="1">
+<p:sldLayout xmlns:a="http://schemas.openxmlformats.org/drawingml/2006/main" xmlns:r="http://schemas.openxmlformats.org/officeDocument/2006/relationships" xmlns:p="http://schemas.openxmlformats.org/presentationml/2006/main" type="tx">
   <p:cSld name="Abschnitt">
     <p:bg>
       <p:bgPr>
         <a:solidFill>
           <a:srgbClr val="003462"/>
         </a:solidFill>
+        <a:effectLst/>
       </p:bgPr>
     </p:bg>
     <p:spTree>
@@ -3356,7 +3378,9 @@
       <p:sp>
         <p:nvSpPr>
           <p:cNvPr id="91" name="Titel des Abschnitts"/>
-          <p:cNvSpPr txBox="1"/>
+          <p:cNvSpPr txBox="1">
+            <a:spLocks noGrp="1"/>
+          </p:cNvSpPr>
           <p:nvPr>
             <p:ph type="title" hasCustomPrompt="1"/>
           </p:nvPr>
@@ -3374,7 +3398,7 @@
           <a:bodyPr anchor="ctr"/>
           <a:lstStyle>
             <a:lvl1pPr>
-              <a:defRPr b="0" spc="-232" sz="11600">
+              <a:defRPr sz="11600" b="0" spc="-232">
                 <a:solidFill>
                   <a:srgbClr val="FFFFFF"/>
                 </a:solidFill>
@@ -3386,7 +3410,6 @@
             </a:lvl1pPr>
           </a:lstStyle>
           <a:p>
-            <a:pPr/>
             <a:r>
               <a:t>Titel des Abschnitts</a:t>
             </a:r>
@@ -3396,7 +3419,9 @@
       <p:sp>
         <p:nvSpPr>
           <p:cNvPr id="92" name="Foliennummer"/>
-          <p:cNvSpPr txBox="1"/>
+          <p:cNvSpPr txBox="1">
+            <a:spLocks noGrp="1"/>
+          </p:cNvSpPr>
           <p:nvPr>
             <p:ph type="sldNum" sz="quarter" idx="2"/>
           </p:nvPr>
@@ -3422,8 +3447,10 @@
             </a:lvl1pPr>
           </a:lstStyle>
           <a:p>
-            <a:pPr/>
-            <a:fld id="{86CB4B4D-7CA3-9044-876B-883B54F8677D}" type="slidenum"/>
+            <a:fld id="{86CB4B4D-7CA3-9044-876B-883B54F8677D}" type="slidenum">
+              <a:t>‹Nr.›</a:t>
+            </a:fld>
+            <a:endParaRPr/>
           </a:p>
         </p:txBody>
       </p:sp>
@@ -3432,18 +3459,19 @@
   <p:clrMapOvr>
     <a:masterClrMapping/>
   </p:clrMapOvr>
-  <p:transition xmlns:p14="http://schemas.microsoft.com/office/powerpoint/2010/main" spd="med" advClick="1"/>
+  <p:transition spd="med"/>
 </p:sldLayout>
 </file>
 
 <file path=ppt/slideMasters/slideMaster1.xml><?xml version="1.0" encoding="utf-8"?>
-<p:sldMaster xmlns:a="http://schemas.openxmlformats.org/drawingml/2006/main" xmlns:r="http://schemas.openxmlformats.org/officeDocument/2006/relationships" xmlns:p="http://schemas.openxmlformats.org/presentationml/2006/main" xmlns:m="http://schemas.openxmlformats.org/officeDocument/2006/math" xmlns:a14="http://schemas.microsoft.com/office/drawing/2010/main">
+<p:sldMaster xmlns:a="http://schemas.openxmlformats.org/drawingml/2006/main" xmlns:r="http://schemas.openxmlformats.org/officeDocument/2006/relationships" xmlns:p="http://schemas.openxmlformats.org/presentationml/2006/main">
   <p:cSld>
     <p:bg>
       <p:bgPr>
         <a:solidFill>
           <a:srgbClr val="FFFFFF"/>
         </a:solidFill>
+        <a:effectLst/>
       </p:bgPr>
     </p:bg>
     <p:spTree>
@@ -3463,7 +3491,9 @@
       <p:sp>
         <p:nvSpPr>
           <p:cNvPr id="2" name="Folientitel"/>
-          <p:cNvSpPr txBox="1"/>
+          <p:cNvSpPr txBox="1">
+            <a:spLocks noGrp="1"/>
+          </p:cNvSpPr>
           <p:nvPr>
             <p:ph type="title" hasCustomPrompt="1"/>
           </p:nvPr>
@@ -3481,17 +3511,16 @@
           </a:ln>
           <a:extLst>
             <a:ext uri="{C572A759-6A51-4108-AA02-DFA0A04FC94B}">
-              <ma14:wrappingTextBoxFlag xmlns:ma14="http://schemas.microsoft.com/office/mac/drawingml/2011/main" val="1"/>
+              <ma14:wrappingTextBoxFlag xmlns:ma14="http://schemas.microsoft.com/office/mac/drawingml/2011/main" xmlns:a14="http://schemas.microsoft.com/office/drawing/2010/main" xmlns:m="http://schemas.openxmlformats.org/officeDocument/2006/math" xmlns="" val="1"/>
             </a:ext>
           </a:extLst>
         </p:spPr>
         <p:txBody>
           <a:bodyPr lIns="50800" tIns="50800" rIns="50800" bIns="50800">
-            <a:normAutofit fontScale="100000" lnSpcReduction="0"/>
+            <a:normAutofit/>
           </a:bodyPr>
           <a:lstStyle/>
           <a:p>
-            <a:pPr/>
             <a:r>
               <a:t>Folientitel</a:t>
             </a:r>
@@ -3501,7 +3530,9 @@
       <p:sp>
         <p:nvSpPr>
           <p:cNvPr id="3" name="Textebene 1…"/>
-          <p:cNvSpPr txBox="1"/>
+          <p:cNvSpPr txBox="1">
+            <a:spLocks noGrp="1"/>
+          </p:cNvSpPr>
           <p:nvPr>
             <p:ph type="body" idx="1" hasCustomPrompt="1"/>
           </p:nvPr>
@@ -3519,51 +3550,44 @@
           </a:ln>
           <a:extLst>
             <a:ext uri="{C572A759-6A51-4108-AA02-DFA0A04FC94B}">
-              <ma14:wrappingTextBoxFlag xmlns:ma14="http://schemas.microsoft.com/office/mac/drawingml/2011/main" val="1"/>
+              <ma14:wrappingTextBoxFlag xmlns:ma14="http://schemas.microsoft.com/office/mac/drawingml/2011/main" xmlns:a14="http://schemas.microsoft.com/office/drawing/2010/main" xmlns:m="http://schemas.openxmlformats.org/officeDocument/2006/math" xmlns="" val="1"/>
             </a:ext>
           </a:extLst>
         </p:spPr>
         <p:txBody>
           <a:bodyPr lIns="50800" tIns="50800" rIns="50800" bIns="50800">
-            <a:normAutofit fontScale="100000" lnSpcReduction="0"/>
+            <a:normAutofit/>
           </a:bodyPr>
           <a:lstStyle/>
           <a:p>
-            <a:pPr/>
             <a:r>
               <a:t>Text für Folienpunkt</a:t>
             </a:r>
           </a:p>
           <a:p>
             <a:pPr lvl="1"/>
-            <a:r>
-              <a:t/>
-            </a:r>
+            <a:endParaRPr/>
           </a:p>
           <a:p>
             <a:pPr lvl="2"/>
-            <a:r>
-              <a:t/>
-            </a:r>
+            <a:endParaRPr/>
           </a:p>
           <a:p>
             <a:pPr lvl="3"/>
-            <a:r>
-              <a:t/>
-            </a:r>
+            <a:endParaRPr/>
           </a:p>
           <a:p>
             <a:pPr lvl="4"/>
-            <a:r>
-              <a:t/>
-            </a:r>
+            <a:endParaRPr/>
           </a:p>
         </p:txBody>
       </p:sp>
       <p:sp>
         <p:nvSpPr>
           <p:cNvPr id="4" name="Foliennummer"/>
-          <p:cNvSpPr txBox="1"/>
+          <p:cNvSpPr txBox="1">
+            <a:spLocks noGrp="1"/>
+          </p:cNvSpPr>
           <p:nvPr>
             <p:ph type="sldNum" sz="quarter" idx="2"/>
           </p:nvPr>
@@ -3596,8 +3620,10 @@
             </a:lvl1pPr>
           </a:lstStyle>
           <a:p>
-            <a:pPr/>
-            <a:fld id="{86CB4B4D-7CA3-9044-876B-883B54F8677D}" type="slidenum"/>
+            <a:fld id="{86CB4B4D-7CA3-9044-876B-883B54F8677D}" type="slidenum">
+              <a:t>‹Nr.›</a:t>
+            </a:fld>
+            <a:endParaRPr/>
           </a:p>
         </p:txBody>
       </p:sp>
@@ -3605,25 +3631,25 @@
   </p:cSld>
   <p:clrMap bg1="lt1" tx1="dk1" bg2="lt2" tx2="dk2" accent1="accent1" accent2="accent2" accent3="accent3" accent4="accent4" accent5="accent5" accent6="accent6" hlink="hlink" folHlink="folHlink"/>
   <p:sldLayoutIdLst>
-    <p:sldLayoutId id="2147483649" r:id="rId2"/>
-    <p:sldLayoutId id="2147483650" r:id="rId3"/>
-    <p:sldLayoutId id="2147483651" r:id="rId4"/>
-    <p:sldLayoutId id="2147483652" r:id="rId5"/>
-    <p:sldLayoutId id="2147483653" r:id="rId6"/>
-    <p:sldLayoutId id="2147483654" r:id="rId7"/>
-    <p:sldLayoutId id="2147483655" r:id="rId8"/>
-    <p:sldLayoutId id="2147483656" r:id="rId9"/>
-    <p:sldLayoutId id="2147483657" r:id="rId10"/>
-    <p:sldLayoutId id="2147483658" r:id="rId11"/>
-    <p:sldLayoutId id="2147483659" r:id="rId12"/>
-    <p:sldLayoutId id="2147483660" r:id="rId13"/>
-    <p:sldLayoutId id="2147483661" r:id="rId14"/>
-    <p:sldLayoutId id="2147483662" r:id="rId15"/>
-    <p:sldLayoutId id="2147483663" r:id="rId16"/>
-    <p:sldLayoutId id="2147483664" r:id="rId17"/>
-    <p:sldLayoutId id="2147483665" r:id="rId18"/>
+    <p:sldLayoutId id="2147483649" r:id="rId1"/>
+    <p:sldLayoutId id="2147483650" r:id="rId2"/>
+    <p:sldLayoutId id="2147483651" r:id="rId3"/>
+    <p:sldLayoutId id="2147483652" r:id="rId4"/>
+    <p:sldLayoutId id="2147483653" r:id="rId5"/>
+    <p:sldLayoutId id="2147483654" r:id="rId6"/>
+    <p:sldLayoutId id="2147483655" r:id="rId7"/>
+    <p:sldLayoutId id="2147483656" r:id="rId8"/>
+    <p:sldLayoutId id="2147483657" r:id="rId9"/>
+    <p:sldLayoutId id="2147483658" r:id="rId10"/>
+    <p:sldLayoutId id="2147483659" r:id="rId11"/>
+    <p:sldLayoutId id="2147483660" r:id="rId12"/>
+    <p:sldLayoutId id="2147483661" r:id="rId13"/>
+    <p:sldLayoutId id="2147483662" r:id="rId14"/>
+    <p:sldLayoutId id="2147483663" r:id="rId15"/>
+    <p:sldLayoutId id="2147483664" r:id="rId16"/>
+    <p:sldLayoutId id="2147483665" r:id="rId17"/>
   </p:sldLayoutIdLst>
-  <p:transition xmlns:p14="http://schemas.microsoft.com/office/powerpoint/2010/main" spd="med" advClick="1"/>
+  <p:transition spd="med"/>
   <p:txStyles>
     <p:titleStyle>
       <a:lvl1pPr marL="0" marR="0" indent="0" algn="l" defTabSz="2438338" rtl="0" latinLnBrk="0">
@@ -3641,7 +3667,7 @@
         <a:buFontTx/>
         <a:buNone/>
         <a:tabLst/>
-        <a:defRPr b="1" baseline="0" cap="none" i="0" spc="-170" strike="noStrike" sz="8500" u="none">
+        <a:defRPr sz="8500" b="1" i="0" u="none" strike="noStrike" cap="none" spc="-170" baseline="0">
           <a:solidFill>
             <a:schemeClr val="accent1">
               <a:hueOff val="114395"/>
@@ -3670,7 +3696,7 @@
         <a:buFontTx/>
         <a:buNone/>
         <a:tabLst/>
-        <a:defRPr b="1" baseline="0" cap="none" i="0" spc="-170" strike="noStrike" sz="8500" u="none">
+        <a:defRPr sz="8500" b="1" i="0" u="none" strike="noStrike" cap="none" spc="-170" baseline="0">
           <a:solidFill>
             <a:schemeClr val="accent1">
               <a:hueOff val="114395"/>
@@ -3699,7 +3725,7 @@
         <a:buFontTx/>
         <a:buNone/>
         <a:tabLst/>
-        <a:defRPr b="1" baseline="0" cap="none" i="0" spc="-170" strike="noStrike" sz="8500" u="none">
+        <a:defRPr sz="8500" b="1" i="0" u="none" strike="noStrike" cap="none" spc="-170" baseline="0">
           <a:solidFill>
             <a:schemeClr val="accent1">
               <a:hueOff val="114395"/>
@@ -3728,7 +3754,7 @@
         <a:buFontTx/>
         <a:buNone/>
         <a:tabLst/>
-        <a:defRPr b="1" baseline="0" cap="none" i="0" spc="-170" strike="noStrike" sz="8500" u="none">
+        <a:defRPr sz="8500" b="1" i="0" u="none" strike="noStrike" cap="none" spc="-170" baseline="0">
           <a:solidFill>
             <a:schemeClr val="accent1">
               <a:hueOff val="114395"/>
@@ -3757,7 +3783,7 @@
         <a:buFontTx/>
         <a:buNone/>
         <a:tabLst/>
-        <a:defRPr b="1" baseline="0" cap="none" i="0" spc="-170" strike="noStrike" sz="8500" u="none">
+        <a:defRPr sz="8500" b="1" i="0" u="none" strike="noStrike" cap="none" spc="-170" baseline="0">
           <a:solidFill>
             <a:schemeClr val="accent1">
               <a:hueOff val="114395"/>
@@ -3786,7 +3812,7 @@
         <a:buFontTx/>
         <a:buNone/>
         <a:tabLst/>
-        <a:defRPr b="1" baseline="0" cap="none" i="0" spc="-170" strike="noStrike" sz="8500" u="none">
+        <a:defRPr sz="8500" b="1" i="0" u="none" strike="noStrike" cap="none" spc="-170" baseline="0">
           <a:solidFill>
             <a:schemeClr val="accent1">
               <a:hueOff val="114395"/>
@@ -3815,7 +3841,7 @@
         <a:buFontTx/>
         <a:buNone/>
         <a:tabLst/>
-        <a:defRPr b="1" baseline="0" cap="none" i="0" spc="-170" strike="noStrike" sz="8500" u="none">
+        <a:defRPr sz="8500" b="1" i="0" u="none" strike="noStrike" cap="none" spc="-170" baseline="0">
           <a:solidFill>
             <a:schemeClr val="accent1">
               <a:hueOff val="114395"/>
@@ -3844,7 +3870,7 @@
         <a:buFontTx/>
         <a:buNone/>
         <a:tabLst/>
-        <a:defRPr b="1" baseline="0" cap="none" i="0" spc="-170" strike="noStrike" sz="8500" u="none">
+        <a:defRPr sz="8500" b="1" i="0" u="none" strike="noStrike" cap="none" spc="-170" baseline="0">
           <a:solidFill>
             <a:schemeClr val="accent1">
               <a:hueOff val="114395"/>
@@ -3873,7 +3899,7 @@
         <a:buFontTx/>
         <a:buNone/>
         <a:tabLst/>
-        <a:defRPr b="1" baseline="0" cap="none" i="0" spc="-170" strike="noStrike" sz="8500" u="none">
+        <a:defRPr sz="8500" b="1" i="0" u="none" strike="noStrike" cap="none" spc="-170" baseline="0">
           <a:solidFill>
             <a:schemeClr val="accent1">
               <a:hueOff val="114395"/>
@@ -3904,7 +3930,7 @@
         <a:buFontTx/>
         <a:buChar char="•"/>
         <a:tabLst/>
-        <a:defRPr b="0" baseline="0" cap="none" i="0" spc="0" strike="noStrike" sz="4800" u="none">
+        <a:defRPr sz="4800" b="0" i="0" u="none" strike="noStrike" cap="none" spc="0" baseline="0">
           <a:solidFill>
             <a:srgbClr val="000000"/>
           </a:solidFill>
@@ -3930,7 +3956,7 @@
         <a:buFontTx/>
         <a:buChar char="•"/>
         <a:tabLst/>
-        <a:defRPr b="0" baseline="0" cap="none" i="0" spc="0" strike="noStrike" sz="4800" u="none">
+        <a:defRPr sz="4800" b="0" i="0" u="none" strike="noStrike" cap="none" spc="0" baseline="0">
           <a:solidFill>
             <a:srgbClr val="000000"/>
           </a:solidFill>
@@ -3956,7 +3982,7 @@
         <a:buFontTx/>
         <a:buChar char="•"/>
         <a:tabLst/>
-        <a:defRPr b="0" baseline="0" cap="none" i="0" spc="0" strike="noStrike" sz="4800" u="none">
+        <a:defRPr sz="4800" b="0" i="0" u="none" strike="noStrike" cap="none" spc="0" baseline="0">
           <a:solidFill>
             <a:srgbClr val="000000"/>
           </a:solidFill>
@@ -3982,7 +4008,7 @@
         <a:buFontTx/>
         <a:buChar char="•"/>
         <a:tabLst/>
-        <a:defRPr b="0" baseline="0" cap="none" i="0" spc="0" strike="noStrike" sz="4800" u="none">
+        <a:defRPr sz="4800" b="0" i="0" u="none" strike="noStrike" cap="none" spc="0" baseline="0">
           <a:solidFill>
             <a:srgbClr val="000000"/>
           </a:solidFill>
@@ -4008,7 +4034,7 @@
         <a:buFontTx/>
         <a:buChar char="•"/>
         <a:tabLst/>
-        <a:defRPr b="0" baseline="0" cap="none" i="0" spc="0" strike="noStrike" sz="4800" u="none">
+        <a:defRPr sz="4800" b="0" i="0" u="none" strike="noStrike" cap="none" spc="0" baseline="0">
           <a:solidFill>
             <a:srgbClr val="000000"/>
           </a:solidFill>
@@ -4034,7 +4060,7 @@
         <a:buFontTx/>
         <a:buChar char="•"/>
         <a:tabLst/>
-        <a:defRPr b="0" baseline="0" cap="none" i="0" spc="0" strike="noStrike" sz="4800" u="none">
+        <a:defRPr sz="4800" b="0" i="0" u="none" strike="noStrike" cap="none" spc="0" baseline="0">
           <a:solidFill>
             <a:srgbClr val="000000"/>
           </a:solidFill>
@@ -4060,7 +4086,7 @@
         <a:buFontTx/>
         <a:buChar char="•"/>
         <a:tabLst/>
-        <a:defRPr b="0" baseline="0" cap="none" i="0" spc="0" strike="noStrike" sz="4800" u="none">
+        <a:defRPr sz="4800" b="0" i="0" u="none" strike="noStrike" cap="none" spc="0" baseline="0">
           <a:solidFill>
             <a:srgbClr val="000000"/>
           </a:solidFill>
@@ -4086,7 +4112,7 @@
         <a:buFontTx/>
         <a:buChar char="•"/>
         <a:tabLst/>
-        <a:defRPr b="0" baseline="0" cap="none" i="0" spc="0" strike="noStrike" sz="4800" u="none">
+        <a:defRPr sz="4800" b="0" i="0" u="none" strike="noStrike" cap="none" spc="0" baseline="0">
           <a:solidFill>
             <a:srgbClr val="000000"/>
           </a:solidFill>
@@ -4112,7 +4138,7 @@
         <a:buFontTx/>
         <a:buChar char="•"/>
         <a:tabLst/>
-        <a:defRPr b="0" baseline="0" cap="none" i="0" spc="0" strike="noStrike" sz="4800" u="none">
+        <a:defRPr sz="4800" b="0" i="0" u="none" strike="noStrike" cap="none" spc="0" baseline="0">
           <a:solidFill>
             <a:srgbClr val="000000"/>
           </a:solidFill>
@@ -4140,7 +4166,7 @@
         <a:buFontTx/>
         <a:buNone/>
         <a:tabLst/>
-        <a:defRPr b="0" baseline="0" cap="none" i="0" spc="0" strike="noStrike" sz="1800" u="none">
+        <a:defRPr sz="1800" b="0" i="0" u="none" strike="noStrike" cap="none" spc="0" baseline="0">
           <a:solidFill>
             <a:schemeClr val="tx1"/>
           </a:solidFill>
@@ -4166,7 +4192,7 @@
         <a:buFontTx/>
         <a:buNone/>
         <a:tabLst/>
-        <a:defRPr b="0" baseline="0" cap="none" i="0" spc="0" strike="noStrike" sz="1800" u="none">
+        <a:defRPr sz="1800" b="0" i="0" u="none" strike="noStrike" cap="none" spc="0" baseline="0">
           <a:solidFill>
             <a:schemeClr val="tx1"/>
           </a:solidFill>
@@ -4192,7 +4218,7 @@
         <a:buFontTx/>
         <a:buNone/>
         <a:tabLst/>
-        <a:defRPr b="0" baseline="0" cap="none" i="0" spc="0" strike="noStrike" sz="1800" u="none">
+        <a:defRPr sz="1800" b="0" i="0" u="none" strike="noStrike" cap="none" spc="0" baseline="0">
           <a:solidFill>
             <a:schemeClr val="tx1"/>
           </a:solidFill>
@@ -4218,7 +4244,7 @@
         <a:buFontTx/>
         <a:buNone/>
         <a:tabLst/>
-        <a:defRPr b="0" baseline="0" cap="none" i="0" spc="0" strike="noStrike" sz="1800" u="none">
+        <a:defRPr sz="1800" b="0" i="0" u="none" strike="noStrike" cap="none" spc="0" baseline="0">
           <a:solidFill>
             <a:schemeClr val="tx1"/>
           </a:solidFill>
@@ -4244,7 +4270,7 @@
         <a:buFontTx/>
         <a:buNone/>
         <a:tabLst/>
-        <a:defRPr b="0" baseline="0" cap="none" i="0" spc="0" strike="noStrike" sz="1800" u="none">
+        <a:defRPr sz="1800" b="0" i="0" u="none" strike="noStrike" cap="none" spc="0" baseline="0">
           <a:solidFill>
             <a:schemeClr val="tx1"/>
           </a:solidFill>
@@ -4270,7 +4296,7 @@
         <a:buFontTx/>
         <a:buNone/>
         <a:tabLst/>
-        <a:defRPr b="0" baseline="0" cap="none" i="0" spc="0" strike="noStrike" sz="1800" u="none">
+        <a:defRPr sz="1800" b="0" i="0" u="none" strike="noStrike" cap="none" spc="0" baseline="0">
           <a:solidFill>
             <a:schemeClr val="tx1"/>
           </a:solidFill>
@@ -4296,7 +4322,7 @@
         <a:buFontTx/>
         <a:buNone/>
         <a:tabLst/>
-        <a:defRPr b="0" baseline="0" cap="none" i="0" spc="0" strike="noStrike" sz="1800" u="none">
+        <a:defRPr sz="1800" b="0" i="0" u="none" strike="noStrike" cap="none" spc="0" baseline="0">
           <a:solidFill>
             <a:schemeClr val="tx1"/>
           </a:solidFill>
@@ -4322,7 +4348,7 @@
         <a:buFontTx/>
         <a:buNone/>
         <a:tabLst/>
-        <a:defRPr b="0" baseline="0" cap="none" i="0" spc="0" strike="noStrike" sz="1800" u="none">
+        <a:defRPr sz="1800" b="0" i="0" u="none" strike="noStrike" cap="none" spc="0" baseline="0">
           <a:solidFill>
             <a:schemeClr val="tx1"/>
           </a:solidFill>
@@ -4348,7 +4374,7 @@
         <a:buFontTx/>
         <a:buNone/>
         <a:tabLst/>
-        <a:defRPr b="0" baseline="0" cap="none" i="0" spc="0" strike="noStrike" sz="1800" u="none">
+        <a:defRPr sz="1800" b="0" i="0" u="none" strike="noStrike" cap="none" spc="0" baseline="0">
           <a:solidFill>
             <a:schemeClr val="tx1"/>
           </a:solidFill>
@@ -4365,7 +4391,7 @@
 </file>
 
 <file path=ppt/slides/slide1.xml><?xml version="1.0" encoding="utf-8"?>
-<p:sld xmlns:a="http://schemas.openxmlformats.org/drawingml/2006/main" xmlns:r="http://schemas.openxmlformats.org/officeDocument/2006/relationships" xmlns:p="http://schemas.openxmlformats.org/presentationml/2006/main" xmlns:m="http://schemas.openxmlformats.org/officeDocument/2006/math" xmlns:a14="http://schemas.microsoft.com/office/drawing/2010/main" showMasterSp="1" showMasterPhAnim="1">
+<p:sld xmlns:a="http://schemas.openxmlformats.org/drawingml/2006/main" xmlns:r="http://schemas.openxmlformats.org/officeDocument/2006/relationships" xmlns:p="http://schemas.openxmlformats.org/presentationml/2006/main">
   <p:cSld>
     <p:spTree>
       <p:nvGrpSpPr>
@@ -4384,7 +4410,9 @@
       <p:sp>
         <p:nvSpPr>
           <p:cNvPr id="171" name="Michael Fehr, Jon Guler, 07.06.24"/>
-          <p:cNvSpPr txBox="1"/>
+          <p:cNvSpPr txBox="1">
+            <a:spLocks noGrp="1"/>
+          </p:cNvSpPr>
           <p:nvPr>
             <p:ph type="body" idx="21"/>
           </p:nvPr>
@@ -4395,15 +4423,16 @@
           </a:prstGeom>
           <a:extLst>
             <a:ext uri="{C572A759-6A51-4108-AA02-DFA0A04FC94B}">
-              <ma14:wrappingTextBoxFlag xmlns:ma14="http://schemas.microsoft.com/office/mac/drawingml/2011/main" val="1"/>
+              <ma14:wrappingTextBoxFlag xmlns:ma14="http://schemas.microsoft.com/office/mac/drawingml/2011/main" xmlns:a14="http://schemas.microsoft.com/office/drawing/2010/main" xmlns:m="http://schemas.openxmlformats.org/officeDocument/2006/math" xmlns="" val="1"/>
             </a:ext>
           </a:extLst>
         </p:spPr>
         <p:txBody>
-          <a:bodyPr/>
+          <a:bodyPr>
+            <a:normAutofit lnSpcReduction="10000"/>
+          </a:bodyPr>
           <a:lstStyle/>
           <a:p>
-            <a:pPr/>
             <a:r>
               <a:t>Michael Fehr, Jon Guler, 07.06.24</a:t>
             </a:r>
@@ -4413,7 +4442,9 @@
       <p:sp>
         <p:nvSpPr>
           <p:cNvPr id="172" name="Identifying Modes of Transportation"/>
-          <p:cNvSpPr txBox="1"/>
+          <p:cNvSpPr txBox="1">
+            <a:spLocks noGrp="1"/>
+          </p:cNvSpPr>
           <p:nvPr>
             <p:ph type="ctrTitle"/>
           </p:nvPr>
@@ -4427,7 +4458,6 @@
           <a:bodyPr/>
           <a:lstStyle/>
           <a:p>
-            <a:pPr/>
             <a:r>
               <a:t>Identifying Modes of Transportation</a:t>
             </a:r>
@@ -4437,7 +4467,9 @@
       <p:sp>
         <p:nvSpPr>
           <p:cNvPr id="173" name="With personal GPS Data from Switzerland"/>
-          <p:cNvSpPr txBox="1"/>
+          <p:cNvSpPr txBox="1">
+            <a:spLocks noGrp="1"/>
+          </p:cNvSpPr>
           <p:nvPr>
             <p:ph type="subTitle" sz="quarter" idx="1"/>
           </p:nvPr>
@@ -4451,7 +4483,6 @@
           <a:bodyPr/>
           <a:lstStyle/>
           <a:p>
-            <a:pPr/>
             <a:r>
               <a:t>With personal GPS Data from Switzerland</a:t>
             </a:r>
@@ -4463,12 +4494,12 @@
   <p:clrMapOvr>
     <a:masterClrMapping/>
   </p:clrMapOvr>
-  <p:transition xmlns:p14="http://schemas.microsoft.com/office/powerpoint/2010/main" spd="med" advClick="1"/>
+  <p:transition spd="med"/>
 </p:sld>
 </file>
 
 <file path=ppt/slides/slide2.xml><?xml version="1.0" encoding="utf-8"?>
-<p:sld xmlns:a="http://schemas.openxmlformats.org/drawingml/2006/main" xmlns:r="http://schemas.openxmlformats.org/officeDocument/2006/relationships" xmlns:p="http://schemas.openxmlformats.org/presentationml/2006/main" xmlns:m="http://schemas.openxmlformats.org/officeDocument/2006/math" xmlns:a14="http://schemas.microsoft.com/office/drawing/2010/main" showMasterSp="1" showMasterPhAnim="1">
+<p:sld xmlns:a="http://schemas.openxmlformats.org/drawingml/2006/main" xmlns:r="http://schemas.openxmlformats.org/officeDocument/2006/relationships" xmlns:p="http://schemas.openxmlformats.org/presentationml/2006/main">
   <p:cSld>
     <p:spTree>
       <p:nvGrpSpPr>
@@ -4487,7 +4518,9 @@
       <p:sp>
         <p:nvSpPr>
           <p:cNvPr id="175" name="Context"/>
-          <p:cNvSpPr txBox="1"/>
+          <p:cNvSpPr txBox="1">
+            <a:spLocks noGrp="1"/>
+          </p:cNvSpPr>
           <p:nvPr>
             <p:ph type="title"/>
           </p:nvPr>
@@ -4501,38 +4534,18 @@
           <a:bodyPr/>
           <a:lstStyle/>
           <a:p>
-            <a:pPr/>
             <a:r>
               <a:t>Context</a:t>
             </a:r>
-          </a:p>
-        </p:txBody>
-      </p:sp>
-      <p:sp>
-        <p:nvSpPr>
-          <p:cNvPr id="176" name="Folien-Untertitel"/>
-          <p:cNvSpPr txBox="1"/>
-          <p:nvPr>
-            <p:ph type="body" idx="21"/>
-          </p:nvPr>
-        </p:nvSpPr>
-        <p:spPr>
-          <a:prstGeom prst="rect">
-            <a:avLst/>
-          </a:prstGeom>
-        </p:spPr>
-        <p:txBody>
-          <a:bodyPr/>
-          <a:lstStyle/>
-          <a:p>
-            <a:pPr/>
           </a:p>
         </p:txBody>
       </p:sp>
       <p:sp>
         <p:nvSpPr>
           <p:cNvPr id="177" name="Text für Folienpunkt"/>
-          <p:cNvSpPr txBox="1"/>
+          <p:cNvSpPr txBox="1">
+            <a:spLocks noGrp="1"/>
+          </p:cNvSpPr>
           <p:nvPr>
             <p:ph type="body" idx="1"/>
           </p:nvPr>
@@ -4546,7 +4559,284 @@
           <a:bodyPr/>
           <a:lstStyle/>
           <a:p>
-            <a:pPr/>
+            <a:r>
+              <a:rPr lang="de-CH" dirty="0"/>
+              <a:t>Own </a:t>
+            </a:r>
+            <a:r>
+              <a:rPr lang="de-CH" dirty="0" err="1"/>
+              <a:t>collected</a:t>
+            </a:r>
+            <a:r>
+              <a:rPr lang="de-CH" dirty="0"/>
+              <a:t> GPS </a:t>
+            </a:r>
+            <a:r>
+              <a:rPr lang="de-CH" dirty="0" err="1"/>
+              <a:t>data</a:t>
+            </a:r>
+            <a:r>
+              <a:rPr lang="de-CH" dirty="0"/>
+              <a:t> </a:t>
+            </a:r>
+            <a:r>
+              <a:rPr lang="de-CH" dirty="0" err="1"/>
+              <a:t>with</a:t>
+            </a:r>
+            <a:r>
+              <a:rPr lang="de-CH" dirty="0"/>
+              <a:t> different </a:t>
+            </a:r>
+            <a:r>
+              <a:rPr lang="de-CH" dirty="0" err="1"/>
+              <a:t>modes</a:t>
+            </a:r>
+            <a:r>
+              <a:rPr lang="de-CH" dirty="0"/>
+              <a:t> </a:t>
+            </a:r>
+            <a:r>
+              <a:rPr lang="de-CH" dirty="0" err="1"/>
+              <a:t>of</a:t>
+            </a:r>
+            <a:r>
+              <a:rPr lang="de-CH" dirty="0"/>
+              <a:t> </a:t>
+            </a:r>
+            <a:r>
+              <a:rPr lang="de-CH" dirty="0" err="1"/>
+              <a:t>transportation</a:t>
+            </a:r>
+            <a:r>
+              <a:rPr lang="de-CH" dirty="0"/>
+              <a:t> (</a:t>
+            </a:r>
+            <a:r>
+              <a:rPr lang="de-CH" dirty="0" err="1"/>
+              <a:t>hiking</a:t>
+            </a:r>
+            <a:r>
+              <a:rPr lang="de-CH" dirty="0"/>
+              <a:t>, </a:t>
+            </a:r>
+            <a:r>
+              <a:rPr lang="de-CH" dirty="0" err="1"/>
+              <a:t>jogging</a:t>
+            </a:r>
+            <a:r>
+              <a:rPr lang="de-CH" dirty="0"/>
+              <a:t>, </a:t>
+            </a:r>
+            <a:r>
+              <a:rPr lang="de-CH" dirty="0" err="1"/>
+              <a:t>skitouring</a:t>
+            </a:r>
+            <a:r>
+              <a:rPr lang="de-CH" dirty="0"/>
+              <a:t>, </a:t>
+            </a:r>
+            <a:r>
+              <a:rPr lang="de-CH" dirty="0" err="1"/>
+              <a:t>cycling</a:t>
+            </a:r>
+            <a:r>
+              <a:rPr lang="de-CH" dirty="0"/>
+              <a:t>) • Street Data </a:t>
+            </a:r>
+            <a:r>
+              <a:rPr lang="de-CH" dirty="0" err="1"/>
+              <a:t>from</a:t>
+            </a:r>
+            <a:r>
+              <a:rPr lang="de-CH" dirty="0"/>
+              <a:t> SwissTLM3D (</a:t>
+            </a:r>
+            <a:r>
+              <a:rPr lang="de-CH" dirty="0" err="1"/>
+              <a:t>streets</a:t>
+            </a:r>
+            <a:r>
+              <a:rPr lang="de-CH" dirty="0"/>
+              <a:t>, </a:t>
+            </a:r>
+            <a:r>
+              <a:rPr lang="de-CH" dirty="0" err="1"/>
+              <a:t>hiking</a:t>
+            </a:r>
+            <a:r>
+              <a:rPr lang="de-CH" dirty="0"/>
+              <a:t> </a:t>
+            </a:r>
+            <a:r>
+              <a:rPr lang="de-CH" dirty="0" err="1"/>
+              <a:t>paths</a:t>
+            </a:r>
+            <a:r>
+              <a:rPr lang="de-CH" dirty="0"/>
+              <a:t>) </a:t>
+            </a:r>
+          </a:p>
+          <a:p>
+            <a:r>
+              <a:rPr lang="de-CH" dirty="0" err="1">
+                <a:solidFill>
+                  <a:srgbClr val="000000"/>
+                </a:solidFill>
+                <a:effectLst/>
+                <a:latin typeface="Arial" panose="020B0604020202020204" pitchFamily="34" charset="0"/>
+              </a:rPr>
+              <a:t>application</a:t>
+            </a:r>
+            <a:r>
+              <a:rPr lang="de-CH" dirty="0">
+                <a:solidFill>
+                  <a:srgbClr val="000000"/>
+                </a:solidFill>
+                <a:effectLst/>
+                <a:latin typeface="Arial" panose="020B0604020202020204" pitchFamily="34" charset="0"/>
+              </a:rPr>
+              <a:t> </a:t>
+            </a:r>
+            <a:r>
+              <a:rPr lang="de-CH" dirty="0" err="1">
+                <a:solidFill>
+                  <a:srgbClr val="000000"/>
+                </a:solidFill>
+                <a:effectLst/>
+                <a:latin typeface="Arial" panose="020B0604020202020204" pitchFamily="34" charset="0"/>
+              </a:rPr>
+              <a:t>area</a:t>
+            </a:r>
+            <a:r>
+              <a:rPr lang="de-CH" dirty="0">
+                <a:solidFill>
+                  <a:srgbClr val="000000"/>
+                </a:solidFill>
+                <a:effectLst/>
+                <a:latin typeface="Arial" panose="020B0604020202020204" pitchFamily="34" charset="0"/>
+              </a:rPr>
+              <a:t>, </a:t>
+            </a:r>
+            <a:r>
+              <a:rPr lang="de-CH" dirty="0" err="1">
+                <a:solidFill>
+                  <a:srgbClr val="000000"/>
+                </a:solidFill>
+                <a:effectLst/>
+                <a:latin typeface="Arial" panose="020B0604020202020204" pitchFamily="34" charset="0"/>
+              </a:rPr>
+              <a:t>conceptual</a:t>
+            </a:r>
+            <a:r>
+              <a:rPr lang="de-CH" dirty="0">
+                <a:solidFill>
+                  <a:srgbClr val="000000"/>
+                </a:solidFill>
+                <a:effectLst/>
+                <a:latin typeface="Arial" panose="020B0604020202020204" pitchFamily="34" charset="0"/>
+              </a:rPr>
+              <a:t> </a:t>
+            </a:r>
+            <a:r>
+              <a:rPr lang="de-CH" dirty="0" err="1">
+                <a:solidFill>
+                  <a:srgbClr val="000000"/>
+                </a:solidFill>
+                <a:effectLst/>
+                <a:latin typeface="Arial" panose="020B0604020202020204" pitchFamily="34" charset="0"/>
+              </a:rPr>
+              <a:t>models</a:t>
+            </a:r>
+            <a:r>
+              <a:rPr lang="de-CH" dirty="0">
+                <a:solidFill>
+                  <a:srgbClr val="000000"/>
+                </a:solidFill>
+                <a:effectLst/>
+                <a:latin typeface="Arial" panose="020B0604020202020204" pitchFamily="34" charset="0"/>
+              </a:rPr>
+              <a:t>, </a:t>
+            </a:r>
+            <a:r>
+              <a:rPr lang="de-CH" dirty="0" err="1">
+                <a:solidFill>
+                  <a:srgbClr val="000000"/>
+                </a:solidFill>
+                <a:effectLst/>
+                <a:latin typeface="Arial" panose="020B0604020202020204" pitchFamily="34" charset="0"/>
+              </a:rPr>
+              <a:t>data</a:t>
+            </a:r>
+            <a:r>
+              <a:rPr lang="de-CH" dirty="0">
+                <a:solidFill>
+                  <a:srgbClr val="000000"/>
+                </a:solidFill>
+                <a:effectLst/>
+                <a:latin typeface="Arial" panose="020B0604020202020204" pitchFamily="34" charset="0"/>
+              </a:rPr>
+              <a:t> </a:t>
+            </a:r>
+            <a:r>
+              <a:rPr lang="de-CH" dirty="0" err="1">
+                <a:solidFill>
+                  <a:srgbClr val="000000"/>
+                </a:solidFill>
+                <a:effectLst/>
+                <a:latin typeface="Arial" panose="020B0604020202020204" pitchFamily="34" charset="0"/>
+              </a:rPr>
+              <a:t>structures</a:t>
+            </a:r>
+            <a:r>
+              <a:rPr lang="de-CH" dirty="0">
+                <a:solidFill>
+                  <a:srgbClr val="000000"/>
+                </a:solidFill>
+                <a:effectLst/>
+                <a:latin typeface="Arial" panose="020B0604020202020204" pitchFamily="34" charset="0"/>
+              </a:rPr>
+              <a:t>, </a:t>
+            </a:r>
+            <a:r>
+              <a:rPr lang="de-CH" dirty="0" err="1">
+                <a:solidFill>
+                  <a:srgbClr val="000000"/>
+                </a:solidFill>
+                <a:effectLst/>
+                <a:latin typeface="Arial" panose="020B0604020202020204" pitchFamily="34" charset="0"/>
+              </a:rPr>
+              <a:t>available</a:t>
+            </a:r>
+            <a:r>
+              <a:rPr lang="de-CH" dirty="0">
+                <a:solidFill>
+                  <a:srgbClr val="000000"/>
+                </a:solidFill>
+                <a:effectLst/>
+                <a:latin typeface="Arial" panose="020B0604020202020204" pitchFamily="34" charset="0"/>
+              </a:rPr>
+              <a:t> </a:t>
+            </a:r>
+            <a:r>
+              <a:rPr lang="de-CH" dirty="0" err="1">
+                <a:solidFill>
+                  <a:srgbClr val="000000"/>
+                </a:solidFill>
+                <a:effectLst/>
+                <a:latin typeface="Arial" panose="020B0604020202020204" pitchFamily="34" charset="0"/>
+              </a:rPr>
+              <a:t>data</a:t>
+            </a:r>
+            <a:endParaRPr lang="de-CH" dirty="0">
+              <a:solidFill>
+                <a:srgbClr val="000000"/>
+              </a:solidFill>
+              <a:effectLst/>
+              <a:latin typeface="Arial" panose="020B0604020202020204" pitchFamily="34" charset="0"/>
+            </a:endParaRPr>
+          </a:p>
+          <a:p>
+            <a:endParaRPr dirty="0"/>
           </a:p>
         </p:txBody>
       </p:sp>
@@ -4555,12 +4845,12 @@
   <p:clrMapOvr>
     <a:masterClrMapping/>
   </p:clrMapOvr>
-  <p:transition xmlns:p14="http://schemas.microsoft.com/office/powerpoint/2010/main" spd="med" advClick="1"/>
+  <p:transition spd="med"/>
 </p:sld>
 </file>
 
 <file path=ppt/slides/slide3.xml><?xml version="1.0" encoding="utf-8"?>
-<p:sld xmlns:a="http://schemas.openxmlformats.org/drawingml/2006/main" xmlns:r="http://schemas.openxmlformats.org/officeDocument/2006/relationships" xmlns:p="http://schemas.openxmlformats.org/presentationml/2006/main" xmlns:m="http://schemas.openxmlformats.org/officeDocument/2006/math" xmlns:a14="http://schemas.microsoft.com/office/drawing/2010/main" showMasterSp="1" showMasterPhAnim="1">
+<p:sld xmlns:a="http://schemas.openxmlformats.org/drawingml/2006/main" xmlns:r="http://schemas.openxmlformats.org/officeDocument/2006/relationships" xmlns:p="http://schemas.openxmlformats.org/presentationml/2006/main">
   <p:cSld>
     <p:spTree>
       <p:nvGrpSpPr>
@@ -4579,7 +4869,9 @@
       <p:sp>
         <p:nvSpPr>
           <p:cNvPr id="179" name="Research Questions &amp; Plan"/>
-          <p:cNvSpPr txBox="1"/>
+          <p:cNvSpPr txBox="1">
+            <a:spLocks noGrp="1"/>
+          </p:cNvSpPr>
           <p:nvPr>
             <p:ph type="title"/>
           </p:nvPr>
@@ -4593,38 +4885,19 @@
           <a:bodyPr/>
           <a:lstStyle/>
           <a:p>
-            <a:pPr/>
-            <a:r>
-              <a:t>Research Questions &amp; Plan</a:t>
-            </a:r>
-          </a:p>
-        </p:txBody>
-      </p:sp>
-      <p:sp>
-        <p:nvSpPr>
-          <p:cNvPr id="180" name="Folien-Untertitel"/>
-          <p:cNvSpPr txBox="1"/>
-          <p:nvPr>
-            <p:ph type="body" idx="21"/>
-          </p:nvPr>
-        </p:nvSpPr>
-        <p:spPr>
-          <a:prstGeom prst="rect">
-            <a:avLst/>
-          </a:prstGeom>
-        </p:spPr>
-        <p:txBody>
-          <a:bodyPr/>
-          <a:lstStyle/>
-          <a:p>
-            <a:pPr/>
+            <a:r>
+              <a:rPr dirty="0"/>
+              <a:t>Research Questions</a:t>
+            </a:r>
           </a:p>
         </p:txBody>
       </p:sp>
       <p:sp>
         <p:nvSpPr>
           <p:cNvPr id="181" name="Text für Folienpunkt"/>
-          <p:cNvSpPr txBox="1"/>
+          <p:cNvSpPr txBox="1">
+            <a:spLocks noGrp="1"/>
+          </p:cNvSpPr>
           <p:nvPr>
             <p:ph type="body" idx="1"/>
           </p:nvPr>
@@ -4638,7 +4911,346 @@
           <a:bodyPr/>
           <a:lstStyle/>
           <a:p>
-            <a:pPr/>
+            <a:r>
+              <a:rPr lang="de-CH" dirty="0" err="1"/>
+              <a:t>How</a:t>
+            </a:r>
+            <a:r>
+              <a:rPr lang="de-CH" dirty="0"/>
+              <a:t> </a:t>
+            </a:r>
+            <a:r>
+              <a:rPr lang="de-CH" dirty="0" err="1"/>
+              <a:t>accurately</a:t>
+            </a:r>
+            <a:r>
+              <a:rPr lang="de-CH" dirty="0"/>
+              <a:t> </a:t>
+            </a:r>
+            <a:r>
+              <a:rPr lang="de-CH" dirty="0" err="1"/>
+              <a:t>can</a:t>
+            </a:r>
+            <a:r>
+              <a:rPr lang="de-CH" dirty="0"/>
+              <a:t> </a:t>
+            </a:r>
+            <a:r>
+              <a:rPr lang="de-CH" dirty="0" err="1"/>
+              <a:t>we</a:t>
+            </a:r>
+            <a:r>
+              <a:rPr lang="de-CH" dirty="0"/>
+              <a:t> </a:t>
+            </a:r>
+            <a:r>
+              <a:rPr lang="de-CH" dirty="0" err="1"/>
+              <a:t>identify</a:t>
+            </a:r>
+            <a:r>
+              <a:rPr lang="de-CH" dirty="0"/>
+              <a:t> </a:t>
+            </a:r>
+            <a:r>
+              <a:rPr lang="de-CH" dirty="0" err="1"/>
+              <a:t>transportation</a:t>
+            </a:r>
+            <a:r>
+              <a:rPr lang="de-CH" dirty="0"/>
+              <a:t> </a:t>
+            </a:r>
+            <a:r>
+              <a:rPr lang="de-CH" dirty="0" err="1"/>
+              <a:t>modes</a:t>
+            </a:r>
+            <a:r>
+              <a:rPr lang="de-CH" dirty="0"/>
+              <a:t> </a:t>
+            </a:r>
+            <a:r>
+              <a:rPr lang="de-CH" dirty="0" err="1"/>
+              <a:t>based</a:t>
+            </a:r>
+            <a:r>
+              <a:rPr lang="de-CH" dirty="0"/>
+              <a:t> on GPS </a:t>
+            </a:r>
+            <a:r>
+              <a:rPr lang="de-CH" dirty="0" err="1"/>
+              <a:t>data</a:t>
+            </a:r>
+            <a:r>
+              <a:rPr lang="de-CH" dirty="0"/>
+              <a:t> </a:t>
+            </a:r>
+            <a:r>
+              <a:rPr lang="de-CH" dirty="0" err="1"/>
+              <a:t>features</a:t>
+            </a:r>
+            <a:r>
+              <a:rPr lang="de-CH" dirty="0"/>
+              <a:t> such </a:t>
+            </a:r>
+            <a:r>
+              <a:rPr lang="de-CH" dirty="0" err="1"/>
+              <a:t>as</a:t>
+            </a:r>
+            <a:r>
+              <a:rPr lang="de-CH" dirty="0"/>
+              <a:t> </a:t>
+            </a:r>
+            <a:r>
+              <a:rPr lang="de-CH" dirty="0" err="1"/>
+              <a:t>speed</a:t>
+            </a:r>
+            <a:r>
+              <a:rPr lang="de-CH" dirty="0"/>
+              <a:t>, </a:t>
+            </a:r>
+            <a:r>
+              <a:rPr lang="de-CH" dirty="0" err="1"/>
+              <a:t>elevation</a:t>
+            </a:r>
+            <a:r>
+              <a:rPr lang="de-CH" dirty="0"/>
+              <a:t> </a:t>
+            </a:r>
+            <a:r>
+              <a:rPr lang="de-CH" dirty="0" err="1"/>
+              <a:t>change</a:t>
+            </a:r>
+            <a:r>
+              <a:rPr lang="de-CH" dirty="0"/>
+              <a:t>, </a:t>
+            </a:r>
+            <a:r>
+              <a:rPr lang="de-CH" dirty="0" err="1"/>
+              <a:t>distance</a:t>
+            </a:r>
+            <a:r>
+              <a:rPr lang="de-CH" dirty="0"/>
+              <a:t> </a:t>
+            </a:r>
+            <a:r>
+              <a:rPr lang="de-CH" dirty="0" err="1"/>
+              <a:t>measures</a:t>
+            </a:r>
+            <a:r>
+              <a:rPr lang="de-CH" dirty="0"/>
+              <a:t> and </a:t>
+            </a:r>
+            <a:r>
+              <a:rPr lang="de-CH" dirty="0" err="1"/>
+              <a:t>stop</a:t>
+            </a:r>
+            <a:r>
+              <a:rPr lang="de-CH" dirty="0"/>
+              <a:t> </a:t>
+            </a:r>
+            <a:r>
+              <a:rPr lang="de-CH" dirty="0" err="1"/>
+              <a:t>frequency</a:t>
+            </a:r>
+            <a:r>
+              <a:rPr lang="de-CH" dirty="0"/>
+              <a:t>? </a:t>
+            </a:r>
+          </a:p>
+          <a:p>
+            <a:r>
+              <a:rPr lang="de-CH" dirty="0" err="1"/>
+              <a:t>What</a:t>
+            </a:r>
+            <a:r>
+              <a:rPr lang="de-CH" dirty="0"/>
+              <a:t> </a:t>
+            </a:r>
+            <a:r>
+              <a:rPr lang="de-CH" dirty="0" err="1"/>
+              <a:t>are</a:t>
+            </a:r>
+            <a:r>
+              <a:rPr lang="de-CH" dirty="0"/>
+              <a:t> </a:t>
+            </a:r>
+            <a:r>
+              <a:rPr lang="de-CH" dirty="0" err="1"/>
+              <a:t>the</a:t>
+            </a:r>
+            <a:r>
+              <a:rPr lang="de-CH" dirty="0"/>
+              <a:t> </a:t>
+            </a:r>
+            <a:r>
+              <a:rPr lang="de-CH" dirty="0" err="1"/>
+              <a:t>challenges</a:t>
+            </a:r>
+            <a:r>
+              <a:rPr lang="de-CH" dirty="0"/>
+              <a:t> in </a:t>
+            </a:r>
+            <a:r>
+              <a:rPr lang="de-CH" dirty="0" err="1"/>
+              <a:t>distinguishing</a:t>
+            </a:r>
+            <a:r>
+              <a:rPr lang="de-CH" dirty="0"/>
+              <a:t> </a:t>
+            </a:r>
+            <a:r>
+              <a:rPr lang="de-CH" dirty="0" err="1"/>
+              <a:t>between</a:t>
+            </a:r>
+            <a:r>
+              <a:rPr lang="de-CH" dirty="0"/>
+              <a:t> </a:t>
+            </a:r>
+            <a:r>
+              <a:rPr lang="de-CH" dirty="0" err="1"/>
+              <a:t>similar</a:t>
+            </a:r>
+            <a:r>
+              <a:rPr lang="de-CH" dirty="0"/>
+              <a:t> </a:t>
+            </a:r>
+            <a:r>
+              <a:rPr lang="de-CH" dirty="0" err="1"/>
+              <a:t>modes</a:t>
+            </a:r>
+            <a:r>
+              <a:rPr lang="de-CH" dirty="0"/>
+              <a:t> (e.g., </a:t>
+            </a:r>
+            <a:r>
+              <a:rPr lang="de-CH" dirty="0" err="1"/>
+              <a:t>jogging</a:t>
+            </a:r>
+            <a:r>
+              <a:rPr lang="de-CH" dirty="0"/>
+              <a:t> &amp; </a:t>
+            </a:r>
+            <a:r>
+              <a:rPr lang="de-CH" dirty="0" err="1"/>
+              <a:t>biking</a:t>
+            </a:r>
+            <a:r>
+              <a:rPr lang="de-CH" dirty="0"/>
+              <a:t>)?</a:t>
+            </a:r>
+          </a:p>
+          <a:p>
+            <a:r>
+              <a:rPr lang="de-CH" dirty="0" err="1"/>
+              <a:t>How</a:t>
+            </a:r>
+            <a:r>
+              <a:rPr lang="de-CH" dirty="0"/>
+              <a:t> do </a:t>
+            </a:r>
+            <a:r>
+              <a:rPr lang="de-CH" dirty="0" err="1"/>
+              <a:t>factors</a:t>
+            </a:r>
+            <a:r>
+              <a:rPr lang="de-CH" dirty="0"/>
+              <a:t> like </a:t>
+            </a:r>
+            <a:r>
+              <a:rPr lang="de-CH" dirty="0" err="1"/>
+              <a:t>street</a:t>
+            </a:r>
+            <a:r>
+              <a:rPr lang="de-CH" dirty="0"/>
+              <a:t> </a:t>
+            </a:r>
+            <a:r>
+              <a:rPr lang="de-CH" dirty="0" err="1"/>
+              <a:t>data</a:t>
+            </a:r>
+            <a:r>
+              <a:rPr lang="de-CH" dirty="0"/>
+              <a:t> </a:t>
+            </a:r>
+            <a:r>
+              <a:rPr lang="de-CH" dirty="0" err="1"/>
+              <a:t>or</a:t>
+            </a:r>
+            <a:r>
+              <a:rPr lang="de-CH" dirty="0"/>
+              <a:t> environmental </a:t>
+            </a:r>
+            <a:r>
+              <a:rPr lang="de-CH" dirty="0" err="1"/>
+              <a:t>data</a:t>
+            </a:r>
+            <a:r>
+              <a:rPr lang="de-CH" dirty="0"/>
+              <a:t> </a:t>
+            </a:r>
+            <a:r>
+              <a:rPr lang="de-CH" dirty="0" err="1"/>
+              <a:t>influence</a:t>
+            </a:r>
+            <a:r>
+              <a:rPr lang="de-CH" dirty="0"/>
+              <a:t> </a:t>
+            </a:r>
+            <a:r>
+              <a:rPr lang="de-CH" dirty="0" err="1"/>
+              <a:t>the</a:t>
+            </a:r>
+            <a:r>
+              <a:rPr lang="de-CH" dirty="0"/>
+              <a:t> </a:t>
+            </a:r>
+            <a:r>
+              <a:rPr lang="de-CH" dirty="0" err="1"/>
+              <a:t>accuracy</a:t>
+            </a:r>
+            <a:r>
+              <a:rPr lang="de-CH" dirty="0"/>
+              <a:t> </a:t>
+            </a:r>
+            <a:r>
+              <a:rPr lang="de-CH" dirty="0" err="1"/>
+              <a:t>of</a:t>
+            </a:r>
+            <a:r>
+              <a:rPr lang="de-CH" dirty="0"/>
+              <a:t> </a:t>
+            </a:r>
+            <a:r>
+              <a:rPr lang="de-CH" dirty="0" err="1"/>
+              <a:t>transportation</a:t>
+            </a:r>
+            <a:r>
+              <a:rPr lang="de-CH" dirty="0"/>
+              <a:t> </a:t>
+            </a:r>
+            <a:r>
+              <a:rPr lang="de-CH" dirty="0" err="1"/>
+              <a:t>mode</a:t>
+            </a:r>
+            <a:r>
+              <a:rPr lang="de-CH" dirty="0"/>
+              <a:t> </a:t>
+            </a:r>
+            <a:r>
+              <a:rPr lang="de-CH" dirty="0" err="1"/>
+              <a:t>detection</a:t>
+            </a:r>
+            <a:r>
+              <a:rPr lang="de-CH" dirty="0"/>
+              <a:t> </a:t>
+            </a:r>
+            <a:r>
+              <a:rPr lang="de-CH" dirty="0" err="1"/>
+              <a:t>models</a:t>
+            </a:r>
+            <a:r>
+              <a:rPr lang="de-CH" dirty="0"/>
+              <a:t>? </a:t>
+            </a:r>
           </a:p>
         </p:txBody>
       </p:sp>
@@ -4647,12 +5259,1599 @@
   <p:clrMapOvr>
     <a:masterClrMapping/>
   </p:clrMapOvr>
-  <p:transition xmlns:p14="http://schemas.microsoft.com/office/powerpoint/2010/main" spd="med" advClick="1"/>
+  <p:transition spd="med"/>
 </p:sld>
 </file>
 
 <file path=ppt/slides/slide4.xml><?xml version="1.0" encoding="utf-8"?>
-<p:sld xmlns:a="http://schemas.openxmlformats.org/drawingml/2006/main" xmlns:r="http://schemas.openxmlformats.org/officeDocument/2006/relationships" xmlns:p="http://schemas.openxmlformats.org/presentationml/2006/main" xmlns:m="http://schemas.openxmlformats.org/officeDocument/2006/math" xmlns:a14="http://schemas.microsoft.com/office/drawing/2010/main" showMasterSp="1" showMasterPhAnim="1">
+<p:sld xmlns:a="http://schemas.openxmlformats.org/drawingml/2006/main" xmlns:r="http://schemas.openxmlformats.org/officeDocument/2006/relationships" xmlns:p="http://schemas.openxmlformats.org/presentationml/2006/main">
+  <p:cSld>
+    <p:spTree>
+      <p:nvGrpSpPr>
+        <p:cNvPr id="1" name=""/>
+        <p:cNvGrpSpPr/>
+        <p:nvPr/>
+      </p:nvGrpSpPr>
+      <p:grpSpPr>
+        <a:xfrm>
+          <a:off x="0" y="0"/>
+          <a:ext cx="0" cy="0"/>
+          <a:chOff x="0" y="0"/>
+          <a:chExt cx="0" cy="0"/>
+        </a:xfrm>
+      </p:grpSpPr>
+      <p:sp>
+        <p:nvSpPr>
+          <p:cNvPr id="179" name="Research Questions &amp; Plan"/>
+          <p:cNvSpPr txBox="1">
+            <a:spLocks noGrp="1"/>
+          </p:cNvSpPr>
+          <p:nvPr>
+            <p:ph type="title"/>
+          </p:nvPr>
+        </p:nvSpPr>
+        <p:spPr>
+          <a:prstGeom prst="rect">
+            <a:avLst/>
+          </a:prstGeom>
+        </p:spPr>
+        <p:txBody>
+          <a:bodyPr/>
+          <a:lstStyle/>
+          <a:p>
+            <a:r>
+              <a:rPr dirty="0"/>
+              <a:t>Research </a:t>
+            </a:r>
+            <a:r>
+              <a:rPr lang="de-CH" dirty="0"/>
+              <a:t>Plan</a:t>
+            </a:r>
+            <a:endParaRPr dirty="0"/>
+          </a:p>
+        </p:txBody>
+      </p:sp>
+      <p:sp>
+        <p:nvSpPr>
+          <p:cNvPr id="5" name="Textfeld 4">
+            <a:extLst>
+              <a:ext uri="{FF2B5EF4-FFF2-40B4-BE49-F238E27FC236}">
+                <a16:creationId xmlns:a16="http://schemas.microsoft.com/office/drawing/2014/main" id="{E3FF8F0E-1089-EDBA-745A-4CFC9760F916}"/>
+              </a:ext>
+            </a:extLst>
+          </p:cNvPr>
+          <p:cNvSpPr txBox="1"/>
+          <p:nvPr/>
+        </p:nvSpPr>
+        <p:spPr>
+          <a:xfrm>
+            <a:off x="1206500" y="2735712"/>
+            <a:ext cx="3406382" cy="1344471"/>
+          </a:xfrm>
+          <a:prstGeom prst="rect">
+            <a:avLst/>
+          </a:prstGeom>
+          <a:noFill/>
+          <a:ln w="12700" cap="flat">
+            <a:noFill/>
+            <a:miter lim="400000"/>
+          </a:ln>
+          <a:effectLst/>
+          <a:sp3d/>
+        </p:spPr>
+        <p:style>
+          <a:lnRef idx="0">
+            <a:scrgbClr r="0" g="0" b="0"/>
+          </a:lnRef>
+          <a:fillRef idx="0">
+            <a:scrgbClr r="0" g="0" b="0"/>
+          </a:fillRef>
+          <a:effectRef idx="0">
+            <a:scrgbClr r="0" g="0" b="0"/>
+          </a:effectRef>
+          <a:fontRef idx="none"/>
+        </p:style>
+        <p:txBody>
+          <a:bodyPr rot="0" spcFirstLastPara="1" vertOverflow="overflow" horzOverflow="overflow" vert="horz" wrap="none" lIns="50800" tIns="50800" rIns="50800" bIns="50800" numCol="1" spcCol="38100" rtlCol="0" anchor="ctr">
+            <a:spAutoFit/>
+          </a:bodyPr>
+          <a:lstStyle/>
+          <a:p>
+            <a:pPr marL="0" marR="0" indent="0" algn="l" defTabSz="2438338" rtl="0" fontAlgn="auto" latinLnBrk="0" hangingPunct="0">
+              <a:lnSpc>
+                <a:spcPct val="90000"/>
+              </a:lnSpc>
+              <a:spcBef>
+                <a:spcPts val="4500"/>
+              </a:spcBef>
+              <a:spcAft>
+                <a:spcPts val="0"/>
+              </a:spcAft>
+              <a:buClrTx/>
+              <a:buSzTx/>
+              <a:buFontTx/>
+              <a:buNone/>
+              <a:tabLst/>
+            </a:pPr>
+            <a:r>
+              <a:rPr lang="en-GB" dirty="0"/>
+              <a:t>Project Idea</a:t>
+            </a:r>
+            <a:endParaRPr kumimoji="0" lang="en-GB" sz="4800" b="0" i="0" u="none" strike="noStrike" cap="none" spc="0" normalizeH="0" baseline="0" dirty="0">
+              <a:ln>
+                <a:noFill/>
+              </a:ln>
+              <a:solidFill>
+                <a:srgbClr val="000000"/>
+              </a:solidFill>
+              <a:effectLst/>
+              <a:uFillTx/>
+              <a:latin typeface="+mn-lt"/>
+              <a:ea typeface="+mn-ea"/>
+              <a:cs typeface="+mn-cs"/>
+              <a:sym typeface="Helvetica Neue"/>
+            </a:endParaRPr>
+          </a:p>
+        </p:txBody>
+      </p:sp>
+      <p:sp>
+        <p:nvSpPr>
+          <p:cNvPr id="6" name="Textfeld 5">
+            <a:extLst>
+              <a:ext uri="{FF2B5EF4-FFF2-40B4-BE49-F238E27FC236}">
+                <a16:creationId xmlns:a16="http://schemas.microsoft.com/office/drawing/2014/main" id="{061F2CE2-C088-D175-62C5-C694292E4B5E}"/>
+              </a:ext>
+            </a:extLst>
+          </p:cNvPr>
+          <p:cNvSpPr txBox="1"/>
+          <p:nvPr/>
+        </p:nvSpPr>
+        <p:spPr>
+          <a:xfrm>
+            <a:off x="3606433" y="9610829"/>
+            <a:ext cx="2551981" cy="1344471"/>
+          </a:xfrm>
+          <a:prstGeom prst="rect">
+            <a:avLst/>
+          </a:prstGeom>
+          <a:noFill/>
+          <a:ln w="12700" cap="flat">
+            <a:noFill/>
+            <a:miter lim="400000"/>
+          </a:ln>
+          <a:effectLst/>
+          <a:sp3d/>
+        </p:spPr>
+        <p:style>
+          <a:lnRef idx="0">
+            <a:scrgbClr r="0" g="0" b="0"/>
+          </a:lnRef>
+          <a:fillRef idx="0">
+            <a:scrgbClr r="0" g="0" b="0"/>
+          </a:fillRef>
+          <a:effectRef idx="0">
+            <a:scrgbClr r="0" g="0" b="0"/>
+          </a:effectRef>
+          <a:fontRef idx="none"/>
+        </p:style>
+        <p:txBody>
+          <a:bodyPr rot="0" spcFirstLastPara="1" vertOverflow="overflow" horzOverflow="overflow" vert="horz" wrap="none" lIns="50800" tIns="50800" rIns="50800" bIns="50800" numCol="1" spcCol="38100" rtlCol="0" anchor="ctr">
+            <a:spAutoFit/>
+          </a:bodyPr>
+          <a:lstStyle/>
+          <a:p>
+            <a:pPr marL="0" marR="0" indent="0" algn="l" defTabSz="2438338" rtl="0" fontAlgn="auto" latinLnBrk="0" hangingPunct="0">
+              <a:lnSpc>
+                <a:spcPct val="90000"/>
+              </a:lnSpc>
+              <a:spcBef>
+                <a:spcPts val="4500"/>
+              </a:spcBef>
+              <a:spcAft>
+                <a:spcPts val="0"/>
+              </a:spcAft>
+              <a:buClrTx/>
+              <a:buSzTx/>
+              <a:buFontTx/>
+              <a:buNone/>
+              <a:tabLst/>
+            </a:pPr>
+            <a:r>
+              <a:rPr lang="en-GB" dirty="0"/>
+              <a:t>Proposal</a:t>
+            </a:r>
+            <a:endParaRPr kumimoji="0" lang="en-GB" sz="4800" b="0" i="0" u="none" strike="noStrike" cap="none" spc="0" normalizeH="0" baseline="0" dirty="0">
+              <a:ln>
+                <a:noFill/>
+              </a:ln>
+              <a:solidFill>
+                <a:srgbClr val="000000"/>
+              </a:solidFill>
+              <a:effectLst/>
+              <a:uFillTx/>
+              <a:latin typeface="+mn-lt"/>
+              <a:ea typeface="+mn-ea"/>
+              <a:cs typeface="+mn-cs"/>
+              <a:sym typeface="Helvetica Neue"/>
+            </a:endParaRPr>
+          </a:p>
+        </p:txBody>
+      </p:sp>
+      <p:sp>
+        <p:nvSpPr>
+          <p:cNvPr id="7" name="Textfeld 6">
+            <a:extLst>
+              <a:ext uri="{FF2B5EF4-FFF2-40B4-BE49-F238E27FC236}">
+                <a16:creationId xmlns:a16="http://schemas.microsoft.com/office/drawing/2014/main" id="{4D149613-5A42-1734-A406-CE2CDF1F7BC6}"/>
+              </a:ext>
+            </a:extLst>
+          </p:cNvPr>
+          <p:cNvSpPr txBox="1"/>
+          <p:nvPr/>
+        </p:nvSpPr>
+        <p:spPr>
+          <a:xfrm>
+            <a:off x="7542044" y="9626016"/>
+            <a:ext cx="2826095" cy="1344471"/>
+          </a:xfrm>
+          <a:prstGeom prst="rect">
+            <a:avLst/>
+          </a:prstGeom>
+          <a:noFill/>
+          <a:ln w="12700" cap="flat">
+            <a:noFill/>
+            <a:miter lim="400000"/>
+          </a:ln>
+          <a:effectLst/>
+          <a:sp3d/>
+        </p:spPr>
+        <p:style>
+          <a:lnRef idx="0">
+            <a:scrgbClr r="0" g="0" b="0"/>
+          </a:lnRef>
+          <a:fillRef idx="0">
+            <a:scrgbClr r="0" g="0" b="0"/>
+          </a:fillRef>
+          <a:effectRef idx="0">
+            <a:scrgbClr r="0" g="0" b="0"/>
+          </a:effectRef>
+          <a:fontRef idx="none"/>
+        </p:style>
+        <p:txBody>
+          <a:bodyPr rot="0" spcFirstLastPara="1" vertOverflow="overflow" horzOverflow="overflow" vert="horz" wrap="none" lIns="50800" tIns="50800" rIns="50800" bIns="50800" numCol="1" spcCol="38100" rtlCol="0" anchor="ctr">
+            <a:spAutoFit/>
+          </a:bodyPr>
+          <a:lstStyle/>
+          <a:p>
+            <a:pPr marL="0" marR="0" indent="0" algn="l" defTabSz="2438338" rtl="0" fontAlgn="auto" latinLnBrk="0" hangingPunct="0">
+              <a:lnSpc>
+                <a:spcPct val="90000"/>
+              </a:lnSpc>
+              <a:spcBef>
+                <a:spcPts val="4500"/>
+              </a:spcBef>
+              <a:spcAft>
+                <a:spcPts val="0"/>
+              </a:spcAft>
+              <a:buClrTx/>
+              <a:buSzTx/>
+              <a:buFontTx/>
+              <a:buNone/>
+              <a:tabLst/>
+            </a:pPr>
+            <a:r>
+              <a:rPr kumimoji="0" lang="en-GB" sz="4800" b="0" i="0" u="none" strike="noStrike" cap="none" spc="0" normalizeH="0" baseline="0" dirty="0">
+                <a:ln>
+                  <a:noFill/>
+                </a:ln>
+                <a:solidFill>
+                  <a:srgbClr val="000000"/>
+                </a:solidFill>
+                <a:effectLst/>
+                <a:uFillTx/>
+                <a:latin typeface="+mn-lt"/>
+                <a:ea typeface="+mn-ea"/>
+                <a:cs typeface="+mn-cs"/>
+                <a:sym typeface="Helvetica Neue"/>
+              </a:rPr>
+              <a:t>Feedback</a:t>
+            </a:r>
+          </a:p>
+        </p:txBody>
+      </p:sp>
+      <p:sp>
+        <p:nvSpPr>
+          <p:cNvPr id="8" name="Textfeld 7">
+            <a:extLst>
+              <a:ext uri="{FF2B5EF4-FFF2-40B4-BE49-F238E27FC236}">
+                <a16:creationId xmlns:a16="http://schemas.microsoft.com/office/drawing/2014/main" id="{3963147F-622A-124E-14EA-CBB58C6CF48F}"/>
+              </a:ext>
+            </a:extLst>
+          </p:cNvPr>
+          <p:cNvSpPr txBox="1"/>
+          <p:nvPr/>
+        </p:nvSpPr>
+        <p:spPr>
+          <a:xfrm>
+            <a:off x="11751768" y="9635816"/>
+            <a:ext cx="3568285" cy="1344471"/>
+          </a:xfrm>
+          <a:prstGeom prst="rect">
+            <a:avLst/>
+          </a:prstGeom>
+          <a:noFill/>
+          <a:ln w="12700" cap="flat">
+            <a:noFill/>
+            <a:miter lim="400000"/>
+          </a:ln>
+          <a:effectLst/>
+          <a:sp3d/>
+        </p:spPr>
+        <p:style>
+          <a:lnRef idx="0">
+            <a:scrgbClr r="0" g="0" b="0"/>
+          </a:lnRef>
+          <a:fillRef idx="0">
+            <a:scrgbClr r="0" g="0" b="0"/>
+          </a:fillRef>
+          <a:effectRef idx="0">
+            <a:scrgbClr r="0" g="0" b="0"/>
+          </a:effectRef>
+          <a:fontRef idx="none"/>
+        </p:style>
+        <p:txBody>
+          <a:bodyPr rot="0" spcFirstLastPara="1" vertOverflow="overflow" horzOverflow="overflow" vert="horz" wrap="none" lIns="50800" tIns="50800" rIns="50800" bIns="50800" numCol="1" spcCol="38100" rtlCol="0" anchor="ctr">
+            <a:spAutoFit/>
+          </a:bodyPr>
+          <a:lstStyle/>
+          <a:p>
+            <a:pPr marL="0" marR="0" indent="0" algn="l" defTabSz="2438338" rtl="0" fontAlgn="auto" latinLnBrk="0" hangingPunct="0">
+              <a:lnSpc>
+                <a:spcPct val="90000"/>
+              </a:lnSpc>
+              <a:spcBef>
+                <a:spcPts val="4500"/>
+              </a:spcBef>
+              <a:spcAft>
+                <a:spcPts val="0"/>
+              </a:spcAft>
+              <a:buClrTx/>
+              <a:buSzTx/>
+              <a:buFontTx/>
+              <a:buNone/>
+              <a:tabLst/>
+            </a:pPr>
+            <a:r>
+              <a:rPr kumimoji="0" lang="en-GB" sz="4800" b="0" i="0" u="none" strike="noStrike" cap="none" spc="0" normalizeH="0" baseline="0" dirty="0">
+                <a:ln>
+                  <a:noFill/>
+                </a:ln>
+                <a:solidFill>
+                  <a:srgbClr val="000000"/>
+                </a:solidFill>
+                <a:effectLst/>
+                <a:uFillTx/>
+                <a:latin typeface="+mn-lt"/>
+                <a:ea typeface="+mn-ea"/>
+                <a:cs typeface="+mn-cs"/>
+                <a:sym typeface="Helvetica Neue"/>
+              </a:rPr>
+              <a:t>Presentation</a:t>
+            </a:r>
+          </a:p>
+        </p:txBody>
+      </p:sp>
+      <p:sp>
+        <p:nvSpPr>
+          <p:cNvPr id="9" name="Textfeld 8">
+            <a:extLst>
+              <a:ext uri="{FF2B5EF4-FFF2-40B4-BE49-F238E27FC236}">
+                <a16:creationId xmlns:a16="http://schemas.microsoft.com/office/drawing/2014/main" id="{3F0063FB-2C09-E314-4841-EBFF3C0AB2CC}"/>
+              </a:ext>
+            </a:extLst>
+          </p:cNvPr>
+          <p:cNvSpPr txBox="1"/>
+          <p:nvPr/>
+        </p:nvSpPr>
+        <p:spPr>
+          <a:xfrm>
+            <a:off x="20037883" y="9635816"/>
+            <a:ext cx="2325958" cy="1344471"/>
+          </a:xfrm>
+          <a:prstGeom prst="rect">
+            <a:avLst/>
+          </a:prstGeom>
+          <a:noFill/>
+          <a:ln w="12700" cap="flat">
+            <a:noFill/>
+            <a:miter lim="400000"/>
+          </a:ln>
+          <a:effectLst/>
+          <a:sp3d/>
+        </p:spPr>
+        <p:style>
+          <a:lnRef idx="0">
+            <a:scrgbClr r="0" g="0" b="0"/>
+          </a:lnRef>
+          <a:fillRef idx="0">
+            <a:scrgbClr r="0" g="0" b="0"/>
+          </a:fillRef>
+          <a:effectRef idx="0">
+            <a:scrgbClr r="0" g="0" b="0"/>
+          </a:effectRef>
+          <a:fontRef idx="none"/>
+        </p:style>
+        <p:txBody>
+          <a:bodyPr rot="0" spcFirstLastPara="1" vertOverflow="overflow" horzOverflow="overflow" vert="horz" wrap="none" lIns="50800" tIns="50800" rIns="50800" bIns="50800" numCol="1" spcCol="38100" rtlCol="0" anchor="ctr">
+            <a:spAutoFit/>
+          </a:bodyPr>
+          <a:lstStyle/>
+          <a:p>
+            <a:pPr marL="0" marR="0" indent="0" algn="l" defTabSz="2438338" rtl="0" fontAlgn="auto" latinLnBrk="0" hangingPunct="0">
+              <a:lnSpc>
+                <a:spcPct val="90000"/>
+              </a:lnSpc>
+              <a:spcBef>
+                <a:spcPts val="4500"/>
+              </a:spcBef>
+              <a:spcAft>
+                <a:spcPts val="0"/>
+              </a:spcAft>
+              <a:buClrTx/>
+              <a:buSzTx/>
+              <a:buFontTx/>
+              <a:buNone/>
+              <a:tabLst/>
+            </a:pPr>
+            <a:r>
+              <a:rPr kumimoji="0" lang="en-GB" sz="4800" b="0" i="0" u="none" strike="noStrike" cap="none" spc="0" normalizeH="0" baseline="0" dirty="0">
+                <a:ln>
+                  <a:noFill/>
+                </a:ln>
+                <a:solidFill>
+                  <a:srgbClr val="000000"/>
+                </a:solidFill>
+                <a:effectLst/>
+                <a:uFillTx/>
+                <a:latin typeface="+mn-lt"/>
+                <a:ea typeface="+mn-ea"/>
+                <a:cs typeface="+mn-cs"/>
+                <a:sym typeface="Helvetica Neue"/>
+              </a:rPr>
+              <a:t>Hand-In</a:t>
+            </a:r>
+          </a:p>
+        </p:txBody>
+      </p:sp>
+      <p:sp>
+        <p:nvSpPr>
+          <p:cNvPr id="10" name="Textfeld 9">
+            <a:extLst>
+              <a:ext uri="{FF2B5EF4-FFF2-40B4-BE49-F238E27FC236}">
+                <a16:creationId xmlns:a16="http://schemas.microsoft.com/office/drawing/2014/main" id="{CC01F54B-88AB-376E-5AE6-4E1CFF4240A7}"/>
+              </a:ext>
+            </a:extLst>
+          </p:cNvPr>
+          <p:cNvSpPr txBox="1"/>
+          <p:nvPr/>
+        </p:nvSpPr>
+        <p:spPr>
+          <a:xfrm>
+            <a:off x="12191999" y="2888112"/>
+            <a:ext cx="4956485" cy="1344471"/>
+          </a:xfrm>
+          <a:prstGeom prst="rect">
+            <a:avLst/>
+          </a:prstGeom>
+          <a:noFill/>
+          <a:ln w="12700" cap="flat">
+            <a:noFill/>
+            <a:miter lim="400000"/>
+          </a:ln>
+          <a:effectLst/>
+          <a:sp3d/>
+        </p:spPr>
+        <p:style>
+          <a:lnRef idx="0">
+            <a:scrgbClr r="0" g="0" b="0"/>
+          </a:lnRef>
+          <a:fillRef idx="0">
+            <a:scrgbClr r="0" g="0" b="0"/>
+          </a:fillRef>
+          <a:effectRef idx="0">
+            <a:scrgbClr r="0" g="0" b="0"/>
+          </a:effectRef>
+          <a:fontRef idx="none"/>
+        </p:style>
+        <p:txBody>
+          <a:bodyPr rot="0" spcFirstLastPara="1" vertOverflow="overflow" horzOverflow="overflow" vert="horz" wrap="none" lIns="50800" tIns="50800" rIns="50800" bIns="50800" numCol="1" spcCol="38100" rtlCol="0" anchor="ctr">
+            <a:spAutoFit/>
+          </a:bodyPr>
+          <a:lstStyle/>
+          <a:p>
+            <a:pPr marL="0" marR="0" indent="0" algn="l" defTabSz="2438338" rtl="0" fontAlgn="auto" latinLnBrk="0" hangingPunct="0">
+              <a:lnSpc>
+                <a:spcPct val="90000"/>
+              </a:lnSpc>
+              <a:spcBef>
+                <a:spcPts val="4500"/>
+              </a:spcBef>
+              <a:spcAft>
+                <a:spcPts val="0"/>
+              </a:spcAft>
+              <a:buClrTx/>
+              <a:buSzTx/>
+              <a:buFontTx/>
+              <a:buNone/>
+              <a:tabLst/>
+            </a:pPr>
+            <a:r>
+              <a:rPr lang="en-GB" dirty="0"/>
+              <a:t>Final Calculations</a:t>
+            </a:r>
+            <a:endParaRPr kumimoji="0" lang="en-GB" sz="4800" b="0" i="0" u="none" strike="noStrike" cap="none" spc="0" normalizeH="0" baseline="0" dirty="0">
+              <a:ln>
+                <a:noFill/>
+              </a:ln>
+              <a:solidFill>
+                <a:srgbClr val="000000"/>
+              </a:solidFill>
+              <a:effectLst/>
+              <a:uFillTx/>
+              <a:latin typeface="+mn-lt"/>
+              <a:ea typeface="+mn-ea"/>
+              <a:cs typeface="+mn-cs"/>
+              <a:sym typeface="Helvetica Neue"/>
+            </a:endParaRPr>
+          </a:p>
+        </p:txBody>
+      </p:sp>
+      <p:sp>
+        <p:nvSpPr>
+          <p:cNvPr id="11" name="Textfeld 10">
+            <a:extLst>
+              <a:ext uri="{FF2B5EF4-FFF2-40B4-BE49-F238E27FC236}">
+                <a16:creationId xmlns:a16="http://schemas.microsoft.com/office/drawing/2014/main" id="{9C678DA0-E858-8056-F097-36C914942788}"/>
+              </a:ext>
+            </a:extLst>
+          </p:cNvPr>
+          <p:cNvSpPr txBox="1"/>
+          <p:nvPr/>
+        </p:nvSpPr>
+        <p:spPr>
+          <a:xfrm>
+            <a:off x="5701109" y="2888112"/>
+            <a:ext cx="4853893" cy="1344471"/>
+          </a:xfrm>
+          <a:prstGeom prst="rect">
+            <a:avLst/>
+          </a:prstGeom>
+          <a:noFill/>
+          <a:ln w="12700" cap="flat">
+            <a:noFill/>
+            <a:miter lim="400000"/>
+          </a:ln>
+          <a:effectLst/>
+          <a:sp3d/>
+        </p:spPr>
+        <p:style>
+          <a:lnRef idx="0">
+            <a:scrgbClr r="0" g="0" b="0"/>
+          </a:lnRef>
+          <a:fillRef idx="0">
+            <a:scrgbClr r="0" g="0" b="0"/>
+          </a:fillRef>
+          <a:effectRef idx="0">
+            <a:scrgbClr r="0" g="0" b="0"/>
+          </a:effectRef>
+          <a:fontRef idx="none"/>
+        </p:style>
+        <p:txBody>
+          <a:bodyPr rot="0" spcFirstLastPara="1" vertOverflow="overflow" horzOverflow="overflow" vert="horz" wrap="none" lIns="50800" tIns="50800" rIns="50800" bIns="50800" numCol="1" spcCol="38100" rtlCol="0" anchor="ctr">
+            <a:spAutoFit/>
+          </a:bodyPr>
+          <a:lstStyle/>
+          <a:p>
+            <a:pPr marL="0" marR="0" indent="0" algn="l" defTabSz="2438338" rtl="0" fontAlgn="auto" latinLnBrk="0" hangingPunct="0">
+              <a:lnSpc>
+                <a:spcPct val="90000"/>
+              </a:lnSpc>
+              <a:spcBef>
+                <a:spcPts val="4500"/>
+              </a:spcBef>
+              <a:spcAft>
+                <a:spcPts val="0"/>
+              </a:spcAft>
+              <a:buClrTx/>
+              <a:buSzTx/>
+              <a:buFontTx/>
+              <a:buNone/>
+              <a:tabLst/>
+            </a:pPr>
+            <a:r>
+              <a:rPr lang="en-GB" dirty="0"/>
+              <a:t>First Calculations</a:t>
+            </a:r>
+            <a:endParaRPr kumimoji="0" lang="en-GB" sz="4800" b="0" i="0" u="none" strike="noStrike" cap="none" spc="0" normalizeH="0" baseline="0" dirty="0">
+              <a:ln>
+                <a:noFill/>
+              </a:ln>
+              <a:solidFill>
+                <a:srgbClr val="000000"/>
+              </a:solidFill>
+              <a:effectLst/>
+              <a:uFillTx/>
+              <a:latin typeface="+mn-lt"/>
+              <a:ea typeface="+mn-ea"/>
+              <a:cs typeface="+mn-cs"/>
+              <a:sym typeface="Helvetica Neue"/>
+            </a:endParaRPr>
+          </a:p>
+        </p:txBody>
+      </p:sp>
+      <p:sp>
+        <p:nvSpPr>
+          <p:cNvPr id="12" name="Textfeld 11">
+            <a:extLst>
+              <a:ext uri="{FF2B5EF4-FFF2-40B4-BE49-F238E27FC236}">
+                <a16:creationId xmlns:a16="http://schemas.microsoft.com/office/drawing/2014/main" id="{158B3630-3D31-67D8-73E4-5FBC37CCF28E}"/>
+              </a:ext>
+            </a:extLst>
+          </p:cNvPr>
+          <p:cNvSpPr txBox="1"/>
+          <p:nvPr/>
+        </p:nvSpPr>
+        <p:spPr>
+          <a:xfrm>
+            <a:off x="17684749" y="2888112"/>
+            <a:ext cx="4081245" cy="1344471"/>
+          </a:xfrm>
+          <a:prstGeom prst="rect">
+            <a:avLst/>
+          </a:prstGeom>
+          <a:noFill/>
+          <a:ln w="12700" cap="flat">
+            <a:noFill/>
+            <a:miter lim="400000"/>
+          </a:ln>
+          <a:effectLst/>
+          <a:sp3d/>
+        </p:spPr>
+        <p:style>
+          <a:lnRef idx="0">
+            <a:scrgbClr r="0" g="0" b="0"/>
+          </a:lnRef>
+          <a:fillRef idx="0">
+            <a:scrgbClr r="0" g="0" b="0"/>
+          </a:fillRef>
+          <a:effectRef idx="0">
+            <a:scrgbClr r="0" g="0" b="0"/>
+          </a:effectRef>
+          <a:fontRef idx="none"/>
+        </p:style>
+        <p:txBody>
+          <a:bodyPr rot="0" spcFirstLastPara="1" vertOverflow="overflow" horzOverflow="overflow" vert="horz" wrap="none" lIns="50800" tIns="50800" rIns="50800" bIns="50800" numCol="1" spcCol="38100" rtlCol="0" anchor="ctr">
+            <a:spAutoFit/>
+          </a:bodyPr>
+          <a:lstStyle/>
+          <a:p>
+            <a:pPr marL="0" marR="0" indent="0" algn="l" defTabSz="2438338" rtl="0" fontAlgn="auto" latinLnBrk="0" hangingPunct="0">
+              <a:lnSpc>
+                <a:spcPct val="90000"/>
+              </a:lnSpc>
+              <a:spcBef>
+                <a:spcPts val="4500"/>
+              </a:spcBef>
+              <a:spcAft>
+                <a:spcPts val="0"/>
+              </a:spcAft>
+              <a:buClrTx/>
+              <a:buSzTx/>
+              <a:buFontTx/>
+              <a:buNone/>
+              <a:tabLst/>
+            </a:pPr>
+            <a:r>
+              <a:rPr lang="en-GB" dirty="0"/>
+              <a:t>Writing Report</a:t>
+            </a:r>
+            <a:endParaRPr kumimoji="0" lang="en-GB" sz="4800" b="0" i="0" u="none" strike="noStrike" cap="none" spc="0" normalizeH="0" baseline="0" dirty="0">
+              <a:ln>
+                <a:noFill/>
+              </a:ln>
+              <a:solidFill>
+                <a:srgbClr val="000000"/>
+              </a:solidFill>
+              <a:effectLst/>
+              <a:uFillTx/>
+              <a:latin typeface="+mn-lt"/>
+              <a:ea typeface="+mn-ea"/>
+              <a:cs typeface="+mn-cs"/>
+              <a:sym typeface="Helvetica Neue"/>
+            </a:endParaRPr>
+          </a:p>
+        </p:txBody>
+      </p:sp>
+      <p:cxnSp>
+        <p:nvCxnSpPr>
+          <p:cNvPr id="14" name="Gerade Verbindung 13">
+            <a:extLst>
+              <a:ext uri="{FF2B5EF4-FFF2-40B4-BE49-F238E27FC236}">
+                <a16:creationId xmlns:a16="http://schemas.microsoft.com/office/drawing/2014/main" id="{76568491-BB69-C512-1010-C6CADA4EB88B}"/>
+              </a:ext>
+            </a:extLst>
+          </p:cNvPr>
+          <p:cNvCxnSpPr/>
+          <p:nvPr/>
+        </p:nvCxnSpPr>
+        <p:spPr>
+          <a:xfrm>
+            <a:off x="3606433" y="4232583"/>
+            <a:ext cx="0" cy="2625417"/>
+          </a:xfrm>
+          <a:prstGeom prst="line">
+            <a:avLst/>
+          </a:prstGeom>
+          <a:noFill/>
+          <a:ln w="25400" cap="flat">
+            <a:solidFill>
+              <a:srgbClr val="000000"/>
+            </a:solidFill>
+            <a:prstDash val="solid"/>
+            <a:miter lim="400000"/>
+          </a:ln>
+          <a:effectLst/>
+          <a:sp3d/>
+        </p:spPr>
+        <p:style>
+          <a:lnRef idx="0">
+            <a:scrgbClr r="0" g="0" b="0"/>
+          </a:lnRef>
+          <a:fillRef idx="0">
+            <a:scrgbClr r="0" g="0" b="0"/>
+          </a:fillRef>
+          <a:effectRef idx="0">
+            <a:scrgbClr r="0" g="0" b="0"/>
+          </a:effectRef>
+          <a:fontRef idx="none"/>
+        </p:style>
+      </p:cxnSp>
+      <p:cxnSp>
+        <p:nvCxnSpPr>
+          <p:cNvPr id="15" name="Gerade Verbindung 14">
+            <a:extLst>
+              <a:ext uri="{FF2B5EF4-FFF2-40B4-BE49-F238E27FC236}">
+                <a16:creationId xmlns:a16="http://schemas.microsoft.com/office/drawing/2014/main" id="{74A0A830-CA0C-E8F4-839C-ADFF24BB18E6}"/>
+              </a:ext>
+            </a:extLst>
+          </p:cNvPr>
+          <p:cNvCxnSpPr/>
+          <p:nvPr/>
+        </p:nvCxnSpPr>
+        <p:spPr>
+          <a:xfrm>
+            <a:off x="8908043" y="4232582"/>
+            <a:ext cx="0" cy="2625417"/>
+          </a:xfrm>
+          <a:prstGeom prst="line">
+            <a:avLst/>
+          </a:prstGeom>
+          <a:noFill/>
+          <a:ln w="25400" cap="flat">
+            <a:solidFill>
+              <a:srgbClr val="000000"/>
+            </a:solidFill>
+            <a:prstDash val="solid"/>
+            <a:miter lim="400000"/>
+          </a:ln>
+          <a:effectLst/>
+          <a:sp3d/>
+        </p:spPr>
+        <p:style>
+          <a:lnRef idx="0">
+            <a:scrgbClr r="0" g="0" b="0"/>
+          </a:lnRef>
+          <a:fillRef idx="0">
+            <a:scrgbClr r="0" g="0" b="0"/>
+          </a:fillRef>
+          <a:effectRef idx="0">
+            <a:scrgbClr r="0" g="0" b="0"/>
+          </a:effectRef>
+          <a:fontRef idx="none"/>
+        </p:style>
+      </p:cxnSp>
+      <p:cxnSp>
+        <p:nvCxnSpPr>
+          <p:cNvPr id="16" name="Gerade Verbindung 15">
+            <a:extLst>
+              <a:ext uri="{FF2B5EF4-FFF2-40B4-BE49-F238E27FC236}">
+                <a16:creationId xmlns:a16="http://schemas.microsoft.com/office/drawing/2014/main" id="{477EF9BC-3207-13B6-F438-DD96311D19FA}"/>
+              </a:ext>
+            </a:extLst>
+          </p:cNvPr>
+          <p:cNvCxnSpPr/>
+          <p:nvPr/>
+        </p:nvCxnSpPr>
+        <p:spPr>
+          <a:xfrm>
+            <a:off x="15211782" y="4232582"/>
+            <a:ext cx="0" cy="2625417"/>
+          </a:xfrm>
+          <a:prstGeom prst="line">
+            <a:avLst/>
+          </a:prstGeom>
+          <a:noFill/>
+          <a:ln w="25400" cap="flat">
+            <a:solidFill>
+              <a:srgbClr val="000000"/>
+            </a:solidFill>
+            <a:prstDash val="solid"/>
+            <a:miter lim="400000"/>
+          </a:ln>
+          <a:effectLst/>
+          <a:sp3d/>
+        </p:spPr>
+        <p:style>
+          <a:lnRef idx="0">
+            <a:scrgbClr r="0" g="0" b="0"/>
+          </a:lnRef>
+          <a:fillRef idx="0">
+            <a:scrgbClr r="0" g="0" b="0"/>
+          </a:fillRef>
+          <a:effectRef idx="0">
+            <a:scrgbClr r="0" g="0" b="0"/>
+          </a:effectRef>
+          <a:fontRef idx="none"/>
+        </p:style>
+      </p:cxnSp>
+      <p:cxnSp>
+        <p:nvCxnSpPr>
+          <p:cNvPr id="17" name="Gerade Verbindung 16">
+            <a:extLst>
+              <a:ext uri="{FF2B5EF4-FFF2-40B4-BE49-F238E27FC236}">
+                <a16:creationId xmlns:a16="http://schemas.microsoft.com/office/drawing/2014/main" id="{EC67D4BD-5C98-D99B-8914-42288CEB3AF9}"/>
+              </a:ext>
+            </a:extLst>
+          </p:cNvPr>
+          <p:cNvCxnSpPr/>
+          <p:nvPr/>
+        </p:nvCxnSpPr>
+        <p:spPr>
+          <a:xfrm>
+            <a:off x="18885111" y="4232582"/>
+            <a:ext cx="0" cy="2625417"/>
+          </a:xfrm>
+          <a:prstGeom prst="line">
+            <a:avLst/>
+          </a:prstGeom>
+          <a:noFill/>
+          <a:ln w="25400" cap="flat">
+            <a:solidFill>
+              <a:srgbClr val="000000"/>
+            </a:solidFill>
+            <a:prstDash val="solid"/>
+            <a:miter lim="400000"/>
+          </a:ln>
+          <a:effectLst/>
+          <a:sp3d/>
+        </p:spPr>
+        <p:style>
+          <a:lnRef idx="0">
+            <a:scrgbClr r="0" g="0" b="0"/>
+          </a:lnRef>
+          <a:fillRef idx="0">
+            <a:scrgbClr r="0" g="0" b="0"/>
+          </a:fillRef>
+          <a:effectRef idx="0">
+            <a:scrgbClr r="0" g="0" b="0"/>
+          </a:effectRef>
+          <a:fontRef idx="none"/>
+        </p:style>
+      </p:cxnSp>
+      <p:cxnSp>
+        <p:nvCxnSpPr>
+          <p:cNvPr id="18" name="Gerade Verbindung 17">
+            <a:extLst>
+              <a:ext uri="{FF2B5EF4-FFF2-40B4-BE49-F238E27FC236}">
+                <a16:creationId xmlns:a16="http://schemas.microsoft.com/office/drawing/2014/main" id="{68D0AA55-12F3-2E0F-64CA-4B0D4AB32CDB}"/>
+              </a:ext>
+            </a:extLst>
+          </p:cNvPr>
+          <p:cNvCxnSpPr/>
+          <p:nvPr/>
+        </p:nvCxnSpPr>
+        <p:spPr>
+          <a:xfrm>
+            <a:off x="20785507" y="7325890"/>
+            <a:ext cx="0" cy="2625417"/>
+          </a:xfrm>
+          <a:prstGeom prst="line">
+            <a:avLst/>
+          </a:prstGeom>
+          <a:noFill/>
+          <a:ln w="25400" cap="flat">
+            <a:solidFill>
+              <a:srgbClr val="000000"/>
+            </a:solidFill>
+            <a:prstDash val="solid"/>
+            <a:miter lim="400000"/>
+          </a:ln>
+          <a:effectLst/>
+          <a:sp3d/>
+        </p:spPr>
+        <p:style>
+          <a:lnRef idx="0">
+            <a:scrgbClr r="0" g="0" b="0"/>
+          </a:lnRef>
+          <a:fillRef idx="0">
+            <a:scrgbClr r="0" g="0" b="0"/>
+          </a:fillRef>
+          <a:effectRef idx="0">
+            <a:scrgbClr r="0" g="0" b="0"/>
+          </a:effectRef>
+          <a:fontRef idx="none"/>
+        </p:style>
+      </p:cxnSp>
+      <p:cxnSp>
+        <p:nvCxnSpPr>
+          <p:cNvPr id="19" name="Gerade Verbindung 18">
+            <a:extLst>
+              <a:ext uri="{FF2B5EF4-FFF2-40B4-BE49-F238E27FC236}">
+                <a16:creationId xmlns:a16="http://schemas.microsoft.com/office/drawing/2014/main" id="{4EACC4EB-72EC-ABF7-31C4-7356DACCC880}"/>
+              </a:ext>
+            </a:extLst>
+          </p:cNvPr>
+          <p:cNvCxnSpPr/>
+          <p:nvPr/>
+        </p:nvCxnSpPr>
+        <p:spPr>
+          <a:xfrm>
+            <a:off x="13535910" y="7325889"/>
+            <a:ext cx="0" cy="2625417"/>
+          </a:xfrm>
+          <a:prstGeom prst="line">
+            <a:avLst/>
+          </a:prstGeom>
+          <a:noFill/>
+          <a:ln w="25400" cap="flat">
+            <a:solidFill>
+              <a:srgbClr val="000000"/>
+            </a:solidFill>
+            <a:prstDash val="solid"/>
+            <a:miter lim="400000"/>
+          </a:ln>
+          <a:effectLst/>
+          <a:sp3d/>
+        </p:spPr>
+        <p:style>
+          <a:lnRef idx="0">
+            <a:scrgbClr r="0" g="0" b="0"/>
+          </a:lnRef>
+          <a:fillRef idx="0">
+            <a:scrgbClr r="0" g="0" b="0"/>
+          </a:fillRef>
+          <a:effectRef idx="0">
+            <a:scrgbClr r="0" g="0" b="0"/>
+          </a:effectRef>
+          <a:fontRef idx="none"/>
+        </p:style>
+      </p:cxnSp>
+      <p:cxnSp>
+        <p:nvCxnSpPr>
+          <p:cNvPr id="20" name="Gerade Verbindung 19">
+            <a:extLst>
+              <a:ext uri="{FF2B5EF4-FFF2-40B4-BE49-F238E27FC236}">
+                <a16:creationId xmlns:a16="http://schemas.microsoft.com/office/drawing/2014/main" id="{E2F6056A-D2D9-4EFA-03C8-7324646F5F49}"/>
+              </a:ext>
+            </a:extLst>
+          </p:cNvPr>
+          <p:cNvCxnSpPr/>
+          <p:nvPr/>
+        </p:nvCxnSpPr>
+        <p:spPr>
+          <a:xfrm>
+            <a:off x="9635294" y="7325889"/>
+            <a:ext cx="0" cy="2625417"/>
+          </a:xfrm>
+          <a:prstGeom prst="line">
+            <a:avLst/>
+          </a:prstGeom>
+          <a:noFill/>
+          <a:ln w="25400" cap="flat">
+            <a:solidFill>
+              <a:srgbClr val="000000"/>
+            </a:solidFill>
+            <a:prstDash val="solid"/>
+            <a:miter lim="400000"/>
+          </a:ln>
+          <a:effectLst/>
+          <a:sp3d/>
+        </p:spPr>
+        <p:style>
+          <a:lnRef idx="0">
+            <a:scrgbClr r="0" g="0" b="0"/>
+          </a:lnRef>
+          <a:fillRef idx="0">
+            <a:scrgbClr r="0" g="0" b="0"/>
+          </a:fillRef>
+          <a:effectRef idx="0">
+            <a:scrgbClr r="0" g="0" b="0"/>
+          </a:effectRef>
+          <a:fontRef idx="none"/>
+        </p:style>
+      </p:cxnSp>
+      <p:cxnSp>
+        <p:nvCxnSpPr>
+          <p:cNvPr id="21" name="Gerade Verbindung 20">
+            <a:extLst>
+              <a:ext uri="{FF2B5EF4-FFF2-40B4-BE49-F238E27FC236}">
+                <a16:creationId xmlns:a16="http://schemas.microsoft.com/office/drawing/2014/main" id="{F6A2D8E6-EE1B-A433-06AB-FE08AD2F9DF2}"/>
+              </a:ext>
+            </a:extLst>
+          </p:cNvPr>
+          <p:cNvCxnSpPr/>
+          <p:nvPr/>
+        </p:nvCxnSpPr>
+        <p:spPr>
+          <a:xfrm>
+            <a:off x="4882423" y="7325889"/>
+            <a:ext cx="0" cy="2625417"/>
+          </a:xfrm>
+          <a:prstGeom prst="line">
+            <a:avLst/>
+          </a:prstGeom>
+          <a:noFill/>
+          <a:ln w="25400" cap="flat">
+            <a:solidFill>
+              <a:srgbClr val="000000"/>
+            </a:solidFill>
+            <a:prstDash val="solid"/>
+            <a:miter lim="400000"/>
+          </a:ln>
+          <a:effectLst/>
+          <a:sp3d/>
+        </p:spPr>
+        <p:style>
+          <a:lnRef idx="0">
+            <a:scrgbClr r="0" g="0" b="0"/>
+          </a:lnRef>
+          <a:fillRef idx="0">
+            <a:scrgbClr r="0" g="0" b="0"/>
+          </a:fillRef>
+          <a:effectRef idx="0">
+            <a:scrgbClr r="0" g="0" b="0"/>
+          </a:effectRef>
+          <a:fontRef idx="none"/>
+        </p:style>
+      </p:cxnSp>
+      <p:sp>
+        <p:nvSpPr>
+          <p:cNvPr id="4" name="Pfeil nach rechts 3">
+            <a:extLst>
+              <a:ext uri="{FF2B5EF4-FFF2-40B4-BE49-F238E27FC236}">
+                <a16:creationId xmlns:a16="http://schemas.microsoft.com/office/drawing/2014/main" id="{F3EDA7ED-2270-195F-0EB6-B0BAF72155FE}"/>
+              </a:ext>
+            </a:extLst>
+          </p:cNvPr>
+          <p:cNvSpPr/>
+          <p:nvPr/>
+        </p:nvSpPr>
+        <p:spPr>
+          <a:xfrm>
+            <a:off x="2020157" y="5927104"/>
+            <a:ext cx="20343684" cy="2275367"/>
+          </a:xfrm>
+          <a:prstGeom prst="rightArrow">
+            <a:avLst>
+              <a:gd name="adj1" fmla="val 31536"/>
+              <a:gd name="adj2" fmla="val 57060"/>
+            </a:avLst>
+          </a:prstGeom>
+          <a:solidFill>
+            <a:srgbClr val="000000"/>
+          </a:solidFill>
+          <a:ln w="12700" cap="flat">
+            <a:noFill/>
+            <a:miter lim="400000"/>
+          </a:ln>
+          <a:effectLst/>
+          <a:sp3d/>
+        </p:spPr>
+        <p:style>
+          <a:lnRef idx="0">
+            <a:scrgbClr r="0" g="0" b="0"/>
+          </a:lnRef>
+          <a:fillRef idx="0">
+            <a:scrgbClr r="0" g="0" b="0"/>
+          </a:fillRef>
+          <a:effectRef idx="0">
+            <a:scrgbClr r="0" g="0" b="0"/>
+          </a:effectRef>
+          <a:fontRef idx="none"/>
+        </p:style>
+        <p:txBody>
+          <a:bodyPr rot="0" spcFirstLastPara="1" vertOverflow="overflow" horzOverflow="overflow" vert="horz" wrap="square" lIns="50800" tIns="50800" rIns="50800" bIns="50800" numCol="1" spcCol="38100" rtlCol="0" anchor="ctr">
+            <a:spAutoFit/>
+          </a:bodyPr>
+          <a:lstStyle/>
+          <a:p>
+            <a:pPr marL="0" marR="0" indent="0" algn="ctr" defTabSz="825500" rtl="0" fontAlgn="auto" latinLnBrk="0" hangingPunct="0">
+              <a:lnSpc>
+                <a:spcPct val="100000"/>
+              </a:lnSpc>
+              <a:spcBef>
+                <a:spcPts val="0"/>
+              </a:spcBef>
+              <a:spcAft>
+                <a:spcPts val="0"/>
+              </a:spcAft>
+              <a:buClrTx/>
+              <a:buSzTx/>
+              <a:buFontTx/>
+              <a:buNone/>
+              <a:tabLst/>
+            </a:pPr>
+            <a:endParaRPr kumimoji="0" lang="en-GB" sz="3200" b="0" i="0" u="none" strike="noStrike" cap="none" spc="0" normalizeH="0" baseline="0">
+              <a:ln>
+                <a:noFill/>
+              </a:ln>
+              <a:solidFill>
+                <a:srgbClr val="FFFFFF"/>
+              </a:solidFill>
+              <a:effectLst/>
+              <a:uFillTx/>
+              <a:latin typeface="Helvetica Neue Medium"/>
+              <a:ea typeface="Helvetica Neue Medium"/>
+              <a:cs typeface="Helvetica Neue Medium"/>
+              <a:sym typeface="Helvetica Neue Medium"/>
+            </a:endParaRPr>
+          </a:p>
+        </p:txBody>
+      </p:sp>
+      <p:sp>
+        <p:nvSpPr>
+          <p:cNvPr id="22" name="Textfeld 21">
+            <a:extLst>
+              <a:ext uri="{FF2B5EF4-FFF2-40B4-BE49-F238E27FC236}">
+                <a16:creationId xmlns:a16="http://schemas.microsoft.com/office/drawing/2014/main" id="{FB882BC6-39B1-2685-EE6D-97E29F2A0924}"/>
+              </a:ext>
+            </a:extLst>
+          </p:cNvPr>
+          <p:cNvSpPr txBox="1"/>
+          <p:nvPr/>
+        </p:nvSpPr>
+        <p:spPr>
+          <a:xfrm>
+            <a:off x="4318967" y="10487920"/>
+            <a:ext cx="1126912" cy="1122871"/>
+          </a:xfrm>
+          <a:prstGeom prst="rect">
+            <a:avLst/>
+          </a:prstGeom>
+          <a:noFill/>
+          <a:ln w="12700" cap="flat">
+            <a:noFill/>
+            <a:miter lim="400000"/>
+          </a:ln>
+          <a:effectLst/>
+          <a:sp3d/>
+        </p:spPr>
+        <p:style>
+          <a:lnRef idx="0">
+            <a:scrgbClr r="0" g="0" b="0"/>
+          </a:lnRef>
+          <a:fillRef idx="0">
+            <a:scrgbClr r="0" g="0" b="0"/>
+          </a:fillRef>
+          <a:effectRef idx="0">
+            <a:scrgbClr r="0" g="0" b="0"/>
+          </a:effectRef>
+          <a:fontRef idx="none"/>
+        </p:style>
+        <p:txBody>
+          <a:bodyPr rot="0" spcFirstLastPara="1" vertOverflow="overflow" horzOverflow="overflow" vert="horz" wrap="none" lIns="50800" tIns="50800" rIns="50800" bIns="50800" numCol="1" spcCol="38100" rtlCol="0" anchor="ctr">
+            <a:spAutoFit/>
+          </a:bodyPr>
+          <a:lstStyle/>
+          <a:p>
+            <a:pPr marL="0" marR="0" indent="0" algn="l" defTabSz="2438338" rtl="0" fontAlgn="auto" latinLnBrk="0" hangingPunct="0">
+              <a:lnSpc>
+                <a:spcPct val="90000"/>
+              </a:lnSpc>
+              <a:spcBef>
+                <a:spcPts val="4500"/>
+              </a:spcBef>
+              <a:spcAft>
+                <a:spcPts val="0"/>
+              </a:spcAft>
+              <a:buClrTx/>
+              <a:buSzTx/>
+              <a:buFontTx/>
+              <a:buNone/>
+              <a:tabLst/>
+            </a:pPr>
+            <a:r>
+              <a:rPr kumimoji="0" lang="en-GB" sz="3200" b="0" i="0" u="none" strike="noStrike" cap="none" spc="0" normalizeH="0" baseline="0" dirty="0">
+                <a:ln>
+                  <a:noFill/>
+                </a:ln>
+                <a:solidFill>
+                  <a:srgbClr val="000000"/>
+                </a:solidFill>
+                <a:effectLst/>
+                <a:uFillTx/>
+                <a:latin typeface="+mn-lt"/>
+                <a:ea typeface="+mn-ea"/>
+                <a:cs typeface="+mn-cs"/>
+                <a:sym typeface="Helvetica Neue"/>
+              </a:rPr>
+              <a:t>26.05</a:t>
+            </a:r>
+          </a:p>
+        </p:txBody>
+      </p:sp>
+      <p:sp>
+        <p:nvSpPr>
+          <p:cNvPr id="23" name="Textfeld 22">
+            <a:extLst>
+              <a:ext uri="{FF2B5EF4-FFF2-40B4-BE49-F238E27FC236}">
+                <a16:creationId xmlns:a16="http://schemas.microsoft.com/office/drawing/2014/main" id="{7F2F408C-3D12-8DE4-BB2A-EA0FA7CDC3D9}"/>
+              </a:ext>
+            </a:extLst>
+          </p:cNvPr>
+          <p:cNvSpPr txBox="1"/>
+          <p:nvPr/>
+        </p:nvSpPr>
+        <p:spPr>
+          <a:xfrm>
+            <a:off x="12972454" y="10487920"/>
+            <a:ext cx="1126912" cy="1122871"/>
+          </a:xfrm>
+          <a:prstGeom prst="rect">
+            <a:avLst/>
+          </a:prstGeom>
+          <a:noFill/>
+          <a:ln w="12700" cap="flat">
+            <a:noFill/>
+            <a:miter lim="400000"/>
+          </a:ln>
+          <a:effectLst/>
+          <a:sp3d/>
+        </p:spPr>
+        <p:style>
+          <a:lnRef idx="0">
+            <a:scrgbClr r="0" g="0" b="0"/>
+          </a:lnRef>
+          <a:fillRef idx="0">
+            <a:scrgbClr r="0" g="0" b="0"/>
+          </a:fillRef>
+          <a:effectRef idx="0">
+            <a:scrgbClr r="0" g="0" b="0"/>
+          </a:effectRef>
+          <a:fontRef idx="none"/>
+        </p:style>
+        <p:txBody>
+          <a:bodyPr rot="0" spcFirstLastPara="1" vertOverflow="overflow" horzOverflow="overflow" vert="horz" wrap="none" lIns="50800" tIns="50800" rIns="50800" bIns="50800" numCol="1" spcCol="38100" rtlCol="0" anchor="ctr">
+            <a:spAutoFit/>
+          </a:bodyPr>
+          <a:lstStyle/>
+          <a:p>
+            <a:pPr marL="0" marR="0" indent="0" algn="l" defTabSz="2438338" rtl="0" fontAlgn="auto" latinLnBrk="0" hangingPunct="0">
+              <a:lnSpc>
+                <a:spcPct val="90000"/>
+              </a:lnSpc>
+              <a:spcBef>
+                <a:spcPts val="4500"/>
+              </a:spcBef>
+              <a:spcAft>
+                <a:spcPts val="0"/>
+              </a:spcAft>
+              <a:buClrTx/>
+              <a:buSzTx/>
+              <a:buFontTx/>
+              <a:buNone/>
+              <a:tabLst/>
+            </a:pPr>
+            <a:r>
+              <a:rPr lang="en-GB" sz="3200" dirty="0"/>
+              <a:t>07</a:t>
+            </a:r>
+            <a:r>
+              <a:rPr kumimoji="0" lang="en-GB" sz="3200" b="0" i="0" u="none" strike="noStrike" cap="none" spc="0" normalizeH="0" baseline="0" dirty="0">
+                <a:ln>
+                  <a:noFill/>
+                </a:ln>
+                <a:solidFill>
+                  <a:srgbClr val="000000"/>
+                </a:solidFill>
+                <a:effectLst/>
+                <a:uFillTx/>
+                <a:latin typeface="+mn-lt"/>
+                <a:ea typeface="+mn-ea"/>
+                <a:cs typeface="+mn-cs"/>
+                <a:sym typeface="Helvetica Neue"/>
+              </a:rPr>
+              <a:t>.06</a:t>
+            </a:r>
+          </a:p>
+        </p:txBody>
+      </p:sp>
+      <p:sp>
+        <p:nvSpPr>
+          <p:cNvPr id="24" name="Textfeld 23">
+            <a:extLst>
+              <a:ext uri="{FF2B5EF4-FFF2-40B4-BE49-F238E27FC236}">
+                <a16:creationId xmlns:a16="http://schemas.microsoft.com/office/drawing/2014/main" id="{3777C743-D766-73AC-29B2-886714417E9A}"/>
+              </a:ext>
+            </a:extLst>
+          </p:cNvPr>
+          <p:cNvSpPr txBox="1"/>
+          <p:nvPr/>
+        </p:nvSpPr>
+        <p:spPr>
+          <a:xfrm>
+            <a:off x="8391635" y="10513403"/>
+            <a:ext cx="1126912" cy="1122871"/>
+          </a:xfrm>
+          <a:prstGeom prst="rect">
+            <a:avLst/>
+          </a:prstGeom>
+          <a:noFill/>
+          <a:ln w="12700" cap="flat">
+            <a:noFill/>
+            <a:miter lim="400000"/>
+          </a:ln>
+          <a:effectLst/>
+          <a:sp3d/>
+        </p:spPr>
+        <p:style>
+          <a:lnRef idx="0">
+            <a:scrgbClr r="0" g="0" b="0"/>
+          </a:lnRef>
+          <a:fillRef idx="0">
+            <a:scrgbClr r="0" g="0" b="0"/>
+          </a:fillRef>
+          <a:effectRef idx="0">
+            <a:scrgbClr r="0" g="0" b="0"/>
+          </a:effectRef>
+          <a:fontRef idx="none"/>
+        </p:style>
+        <p:txBody>
+          <a:bodyPr rot="0" spcFirstLastPara="1" vertOverflow="overflow" horzOverflow="overflow" vert="horz" wrap="none" lIns="50800" tIns="50800" rIns="50800" bIns="50800" numCol="1" spcCol="38100" rtlCol="0" anchor="ctr">
+            <a:spAutoFit/>
+          </a:bodyPr>
+          <a:lstStyle/>
+          <a:p>
+            <a:pPr marL="0" marR="0" indent="0" algn="l" defTabSz="2438338" rtl="0" fontAlgn="auto" latinLnBrk="0" hangingPunct="0">
+              <a:lnSpc>
+                <a:spcPct val="90000"/>
+              </a:lnSpc>
+              <a:spcBef>
+                <a:spcPts val="4500"/>
+              </a:spcBef>
+              <a:spcAft>
+                <a:spcPts val="0"/>
+              </a:spcAft>
+              <a:buClrTx/>
+              <a:buSzTx/>
+              <a:buFontTx/>
+              <a:buNone/>
+              <a:tabLst/>
+            </a:pPr>
+            <a:r>
+              <a:rPr lang="en-GB" sz="3200" dirty="0"/>
+              <a:t>03</a:t>
+            </a:r>
+            <a:r>
+              <a:rPr kumimoji="0" lang="en-GB" sz="3200" b="0" i="0" u="none" strike="noStrike" cap="none" spc="0" normalizeH="0" baseline="0" dirty="0">
+                <a:ln>
+                  <a:noFill/>
+                </a:ln>
+                <a:solidFill>
+                  <a:srgbClr val="000000"/>
+                </a:solidFill>
+                <a:effectLst/>
+                <a:uFillTx/>
+                <a:latin typeface="+mn-lt"/>
+                <a:ea typeface="+mn-ea"/>
+                <a:cs typeface="+mn-cs"/>
+                <a:sym typeface="Helvetica Neue"/>
+              </a:rPr>
+              <a:t>.06</a:t>
+            </a:r>
+          </a:p>
+        </p:txBody>
+      </p:sp>
+      <p:sp>
+        <p:nvSpPr>
+          <p:cNvPr id="25" name="Textfeld 24">
+            <a:extLst>
+              <a:ext uri="{FF2B5EF4-FFF2-40B4-BE49-F238E27FC236}">
+                <a16:creationId xmlns:a16="http://schemas.microsoft.com/office/drawing/2014/main" id="{0EEF8F27-C351-1553-8FFE-2B55DA06B952}"/>
+              </a:ext>
+            </a:extLst>
+          </p:cNvPr>
+          <p:cNvSpPr txBox="1"/>
+          <p:nvPr/>
+        </p:nvSpPr>
+        <p:spPr>
+          <a:xfrm>
+            <a:off x="20555954" y="10513402"/>
+            <a:ext cx="1126912" cy="1122871"/>
+          </a:xfrm>
+          <a:prstGeom prst="rect">
+            <a:avLst/>
+          </a:prstGeom>
+          <a:noFill/>
+          <a:ln w="12700" cap="flat">
+            <a:noFill/>
+            <a:miter lim="400000"/>
+          </a:ln>
+          <a:effectLst/>
+          <a:sp3d/>
+        </p:spPr>
+        <p:style>
+          <a:lnRef idx="0">
+            <a:scrgbClr r="0" g="0" b="0"/>
+          </a:lnRef>
+          <a:fillRef idx="0">
+            <a:scrgbClr r="0" g="0" b="0"/>
+          </a:fillRef>
+          <a:effectRef idx="0">
+            <a:scrgbClr r="0" g="0" b="0"/>
+          </a:effectRef>
+          <a:fontRef idx="none"/>
+        </p:style>
+        <p:txBody>
+          <a:bodyPr rot="0" spcFirstLastPara="1" vertOverflow="overflow" horzOverflow="overflow" vert="horz" wrap="none" lIns="50800" tIns="50800" rIns="50800" bIns="50800" numCol="1" spcCol="38100" rtlCol="0" anchor="ctr">
+            <a:spAutoFit/>
+          </a:bodyPr>
+          <a:lstStyle/>
+          <a:p>
+            <a:pPr marL="0" marR="0" indent="0" algn="l" defTabSz="2438338" rtl="0" fontAlgn="auto" latinLnBrk="0" hangingPunct="0">
+              <a:lnSpc>
+                <a:spcPct val="90000"/>
+              </a:lnSpc>
+              <a:spcBef>
+                <a:spcPts val="4500"/>
+              </a:spcBef>
+              <a:spcAft>
+                <a:spcPts val="0"/>
+              </a:spcAft>
+              <a:buClrTx/>
+              <a:buSzTx/>
+              <a:buFontTx/>
+              <a:buNone/>
+              <a:tabLst/>
+            </a:pPr>
+            <a:r>
+              <a:rPr kumimoji="0" lang="en-GB" sz="3200" b="0" i="0" u="none" strike="noStrike" cap="none" spc="0" normalizeH="0" baseline="0" dirty="0">
+                <a:ln>
+                  <a:noFill/>
+                </a:ln>
+                <a:solidFill>
+                  <a:srgbClr val="000000"/>
+                </a:solidFill>
+                <a:effectLst/>
+                <a:uFillTx/>
+                <a:latin typeface="+mn-lt"/>
+                <a:ea typeface="+mn-ea"/>
+                <a:cs typeface="+mn-cs"/>
+                <a:sym typeface="Helvetica Neue"/>
+              </a:rPr>
+              <a:t>23.06</a:t>
+            </a:r>
+          </a:p>
+        </p:txBody>
+      </p:sp>
+    </p:spTree>
+    <p:extLst>
+      <p:ext uri="{BB962C8B-B14F-4D97-AF65-F5344CB8AC3E}">
+        <p14:creationId xmlns:p14="http://schemas.microsoft.com/office/powerpoint/2010/main" val="945102512"/>
+      </p:ext>
+    </p:extLst>
+  </p:cSld>
+  <p:clrMapOvr>
+    <a:masterClrMapping/>
+  </p:clrMapOvr>
+  <p:transition spd="med"/>
+</p:sld>
+</file>
+
+<file path=ppt/slides/slide5.xml><?xml version="1.0" encoding="utf-8"?>
+<p:sld xmlns:a="http://schemas.openxmlformats.org/drawingml/2006/main" xmlns:r="http://schemas.openxmlformats.org/officeDocument/2006/relationships" xmlns:p="http://schemas.openxmlformats.org/presentationml/2006/main">
+  <p:cSld>
+    <p:spTree>
+      <p:nvGrpSpPr>
+        <p:cNvPr id="1" name=""/>
+        <p:cNvGrpSpPr/>
+        <p:nvPr/>
+      </p:nvGrpSpPr>
+      <p:grpSpPr>
+        <a:xfrm>
+          <a:off x="0" y="0"/>
+          <a:ext cx="0" cy="0"/>
+          <a:chOff x="0" y="0"/>
+          <a:chExt cx="0" cy="0"/>
+        </a:xfrm>
+      </p:grpSpPr>
+      <p:sp>
+        <p:nvSpPr>
+          <p:cNvPr id="187" name="Possible Problems"/>
+          <p:cNvSpPr txBox="1">
+            <a:spLocks noGrp="1"/>
+          </p:cNvSpPr>
+          <p:nvPr>
+            <p:ph type="title"/>
+          </p:nvPr>
+        </p:nvSpPr>
+        <p:spPr>
+          <a:prstGeom prst="rect">
+            <a:avLst/>
+          </a:prstGeom>
+        </p:spPr>
+        <p:txBody>
+          <a:bodyPr/>
+          <a:lstStyle/>
+          <a:p>
+            <a:r>
+              <a:rPr lang="de-CH" dirty="0"/>
+              <a:t>Research Plan</a:t>
+            </a:r>
+            <a:endParaRPr dirty="0"/>
+          </a:p>
+        </p:txBody>
+      </p:sp>
+      <p:sp>
+        <p:nvSpPr>
+          <p:cNvPr id="189" name="Text für Folienpunkt"/>
+          <p:cNvSpPr txBox="1">
+            <a:spLocks noGrp="1"/>
+          </p:cNvSpPr>
+          <p:nvPr>
+            <p:ph type="body" idx="1"/>
+          </p:nvPr>
+        </p:nvSpPr>
+        <p:spPr>
+          <a:prstGeom prst="rect">
+            <a:avLst/>
+          </a:prstGeom>
+        </p:spPr>
+        <p:txBody>
+          <a:bodyPr/>
+          <a:lstStyle/>
+          <a:p>
+            <a:r>
+              <a:rPr lang="de-CH" dirty="0"/>
+              <a:t>Allenfalls auch </a:t>
+            </a:r>
+            <a:r>
+              <a:rPr lang="de-CH" dirty="0" err="1"/>
+              <a:t>anderst</a:t>
+            </a:r>
+            <a:r>
+              <a:rPr lang="de-CH" dirty="0"/>
+              <a:t> gemeint?</a:t>
+            </a:r>
+          </a:p>
+        </p:txBody>
+      </p:sp>
+    </p:spTree>
+    <p:extLst>
+      <p:ext uri="{BB962C8B-B14F-4D97-AF65-F5344CB8AC3E}">
+        <p14:creationId xmlns:p14="http://schemas.microsoft.com/office/powerpoint/2010/main" val="1864166017"/>
+      </p:ext>
+    </p:extLst>
+  </p:cSld>
+  <p:clrMapOvr>
+    <a:masterClrMapping/>
+  </p:clrMapOvr>
+  <p:transition spd="med"/>
+</p:sld>
+</file>
+
+<file path=ppt/slides/slide6.xml><?xml version="1.0" encoding="utf-8"?>
+<p:sld xmlns:a="http://schemas.openxmlformats.org/drawingml/2006/main" xmlns:r="http://schemas.openxmlformats.org/officeDocument/2006/relationships" xmlns:p="http://schemas.openxmlformats.org/presentationml/2006/main">
   <p:cSld>
     <p:spTree>
       <p:nvGrpSpPr>
@@ -4671,7 +6870,9 @@
       <p:sp>
         <p:nvSpPr>
           <p:cNvPr id="183" name="Preliminary Results"/>
-          <p:cNvSpPr txBox="1"/>
+          <p:cNvSpPr txBox="1">
+            <a:spLocks noGrp="1"/>
+          </p:cNvSpPr>
           <p:nvPr>
             <p:ph type="title"/>
           </p:nvPr>
@@ -4685,38 +6886,18 @@
           <a:bodyPr/>
           <a:lstStyle/>
           <a:p>
-            <a:pPr/>
             <a:r>
               <a:t>Preliminary Results</a:t>
             </a:r>
-          </a:p>
-        </p:txBody>
-      </p:sp>
-      <p:sp>
-        <p:nvSpPr>
-          <p:cNvPr id="184" name="Folien-Untertitel"/>
-          <p:cNvSpPr txBox="1"/>
-          <p:nvPr>
-            <p:ph type="body" idx="21"/>
-          </p:nvPr>
-        </p:nvSpPr>
-        <p:spPr>
-          <a:prstGeom prst="rect">
-            <a:avLst/>
-          </a:prstGeom>
-        </p:spPr>
-        <p:txBody>
-          <a:bodyPr/>
-          <a:lstStyle/>
-          <a:p>
-            <a:pPr/>
           </a:p>
         </p:txBody>
       </p:sp>
       <p:sp>
         <p:nvSpPr>
           <p:cNvPr id="185" name="Text für Folienpunkt"/>
-          <p:cNvSpPr txBox="1"/>
+          <p:cNvSpPr txBox="1">
+            <a:spLocks noGrp="1"/>
+          </p:cNvSpPr>
           <p:nvPr>
             <p:ph type="body" idx="1"/>
           </p:nvPr>
@@ -4727,10 +6908,306 @@
           </a:prstGeom>
         </p:spPr>
         <p:txBody>
-          <a:bodyPr/>
+          <a:bodyPr>
+            <a:normAutofit/>
+          </a:bodyPr>
           <a:lstStyle/>
           <a:p>
-            <a:pPr/>
+            <a:r>
+              <a:rPr lang="de-CH" dirty="0"/>
+              <a:t>Model </a:t>
+            </a:r>
+            <a:r>
+              <a:rPr lang="de-CH" dirty="0" err="1"/>
+              <a:t>Accuracy</a:t>
+            </a:r>
+            <a:r>
+              <a:rPr lang="de-CH" dirty="0"/>
+              <a:t>: </a:t>
+            </a:r>
+            <a:r>
+              <a:rPr lang="de-CH" dirty="0" err="1"/>
+              <a:t>Develop</a:t>
+            </a:r>
+            <a:r>
+              <a:rPr lang="de-CH" dirty="0"/>
+              <a:t> a </a:t>
+            </a:r>
+            <a:r>
+              <a:rPr lang="de-CH" dirty="0" err="1"/>
+              <a:t>classification</a:t>
+            </a:r>
+            <a:r>
+              <a:rPr lang="de-CH" dirty="0"/>
+              <a:t> </a:t>
+            </a:r>
+            <a:r>
+              <a:rPr lang="de-CH" dirty="0" err="1"/>
+              <a:t>model</a:t>
+            </a:r>
+            <a:r>
+              <a:rPr lang="de-CH" dirty="0"/>
+              <a:t> </a:t>
+            </a:r>
+            <a:r>
+              <a:rPr lang="de-CH" dirty="0" err="1"/>
+              <a:t>with</a:t>
+            </a:r>
+            <a:r>
+              <a:rPr lang="de-CH" dirty="0"/>
+              <a:t> high </a:t>
+            </a:r>
+            <a:r>
+              <a:rPr lang="de-CH" dirty="0" err="1"/>
+              <a:t>accuracy</a:t>
+            </a:r>
+            <a:r>
+              <a:rPr lang="de-CH" dirty="0"/>
+              <a:t> </a:t>
+            </a:r>
+            <a:r>
+              <a:rPr lang="de-CH" dirty="0" err="1"/>
+              <a:t>for</a:t>
+            </a:r>
+            <a:r>
+              <a:rPr lang="de-CH" dirty="0"/>
+              <a:t> </a:t>
+            </a:r>
+            <a:r>
+              <a:rPr lang="de-CH" dirty="0" err="1"/>
+              <a:t>identifying</a:t>
+            </a:r>
+            <a:r>
+              <a:rPr lang="de-CH" dirty="0"/>
+              <a:t> </a:t>
+            </a:r>
+            <a:r>
+              <a:rPr lang="de-CH" dirty="0" err="1"/>
+              <a:t>hiking</a:t>
+            </a:r>
+            <a:r>
+              <a:rPr lang="de-CH" dirty="0"/>
+              <a:t>, </a:t>
+            </a:r>
+            <a:r>
+              <a:rPr lang="de-CH" dirty="0" err="1"/>
+              <a:t>jogging</a:t>
+            </a:r>
+            <a:r>
+              <a:rPr lang="de-CH" dirty="0"/>
+              <a:t>, </a:t>
+            </a:r>
+            <a:r>
+              <a:rPr lang="de-CH" dirty="0" err="1"/>
+              <a:t>cycling</a:t>
+            </a:r>
+            <a:r>
+              <a:rPr lang="de-CH" dirty="0"/>
+              <a:t>, and </a:t>
+            </a:r>
+            <a:r>
+              <a:rPr lang="de-CH" dirty="0" err="1"/>
+              <a:t>ski</a:t>
+            </a:r>
+            <a:r>
+              <a:rPr lang="de-CH" dirty="0"/>
+              <a:t> </a:t>
+            </a:r>
+            <a:r>
+              <a:rPr lang="de-CH" dirty="0" err="1"/>
+              <a:t>touring</a:t>
+            </a:r>
+            <a:r>
+              <a:rPr lang="de-CH" dirty="0"/>
+              <a:t> </a:t>
+            </a:r>
+            <a:r>
+              <a:rPr lang="de-CH" dirty="0" err="1"/>
+              <a:t>using</a:t>
+            </a:r>
+            <a:r>
+              <a:rPr lang="de-CH" dirty="0"/>
+              <a:t> GPS </a:t>
+            </a:r>
+            <a:r>
+              <a:rPr lang="de-CH" dirty="0" err="1"/>
+              <a:t>features</a:t>
+            </a:r>
+            <a:r>
+              <a:rPr lang="de-CH" dirty="0"/>
+              <a:t> and </a:t>
+            </a:r>
+            <a:r>
+              <a:rPr lang="de-CH" dirty="0" err="1"/>
+              <a:t>provide</a:t>
+            </a:r>
+            <a:r>
+              <a:rPr lang="de-CH" dirty="0"/>
+              <a:t> a </a:t>
+            </a:r>
+            <a:r>
+              <a:rPr lang="de-CH" dirty="0" err="1"/>
+              <a:t>visualization</a:t>
+            </a:r>
+            <a:r>
+              <a:rPr lang="de-CH" dirty="0"/>
+              <a:t> </a:t>
+            </a:r>
+            <a:r>
+              <a:rPr lang="de-CH" dirty="0" err="1"/>
+              <a:t>of</a:t>
+            </a:r>
+            <a:r>
+              <a:rPr lang="de-CH" dirty="0"/>
+              <a:t> </a:t>
+            </a:r>
+            <a:r>
+              <a:rPr lang="de-CH" dirty="0" err="1"/>
+              <a:t>the</a:t>
+            </a:r>
+            <a:r>
+              <a:rPr lang="de-CH" dirty="0"/>
+              <a:t> </a:t>
+            </a:r>
+            <a:r>
+              <a:rPr lang="de-CH" dirty="0" err="1"/>
+              <a:t>results</a:t>
+            </a:r>
+            <a:r>
+              <a:rPr lang="de-CH" dirty="0"/>
+              <a:t>. </a:t>
+            </a:r>
+          </a:p>
+          <a:p>
+            <a:r>
+              <a:rPr lang="de-CH" dirty="0"/>
+              <a:t>Key Features: </a:t>
+            </a:r>
+            <a:r>
+              <a:rPr lang="de-CH" dirty="0" err="1"/>
+              <a:t>Determine</a:t>
+            </a:r>
+            <a:r>
+              <a:rPr lang="de-CH" dirty="0"/>
+              <a:t> </a:t>
+            </a:r>
+            <a:r>
+              <a:rPr lang="de-CH" dirty="0" err="1"/>
+              <a:t>the</a:t>
+            </a:r>
+            <a:r>
+              <a:rPr lang="de-CH" dirty="0"/>
+              <a:t> </a:t>
+            </a:r>
+            <a:r>
+              <a:rPr lang="de-CH" dirty="0" err="1"/>
+              <a:t>most</a:t>
+            </a:r>
+            <a:r>
+              <a:rPr lang="de-CH" dirty="0"/>
+              <a:t> </a:t>
+            </a:r>
+            <a:r>
+              <a:rPr lang="de-CH" dirty="0" err="1"/>
+              <a:t>critical</a:t>
+            </a:r>
+            <a:r>
+              <a:rPr lang="de-CH" dirty="0"/>
+              <a:t> GPS </a:t>
+            </a:r>
+            <a:r>
+              <a:rPr lang="de-CH" dirty="0" err="1"/>
+              <a:t>features</a:t>
+            </a:r>
+            <a:r>
+              <a:rPr lang="de-CH" dirty="0"/>
+              <a:t> </a:t>
+            </a:r>
+            <a:r>
+              <a:rPr lang="de-CH" dirty="0" err="1"/>
+              <a:t>for</a:t>
+            </a:r>
+            <a:r>
+              <a:rPr lang="de-CH" dirty="0"/>
+              <a:t> </a:t>
+            </a:r>
+            <a:r>
+              <a:rPr lang="de-CH" dirty="0" err="1"/>
+              <a:t>differentiating</a:t>
+            </a:r>
+            <a:r>
+              <a:rPr lang="de-CH" dirty="0"/>
+              <a:t> </a:t>
+            </a:r>
+            <a:r>
+              <a:rPr lang="de-CH" dirty="0" err="1"/>
+              <a:t>transportation</a:t>
+            </a:r>
+            <a:r>
+              <a:rPr lang="de-CH" dirty="0"/>
+              <a:t> </a:t>
+            </a:r>
+            <a:r>
+              <a:rPr lang="de-CH" dirty="0" err="1"/>
+              <a:t>modes</a:t>
+            </a:r>
+            <a:r>
+              <a:rPr lang="de-CH" dirty="0"/>
+              <a:t>. </a:t>
+            </a:r>
+          </a:p>
+          <a:p>
+            <a:r>
+              <a:rPr lang="de-CH" dirty="0" err="1"/>
+              <a:t>Practical</a:t>
+            </a:r>
+            <a:r>
+              <a:rPr lang="de-CH" dirty="0"/>
+              <a:t> </a:t>
+            </a:r>
+            <a:r>
+              <a:rPr lang="de-CH" dirty="0" err="1"/>
+              <a:t>Applications</a:t>
+            </a:r>
+            <a:r>
+              <a:rPr lang="de-CH" dirty="0"/>
+              <a:t>: Highlight potential </a:t>
+            </a:r>
+            <a:r>
+              <a:rPr lang="de-CH" dirty="0" err="1"/>
+              <a:t>applications</a:t>
+            </a:r>
+            <a:r>
+              <a:rPr lang="de-CH" dirty="0"/>
+              <a:t> in </a:t>
+            </a:r>
+            <a:r>
+              <a:rPr lang="de-CH" dirty="0" err="1"/>
+              <a:t>fitness</a:t>
+            </a:r>
+            <a:r>
+              <a:rPr lang="de-CH" dirty="0"/>
+              <a:t> </a:t>
+            </a:r>
+            <a:r>
+              <a:rPr lang="de-CH" dirty="0" err="1"/>
+              <a:t>tracking</a:t>
+            </a:r>
+            <a:r>
+              <a:rPr lang="de-CH" dirty="0"/>
+              <a:t> and urban </a:t>
+            </a:r>
+            <a:r>
+              <a:rPr lang="de-CH" dirty="0" err="1"/>
+              <a:t>planning</a:t>
+            </a:r>
+            <a:r>
+              <a:rPr lang="de-CH" dirty="0"/>
+              <a:t>. </a:t>
+            </a:r>
+          </a:p>
+          <a:p>
+            <a:endParaRPr dirty="0"/>
           </a:p>
         </p:txBody>
       </p:sp>
@@ -4739,12 +7216,12 @@
   <p:clrMapOvr>
     <a:masterClrMapping/>
   </p:clrMapOvr>
-  <p:transition xmlns:p14="http://schemas.microsoft.com/office/powerpoint/2010/main" spd="med" advClick="1"/>
+  <p:transition spd="med"/>
 </p:sld>
 </file>
 
-<file path=ppt/slides/slide5.xml><?xml version="1.0" encoding="utf-8"?>
-<p:sld xmlns:a="http://schemas.openxmlformats.org/drawingml/2006/main" xmlns:r="http://schemas.openxmlformats.org/officeDocument/2006/relationships" xmlns:p="http://schemas.openxmlformats.org/presentationml/2006/main" xmlns:m="http://schemas.openxmlformats.org/officeDocument/2006/math" xmlns:a14="http://schemas.microsoft.com/office/drawing/2010/main" showMasterSp="1" showMasterPhAnim="1">
+<file path=ppt/slides/slide7.xml><?xml version="1.0" encoding="utf-8"?>
+<p:sld xmlns:a="http://schemas.openxmlformats.org/drawingml/2006/main" xmlns:r="http://schemas.openxmlformats.org/officeDocument/2006/relationships" xmlns:p="http://schemas.openxmlformats.org/presentationml/2006/main">
   <p:cSld>
     <p:spTree>
       <p:nvGrpSpPr>
@@ -4763,7 +7240,9 @@
       <p:sp>
         <p:nvSpPr>
           <p:cNvPr id="187" name="Possible Problems"/>
-          <p:cNvSpPr txBox="1"/>
+          <p:cNvSpPr txBox="1">
+            <a:spLocks noGrp="1"/>
+          </p:cNvSpPr>
           <p:nvPr>
             <p:ph type="title"/>
           </p:nvPr>
@@ -4777,38 +7256,18 @@
           <a:bodyPr/>
           <a:lstStyle/>
           <a:p>
-            <a:pPr/>
             <a:r>
               <a:t>Possible Problems</a:t>
             </a:r>
-          </a:p>
-        </p:txBody>
-      </p:sp>
-      <p:sp>
-        <p:nvSpPr>
-          <p:cNvPr id="188" name="Folien-Untertitel"/>
-          <p:cNvSpPr txBox="1"/>
-          <p:nvPr>
-            <p:ph type="body" idx="21"/>
-          </p:nvPr>
-        </p:nvSpPr>
-        <p:spPr>
-          <a:prstGeom prst="rect">
-            <a:avLst/>
-          </a:prstGeom>
-        </p:spPr>
-        <p:txBody>
-          <a:bodyPr/>
-          <a:lstStyle/>
-          <a:p>
-            <a:pPr/>
           </a:p>
         </p:txBody>
       </p:sp>
       <p:sp>
         <p:nvSpPr>
           <p:cNvPr id="189" name="Text für Folienpunkt"/>
-          <p:cNvSpPr txBox="1"/>
+          <p:cNvSpPr txBox="1">
+            <a:spLocks noGrp="1"/>
+          </p:cNvSpPr>
           <p:nvPr>
             <p:ph type="body" idx="1"/>
           </p:nvPr>
@@ -4822,7 +7281,90 @@
           <a:bodyPr/>
           <a:lstStyle/>
           <a:p>
-            <a:pPr/>
+            <a:r>
+              <a:rPr lang="de-CH" dirty="0"/>
+              <a:t>Challenges </a:t>
+            </a:r>
+            <a:r>
+              <a:rPr lang="de-CH" dirty="0" err="1"/>
+              <a:t>Addressed</a:t>
+            </a:r>
+            <a:r>
+              <a:rPr lang="de-CH" dirty="0"/>
+              <a:t>: </a:t>
+            </a:r>
+            <a:r>
+              <a:rPr lang="de-CH" dirty="0" err="1"/>
+              <a:t>Identify</a:t>
+            </a:r>
+            <a:r>
+              <a:rPr lang="de-CH" dirty="0"/>
+              <a:t> </a:t>
+            </a:r>
+            <a:r>
+              <a:rPr lang="de-CH" dirty="0" err="1"/>
+              <a:t>challenges</a:t>
+            </a:r>
+            <a:r>
+              <a:rPr lang="de-CH" dirty="0"/>
+              <a:t> in </a:t>
+            </a:r>
+            <a:r>
+              <a:rPr lang="de-CH" dirty="0" err="1"/>
+              <a:t>distinguishing</a:t>
+            </a:r>
+            <a:r>
+              <a:rPr lang="de-CH" dirty="0"/>
+              <a:t> </a:t>
+            </a:r>
+            <a:r>
+              <a:rPr lang="de-CH" dirty="0" err="1"/>
+              <a:t>similar</a:t>
+            </a:r>
+            <a:r>
+              <a:rPr lang="de-CH" dirty="0"/>
+              <a:t> </a:t>
+            </a:r>
+            <a:r>
+              <a:rPr lang="de-CH" dirty="0" err="1"/>
+              <a:t>modes</a:t>
+            </a:r>
+            <a:r>
+              <a:rPr lang="de-CH" dirty="0"/>
+              <a:t> (e.g., </a:t>
+            </a:r>
+            <a:r>
+              <a:rPr lang="de-CH" dirty="0" err="1"/>
+              <a:t>jogging</a:t>
+            </a:r>
+            <a:r>
+              <a:rPr lang="de-CH" dirty="0"/>
+              <a:t> &amp; </a:t>
+            </a:r>
+            <a:r>
+              <a:rPr lang="de-CH" dirty="0" err="1"/>
+              <a:t>biking</a:t>
+            </a:r>
+            <a:r>
+              <a:rPr lang="de-CH" dirty="0"/>
+              <a:t>) and </a:t>
+            </a:r>
+            <a:r>
+              <a:rPr lang="de-CH" dirty="0" err="1"/>
+              <a:t>propose</a:t>
+            </a:r>
+            <a:r>
+              <a:rPr lang="de-CH" dirty="0"/>
+              <a:t> </a:t>
+            </a:r>
+            <a:r>
+              <a:rPr lang="de-CH" dirty="0" err="1"/>
+              <a:t>solutions</a:t>
+            </a:r>
+            <a:r>
+              <a:rPr lang="de-CH" dirty="0"/>
+              <a:t>. </a:t>
+            </a:r>
           </a:p>
         </p:txBody>
       </p:sp>
@@ -4831,12 +7373,12 @@
   <p:clrMapOvr>
     <a:masterClrMapping/>
   </p:clrMapOvr>
-  <p:transition xmlns:p14="http://schemas.microsoft.com/office/powerpoint/2010/main" spd="med" advClick="1"/>
+  <p:transition spd="med"/>
 </p:sld>
 </file>
 
 <file path=ppt/theme/theme1.xml><?xml version="1.0" encoding="utf-8"?>
-<a:theme xmlns:a="http://schemas.openxmlformats.org/drawingml/2006/main" xmlns:r="http://schemas.openxmlformats.org/officeDocument/2006/relationships" name="30_BasicColor">
+<a:theme xmlns:a="http://schemas.openxmlformats.org/drawingml/2006/main" name="30_BasicColor">
   <a:themeElements>
     <a:clrScheme name="30_BasicColor">
       <a:dk1>
@@ -5035,7 +7577,7 @@
         <a:effectLst/>
         <a:sp3d/>
       </a:spPr>
-      <a:bodyPr rot="0" spcFirstLastPara="1" vertOverflow="overflow" horzOverflow="overflow" vert="horz" wrap="square" lIns="50800" tIns="50800" rIns="50800" bIns="50800" numCol="1" spcCol="38100" rtlCol="0" anchor="ctr" upright="0">
+      <a:bodyPr rot="0" spcFirstLastPara="1" vertOverflow="overflow" horzOverflow="overflow" vert="horz" wrap="square" lIns="50800" tIns="50800" rIns="50800" bIns="50800" numCol="1" spcCol="38100" rtlCol="0" anchor="ctr">
         <a:spAutoFit/>
       </a:bodyPr>
       <a:lstStyle>
@@ -5054,7 +7596,7 @@
           <a:buFontTx/>
           <a:buNone/>
           <a:tabLst/>
-          <a:defRPr b="0" baseline="0" cap="none" i="0" spc="0" strike="noStrike" sz="3200" u="none" kumimoji="0" normalizeH="0">
+          <a:defRPr kumimoji="0" sz="3200" b="0" i="0" u="none" strike="noStrike" cap="none" spc="0" normalizeH="0" baseline="0">
             <a:ln>
               <a:noFill/>
             </a:ln>
@@ -5084,7 +7626,7 @@
           <a:buFontTx/>
           <a:buNone/>
           <a:tabLst/>
-          <a:defRPr b="0" baseline="0" cap="none" i="0" spc="0" strike="noStrike" sz="1800" u="none" kumimoji="0" normalizeH="0">
+          <a:defRPr kumimoji="0" sz="1800" b="0" i="0" u="none" strike="noStrike" cap="none" spc="0" normalizeH="0" baseline="0">
             <a:ln>
               <a:noFill/>
             </a:ln>
@@ -5110,7 +7652,7 @@
           <a:buFontTx/>
           <a:buNone/>
           <a:tabLst/>
-          <a:defRPr b="0" baseline="0" cap="none" i="0" spc="0" strike="noStrike" sz="1800" u="none" kumimoji="0" normalizeH="0">
+          <a:defRPr kumimoji="0" sz="1800" b="0" i="0" u="none" strike="noStrike" cap="none" spc="0" normalizeH="0" baseline="0">
             <a:ln>
               <a:noFill/>
             </a:ln>
@@ -5136,7 +7678,7 @@
           <a:buFontTx/>
           <a:buNone/>
           <a:tabLst/>
-          <a:defRPr b="0" baseline="0" cap="none" i="0" spc="0" strike="noStrike" sz="1800" u="none" kumimoji="0" normalizeH="0">
+          <a:defRPr kumimoji="0" sz="1800" b="0" i="0" u="none" strike="noStrike" cap="none" spc="0" normalizeH="0" baseline="0">
             <a:ln>
               <a:noFill/>
             </a:ln>
@@ -5162,7 +7704,7 @@
           <a:buFontTx/>
           <a:buNone/>
           <a:tabLst/>
-          <a:defRPr b="0" baseline="0" cap="none" i="0" spc="0" strike="noStrike" sz="1800" u="none" kumimoji="0" normalizeH="0">
+          <a:defRPr kumimoji="0" sz="1800" b="0" i="0" u="none" strike="noStrike" cap="none" spc="0" normalizeH="0" baseline="0">
             <a:ln>
               <a:noFill/>
             </a:ln>
@@ -5188,7 +7730,7 @@
           <a:buFontTx/>
           <a:buNone/>
           <a:tabLst/>
-          <a:defRPr b="0" baseline="0" cap="none" i="0" spc="0" strike="noStrike" sz="1800" u="none" kumimoji="0" normalizeH="0">
+          <a:defRPr kumimoji="0" sz="1800" b="0" i="0" u="none" strike="noStrike" cap="none" spc="0" normalizeH="0" baseline="0">
             <a:ln>
               <a:noFill/>
             </a:ln>
@@ -5214,7 +7756,7 @@
           <a:buFontTx/>
           <a:buNone/>
           <a:tabLst/>
-          <a:defRPr b="0" baseline="0" cap="none" i="0" spc="0" strike="noStrike" sz="1800" u="none" kumimoji="0" normalizeH="0">
+          <a:defRPr kumimoji="0" sz="1800" b="0" i="0" u="none" strike="noStrike" cap="none" spc="0" normalizeH="0" baseline="0">
             <a:ln>
               <a:noFill/>
             </a:ln>
@@ -5240,7 +7782,7 @@
           <a:buFontTx/>
           <a:buNone/>
           <a:tabLst/>
-          <a:defRPr b="0" baseline="0" cap="none" i="0" spc="0" strike="noStrike" sz="1800" u="none" kumimoji="0" normalizeH="0">
+          <a:defRPr kumimoji="0" sz="1800" b="0" i="0" u="none" strike="noStrike" cap="none" spc="0" normalizeH="0" baseline="0">
             <a:ln>
               <a:noFill/>
             </a:ln>
@@ -5266,7 +7808,7 @@
           <a:buFontTx/>
           <a:buNone/>
           <a:tabLst/>
-          <a:defRPr b="0" baseline="0" cap="none" i="0" spc="0" strike="noStrike" sz="1800" u="none" kumimoji="0" normalizeH="0">
+          <a:defRPr kumimoji="0" sz="1800" b="0" i="0" u="none" strike="noStrike" cap="none" spc="0" normalizeH="0" baseline="0">
             <a:ln>
               <a:noFill/>
             </a:ln>
@@ -5292,7 +7834,7 @@
           <a:buFontTx/>
           <a:buNone/>
           <a:tabLst/>
-          <a:defRPr b="0" baseline="0" cap="none" i="0" spc="0" strike="noStrike" sz="1800" u="none" kumimoji="0" normalizeH="0">
+          <a:defRPr kumimoji="0" sz="1800" b="0" i="0" u="none" strike="noStrike" cap="none" spc="0" normalizeH="0" baseline="0">
             <a:ln>
               <a:noFill/>
             </a:ln>
@@ -5305,9 +7847,15 @@
         </a:lvl9pPr>
       </a:lstStyle>
       <a:style>
-        <a:lnRef idx="0"/>
-        <a:fillRef idx="0"/>
-        <a:effectRef idx="0"/>
+        <a:lnRef idx="0">
+          <a:scrgbClr r="0" g="0" b="0"/>
+        </a:lnRef>
+        <a:fillRef idx="0">
+          <a:scrgbClr r="0" g="0" b="0"/>
+        </a:fillRef>
+        <a:effectRef idx="0">
+          <a:scrgbClr r="0" g="0" b="0"/>
+        </a:effectRef>
         <a:fontRef idx="none"/>
       </a:style>
     </a:spDef>
@@ -5324,7 +7872,7 @@
         <a:effectLst/>
         <a:sp3d/>
       </a:spPr>
-      <a:bodyPr rot="0" spcFirstLastPara="1" vertOverflow="overflow" horzOverflow="overflow" vert="horz" wrap="square" lIns="91439" tIns="45719" rIns="91439" bIns="45719" numCol="1" spcCol="38100" rtlCol="0" anchor="t" upright="0">
+      <a:bodyPr rot="0" spcFirstLastPara="1" vertOverflow="overflow" horzOverflow="overflow" vert="horz" wrap="square" lIns="91439" tIns="45719" rIns="91439" bIns="45719" numCol="1" spcCol="38100" rtlCol="0" anchor="t">
         <a:noAutofit/>
       </a:bodyPr>
       <a:lstStyle>
@@ -5343,7 +7891,7 @@
           <a:buFontTx/>
           <a:buNone/>
           <a:tabLst/>
-          <a:defRPr b="0" baseline="0" cap="none" i="0" spc="0" strike="noStrike" sz="1800" u="none" kumimoji="0" normalizeH="0">
+          <a:defRPr kumimoji="0" sz="1800" b="0" i="0" u="none" strike="noStrike" cap="none" spc="0" normalizeH="0" baseline="0">
             <a:ln>
               <a:noFill/>
             </a:ln>
@@ -5369,7 +7917,7 @@
           <a:buFontTx/>
           <a:buNone/>
           <a:tabLst/>
-          <a:defRPr b="0" baseline="0" cap="none" i="0" spc="0" strike="noStrike" sz="1800" u="none" kumimoji="0" normalizeH="0">
+          <a:defRPr kumimoji="0" sz="1800" b="0" i="0" u="none" strike="noStrike" cap="none" spc="0" normalizeH="0" baseline="0">
             <a:ln>
               <a:noFill/>
             </a:ln>
@@ -5395,7 +7943,7 @@
           <a:buFontTx/>
           <a:buNone/>
           <a:tabLst/>
-          <a:defRPr b="0" baseline="0" cap="none" i="0" spc="0" strike="noStrike" sz="1800" u="none" kumimoji="0" normalizeH="0">
+          <a:defRPr kumimoji="0" sz="1800" b="0" i="0" u="none" strike="noStrike" cap="none" spc="0" normalizeH="0" baseline="0">
             <a:ln>
               <a:noFill/>
             </a:ln>
@@ -5421,7 +7969,7 @@
           <a:buFontTx/>
           <a:buNone/>
           <a:tabLst/>
-          <a:defRPr b="0" baseline="0" cap="none" i="0" spc="0" strike="noStrike" sz="1800" u="none" kumimoji="0" normalizeH="0">
+          <a:defRPr kumimoji="0" sz="1800" b="0" i="0" u="none" strike="noStrike" cap="none" spc="0" normalizeH="0" baseline="0">
             <a:ln>
               <a:noFill/>
             </a:ln>
@@ -5447,7 +7995,7 @@
           <a:buFontTx/>
           <a:buNone/>
           <a:tabLst/>
-          <a:defRPr b="0" baseline="0" cap="none" i="0" spc="0" strike="noStrike" sz="1800" u="none" kumimoji="0" normalizeH="0">
+          <a:defRPr kumimoji="0" sz="1800" b="0" i="0" u="none" strike="noStrike" cap="none" spc="0" normalizeH="0" baseline="0">
             <a:ln>
               <a:noFill/>
             </a:ln>
@@ -5473,7 +8021,7 @@
           <a:buFontTx/>
           <a:buNone/>
           <a:tabLst/>
-          <a:defRPr b="0" baseline="0" cap="none" i="0" spc="0" strike="noStrike" sz="1800" u="none" kumimoji="0" normalizeH="0">
+          <a:defRPr kumimoji="0" sz="1800" b="0" i="0" u="none" strike="noStrike" cap="none" spc="0" normalizeH="0" baseline="0">
             <a:ln>
               <a:noFill/>
             </a:ln>
@@ -5499,7 +8047,7 @@
           <a:buFontTx/>
           <a:buNone/>
           <a:tabLst/>
-          <a:defRPr b="0" baseline="0" cap="none" i="0" spc="0" strike="noStrike" sz="1800" u="none" kumimoji="0" normalizeH="0">
+          <a:defRPr kumimoji="0" sz="1800" b="0" i="0" u="none" strike="noStrike" cap="none" spc="0" normalizeH="0" baseline="0">
             <a:ln>
               <a:noFill/>
             </a:ln>
@@ -5525,7 +8073,7 @@
           <a:buFontTx/>
           <a:buNone/>
           <a:tabLst/>
-          <a:defRPr b="0" baseline="0" cap="none" i="0" spc="0" strike="noStrike" sz="1800" u="none" kumimoji="0" normalizeH="0">
+          <a:defRPr kumimoji="0" sz="1800" b="0" i="0" u="none" strike="noStrike" cap="none" spc="0" normalizeH="0" baseline="0">
             <a:ln>
               <a:noFill/>
             </a:ln>
@@ -5551,7 +8099,7 @@
           <a:buFontTx/>
           <a:buNone/>
           <a:tabLst/>
-          <a:defRPr b="0" baseline="0" cap="none" i="0" spc="0" strike="noStrike" sz="1800" u="none" kumimoji="0" normalizeH="0">
+          <a:defRPr kumimoji="0" sz="1800" b="0" i="0" u="none" strike="noStrike" cap="none" spc="0" normalizeH="0" baseline="0">
             <a:ln>
               <a:noFill/>
             </a:ln>
@@ -5577,7 +8125,7 @@
           <a:buFontTx/>
           <a:buNone/>
           <a:tabLst/>
-          <a:defRPr b="0" baseline="0" cap="none" i="0" spc="0" strike="noStrike" sz="1800" u="none" kumimoji="0" normalizeH="0">
+          <a:defRPr kumimoji="0" sz="1800" b="0" i="0" u="none" strike="noStrike" cap="none" spc="0" normalizeH="0" baseline="0">
             <a:ln>
               <a:noFill/>
             </a:ln>
@@ -5590,9 +8138,15 @@
         </a:lvl9pPr>
       </a:lstStyle>
       <a:style>
-        <a:lnRef idx="0"/>
-        <a:fillRef idx="0"/>
-        <a:effectRef idx="0"/>
+        <a:lnRef idx="0">
+          <a:scrgbClr r="0" g="0" b="0"/>
+        </a:lnRef>
+        <a:fillRef idx="0">
+          <a:scrgbClr r="0" g="0" b="0"/>
+        </a:fillRef>
+        <a:effectRef idx="0">
+          <a:scrgbClr r="0" g="0" b="0"/>
+        </a:effectRef>
         <a:fontRef idx="none"/>
       </a:style>
     </a:lnDef>
@@ -5606,7 +8160,7 @@
         <a:effectLst/>
         <a:sp3d/>
       </a:spPr>
-      <a:bodyPr rot="0" spcFirstLastPara="1" vertOverflow="overflow" horzOverflow="overflow" vert="horz" wrap="square" lIns="50800" tIns="50800" rIns="50800" bIns="50800" numCol="1" spcCol="38100" rtlCol="0" anchor="ctr" upright="0">
+      <a:bodyPr rot="0" spcFirstLastPara="1" vertOverflow="overflow" horzOverflow="overflow" vert="horz" wrap="square" lIns="50800" tIns="50800" rIns="50800" bIns="50800" numCol="1" spcCol="38100" rtlCol="0" anchor="ctr">
         <a:spAutoFit/>
       </a:bodyPr>
       <a:lstStyle>
@@ -5625,7 +8179,7 @@
           <a:buFontTx/>
           <a:buNone/>
           <a:tabLst/>
-          <a:defRPr b="0" baseline="0" cap="none" i="0" spc="0" strike="noStrike" sz="4800" u="none" kumimoji="0" normalizeH="0">
+          <a:defRPr kumimoji="0" sz="4800" b="0" i="0" u="none" strike="noStrike" cap="none" spc="0" normalizeH="0" baseline="0">
             <a:ln>
               <a:noFill/>
             </a:ln>
@@ -5655,7 +8209,7 @@
           <a:buFontTx/>
           <a:buNone/>
           <a:tabLst/>
-          <a:defRPr b="0" baseline="0" cap="none" i="0" spc="0" strike="noStrike" sz="1800" u="none" kumimoji="0" normalizeH="0">
+          <a:defRPr kumimoji="0" sz="1800" b="0" i="0" u="none" strike="noStrike" cap="none" spc="0" normalizeH="0" baseline="0">
             <a:ln>
               <a:noFill/>
             </a:ln>
@@ -5681,7 +8235,7 @@
           <a:buFontTx/>
           <a:buNone/>
           <a:tabLst/>
-          <a:defRPr b="0" baseline="0" cap="none" i="0" spc="0" strike="noStrike" sz="1800" u="none" kumimoji="0" normalizeH="0">
+          <a:defRPr kumimoji="0" sz="1800" b="0" i="0" u="none" strike="noStrike" cap="none" spc="0" normalizeH="0" baseline="0">
             <a:ln>
               <a:noFill/>
             </a:ln>
@@ -5707,7 +8261,7 @@
           <a:buFontTx/>
           <a:buNone/>
           <a:tabLst/>
-          <a:defRPr b="0" baseline="0" cap="none" i="0" spc="0" strike="noStrike" sz="1800" u="none" kumimoji="0" normalizeH="0">
+          <a:defRPr kumimoji="0" sz="1800" b="0" i="0" u="none" strike="noStrike" cap="none" spc="0" normalizeH="0" baseline="0">
             <a:ln>
               <a:noFill/>
             </a:ln>
@@ -5733,7 +8287,7 @@
           <a:buFontTx/>
           <a:buNone/>
           <a:tabLst/>
-          <a:defRPr b="0" baseline="0" cap="none" i="0" spc="0" strike="noStrike" sz="1800" u="none" kumimoji="0" normalizeH="0">
+          <a:defRPr kumimoji="0" sz="1800" b="0" i="0" u="none" strike="noStrike" cap="none" spc="0" normalizeH="0" baseline="0">
             <a:ln>
               <a:noFill/>
             </a:ln>
@@ -5759,7 +8313,7 @@
           <a:buFontTx/>
           <a:buNone/>
           <a:tabLst/>
-          <a:defRPr b="0" baseline="0" cap="none" i="0" spc="0" strike="noStrike" sz="1800" u="none" kumimoji="0" normalizeH="0">
+          <a:defRPr kumimoji="0" sz="1800" b="0" i="0" u="none" strike="noStrike" cap="none" spc="0" normalizeH="0" baseline="0">
             <a:ln>
               <a:noFill/>
             </a:ln>
@@ -5785,7 +8339,7 @@
           <a:buFontTx/>
           <a:buNone/>
           <a:tabLst/>
-          <a:defRPr b="0" baseline="0" cap="none" i="0" spc="0" strike="noStrike" sz="1800" u="none" kumimoji="0" normalizeH="0">
+          <a:defRPr kumimoji="0" sz="1800" b="0" i="0" u="none" strike="noStrike" cap="none" spc="0" normalizeH="0" baseline="0">
             <a:ln>
               <a:noFill/>
             </a:ln>
@@ -5811,7 +8365,7 @@
           <a:buFontTx/>
           <a:buNone/>
           <a:tabLst/>
-          <a:defRPr b="0" baseline="0" cap="none" i="0" spc="0" strike="noStrike" sz="1800" u="none" kumimoji="0" normalizeH="0">
+          <a:defRPr kumimoji="0" sz="1800" b="0" i="0" u="none" strike="noStrike" cap="none" spc="0" normalizeH="0" baseline="0">
             <a:ln>
               <a:noFill/>
             </a:ln>
@@ -5837,7 +8391,7 @@
           <a:buFontTx/>
           <a:buNone/>
           <a:tabLst/>
-          <a:defRPr b="0" baseline="0" cap="none" i="0" spc="0" strike="noStrike" sz="1800" u="none" kumimoji="0" normalizeH="0">
+          <a:defRPr kumimoji="0" sz="1800" b="0" i="0" u="none" strike="noStrike" cap="none" spc="0" normalizeH="0" baseline="0">
             <a:ln>
               <a:noFill/>
             </a:ln>
@@ -5863,7 +8417,7 @@
           <a:buFontTx/>
           <a:buNone/>
           <a:tabLst/>
-          <a:defRPr b="0" baseline="0" cap="none" i="0" spc="0" strike="noStrike" sz="1800" u="none" kumimoji="0" normalizeH="0">
+          <a:defRPr kumimoji="0" sz="1800" b="0" i="0" u="none" strike="noStrike" cap="none" spc="0" normalizeH="0" baseline="0">
             <a:ln>
               <a:noFill/>
             </a:ln>
@@ -5876,18 +8430,25 @@
         </a:lvl9pPr>
       </a:lstStyle>
       <a:style>
-        <a:lnRef idx="0"/>
-        <a:fillRef idx="0"/>
-        <a:effectRef idx="0"/>
+        <a:lnRef idx="0">
+          <a:scrgbClr r="0" g="0" b="0"/>
+        </a:lnRef>
+        <a:fillRef idx="0">
+          <a:scrgbClr r="0" g="0" b="0"/>
+        </a:fillRef>
+        <a:effectRef idx="0">
+          <a:scrgbClr r="0" g="0" b="0"/>
+        </a:effectRef>
         <a:fontRef idx="none"/>
       </a:style>
     </a:txDef>
   </a:objectDefaults>
+  <a:extraClrSchemeLst/>
 </a:theme>
 </file>
 
 <file path=ppt/theme/theme2.xml><?xml version="1.0" encoding="utf-8"?>
-<a:theme xmlns:a="http://schemas.openxmlformats.org/drawingml/2006/main" xmlns:r="http://schemas.openxmlformats.org/officeDocument/2006/relationships" name="30_BasicColor">
+<a:theme xmlns:a="http://schemas.openxmlformats.org/drawingml/2006/main" name="30_BasicColor">
   <a:themeElements>
     <a:clrScheme name="30_BasicColor">
       <a:dk1>
@@ -6086,7 +8647,7 @@
         <a:effectLst/>
         <a:sp3d/>
       </a:spPr>
-      <a:bodyPr rot="0" spcFirstLastPara="1" vertOverflow="overflow" horzOverflow="overflow" vert="horz" wrap="square" lIns="50800" tIns="50800" rIns="50800" bIns="50800" numCol="1" spcCol="38100" rtlCol="0" anchor="ctr" upright="0">
+      <a:bodyPr rot="0" spcFirstLastPara="1" vertOverflow="overflow" horzOverflow="overflow" vert="horz" wrap="square" lIns="50800" tIns="50800" rIns="50800" bIns="50800" numCol="1" spcCol="38100" rtlCol="0" anchor="ctr">
         <a:spAutoFit/>
       </a:bodyPr>
       <a:lstStyle>
@@ -6105,7 +8666,7 @@
           <a:buFontTx/>
           <a:buNone/>
           <a:tabLst/>
-          <a:defRPr b="0" baseline="0" cap="none" i="0" spc="0" strike="noStrike" sz="3200" u="none" kumimoji="0" normalizeH="0">
+          <a:defRPr kumimoji="0" sz="3200" b="0" i="0" u="none" strike="noStrike" cap="none" spc="0" normalizeH="0" baseline="0">
             <a:ln>
               <a:noFill/>
             </a:ln>
@@ -6135,7 +8696,7 @@
           <a:buFontTx/>
           <a:buNone/>
           <a:tabLst/>
-          <a:defRPr b="0" baseline="0" cap="none" i="0" spc="0" strike="noStrike" sz="1800" u="none" kumimoji="0" normalizeH="0">
+          <a:defRPr kumimoji="0" sz="1800" b="0" i="0" u="none" strike="noStrike" cap="none" spc="0" normalizeH="0" baseline="0">
             <a:ln>
               <a:noFill/>
             </a:ln>
@@ -6161,7 +8722,7 @@
           <a:buFontTx/>
           <a:buNone/>
           <a:tabLst/>
-          <a:defRPr b="0" baseline="0" cap="none" i="0" spc="0" strike="noStrike" sz="1800" u="none" kumimoji="0" normalizeH="0">
+          <a:defRPr kumimoji="0" sz="1800" b="0" i="0" u="none" strike="noStrike" cap="none" spc="0" normalizeH="0" baseline="0">
             <a:ln>
               <a:noFill/>
             </a:ln>
@@ -6187,7 +8748,7 @@
           <a:buFontTx/>
           <a:buNone/>
           <a:tabLst/>
-          <a:defRPr b="0" baseline="0" cap="none" i="0" spc="0" strike="noStrike" sz="1800" u="none" kumimoji="0" normalizeH="0">
+          <a:defRPr kumimoji="0" sz="1800" b="0" i="0" u="none" strike="noStrike" cap="none" spc="0" normalizeH="0" baseline="0">
             <a:ln>
               <a:noFill/>
             </a:ln>
@@ -6213,7 +8774,7 @@
           <a:buFontTx/>
           <a:buNone/>
           <a:tabLst/>
-          <a:defRPr b="0" baseline="0" cap="none" i="0" spc="0" strike="noStrike" sz="1800" u="none" kumimoji="0" normalizeH="0">
+          <a:defRPr kumimoji="0" sz="1800" b="0" i="0" u="none" strike="noStrike" cap="none" spc="0" normalizeH="0" baseline="0">
             <a:ln>
               <a:noFill/>
             </a:ln>
@@ -6239,7 +8800,7 @@
           <a:buFontTx/>
           <a:buNone/>
           <a:tabLst/>
-          <a:defRPr b="0" baseline="0" cap="none" i="0" spc="0" strike="noStrike" sz="1800" u="none" kumimoji="0" normalizeH="0">
+          <a:defRPr kumimoji="0" sz="1800" b="0" i="0" u="none" strike="noStrike" cap="none" spc="0" normalizeH="0" baseline="0">
             <a:ln>
               <a:noFill/>
             </a:ln>
@@ -6265,7 +8826,7 @@
           <a:buFontTx/>
           <a:buNone/>
           <a:tabLst/>
-          <a:defRPr b="0" baseline="0" cap="none" i="0" spc="0" strike="noStrike" sz="1800" u="none" kumimoji="0" normalizeH="0">
+          <a:defRPr kumimoji="0" sz="1800" b="0" i="0" u="none" strike="noStrike" cap="none" spc="0" normalizeH="0" baseline="0">
             <a:ln>
               <a:noFill/>
             </a:ln>
@@ -6291,7 +8852,7 @@
           <a:buFontTx/>
           <a:buNone/>
           <a:tabLst/>
-          <a:defRPr b="0" baseline="0" cap="none" i="0" spc="0" strike="noStrike" sz="1800" u="none" kumimoji="0" normalizeH="0">
+          <a:defRPr kumimoji="0" sz="1800" b="0" i="0" u="none" strike="noStrike" cap="none" spc="0" normalizeH="0" baseline="0">
             <a:ln>
               <a:noFill/>
             </a:ln>
@@ -6317,7 +8878,7 @@
           <a:buFontTx/>
           <a:buNone/>
           <a:tabLst/>
-          <a:defRPr b="0" baseline="0" cap="none" i="0" spc="0" strike="noStrike" sz="1800" u="none" kumimoji="0" normalizeH="0">
+          <a:defRPr kumimoji="0" sz="1800" b="0" i="0" u="none" strike="noStrike" cap="none" spc="0" normalizeH="0" baseline="0">
             <a:ln>
               <a:noFill/>
             </a:ln>
@@ -6343,7 +8904,7 @@
           <a:buFontTx/>
           <a:buNone/>
           <a:tabLst/>
-          <a:defRPr b="0" baseline="0" cap="none" i="0" spc="0" strike="noStrike" sz="1800" u="none" kumimoji="0" normalizeH="0">
+          <a:defRPr kumimoji="0" sz="1800" b="0" i="0" u="none" strike="noStrike" cap="none" spc="0" normalizeH="0" baseline="0">
             <a:ln>
               <a:noFill/>
             </a:ln>
@@ -6356,9 +8917,15 @@
         </a:lvl9pPr>
       </a:lstStyle>
       <a:style>
-        <a:lnRef idx="0"/>
-        <a:fillRef idx="0"/>
-        <a:effectRef idx="0"/>
+        <a:lnRef idx="0">
+          <a:scrgbClr r="0" g="0" b="0"/>
+        </a:lnRef>
+        <a:fillRef idx="0">
+          <a:scrgbClr r="0" g="0" b="0"/>
+        </a:fillRef>
+        <a:effectRef idx="0">
+          <a:scrgbClr r="0" g="0" b="0"/>
+        </a:effectRef>
         <a:fontRef idx="none"/>
       </a:style>
     </a:spDef>
@@ -6375,7 +8942,7 @@
         <a:effectLst/>
         <a:sp3d/>
       </a:spPr>
-      <a:bodyPr rot="0" spcFirstLastPara="1" vertOverflow="overflow" horzOverflow="overflow" vert="horz" wrap="square" lIns="91439" tIns="45719" rIns="91439" bIns="45719" numCol="1" spcCol="38100" rtlCol="0" anchor="t" upright="0">
+      <a:bodyPr rot="0" spcFirstLastPara="1" vertOverflow="overflow" horzOverflow="overflow" vert="horz" wrap="square" lIns="91439" tIns="45719" rIns="91439" bIns="45719" numCol="1" spcCol="38100" rtlCol="0" anchor="t">
         <a:noAutofit/>
       </a:bodyPr>
       <a:lstStyle>
@@ -6394,7 +8961,7 @@
           <a:buFontTx/>
           <a:buNone/>
           <a:tabLst/>
-          <a:defRPr b="0" baseline="0" cap="none" i="0" spc="0" strike="noStrike" sz="1800" u="none" kumimoji="0" normalizeH="0">
+          <a:defRPr kumimoji="0" sz="1800" b="0" i="0" u="none" strike="noStrike" cap="none" spc="0" normalizeH="0" baseline="0">
             <a:ln>
               <a:noFill/>
             </a:ln>
@@ -6420,7 +8987,7 @@
           <a:buFontTx/>
           <a:buNone/>
           <a:tabLst/>
-          <a:defRPr b="0" baseline="0" cap="none" i="0" spc="0" strike="noStrike" sz="1800" u="none" kumimoji="0" normalizeH="0">
+          <a:defRPr kumimoji="0" sz="1800" b="0" i="0" u="none" strike="noStrike" cap="none" spc="0" normalizeH="0" baseline="0">
             <a:ln>
               <a:noFill/>
             </a:ln>
@@ -6446,7 +9013,7 @@
           <a:buFontTx/>
           <a:buNone/>
           <a:tabLst/>
-          <a:defRPr b="0" baseline="0" cap="none" i="0" spc="0" strike="noStrike" sz="1800" u="none" kumimoji="0" normalizeH="0">
+          <a:defRPr kumimoji="0" sz="1800" b="0" i="0" u="none" strike="noStrike" cap="none" spc="0" normalizeH="0" baseline="0">
             <a:ln>
               <a:noFill/>
             </a:ln>
@@ -6472,7 +9039,7 @@
           <a:buFontTx/>
           <a:buNone/>
           <a:tabLst/>
-          <a:defRPr b="0" baseline="0" cap="none" i="0" spc="0" strike="noStrike" sz="1800" u="none" kumimoji="0" normalizeH="0">
+          <a:defRPr kumimoji="0" sz="1800" b="0" i="0" u="none" strike="noStrike" cap="none" spc="0" normalizeH="0" baseline="0">
             <a:ln>
               <a:noFill/>
             </a:ln>
@@ -6498,7 +9065,7 @@
           <a:buFontTx/>
           <a:buNone/>
           <a:tabLst/>
-          <a:defRPr b="0" baseline="0" cap="none" i="0" spc="0" strike="noStrike" sz="1800" u="none" kumimoji="0" normalizeH="0">
+          <a:defRPr kumimoji="0" sz="1800" b="0" i="0" u="none" strike="noStrike" cap="none" spc="0" normalizeH="0" baseline="0">
             <a:ln>
               <a:noFill/>
             </a:ln>
@@ -6524,7 +9091,7 @@
           <a:buFontTx/>
           <a:buNone/>
           <a:tabLst/>
-          <a:defRPr b="0" baseline="0" cap="none" i="0" spc="0" strike="noStrike" sz="1800" u="none" kumimoji="0" normalizeH="0">
+          <a:defRPr kumimoji="0" sz="1800" b="0" i="0" u="none" strike="noStrike" cap="none" spc="0" normalizeH="0" baseline="0">
             <a:ln>
               <a:noFill/>
             </a:ln>
@@ -6550,7 +9117,7 @@
           <a:buFontTx/>
           <a:buNone/>
           <a:tabLst/>
-          <a:defRPr b="0" baseline="0" cap="none" i="0" spc="0" strike="noStrike" sz="1800" u="none" kumimoji="0" normalizeH="0">
+          <a:defRPr kumimoji="0" sz="1800" b="0" i="0" u="none" strike="noStrike" cap="none" spc="0" normalizeH="0" baseline="0">
             <a:ln>
               <a:noFill/>
             </a:ln>
@@ -6576,7 +9143,7 @@
           <a:buFontTx/>
           <a:buNone/>
           <a:tabLst/>
-          <a:defRPr b="0" baseline="0" cap="none" i="0" spc="0" strike="noStrike" sz="1800" u="none" kumimoji="0" normalizeH="0">
+          <a:defRPr kumimoji="0" sz="1800" b="0" i="0" u="none" strike="noStrike" cap="none" spc="0" normalizeH="0" baseline="0">
             <a:ln>
               <a:noFill/>
             </a:ln>
@@ -6602,7 +9169,7 @@
           <a:buFontTx/>
           <a:buNone/>
           <a:tabLst/>
-          <a:defRPr b="0" baseline="0" cap="none" i="0" spc="0" strike="noStrike" sz="1800" u="none" kumimoji="0" normalizeH="0">
+          <a:defRPr kumimoji="0" sz="1800" b="0" i="0" u="none" strike="noStrike" cap="none" spc="0" normalizeH="0" baseline="0">
             <a:ln>
               <a:noFill/>
             </a:ln>
@@ -6628,7 +9195,7 @@
           <a:buFontTx/>
           <a:buNone/>
           <a:tabLst/>
-          <a:defRPr b="0" baseline="0" cap="none" i="0" spc="0" strike="noStrike" sz="1800" u="none" kumimoji="0" normalizeH="0">
+          <a:defRPr kumimoji="0" sz="1800" b="0" i="0" u="none" strike="noStrike" cap="none" spc="0" normalizeH="0" baseline="0">
             <a:ln>
               <a:noFill/>
             </a:ln>
@@ -6641,9 +9208,15 @@
         </a:lvl9pPr>
       </a:lstStyle>
       <a:style>
-        <a:lnRef idx="0"/>
-        <a:fillRef idx="0"/>
-        <a:effectRef idx="0"/>
+        <a:lnRef idx="0">
+          <a:scrgbClr r="0" g="0" b="0"/>
+        </a:lnRef>
+        <a:fillRef idx="0">
+          <a:scrgbClr r="0" g="0" b="0"/>
+        </a:fillRef>
+        <a:effectRef idx="0">
+          <a:scrgbClr r="0" g="0" b="0"/>
+        </a:effectRef>
         <a:fontRef idx="none"/>
       </a:style>
     </a:lnDef>
@@ -6657,7 +9230,7 @@
         <a:effectLst/>
         <a:sp3d/>
       </a:spPr>
-      <a:bodyPr rot="0" spcFirstLastPara="1" vertOverflow="overflow" horzOverflow="overflow" vert="horz" wrap="square" lIns="50800" tIns="50800" rIns="50800" bIns="50800" numCol="1" spcCol="38100" rtlCol="0" anchor="ctr" upright="0">
+      <a:bodyPr rot="0" spcFirstLastPara="1" vertOverflow="overflow" horzOverflow="overflow" vert="horz" wrap="square" lIns="50800" tIns="50800" rIns="50800" bIns="50800" numCol="1" spcCol="38100" rtlCol="0" anchor="ctr">
         <a:spAutoFit/>
       </a:bodyPr>
       <a:lstStyle>
@@ -6676,7 +9249,7 @@
           <a:buFontTx/>
           <a:buNone/>
           <a:tabLst/>
-          <a:defRPr b="0" baseline="0" cap="none" i="0" spc="0" strike="noStrike" sz="4800" u="none" kumimoji="0" normalizeH="0">
+          <a:defRPr kumimoji="0" sz="4800" b="0" i="0" u="none" strike="noStrike" cap="none" spc="0" normalizeH="0" baseline="0">
             <a:ln>
               <a:noFill/>
             </a:ln>
@@ -6706,7 +9279,7 @@
           <a:buFontTx/>
           <a:buNone/>
           <a:tabLst/>
-          <a:defRPr b="0" baseline="0" cap="none" i="0" spc="0" strike="noStrike" sz="1800" u="none" kumimoji="0" normalizeH="0">
+          <a:defRPr kumimoji="0" sz="1800" b="0" i="0" u="none" strike="noStrike" cap="none" spc="0" normalizeH="0" baseline="0">
             <a:ln>
               <a:noFill/>
             </a:ln>
@@ -6732,7 +9305,7 @@
           <a:buFontTx/>
           <a:buNone/>
           <a:tabLst/>
-          <a:defRPr b="0" baseline="0" cap="none" i="0" spc="0" strike="noStrike" sz="1800" u="none" kumimoji="0" normalizeH="0">
+          <a:defRPr kumimoji="0" sz="1800" b="0" i="0" u="none" strike="noStrike" cap="none" spc="0" normalizeH="0" baseline="0">
             <a:ln>
               <a:noFill/>
             </a:ln>
@@ -6758,7 +9331,7 @@
           <a:buFontTx/>
           <a:buNone/>
           <a:tabLst/>
-          <a:defRPr b="0" baseline="0" cap="none" i="0" spc="0" strike="noStrike" sz="1800" u="none" kumimoji="0" normalizeH="0">
+          <a:defRPr kumimoji="0" sz="1800" b="0" i="0" u="none" strike="noStrike" cap="none" spc="0" normalizeH="0" baseline="0">
             <a:ln>
               <a:noFill/>
             </a:ln>
@@ -6784,7 +9357,7 @@
           <a:buFontTx/>
           <a:buNone/>
           <a:tabLst/>
-          <a:defRPr b="0" baseline="0" cap="none" i="0" spc="0" strike="noStrike" sz="1800" u="none" kumimoji="0" normalizeH="0">
+          <a:defRPr kumimoji="0" sz="1800" b="0" i="0" u="none" strike="noStrike" cap="none" spc="0" normalizeH="0" baseline="0">
             <a:ln>
               <a:noFill/>
             </a:ln>
@@ -6810,7 +9383,7 @@
           <a:buFontTx/>
           <a:buNone/>
           <a:tabLst/>
-          <a:defRPr b="0" baseline="0" cap="none" i="0" spc="0" strike="noStrike" sz="1800" u="none" kumimoji="0" normalizeH="0">
+          <a:defRPr kumimoji="0" sz="1800" b="0" i="0" u="none" strike="noStrike" cap="none" spc="0" normalizeH="0" baseline="0">
             <a:ln>
               <a:noFill/>
             </a:ln>
@@ -6836,7 +9409,7 @@
           <a:buFontTx/>
           <a:buNone/>
           <a:tabLst/>
-          <a:defRPr b="0" baseline="0" cap="none" i="0" spc="0" strike="noStrike" sz="1800" u="none" kumimoji="0" normalizeH="0">
+          <a:defRPr kumimoji="0" sz="1800" b="0" i="0" u="none" strike="noStrike" cap="none" spc="0" normalizeH="0" baseline="0">
             <a:ln>
               <a:noFill/>
             </a:ln>
@@ -6862,7 +9435,7 @@
           <a:buFontTx/>
           <a:buNone/>
           <a:tabLst/>
-          <a:defRPr b="0" baseline="0" cap="none" i="0" spc="0" strike="noStrike" sz="1800" u="none" kumimoji="0" normalizeH="0">
+          <a:defRPr kumimoji="0" sz="1800" b="0" i="0" u="none" strike="noStrike" cap="none" spc="0" normalizeH="0" baseline="0">
             <a:ln>
               <a:noFill/>
             </a:ln>
@@ -6888,7 +9461,7 @@
           <a:buFontTx/>
           <a:buNone/>
           <a:tabLst/>
-          <a:defRPr b="0" baseline="0" cap="none" i="0" spc="0" strike="noStrike" sz="1800" u="none" kumimoji="0" normalizeH="0">
+          <a:defRPr kumimoji="0" sz="1800" b="0" i="0" u="none" strike="noStrike" cap="none" spc="0" normalizeH="0" baseline="0">
             <a:ln>
               <a:noFill/>
             </a:ln>
@@ -6914,7 +9487,7 @@
           <a:buFontTx/>
           <a:buNone/>
           <a:tabLst/>
-          <a:defRPr b="0" baseline="0" cap="none" i="0" spc="0" strike="noStrike" sz="1800" u="none" kumimoji="0" normalizeH="0">
+          <a:defRPr kumimoji="0" sz="1800" b="0" i="0" u="none" strike="noStrike" cap="none" spc="0" normalizeH="0" baseline="0">
             <a:ln>
               <a:noFill/>
             </a:ln>
@@ -6927,12 +9500,19 @@
         </a:lvl9pPr>
       </a:lstStyle>
       <a:style>
-        <a:lnRef idx="0"/>
-        <a:fillRef idx="0"/>
-        <a:effectRef idx="0"/>
+        <a:lnRef idx="0">
+          <a:scrgbClr r="0" g="0" b="0"/>
+        </a:lnRef>
+        <a:fillRef idx="0">
+          <a:scrgbClr r="0" g="0" b="0"/>
+        </a:fillRef>
+        <a:effectRef idx="0">
+          <a:scrgbClr r="0" g="0" b="0"/>
+        </a:effectRef>
         <a:fontRef idx="none"/>
       </a:style>
     </a:txDef>
   </a:objectDefaults>
+  <a:extraClrSchemeLst/>
 </a:theme>
 </file>
--- a/Presentation.pptx
+++ b/Presentation.pptx
@@ -5,7 +5,7 @@
     <p:sldMasterId id="2147483648" r:id="rId1"/>
   </p:sldMasterIdLst>
   <p:notesMasterIdLst>
-    <p:notesMasterId r:id="rId9"/>
+    <p:notesMasterId r:id="rId10"/>
   </p:notesMasterIdLst>
   <p:sldIdLst>
     <p:sldId id="256" r:id="rId2"/>
@@ -13,8 +13,9 @@
     <p:sldId id="258" r:id="rId4"/>
     <p:sldId id="261" r:id="rId5"/>
     <p:sldId id="262" r:id="rId6"/>
-    <p:sldId id="259" r:id="rId7"/>
-    <p:sldId id="260" r:id="rId8"/>
+    <p:sldId id="264" r:id="rId7"/>
+    <p:sldId id="259" r:id="rId8"/>
+    <p:sldId id="260" r:id="rId9"/>
   </p:sldIdLst>
   <p:sldSz cx="24384000" cy="13716000"/>
   <p:notesSz cx="6858000" cy="9144000"/>
@@ -316,6 +317,11 @@
       </a:defRPr>
     </a:lvl9pPr>
   </p:defaultTextStyle>
+  <p:extLst>
+    <p:ext uri="{EFAFB233-063F-42B5-8137-9DF3F51BA10A}">
+      <p15:sldGuideLst xmlns:p15="http://schemas.microsoft.com/office/powerpoint/2012/main"/>
+    </p:ext>
+  </p:extLst>
 </p:presentation>
 </file>
 
@@ -502,6 +508,72 @@
 </p:notesMaster>
 </file>
 
+<file path=ppt/notesSlides/notesSlide1.xml><?xml version="1.0" encoding="utf-8"?>
+<p:notes xmlns:a="http://schemas.openxmlformats.org/drawingml/2006/main" xmlns:r="http://schemas.openxmlformats.org/officeDocument/2006/relationships" xmlns:p="http://schemas.openxmlformats.org/presentationml/2006/main">
+  <p:cSld>
+    <p:spTree>
+      <p:nvGrpSpPr>
+        <p:cNvPr id="1" name=""/>
+        <p:cNvGrpSpPr/>
+        <p:nvPr/>
+      </p:nvGrpSpPr>
+      <p:grpSpPr>
+        <a:xfrm>
+          <a:off x="0" y="0"/>
+          <a:ext cx="0" cy="0"/>
+          <a:chOff x="0" y="0"/>
+          <a:chExt cx="0" cy="0"/>
+        </a:xfrm>
+      </p:grpSpPr>
+      <p:sp>
+        <p:nvSpPr>
+          <p:cNvPr id="2" name="Slide Image Placeholder 1"/>
+          <p:cNvSpPr>
+            <a:spLocks noGrp="1" noRot="1" noChangeAspect="1"/>
+          </p:cNvSpPr>
+          <p:nvPr>
+            <p:ph type="sldImg"/>
+          </p:nvPr>
+        </p:nvSpPr>
+        <p:spPr>
+          <a:xfrm>
+            <a:off x="381000" y="685800"/>
+            <a:ext cx="6096000" cy="3429000"/>
+          </a:xfrm>
+        </p:spPr>
+      </p:sp>
+      <p:sp>
+        <p:nvSpPr>
+          <p:cNvPr id="3" name="Notes Placeholder 2"/>
+          <p:cNvSpPr>
+            <a:spLocks noGrp="1"/>
+          </p:cNvSpPr>
+          <p:nvPr>
+            <p:ph type="body" idx="1"/>
+          </p:nvPr>
+        </p:nvSpPr>
+        <p:spPr/>
+        <p:txBody>
+          <a:bodyPr/>
+          <a:lstStyle/>
+          <a:p>
+            <a:endParaRPr lang="en-US" dirty="0"/>
+          </a:p>
+        </p:txBody>
+      </p:sp>
+    </p:spTree>
+    <p:extLst>
+      <p:ext uri="{BB962C8B-B14F-4D97-AF65-F5344CB8AC3E}">
+        <p14:creationId xmlns:p14="http://schemas.microsoft.com/office/powerpoint/2010/main" val="2432463142"/>
+      </p:ext>
+    </p:extLst>
+  </p:cSld>
+  <p:clrMapOvr>
+    <a:masterClrMapping/>
+  </p:clrMapOvr>
+</p:notes>
+</file>
+
 <file path=ppt/slideLayouts/slideLayout1.xml><?xml version="1.0" encoding="utf-8"?>
 <p:sldLayout xmlns:a="http://schemas.openxmlformats.org/drawingml/2006/main" xmlns:r="http://schemas.openxmlformats.org/officeDocument/2006/relationships" xmlns:p="http://schemas.openxmlformats.org/presentationml/2006/main" type="title">
   <p:cSld name="Titel">
@@ -758,7 +830,7 @@
           </a:lstStyle>
           <a:p>
             <a:fld id="{86CB4B4D-7CA3-9044-876B-883B54F8677D}" type="slidenum">
-              <a:t>‹Nr.›</a:t>
+              <a:t>‹#›</a:t>
             </a:fld>
             <a:endParaRPr/>
           </a:p>
@@ -880,7 +952,7 @@
           <a:lstStyle/>
           <a:p>
             <a:fld id="{86CB4B4D-7CA3-9044-876B-883B54F8677D}" type="slidenum">
-              <a:t>‹Nr.›</a:t>
+              <a:t>‹#›</a:t>
             </a:fld>
             <a:endParaRPr/>
           </a:p>
@@ -1099,7 +1171,7 @@
           <a:lstStyle/>
           <a:p>
             <a:fld id="{86CB4B4D-7CA3-9044-876B-883B54F8677D}" type="slidenum">
-              <a:t>‹Nr.›</a:t>
+              <a:t>‹#›</a:t>
             </a:fld>
             <a:endParaRPr/>
           </a:p>
@@ -1307,7 +1379,7 @@
           <a:lstStyle/>
           <a:p>
             <a:fld id="{86CB4B4D-7CA3-9044-876B-883B54F8677D}" type="slidenum">
-              <a:t>‹Nr.›</a:t>
+              <a:t>‹#›</a:t>
             </a:fld>
             <a:endParaRPr/>
           </a:p>
@@ -1536,7 +1608,7 @@
           <a:lstStyle/>
           <a:p>
             <a:fld id="{86CB4B4D-7CA3-9044-876B-883B54F8677D}" type="slidenum">
-              <a:t>‹Nr.›</a:t>
+              <a:t>‹#›</a:t>
             </a:fld>
             <a:endParaRPr/>
           </a:p>
@@ -1770,7 +1842,7 @@
           <a:lstStyle/>
           <a:p>
             <a:fld id="{86CB4B4D-7CA3-9044-876B-883B54F8677D}" type="slidenum">
-              <a:t>‹Nr.›</a:t>
+              <a:t>‹#›</a:t>
             </a:fld>
             <a:endParaRPr/>
           </a:p>
@@ -1909,7 +1981,7 @@
           <a:lstStyle/>
           <a:p>
             <a:fld id="{86CB4B4D-7CA3-9044-876B-883B54F8677D}" type="slidenum">
-              <a:t>‹Nr.›</a:t>
+              <a:t>‹#›</a:t>
             </a:fld>
             <a:endParaRPr/>
           </a:p>
@@ -1998,7 +2070,7 @@
           </a:lstStyle>
           <a:p>
             <a:fld id="{86CB4B4D-7CA3-9044-876B-883B54F8677D}" type="slidenum">
-              <a:t>‹Nr.›</a:t>
+              <a:t>‹#›</a:t>
             </a:fld>
             <a:endParaRPr/>
           </a:p>
@@ -2050,7 +2122,7 @@
           <a:lstStyle/>
           <a:p>
             <a:fld id="{86CB4B4D-7CA3-9044-876B-883B54F8677D}" type="slidenum">
-              <a:t>‹Nr.›</a:t>
+              <a:t>‹#›</a:t>
             </a:fld>
             <a:endParaRPr/>
           </a:p>
@@ -2338,7 +2410,7 @@
           </a:lstStyle>
           <a:p>
             <a:fld id="{86CB4B4D-7CA3-9044-876B-883B54F8677D}" type="slidenum">
-              <a:t>‹Nr.›</a:t>
+              <a:t>‹#›</a:t>
             </a:fld>
             <a:endParaRPr/>
           </a:p>
@@ -2553,7 +2625,7 @@
           <a:lstStyle/>
           <a:p>
             <a:fld id="{86CB4B4D-7CA3-9044-876B-883B54F8677D}" type="slidenum">
-              <a:t>‹Nr.›</a:t>
+              <a:t>‹#›</a:t>
             </a:fld>
             <a:endParaRPr/>
           </a:p>
@@ -2712,7 +2784,7 @@
           <a:lstStyle/>
           <a:p>
             <a:fld id="{86CB4B4D-7CA3-9044-876B-883B54F8677D}" type="slidenum">
-              <a:t>‹Nr.›</a:t>
+              <a:t>‹#›</a:t>
             </a:fld>
             <a:endParaRPr/>
           </a:p>
@@ -2805,7 +2877,7 @@
           <a:lstStyle/>
           <a:p>
             <a:fld id="{86CB4B4D-7CA3-9044-876B-883B54F8677D}" type="slidenum">
-              <a:t>‹Nr.›</a:t>
+              <a:t>‹#›</a:t>
             </a:fld>
             <a:endParaRPr/>
           </a:p>
@@ -3001,7 +3073,7 @@
           <a:lstStyle/>
           <a:p>
             <a:fld id="{86CB4B4D-7CA3-9044-876B-883B54F8677D}" type="slidenum">
-              <a:t>‹Nr.›</a:t>
+              <a:t>‹#›</a:t>
             </a:fld>
             <a:endParaRPr/>
           </a:p>
@@ -3168,7 +3240,7 @@
           <a:lstStyle/>
           <a:p>
             <a:fld id="{86CB4B4D-7CA3-9044-876B-883B54F8677D}" type="slidenum">
-              <a:t>‹Nr.›</a:t>
+              <a:t>‹#›</a:t>
             </a:fld>
             <a:endParaRPr/>
           </a:p>
@@ -3335,7 +3407,7 @@
           <a:lstStyle/>
           <a:p>
             <a:fld id="{86CB4B4D-7CA3-9044-876B-883B54F8677D}" type="slidenum">
-              <a:t>‹Nr.›</a:t>
+              <a:t>‹#›</a:t>
             </a:fld>
             <a:endParaRPr/>
           </a:p>
@@ -3448,7 +3520,7 @@
           </a:lstStyle>
           <a:p>
             <a:fld id="{86CB4B4D-7CA3-9044-876B-883B54F8677D}" type="slidenum">
-              <a:t>‹Nr.›</a:t>
+              <a:t>‹#›</a:t>
             </a:fld>
             <a:endParaRPr/>
           </a:p>
@@ -3511,7 +3583,7 @@
           </a:ln>
           <a:extLst>
             <a:ext uri="{C572A759-6A51-4108-AA02-DFA0A04FC94B}">
-              <ma14:wrappingTextBoxFlag xmlns:ma14="http://schemas.microsoft.com/office/mac/drawingml/2011/main" xmlns:a14="http://schemas.microsoft.com/office/drawing/2010/main" xmlns:m="http://schemas.openxmlformats.org/officeDocument/2006/math" xmlns="" val="1"/>
+              <ma14:wrappingTextBoxFlag xmlns="" xmlns:m="http://schemas.openxmlformats.org/officeDocument/2006/math" xmlns:a14="http://schemas.microsoft.com/office/drawing/2010/main" xmlns:ma14="http://schemas.microsoft.com/office/mac/drawingml/2011/main" val="1"/>
             </a:ext>
           </a:extLst>
         </p:spPr>
@@ -3550,7 +3622,7 @@
           </a:ln>
           <a:extLst>
             <a:ext uri="{C572A759-6A51-4108-AA02-DFA0A04FC94B}">
-              <ma14:wrappingTextBoxFlag xmlns:ma14="http://schemas.microsoft.com/office/mac/drawingml/2011/main" xmlns:a14="http://schemas.microsoft.com/office/drawing/2010/main" xmlns:m="http://schemas.openxmlformats.org/officeDocument/2006/math" xmlns="" val="1"/>
+              <ma14:wrappingTextBoxFlag xmlns="" xmlns:m="http://schemas.openxmlformats.org/officeDocument/2006/math" xmlns:a14="http://schemas.microsoft.com/office/drawing/2010/main" xmlns:ma14="http://schemas.microsoft.com/office/mac/drawingml/2011/main" val="1"/>
             </a:ext>
           </a:extLst>
         </p:spPr>
@@ -3621,7 +3693,7 @@
           </a:lstStyle>
           <a:p>
             <a:fld id="{86CB4B4D-7CA3-9044-876B-883B54F8677D}" type="slidenum">
-              <a:t>‹Nr.›</a:t>
+              <a:t>‹#›</a:t>
             </a:fld>
             <a:endParaRPr/>
           </a:p>
@@ -4423,7 +4495,7 @@
           </a:prstGeom>
           <a:extLst>
             <a:ext uri="{C572A759-6A51-4108-AA02-DFA0A04FC94B}">
-              <ma14:wrappingTextBoxFlag xmlns:ma14="http://schemas.microsoft.com/office/mac/drawingml/2011/main" xmlns:a14="http://schemas.microsoft.com/office/drawing/2010/main" xmlns:m="http://schemas.openxmlformats.org/officeDocument/2006/math" xmlns="" val="1"/>
+              <ma14:wrappingTextBoxFlag xmlns="" xmlns:m="http://schemas.openxmlformats.org/officeDocument/2006/math" xmlns:a14="http://schemas.microsoft.com/office/drawing/2010/main" xmlns:ma14="http://schemas.microsoft.com/office/mac/drawingml/2011/main" val="1"/>
             </a:ext>
           </a:extLst>
         </p:spPr>
@@ -4459,7 +4531,16 @@
           <a:lstStyle/>
           <a:p>
             <a:r>
-              <a:t>Identifying Modes of Transportation</a:t>
+              <a:rPr dirty="0"/>
+              <a:t>Identifying </a:t>
+            </a:r>
+            <a:r>
+              <a:rPr lang="de-CH" dirty="0" err="1"/>
+              <a:t>Types</a:t>
+            </a:r>
+            <a:r>
+              <a:rPr dirty="0"/>
+              <a:t> of Transportation</a:t>
             </a:r>
           </a:p>
         </p:txBody>
@@ -4551,295 +4632,534 @@
           </p:nvPr>
         </p:nvSpPr>
         <p:spPr>
+          <a:xfrm>
+            <a:off x="1206500" y="2661920"/>
+            <a:ext cx="15455900" cy="9987280"/>
+          </a:xfrm>
           <a:prstGeom prst="rect">
             <a:avLst/>
           </a:prstGeom>
         </p:spPr>
         <p:txBody>
-          <a:bodyPr/>
+          <a:bodyPr>
+            <a:normAutofit fontScale="92500" lnSpcReduction="10000"/>
+          </a:bodyPr>
           <a:lstStyle/>
           <a:p>
-            <a:r>
-              <a:rPr lang="de-CH" dirty="0"/>
-              <a:t>Own </a:t>
-            </a:r>
-            <a:r>
-              <a:rPr lang="de-CH" dirty="0" err="1"/>
-              <a:t>collected</a:t>
-            </a:r>
-            <a:r>
-              <a:rPr lang="de-CH" dirty="0"/>
-              <a:t> GPS </a:t>
-            </a:r>
-            <a:r>
-              <a:rPr lang="de-CH" dirty="0" err="1"/>
-              <a:t>data</a:t>
-            </a:r>
-            <a:r>
-              <a:rPr lang="de-CH" dirty="0"/>
-              <a:t> </a:t>
-            </a:r>
-            <a:r>
-              <a:rPr lang="de-CH" dirty="0" err="1"/>
-              <a:t>with</a:t>
-            </a:r>
-            <a:r>
-              <a:rPr lang="de-CH" dirty="0"/>
-              <a:t> different </a:t>
-            </a:r>
-            <a:r>
-              <a:rPr lang="de-CH" dirty="0" err="1"/>
-              <a:t>modes</a:t>
-            </a:r>
-            <a:r>
-              <a:rPr lang="de-CH" dirty="0"/>
-              <a:t> </a:t>
-            </a:r>
-            <a:r>
-              <a:rPr lang="de-CH" dirty="0" err="1"/>
-              <a:t>of</a:t>
-            </a:r>
-            <a:r>
-              <a:rPr lang="de-CH" dirty="0"/>
-              <a:t> </a:t>
-            </a:r>
-            <a:r>
-              <a:rPr lang="de-CH" dirty="0" err="1"/>
-              <a:t>transportation</a:t>
-            </a:r>
-            <a:r>
-              <a:rPr lang="de-CH" dirty="0"/>
-              <a:t> (</a:t>
-            </a:r>
-            <a:r>
-              <a:rPr lang="de-CH" dirty="0" err="1"/>
-              <a:t>hiking</a:t>
-            </a:r>
-            <a:r>
-              <a:rPr lang="de-CH" dirty="0"/>
-              <a:t>, </a:t>
-            </a:r>
-            <a:r>
-              <a:rPr lang="de-CH" dirty="0" err="1"/>
-              <a:t>jogging</a:t>
-            </a:r>
-            <a:r>
-              <a:rPr lang="de-CH" dirty="0"/>
-              <a:t>, </a:t>
-            </a:r>
-            <a:r>
-              <a:rPr lang="de-CH" dirty="0" err="1"/>
-              <a:t>skitouring</a:t>
-            </a:r>
-            <a:r>
-              <a:rPr lang="de-CH" dirty="0"/>
-              <a:t>, </a:t>
-            </a:r>
-            <a:r>
-              <a:rPr lang="de-CH" dirty="0" err="1"/>
-              <a:t>cycling</a:t>
-            </a:r>
-            <a:r>
-              <a:rPr lang="de-CH" dirty="0"/>
-              <a:t>) • Street Data </a:t>
-            </a:r>
-            <a:r>
-              <a:rPr lang="de-CH" dirty="0" err="1"/>
-              <a:t>from</a:t>
-            </a:r>
-            <a:r>
-              <a:rPr lang="de-CH" dirty="0"/>
-              <a:t> SwissTLM3D (</a:t>
-            </a:r>
-            <a:r>
-              <a:rPr lang="de-CH" dirty="0" err="1"/>
-              <a:t>streets</a:t>
-            </a:r>
-            <a:r>
-              <a:rPr lang="de-CH" dirty="0"/>
-              <a:t>, </a:t>
-            </a:r>
-            <a:r>
-              <a:rPr lang="de-CH" dirty="0" err="1"/>
-              <a:t>hiking</a:t>
-            </a:r>
-            <a:r>
-              <a:rPr lang="de-CH" dirty="0"/>
-              <a:t> </a:t>
-            </a:r>
-            <a:r>
-              <a:rPr lang="de-CH" dirty="0" err="1"/>
-              <a:t>paths</a:t>
-            </a:r>
-            <a:r>
-              <a:rPr lang="de-CH" dirty="0"/>
-              <a:t>) </a:t>
-            </a:r>
-          </a:p>
-          <a:p>
-            <a:r>
-              <a:rPr lang="de-CH" dirty="0" err="1">
+            <a:pPr marL="0" indent="0">
+              <a:buNone/>
+            </a:pPr>
+            <a:r>
+              <a:rPr lang="en-US" sz="3200" b="1" dirty="0"/>
+              <a:t>Background</a:t>
+            </a:r>
+            <a:r>
+              <a:rPr lang="en-US" sz="3200" dirty="0"/>
+              <a:t>: </a:t>
+            </a:r>
+            <a:br>
+              <a:rPr lang="en-US" sz="3200" dirty="0"/>
+            </a:br>
+            <a:br>
+              <a:rPr lang="en-US" sz="3200" dirty="0"/>
+            </a:br>
+            <a:r>
+              <a:rPr lang="en-US" sz="3200" dirty="0"/>
+              <a:t>We have collected GPS data with different types of movement/transportation such as hiking, jogging, ski-touring and cycling via Strava.</a:t>
+            </a:r>
+          </a:p>
+          <a:p>
+            <a:pPr marL="0" indent="0">
+              <a:buNone/>
+            </a:pPr>
+            <a:r>
+              <a:rPr lang="en-US" sz="3200" b="1" dirty="0"/>
+              <a:t>Goal</a:t>
+            </a:r>
+            <a:r>
+              <a:rPr lang="en-US" sz="3200" dirty="0"/>
+              <a:t>: </a:t>
+            </a:r>
+            <a:br>
+              <a:rPr lang="en-US" sz="3200" dirty="0"/>
+            </a:br>
+            <a:br>
+              <a:rPr lang="en-US" sz="3200" dirty="0"/>
+            </a:br>
+            <a:r>
+              <a:rPr lang="en-US" sz="3200" dirty="0"/>
+              <a:t>This project aims to identify the types of transportation based on their characteristics.</a:t>
+            </a:r>
+          </a:p>
+          <a:p>
+            <a:pPr marL="0" indent="0">
+              <a:buNone/>
+            </a:pPr>
+            <a:r>
+              <a:rPr lang="en-US" sz="3200" b="1" dirty="0"/>
+              <a:t>Additional Data</a:t>
+            </a:r>
+            <a:r>
+              <a:rPr lang="en-US" sz="3200" dirty="0"/>
+              <a:t>: </a:t>
+            </a:r>
+            <a:br>
+              <a:rPr lang="en-US" sz="3200" dirty="0"/>
+            </a:br>
+            <a:br>
+              <a:rPr lang="en-US" sz="3200" dirty="0"/>
+            </a:br>
+            <a:r>
+              <a:rPr lang="en-US" sz="3200" dirty="0"/>
+              <a:t>Street Data from SwissTLM3D (streets, hiking paths) </a:t>
+            </a:r>
+          </a:p>
+          <a:p>
+            <a:pPr marL="0" indent="0">
+              <a:buNone/>
+            </a:pPr>
+            <a:r>
+              <a:rPr lang="en-US" sz="3200" b="1" dirty="0">
+                <a:latin typeface="Arial" panose="020B0604020202020204" pitchFamily="34" charset="0"/>
+              </a:rPr>
+              <a:t>A</a:t>
+            </a:r>
+            <a:r>
+              <a:rPr lang="en-US" sz="3200" b="1" dirty="0">
                 <a:solidFill>
                   <a:srgbClr val="000000"/>
                 </a:solidFill>
                 <a:effectLst/>
                 <a:latin typeface="Arial" panose="020B0604020202020204" pitchFamily="34" charset="0"/>
               </a:rPr>
-              <a:t>application</a:t>
-            </a:r>
-            <a:r>
-              <a:rPr lang="de-CH" dirty="0">
+              <a:t>pplication </a:t>
+            </a:r>
+            <a:r>
+              <a:rPr lang="en-US" sz="3200" b="1" dirty="0">
+                <a:latin typeface="Arial" panose="020B0604020202020204" pitchFamily="34" charset="0"/>
+              </a:rPr>
+              <a:t>A</a:t>
+            </a:r>
+            <a:r>
+              <a:rPr lang="en-US" sz="3200" b="1" dirty="0">
                 <a:solidFill>
                   <a:srgbClr val="000000"/>
                 </a:solidFill>
                 <a:effectLst/>
                 <a:latin typeface="Arial" panose="020B0604020202020204" pitchFamily="34" charset="0"/>
               </a:rPr>
-              <a:t> </a:t>
-            </a:r>
-            <a:r>
-              <a:rPr lang="de-CH" dirty="0" err="1">
+              <a:t>rea</a:t>
+            </a:r>
+            <a:r>
+              <a:rPr lang="en-US" sz="3200" dirty="0">
                 <a:solidFill>
                   <a:srgbClr val="000000"/>
                 </a:solidFill>
                 <a:effectLst/>
                 <a:latin typeface="Arial" panose="020B0604020202020204" pitchFamily="34" charset="0"/>
               </a:rPr>
-              <a:t>area</a:t>
-            </a:r>
-            <a:r>
-              <a:rPr lang="de-CH" dirty="0">
+              <a:t>: </a:t>
+            </a:r>
+            <a:br>
+              <a:rPr lang="en-US" sz="3200" dirty="0">
                 <a:solidFill>
                   <a:srgbClr val="000000"/>
                 </a:solidFill>
                 <a:effectLst/>
                 <a:latin typeface="Arial" panose="020B0604020202020204" pitchFamily="34" charset="0"/>
               </a:rPr>
-              <a:t>, </a:t>
-            </a:r>
-            <a:r>
-              <a:rPr lang="de-CH" dirty="0" err="1">
+            </a:br>
+            <a:br>
+              <a:rPr lang="en-US" sz="3200" dirty="0">
                 <a:solidFill>
                   <a:srgbClr val="000000"/>
                 </a:solidFill>
                 <a:effectLst/>
                 <a:latin typeface="Arial" panose="020B0604020202020204" pitchFamily="34" charset="0"/>
               </a:rPr>
-              <a:t>conceptual</a:t>
-            </a:r>
-            <a:r>
-              <a:rPr lang="de-CH" dirty="0">
+            </a:br>
+            <a:r>
+              <a:rPr lang="en-US" sz="3200" dirty="0">
+                <a:latin typeface="Arial" panose="020B0604020202020204" pitchFamily="34" charset="0"/>
+              </a:rPr>
+              <a:t>Switzerland</a:t>
+            </a:r>
+            <a:endParaRPr lang="en-US" sz="3200" dirty="0">
+              <a:solidFill>
+                <a:srgbClr val="000000"/>
+              </a:solidFill>
+              <a:effectLst/>
+              <a:latin typeface="Arial" panose="020B0604020202020204" pitchFamily="34" charset="0"/>
+            </a:endParaRPr>
+          </a:p>
+          <a:p>
+            <a:pPr marL="0" indent="0">
+              <a:buNone/>
+            </a:pPr>
+            <a:r>
+              <a:rPr lang="en-US" sz="3200" b="1" dirty="0">
                 <a:solidFill>
                   <a:srgbClr val="000000"/>
                 </a:solidFill>
                 <a:effectLst/>
                 <a:latin typeface="Arial" panose="020B0604020202020204" pitchFamily="34" charset="0"/>
               </a:rPr>
-              <a:t> </a:t>
-            </a:r>
-            <a:r>
-              <a:rPr lang="de-CH" dirty="0" err="1">
+              <a:t>Conceptual models: </a:t>
+            </a:r>
+            <a:br>
+              <a:rPr lang="en-US" sz="3200" b="1" dirty="0">
                 <a:solidFill>
                   <a:srgbClr val="000000"/>
                 </a:solidFill>
                 <a:effectLst/>
                 <a:latin typeface="Arial" panose="020B0604020202020204" pitchFamily="34" charset="0"/>
               </a:rPr>
-              <a:t>models</a:t>
-            </a:r>
-            <a:r>
-              <a:rPr lang="de-CH" dirty="0">
+            </a:br>
+            <a:br>
+              <a:rPr lang="en-US" sz="3200" b="1" dirty="0">
                 <a:solidFill>
                   <a:srgbClr val="000000"/>
                 </a:solidFill>
                 <a:effectLst/>
                 <a:latin typeface="Arial" panose="020B0604020202020204" pitchFamily="34" charset="0"/>
               </a:rPr>
-              <a:t>, </a:t>
-            </a:r>
-            <a:r>
-              <a:rPr lang="de-CH" dirty="0" err="1">
+            </a:br>
+            <a:r>
+              <a:rPr lang="en-US" sz="3200" dirty="0">
                 <a:solidFill>
                   <a:srgbClr val="000000"/>
                 </a:solidFill>
                 <a:effectLst/>
                 <a:latin typeface="Arial" panose="020B0604020202020204" pitchFamily="34" charset="0"/>
               </a:rPr>
-              <a:t>data</a:t>
-            </a:r>
-            <a:r>
-              <a:rPr lang="de-CH" dirty="0">
+              <a:t>…</a:t>
+            </a:r>
+          </a:p>
+          <a:p>
+            <a:pPr marL="0" indent="0">
+              <a:buNone/>
+            </a:pPr>
+            <a:r>
+              <a:rPr lang="en-US" sz="3200" b="1" dirty="0">
+                <a:latin typeface="Arial" panose="020B0604020202020204" pitchFamily="34" charset="0"/>
+              </a:rPr>
+              <a:t>D</a:t>
+            </a:r>
+            <a:r>
+              <a:rPr lang="en-US" sz="3200" b="1" dirty="0">
                 <a:solidFill>
                   <a:srgbClr val="000000"/>
                 </a:solidFill>
                 <a:effectLst/>
                 <a:latin typeface="Arial" panose="020B0604020202020204" pitchFamily="34" charset="0"/>
               </a:rPr>
-              <a:t> </a:t>
-            </a:r>
-            <a:r>
-              <a:rPr lang="de-CH" dirty="0" err="1">
+              <a:t>ata structures:</a:t>
+            </a:r>
+            <a:br>
+              <a:rPr lang="en-US" sz="3200" b="1" dirty="0">
                 <a:solidFill>
                   <a:srgbClr val="000000"/>
                 </a:solidFill>
                 <a:effectLst/>
                 <a:latin typeface="Arial" panose="020B0604020202020204" pitchFamily="34" charset="0"/>
               </a:rPr>
-              <a:t>structures</a:t>
-            </a:r>
-            <a:r>
-              <a:rPr lang="de-CH" dirty="0">
+            </a:br>
+            <a:br>
+              <a:rPr lang="en-US" sz="3200" dirty="0">
                 <a:solidFill>
                   <a:srgbClr val="000000"/>
                 </a:solidFill>
                 <a:effectLst/>
                 <a:latin typeface="Arial" panose="020B0604020202020204" pitchFamily="34" charset="0"/>
               </a:rPr>
-              <a:t>, </a:t>
-            </a:r>
-            <a:r>
-              <a:rPr lang="de-CH" dirty="0" err="1">
+            </a:br>
+            <a:r>
+              <a:rPr lang="en-US" sz="3200" dirty="0">
                 <a:solidFill>
                   <a:srgbClr val="000000"/>
                 </a:solidFill>
                 <a:effectLst/>
                 <a:latin typeface="Arial" panose="020B0604020202020204" pitchFamily="34" charset="0"/>
               </a:rPr>
-              <a:t>available</a:t>
-            </a:r>
-            <a:r>
-              <a:rPr lang="de-CH" dirty="0">
-                <a:solidFill>
-                  <a:srgbClr val="000000"/>
-                </a:solidFill>
-                <a:effectLst/>
-                <a:latin typeface="Arial" panose="020B0604020202020204" pitchFamily="34" charset="0"/>
-              </a:rPr>
-              <a:t> </a:t>
-            </a:r>
-            <a:r>
-              <a:rPr lang="de-CH" dirty="0" err="1">
-                <a:solidFill>
-                  <a:srgbClr val="000000"/>
-                </a:solidFill>
-                <a:effectLst/>
-                <a:latin typeface="Arial" panose="020B0604020202020204" pitchFamily="34" charset="0"/>
-              </a:rPr>
-              <a:t>data</a:t>
-            </a:r>
-            <a:endParaRPr lang="de-CH" dirty="0">
-              <a:solidFill>
-                <a:srgbClr val="000000"/>
-              </a:solidFill>
-              <a:effectLst/>
-              <a:latin typeface="Arial" panose="020B0604020202020204" pitchFamily="34" charset="0"/>
-            </a:endParaRPr>
-          </a:p>
-          <a:p>
-            <a:endParaRPr dirty="0"/>
+              <a:t>…</a:t>
+            </a:r>
+            <a:endParaRPr lang="en-US" sz="3200" b="1" dirty="0"/>
           </a:p>
         </p:txBody>
       </p:sp>
+      <p:pic>
+        <p:nvPicPr>
+          <p:cNvPr id="4" name="Graphic 3" descr="Cycling outline">
+            <a:extLst>
+              <a:ext uri="{FF2B5EF4-FFF2-40B4-BE49-F238E27FC236}">
+                <a16:creationId xmlns:a16="http://schemas.microsoft.com/office/drawing/2014/main" id="{9CCFEF13-4699-E8AE-67A0-D77F275906DA}"/>
+              </a:ext>
+            </a:extLst>
+          </p:cNvPr>
+          <p:cNvPicPr>
+            <a:picLocks noChangeAspect="1"/>
+          </p:cNvPicPr>
+          <p:nvPr/>
+        </p:nvPicPr>
+        <p:blipFill>
+          <a:blip r:embed="rId2">
+            <a:extLst>
+              <a:ext uri="{28A0092B-C50C-407E-A947-70E740481C1C}">
+                <a14:useLocalDpi xmlns:a14="http://schemas.microsoft.com/office/drawing/2010/main" val="0"/>
+              </a:ext>
+              <a:ext uri="{96DAC541-7B7A-43D3-8B79-37D633B846F1}">
+                <asvg:svgBlip xmlns:asvg="http://schemas.microsoft.com/office/drawing/2016/SVG/main" r:embed="rId3"/>
+              </a:ext>
+            </a:extLst>
+          </a:blip>
+          <a:stretch>
+            <a:fillRect/>
+          </a:stretch>
+        </p:blipFill>
+        <p:spPr>
+          <a:xfrm>
+            <a:off x="20808480" y="3360100"/>
+            <a:ext cx="644880" cy="644880"/>
+          </a:xfrm>
+          <a:prstGeom prst="rect">
+            <a:avLst/>
+          </a:prstGeom>
+        </p:spPr>
+      </p:pic>
+      <p:pic>
+        <p:nvPicPr>
+          <p:cNvPr id="6" name="Graphic 5" descr="Cross country skiing outline">
+            <a:extLst>
+              <a:ext uri="{FF2B5EF4-FFF2-40B4-BE49-F238E27FC236}">
+                <a16:creationId xmlns:a16="http://schemas.microsoft.com/office/drawing/2014/main" id="{4101985B-20D1-6DF8-916B-4F0B3E3FFB74}"/>
+              </a:ext>
+            </a:extLst>
+          </p:cNvPr>
+          <p:cNvPicPr>
+            <a:picLocks noChangeAspect="1"/>
+          </p:cNvPicPr>
+          <p:nvPr/>
+        </p:nvPicPr>
+        <p:blipFill>
+          <a:blip r:embed="rId4">
+            <a:extLst>
+              <a:ext uri="{28A0092B-C50C-407E-A947-70E740481C1C}">
+                <a14:useLocalDpi xmlns:a14="http://schemas.microsoft.com/office/drawing/2010/main" val="0"/>
+              </a:ext>
+              <a:ext uri="{96DAC541-7B7A-43D3-8B79-37D633B846F1}">
+                <asvg:svgBlip xmlns:asvg="http://schemas.microsoft.com/office/drawing/2016/SVG/main" r:embed="rId5"/>
+              </a:ext>
+            </a:extLst>
+          </a:blip>
+          <a:stretch>
+            <a:fillRect/>
+          </a:stretch>
+        </p:blipFill>
+        <p:spPr>
+          <a:xfrm>
+            <a:off x="19880854" y="3360100"/>
+            <a:ext cx="644880" cy="644880"/>
+          </a:xfrm>
+          <a:prstGeom prst="rect">
+            <a:avLst/>
+          </a:prstGeom>
+        </p:spPr>
+      </p:pic>
+      <p:pic>
+        <p:nvPicPr>
+          <p:cNvPr id="8" name="Graphic 7" descr="Run outline">
+            <a:extLst>
+              <a:ext uri="{FF2B5EF4-FFF2-40B4-BE49-F238E27FC236}">
+                <a16:creationId xmlns:a16="http://schemas.microsoft.com/office/drawing/2014/main" id="{066A76FB-B351-3769-BBB4-321C06B4831C}"/>
+              </a:ext>
+            </a:extLst>
+          </p:cNvPr>
+          <p:cNvPicPr>
+            <a:picLocks noChangeAspect="1"/>
+          </p:cNvPicPr>
+          <p:nvPr/>
+        </p:nvPicPr>
+        <p:blipFill>
+          <a:blip r:embed="rId6">
+            <a:extLst>
+              <a:ext uri="{28A0092B-C50C-407E-A947-70E740481C1C}">
+                <a14:useLocalDpi xmlns:a14="http://schemas.microsoft.com/office/drawing/2010/main" val="0"/>
+              </a:ext>
+              <a:ext uri="{96DAC541-7B7A-43D3-8B79-37D633B846F1}">
+                <asvg:svgBlip xmlns:asvg="http://schemas.microsoft.com/office/drawing/2016/SVG/main" r:embed="rId7"/>
+              </a:ext>
+            </a:extLst>
+          </a:blip>
+          <a:stretch>
+            <a:fillRect/>
+          </a:stretch>
+        </p:blipFill>
+        <p:spPr>
+          <a:xfrm>
+            <a:off x="18953227" y="3360100"/>
+            <a:ext cx="644880" cy="644880"/>
+          </a:xfrm>
+          <a:prstGeom prst="rect">
+            <a:avLst/>
+          </a:prstGeom>
+        </p:spPr>
+      </p:pic>
+      <p:pic>
+        <p:nvPicPr>
+          <p:cNvPr id="10" name="Graphic 9" descr="Hike outline">
+            <a:extLst>
+              <a:ext uri="{FF2B5EF4-FFF2-40B4-BE49-F238E27FC236}">
+                <a16:creationId xmlns:a16="http://schemas.microsoft.com/office/drawing/2014/main" id="{8AF4EBD0-2871-AD8F-3A32-5BFF5E4BE176}"/>
+              </a:ext>
+            </a:extLst>
+          </p:cNvPr>
+          <p:cNvPicPr>
+            <a:picLocks noChangeAspect="1"/>
+          </p:cNvPicPr>
+          <p:nvPr/>
+        </p:nvPicPr>
+        <p:blipFill>
+          <a:blip r:embed="rId8">
+            <a:extLst>
+              <a:ext uri="{28A0092B-C50C-407E-A947-70E740481C1C}">
+                <a14:useLocalDpi xmlns:a14="http://schemas.microsoft.com/office/drawing/2010/main" val="0"/>
+              </a:ext>
+              <a:ext uri="{96DAC541-7B7A-43D3-8B79-37D633B846F1}">
+                <asvg:svgBlip xmlns:asvg="http://schemas.microsoft.com/office/drawing/2016/SVG/main" r:embed="rId9"/>
+              </a:ext>
+            </a:extLst>
+          </a:blip>
+          <a:stretch>
+            <a:fillRect/>
+          </a:stretch>
+        </p:blipFill>
+        <p:spPr>
+          <a:xfrm>
+            <a:off x="18025600" y="3360100"/>
+            <a:ext cx="644880" cy="644880"/>
+          </a:xfrm>
+          <a:prstGeom prst="rect">
+            <a:avLst/>
+          </a:prstGeom>
+        </p:spPr>
+      </p:pic>
+      <p:pic>
+        <p:nvPicPr>
+          <p:cNvPr id="12" name="Graphic 11" descr="Badge Question Mark outline">
+            <a:extLst>
+              <a:ext uri="{FF2B5EF4-FFF2-40B4-BE49-F238E27FC236}">
+                <a16:creationId xmlns:a16="http://schemas.microsoft.com/office/drawing/2014/main" id="{C1E2AE4A-E3DF-59A5-B799-E2D223E157F9}"/>
+              </a:ext>
+            </a:extLst>
+          </p:cNvPr>
+          <p:cNvPicPr>
+            <a:picLocks noChangeAspect="1"/>
+          </p:cNvPicPr>
+          <p:nvPr/>
+        </p:nvPicPr>
+        <p:blipFill>
+          <a:blip r:embed="rId10">
+            <a:extLst>
+              <a:ext uri="{28A0092B-C50C-407E-A947-70E740481C1C}">
+                <a14:useLocalDpi xmlns:a14="http://schemas.microsoft.com/office/drawing/2010/main" val="0"/>
+              </a:ext>
+              <a:ext uri="{96DAC541-7B7A-43D3-8B79-37D633B846F1}">
+                <asvg:svgBlip xmlns:asvg="http://schemas.microsoft.com/office/drawing/2016/SVG/main" r:embed="rId11"/>
+              </a:ext>
+            </a:extLst>
+          </a:blip>
+          <a:stretch>
+            <a:fillRect/>
+          </a:stretch>
+        </p:blipFill>
+        <p:spPr>
+          <a:xfrm>
+            <a:off x="19812134" y="5412880"/>
+            <a:ext cx="713600" cy="713600"/>
+          </a:xfrm>
+          <a:prstGeom prst="rect">
+            <a:avLst/>
+          </a:prstGeom>
+        </p:spPr>
+      </p:pic>
+      <p:pic>
+        <p:nvPicPr>
+          <p:cNvPr id="14" name="Graphic 13" descr="Route (Two Pins With A Path) outline">
+            <a:extLst>
+              <a:ext uri="{FF2B5EF4-FFF2-40B4-BE49-F238E27FC236}">
+                <a16:creationId xmlns:a16="http://schemas.microsoft.com/office/drawing/2014/main" id="{381A1EDD-FC95-CEE6-2A4D-433DBF5C831C}"/>
+              </a:ext>
+            </a:extLst>
+          </p:cNvPr>
+          <p:cNvPicPr>
+            <a:picLocks noChangeAspect="1"/>
+          </p:cNvPicPr>
+          <p:nvPr/>
+        </p:nvPicPr>
+        <p:blipFill>
+          <a:blip r:embed="rId12">
+            <a:extLst>
+              <a:ext uri="{28A0092B-C50C-407E-A947-70E740481C1C}">
+                <a14:useLocalDpi xmlns:a14="http://schemas.microsoft.com/office/drawing/2010/main" val="0"/>
+              </a:ext>
+              <a:ext uri="{96DAC541-7B7A-43D3-8B79-37D633B846F1}">
+                <asvg:svgBlip xmlns:asvg="http://schemas.microsoft.com/office/drawing/2016/SVG/main" r:embed="rId13"/>
+              </a:ext>
+            </a:extLst>
+          </a:blip>
+          <a:stretch>
+            <a:fillRect/>
+          </a:stretch>
+        </p:blipFill>
+        <p:spPr>
+          <a:xfrm>
+            <a:off x="18985440" y="5412880"/>
+            <a:ext cx="713600" cy="713600"/>
+          </a:xfrm>
+          <a:prstGeom prst="rect">
+            <a:avLst/>
+          </a:prstGeom>
+        </p:spPr>
+      </p:pic>
+      <p:pic>
+        <p:nvPicPr>
+          <p:cNvPr id="16" name="Graphic 15" descr="Server outline">
+            <a:extLst>
+              <a:ext uri="{FF2B5EF4-FFF2-40B4-BE49-F238E27FC236}">
+                <a16:creationId xmlns:a16="http://schemas.microsoft.com/office/drawing/2014/main" id="{4C5DE52C-8F37-6679-D904-744C5EA1D6D6}"/>
+              </a:ext>
+            </a:extLst>
+          </p:cNvPr>
+          <p:cNvPicPr>
+            <a:picLocks noChangeAspect="1"/>
+          </p:cNvPicPr>
+          <p:nvPr/>
+        </p:nvPicPr>
+        <p:blipFill>
+          <a:blip r:embed="rId14">
+            <a:extLst>
+              <a:ext uri="{28A0092B-C50C-407E-A947-70E740481C1C}">
+                <a14:useLocalDpi xmlns:a14="http://schemas.microsoft.com/office/drawing/2010/main" val="0"/>
+              </a:ext>
+              <a:ext uri="{96DAC541-7B7A-43D3-8B79-37D633B846F1}">
+                <asvg:svgBlip xmlns:asvg="http://schemas.microsoft.com/office/drawing/2016/SVG/main" r:embed="rId15"/>
+              </a:ext>
+            </a:extLst>
+          </a:blip>
+          <a:stretch>
+            <a:fillRect/>
+          </a:stretch>
+        </p:blipFill>
+        <p:spPr>
+          <a:xfrm>
+            <a:off x="19522574" y="7122160"/>
+            <a:ext cx="680720" cy="680720"/>
+          </a:xfrm>
+          <a:prstGeom prst="rect">
+            <a:avLst/>
+          </a:prstGeom>
+        </p:spPr>
+      </p:pic>
     </p:spTree>
   </p:cSld>
   <p:clrMapOvr>
@@ -4912,344 +5232,20 @@
           <a:lstStyle/>
           <a:p>
             <a:r>
-              <a:rPr lang="de-CH" dirty="0" err="1"/>
-              <a:t>How</a:t>
-            </a:r>
-            <a:r>
-              <a:rPr lang="de-CH" dirty="0"/>
-              <a:t> </a:t>
-            </a:r>
-            <a:r>
-              <a:rPr lang="de-CH" dirty="0" err="1"/>
-              <a:t>accurately</a:t>
-            </a:r>
-            <a:r>
-              <a:rPr lang="de-CH" dirty="0"/>
-              <a:t> </a:t>
-            </a:r>
-            <a:r>
-              <a:rPr lang="de-CH" dirty="0" err="1"/>
-              <a:t>can</a:t>
-            </a:r>
-            <a:r>
-              <a:rPr lang="de-CH" dirty="0"/>
-              <a:t> </a:t>
-            </a:r>
-            <a:r>
-              <a:rPr lang="de-CH" dirty="0" err="1"/>
-              <a:t>we</a:t>
-            </a:r>
-            <a:r>
-              <a:rPr lang="de-CH" dirty="0"/>
-              <a:t> </a:t>
-            </a:r>
-            <a:r>
-              <a:rPr lang="de-CH" dirty="0" err="1"/>
-              <a:t>identify</a:t>
-            </a:r>
-            <a:r>
-              <a:rPr lang="de-CH" dirty="0"/>
-              <a:t> </a:t>
-            </a:r>
-            <a:r>
-              <a:rPr lang="de-CH" dirty="0" err="1"/>
-              <a:t>transportation</a:t>
-            </a:r>
-            <a:r>
-              <a:rPr lang="de-CH" dirty="0"/>
-              <a:t> </a:t>
-            </a:r>
-            <a:r>
-              <a:rPr lang="de-CH" dirty="0" err="1"/>
-              <a:t>modes</a:t>
-            </a:r>
-            <a:r>
-              <a:rPr lang="de-CH" dirty="0"/>
-              <a:t> </a:t>
-            </a:r>
-            <a:r>
-              <a:rPr lang="de-CH" dirty="0" err="1"/>
-              <a:t>based</a:t>
-            </a:r>
-            <a:r>
-              <a:rPr lang="de-CH" dirty="0"/>
-              <a:t> on GPS </a:t>
-            </a:r>
-            <a:r>
-              <a:rPr lang="de-CH" dirty="0" err="1"/>
-              <a:t>data</a:t>
-            </a:r>
-            <a:r>
-              <a:rPr lang="de-CH" dirty="0"/>
-              <a:t> </a:t>
-            </a:r>
-            <a:r>
-              <a:rPr lang="de-CH" dirty="0" err="1"/>
-              <a:t>features</a:t>
-            </a:r>
-            <a:r>
-              <a:rPr lang="de-CH" dirty="0"/>
-              <a:t> such </a:t>
-            </a:r>
-            <a:r>
-              <a:rPr lang="de-CH" dirty="0" err="1"/>
-              <a:t>as</a:t>
-            </a:r>
-            <a:r>
-              <a:rPr lang="de-CH" dirty="0"/>
-              <a:t> </a:t>
-            </a:r>
-            <a:r>
-              <a:rPr lang="de-CH" dirty="0" err="1"/>
-              <a:t>speed</a:t>
-            </a:r>
-            <a:r>
-              <a:rPr lang="de-CH" dirty="0"/>
-              <a:t>, </a:t>
-            </a:r>
-            <a:r>
-              <a:rPr lang="de-CH" dirty="0" err="1"/>
-              <a:t>elevation</a:t>
-            </a:r>
-            <a:r>
-              <a:rPr lang="de-CH" dirty="0"/>
-              <a:t> </a:t>
-            </a:r>
-            <a:r>
-              <a:rPr lang="de-CH" dirty="0" err="1"/>
-              <a:t>change</a:t>
-            </a:r>
-            <a:r>
-              <a:rPr lang="de-CH" dirty="0"/>
-              <a:t>, </a:t>
-            </a:r>
-            <a:r>
-              <a:rPr lang="de-CH" dirty="0" err="1"/>
-              <a:t>distance</a:t>
-            </a:r>
-            <a:r>
-              <a:rPr lang="de-CH" dirty="0"/>
-              <a:t> </a:t>
-            </a:r>
-            <a:r>
-              <a:rPr lang="de-CH" dirty="0" err="1"/>
-              <a:t>measures</a:t>
-            </a:r>
-            <a:r>
-              <a:rPr lang="de-CH" dirty="0"/>
-              <a:t> and </a:t>
-            </a:r>
-            <a:r>
-              <a:rPr lang="de-CH" dirty="0" err="1"/>
-              <a:t>stop</a:t>
-            </a:r>
-            <a:r>
-              <a:rPr lang="de-CH" dirty="0"/>
-              <a:t> </a:t>
-            </a:r>
-            <a:r>
-              <a:rPr lang="de-CH" dirty="0" err="1"/>
-              <a:t>frequency</a:t>
-            </a:r>
-            <a:r>
-              <a:rPr lang="de-CH" dirty="0"/>
-              <a:t>? </a:t>
-            </a:r>
-          </a:p>
-          <a:p>
-            <a:r>
-              <a:rPr lang="de-CH" dirty="0" err="1"/>
-              <a:t>What</a:t>
-            </a:r>
-            <a:r>
-              <a:rPr lang="de-CH" dirty="0"/>
-              <a:t> </a:t>
-            </a:r>
-            <a:r>
-              <a:rPr lang="de-CH" dirty="0" err="1"/>
-              <a:t>are</a:t>
-            </a:r>
-            <a:r>
-              <a:rPr lang="de-CH" dirty="0"/>
-              <a:t> </a:t>
-            </a:r>
-            <a:r>
-              <a:rPr lang="de-CH" dirty="0" err="1"/>
-              <a:t>the</a:t>
-            </a:r>
-            <a:r>
-              <a:rPr lang="de-CH" dirty="0"/>
-              <a:t> </a:t>
-            </a:r>
-            <a:r>
-              <a:rPr lang="de-CH" dirty="0" err="1"/>
-              <a:t>challenges</a:t>
-            </a:r>
-            <a:r>
-              <a:rPr lang="de-CH" dirty="0"/>
-              <a:t> in </a:t>
-            </a:r>
-            <a:r>
-              <a:rPr lang="de-CH" dirty="0" err="1"/>
-              <a:t>distinguishing</a:t>
-            </a:r>
-            <a:r>
-              <a:rPr lang="de-CH" dirty="0"/>
-              <a:t> </a:t>
-            </a:r>
-            <a:r>
-              <a:rPr lang="de-CH" dirty="0" err="1"/>
-              <a:t>between</a:t>
-            </a:r>
-            <a:r>
-              <a:rPr lang="de-CH" dirty="0"/>
-              <a:t> </a:t>
-            </a:r>
-            <a:r>
-              <a:rPr lang="de-CH" dirty="0" err="1"/>
-              <a:t>similar</a:t>
-            </a:r>
-            <a:r>
-              <a:rPr lang="de-CH" dirty="0"/>
-              <a:t> </a:t>
-            </a:r>
-            <a:r>
-              <a:rPr lang="de-CH" dirty="0" err="1"/>
-              <a:t>modes</a:t>
-            </a:r>
-            <a:r>
-              <a:rPr lang="de-CH" dirty="0"/>
-              <a:t> (e.g., </a:t>
-            </a:r>
-            <a:r>
-              <a:rPr lang="de-CH" dirty="0" err="1"/>
-              <a:t>jogging</a:t>
-            </a:r>
-            <a:r>
-              <a:rPr lang="de-CH" dirty="0"/>
-              <a:t> &amp; </a:t>
-            </a:r>
-            <a:r>
-              <a:rPr lang="de-CH" dirty="0" err="1"/>
-              <a:t>biking</a:t>
-            </a:r>
-            <a:r>
-              <a:rPr lang="de-CH" dirty="0"/>
-              <a:t>)?</a:t>
-            </a:r>
-          </a:p>
-          <a:p>
-            <a:r>
-              <a:rPr lang="de-CH" dirty="0" err="1"/>
-              <a:t>How</a:t>
-            </a:r>
-            <a:r>
-              <a:rPr lang="de-CH" dirty="0"/>
-              <a:t> do </a:t>
-            </a:r>
-            <a:r>
-              <a:rPr lang="de-CH" dirty="0" err="1"/>
-              <a:t>factors</a:t>
-            </a:r>
-            <a:r>
-              <a:rPr lang="de-CH" dirty="0"/>
-              <a:t> like </a:t>
-            </a:r>
-            <a:r>
-              <a:rPr lang="de-CH" dirty="0" err="1"/>
-              <a:t>street</a:t>
-            </a:r>
-            <a:r>
-              <a:rPr lang="de-CH" dirty="0"/>
-              <a:t> </a:t>
-            </a:r>
-            <a:r>
-              <a:rPr lang="de-CH" dirty="0" err="1"/>
-              <a:t>data</a:t>
-            </a:r>
-            <a:r>
-              <a:rPr lang="de-CH" dirty="0"/>
-              <a:t> </a:t>
-            </a:r>
-            <a:r>
-              <a:rPr lang="de-CH" dirty="0" err="1"/>
-              <a:t>or</a:t>
-            </a:r>
-            <a:r>
-              <a:rPr lang="de-CH" dirty="0"/>
-              <a:t> environmental </a:t>
-            </a:r>
-            <a:r>
-              <a:rPr lang="de-CH" dirty="0" err="1"/>
-              <a:t>data</a:t>
-            </a:r>
-            <a:r>
-              <a:rPr lang="de-CH" dirty="0"/>
-              <a:t> </a:t>
-            </a:r>
-            <a:r>
-              <a:rPr lang="de-CH" dirty="0" err="1"/>
-              <a:t>influence</a:t>
-            </a:r>
-            <a:r>
-              <a:rPr lang="de-CH" dirty="0"/>
-              <a:t> </a:t>
-            </a:r>
-            <a:r>
-              <a:rPr lang="de-CH" dirty="0" err="1"/>
-              <a:t>the</a:t>
-            </a:r>
-            <a:r>
-              <a:rPr lang="de-CH" dirty="0"/>
-              <a:t> </a:t>
-            </a:r>
-            <a:r>
-              <a:rPr lang="de-CH" dirty="0" err="1"/>
-              <a:t>accuracy</a:t>
-            </a:r>
-            <a:r>
-              <a:rPr lang="de-CH" dirty="0"/>
-              <a:t> </a:t>
-            </a:r>
-            <a:r>
-              <a:rPr lang="de-CH" dirty="0" err="1"/>
-              <a:t>of</a:t>
-            </a:r>
-            <a:r>
-              <a:rPr lang="de-CH" dirty="0"/>
-              <a:t> </a:t>
-            </a:r>
-            <a:r>
-              <a:rPr lang="de-CH" dirty="0" err="1"/>
-              <a:t>transportation</a:t>
-            </a:r>
-            <a:r>
-              <a:rPr lang="de-CH" dirty="0"/>
-              <a:t> </a:t>
-            </a:r>
-            <a:r>
-              <a:rPr lang="de-CH" dirty="0" err="1"/>
-              <a:t>mode</a:t>
-            </a:r>
-            <a:r>
-              <a:rPr lang="de-CH" dirty="0"/>
-              <a:t> </a:t>
-            </a:r>
-            <a:r>
-              <a:rPr lang="de-CH" dirty="0" err="1"/>
-              <a:t>detection</a:t>
-            </a:r>
-            <a:r>
-              <a:rPr lang="de-CH" dirty="0"/>
-              <a:t> </a:t>
-            </a:r>
-            <a:r>
-              <a:rPr lang="de-CH" dirty="0" err="1"/>
-              <a:t>models</a:t>
-            </a:r>
-            <a:r>
-              <a:rPr lang="de-CH" dirty="0"/>
-              <a:t>? </a:t>
+              <a:rPr lang="en-US" dirty="0"/>
+              <a:t>How accurately can we identify transportation modes based on GPS data features such as speed, elevation change, distance measures and stop frequency? </a:t>
+            </a:r>
+          </a:p>
+          <a:p>
+            <a:r>
+              <a:rPr lang="en-US" dirty="0"/>
+              <a:t>What are the challenges in distinguishing between similar modes (e.g., jogging &amp; biking)?</a:t>
+            </a:r>
+          </a:p>
+          <a:p>
+            <a:r>
+              <a:rPr lang="en-US" dirty="0"/>
+              <a:t>How do factors like street data or environmental data influence the accuracy of transportation mode detection models? </a:t>
             </a:r>
           </a:p>
         </p:txBody>
@@ -5264,7 +5260,7 @@
 </file>
 
 <file path=ppt/slides/slide4.xml><?xml version="1.0" encoding="utf-8"?>
-<p:sld xmlns:a="http://schemas.openxmlformats.org/drawingml/2006/main" xmlns:r="http://schemas.openxmlformats.org/officeDocument/2006/relationships" xmlns:p="http://schemas.openxmlformats.org/presentationml/2006/main">
+<p:sld xmlns:a="http://schemas.openxmlformats.org/drawingml/2006/main" xmlns:r="http://schemas.openxmlformats.org/officeDocument/2006/relationships" xmlns:p="http://schemas.openxmlformats.org/presentationml/2006/main" show="0">
   <p:cSld>
     <p:spTree>
       <p:nvGrpSpPr>
@@ -6804,34 +6800,2282 @@
       </p:sp>
       <p:sp>
         <p:nvSpPr>
-          <p:cNvPr id="189" name="Text für Folienpunkt"/>
-          <p:cNvSpPr txBox="1">
-            <a:spLocks noGrp="1"/>
-          </p:cNvSpPr>
-          <p:nvPr>
-            <p:ph type="body" idx="1"/>
-          </p:nvPr>
+          <p:cNvPr id="6" name="Rectangle 5">
+            <a:extLst>
+              <a:ext uri="{FF2B5EF4-FFF2-40B4-BE49-F238E27FC236}">
+                <a16:creationId xmlns:a16="http://schemas.microsoft.com/office/drawing/2014/main" id="{B29D6964-7426-B581-B625-A48CBE4235B7}"/>
+              </a:ext>
+            </a:extLst>
+          </p:cNvPr>
+          <p:cNvSpPr/>
+          <p:nvPr/>
         </p:nvSpPr>
         <p:spPr>
-          <a:prstGeom prst="rect">
-            <a:avLst/>
-          </a:prstGeom>
-        </p:spPr>
+          <a:xfrm>
+            <a:off x="1330960" y="2783840"/>
+            <a:ext cx="3048000" cy="995680"/>
+          </a:xfrm>
+          <a:prstGeom prst="rect">
+            <a:avLst/>
+          </a:prstGeom>
+          <a:noFill/>
+          <a:ln w="28575" cap="flat">
+            <a:solidFill>
+              <a:srgbClr val="002060"/>
+            </a:solidFill>
+            <a:miter lim="400000"/>
+          </a:ln>
+          <a:effectLst/>
+          <a:sp3d/>
+        </p:spPr>
+        <p:style>
+          <a:lnRef idx="0">
+            <a:scrgbClr r="0" g="0" b="0"/>
+          </a:lnRef>
+          <a:fillRef idx="0">
+            <a:scrgbClr r="0" g="0" b="0"/>
+          </a:fillRef>
+          <a:effectRef idx="0">
+            <a:scrgbClr r="0" g="0" b="0"/>
+          </a:effectRef>
+          <a:fontRef idx="none"/>
+        </p:style>
         <p:txBody>
-          <a:bodyPr/>
+          <a:bodyPr rot="0" spcFirstLastPara="1" vertOverflow="overflow" horzOverflow="overflow" vert="horz" wrap="square" lIns="50800" tIns="50800" rIns="50800" bIns="50800" numCol="1" spcCol="38100" rtlCol="0" anchor="ctr">
+            <a:spAutoFit/>
+          </a:bodyPr>
           <a:lstStyle/>
           <a:p>
-            <a:r>
-              <a:rPr lang="de-CH" dirty="0"/>
-              <a:t>Allenfalls auch </a:t>
-            </a:r>
-            <a:r>
-              <a:rPr lang="de-CH" dirty="0" err="1"/>
-              <a:t>anderst</a:t>
-            </a:r>
-            <a:r>
-              <a:rPr lang="de-CH" dirty="0"/>
-              <a:t> gemeint?</a:t>
+            <a:pPr marL="0" marR="0" indent="0" algn="ctr" defTabSz="825500" rtl="0" fontAlgn="auto" latinLnBrk="0" hangingPunct="0">
+              <a:lnSpc>
+                <a:spcPct val="100000"/>
+              </a:lnSpc>
+              <a:spcBef>
+                <a:spcPts val="0"/>
+              </a:spcBef>
+              <a:spcAft>
+                <a:spcPts val="0"/>
+              </a:spcAft>
+              <a:buClrTx/>
+              <a:buSzTx/>
+              <a:buFontTx/>
+              <a:buNone/>
+              <a:tabLst/>
+            </a:pPr>
+            <a:endParaRPr kumimoji="0" lang="en-US" sz="3200" b="0" i="0" u="none" strike="noStrike" cap="none" spc="0" normalizeH="0" baseline="0" dirty="0">
+              <a:ln>
+                <a:noFill/>
+              </a:ln>
+              <a:solidFill>
+                <a:srgbClr val="FFFFFF"/>
+              </a:solidFill>
+              <a:effectLst/>
+              <a:uFillTx/>
+              <a:latin typeface="Helvetica Neue Medium"/>
+              <a:ea typeface="Helvetica Neue Medium"/>
+              <a:cs typeface="Helvetica Neue Medium"/>
+              <a:sym typeface="Helvetica Neue Medium"/>
+            </a:endParaRPr>
+          </a:p>
+        </p:txBody>
+      </p:sp>
+      <p:sp>
+        <p:nvSpPr>
+          <p:cNvPr id="7" name="Rectangle 6">
+            <a:extLst>
+              <a:ext uri="{FF2B5EF4-FFF2-40B4-BE49-F238E27FC236}">
+                <a16:creationId xmlns:a16="http://schemas.microsoft.com/office/drawing/2014/main" id="{5DF0F6C4-6116-D6C5-8588-28879E47A986}"/>
+              </a:ext>
+            </a:extLst>
+          </p:cNvPr>
+          <p:cNvSpPr/>
+          <p:nvPr/>
+        </p:nvSpPr>
+        <p:spPr>
+          <a:xfrm>
+            <a:off x="4378960" y="2783840"/>
+            <a:ext cx="18531840" cy="995680"/>
+          </a:xfrm>
+          <a:prstGeom prst="rect">
+            <a:avLst/>
+          </a:prstGeom>
+          <a:noFill/>
+          <a:ln w="28575" cap="flat">
+            <a:solidFill>
+              <a:srgbClr val="002060"/>
+            </a:solidFill>
+            <a:miter lim="400000"/>
+          </a:ln>
+          <a:effectLst/>
+          <a:sp3d/>
+        </p:spPr>
+        <p:style>
+          <a:lnRef idx="0">
+            <a:scrgbClr r="0" g="0" b="0"/>
+          </a:lnRef>
+          <a:fillRef idx="0">
+            <a:scrgbClr r="0" g="0" b="0"/>
+          </a:fillRef>
+          <a:effectRef idx="0">
+            <a:scrgbClr r="0" g="0" b="0"/>
+          </a:effectRef>
+          <a:fontRef idx="none"/>
+        </p:style>
+        <p:txBody>
+          <a:bodyPr rot="0" spcFirstLastPara="1" vertOverflow="overflow" horzOverflow="overflow" vert="horz" wrap="square" lIns="50800" tIns="50800" rIns="50800" bIns="50800" numCol="1" spcCol="38100" rtlCol="0" anchor="ctr">
+            <a:spAutoFit/>
+          </a:bodyPr>
+          <a:lstStyle/>
+          <a:p>
+            <a:pPr marL="0" marR="0" indent="0" algn="ctr" defTabSz="825500" rtl="0" fontAlgn="auto" latinLnBrk="0" hangingPunct="0">
+              <a:lnSpc>
+                <a:spcPct val="100000"/>
+              </a:lnSpc>
+              <a:spcBef>
+                <a:spcPts val="0"/>
+              </a:spcBef>
+              <a:spcAft>
+                <a:spcPts val="0"/>
+              </a:spcAft>
+              <a:buClrTx/>
+              <a:buSzTx/>
+              <a:buFontTx/>
+              <a:buNone/>
+              <a:tabLst/>
+            </a:pPr>
+            <a:endParaRPr kumimoji="0" lang="en-US" sz="3200" b="0" i="0" u="none" strike="noStrike" cap="none" spc="0" normalizeH="0" baseline="0" dirty="0">
+              <a:ln>
+                <a:noFill/>
+              </a:ln>
+              <a:solidFill>
+                <a:srgbClr val="FFFFFF"/>
+              </a:solidFill>
+              <a:effectLst/>
+              <a:uFillTx/>
+              <a:latin typeface="Helvetica Neue Medium"/>
+              <a:ea typeface="Helvetica Neue Medium"/>
+              <a:cs typeface="Helvetica Neue Medium"/>
+              <a:sym typeface="Helvetica Neue Medium"/>
+            </a:endParaRPr>
+          </a:p>
+        </p:txBody>
+      </p:sp>
+      <p:sp>
+        <p:nvSpPr>
+          <p:cNvPr id="8" name="TextBox 7">
+            <a:extLst>
+              <a:ext uri="{FF2B5EF4-FFF2-40B4-BE49-F238E27FC236}">
+                <a16:creationId xmlns:a16="http://schemas.microsoft.com/office/drawing/2014/main" id="{DC58AEB0-EF05-F53F-B6D2-1E2CA762AD14}"/>
+              </a:ext>
+            </a:extLst>
+          </p:cNvPr>
+          <p:cNvSpPr txBox="1"/>
+          <p:nvPr/>
+        </p:nvSpPr>
+        <p:spPr>
+          <a:xfrm>
+            <a:off x="1544320" y="2551775"/>
+            <a:ext cx="2834640" cy="984372"/>
+          </a:xfrm>
+          <a:prstGeom prst="rect">
+            <a:avLst/>
+          </a:prstGeom>
+          <a:noFill/>
+          <a:ln w="12700" cap="flat">
+            <a:noFill/>
+            <a:miter lim="400000"/>
+          </a:ln>
+          <a:effectLst/>
+          <a:sp3d/>
+        </p:spPr>
+        <p:style>
+          <a:lnRef idx="0">
+            <a:scrgbClr r="0" g="0" b="0"/>
+          </a:lnRef>
+          <a:fillRef idx="0">
+            <a:scrgbClr r="0" g="0" b="0"/>
+          </a:fillRef>
+          <a:effectRef idx="0">
+            <a:scrgbClr r="0" g="0" b="0"/>
+          </a:effectRef>
+          <a:fontRef idx="none"/>
+        </p:style>
+        <p:txBody>
+          <a:bodyPr rot="0" spcFirstLastPara="1" vertOverflow="overflow" horzOverflow="overflow" vert="horz" wrap="square" lIns="50800" tIns="50800" rIns="50800" bIns="50800" numCol="1" spcCol="38100" rtlCol="0" anchor="ctr">
+            <a:spAutoFit/>
+          </a:bodyPr>
+          <a:lstStyle/>
+          <a:p>
+            <a:pPr marL="0" marR="0" indent="0" algn="l" defTabSz="2438338" rtl="0" fontAlgn="auto" latinLnBrk="0" hangingPunct="0">
+              <a:lnSpc>
+                <a:spcPct val="90000"/>
+              </a:lnSpc>
+              <a:spcBef>
+                <a:spcPts val="4500"/>
+              </a:spcBef>
+              <a:spcAft>
+                <a:spcPts val="0"/>
+              </a:spcAft>
+              <a:buClrTx/>
+              <a:buSzTx/>
+              <a:buFontTx/>
+              <a:buNone/>
+              <a:tabLst/>
+            </a:pPr>
+            <a:r>
+              <a:rPr kumimoji="0" lang="en-US" sz="2200" b="0" i="0" u="none" strike="noStrike" cap="none" spc="0" normalizeH="0" baseline="0" dirty="0">
+                <a:ln>
+                  <a:noFill/>
+                </a:ln>
+                <a:solidFill>
+                  <a:schemeClr val="bg1"/>
+                </a:solidFill>
+                <a:effectLst/>
+                <a:uFillTx/>
+                <a:latin typeface="+mn-lt"/>
+                <a:ea typeface="+mn-ea"/>
+                <a:cs typeface="+mn-cs"/>
+                <a:sym typeface="Helvetica Neue"/>
+              </a:rPr>
+              <a:t>Data Load</a:t>
+            </a:r>
+          </a:p>
+        </p:txBody>
+      </p:sp>
+      <p:sp>
+        <p:nvSpPr>
+          <p:cNvPr id="10" name="Rectangle 9">
+            <a:extLst>
+              <a:ext uri="{FF2B5EF4-FFF2-40B4-BE49-F238E27FC236}">
+                <a16:creationId xmlns:a16="http://schemas.microsoft.com/office/drawing/2014/main" id="{C880239A-6577-572F-4722-6836CD85224B}"/>
+              </a:ext>
+            </a:extLst>
+          </p:cNvPr>
+          <p:cNvSpPr/>
+          <p:nvPr/>
+        </p:nvSpPr>
+        <p:spPr>
+          <a:xfrm>
+            <a:off x="1330960" y="3962111"/>
+            <a:ext cx="3048000" cy="995680"/>
+          </a:xfrm>
+          <a:prstGeom prst="rect">
+            <a:avLst/>
+          </a:prstGeom>
+          <a:noFill/>
+          <a:ln w="28575" cap="flat">
+            <a:solidFill>
+              <a:srgbClr val="002060"/>
+            </a:solidFill>
+            <a:miter lim="400000"/>
+          </a:ln>
+          <a:effectLst/>
+          <a:sp3d/>
+        </p:spPr>
+        <p:style>
+          <a:lnRef idx="0">
+            <a:scrgbClr r="0" g="0" b="0"/>
+          </a:lnRef>
+          <a:fillRef idx="0">
+            <a:scrgbClr r="0" g="0" b="0"/>
+          </a:fillRef>
+          <a:effectRef idx="0">
+            <a:scrgbClr r="0" g="0" b="0"/>
+          </a:effectRef>
+          <a:fontRef idx="none"/>
+        </p:style>
+        <p:txBody>
+          <a:bodyPr rot="0" spcFirstLastPara="1" vertOverflow="overflow" horzOverflow="overflow" vert="horz" wrap="square" lIns="50800" tIns="50800" rIns="50800" bIns="50800" numCol="1" spcCol="38100" rtlCol="0" anchor="ctr">
+            <a:spAutoFit/>
+          </a:bodyPr>
+          <a:lstStyle/>
+          <a:p>
+            <a:pPr marL="0" marR="0" indent="0" algn="ctr" defTabSz="825500" rtl="0" fontAlgn="auto" latinLnBrk="0" hangingPunct="0">
+              <a:lnSpc>
+                <a:spcPct val="100000"/>
+              </a:lnSpc>
+              <a:spcBef>
+                <a:spcPts val="0"/>
+              </a:spcBef>
+              <a:spcAft>
+                <a:spcPts val="0"/>
+              </a:spcAft>
+              <a:buClrTx/>
+              <a:buSzTx/>
+              <a:buFontTx/>
+              <a:buNone/>
+              <a:tabLst/>
+            </a:pPr>
+            <a:endParaRPr kumimoji="0" lang="en-US" sz="3200" b="0" i="0" u="none" strike="noStrike" cap="none" spc="0" normalizeH="0" baseline="0" dirty="0">
+              <a:ln>
+                <a:noFill/>
+              </a:ln>
+              <a:solidFill>
+                <a:srgbClr val="FFFFFF"/>
+              </a:solidFill>
+              <a:effectLst/>
+              <a:uFillTx/>
+              <a:latin typeface="Helvetica Neue Medium"/>
+              <a:ea typeface="Helvetica Neue Medium"/>
+              <a:cs typeface="Helvetica Neue Medium"/>
+              <a:sym typeface="Helvetica Neue Medium"/>
+            </a:endParaRPr>
+          </a:p>
+        </p:txBody>
+      </p:sp>
+      <p:sp>
+        <p:nvSpPr>
+          <p:cNvPr id="11" name="Rectangle 10">
+            <a:extLst>
+              <a:ext uri="{FF2B5EF4-FFF2-40B4-BE49-F238E27FC236}">
+                <a16:creationId xmlns:a16="http://schemas.microsoft.com/office/drawing/2014/main" id="{8E36E23F-0BBD-505E-ADFA-8A1E2C249B3C}"/>
+              </a:ext>
+            </a:extLst>
+          </p:cNvPr>
+          <p:cNvSpPr/>
+          <p:nvPr/>
+        </p:nvSpPr>
+        <p:spPr>
+          <a:xfrm>
+            <a:off x="4378960" y="3962111"/>
+            <a:ext cx="18531840" cy="995680"/>
+          </a:xfrm>
+          <a:prstGeom prst="rect">
+            <a:avLst/>
+          </a:prstGeom>
+          <a:noFill/>
+          <a:ln w="28575" cap="flat">
+            <a:solidFill>
+              <a:srgbClr val="002060"/>
+            </a:solidFill>
+            <a:miter lim="400000"/>
+          </a:ln>
+          <a:effectLst/>
+          <a:sp3d/>
+        </p:spPr>
+        <p:style>
+          <a:lnRef idx="0">
+            <a:scrgbClr r="0" g="0" b="0"/>
+          </a:lnRef>
+          <a:fillRef idx="0">
+            <a:scrgbClr r="0" g="0" b="0"/>
+          </a:fillRef>
+          <a:effectRef idx="0">
+            <a:scrgbClr r="0" g="0" b="0"/>
+          </a:effectRef>
+          <a:fontRef idx="none"/>
+        </p:style>
+        <p:txBody>
+          <a:bodyPr rot="0" spcFirstLastPara="1" vertOverflow="overflow" horzOverflow="overflow" vert="horz" wrap="square" lIns="50800" tIns="50800" rIns="50800" bIns="50800" numCol="1" spcCol="38100" rtlCol="0" anchor="ctr">
+            <a:spAutoFit/>
+          </a:bodyPr>
+          <a:lstStyle/>
+          <a:p>
+            <a:pPr marL="0" marR="0" indent="0" algn="ctr" defTabSz="825500" rtl="0" fontAlgn="auto" latinLnBrk="0" hangingPunct="0">
+              <a:lnSpc>
+                <a:spcPct val="100000"/>
+              </a:lnSpc>
+              <a:spcBef>
+                <a:spcPts val="0"/>
+              </a:spcBef>
+              <a:spcAft>
+                <a:spcPts val="0"/>
+              </a:spcAft>
+              <a:buClrTx/>
+              <a:buSzTx/>
+              <a:buFontTx/>
+              <a:buNone/>
+              <a:tabLst/>
+            </a:pPr>
+            <a:endParaRPr kumimoji="0" lang="en-US" sz="3200" b="0" i="0" u="none" strike="noStrike" cap="none" spc="0" normalizeH="0" baseline="0">
+              <a:ln>
+                <a:noFill/>
+              </a:ln>
+              <a:solidFill>
+                <a:srgbClr val="FFFFFF"/>
+              </a:solidFill>
+              <a:effectLst/>
+              <a:uFillTx/>
+              <a:latin typeface="Helvetica Neue Medium"/>
+              <a:ea typeface="Helvetica Neue Medium"/>
+              <a:cs typeface="Helvetica Neue Medium"/>
+              <a:sym typeface="Helvetica Neue Medium"/>
+            </a:endParaRPr>
+          </a:p>
+        </p:txBody>
+      </p:sp>
+      <p:sp>
+        <p:nvSpPr>
+          <p:cNvPr id="12" name="TextBox 11">
+            <a:extLst>
+              <a:ext uri="{FF2B5EF4-FFF2-40B4-BE49-F238E27FC236}">
+                <a16:creationId xmlns:a16="http://schemas.microsoft.com/office/drawing/2014/main" id="{E9BA951B-243E-540C-A681-CA84FB39C33A}"/>
+              </a:ext>
+            </a:extLst>
+          </p:cNvPr>
+          <p:cNvSpPr txBox="1"/>
+          <p:nvPr/>
+        </p:nvSpPr>
+        <p:spPr>
+          <a:xfrm>
+            <a:off x="1544320" y="3788075"/>
+            <a:ext cx="2834640" cy="984372"/>
+          </a:xfrm>
+          <a:prstGeom prst="rect">
+            <a:avLst/>
+          </a:prstGeom>
+          <a:noFill/>
+          <a:ln w="12700" cap="flat">
+            <a:noFill/>
+            <a:miter lim="400000"/>
+          </a:ln>
+          <a:effectLst/>
+          <a:sp3d/>
+        </p:spPr>
+        <p:style>
+          <a:lnRef idx="0">
+            <a:scrgbClr r="0" g="0" b="0"/>
+          </a:lnRef>
+          <a:fillRef idx="0">
+            <a:scrgbClr r="0" g="0" b="0"/>
+          </a:fillRef>
+          <a:effectRef idx="0">
+            <a:scrgbClr r="0" g="0" b="0"/>
+          </a:effectRef>
+          <a:fontRef idx="none"/>
+        </p:style>
+        <p:txBody>
+          <a:bodyPr rot="0" spcFirstLastPara="1" vertOverflow="overflow" horzOverflow="overflow" vert="horz" wrap="square" lIns="50800" tIns="50800" rIns="50800" bIns="50800" numCol="1" spcCol="38100" rtlCol="0" anchor="ctr">
+            <a:spAutoFit/>
+          </a:bodyPr>
+          <a:lstStyle/>
+          <a:p>
+            <a:pPr marL="0" marR="0" indent="0" algn="l" defTabSz="2438338" rtl="0" fontAlgn="auto" latinLnBrk="0" hangingPunct="0">
+              <a:lnSpc>
+                <a:spcPct val="90000"/>
+              </a:lnSpc>
+              <a:spcBef>
+                <a:spcPts val="4500"/>
+              </a:spcBef>
+              <a:spcAft>
+                <a:spcPts val="0"/>
+              </a:spcAft>
+              <a:buClrTx/>
+              <a:buSzTx/>
+              <a:buFontTx/>
+              <a:buNone/>
+              <a:tabLst/>
+            </a:pPr>
+            <a:r>
+              <a:rPr kumimoji="0" lang="en-US" sz="2200" b="0" i="0" u="none" strike="noStrike" cap="none" spc="0" normalizeH="0" baseline="0" dirty="0">
+                <a:ln>
+                  <a:noFill/>
+                </a:ln>
+                <a:solidFill>
+                  <a:schemeClr val="bg1"/>
+                </a:solidFill>
+                <a:effectLst/>
+                <a:uFillTx/>
+                <a:latin typeface="+mn-lt"/>
+                <a:ea typeface="+mn-ea"/>
+                <a:cs typeface="+mn-cs"/>
+                <a:sym typeface="Helvetica Neue"/>
+              </a:rPr>
+              <a:t>Data Exploration</a:t>
+            </a:r>
+          </a:p>
+        </p:txBody>
+      </p:sp>
+      <p:sp>
+        <p:nvSpPr>
+          <p:cNvPr id="13" name="Rectangle 12">
+            <a:extLst>
+              <a:ext uri="{FF2B5EF4-FFF2-40B4-BE49-F238E27FC236}">
+                <a16:creationId xmlns:a16="http://schemas.microsoft.com/office/drawing/2014/main" id="{B93DD6AF-9C4B-2181-DF16-290C6CFA9BB8}"/>
+              </a:ext>
+            </a:extLst>
+          </p:cNvPr>
+          <p:cNvSpPr/>
+          <p:nvPr/>
+        </p:nvSpPr>
+        <p:spPr>
+          <a:xfrm>
+            <a:off x="1330960" y="5140382"/>
+            <a:ext cx="3048000" cy="995680"/>
+          </a:xfrm>
+          <a:prstGeom prst="rect">
+            <a:avLst/>
+          </a:prstGeom>
+          <a:noFill/>
+          <a:ln w="28575" cap="flat">
+            <a:solidFill>
+              <a:srgbClr val="002060"/>
+            </a:solidFill>
+            <a:miter lim="400000"/>
+          </a:ln>
+          <a:effectLst/>
+          <a:sp3d/>
+        </p:spPr>
+        <p:style>
+          <a:lnRef idx="0">
+            <a:scrgbClr r="0" g="0" b="0"/>
+          </a:lnRef>
+          <a:fillRef idx="0">
+            <a:scrgbClr r="0" g="0" b="0"/>
+          </a:fillRef>
+          <a:effectRef idx="0">
+            <a:scrgbClr r="0" g="0" b="0"/>
+          </a:effectRef>
+          <a:fontRef idx="none"/>
+        </p:style>
+        <p:txBody>
+          <a:bodyPr rot="0" spcFirstLastPara="1" vertOverflow="overflow" horzOverflow="overflow" vert="horz" wrap="square" lIns="50800" tIns="50800" rIns="50800" bIns="50800" numCol="1" spcCol="38100" rtlCol="0" anchor="ctr">
+            <a:spAutoFit/>
+          </a:bodyPr>
+          <a:lstStyle/>
+          <a:p>
+            <a:pPr marL="0" marR="0" indent="0" algn="ctr" defTabSz="825500" rtl="0" fontAlgn="auto" latinLnBrk="0" hangingPunct="0">
+              <a:lnSpc>
+                <a:spcPct val="100000"/>
+              </a:lnSpc>
+              <a:spcBef>
+                <a:spcPts val="0"/>
+              </a:spcBef>
+              <a:spcAft>
+                <a:spcPts val="0"/>
+              </a:spcAft>
+              <a:buClrTx/>
+              <a:buSzTx/>
+              <a:buFontTx/>
+              <a:buNone/>
+              <a:tabLst/>
+            </a:pPr>
+            <a:endParaRPr kumimoji="0" lang="en-US" sz="3200" b="0" i="0" u="none" strike="noStrike" cap="none" spc="0" normalizeH="0" baseline="0" dirty="0">
+              <a:ln>
+                <a:noFill/>
+              </a:ln>
+              <a:solidFill>
+                <a:srgbClr val="FFFFFF"/>
+              </a:solidFill>
+              <a:effectLst/>
+              <a:uFillTx/>
+              <a:latin typeface="Helvetica Neue Medium"/>
+              <a:ea typeface="Helvetica Neue Medium"/>
+              <a:cs typeface="Helvetica Neue Medium"/>
+              <a:sym typeface="Helvetica Neue Medium"/>
+            </a:endParaRPr>
+          </a:p>
+        </p:txBody>
+      </p:sp>
+      <p:sp>
+        <p:nvSpPr>
+          <p:cNvPr id="14" name="Rectangle 13">
+            <a:extLst>
+              <a:ext uri="{FF2B5EF4-FFF2-40B4-BE49-F238E27FC236}">
+                <a16:creationId xmlns:a16="http://schemas.microsoft.com/office/drawing/2014/main" id="{65992311-EBC0-22D4-B442-1CA26676BC49}"/>
+              </a:ext>
+            </a:extLst>
+          </p:cNvPr>
+          <p:cNvSpPr/>
+          <p:nvPr/>
+        </p:nvSpPr>
+        <p:spPr>
+          <a:xfrm>
+            <a:off x="4378960" y="5140382"/>
+            <a:ext cx="18531840" cy="995680"/>
+          </a:xfrm>
+          <a:prstGeom prst="rect">
+            <a:avLst/>
+          </a:prstGeom>
+          <a:noFill/>
+          <a:ln w="28575" cap="flat">
+            <a:solidFill>
+              <a:srgbClr val="002060"/>
+            </a:solidFill>
+            <a:miter lim="400000"/>
+          </a:ln>
+          <a:effectLst/>
+          <a:sp3d/>
+        </p:spPr>
+        <p:style>
+          <a:lnRef idx="0">
+            <a:scrgbClr r="0" g="0" b="0"/>
+          </a:lnRef>
+          <a:fillRef idx="0">
+            <a:scrgbClr r="0" g="0" b="0"/>
+          </a:fillRef>
+          <a:effectRef idx="0">
+            <a:scrgbClr r="0" g="0" b="0"/>
+          </a:effectRef>
+          <a:fontRef idx="none"/>
+        </p:style>
+        <p:txBody>
+          <a:bodyPr rot="0" spcFirstLastPara="1" vertOverflow="overflow" horzOverflow="overflow" vert="horz" wrap="square" lIns="50800" tIns="50800" rIns="50800" bIns="50800" numCol="1" spcCol="38100" rtlCol="0" anchor="ctr">
+            <a:spAutoFit/>
+          </a:bodyPr>
+          <a:lstStyle/>
+          <a:p>
+            <a:pPr marL="0" marR="0" indent="0" algn="ctr" defTabSz="825500" rtl="0" fontAlgn="auto" latinLnBrk="0" hangingPunct="0">
+              <a:lnSpc>
+                <a:spcPct val="100000"/>
+              </a:lnSpc>
+              <a:spcBef>
+                <a:spcPts val="0"/>
+              </a:spcBef>
+              <a:spcAft>
+                <a:spcPts val="0"/>
+              </a:spcAft>
+              <a:buClrTx/>
+              <a:buSzTx/>
+              <a:buFontTx/>
+              <a:buNone/>
+              <a:tabLst/>
+            </a:pPr>
+            <a:endParaRPr kumimoji="0" lang="en-US" sz="3200" b="0" i="0" u="none" strike="noStrike" cap="none" spc="0" normalizeH="0" baseline="0">
+              <a:ln>
+                <a:noFill/>
+              </a:ln>
+              <a:solidFill>
+                <a:srgbClr val="FFFFFF"/>
+              </a:solidFill>
+              <a:effectLst/>
+              <a:uFillTx/>
+              <a:latin typeface="Helvetica Neue Medium"/>
+              <a:ea typeface="Helvetica Neue Medium"/>
+              <a:cs typeface="Helvetica Neue Medium"/>
+              <a:sym typeface="Helvetica Neue Medium"/>
+            </a:endParaRPr>
+          </a:p>
+        </p:txBody>
+      </p:sp>
+      <p:sp>
+        <p:nvSpPr>
+          <p:cNvPr id="15" name="TextBox 14">
+            <a:extLst>
+              <a:ext uri="{FF2B5EF4-FFF2-40B4-BE49-F238E27FC236}">
+                <a16:creationId xmlns:a16="http://schemas.microsoft.com/office/drawing/2014/main" id="{9D45729C-3009-052C-82FE-A15D58131CAE}"/>
+              </a:ext>
+            </a:extLst>
+          </p:cNvPr>
+          <p:cNvSpPr txBox="1"/>
+          <p:nvPr/>
+        </p:nvSpPr>
+        <p:spPr>
+          <a:xfrm>
+            <a:off x="1544320" y="4952496"/>
+            <a:ext cx="2834640" cy="1012072"/>
+          </a:xfrm>
+          <a:prstGeom prst="rect">
+            <a:avLst/>
+          </a:prstGeom>
+          <a:noFill/>
+          <a:ln w="12700" cap="flat">
+            <a:noFill/>
+            <a:miter lim="400000"/>
+          </a:ln>
+          <a:effectLst/>
+          <a:sp3d/>
+        </p:spPr>
+        <p:style>
+          <a:lnRef idx="0">
+            <a:scrgbClr r="0" g="0" b="0"/>
+          </a:lnRef>
+          <a:fillRef idx="0">
+            <a:scrgbClr r="0" g="0" b="0"/>
+          </a:fillRef>
+          <a:effectRef idx="0">
+            <a:scrgbClr r="0" g="0" b="0"/>
+          </a:effectRef>
+          <a:fontRef idx="none"/>
+        </p:style>
+        <p:txBody>
+          <a:bodyPr rot="0" spcFirstLastPara="1" vertOverflow="overflow" horzOverflow="overflow" vert="horz" wrap="square" lIns="50800" tIns="50800" rIns="50800" bIns="50800" numCol="1" spcCol="38100" rtlCol="0" anchor="ctr">
+            <a:spAutoFit/>
+          </a:bodyPr>
+          <a:lstStyle/>
+          <a:p>
+            <a:pPr marL="0" marR="0" indent="0" algn="l" defTabSz="2438338" rtl="0" fontAlgn="auto" latinLnBrk="0" hangingPunct="0">
+              <a:lnSpc>
+                <a:spcPct val="90000"/>
+              </a:lnSpc>
+              <a:spcBef>
+                <a:spcPts val="4500"/>
+              </a:spcBef>
+              <a:spcAft>
+                <a:spcPts val="0"/>
+              </a:spcAft>
+              <a:buClrTx/>
+              <a:buSzTx/>
+              <a:buFontTx/>
+              <a:buNone/>
+              <a:tabLst/>
+            </a:pPr>
+            <a:r>
+              <a:rPr kumimoji="0" lang="en-US" sz="2200" b="0" i="0" u="none" strike="noStrike" cap="none" spc="0" normalizeH="0" baseline="0" dirty="0">
+                <a:ln>
+                  <a:noFill/>
+                </a:ln>
+                <a:solidFill>
+                  <a:schemeClr val="bg1"/>
+                </a:solidFill>
+                <a:effectLst/>
+                <a:uFillTx/>
+                <a:latin typeface="+mn-lt"/>
+                <a:ea typeface="+mn-ea"/>
+                <a:cs typeface="+mn-cs"/>
+                <a:sym typeface="Helvetica Neue"/>
+              </a:rPr>
+              <a:t>Function Definition</a:t>
+            </a:r>
+          </a:p>
+        </p:txBody>
+      </p:sp>
+      <p:sp>
+        <p:nvSpPr>
+          <p:cNvPr id="16" name="Rectangle 15">
+            <a:extLst>
+              <a:ext uri="{FF2B5EF4-FFF2-40B4-BE49-F238E27FC236}">
+                <a16:creationId xmlns:a16="http://schemas.microsoft.com/office/drawing/2014/main" id="{A128C921-B5F0-E7C7-0F9A-72BFEEA4628E}"/>
+              </a:ext>
+            </a:extLst>
+          </p:cNvPr>
+          <p:cNvSpPr/>
+          <p:nvPr/>
+        </p:nvSpPr>
+        <p:spPr>
+          <a:xfrm>
+            <a:off x="1330960" y="6318653"/>
+            <a:ext cx="3048000" cy="995680"/>
+          </a:xfrm>
+          <a:prstGeom prst="rect">
+            <a:avLst/>
+          </a:prstGeom>
+          <a:noFill/>
+          <a:ln w="28575" cap="flat">
+            <a:solidFill>
+              <a:srgbClr val="002060"/>
+            </a:solidFill>
+            <a:miter lim="400000"/>
+          </a:ln>
+          <a:effectLst/>
+          <a:sp3d/>
+        </p:spPr>
+        <p:style>
+          <a:lnRef idx="0">
+            <a:scrgbClr r="0" g="0" b="0"/>
+          </a:lnRef>
+          <a:fillRef idx="0">
+            <a:scrgbClr r="0" g="0" b="0"/>
+          </a:fillRef>
+          <a:effectRef idx="0">
+            <a:scrgbClr r="0" g="0" b="0"/>
+          </a:effectRef>
+          <a:fontRef idx="none"/>
+        </p:style>
+        <p:txBody>
+          <a:bodyPr rot="0" spcFirstLastPara="1" vertOverflow="overflow" horzOverflow="overflow" vert="horz" wrap="square" lIns="50800" tIns="50800" rIns="50800" bIns="50800" numCol="1" spcCol="38100" rtlCol="0" anchor="ctr">
+            <a:spAutoFit/>
+          </a:bodyPr>
+          <a:lstStyle/>
+          <a:p>
+            <a:pPr marL="0" marR="0" indent="0" algn="ctr" defTabSz="825500" rtl="0" fontAlgn="auto" latinLnBrk="0" hangingPunct="0">
+              <a:lnSpc>
+                <a:spcPct val="100000"/>
+              </a:lnSpc>
+              <a:spcBef>
+                <a:spcPts val="0"/>
+              </a:spcBef>
+              <a:spcAft>
+                <a:spcPts val="0"/>
+              </a:spcAft>
+              <a:buClrTx/>
+              <a:buSzTx/>
+              <a:buFontTx/>
+              <a:buNone/>
+              <a:tabLst/>
+            </a:pPr>
+            <a:endParaRPr kumimoji="0" lang="en-US" sz="3200" b="0" i="0" u="none" strike="noStrike" cap="none" spc="0" normalizeH="0" baseline="0" dirty="0">
+              <a:ln>
+                <a:noFill/>
+              </a:ln>
+              <a:solidFill>
+                <a:srgbClr val="FFFFFF"/>
+              </a:solidFill>
+              <a:effectLst/>
+              <a:uFillTx/>
+              <a:latin typeface="Helvetica Neue Medium"/>
+              <a:ea typeface="Helvetica Neue Medium"/>
+              <a:cs typeface="Helvetica Neue Medium"/>
+              <a:sym typeface="Helvetica Neue Medium"/>
+            </a:endParaRPr>
+          </a:p>
+        </p:txBody>
+      </p:sp>
+      <p:sp>
+        <p:nvSpPr>
+          <p:cNvPr id="17" name="Rectangle 16">
+            <a:extLst>
+              <a:ext uri="{FF2B5EF4-FFF2-40B4-BE49-F238E27FC236}">
+                <a16:creationId xmlns:a16="http://schemas.microsoft.com/office/drawing/2014/main" id="{450331F1-B783-1428-636A-896E0165F43C}"/>
+              </a:ext>
+            </a:extLst>
+          </p:cNvPr>
+          <p:cNvSpPr/>
+          <p:nvPr/>
+        </p:nvSpPr>
+        <p:spPr>
+          <a:xfrm>
+            <a:off x="4378960" y="6318653"/>
+            <a:ext cx="18531840" cy="995680"/>
+          </a:xfrm>
+          <a:prstGeom prst="rect">
+            <a:avLst/>
+          </a:prstGeom>
+          <a:noFill/>
+          <a:ln w="28575" cap="flat">
+            <a:solidFill>
+              <a:srgbClr val="002060"/>
+            </a:solidFill>
+            <a:miter lim="400000"/>
+          </a:ln>
+          <a:effectLst/>
+          <a:sp3d/>
+        </p:spPr>
+        <p:style>
+          <a:lnRef idx="0">
+            <a:scrgbClr r="0" g="0" b="0"/>
+          </a:lnRef>
+          <a:fillRef idx="0">
+            <a:scrgbClr r="0" g="0" b="0"/>
+          </a:fillRef>
+          <a:effectRef idx="0">
+            <a:scrgbClr r="0" g="0" b="0"/>
+          </a:effectRef>
+          <a:fontRef idx="none"/>
+        </p:style>
+        <p:txBody>
+          <a:bodyPr rot="0" spcFirstLastPara="1" vertOverflow="overflow" horzOverflow="overflow" vert="horz" wrap="square" lIns="50800" tIns="50800" rIns="50800" bIns="50800" numCol="1" spcCol="38100" rtlCol="0" anchor="ctr">
+            <a:spAutoFit/>
+          </a:bodyPr>
+          <a:lstStyle/>
+          <a:p>
+            <a:pPr marL="0" marR="0" indent="0" algn="ctr" defTabSz="825500" rtl="0" fontAlgn="auto" latinLnBrk="0" hangingPunct="0">
+              <a:lnSpc>
+                <a:spcPct val="100000"/>
+              </a:lnSpc>
+              <a:spcBef>
+                <a:spcPts val="0"/>
+              </a:spcBef>
+              <a:spcAft>
+                <a:spcPts val="0"/>
+              </a:spcAft>
+              <a:buClrTx/>
+              <a:buSzTx/>
+              <a:buFontTx/>
+              <a:buNone/>
+              <a:tabLst/>
+            </a:pPr>
+            <a:endParaRPr kumimoji="0" lang="en-US" sz="3200" b="0" i="0" u="none" strike="noStrike" cap="none" spc="0" normalizeH="0" baseline="0">
+              <a:ln>
+                <a:noFill/>
+              </a:ln>
+              <a:solidFill>
+                <a:srgbClr val="FFFFFF"/>
+              </a:solidFill>
+              <a:effectLst/>
+              <a:uFillTx/>
+              <a:latin typeface="Helvetica Neue Medium"/>
+              <a:ea typeface="Helvetica Neue Medium"/>
+              <a:cs typeface="Helvetica Neue Medium"/>
+              <a:sym typeface="Helvetica Neue Medium"/>
+            </a:endParaRPr>
+          </a:p>
+        </p:txBody>
+      </p:sp>
+      <p:sp>
+        <p:nvSpPr>
+          <p:cNvPr id="18" name="TextBox 17">
+            <a:extLst>
+              <a:ext uri="{FF2B5EF4-FFF2-40B4-BE49-F238E27FC236}">
+                <a16:creationId xmlns:a16="http://schemas.microsoft.com/office/drawing/2014/main" id="{5A4098E2-41D4-17D4-7F6D-CDCECB07AE02}"/>
+              </a:ext>
+            </a:extLst>
+          </p:cNvPr>
+          <p:cNvSpPr txBox="1"/>
+          <p:nvPr/>
+        </p:nvSpPr>
+        <p:spPr>
+          <a:xfrm>
+            <a:off x="1544320" y="6144617"/>
+            <a:ext cx="2834640" cy="984372"/>
+          </a:xfrm>
+          <a:prstGeom prst="rect">
+            <a:avLst/>
+          </a:prstGeom>
+          <a:noFill/>
+          <a:ln w="12700" cap="flat">
+            <a:noFill/>
+            <a:miter lim="400000"/>
+          </a:ln>
+          <a:effectLst/>
+          <a:sp3d/>
+        </p:spPr>
+        <p:style>
+          <a:lnRef idx="0">
+            <a:scrgbClr r="0" g="0" b="0"/>
+          </a:lnRef>
+          <a:fillRef idx="0">
+            <a:scrgbClr r="0" g="0" b="0"/>
+          </a:fillRef>
+          <a:effectRef idx="0">
+            <a:scrgbClr r="0" g="0" b="0"/>
+          </a:effectRef>
+          <a:fontRef idx="none"/>
+        </p:style>
+        <p:txBody>
+          <a:bodyPr rot="0" spcFirstLastPara="1" vertOverflow="overflow" horzOverflow="overflow" vert="horz" wrap="square" lIns="50800" tIns="50800" rIns="50800" bIns="50800" numCol="1" spcCol="38100" rtlCol="0" anchor="ctr">
+            <a:spAutoFit/>
+          </a:bodyPr>
+          <a:lstStyle/>
+          <a:p>
+            <a:pPr marL="0" marR="0" indent="0" algn="l" defTabSz="2438338" rtl="0" fontAlgn="auto" latinLnBrk="0" hangingPunct="0">
+              <a:lnSpc>
+                <a:spcPct val="90000"/>
+              </a:lnSpc>
+              <a:spcBef>
+                <a:spcPts val="4500"/>
+              </a:spcBef>
+              <a:spcAft>
+                <a:spcPts val="0"/>
+              </a:spcAft>
+              <a:buClrTx/>
+              <a:buSzTx/>
+              <a:buFontTx/>
+              <a:buNone/>
+              <a:tabLst/>
+            </a:pPr>
+            <a:r>
+              <a:rPr kumimoji="0" lang="en-US" sz="2200" b="0" i="0" u="none" strike="noStrike" cap="none" spc="0" normalizeH="0" baseline="0" dirty="0">
+                <a:ln>
+                  <a:noFill/>
+                </a:ln>
+                <a:solidFill>
+                  <a:schemeClr val="bg1"/>
+                </a:solidFill>
+                <a:effectLst/>
+                <a:uFillTx/>
+                <a:latin typeface="+mn-lt"/>
+                <a:ea typeface="+mn-ea"/>
+                <a:cs typeface="+mn-cs"/>
+                <a:sym typeface="Helvetica Neue"/>
+              </a:rPr>
+              <a:t>Classification Model*</a:t>
+            </a:r>
+          </a:p>
+        </p:txBody>
+      </p:sp>
+      <p:sp>
+        <p:nvSpPr>
+          <p:cNvPr id="19" name="Rectangle 18">
+            <a:extLst>
+              <a:ext uri="{FF2B5EF4-FFF2-40B4-BE49-F238E27FC236}">
+                <a16:creationId xmlns:a16="http://schemas.microsoft.com/office/drawing/2014/main" id="{F29BC25A-127C-9491-7A5D-2CB78B7A0015}"/>
+              </a:ext>
+            </a:extLst>
+          </p:cNvPr>
+          <p:cNvSpPr/>
+          <p:nvPr/>
+        </p:nvSpPr>
+        <p:spPr>
+          <a:xfrm>
+            <a:off x="1330960" y="7496924"/>
+            <a:ext cx="3048000" cy="995680"/>
+          </a:xfrm>
+          <a:prstGeom prst="rect">
+            <a:avLst/>
+          </a:prstGeom>
+          <a:noFill/>
+          <a:ln w="28575" cap="flat">
+            <a:solidFill>
+              <a:srgbClr val="002060"/>
+            </a:solidFill>
+            <a:miter lim="400000"/>
+          </a:ln>
+          <a:effectLst/>
+          <a:sp3d/>
+        </p:spPr>
+        <p:style>
+          <a:lnRef idx="0">
+            <a:scrgbClr r="0" g="0" b="0"/>
+          </a:lnRef>
+          <a:fillRef idx="0">
+            <a:scrgbClr r="0" g="0" b="0"/>
+          </a:fillRef>
+          <a:effectRef idx="0">
+            <a:scrgbClr r="0" g="0" b="0"/>
+          </a:effectRef>
+          <a:fontRef idx="none"/>
+        </p:style>
+        <p:txBody>
+          <a:bodyPr rot="0" spcFirstLastPara="1" vertOverflow="overflow" horzOverflow="overflow" vert="horz" wrap="square" lIns="50800" tIns="50800" rIns="50800" bIns="50800" numCol="1" spcCol="38100" rtlCol="0" anchor="ctr">
+            <a:spAutoFit/>
+          </a:bodyPr>
+          <a:lstStyle/>
+          <a:p>
+            <a:pPr marL="0" marR="0" indent="0" algn="ctr" defTabSz="825500" rtl="0" fontAlgn="auto" latinLnBrk="0" hangingPunct="0">
+              <a:lnSpc>
+                <a:spcPct val="100000"/>
+              </a:lnSpc>
+              <a:spcBef>
+                <a:spcPts val="0"/>
+              </a:spcBef>
+              <a:spcAft>
+                <a:spcPts val="0"/>
+              </a:spcAft>
+              <a:buClrTx/>
+              <a:buSzTx/>
+              <a:buFontTx/>
+              <a:buNone/>
+              <a:tabLst/>
+            </a:pPr>
+            <a:endParaRPr kumimoji="0" lang="en-US" sz="3200" b="0" i="0" u="none" strike="noStrike" cap="none" spc="0" normalizeH="0" baseline="0" dirty="0">
+              <a:ln>
+                <a:noFill/>
+              </a:ln>
+              <a:solidFill>
+                <a:srgbClr val="FFFFFF"/>
+              </a:solidFill>
+              <a:effectLst/>
+              <a:uFillTx/>
+              <a:latin typeface="Helvetica Neue Medium"/>
+              <a:ea typeface="Helvetica Neue Medium"/>
+              <a:cs typeface="Helvetica Neue Medium"/>
+              <a:sym typeface="Helvetica Neue Medium"/>
+            </a:endParaRPr>
+          </a:p>
+        </p:txBody>
+      </p:sp>
+      <p:sp>
+        <p:nvSpPr>
+          <p:cNvPr id="20" name="Rectangle 19">
+            <a:extLst>
+              <a:ext uri="{FF2B5EF4-FFF2-40B4-BE49-F238E27FC236}">
+                <a16:creationId xmlns:a16="http://schemas.microsoft.com/office/drawing/2014/main" id="{B31F2FFC-A712-838B-5DE3-A9932BD8EBA0}"/>
+              </a:ext>
+            </a:extLst>
+          </p:cNvPr>
+          <p:cNvSpPr/>
+          <p:nvPr/>
+        </p:nvSpPr>
+        <p:spPr>
+          <a:xfrm>
+            <a:off x="4378960" y="7496924"/>
+            <a:ext cx="18531840" cy="995680"/>
+          </a:xfrm>
+          <a:prstGeom prst="rect">
+            <a:avLst/>
+          </a:prstGeom>
+          <a:noFill/>
+          <a:ln w="28575" cap="flat">
+            <a:solidFill>
+              <a:srgbClr val="002060"/>
+            </a:solidFill>
+            <a:miter lim="400000"/>
+          </a:ln>
+          <a:effectLst/>
+          <a:sp3d/>
+        </p:spPr>
+        <p:style>
+          <a:lnRef idx="0">
+            <a:scrgbClr r="0" g="0" b="0"/>
+          </a:lnRef>
+          <a:fillRef idx="0">
+            <a:scrgbClr r="0" g="0" b="0"/>
+          </a:fillRef>
+          <a:effectRef idx="0">
+            <a:scrgbClr r="0" g="0" b="0"/>
+          </a:effectRef>
+          <a:fontRef idx="none"/>
+        </p:style>
+        <p:txBody>
+          <a:bodyPr rot="0" spcFirstLastPara="1" vertOverflow="overflow" horzOverflow="overflow" vert="horz" wrap="square" lIns="50800" tIns="50800" rIns="50800" bIns="50800" numCol="1" spcCol="38100" rtlCol="0" anchor="ctr">
+            <a:spAutoFit/>
+          </a:bodyPr>
+          <a:lstStyle/>
+          <a:p>
+            <a:pPr marL="0" marR="0" indent="0" algn="ctr" defTabSz="825500" rtl="0" fontAlgn="auto" latinLnBrk="0" hangingPunct="0">
+              <a:lnSpc>
+                <a:spcPct val="100000"/>
+              </a:lnSpc>
+              <a:spcBef>
+                <a:spcPts val="0"/>
+              </a:spcBef>
+              <a:spcAft>
+                <a:spcPts val="0"/>
+              </a:spcAft>
+              <a:buClrTx/>
+              <a:buSzTx/>
+              <a:buFontTx/>
+              <a:buNone/>
+              <a:tabLst/>
+            </a:pPr>
+            <a:endParaRPr kumimoji="0" lang="en-US" sz="3200" b="0" i="0" u="none" strike="noStrike" cap="none" spc="0" normalizeH="0" baseline="0">
+              <a:ln>
+                <a:noFill/>
+              </a:ln>
+              <a:solidFill>
+                <a:srgbClr val="FFFFFF"/>
+              </a:solidFill>
+              <a:effectLst/>
+              <a:uFillTx/>
+              <a:latin typeface="Helvetica Neue Medium"/>
+              <a:ea typeface="Helvetica Neue Medium"/>
+              <a:cs typeface="Helvetica Neue Medium"/>
+              <a:sym typeface="Helvetica Neue Medium"/>
+            </a:endParaRPr>
+          </a:p>
+        </p:txBody>
+      </p:sp>
+      <p:sp>
+        <p:nvSpPr>
+          <p:cNvPr id="21" name="TextBox 20">
+            <a:extLst>
+              <a:ext uri="{FF2B5EF4-FFF2-40B4-BE49-F238E27FC236}">
+                <a16:creationId xmlns:a16="http://schemas.microsoft.com/office/drawing/2014/main" id="{9FD09069-BF04-B568-6745-EC939EDF023C}"/>
+              </a:ext>
+            </a:extLst>
+          </p:cNvPr>
+          <p:cNvSpPr txBox="1"/>
+          <p:nvPr/>
+        </p:nvSpPr>
+        <p:spPr>
+          <a:xfrm>
+            <a:off x="1544320" y="7322888"/>
+            <a:ext cx="2834640" cy="984372"/>
+          </a:xfrm>
+          <a:prstGeom prst="rect">
+            <a:avLst/>
+          </a:prstGeom>
+          <a:noFill/>
+          <a:ln w="12700" cap="flat">
+            <a:noFill/>
+            <a:miter lim="400000"/>
+          </a:ln>
+          <a:effectLst/>
+          <a:sp3d/>
+        </p:spPr>
+        <p:style>
+          <a:lnRef idx="0">
+            <a:scrgbClr r="0" g="0" b="0"/>
+          </a:lnRef>
+          <a:fillRef idx="0">
+            <a:scrgbClr r="0" g="0" b="0"/>
+          </a:fillRef>
+          <a:effectRef idx="0">
+            <a:scrgbClr r="0" g="0" b="0"/>
+          </a:effectRef>
+          <a:fontRef idx="none"/>
+        </p:style>
+        <p:txBody>
+          <a:bodyPr rot="0" spcFirstLastPara="1" vertOverflow="overflow" horzOverflow="overflow" vert="horz" wrap="square" lIns="50800" tIns="50800" rIns="50800" bIns="50800" numCol="1" spcCol="38100" rtlCol="0" anchor="ctr">
+            <a:spAutoFit/>
+          </a:bodyPr>
+          <a:lstStyle/>
+          <a:p>
+            <a:pPr marL="0" marR="0" indent="0" algn="l" defTabSz="2438338" rtl="0" fontAlgn="auto" latinLnBrk="0" hangingPunct="0">
+              <a:lnSpc>
+                <a:spcPct val="90000"/>
+              </a:lnSpc>
+              <a:spcBef>
+                <a:spcPts val="4500"/>
+              </a:spcBef>
+              <a:spcAft>
+                <a:spcPts val="0"/>
+              </a:spcAft>
+              <a:buClrTx/>
+              <a:buSzTx/>
+              <a:buFontTx/>
+              <a:buNone/>
+              <a:tabLst/>
+            </a:pPr>
+            <a:r>
+              <a:rPr kumimoji="0" lang="en-US" sz="2200" b="0" i="0" u="none" strike="noStrike" cap="none" spc="0" normalizeH="0" baseline="0" dirty="0">
+                <a:ln>
+                  <a:noFill/>
+                </a:ln>
+                <a:solidFill>
+                  <a:schemeClr val="bg1"/>
+                </a:solidFill>
+                <a:effectLst/>
+                <a:uFillTx/>
+                <a:latin typeface="+mn-lt"/>
+                <a:ea typeface="+mn-ea"/>
+                <a:cs typeface="+mn-cs"/>
+                <a:sym typeface="Helvetica Neue"/>
+              </a:rPr>
+              <a:t>Data Processing</a:t>
+            </a:r>
+          </a:p>
+        </p:txBody>
+      </p:sp>
+      <p:sp>
+        <p:nvSpPr>
+          <p:cNvPr id="22" name="Rectangle 21">
+            <a:extLst>
+              <a:ext uri="{FF2B5EF4-FFF2-40B4-BE49-F238E27FC236}">
+                <a16:creationId xmlns:a16="http://schemas.microsoft.com/office/drawing/2014/main" id="{43E96364-49C3-0AFB-FB0F-316B93E83CA7}"/>
+              </a:ext>
+            </a:extLst>
+          </p:cNvPr>
+          <p:cNvSpPr/>
+          <p:nvPr/>
+        </p:nvSpPr>
+        <p:spPr>
+          <a:xfrm>
+            <a:off x="1330960" y="8675195"/>
+            <a:ext cx="3048000" cy="995680"/>
+          </a:xfrm>
+          <a:prstGeom prst="rect">
+            <a:avLst/>
+          </a:prstGeom>
+          <a:noFill/>
+          <a:ln w="28575" cap="flat">
+            <a:solidFill>
+              <a:srgbClr val="002060"/>
+            </a:solidFill>
+            <a:miter lim="400000"/>
+          </a:ln>
+          <a:effectLst/>
+          <a:sp3d/>
+        </p:spPr>
+        <p:style>
+          <a:lnRef idx="0">
+            <a:scrgbClr r="0" g="0" b="0"/>
+          </a:lnRef>
+          <a:fillRef idx="0">
+            <a:scrgbClr r="0" g="0" b="0"/>
+          </a:fillRef>
+          <a:effectRef idx="0">
+            <a:scrgbClr r="0" g="0" b="0"/>
+          </a:effectRef>
+          <a:fontRef idx="none"/>
+        </p:style>
+        <p:txBody>
+          <a:bodyPr rot="0" spcFirstLastPara="1" vertOverflow="overflow" horzOverflow="overflow" vert="horz" wrap="square" lIns="50800" tIns="50800" rIns="50800" bIns="50800" numCol="1" spcCol="38100" rtlCol="0" anchor="ctr">
+            <a:spAutoFit/>
+          </a:bodyPr>
+          <a:lstStyle/>
+          <a:p>
+            <a:pPr marL="0" marR="0" indent="0" algn="ctr" defTabSz="825500" rtl="0" fontAlgn="auto" latinLnBrk="0" hangingPunct="0">
+              <a:lnSpc>
+                <a:spcPct val="100000"/>
+              </a:lnSpc>
+              <a:spcBef>
+                <a:spcPts val="0"/>
+              </a:spcBef>
+              <a:spcAft>
+                <a:spcPts val="0"/>
+              </a:spcAft>
+              <a:buClrTx/>
+              <a:buSzTx/>
+              <a:buFontTx/>
+              <a:buNone/>
+              <a:tabLst/>
+            </a:pPr>
+            <a:endParaRPr kumimoji="0" lang="en-US" sz="3200" b="0" i="0" u="none" strike="noStrike" cap="none" spc="0" normalizeH="0" baseline="0" dirty="0">
+              <a:ln>
+                <a:noFill/>
+              </a:ln>
+              <a:solidFill>
+                <a:srgbClr val="FFFFFF"/>
+              </a:solidFill>
+              <a:effectLst/>
+              <a:uFillTx/>
+              <a:latin typeface="Helvetica Neue Medium"/>
+              <a:ea typeface="Helvetica Neue Medium"/>
+              <a:cs typeface="Helvetica Neue Medium"/>
+              <a:sym typeface="Helvetica Neue Medium"/>
+            </a:endParaRPr>
+          </a:p>
+        </p:txBody>
+      </p:sp>
+      <p:sp>
+        <p:nvSpPr>
+          <p:cNvPr id="23" name="Rectangle 22">
+            <a:extLst>
+              <a:ext uri="{FF2B5EF4-FFF2-40B4-BE49-F238E27FC236}">
+                <a16:creationId xmlns:a16="http://schemas.microsoft.com/office/drawing/2014/main" id="{78BFD8A7-DBF2-7433-3CB4-0014C8571E93}"/>
+              </a:ext>
+            </a:extLst>
+          </p:cNvPr>
+          <p:cNvSpPr/>
+          <p:nvPr/>
+        </p:nvSpPr>
+        <p:spPr>
+          <a:xfrm>
+            <a:off x="4378960" y="8675195"/>
+            <a:ext cx="18531840" cy="995680"/>
+          </a:xfrm>
+          <a:prstGeom prst="rect">
+            <a:avLst/>
+          </a:prstGeom>
+          <a:noFill/>
+          <a:ln w="28575" cap="flat">
+            <a:solidFill>
+              <a:srgbClr val="002060"/>
+            </a:solidFill>
+            <a:miter lim="400000"/>
+          </a:ln>
+          <a:effectLst/>
+          <a:sp3d/>
+        </p:spPr>
+        <p:style>
+          <a:lnRef idx="0">
+            <a:scrgbClr r="0" g="0" b="0"/>
+          </a:lnRef>
+          <a:fillRef idx="0">
+            <a:scrgbClr r="0" g="0" b="0"/>
+          </a:fillRef>
+          <a:effectRef idx="0">
+            <a:scrgbClr r="0" g="0" b="0"/>
+          </a:effectRef>
+          <a:fontRef idx="none"/>
+        </p:style>
+        <p:txBody>
+          <a:bodyPr rot="0" spcFirstLastPara="1" vertOverflow="overflow" horzOverflow="overflow" vert="horz" wrap="square" lIns="50800" tIns="50800" rIns="50800" bIns="50800" numCol="1" spcCol="38100" rtlCol="0" anchor="ctr">
+            <a:spAutoFit/>
+          </a:bodyPr>
+          <a:lstStyle/>
+          <a:p>
+            <a:pPr marL="0" marR="0" indent="0" algn="ctr" defTabSz="825500" rtl="0" fontAlgn="auto" latinLnBrk="0" hangingPunct="0">
+              <a:lnSpc>
+                <a:spcPct val="100000"/>
+              </a:lnSpc>
+              <a:spcBef>
+                <a:spcPts val="0"/>
+              </a:spcBef>
+              <a:spcAft>
+                <a:spcPts val="0"/>
+              </a:spcAft>
+              <a:buClrTx/>
+              <a:buSzTx/>
+              <a:buFontTx/>
+              <a:buNone/>
+              <a:tabLst/>
+            </a:pPr>
+            <a:endParaRPr kumimoji="0" lang="en-US" sz="3200" b="0" i="0" u="none" strike="noStrike" cap="none" spc="0" normalizeH="0" baseline="0">
+              <a:ln>
+                <a:noFill/>
+              </a:ln>
+              <a:solidFill>
+                <a:srgbClr val="FFFFFF"/>
+              </a:solidFill>
+              <a:effectLst/>
+              <a:uFillTx/>
+              <a:latin typeface="Helvetica Neue Medium"/>
+              <a:ea typeface="Helvetica Neue Medium"/>
+              <a:cs typeface="Helvetica Neue Medium"/>
+              <a:sym typeface="Helvetica Neue Medium"/>
+            </a:endParaRPr>
+          </a:p>
+        </p:txBody>
+      </p:sp>
+      <p:sp>
+        <p:nvSpPr>
+          <p:cNvPr id="24" name="TextBox 23">
+            <a:extLst>
+              <a:ext uri="{FF2B5EF4-FFF2-40B4-BE49-F238E27FC236}">
+                <a16:creationId xmlns:a16="http://schemas.microsoft.com/office/drawing/2014/main" id="{B83B72A3-DB7C-99B3-D5D1-2D3BDBD904C4}"/>
+              </a:ext>
+            </a:extLst>
+          </p:cNvPr>
+          <p:cNvSpPr txBox="1"/>
+          <p:nvPr/>
+        </p:nvSpPr>
+        <p:spPr>
+          <a:xfrm>
+            <a:off x="1544320" y="8501159"/>
+            <a:ext cx="2834640" cy="984372"/>
+          </a:xfrm>
+          <a:prstGeom prst="rect">
+            <a:avLst/>
+          </a:prstGeom>
+          <a:noFill/>
+          <a:ln w="12700" cap="flat">
+            <a:noFill/>
+            <a:miter lim="400000"/>
+          </a:ln>
+          <a:effectLst/>
+          <a:sp3d/>
+        </p:spPr>
+        <p:style>
+          <a:lnRef idx="0">
+            <a:scrgbClr r="0" g="0" b="0"/>
+          </a:lnRef>
+          <a:fillRef idx="0">
+            <a:scrgbClr r="0" g="0" b="0"/>
+          </a:fillRef>
+          <a:effectRef idx="0">
+            <a:scrgbClr r="0" g="0" b="0"/>
+          </a:effectRef>
+          <a:fontRef idx="none"/>
+        </p:style>
+        <p:txBody>
+          <a:bodyPr rot="0" spcFirstLastPara="1" vertOverflow="overflow" horzOverflow="overflow" vert="horz" wrap="square" lIns="50800" tIns="50800" rIns="50800" bIns="50800" numCol="1" spcCol="38100" rtlCol="0" anchor="ctr">
+            <a:spAutoFit/>
+          </a:bodyPr>
+          <a:lstStyle/>
+          <a:p>
+            <a:pPr marL="0" marR="0" indent="0" algn="l" defTabSz="2438338" rtl="0" fontAlgn="auto" latinLnBrk="0" hangingPunct="0">
+              <a:lnSpc>
+                <a:spcPct val="90000"/>
+              </a:lnSpc>
+              <a:spcBef>
+                <a:spcPts val="4500"/>
+              </a:spcBef>
+              <a:spcAft>
+                <a:spcPts val="0"/>
+              </a:spcAft>
+              <a:buClrTx/>
+              <a:buSzTx/>
+              <a:buFontTx/>
+              <a:buNone/>
+              <a:tabLst/>
+            </a:pPr>
+            <a:r>
+              <a:rPr kumimoji="0" lang="en-US" sz="2200" b="0" i="0" u="none" strike="noStrike" cap="none" spc="0" normalizeH="0" baseline="0" dirty="0">
+                <a:ln>
+                  <a:noFill/>
+                </a:ln>
+                <a:solidFill>
+                  <a:schemeClr val="bg1"/>
+                </a:solidFill>
+                <a:effectLst/>
+                <a:uFillTx/>
+                <a:latin typeface="+mn-lt"/>
+                <a:ea typeface="+mn-ea"/>
+                <a:cs typeface="+mn-cs"/>
+                <a:sym typeface="Helvetica Neue"/>
+              </a:rPr>
+              <a:t>Evaluation</a:t>
+            </a:r>
+          </a:p>
+        </p:txBody>
+      </p:sp>
+      <p:sp>
+        <p:nvSpPr>
+          <p:cNvPr id="25" name="Rectangle 24">
+            <a:extLst>
+              <a:ext uri="{FF2B5EF4-FFF2-40B4-BE49-F238E27FC236}">
+                <a16:creationId xmlns:a16="http://schemas.microsoft.com/office/drawing/2014/main" id="{C3B9D313-9709-91A8-79D9-408A62419306}"/>
+              </a:ext>
+            </a:extLst>
+          </p:cNvPr>
+          <p:cNvSpPr/>
+          <p:nvPr/>
+        </p:nvSpPr>
+        <p:spPr>
+          <a:xfrm>
+            <a:off x="1330960" y="9853466"/>
+            <a:ext cx="3048000" cy="995680"/>
+          </a:xfrm>
+          <a:prstGeom prst="rect">
+            <a:avLst/>
+          </a:prstGeom>
+          <a:noFill/>
+          <a:ln w="28575" cap="flat">
+            <a:solidFill>
+              <a:srgbClr val="002060"/>
+            </a:solidFill>
+            <a:miter lim="400000"/>
+          </a:ln>
+          <a:effectLst/>
+          <a:sp3d/>
+        </p:spPr>
+        <p:style>
+          <a:lnRef idx="0">
+            <a:scrgbClr r="0" g="0" b="0"/>
+          </a:lnRef>
+          <a:fillRef idx="0">
+            <a:scrgbClr r="0" g="0" b="0"/>
+          </a:fillRef>
+          <a:effectRef idx="0">
+            <a:scrgbClr r="0" g="0" b="0"/>
+          </a:effectRef>
+          <a:fontRef idx="none"/>
+        </p:style>
+        <p:txBody>
+          <a:bodyPr rot="0" spcFirstLastPara="1" vertOverflow="overflow" horzOverflow="overflow" vert="horz" wrap="square" lIns="50800" tIns="50800" rIns="50800" bIns="50800" numCol="1" spcCol="38100" rtlCol="0" anchor="ctr">
+            <a:spAutoFit/>
+          </a:bodyPr>
+          <a:lstStyle/>
+          <a:p>
+            <a:pPr marL="0" marR="0" indent="0" algn="ctr" defTabSz="825500" rtl="0" fontAlgn="auto" latinLnBrk="0" hangingPunct="0">
+              <a:lnSpc>
+                <a:spcPct val="100000"/>
+              </a:lnSpc>
+              <a:spcBef>
+                <a:spcPts val="0"/>
+              </a:spcBef>
+              <a:spcAft>
+                <a:spcPts val="0"/>
+              </a:spcAft>
+              <a:buClrTx/>
+              <a:buSzTx/>
+              <a:buFontTx/>
+              <a:buNone/>
+              <a:tabLst/>
+            </a:pPr>
+            <a:endParaRPr kumimoji="0" lang="en-US" sz="3200" b="0" i="0" u="none" strike="noStrike" cap="none" spc="0" normalizeH="0" baseline="0" dirty="0">
+              <a:ln>
+                <a:noFill/>
+              </a:ln>
+              <a:solidFill>
+                <a:srgbClr val="FFFFFF"/>
+              </a:solidFill>
+              <a:effectLst/>
+              <a:uFillTx/>
+              <a:latin typeface="Helvetica Neue Medium"/>
+              <a:ea typeface="Helvetica Neue Medium"/>
+              <a:cs typeface="Helvetica Neue Medium"/>
+              <a:sym typeface="Helvetica Neue Medium"/>
+            </a:endParaRPr>
+          </a:p>
+        </p:txBody>
+      </p:sp>
+      <p:sp>
+        <p:nvSpPr>
+          <p:cNvPr id="26" name="Rectangle 25">
+            <a:extLst>
+              <a:ext uri="{FF2B5EF4-FFF2-40B4-BE49-F238E27FC236}">
+                <a16:creationId xmlns:a16="http://schemas.microsoft.com/office/drawing/2014/main" id="{26CFD80E-72A0-1F45-A1C3-5B6A2BFBB2EF}"/>
+              </a:ext>
+            </a:extLst>
+          </p:cNvPr>
+          <p:cNvSpPr/>
+          <p:nvPr/>
+        </p:nvSpPr>
+        <p:spPr>
+          <a:xfrm>
+            <a:off x="4378960" y="9853466"/>
+            <a:ext cx="18531840" cy="995680"/>
+          </a:xfrm>
+          <a:prstGeom prst="rect">
+            <a:avLst/>
+          </a:prstGeom>
+          <a:noFill/>
+          <a:ln w="28575" cap="flat">
+            <a:solidFill>
+              <a:srgbClr val="002060"/>
+            </a:solidFill>
+            <a:miter lim="400000"/>
+          </a:ln>
+          <a:effectLst/>
+          <a:sp3d/>
+        </p:spPr>
+        <p:style>
+          <a:lnRef idx="0">
+            <a:scrgbClr r="0" g="0" b="0"/>
+          </a:lnRef>
+          <a:fillRef idx="0">
+            <a:scrgbClr r="0" g="0" b="0"/>
+          </a:fillRef>
+          <a:effectRef idx="0">
+            <a:scrgbClr r="0" g="0" b="0"/>
+          </a:effectRef>
+          <a:fontRef idx="none"/>
+        </p:style>
+        <p:txBody>
+          <a:bodyPr rot="0" spcFirstLastPara="1" vertOverflow="overflow" horzOverflow="overflow" vert="horz" wrap="square" lIns="50800" tIns="50800" rIns="50800" bIns="50800" numCol="1" spcCol="38100" rtlCol="0" anchor="ctr">
+            <a:spAutoFit/>
+          </a:bodyPr>
+          <a:lstStyle/>
+          <a:p>
+            <a:pPr marL="0" marR="0" indent="0" algn="ctr" defTabSz="825500" rtl="0" fontAlgn="auto" latinLnBrk="0" hangingPunct="0">
+              <a:lnSpc>
+                <a:spcPct val="100000"/>
+              </a:lnSpc>
+              <a:spcBef>
+                <a:spcPts val="0"/>
+              </a:spcBef>
+              <a:spcAft>
+                <a:spcPts val="0"/>
+              </a:spcAft>
+              <a:buClrTx/>
+              <a:buSzTx/>
+              <a:buFontTx/>
+              <a:buNone/>
+              <a:tabLst/>
+            </a:pPr>
+            <a:endParaRPr kumimoji="0" lang="en-US" sz="3200" b="0" i="0" u="none" strike="noStrike" cap="none" spc="0" normalizeH="0" baseline="0">
+              <a:ln>
+                <a:noFill/>
+              </a:ln>
+              <a:solidFill>
+                <a:srgbClr val="FFFFFF"/>
+              </a:solidFill>
+              <a:effectLst/>
+              <a:uFillTx/>
+              <a:latin typeface="Helvetica Neue Medium"/>
+              <a:ea typeface="Helvetica Neue Medium"/>
+              <a:cs typeface="Helvetica Neue Medium"/>
+              <a:sym typeface="Helvetica Neue Medium"/>
+            </a:endParaRPr>
+          </a:p>
+        </p:txBody>
+      </p:sp>
+      <p:sp>
+        <p:nvSpPr>
+          <p:cNvPr id="27" name="TextBox 26">
+            <a:extLst>
+              <a:ext uri="{FF2B5EF4-FFF2-40B4-BE49-F238E27FC236}">
+                <a16:creationId xmlns:a16="http://schemas.microsoft.com/office/drawing/2014/main" id="{46BB1C0D-ACFB-F431-6B8C-4D007211A87B}"/>
+              </a:ext>
+            </a:extLst>
+          </p:cNvPr>
+          <p:cNvSpPr txBox="1"/>
+          <p:nvPr/>
+        </p:nvSpPr>
+        <p:spPr>
+          <a:xfrm>
+            <a:off x="1430020" y="9679430"/>
+            <a:ext cx="2834640" cy="984372"/>
+          </a:xfrm>
+          <a:prstGeom prst="rect">
+            <a:avLst/>
+          </a:prstGeom>
+          <a:noFill/>
+          <a:ln w="12700" cap="flat">
+            <a:noFill/>
+            <a:miter lim="400000"/>
+          </a:ln>
+          <a:effectLst/>
+          <a:sp3d/>
+        </p:spPr>
+        <p:style>
+          <a:lnRef idx="0">
+            <a:scrgbClr r="0" g="0" b="0"/>
+          </a:lnRef>
+          <a:fillRef idx="0">
+            <a:scrgbClr r="0" g="0" b="0"/>
+          </a:fillRef>
+          <a:effectRef idx="0">
+            <a:scrgbClr r="0" g="0" b="0"/>
+          </a:effectRef>
+          <a:fontRef idx="none"/>
+        </p:style>
+        <p:txBody>
+          <a:bodyPr rot="0" spcFirstLastPara="1" vertOverflow="overflow" horzOverflow="overflow" vert="horz" wrap="square" lIns="50800" tIns="50800" rIns="50800" bIns="50800" numCol="1" spcCol="38100" rtlCol="0" anchor="ctr">
+            <a:spAutoFit/>
+          </a:bodyPr>
+          <a:lstStyle/>
+          <a:p>
+            <a:pPr marL="0" marR="0" indent="0" algn="l" defTabSz="2438338" rtl="0" fontAlgn="auto" latinLnBrk="0" hangingPunct="0">
+              <a:lnSpc>
+                <a:spcPct val="90000"/>
+              </a:lnSpc>
+              <a:spcBef>
+                <a:spcPts val="4500"/>
+              </a:spcBef>
+              <a:spcAft>
+                <a:spcPts val="0"/>
+              </a:spcAft>
+              <a:buClrTx/>
+              <a:buSzTx/>
+              <a:buFontTx/>
+              <a:buNone/>
+              <a:tabLst/>
+            </a:pPr>
+            <a:r>
+              <a:rPr kumimoji="0" lang="en-US" sz="2200" b="0" i="0" u="none" strike="noStrike" cap="none" spc="0" normalizeH="0" baseline="0" dirty="0">
+                <a:ln>
+                  <a:noFill/>
+                </a:ln>
+                <a:solidFill>
+                  <a:schemeClr val="bg1"/>
+                </a:solidFill>
+                <a:effectLst/>
+                <a:uFillTx/>
+                <a:latin typeface="+mn-lt"/>
+                <a:ea typeface="+mn-ea"/>
+                <a:cs typeface="+mn-cs"/>
+                <a:sym typeface="Helvetica Neue"/>
+              </a:rPr>
+              <a:t>Result Visualization</a:t>
+            </a:r>
+          </a:p>
+        </p:txBody>
+      </p:sp>
+      <p:sp>
+        <p:nvSpPr>
+          <p:cNvPr id="28" name="TextBox 27">
+            <a:extLst>
+              <a:ext uri="{FF2B5EF4-FFF2-40B4-BE49-F238E27FC236}">
+                <a16:creationId xmlns:a16="http://schemas.microsoft.com/office/drawing/2014/main" id="{93F1F4CD-6E99-7E58-E59D-13B194F0AB4C}"/>
+              </a:ext>
+            </a:extLst>
+          </p:cNvPr>
+          <p:cNvSpPr txBox="1"/>
+          <p:nvPr/>
+        </p:nvSpPr>
+        <p:spPr>
+          <a:xfrm>
+            <a:off x="5080000" y="2551775"/>
+            <a:ext cx="11226800" cy="984372"/>
+          </a:xfrm>
+          <a:prstGeom prst="rect">
+            <a:avLst/>
+          </a:prstGeom>
+          <a:noFill/>
+          <a:ln w="12700" cap="flat">
+            <a:noFill/>
+            <a:miter lim="400000"/>
+          </a:ln>
+          <a:effectLst/>
+          <a:sp3d/>
+        </p:spPr>
+        <p:style>
+          <a:lnRef idx="0">
+            <a:scrgbClr r="0" g="0" b="0"/>
+          </a:lnRef>
+          <a:fillRef idx="0">
+            <a:scrgbClr r="0" g="0" b="0"/>
+          </a:fillRef>
+          <a:effectRef idx="0">
+            <a:scrgbClr r="0" g="0" b="0"/>
+          </a:effectRef>
+          <a:fontRef idx="none"/>
+        </p:style>
+        <p:txBody>
+          <a:bodyPr rot="0" spcFirstLastPara="1" vertOverflow="overflow" horzOverflow="overflow" vert="horz" wrap="square" lIns="50800" tIns="50800" rIns="50800" bIns="50800" numCol="1" spcCol="38100" rtlCol="0" anchor="ctr">
+            <a:spAutoFit/>
+          </a:bodyPr>
+          <a:lstStyle/>
+          <a:p>
+            <a:pPr marL="0" marR="0" indent="0" algn="l" defTabSz="2438338" rtl="0" fontAlgn="auto" latinLnBrk="0" hangingPunct="0">
+              <a:lnSpc>
+                <a:spcPct val="90000"/>
+              </a:lnSpc>
+              <a:spcBef>
+                <a:spcPts val="4500"/>
+              </a:spcBef>
+              <a:spcAft>
+                <a:spcPts val="0"/>
+              </a:spcAft>
+              <a:buClrTx/>
+              <a:buSzTx/>
+              <a:buFontTx/>
+              <a:buNone/>
+              <a:tabLst/>
+            </a:pPr>
+            <a:r>
+              <a:rPr kumimoji="0" lang="en-US" sz="2200" b="0" i="0" u="none" strike="noStrike" cap="none" spc="0" normalizeH="0" baseline="0" dirty="0">
+                <a:ln>
+                  <a:noFill/>
+                </a:ln>
+                <a:solidFill>
+                  <a:schemeClr val="bg1"/>
+                </a:solidFill>
+                <a:effectLst/>
+                <a:uFillTx/>
+                <a:latin typeface="+mn-lt"/>
+                <a:ea typeface="+mn-ea"/>
+                <a:cs typeface="+mn-cs"/>
+                <a:sym typeface="Helvetica Neue"/>
+              </a:rPr>
+              <a:t>GPX files, SwissTLM3D, transform to coordinate system, …</a:t>
+            </a:r>
+          </a:p>
+        </p:txBody>
+      </p:sp>
+      <p:sp>
+        <p:nvSpPr>
+          <p:cNvPr id="29" name="TextBox 28">
+            <a:extLst>
+              <a:ext uri="{FF2B5EF4-FFF2-40B4-BE49-F238E27FC236}">
+                <a16:creationId xmlns:a16="http://schemas.microsoft.com/office/drawing/2014/main" id="{B4C5176C-2DD6-3691-2EB3-39D2F2E47C0C}"/>
+              </a:ext>
+            </a:extLst>
+          </p:cNvPr>
+          <p:cNvSpPr txBox="1"/>
+          <p:nvPr/>
+        </p:nvSpPr>
+        <p:spPr>
+          <a:xfrm>
+            <a:off x="5080000" y="3685511"/>
+            <a:ext cx="11226800" cy="984372"/>
+          </a:xfrm>
+          <a:prstGeom prst="rect">
+            <a:avLst/>
+          </a:prstGeom>
+          <a:noFill/>
+          <a:ln w="12700" cap="flat">
+            <a:noFill/>
+            <a:miter lim="400000"/>
+          </a:ln>
+          <a:effectLst/>
+          <a:sp3d/>
+        </p:spPr>
+        <p:style>
+          <a:lnRef idx="0">
+            <a:scrgbClr r="0" g="0" b="0"/>
+          </a:lnRef>
+          <a:fillRef idx="0">
+            <a:scrgbClr r="0" g="0" b="0"/>
+          </a:fillRef>
+          <a:effectRef idx="0">
+            <a:scrgbClr r="0" g="0" b="0"/>
+          </a:effectRef>
+          <a:fontRef idx="none"/>
+        </p:style>
+        <p:txBody>
+          <a:bodyPr rot="0" spcFirstLastPara="1" vertOverflow="overflow" horzOverflow="overflow" vert="horz" wrap="square" lIns="50800" tIns="50800" rIns="50800" bIns="50800" numCol="1" spcCol="38100" rtlCol="0" anchor="ctr">
+            <a:spAutoFit/>
+          </a:bodyPr>
+          <a:lstStyle/>
+          <a:p>
+            <a:pPr marL="0" marR="0" indent="0" algn="l" defTabSz="2438338" rtl="0" fontAlgn="auto" latinLnBrk="0" hangingPunct="0">
+              <a:lnSpc>
+                <a:spcPct val="90000"/>
+              </a:lnSpc>
+              <a:spcBef>
+                <a:spcPts val="4500"/>
+              </a:spcBef>
+              <a:spcAft>
+                <a:spcPts val="0"/>
+              </a:spcAft>
+              <a:buClrTx/>
+              <a:buSzTx/>
+              <a:buFontTx/>
+              <a:buNone/>
+              <a:tabLst/>
+            </a:pPr>
+            <a:r>
+              <a:rPr kumimoji="0" lang="en-US" sz="2200" b="0" i="0" u="none" strike="noStrike" cap="none" spc="0" normalizeH="0" baseline="0" dirty="0">
+                <a:ln>
+                  <a:noFill/>
+                </a:ln>
+                <a:solidFill>
+                  <a:schemeClr val="bg1"/>
+                </a:solidFill>
+                <a:effectLst/>
+                <a:uFillTx/>
+                <a:latin typeface="+mn-lt"/>
+                <a:ea typeface="+mn-ea"/>
+                <a:cs typeface="+mn-cs"/>
+                <a:sym typeface="Helvetica Neue"/>
+              </a:rPr>
+              <a:t>Plots, etc. </a:t>
+            </a:r>
+          </a:p>
+        </p:txBody>
+      </p:sp>
+      <p:sp>
+        <p:nvSpPr>
+          <p:cNvPr id="30" name="TextBox 29">
+            <a:extLst>
+              <a:ext uri="{FF2B5EF4-FFF2-40B4-BE49-F238E27FC236}">
+                <a16:creationId xmlns:a16="http://schemas.microsoft.com/office/drawing/2014/main" id="{BCC7D106-4D5C-B3CC-3C6C-80824CE42E3F}"/>
+              </a:ext>
+            </a:extLst>
+          </p:cNvPr>
+          <p:cNvSpPr txBox="1"/>
+          <p:nvPr/>
+        </p:nvSpPr>
+        <p:spPr>
+          <a:xfrm>
+            <a:off x="5080000" y="4866041"/>
+            <a:ext cx="11226800" cy="984372"/>
+          </a:xfrm>
+          <a:prstGeom prst="rect">
+            <a:avLst/>
+          </a:prstGeom>
+          <a:noFill/>
+          <a:ln w="12700" cap="flat">
+            <a:noFill/>
+            <a:miter lim="400000"/>
+          </a:ln>
+          <a:effectLst/>
+          <a:sp3d/>
+        </p:spPr>
+        <p:style>
+          <a:lnRef idx="0">
+            <a:scrgbClr r="0" g="0" b="0"/>
+          </a:lnRef>
+          <a:fillRef idx="0">
+            <a:scrgbClr r="0" g="0" b="0"/>
+          </a:fillRef>
+          <a:effectRef idx="0">
+            <a:scrgbClr r="0" g="0" b="0"/>
+          </a:effectRef>
+          <a:fontRef idx="none"/>
+        </p:style>
+        <p:txBody>
+          <a:bodyPr rot="0" spcFirstLastPara="1" vertOverflow="overflow" horzOverflow="overflow" vert="horz" wrap="square" lIns="50800" tIns="50800" rIns="50800" bIns="50800" numCol="1" spcCol="38100" rtlCol="0" anchor="ctr">
+            <a:spAutoFit/>
+          </a:bodyPr>
+          <a:lstStyle/>
+          <a:p>
+            <a:pPr marL="0" marR="0" indent="0" algn="l" defTabSz="2438338" rtl="0" fontAlgn="auto" latinLnBrk="0" hangingPunct="0">
+              <a:lnSpc>
+                <a:spcPct val="90000"/>
+              </a:lnSpc>
+              <a:spcBef>
+                <a:spcPts val="4500"/>
+              </a:spcBef>
+              <a:spcAft>
+                <a:spcPts val="0"/>
+              </a:spcAft>
+              <a:buClrTx/>
+              <a:buSzTx/>
+              <a:buFontTx/>
+              <a:buNone/>
+              <a:tabLst/>
+            </a:pPr>
+            <a:r>
+              <a:rPr kumimoji="0" lang="en-US" sz="2200" b="0" i="0" u="none" strike="noStrike" cap="none" spc="0" normalizeH="0" baseline="0" dirty="0">
+                <a:ln>
+                  <a:noFill/>
+                </a:ln>
+                <a:solidFill>
+                  <a:schemeClr val="bg1"/>
+                </a:solidFill>
+                <a:effectLst/>
+                <a:uFillTx/>
+                <a:latin typeface="+mn-lt"/>
+                <a:ea typeface="+mn-ea"/>
+                <a:cs typeface="+mn-cs"/>
+                <a:sym typeface="Helvetica Neue"/>
+              </a:rPr>
+              <a:t>Speed, average speed, Elevation Change, stop frequency, … </a:t>
+            </a:r>
+          </a:p>
+        </p:txBody>
+      </p:sp>
+      <p:sp>
+        <p:nvSpPr>
+          <p:cNvPr id="31" name="TextBox 30">
+            <a:extLst>
+              <a:ext uri="{FF2B5EF4-FFF2-40B4-BE49-F238E27FC236}">
+                <a16:creationId xmlns:a16="http://schemas.microsoft.com/office/drawing/2014/main" id="{4B263CFD-85D4-69C4-2209-F34E9BD84106}"/>
+              </a:ext>
+            </a:extLst>
+          </p:cNvPr>
+          <p:cNvSpPr txBox="1"/>
+          <p:nvPr/>
+        </p:nvSpPr>
+        <p:spPr>
+          <a:xfrm>
+            <a:off x="5080000" y="6085464"/>
+            <a:ext cx="11226800" cy="984372"/>
+          </a:xfrm>
+          <a:prstGeom prst="rect">
+            <a:avLst/>
+          </a:prstGeom>
+          <a:noFill/>
+          <a:ln w="12700" cap="flat">
+            <a:noFill/>
+            <a:miter lim="400000"/>
+          </a:ln>
+          <a:effectLst/>
+          <a:sp3d/>
+        </p:spPr>
+        <p:style>
+          <a:lnRef idx="0">
+            <a:scrgbClr r="0" g="0" b="0"/>
+          </a:lnRef>
+          <a:fillRef idx="0">
+            <a:scrgbClr r="0" g="0" b="0"/>
+          </a:fillRef>
+          <a:effectRef idx="0">
+            <a:scrgbClr r="0" g="0" b="0"/>
+          </a:effectRef>
+          <a:fontRef idx="none"/>
+        </p:style>
+        <p:txBody>
+          <a:bodyPr rot="0" spcFirstLastPara="1" vertOverflow="overflow" horzOverflow="overflow" vert="horz" wrap="square" lIns="50800" tIns="50800" rIns="50800" bIns="50800" numCol="1" spcCol="38100" rtlCol="0" anchor="ctr">
+            <a:spAutoFit/>
+          </a:bodyPr>
+          <a:lstStyle/>
+          <a:p>
+            <a:pPr marL="0" marR="0" indent="0" algn="l" defTabSz="2438338" rtl="0" fontAlgn="auto" latinLnBrk="0" hangingPunct="0">
+              <a:lnSpc>
+                <a:spcPct val="90000"/>
+              </a:lnSpc>
+              <a:spcBef>
+                <a:spcPts val="4500"/>
+              </a:spcBef>
+              <a:spcAft>
+                <a:spcPts val="0"/>
+              </a:spcAft>
+              <a:buClrTx/>
+              <a:buSzTx/>
+              <a:buFontTx/>
+              <a:buNone/>
+              <a:tabLst/>
+            </a:pPr>
+            <a:r>
+              <a:rPr kumimoji="0" lang="en-US" sz="2200" b="0" i="0" u="none" strike="noStrike" cap="none" spc="0" normalizeH="0" baseline="0" dirty="0">
+                <a:ln>
+                  <a:noFill/>
+                </a:ln>
+                <a:solidFill>
+                  <a:schemeClr val="bg1"/>
+                </a:solidFill>
+                <a:effectLst/>
+                <a:uFillTx/>
+                <a:latin typeface="+mn-lt"/>
+                <a:ea typeface="+mn-ea"/>
+                <a:cs typeface="+mn-cs"/>
+                <a:sym typeface="Helvetica Neue"/>
+              </a:rPr>
+              <a:t>…</a:t>
+            </a:r>
+          </a:p>
+        </p:txBody>
+      </p:sp>
+      <p:sp>
+        <p:nvSpPr>
+          <p:cNvPr id="32" name="TextBox 31">
+            <a:extLst>
+              <a:ext uri="{FF2B5EF4-FFF2-40B4-BE49-F238E27FC236}">
+                <a16:creationId xmlns:a16="http://schemas.microsoft.com/office/drawing/2014/main" id="{D7FA1AA6-EE8E-DB4E-779D-4A8968F752FB}"/>
+              </a:ext>
+            </a:extLst>
+          </p:cNvPr>
+          <p:cNvSpPr txBox="1"/>
+          <p:nvPr/>
+        </p:nvSpPr>
+        <p:spPr>
+          <a:xfrm>
+            <a:off x="5171440" y="7279050"/>
+            <a:ext cx="11226800" cy="984372"/>
+          </a:xfrm>
+          <a:prstGeom prst="rect">
+            <a:avLst/>
+          </a:prstGeom>
+          <a:noFill/>
+          <a:ln w="12700" cap="flat">
+            <a:noFill/>
+            <a:miter lim="400000"/>
+          </a:ln>
+          <a:effectLst/>
+          <a:sp3d/>
+        </p:spPr>
+        <p:style>
+          <a:lnRef idx="0">
+            <a:scrgbClr r="0" g="0" b="0"/>
+          </a:lnRef>
+          <a:fillRef idx="0">
+            <a:scrgbClr r="0" g="0" b="0"/>
+          </a:fillRef>
+          <a:effectRef idx="0">
+            <a:scrgbClr r="0" g="0" b="0"/>
+          </a:effectRef>
+          <a:fontRef idx="none"/>
+        </p:style>
+        <p:txBody>
+          <a:bodyPr rot="0" spcFirstLastPara="1" vertOverflow="overflow" horzOverflow="overflow" vert="horz" wrap="square" lIns="50800" tIns="50800" rIns="50800" bIns="50800" numCol="1" spcCol="38100" rtlCol="0" anchor="ctr">
+            <a:spAutoFit/>
+          </a:bodyPr>
+          <a:lstStyle/>
+          <a:p>
+            <a:pPr marL="0" marR="0" indent="0" algn="l" defTabSz="2438338" rtl="0" fontAlgn="auto" latinLnBrk="0" hangingPunct="0">
+              <a:lnSpc>
+                <a:spcPct val="90000"/>
+              </a:lnSpc>
+              <a:spcBef>
+                <a:spcPts val="4500"/>
+              </a:spcBef>
+              <a:spcAft>
+                <a:spcPts val="0"/>
+              </a:spcAft>
+              <a:buClrTx/>
+              <a:buSzTx/>
+              <a:buFontTx/>
+              <a:buNone/>
+              <a:tabLst/>
+            </a:pPr>
+            <a:r>
+              <a:rPr kumimoji="0" lang="en-US" sz="2200" b="0" i="0" u="none" strike="noStrike" cap="none" spc="0" normalizeH="0" baseline="0" dirty="0">
+                <a:ln>
+                  <a:noFill/>
+                </a:ln>
+                <a:solidFill>
+                  <a:schemeClr val="bg1"/>
+                </a:solidFill>
+                <a:effectLst/>
+                <a:uFillTx/>
+                <a:latin typeface="+mn-lt"/>
+                <a:ea typeface="+mn-ea"/>
+                <a:cs typeface="+mn-cs"/>
+                <a:sym typeface="Helvetica Neue"/>
+              </a:rPr>
+              <a:t>…</a:t>
+            </a:r>
+          </a:p>
+        </p:txBody>
+      </p:sp>
+      <p:sp>
+        <p:nvSpPr>
+          <p:cNvPr id="33" name="TextBox 32">
+            <a:extLst>
+              <a:ext uri="{FF2B5EF4-FFF2-40B4-BE49-F238E27FC236}">
+                <a16:creationId xmlns:a16="http://schemas.microsoft.com/office/drawing/2014/main" id="{3B3FA9A4-1962-A148-1042-9C387485C2BD}"/>
+              </a:ext>
+            </a:extLst>
+          </p:cNvPr>
+          <p:cNvSpPr txBox="1"/>
+          <p:nvPr/>
+        </p:nvSpPr>
+        <p:spPr>
+          <a:xfrm>
+            <a:off x="5171440" y="8446013"/>
+            <a:ext cx="11226800" cy="984372"/>
+          </a:xfrm>
+          <a:prstGeom prst="rect">
+            <a:avLst/>
+          </a:prstGeom>
+          <a:noFill/>
+          <a:ln w="12700" cap="flat">
+            <a:noFill/>
+            <a:miter lim="400000"/>
+          </a:ln>
+          <a:effectLst/>
+          <a:sp3d/>
+        </p:spPr>
+        <p:style>
+          <a:lnRef idx="0">
+            <a:scrgbClr r="0" g="0" b="0"/>
+          </a:lnRef>
+          <a:fillRef idx="0">
+            <a:scrgbClr r="0" g="0" b="0"/>
+          </a:fillRef>
+          <a:effectRef idx="0">
+            <a:scrgbClr r="0" g="0" b="0"/>
+          </a:effectRef>
+          <a:fontRef idx="none"/>
+        </p:style>
+        <p:txBody>
+          <a:bodyPr rot="0" spcFirstLastPara="1" vertOverflow="overflow" horzOverflow="overflow" vert="horz" wrap="square" lIns="50800" tIns="50800" rIns="50800" bIns="50800" numCol="1" spcCol="38100" rtlCol="0" anchor="ctr">
+            <a:spAutoFit/>
+          </a:bodyPr>
+          <a:lstStyle/>
+          <a:p>
+            <a:pPr marL="0" marR="0" indent="0" algn="l" defTabSz="2438338" rtl="0" fontAlgn="auto" latinLnBrk="0" hangingPunct="0">
+              <a:lnSpc>
+                <a:spcPct val="90000"/>
+              </a:lnSpc>
+              <a:spcBef>
+                <a:spcPts val="4500"/>
+              </a:spcBef>
+              <a:spcAft>
+                <a:spcPts val="0"/>
+              </a:spcAft>
+              <a:buClrTx/>
+              <a:buSzTx/>
+              <a:buFontTx/>
+              <a:buNone/>
+              <a:tabLst/>
+            </a:pPr>
+            <a:r>
+              <a:rPr kumimoji="0" lang="en-US" sz="2200" b="0" i="0" u="none" strike="noStrike" cap="none" spc="0" normalizeH="0" baseline="0" dirty="0">
+                <a:ln>
+                  <a:noFill/>
+                </a:ln>
+                <a:solidFill>
+                  <a:schemeClr val="bg1"/>
+                </a:solidFill>
+                <a:effectLst/>
+                <a:uFillTx/>
+                <a:latin typeface="+mn-lt"/>
+                <a:ea typeface="+mn-ea"/>
+                <a:cs typeface="+mn-cs"/>
+                <a:sym typeface="Helvetica Neue"/>
+              </a:rPr>
+              <a:t>Accuracy, Precision, Recall, F1-Score</a:t>
+            </a:r>
+          </a:p>
+        </p:txBody>
+      </p:sp>
+      <p:sp>
+        <p:nvSpPr>
+          <p:cNvPr id="34" name="TextBox 33">
+            <a:extLst>
+              <a:ext uri="{FF2B5EF4-FFF2-40B4-BE49-F238E27FC236}">
+                <a16:creationId xmlns:a16="http://schemas.microsoft.com/office/drawing/2014/main" id="{196D712D-AE69-B519-D7BC-3AB9C4A5659C}"/>
+              </a:ext>
+            </a:extLst>
+          </p:cNvPr>
+          <p:cNvSpPr txBox="1"/>
+          <p:nvPr/>
+        </p:nvSpPr>
+        <p:spPr>
+          <a:xfrm>
+            <a:off x="5008880" y="9612976"/>
+            <a:ext cx="11226800" cy="984372"/>
+          </a:xfrm>
+          <a:prstGeom prst="rect">
+            <a:avLst/>
+          </a:prstGeom>
+          <a:noFill/>
+          <a:ln w="12700" cap="flat">
+            <a:noFill/>
+            <a:miter lim="400000"/>
+          </a:ln>
+          <a:effectLst/>
+          <a:sp3d/>
+        </p:spPr>
+        <p:style>
+          <a:lnRef idx="0">
+            <a:scrgbClr r="0" g="0" b="0"/>
+          </a:lnRef>
+          <a:fillRef idx="0">
+            <a:scrgbClr r="0" g="0" b="0"/>
+          </a:fillRef>
+          <a:effectRef idx="0">
+            <a:scrgbClr r="0" g="0" b="0"/>
+          </a:effectRef>
+          <a:fontRef idx="none"/>
+        </p:style>
+        <p:txBody>
+          <a:bodyPr rot="0" spcFirstLastPara="1" vertOverflow="overflow" horzOverflow="overflow" vert="horz" wrap="square" lIns="50800" tIns="50800" rIns="50800" bIns="50800" numCol="1" spcCol="38100" rtlCol="0" anchor="ctr">
+            <a:spAutoFit/>
+          </a:bodyPr>
+          <a:lstStyle/>
+          <a:p>
+            <a:pPr marL="0" marR="0" indent="0" algn="l" defTabSz="2438338" rtl="0" fontAlgn="auto" latinLnBrk="0" hangingPunct="0">
+              <a:lnSpc>
+                <a:spcPct val="90000"/>
+              </a:lnSpc>
+              <a:spcBef>
+                <a:spcPts val="4500"/>
+              </a:spcBef>
+              <a:spcAft>
+                <a:spcPts val="0"/>
+              </a:spcAft>
+              <a:buClrTx/>
+              <a:buSzTx/>
+              <a:buFontTx/>
+              <a:buNone/>
+              <a:tabLst/>
+            </a:pPr>
+            <a:r>
+              <a:rPr kumimoji="0" lang="en-US" sz="2200" b="0" i="0" u="none" strike="noStrike" cap="none" spc="0" normalizeH="0" baseline="0" dirty="0">
+                <a:ln>
+                  <a:noFill/>
+                </a:ln>
+                <a:solidFill>
+                  <a:schemeClr val="bg1"/>
+                </a:solidFill>
+                <a:effectLst/>
+                <a:uFillTx/>
+                <a:latin typeface="+mn-lt"/>
+                <a:ea typeface="+mn-ea"/>
+                <a:cs typeface="+mn-cs"/>
+                <a:sym typeface="Helvetica Neue"/>
+              </a:rPr>
+              <a:t>Classification, Accuracy…</a:t>
             </a:r>
           </a:p>
         </p:txBody>
@@ -6869,6 +9113,206 @@
       </p:grpSpPr>
       <p:sp>
         <p:nvSpPr>
+          <p:cNvPr id="187" name="Possible Problems"/>
+          <p:cNvSpPr txBox="1">
+            <a:spLocks noGrp="1"/>
+          </p:cNvSpPr>
+          <p:nvPr>
+            <p:ph type="title"/>
+          </p:nvPr>
+        </p:nvSpPr>
+        <p:spPr>
+          <a:prstGeom prst="rect">
+            <a:avLst/>
+          </a:prstGeom>
+        </p:spPr>
+        <p:txBody>
+          <a:bodyPr/>
+          <a:lstStyle/>
+          <a:p>
+            <a:r>
+              <a:rPr lang="de-CH" dirty="0"/>
+              <a:t>Research Plan (</a:t>
+            </a:r>
+            <a:r>
+              <a:rPr lang="de-CH" dirty="0" err="1"/>
+              <a:t>Example</a:t>
+            </a:r>
+            <a:r>
+              <a:rPr lang="de-CH" dirty="0"/>
+              <a:t> of </a:t>
+            </a:r>
+            <a:r>
+              <a:rPr lang="de-CH" dirty="0" err="1"/>
+              <a:t>Decision</a:t>
+            </a:r>
+            <a:r>
+              <a:rPr lang="de-CH" dirty="0"/>
+              <a:t> </a:t>
+            </a:r>
+            <a:r>
+              <a:rPr lang="de-CH" dirty="0" err="1"/>
+              <a:t>Tree</a:t>
+            </a:r>
+            <a:r>
+              <a:rPr lang="de-CH" dirty="0"/>
+              <a:t>)</a:t>
+            </a:r>
+            <a:endParaRPr dirty="0"/>
+          </a:p>
+        </p:txBody>
+      </p:sp>
+      <p:sp>
+        <p:nvSpPr>
+          <p:cNvPr id="5" name="Rectangle 4">
+            <a:extLst>
+              <a:ext uri="{FF2B5EF4-FFF2-40B4-BE49-F238E27FC236}">
+                <a16:creationId xmlns:a16="http://schemas.microsoft.com/office/drawing/2014/main" id="{5D07E1DB-4800-930D-1C1C-86DCCE5A67BB}"/>
+              </a:ext>
+            </a:extLst>
+          </p:cNvPr>
+          <p:cNvSpPr/>
+          <p:nvPr/>
+        </p:nvSpPr>
+        <p:spPr>
+          <a:xfrm>
+            <a:off x="6753860" y="4218602"/>
+            <a:ext cx="11249660" cy="595035"/>
+          </a:xfrm>
+          <a:prstGeom prst="rect">
+            <a:avLst/>
+          </a:prstGeom>
+          <a:solidFill>
+            <a:srgbClr val="000000"/>
+          </a:solidFill>
+          <a:ln w="12700" cap="flat">
+            <a:noFill/>
+            <a:miter lim="400000"/>
+          </a:ln>
+          <a:effectLst/>
+          <a:sp3d/>
+        </p:spPr>
+        <p:style>
+          <a:lnRef idx="0">
+            <a:scrgbClr r="0" g="0" b="0"/>
+          </a:lnRef>
+          <a:fillRef idx="0">
+            <a:scrgbClr r="0" g="0" b="0"/>
+          </a:fillRef>
+          <a:effectRef idx="0">
+            <a:scrgbClr r="0" g="0" b="0"/>
+          </a:effectRef>
+          <a:fontRef idx="none"/>
+        </p:style>
+        <p:txBody>
+          <a:bodyPr rot="0" spcFirstLastPara="1" vertOverflow="overflow" horzOverflow="overflow" vert="horz" wrap="square" lIns="50800" tIns="50800" rIns="50800" bIns="50800" numCol="1" spcCol="38100" rtlCol="0" anchor="ctr">
+            <a:spAutoFit/>
+          </a:bodyPr>
+          <a:lstStyle/>
+          <a:p>
+            <a:pPr marL="0" marR="0" indent="0" algn="ctr" defTabSz="825500" rtl="0" fontAlgn="auto" latinLnBrk="0" hangingPunct="0">
+              <a:lnSpc>
+                <a:spcPct val="100000"/>
+              </a:lnSpc>
+              <a:spcBef>
+                <a:spcPts val="0"/>
+              </a:spcBef>
+              <a:spcAft>
+                <a:spcPts val="0"/>
+              </a:spcAft>
+              <a:buClrTx/>
+              <a:buSzTx/>
+              <a:buFontTx/>
+              <a:buNone/>
+              <a:tabLst/>
+            </a:pPr>
+            <a:r>
+              <a:rPr kumimoji="0" lang="en-US" sz="3200" b="0" i="0" u="none" strike="noStrike" cap="none" spc="0" normalizeH="0" baseline="0" dirty="0">
+                <a:ln>
+                  <a:noFill/>
+                </a:ln>
+                <a:solidFill>
+                  <a:srgbClr val="FFFFFF"/>
+                </a:solidFill>
+                <a:effectLst/>
+                <a:uFillTx/>
+                <a:latin typeface="Helvetica Neue Medium"/>
+                <a:ea typeface="Helvetica Neue Medium"/>
+                <a:cs typeface="Helvetica Neue Medium"/>
+                <a:sym typeface="Helvetica Neue Medium"/>
+              </a:rPr>
+              <a:t>Jon: Screenshot from </a:t>
+            </a:r>
+            <a:r>
+              <a:rPr kumimoji="0" lang="en-US" sz="3200" b="0" i="0" u="none" strike="noStrike" cap="none" spc="0" normalizeH="0" baseline="0" dirty="0" err="1">
+                <a:ln>
+                  <a:noFill/>
+                </a:ln>
+                <a:solidFill>
+                  <a:srgbClr val="FFFFFF"/>
+                </a:solidFill>
+                <a:effectLst/>
+                <a:uFillTx/>
+                <a:latin typeface="Helvetica Neue Medium"/>
+                <a:ea typeface="Helvetica Neue Medium"/>
+                <a:cs typeface="Helvetica Neue Medium"/>
+                <a:sym typeface="Helvetica Neue Medium"/>
+              </a:rPr>
+              <a:t>Drawio</a:t>
+            </a:r>
+            <a:r>
+              <a:rPr kumimoji="0" lang="en-US" sz="3200" b="0" i="0" u="none" strike="noStrike" cap="none" spc="0" normalizeH="0" baseline="0" dirty="0">
+                <a:ln>
+                  <a:noFill/>
+                </a:ln>
+                <a:solidFill>
+                  <a:srgbClr val="FFFFFF"/>
+                </a:solidFill>
+                <a:effectLst/>
+                <a:uFillTx/>
+                <a:latin typeface="Helvetica Neue Medium"/>
+                <a:ea typeface="Helvetica Neue Medium"/>
+                <a:cs typeface="Helvetica Neue Medium"/>
+                <a:sym typeface="Helvetica Neue Medium"/>
+              </a:rPr>
+              <a:t> flow chart?</a:t>
+            </a:r>
+          </a:p>
+        </p:txBody>
+      </p:sp>
+    </p:spTree>
+    <p:extLst>
+      <p:ext uri="{BB962C8B-B14F-4D97-AF65-F5344CB8AC3E}">
+        <p14:creationId xmlns:p14="http://schemas.microsoft.com/office/powerpoint/2010/main" val="4273422023"/>
+      </p:ext>
+    </p:extLst>
+  </p:cSld>
+  <p:clrMapOvr>
+    <a:masterClrMapping/>
+  </p:clrMapOvr>
+  <p:transition spd="med"/>
+</p:sld>
+</file>
+
+<file path=ppt/slides/slide7.xml><?xml version="1.0" encoding="utf-8"?>
+<p:sld xmlns:a="http://schemas.openxmlformats.org/drawingml/2006/main" xmlns:r="http://schemas.openxmlformats.org/officeDocument/2006/relationships" xmlns:p="http://schemas.openxmlformats.org/presentationml/2006/main">
+  <p:cSld>
+    <p:spTree>
+      <p:nvGrpSpPr>
+        <p:cNvPr id="1" name=""/>
+        <p:cNvGrpSpPr/>
+        <p:nvPr/>
+      </p:nvGrpSpPr>
+      <p:grpSpPr>
+        <a:xfrm>
+          <a:off x="0" y="0"/>
+          <a:ext cx="0" cy="0"/>
+          <a:chOff x="0" y="0"/>
+          <a:chExt cx="0" cy="0"/>
+        </a:xfrm>
+      </p:grpSpPr>
+      <p:sp>
+        <p:nvSpPr>
           <p:cNvPr id="183" name="Preliminary Results"/>
           <p:cNvSpPr txBox="1">
             <a:spLocks noGrp="1"/>
@@ -7220,7 +9664,7 @@
 </p:sld>
 </file>
 
-<file path=ppt/slides/slide7.xml><?xml version="1.0" encoding="utf-8"?>
+<file path=ppt/slides/slide8.xml><?xml version="1.0" encoding="utf-8"?>
 <p:sld xmlns:a="http://schemas.openxmlformats.org/drawingml/2006/main" xmlns:r="http://schemas.openxmlformats.org/officeDocument/2006/relationships" xmlns:p="http://schemas.openxmlformats.org/presentationml/2006/main">
   <p:cSld>
     <p:spTree>

--- a/Presentation.pptx
+++ b/Presentation.pptx
@@ -5,17 +5,15 @@
     <p:sldMasterId id="2147483648" r:id="rId1"/>
   </p:sldMasterIdLst>
   <p:notesMasterIdLst>
-    <p:notesMasterId r:id="rId10"/>
+    <p:notesMasterId r:id="rId8"/>
   </p:notesMasterIdLst>
   <p:sldIdLst>
     <p:sldId id="256" r:id="rId2"/>
     <p:sldId id="257" r:id="rId3"/>
     <p:sldId id="258" r:id="rId4"/>
-    <p:sldId id="261" r:id="rId5"/>
-    <p:sldId id="262" r:id="rId6"/>
-    <p:sldId id="264" r:id="rId7"/>
-    <p:sldId id="259" r:id="rId8"/>
-    <p:sldId id="260" r:id="rId9"/>
+    <p:sldId id="262" r:id="rId5"/>
+    <p:sldId id="264" r:id="rId6"/>
+    <p:sldId id="259" r:id="rId7"/>
   </p:sldIdLst>
   <p:sldSz cx="24384000" cy="13716000"/>
   <p:notesSz cx="6858000" cy="9144000"/>
@@ -527,6 +525,75 @@
       </p:grpSpPr>
       <p:sp>
         <p:nvSpPr>
+          <p:cNvPr id="2" name="Folienbildplatzhalter 1"/>
+          <p:cNvSpPr>
+            <a:spLocks noGrp="1" noRot="1" noChangeAspect="1"/>
+          </p:cNvSpPr>
+          <p:nvPr>
+            <p:ph type="sldImg"/>
+          </p:nvPr>
+        </p:nvSpPr>
+        <p:spPr>
+          <a:xfrm>
+            <a:off x="381000" y="685800"/>
+            <a:ext cx="6096000" cy="3429000"/>
+          </a:xfrm>
+        </p:spPr>
+      </p:sp>
+      <p:sp>
+        <p:nvSpPr>
+          <p:cNvPr id="3" name="Notizenplatzhalter 2"/>
+          <p:cNvSpPr>
+            <a:spLocks noGrp="1"/>
+          </p:cNvSpPr>
+          <p:nvPr>
+            <p:ph type="body" idx="1"/>
+          </p:nvPr>
+        </p:nvSpPr>
+        <p:spPr/>
+        <p:txBody>
+          <a:bodyPr/>
+          <a:lstStyle/>
+          <a:p>
+            <a:r>
+              <a:rPr lang="en-GB" dirty="0"/>
+              <a:t>Beginning and end of the tracks are removed (100m)</a:t>
+            </a:r>
+          </a:p>
+        </p:txBody>
+      </p:sp>
+    </p:spTree>
+    <p:extLst>
+      <p:ext uri="{BB962C8B-B14F-4D97-AF65-F5344CB8AC3E}">
+        <p14:creationId xmlns:p14="http://schemas.microsoft.com/office/powerpoint/2010/main" val="2112165482"/>
+      </p:ext>
+    </p:extLst>
+  </p:cSld>
+  <p:clrMapOvr>
+    <a:masterClrMapping/>
+  </p:clrMapOvr>
+</p:notes>
+</file>
+
+<file path=ppt/notesSlides/notesSlide2.xml><?xml version="1.0" encoding="utf-8"?>
+<p:notes xmlns:a="http://schemas.openxmlformats.org/drawingml/2006/main" xmlns:r="http://schemas.openxmlformats.org/officeDocument/2006/relationships" xmlns:p="http://schemas.openxmlformats.org/presentationml/2006/main">
+  <p:cSld>
+    <p:spTree>
+      <p:nvGrpSpPr>
+        <p:cNvPr id="1" name=""/>
+        <p:cNvGrpSpPr/>
+        <p:nvPr/>
+      </p:nvGrpSpPr>
+      <p:grpSpPr>
+        <a:xfrm>
+          <a:off x="0" y="0"/>
+          <a:ext cx="0" cy="0"/>
+          <a:chOff x="0" y="0"/>
+          <a:chExt cx="0" cy="0"/>
+        </a:xfrm>
+      </p:grpSpPr>
+      <p:sp>
+        <p:nvSpPr>
           <p:cNvPr id="2" name="Slide Image Placeholder 1"/>
           <p:cNvSpPr>
             <a:spLocks noGrp="1" noRot="1" noChangeAspect="1"/>
@@ -830,7 +897,7 @@
           </a:lstStyle>
           <a:p>
             <a:fld id="{86CB4B4D-7CA3-9044-876B-883B54F8677D}" type="slidenum">
-              <a:t>‹#›</a:t>
+              <a:t>‹Nr.›</a:t>
             </a:fld>
             <a:endParaRPr/>
           </a:p>
@@ -952,7 +1019,7 @@
           <a:lstStyle/>
           <a:p>
             <a:fld id="{86CB4B4D-7CA3-9044-876B-883B54F8677D}" type="slidenum">
-              <a:t>‹#›</a:t>
+              <a:t>‹Nr.›</a:t>
             </a:fld>
             <a:endParaRPr/>
           </a:p>
@@ -1171,7 +1238,7 @@
           <a:lstStyle/>
           <a:p>
             <a:fld id="{86CB4B4D-7CA3-9044-876B-883B54F8677D}" type="slidenum">
-              <a:t>‹#›</a:t>
+              <a:t>‹Nr.›</a:t>
             </a:fld>
             <a:endParaRPr/>
           </a:p>
@@ -1379,7 +1446,7 @@
           <a:lstStyle/>
           <a:p>
             <a:fld id="{86CB4B4D-7CA3-9044-876B-883B54F8677D}" type="slidenum">
-              <a:t>‹#›</a:t>
+              <a:t>‹Nr.›</a:t>
             </a:fld>
             <a:endParaRPr/>
           </a:p>
@@ -1608,7 +1675,7 @@
           <a:lstStyle/>
           <a:p>
             <a:fld id="{86CB4B4D-7CA3-9044-876B-883B54F8677D}" type="slidenum">
-              <a:t>‹#›</a:t>
+              <a:t>‹Nr.›</a:t>
             </a:fld>
             <a:endParaRPr/>
           </a:p>
@@ -1842,7 +1909,7 @@
           <a:lstStyle/>
           <a:p>
             <a:fld id="{86CB4B4D-7CA3-9044-876B-883B54F8677D}" type="slidenum">
-              <a:t>‹#›</a:t>
+              <a:t>‹Nr.›</a:t>
             </a:fld>
             <a:endParaRPr/>
           </a:p>
@@ -1981,7 +2048,7 @@
           <a:lstStyle/>
           <a:p>
             <a:fld id="{86CB4B4D-7CA3-9044-876B-883B54F8677D}" type="slidenum">
-              <a:t>‹#›</a:t>
+              <a:t>‹Nr.›</a:t>
             </a:fld>
             <a:endParaRPr/>
           </a:p>
@@ -2070,7 +2137,7 @@
           </a:lstStyle>
           <a:p>
             <a:fld id="{86CB4B4D-7CA3-9044-876B-883B54F8677D}" type="slidenum">
-              <a:t>‹#›</a:t>
+              <a:t>‹Nr.›</a:t>
             </a:fld>
             <a:endParaRPr/>
           </a:p>
@@ -2122,7 +2189,7 @@
           <a:lstStyle/>
           <a:p>
             <a:fld id="{86CB4B4D-7CA3-9044-876B-883B54F8677D}" type="slidenum">
-              <a:t>‹#›</a:t>
+              <a:t>‹Nr.›</a:t>
             </a:fld>
             <a:endParaRPr/>
           </a:p>
@@ -2410,7 +2477,7 @@
           </a:lstStyle>
           <a:p>
             <a:fld id="{86CB4B4D-7CA3-9044-876B-883B54F8677D}" type="slidenum">
-              <a:t>‹#›</a:t>
+              <a:t>‹Nr.›</a:t>
             </a:fld>
             <a:endParaRPr/>
           </a:p>
@@ -2625,7 +2692,7 @@
           <a:lstStyle/>
           <a:p>
             <a:fld id="{86CB4B4D-7CA3-9044-876B-883B54F8677D}" type="slidenum">
-              <a:t>‹#›</a:t>
+              <a:t>‹Nr.›</a:t>
             </a:fld>
             <a:endParaRPr/>
           </a:p>
@@ -2784,7 +2851,7 @@
           <a:lstStyle/>
           <a:p>
             <a:fld id="{86CB4B4D-7CA3-9044-876B-883B54F8677D}" type="slidenum">
-              <a:t>‹#›</a:t>
+              <a:t>‹Nr.›</a:t>
             </a:fld>
             <a:endParaRPr/>
           </a:p>
@@ -2877,7 +2944,7 @@
           <a:lstStyle/>
           <a:p>
             <a:fld id="{86CB4B4D-7CA3-9044-876B-883B54F8677D}" type="slidenum">
-              <a:t>‹#›</a:t>
+              <a:t>‹Nr.›</a:t>
             </a:fld>
             <a:endParaRPr/>
           </a:p>
@@ -3073,7 +3140,7 @@
           <a:lstStyle/>
           <a:p>
             <a:fld id="{86CB4B4D-7CA3-9044-876B-883B54F8677D}" type="slidenum">
-              <a:t>‹#›</a:t>
+              <a:t>‹Nr.›</a:t>
             </a:fld>
             <a:endParaRPr/>
           </a:p>
@@ -3240,7 +3307,7 @@
           <a:lstStyle/>
           <a:p>
             <a:fld id="{86CB4B4D-7CA3-9044-876B-883B54F8677D}" type="slidenum">
-              <a:t>‹#›</a:t>
+              <a:t>‹Nr.›</a:t>
             </a:fld>
             <a:endParaRPr/>
           </a:p>
@@ -3407,7 +3474,7 @@
           <a:lstStyle/>
           <a:p>
             <a:fld id="{86CB4B4D-7CA3-9044-876B-883B54F8677D}" type="slidenum">
-              <a:t>‹#›</a:t>
+              <a:t>‹Nr.›</a:t>
             </a:fld>
             <a:endParaRPr/>
           </a:p>
@@ -3520,7 +3587,7 @@
           </a:lstStyle>
           <a:p>
             <a:fld id="{86CB4B4D-7CA3-9044-876B-883B54F8677D}" type="slidenum">
-              <a:t>‹#›</a:t>
+              <a:t>‹Nr.›</a:t>
             </a:fld>
             <a:endParaRPr/>
           </a:p>
@@ -3583,7 +3650,7 @@
           </a:ln>
           <a:extLst>
             <a:ext uri="{C572A759-6A51-4108-AA02-DFA0A04FC94B}">
-              <ma14:wrappingTextBoxFlag xmlns="" xmlns:m="http://schemas.openxmlformats.org/officeDocument/2006/math" xmlns:a14="http://schemas.microsoft.com/office/drawing/2010/main" xmlns:ma14="http://schemas.microsoft.com/office/mac/drawingml/2011/main" val="1"/>
+              <ma14:wrappingTextBoxFlag xmlns:ma14="http://schemas.microsoft.com/office/mac/drawingml/2011/main" xmlns:a14="http://schemas.microsoft.com/office/drawing/2010/main" xmlns:m="http://schemas.openxmlformats.org/officeDocument/2006/math" xmlns="" val="1"/>
             </a:ext>
           </a:extLst>
         </p:spPr>
@@ -3622,7 +3689,7 @@
           </a:ln>
           <a:extLst>
             <a:ext uri="{C572A759-6A51-4108-AA02-DFA0A04FC94B}">
-              <ma14:wrappingTextBoxFlag xmlns="" xmlns:m="http://schemas.openxmlformats.org/officeDocument/2006/math" xmlns:a14="http://schemas.microsoft.com/office/drawing/2010/main" xmlns:ma14="http://schemas.microsoft.com/office/mac/drawingml/2011/main" val="1"/>
+              <ma14:wrappingTextBoxFlag xmlns:ma14="http://schemas.microsoft.com/office/mac/drawingml/2011/main" xmlns:a14="http://schemas.microsoft.com/office/drawing/2010/main" xmlns:m="http://schemas.openxmlformats.org/officeDocument/2006/math" xmlns="" val="1"/>
             </a:ext>
           </a:extLst>
         </p:spPr>
@@ -3693,7 +3760,7 @@
           </a:lstStyle>
           <a:p>
             <a:fld id="{86CB4B4D-7CA3-9044-876B-883B54F8677D}" type="slidenum">
-              <a:t>‹#›</a:t>
+              <a:t>‹Nr.›</a:t>
             </a:fld>
             <a:endParaRPr/>
           </a:p>
@@ -4495,7 +4562,7 @@
           </a:prstGeom>
           <a:extLst>
             <a:ext uri="{C572A759-6A51-4108-AA02-DFA0A04FC94B}">
-              <ma14:wrappingTextBoxFlag xmlns="" xmlns:m="http://schemas.openxmlformats.org/officeDocument/2006/math" xmlns:a14="http://schemas.microsoft.com/office/drawing/2010/main" xmlns:ma14="http://schemas.microsoft.com/office/mac/drawingml/2011/main" val="1"/>
+              <ma14:wrappingTextBoxFlag xmlns:ma14="http://schemas.microsoft.com/office/mac/drawingml/2011/main" xmlns:a14="http://schemas.microsoft.com/office/drawing/2010/main" xmlns:m="http://schemas.openxmlformats.org/officeDocument/2006/math" xmlns="" val="1"/>
             </a:ext>
           </a:extLst>
         </p:spPr>
@@ -4634,7 +4701,7 @@
         <p:spPr>
           <a:xfrm>
             <a:off x="1206500" y="2661920"/>
-            <a:ext cx="15455900" cy="9987280"/>
+            <a:ext cx="16536353" cy="9987280"/>
           </a:xfrm>
           <a:prstGeom prst="rect">
             <a:avLst/>
@@ -4642,7 +4709,7 @@
         </p:spPr>
         <p:txBody>
           <a:bodyPr>
-            <a:normAutofit fontScale="92500" lnSpcReduction="10000"/>
+            <a:normAutofit fontScale="92500" lnSpcReduction="20000"/>
           </a:bodyPr>
           <a:lstStyle/>
           <a:p>
@@ -4665,7 +4732,14 @@
             </a:br>
             <a:r>
               <a:rPr lang="en-US" sz="3200" dirty="0"/>
-              <a:t>We have collected GPS data with different types of movement/transportation such as hiking, jogging, ski-touring and cycling via Strava.</a:t>
+              <a:t>We have collected GPS data with different types of movement/transportation such as hiking, </a:t>
+            </a:r>
+            <a:br>
+              <a:rPr lang="en-US" sz="3200" dirty="0"/>
+            </a:br>
+            <a:r>
+              <a:rPr lang="en-US" sz="3200" dirty="0"/>
+              <a:t>jogging, ski-touring and cycling via Strava.</a:t>
             </a:r>
           </a:p>
           <a:p>
@@ -4832,7 +4906,23 @@
                 <a:effectLst/>
                 <a:latin typeface="Arial" panose="020B0604020202020204" pitchFamily="34" charset="0"/>
               </a:rPr>
-              <a:t>…</a:t>
+              <a:t>Street Network (Urban movement space) / continuous movement space / unconstrained / uniform Lagrange perspective</a:t>
+            </a:r>
+            <a:r>
+              <a:rPr lang="en-US" sz="3200" dirty="0">
+                <a:latin typeface="Arial" panose="020B0604020202020204" pitchFamily="34" charset="0"/>
+              </a:rPr>
+              <a:t> </a:t>
+            </a:r>
+            <a:r>
+              <a:rPr lang="en-US" sz="3200" dirty="0">
+                <a:solidFill>
+                  <a:srgbClr val="000000"/>
+                </a:solidFill>
+                <a:effectLst/>
+                <a:latin typeface="Arial" panose="020B0604020202020204" pitchFamily="34" charset="0"/>
+              </a:rPr>
+              <a:t>/ 2D</a:t>
             </a:r>
           </a:p>
           <a:p>
@@ -4881,7 +4971,7 @@
                 <a:effectLst/>
                 <a:latin typeface="Arial" panose="020B0604020202020204" pitchFamily="34" charset="0"/>
               </a:rPr>
-              <a:t>…</a:t>
+              <a:t>Vector data (Shapefiles and GPX)</a:t>
             </a:r>
             <a:endParaRPr lang="en-US" sz="3200" b="1" dirty="0"/>
           </a:p>
@@ -4902,13 +4992,13 @@
           <p:nvPr/>
         </p:nvPicPr>
         <p:blipFill>
-          <a:blip r:embed="rId2">
+          <a:blip r:embed="rId3">
             <a:extLst>
               <a:ext uri="{28A0092B-C50C-407E-A947-70E740481C1C}">
                 <a14:useLocalDpi xmlns:a14="http://schemas.microsoft.com/office/drawing/2010/main" val="0"/>
               </a:ext>
               <a:ext uri="{96DAC541-7B7A-43D3-8B79-37D633B846F1}">
-                <asvg:svgBlip xmlns:asvg="http://schemas.microsoft.com/office/drawing/2016/SVG/main" r:embed="rId3"/>
+                <asvg:svgBlip xmlns:asvg="http://schemas.microsoft.com/office/drawing/2016/SVG/main" r:embed="rId4"/>
               </a:ext>
             </a:extLst>
           </a:blip>
@@ -4941,13 +5031,13 @@
           <p:nvPr/>
         </p:nvPicPr>
         <p:blipFill>
-          <a:blip r:embed="rId4">
+          <a:blip r:embed="rId5">
             <a:extLst>
               <a:ext uri="{28A0092B-C50C-407E-A947-70E740481C1C}">
                 <a14:useLocalDpi xmlns:a14="http://schemas.microsoft.com/office/drawing/2010/main" val="0"/>
               </a:ext>
               <a:ext uri="{96DAC541-7B7A-43D3-8B79-37D633B846F1}">
-                <asvg:svgBlip xmlns:asvg="http://schemas.microsoft.com/office/drawing/2016/SVG/main" r:embed="rId5"/>
+                <asvg:svgBlip xmlns:asvg="http://schemas.microsoft.com/office/drawing/2016/SVG/main" r:embed="rId6"/>
               </a:ext>
             </a:extLst>
           </a:blip>
@@ -4980,13 +5070,13 @@
           <p:nvPr/>
         </p:nvPicPr>
         <p:blipFill>
-          <a:blip r:embed="rId6">
+          <a:blip r:embed="rId7">
             <a:extLst>
               <a:ext uri="{28A0092B-C50C-407E-A947-70E740481C1C}">
                 <a14:useLocalDpi xmlns:a14="http://schemas.microsoft.com/office/drawing/2010/main" val="0"/>
               </a:ext>
               <a:ext uri="{96DAC541-7B7A-43D3-8B79-37D633B846F1}">
-                <asvg:svgBlip xmlns:asvg="http://schemas.microsoft.com/office/drawing/2016/SVG/main" r:embed="rId7"/>
+                <asvg:svgBlip xmlns:asvg="http://schemas.microsoft.com/office/drawing/2016/SVG/main" r:embed="rId8"/>
               </a:ext>
             </a:extLst>
           </a:blip>
@@ -5019,13 +5109,13 @@
           <p:nvPr/>
         </p:nvPicPr>
         <p:blipFill>
-          <a:blip r:embed="rId8">
+          <a:blip r:embed="rId9">
             <a:extLst>
               <a:ext uri="{28A0092B-C50C-407E-A947-70E740481C1C}">
                 <a14:useLocalDpi xmlns:a14="http://schemas.microsoft.com/office/drawing/2010/main" val="0"/>
               </a:ext>
               <a:ext uri="{96DAC541-7B7A-43D3-8B79-37D633B846F1}">
-                <asvg:svgBlip xmlns:asvg="http://schemas.microsoft.com/office/drawing/2016/SVG/main" r:embed="rId9"/>
+                <asvg:svgBlip xmlns:asvg="http://schemas.microsoft.com/office/drawing/2016/SVG/main" r:embed="rId10"/>
               </a:ext>
             </a:extLst>
           </a:blip>
@@ -5058,13 +5148,13 @@
           <p:nvPr/>
         </p:nvPicPr>
         <p:blipFill>
-          <a:blip r:embed="rId10">
+          <a:blip r:embed="rId11">
             <a:extLst>
               <a:ext uri="{28A0092B-C50C-407E-A947-70E740481C1C}">
                 <a14:useLocalDpi xmlns:a14="http://schemas.microsoft.com/office/drawing/2010/main" val="0"/>
               </a:ext>
               <a:ext uri="{96DAC541-7B7A-43D3-8B79-37D633B846F1}">
-                <asvg:svgBlip xmlns:asvg="http://schemas.microsoft.com/office/drawing/2016/SVG/main" r:embed="rId11"/>
+                <asvg:svgBlip xmlns:asvg="http://schemas.microsoft.com/office/drawing/2016/SVG/main" r:embed="rId12"/>
               </a:ext>
             </a:extLst>
           </a:blip>
@@ -5097,13 +5187,13 @@
           <p:nvPr/>
         </p:nvPicPr>
         <p:blipFill>
-          <a:blip r:embed="rId12">
+          <a:blip r:embed="rId13">
             <a:extLst>
               <a:ext uri="{28A0092B-C50C-407E-A947-70E740481C1C}">
                 <a14:useLocalDpi xmlns:a14="http://schemas.microsoft.com/office/drawing/2010/main" val="0"/>
               </a:ext>
               <a:ext uri="{96DAC541-7B7A-43D3-8B79-37D633B846F1}">
-                <asvg:svgBlip xmlns:asvg="http://schemas.microsoft.com/office/drawing/2016/SVG/main" r:embed="rId13"/>
+                <asvg:svgBlip xmlns:asvg="http://schemas.microsoft.com/office/drawing/2016/SVG/main" r:embed="rId14"/>
               </a:ext>
             </a:extLst>
           </a:blip>
@@ -5136,13 +5226,13 @@
           <p:nvPr/>
         </p:nvPicPr>
         <p:blipFill>
-          <a:blip r:embed="rId14">
+          <a:blip r:embed="rId15">
             <a:extLst>
               <a:ext uri="{28A0092B-C50C-407E-A947-70E740481C1C}">
                 <a14:useLocalDpi xmlns:a14="http://schemas.microsoft.com/office/drawing/2010/main" val="0"/>
               </a:ext>
               <a:ext uri="{96DAC541-7B7A-43D3-8B79-37D633B846F1}">
-                <asvg:svgBlip xmlns:asvg="http://schemas.microsoft.com/office/drawing/2016/SVG/main" r:embed="rId15"/>
+                <asvg:svgBlip xmlns:asvg="http://schemas.microsoft.com/office/drawing/2016/SVG/main" r:embed="rId16"/>
               </a:ext>
             </a:extLst>
           </a:blip>
@@ -5260,7 +5350,7 @@
 </file>
 
 <file path=ppt/slides/slide4.xml><?xml version="1.0" encoding="utf-8"?>
-<p:sld xmlns:a="http://schemas.openxmlformats.org/drawingml/2006/main" xmlns:r="http://schemas.openxmlformats.org/officeDocument/2006/relationships" xmlns:p="http://schemas.openxmlformats.org/presentationml/2006/main" show="0">
+<p:sld xmlns:a="http://schemas.openxmlformats.org/drawingml/2006/main" xmlns:r="http://schemas.openxmlformats.org/officeDocument/2006/relationships" xmlns:p="http://schemas.openxmlformats.org/presentationml/2006/main">
   <p:cSld>
     <p:spTree>
       <p:nvGrpSpPr>
@@ -5278,7 +5368,7 @@
       </p:grpSpPr>
       <p:sp>
         <p:nvSpPr>
-          <p:cNvPr id="179" name="Research Questions &amp; Plan"/>
+          <p:cNvPr id="187" name="Possible Problems"/>
           <p:cNvSpPr txBox="1">
             <a:spLocks noGrp="1"/>
           </p:cNvSpPr>
@@ -5296,12 +5386,8 @@
           <a:lstStyle/>
           <a:p>
             <a:r>
-              <a:rPr dirty="0"/>
-              <a:t>Research </a:t>
-            </a:r>
-            <a:r>
               <a:rPr lang="de-CH" dirty="0"/>
-              <a:t>Plan</a:t>
+              <a:t>Research Plan</a:t>
             </a:r>
             <a:endParaRPr dirty="0"/>
           </a:p>
@@ -5309,1023 +5395,10 @@
       </p:sp>
       <p:sp>
         <p:nvSpPr>
-          <p:cNvPr id="5" name="Textfeld 4">
+          <p:cNvPr id="6" name="Rectangle 5">
             <a:extLst>
               <a:ext uri="{FF2B5EF4-FFF2-40B4-BE49-F238E27FC236}">
-                <a16:creationId xmlns:a16="http://schemas.microsoft.com/office/drawing/2014/main" id="{E3FF8F0E-1089-EDBA-745A-4CFC9760F916}"/>
-              </a:ext>
-            </a:extLst>
-          </p:cNvPr>
-          <p:cNvSpPr txBox="1"/>
-          <p:nvPr/>
-        </p:nvSpPr>
-        <p:spPr>
-          <a:xfrm>
-            <a:off x="1206500" y="2735712"/>
-            <a:ext cx="3406382" cy="1344471"/>
-          </a:xfrm>
-          <a:prstGeom prst="rect">
-            <a:avLst/>
-          </a:prstGeom>
-          <a:noFill/>
-          <a:ln w="12700" cap="flat">
-            <a:noFill/>
-            <a:miter lim="400000"/>
-          </a:ln>
-          <a:effectLst/>
-          <a:sp3d/>
-        </p:spPr>
-        <p:style>
-          <a:lnRef idx="0">
-            <a:scrgbClr r="0" g="0" b="0"/>
-          </a:lnRef>
-          <a:fillRef idx="0">
-            <a:scrgbClr r="0" g="0" b="0"/>
-          </a:fillRef>
-          <a:effectRef idx="0">
-            <a:scrgbClr r="0" g="0" b="0"/>
-          </a:effectRef>
-          <a:fontRef idx="none"/>
-        </p:style>
-        <p:txBody>
-          <a:bodyPr rot="0" spcFirstLastPara="1" vertOverflow="overflow" horzOverflow="overflow" vert="horz" wrap="none" lIns="50800" tIns="50800" rIns="50800" bIns="50800" numCol="1" spcCol="38100" rtlCol="0" anchor="ctr">
-            <a:spAutoFit/>
-          </a:bodyPr>
-          <a:lstStyle/>
-          <a:p>
-            <a:pPr marL="0" marR="0" indent="0" algn="l" defTabSz="2438338" rtl="0" fontAlgn="auto" latinLnBrk="0" hangingPunct="0">
-              <a:lnSpc>
-                <a:spcPct val="90000"/>
-              </a:lnSpc>
-              <a:spcBef>
-                <a:spcPts val="4500"/>
-              </a:spcBef>
-              <a:spcAft>
-                <a:spcPts val="0"/>
-              </a:spcAft>
-              <a:buClrTx/>
-              <a:buSzTx/>
-              <a:buFontTx/>
-              <a:buNone/>
-              <a:tabLst/>
-            </a:pPr>
-            <a:r>
-              <a:rPr lang="en-GB" dirty="0"/>
-              <a:t>Project Idea</a:t>
-            </a:r>
-            <a:endParaRPr kumimoji="0" lang="en-GB" sz="4800" b="0" i="0" u="none" strike="noStrike" cap="none" spc="0" normalizeH="0" baseline="0" dirty="0">
-              <a:ln>
-                <a:noFill/>
-              </a:ln>
-              <a:solidFill>
-                <a:srgbClr val="000000"/>
-              </a:solidFill>
-              <a:effectLst/>
-              <a:uFillTx/>
-              <a:latin typeface="+mn-lt"/>
-              <a:ea typeface="+mn-ea"/>
-              <a:cs typeface="+mn-cs"/>
-              <a:sym typeface="Helvetica Neue"/>
-            </a:endParaRPr>
-          </a:p>
-        </p:txBody>
-      </p:sp>
-      <p:sp>
-        <p:nvSpPr>
-          <p:cNvPr id="6" name="Textfeld 5">
-            <a:extLst>
-              <a:ext uri="{FF2B5EF4-FFF2-40B4-BE49-F238E27FC236}">
-                <a16:creationId xmlns:a16="http://schemas.microsoft.com/office/drawing/2014/main" id="{061F2CE2-C088-D175-62C5-C694292E4B5E}"/>
-              </a:ext>
-            </a:extLst>
-          </p:cNvPr>
-          <p:cNvSpPr txBox="1"/>
-          <p:nvPr/>
-        </p:nvSpPr>
-        <p:spPr>
-          <a:xfrm>
-            <a:off x="3606433" y="9610829"/>
-            <a:ext cx="2551981" cy="1344471"/>
-          </a:xfrm>
-          <a:prstGeom prst="rect">
-            <a:avLst/>
-          </a:prstGeom>
-          <a:noFill/>
-          <a:ln w="12700" cap="flat">
-            <a:noFill/>
-            <a:miter lim="400000"/>
-          </a:ln>
-          <a:effectLst/>
-          <a:sp3d/>
-        </p:spPr>
-        <p:style>
-          <a:lnRef idx="0">
-            <a:scrgbClr r="0" g="0" b="0"/>
-          </a:lnRef>
-          <a:fillRef idx="0">
-            <a:scrgbClr r="0" g="0" b="0"/>
-          </a:fillRef>
-          <a:effectRef idx="0">
-            <a:scrgbClr r="0" g="0" b="0"/>
-          </a:effectRef>
-          <a:fontRef idx="none"/>
-        </p:style>
-        <p:txBody>
-          <a:bodyPr rot="0" spcFirstLastPara="1" vertOverflow="overflow" horzOverflow="overflow" vert="horz" wrap="none" lIns="50800" tIns="50800" rIns="50800" bIns="50800" numCol="1" spcCol="38100" rtlCol="0" anchor="ctr">
-            <a:spAutoFit/>
-          </a:bodyPr>
-          <a:lstStyle/>
-          <a:p>
-            <a:pPr marL="0" marR="0" indent="0" algn="l" defTabSz="2438338" rtl="0" fontAlgn="auto" latinLnBrk="0" hangingPunct="0">
-              <a:lnSpc>
-                <a:spcPct val="90000"/>
-              </a:lnSpc>
-              <a:spcBef>
-                <a:spcPts val="4500"/>
-              </a:spcBef>
-              <a:spcAft>
-                <a:spcPts val="0"/>
-              </a:spcAft>
-              <a:buClrTx/>
-              <a:buSzTx/>
-              <a:buFontTx/>
-              <a:buNone/>
-              <a:tabLst/>
-            </a:pPr>
-            <a:r>
-              <a:rPr lang="en-GB" dirty="0"/>
-              <a:t>Proposal</a:t>
-            </a:r>
-            <a:endParaRPr kumimoji="0" lang="en-GB" sz="4800" b="0" i="0" u="none" strike="noStrike" cap="none" spc="0" normalizeH="0" baseline="0" dirty="0">
-              <a:ln>
-                <a:noFill/>
-              </a:ln>
-              <a:solidFill>
-                <a:srgbClr val="000000"/>
-              </a:solidFill>
-              <a:effectLst/>
-              <a:uFillTx/>
-              <a:latin typeface="+mn-lt"/>
-              <a:ea typeface="+mn-ea"/>
-              <a:cs typeface="+mn-cs"/>
-              <a:sym typeface="Helvetica Neue"/>
-            </a:endParaRPr>
-          </a:p>
-        </p:txBody>
-      </p:sp>
-      <p:sp>
-        <p:nvSpPr>
-          <p:cNvPr id="7" name="Textfeld 6">
-            <a:extLst>
-              <a:ext uri="{FF2B5EF4-FFF2-40B4-BE49-F238E27FC236}">
-                <a16:creationId xmlns:a16="http://schemas.microsoft.com/office/drawing/2014/main" id="{4D149613-5A42-1734-A406-CE2CDF1F7BC6}"/>
-              </a:ext>
-            </a:extLst>
-          </p:cNvPr>
-          <p:cNvSpPr txBox="1"/>
-          <p:nvPr/>
-        </p:nvSpPr>
-        <p:spPr>
-          <a:xfrm>
-            <a:off x="7542044" y="9626016"/>
-            <a:ext cx="2826095" cy="1344471"/>
-          </a:xfrm>
-          <a:prstGeom prst="rect">
-            <a:avLst/>
-          </a:prstGeom>
-          <a:noFill/>
-          <a:ln w="12700" cap="flat">
-            <a:noFill/>
-            <a:miter lim="400000"/>
-          </a:ln>
-          <a:effectLst/>
-          <a:sp3d/>
-        </p:spPr>
-        <p:style>
-          <a:lnRef idx="0">
-            <a:scrgbClr r="0" g="0" b="0"/>
-          </a:lnRef>
-          <a:fillRef idx="0">
-            <a:scrgbClr r="0" g="0" b="0"/>
-          </a:fillRef>
-          <a:effectRef idx="0">
-            <a:scrgbClr r="0" g="0" b="0"/>
-          </a:effectRef>
-          <a:fontRef idx="none"/>
-        </p:style>
-        <p:txBody>
-          <a:bodyPr rot="0" spcFirstLastPara="1" vertOverflow="overflow" horzOverflow="overflow" vert="horz" wrap="none" lIns="50800" tIns="50800" rIns="50800" bIns="50800" numCol="1" spcCol="38100" rtlCol="0" anchor="ctr">
-            <a:spAutoFit/>
-          </a:bodyPr>
-          <a:lstStyle/>
-          <a:p>
-            <a:pPr marL="0" marR="0" indent="0" algn="l" defTabSz="2438338" rtl="0" fontAlgn="auto" latinLnBrk="0" hangingPunct="0">
-              <a:lnSpc>
-                <a:spcPct val="90000"/>
-              </a:lnSpc>
-              <a:spcBef>
-                <a:spcPts val="4500"/>
-              </a:spcBef>
-              <a:spcAft>
-                <a:spcPts val="0"/>
-              </a:spcAft>
-              <a:buClrTx/>
-              <a:buSzTx/>
-              <a:buFontTx/>
-              <a:buNone/>
-              <a:tabLst/>
-            </a:pPr>
-            <a:r>
-              <a:rPr kumimoji="0" lang="en-GB" sz="4800" b="0" i="0" u="none" strike="noStrike" cap="none" spc="0" normalizeH="0" baseline="0" dirty="0">
-                <a:ln>
-                  <a:noFill/>
-                </a:ln>
-                <a:solidFill>
-                  <a:srgbClr val="000000"/>
-                </a:solidFill>
-                <a:effectLst/>
-                <a:uFillTx/>
-                <a:latin typeface="+mn-lt"/>
-                <a:ea typeface="+mn-ea"/>
-                <a:cs typeface="+mn-cs"/>
-                <a:sym typeface="Helvetica Neue"/>
-              </a:rPr>
-              <a:t>Feedback</a:t>
-            </a:r>
-          </a:p>
-        </p:txBody>
-      </p:sp>
-      <p:sp>
-        <p:nvSpPr>
-          <p:cNvPr id="8" name="Textfeld 7">
-            <a:extLst>
-              <a:ext uri="{FF2B5EF4-FFF2-40B4-BE49-F238E27FC236}">
-                <a16:creationId xmlns:a16="http://schemas.microsoft.com/office/drawing/2014/main" id="{3963147F-622A-124E-14EA-CBB58C6CF48F}"/>
-              </a:ext>
-            </a:extLst>
-          </p:cNvPr>
-          <p:cNvSpPr txBox="1"/>
-          <p:nvPr/>
-        </p:nvSpPr>
-        <p:spPr>
-          <a:xfrm>
-            <a:off x="11751768" y="9635816"/>
-            <a:ext cx="3568285" cy="1344471"/>
-          </a:xfrm>
-          <a:prstGeom prst="rect">
-            <a:avLst/>
-          </a:prstGeom>
-          <a:noFill/>
-          <a:ln w="12700" cap="flat">
-            <a:noFill/>
-            <a:miter lim="400000"/>
-          </a:ln>
-          <a:effectLst/>
-          <a:sp3d/>
-        </p:spPr>
-        <p:style>
-          <a:lnRef idx="0">
-            <a:scrgbClr r="0" g="0" b="0"/>
-          </a:lnRef>
-          <a:fillRef idx="0">
-            <a:scrgbClr r="0" g="0" b="0"/>
-          </a:fillRef>
-          <a:effectRef idx="0">
-            <a:scrgbClr r="0" g="0" b="0"/>
-          </a:effectRef>
-          <a:fontRef idx="none"/>
-        </p:style>
-        <p:txBody>
-          <a:bodyPr rot="0" spcFirstLastPara="1" vertOverflow="overflow" horzOverflow="overflow" vert="horz" wrap="none" lIns="50800" tIns="50800" rIns="50800" bIns="50800" numCol="1" spcCol="38100" rtlCol="0" anchor="ctr">
-            <a:spAutoFit/>
-          </a:bodyPr>
-          <a:lstStyle/>
-          <a:p>
-            <a:pPr marL="0" marR="0" indent="0" algn="l" defTabSz="2438338" rtl="0" fontAlgn="auto" latinLnBrk="0" hangingPunct="0">
-              <a:lnSpc>
-                <a:spcPct val="90000"/>
-              </a:lnSpc>
-              <a:spcBef>
-                <a:spcPts val="4500"/>
-              </a:spcBef>
-              <a:spcAft>
-                <a:spcPts val="0"/>
-              </a:spcAft>
-              <a:buClrTx/>
-              <a:buSzTx/>
-              <a:buFontTx/>
-              <a:buNone/>
-              <a:tabLst/>
-            </a:pPr>
-            <a:r>
-              <a:rPr kumimoji="0" lang="en-GB" sz="4800" b="0" i="0" u="none" strike="noStrike" cap="none" spc="0" normalizeH="0" baseline="0" dirty="0">
-                <a:ln>
-                  <a:noFill/>
-                </a:ln>
-                <a:solidFill>
-                  <a:srgbClr val="000000"/>
-                </a:solidFill>
-                <a:effectLst/>
-                <a:uFillTx/>
-                <a:latin typeface="+mn-lt"/>
-                <a:ea typeface="+mn-ea"/>
-                <a:cs typeface="+mn-cs"/>
-                <a:sym typeface="Helvetica Neue"/>
-              </a:rPr>
-              <a:t>Presentation</a:t>
-            </a:r>
-          </a:p>
-        </p:txBody>
-      </p:sp>
-      <p:sp>
-        <p:nvSpPr>
-          <p:cNvPr id="9" name="Textfeld 8">
-            <a:extLst>
-              <a:ext uri="{FF2B5EF4-FFF2-40B4-BE49-F238E27FC236}">
-                <a16:creationId xmlns:a16="http://schemas.microsoft.com/office/drawing/2014/main" id="{3F0063FB-2C09-E314-4841-EBFF3C0AB2CC}"/>
-              </a:ext>
-            </a:extLst>
-          </p:cNvPr>
-          <p:cNvSpPr txBox="1"/>
-          <p:nvPr/>
-        </p:nvSpPr>
-        <p:spPr>
-          <a:xfrm>
-            <a:off x="20037883" y="9635816"/>
-            <a:ext cx="2325958" cy="1344471"/>
-          </a:xfrm>
-          <a:prstGeom prst="rect">
-            <a:avLst/>
-          </a:prstGeom>
-          <a:noFill/>
-          <a:ln w="12700" cap="flat">
-            <a:noFill/>
-            <a:miter lim="400000"/>
-          </a:ln>
-          <a:effectLst/>
-          <a:sp3d/>
-        </p:spPr>
-        <p:style>
-          <a:lnRef idx="0">
-            <a:scrgbClr r="0" g="0" b="0"/>
-          </a:lnRef>
-          <a:fillRef idx="0">
-            <a:scrgbClr r="0" g="0" b="0"/>
-          </a:fillRef>
-          <a:effectRef idx="0">
-            <a:scrgbClr r="0" g="0" b="0"/>
-          </a:effectRef>
-          <a:fontRef idx="none"/>
-        </p:style>
-        <p:txBody>
-          <a:bodyPr rot="0" spcFirstLastPara="1" vertOverflow="overflow" horzOverflow="overflow" vert="horz" wrap="none" lIns="50800" tIns="50800" rIns="50800" bIns="50800" numCol="1" spcCol="38100" rtlCol="0" anchor="ctr">
-            <a:spAutoFit/>
-          </a:bodyPr>
-          <a:lstStyle/>
-          <a:p>
-            <a:pPr marL="0" marR="0" indent="0" algn="l" defTabSz="2438338" rtl="0" fontAlgn="auto" latinLnBrk="0" hangingPunct="0">
-              <a:lnSpc>
-                <a:spcPct val="90000"/>
-              </a:lnSpc>
-              <a:spcBef>
-                <a:spcPts val="4500"/>
-              </a:spcBef>
-              <a:spcAft>
-                <a:spcPts val="0"/>
-              </a:spcAft>
-              <a:buClrTx/>
-              <a:buSzTx/>
-              <a:buFontTx/>
-              <a:buNone/>
-              <a:tabLst/>
-            </a:pPr>
-            <a:r>
-              <a:rPr kumimoji="0" lang="en-GB" sz="4800" b="0" i="0" u="none" strike="noStrike" cap="none" spc="0" normalizeH="0" baseline="0" dirty="0">
-                <a:ln>
-                  <a:noFill/>
-                </a:ln>
-                <a:solidFill>
-                  <a:srgbClr val="000000"/>
-                </a:solidFill>
-                <a:effectLst/>
-                <a:uFillTx/>
-                <a:latin typeface="+mn-lt"/>
-                <a:ea typeface="+mn-ea"/>
-                <a:cs typeface="+mn-cs"/>
-                <a:sym typeface="Helvetica Neue"/>
-              </a:rPr>
-              <a:t>Hand-In</a:t>
-            </a:r>
-          </a:p>
-        </p:txBody>
-      </p:sp>
-      <p:sp>
-        <p:nvSpPr>
-          <p:cNvPr id="10" name="Textfeld 9">
-            <a:extLst>
-              <a:ext uri="{FF2B5EF4-FFF2-40B4-BE49-F238E27FC236}">
-                <a16:creationId xmlns:a16="http://schemas.microsoft.com/office/drawing/2014/main" id="{CC01F54B-88AB-376E-5AE6-4E1CFF4240A7}"/>
-              </a:ext>
-            </a:extLst>
-          </p:cNvPr>
-          <p:cNvSpPr txBox="1"/>
-          <p:nvPr/>
-        </p:nvSpPr>
-        <p:spPr>
-          <a:xfrm>
-            <a:off x="12191999" y="2888112"/>
-            <a:ext cx="4956485" cy="1344471"/>
-          </a:xfrm>
-          <a:prstGeom prst="rect">
-            <a:avLst/>
-          </a:prstGeom>
-          <a:noFill/>
-          <a:ln w="12700" cap="flat">
-            <a:noFill/>
-            <a:miter lim="400000"/>
-          </a:ln>
-          <a:effectLst/>
-          <a:sp3d/>
-        </p:spPr>
-        <p:style>
-          <a:lnRef idx="0">
-            <a:scrgbClr r="0" g="0" b="0"/>
-          </a:lnRef>
-          <a:fillRef idx="0">
-            <a:scrgbClr r="0" g="0" b="0"/>
-          </a:fillRef>
-          <a:effectRef idx="0">
-            <a:scrgbClr r="0" g="0" b="0"/>
-          </a:effectRef>
-          <a:fontRef idx="none"/>
-        </p:style>
-        <p:txBody>
-          <a:bodyPr rot="0" spcFirstLastPara="1" vertOverflow="overflow" horzOverflow="overflow" vert="horz" wrap="none" lIns="50800" tIns="50800" rIns="50800" bIns="50800" numCol="1" spcCol="38100" rtlCol="0" anchor="ctr">
-            <a:spAutoFit/>
-          </a:bodyPr>
-          <a:lstStyle/>
-          <a:p>
-            <a:pPr marL="0" marR="0" indent="0" algn="l" defTabSz="2438338" rtl="0" fontAlgn="auto" latinLnBrk="0" hangingPunct="0">
-              <a:lnSpc>
-                <a:spcPct val="90000"/>
-              </a:lnSpc>
-              <a:spcBef>
-                <a:spcPts val="4500"/>
-              </a:spcBef>
-              <a:spcAft>
-                <a:spcPts val="0"/>
-              </a:spcAft>
-              <a:buClrTx/>
-              <a:buSzTx/>
-              <a:buFontTx/>
-              <a:buNone/>
-              <a:tabLst/>
-            </a:pPr>
-            <a:r>
-              <a:rPr lang="en-GB" dirty="0"/>
-              <a:t>Final Calculations</a:t>
-            </a:r>
-            <a:endParaRPr kumimoji="0" lang="en-GB" sz="4800" b="0" i="0" u="none" strike="noStrike" cap="none" spc="0" normalizeH="0" baseline="0" dirty="0">
-              <a:ln>
-                <a:noFill/>
-              </a:ln>
-              <a:solidFill>
-                <a:srgbClr val="000000"/>
-              </a:solidFill>
-              <a:effectLst/>
-              <a:uFillTx/>
-              <a:latin typeface="+mn-lt"/>
-              <a:ea typeface="+mn-ea"/>
-              <a:cs typeface="+mn-cs"/>
-              <a:sym typeface="Helvetica Neue"/>
-            </a:endParaRPr>
-          </a:p>
-        </p:txBody>
-      </p:sp>
-      <p:sp>
-        <p:nvSpPr>
-          <p:cNvPr id="11" name="Textfeld 10">
-            <a:extLst>
-              <a:ext uri="{FF2B5EF4-FFF2-40B4-BE49-F238E27FC236}">
-                <a16:creationId xmlns:a16="http://schemas.microsoft.com/office/drawing/2014/main" id="{9C678DA0-E858-8056-F097-36C914942788}"/>
-              </a:ext>
-            </a:extLst>
-          </p:cNvPr>
-          <p:cNvSpPr txBox="1"/>
-          <p:nvPr/>
-        </p:nvSpPr>
-        <p:spPr>
-          <a:xfrm>
-            <a:off x="5701109" y="2888112"/>
-            <a:ext cx="4853893" cy="1344471"/>
-          </a:xfrm>
-          <a:prstGeom prst="rect">
-            <a:avLst/>
-          </a:prstGeom>
-          <a:noFill/>
-          <a:ln w="12700" cap="flat">
-            <a:noFill/>
-            <a:miter lim="400000"/>
-          </a:ln>
-          <a:effectLst/>
-          <a:sp3d/>
-        </p:spPr>
-        <p:style>
-          <a:lnRef idx="0">
-            <a:scrgbClr r="0" g="0" b="0"/>
-          </a:lnRef>
-          <a:fillRef idx="0">
-            <a:scrgbClr r="0" g="0" b="0"/>
-          </a:fillRef>
-          <a:effectRef idx="0">
-            <a:scrgbClr r="0" g="0" b="0"/>
-          </a:effectRef>
-          <a:fontRef idx="none"/>
-        </p:style>
-        <p:txBody>
-          <a:bodyPr rot="0" spcFirstLastPara="1" vertOverflow="overflow" horzOverflow="overflow" vert="horz" wrap="none" lIns="50800" tIns="50800" rIns="50800" bIns="50800" numCol="1" spcCol="38100" rtlCol="0" anchor="ctr">
-            <a:spAutoFit/>
-          </a:bodyPr>
-          <a:lstStyle/>
-          <a:p>
-            <a:pPr marL="0" marR="0" indent="0" algn="l" defTabSz="2438338" rtl="0" fontAlgn="auto" latinLnBrk="0" hangingPunct="0">
-              <a:lnSpc>
-                <a:spcPct val="90000"/>
-              </a:lnSpc>
-              <a:spcBef>
-                <a:spcPts val="4500"/>
-              </a:spcBef>
-              <a:spcAft>
-                <a:spcPts val="0"/>
-              </a:spcAft>
-              <a:buClrTx/>
-              <a:buSzTx/>
-              <a:buFontTx/>
-              <a:buNone/>
-              <a:tabLst/>
-            </a:pPr>
-            <a:r>
-              <a:rPr lang="en-GB" dirty="0"/>
-              <a:t>First Calculations</a:t>
-            </a:r>
-            <a:endParaRPr kumimoji="0" lang="en-GB" sz="4800" b="0" i="0" u="none" strike="noStrike" cap="none" spc="0" normalizeH="0" baseline="0" dirty="0">
-              <a:ln>
-                <a:noFill/>
-              </a:ln>
-              <a:solidFill>
-                <a:srgbClr val="000000"/>
-              </a:solidFill>
-              <a:effectLst/>
-              <a:uFillTx/>
-              <a:latin typeface="+mn-lt"/>
-              <a:ea typeface="+mn-ea"/>
-              <a:cs typeface="+mn-cs"/>
-              <a:sym typeface="Helvetica Neue"/>
-            </a:endParaRPr>
-          </a:p>
-        </p:txBody>
-      </p:sp>
-      <p:sp>
-        <p:nvSpPr>
-          <p:cNvPr id="12" name="Textfeld 11">
-            <a:extLst>
-              <a:ext uri="{FF2B5EF4-FFF2-40B4-BE49-F238E27FC236}">
-                <a16:creationId xmlns:a16="http://schemas.microsoft.com/office/drawing/2014/main" id="{158B3630-3D31-67D8-73E4-5FBC37CCF28E}"/>
-              </a:ext>
-            </a:extLst>
-          </p:cNvPr>
-          <p:cNvSpPr txBox="1"/>
-          <p:nvPr/>
-        </p:nvSpPr>
-        <p:spPr>
-          <a:xfrm>
-            <a:off x="17684749" y="2888112"/>
-            <a:ext cx="4081245" cy="1344471"/>
-          </a:xfrm>
-          <a:prstGeom prst="rect">
-            <a:avLst/>
-          </a:prstGeom>
-          <a:noFill/>
-          <a:ln w="12700" cap="flat">
-            <a:noFill/>
-            <a:miter lim="400000"/>
-          </a:ln>
-          <a:effectLst/>
-          <a:sp3d/>
-        </p:spPr>
-        <p:style>
-          <a:lnRef idx="0">
-            <a:scrgbClr r="0" g="0" b="0"/>
-          </a:lnRef>
-          <a:fillRef idx="0">
-            <a:scrgbClr r="0" g="0" b="0"/>
-          </a:fillRef>
-          <a:effectRef idx="0">
-            <a:scrgbClr r="0" g="0" b="0"/>
-          </a:effectRef>
-          <a:fontRef idx="none"/>
-        </p:style>
-        <p:txBody>
-          <a:bodyPr rot="0" spcFirstLastPara="1" vertOverflow="overflow" horzOverflow="overflow" vert="horz" wrap="none" lIns="50800" tIns="50800" rIns="50800" bIns="50800" numCol="1" spcCol="38100" rtlCol="0" anchor="ctr">
-            <a:spAutoFit/>
-          </a:bodyPr>
-          <a:lstStyle/>
-          <a:p>
-            <a:pPr marL="0" marR="0" indent="0" algn="l" defTabSz="2438338" rtl="0" fontAlgn="auto" latinLnBrk="0" hangingPunct="0">
-              <a:lnSpc>
-                <a:spcPct val="90000"/>
-              </a:lnSpc>
-              <a:spcBef>
-                <a:spcPts val="4500"/>
-              </a:spcBef>
-              <a:spcAft>
-                <a:spcPts val="0"/>
-              </a:spcAft>
-              <a:buClrTx/>
-              <a:buSzTx/>
-              <a:buFontTx/>
-              <a:buNone/>
-              <a:tabLst/>
-            </a:pPr>
-            <a:r>
-              <a:rPr lang="en-GB" dirty="0"/>
-              <a:t>Writing Report</a:t>
-            </a:r>
-            <a:endParaRPr kumimoji="0" lang="en-GB" sz="4800" b="0" i="0" u="none" strike="noStrike" cap="none" spc="0" normalizeH="0" baseline="0" dirty="0">
-              <a:ln>
-                <a:noFill/>
-              </a:ln>
-              <a:solidFill>
-                <a:srgbClr val="000000"/>
-              </a:solidFill>
-              <a:effectLst/>
-              <a:uFillTx/>
-              <a:latin typeface="+mn-lt"/>
-              <a:ea typeface="+mn-ea"/>
-              <a:cs typeface="+mn-cs"/>
-              <a:sym typeface="Helvetica Neue"/>
-            </a:endParaRPr>
-          </a:p>
-        </p:txBody>
-      </p:sp>
-      <p:cxnSp>
-        <p:nvCxnSpPr>
-          <p:cNvPr id="14" name="Gerade Verbindung 13">
-            <a:extLst>
-              <a:ext uri="{FF2B5EF4-FFF2-40B4-BE49-F238E27FC236}">
-                <a16:creationId xmlns:a16="http://schemas.microsoft.com/office/drawing/2014/main" id="{76568491-BB69-C512-1010-C6CADA4EB88B}"/>
-              </a:ext>
-            </a:extLst>
-          </p:cNvPr>
-          <p:cNvCxnSpPr/>
-          <p:nvPr/>
-        </p:nvCxnSpPr>
-        <p:spPr>
-          <a:xfrm>
-            <a:off x="3606433" y="4232583"/>
-            <a:ext cx="0" cy="2625417"/>
-          </a:xfrm>
-          <a:prstGeom prst="line">
-            <a:avLst/>
-          </a:prstGeom>
-          <a:noFill/>
-          <a:ln w="25400" cap="flat">
-            <a:solidFill>
-              <a:srgbClr val="000000"/>
-            </a:solidFill>
-            <a:prstDash val="solid"/>
-            <a:miter lim="400000"/>
-          </a:ln>
-          <a:effectLst/>
-          <a:sp3d/>
-        </p:spPr>
-        <p:style>
-          <a:lnRef idx="0">
-            <a:scrgbClr r="0" g="0" b="0"/>
-          </a:lnRef>
-          <a:fillRef idx="0">
-            <a:scrgbClr r="0" g="0" b="0"/>
-          </a:fillRef>
-          <a:effectRef idx="0">
-            <a:scrgbClr r="0" g="0" b="0"/>
-          </a:effectRef>
-          <a:fontRef idx="none"/>
-        </p:style>
-      </p:cxnSp>
-      <p:cxnSp>
-        <p:nvCxnSpPr>
-          <p:cNvPr id="15" name="Gerade Verbindung 14">
-            <a:extLst>
-              <a:ext uri="{FF2B5EF4-FFF2-40B4-BE49-F238E27FC236}">
-                <a16:creationId xmlns:a16="http://schemas.microsoft.com/office/drawing/2014/main" id="{74A0A830-CA0C-E8F4-839C-ADFF24BB18E6}"/>
-              </a:ext>
-            </a:extLst>
-          </p:cNvPr>
-          <p:cNvCxnSpPr/>
-          <p:nvPr/>
-        </p:nvCxnSpPr>
-        <p:spPr>
-          <a:xfrm>
-            <a:off x="8908043" y="4232582"/>
-            <a:ext cx="0" cy="2625417"/>
-          </a:xfrm>
-          <a:prstGeom prst="line">
-            <a:avLst/>
-          </a:prstGeom>
-          <a:noFill/>
-          <a:ln w="25400" cap="flat">
-            <a:solidFill>
-              <a:srgbClr val="000000"/>
-            </a:solidFill>
-            <a:prstDash val="solid"/>
-            <a:miter lim="400000"/>
-          </a:ln>
-          <a:effectLst/>
-          <a:sp3d/>
-        </p:spPr>
-        <p:style>
-          <a:lnRef idx="0">
-            <a:scrgbClr r="0" g="0" b="0"/>
-          </a:lnRef>
-          <a:fillRef idx="0">
-            <a:scrgbClr r="0" g="0" b="0"/>
-          </a:fillRef>
-          <a:effectRef idx="0">
-            <a:scrgbClr r="0" g="0" b="0"/>
-          </a:effectRef>
-          <a:fontRef idx="none"/>
-        </p:style>
-      </p:cxnSp>
-      <p:cxnSp>
-        <p:nvCxnSpPr>
-          <p:cNvPr id="16" name="Gerade Verbindung 15">
-            <a:extLst>
-              <a:ext uri="{FF2B5EF4-FFF2-40B4-BE49-F238E27FC236}">
-                <a16:creationId xmlns:a16="http://schemas.microsoft.com/office/drawing/2014/main" id="{477EF9BC-3207-13B6-F438-DD96311D19FA}"/>
-              </a:ext>
-            </a:extLst>
-          </p:cNvPr>
-          <p:cNvCxnSpPr/>
-          <p:nvPr/>
-        </p:nvCxnSpPr>
-        <p:spPr>
-          <a:xfrm>
-            <a:off x="15211782" y="4232582"/>
-            <a:ext cx="0" cy="2625417"/>
-          </a:xfrm>
-          <a:prstGeom prst="line">
-            <a:avLst/>
-          </a:prstGeom>
-          <a:noFill/>
-          <a:ln w="25400" cap="flat">
-            <a:solidFill>
-              <a:srgbClr val="000000"/>
-            </a:solidFill>
-            <a:prstDash val="solid"/>
-            <a:miter lim="400000"/>
-          </a:ln>
-          <a:effectLst/>
-          <a:sp3d/>
-        </p:spPr>
-        <p:style>
-          <a:lnRef idx="0">
-            <a:scrgbClr r="0" g="0" b="0"/>
-          </a:lnRef>
-          <a:fillRef idx="0">
-            <a:scrgbClr r="0" g="0" b="0"/>
-          </a:fillRef>
-          <a:effectRef idx="0">
-            <a:scrgbClr r="0" g="0" b="0"/>
-          </a:effectRef>
-          <a:fontRef idx="none"/>
-        </p:style>
-      </p:cxnSp>
-      <p:cxnSp>
-        <p:nvCxnSpPr>
-          <p:cNvPr id="17" name="Gerade Verbindung 16">
-            <a:extLst>
-              <a:ext uri="{FF2B5EF4-FFF2-40B4-BE49-F238E27FC236}">
-                <a16:creationId xmlns:a16="http://schemas.microsoft.com/office/drawing/2014/main" id="{EC67D4BD-5C98-D99B-8914-42288CEB3AF9}"/>
-              </a:ext>
-            </a:extLst>
-          </p:cNvPr>
-          <p:cNvCxnSpPr/>
-          <p:nvPr/>
-        </p:nvCxnSpPr>
-        <p:spPr>
-          <a:xfrm>
-            <a:off x="18885111" y="4232582"/>
-            <a:ext cx="0" cy="2625417"/>
-          </a:xfrm>
-          <a:prstGeom prst="line">
-            <a:avLst/>
-          </a:prstGeom>
-          <a:noFill/>
-          <a:ln w="25400" cap="flat">
-            <a:solidFill>
-              <a:srgbClr val="000000"/>
-            </a:solidFill>
-            <a:prstDash val="solid"/>
-            <a:miter lim="400000"/>
-          </a:ln>
-          <a:effectLst/>
-          <a:sp3d/>
-        </p:spPr>
-        <p:style>
-          <a:lnRef idx="0">
-            <a:scrgbClr r="0" g="0" b="0"/>
-          </a:lnRef>
-          <a:fillRef idx="0">
-            <a:scrgbClr r="0" g="0" b="0"/>
-          </a:fillRef>
-          <a:effectRef idx="0">
-            <a:scrgbClr r="0" g="0" b="0"/>
-          </a:effectRef>
-          <a:fontRef idx="none"/>
-        </p:style>
-      </p:cxnSp>
-      <p:cxnSp>
-        <p:nvCxnSpPr>
-          <p:cNvPr id="18" name="Gerade Verbindung 17">
-            <a:extLst>
-              <a:ext uri="{FF2B5EF4-FFF2-40B4-BE49-F238E27FC236}">
-                <a16:creationId xmlns:a16="http://schemas.microsoft.com/office/drawing/2014/main" id="{68D0AA55-12F3-2E0F-64CA-4B0D4AB32CDB}"/>
-              </a:ext>
-            </a:extLst>
-          </p:cNvPr>
-          <p:cNvCxnSpPr/>
-          <p:nvPr/>
-        </p:nvCxnSpPr>
-        <p:spPr>
-          <a:xfrm>
-            <a:off x="20785507" y="7325890"/>
-            <a:ext cx="0" cy="2625417"/>
-          </a:xfrm>
-          <a:prstGeom prst="line">
-            <a:avLst/>
-          </a:prstGeom>
-          <a:noFill/>
-          <a:ln w="25400" cap="flat">
-            <a:solidFill>
-              <a:srgbClr val="000000"/>
-            </a:solidFill>
-            <a:prstDash val="solid"/>
-            <a:miter lim="400000"/>
-          </a:ln>
-          <a:effectLst/>
-          <a:sp3d/>
-        </p:spPr>
-        <p:style>
-          <a:lnRef idx="0">
-            <a:scrgbClr r="0" g="0" b="0"/>
-          </a:lnRef>
-          <a:fillRef idx="0">
-            <a:scrgbClr r="0" g="0" b="0"/>
-          </a:fillRef>
-          <a:effectRef idx="0">
-            <a:scrgbClr r="0" g="0" b="0"/>
-          </a:effectRef>
-          <a:fontRef idx="none"/>
-        </p:style>
-      </p:cxnSp>
-      <p:cxnSp>
-        <p:nvCxnSpPr>
-          <p:cNvPr id="19" name="Gerade Verbindung 18">
-            <a:extLst>
-              <a:ext uri="{FF2B5EF4-FFF2-40B4-BE49-F238E27FC236}">
-                <a16:creationId xmlns:a16="http://schemas.microsoft.com/office/drawing/2014/main" id="{4EACC4EB-72EC-ABF7-31C4-7356DACCC880}"/>
-              </a:ext>
-            </a:extLst>
-          </p:cNvPr>
-          <p:cNvCxnSpPr/>
-          <p:nvPr/>
-        </p:nvCxnSpPr>
-        <p:spPr>
-          <a:xfrm>
-            <a:off x="13535910" y="7325889"/>
-            <a:ext cx="0" cy="2625417"/>
-          </a:xfrm>
-          <a:prstGeom prst="line">
-            <a:avLst/>
-          </a:prstGeom>
-          <a:noFill/>
-          <a:ln w="25400" cap="flat">
-            <a:solidFill>
-              <a:srgbClr val="000000"/>
-            </a:solidFill>
-            <a:prstDash val="solid"/>
-            <a:miter lim="400000"/>
-          </a:ln>
-          <a:effectLst/>
-          <a:sp3d/>
-        </p:spPr>
-        <p:style>
-          <a:lnRef idx="0">
-            <a:scrgbClr r="0" g="0" b="0"/>
-          </a:lnRef>
-          <a:fillRef idx="0">
-            <a:scrgbClr r="0" g="0" b="0"/>
-          </a:fillRef>
-          <a:effectRef idx="0">
-            <a:scrgbClr r="0" g="0" b="0"/>
-          </a:effectRef>
-          <a:fontRef idx="none"/>
-        </p:style>
-      </p:cxnSp>
-      <p:cxnSp>
-        <p:nvCxnSpPr>
-          <p:cNvPr id="20" name="Gerade Verbindung 19">
-            <a:extLst>
-              <a:ext uri="{FF2B5EF4-FFF2-40B4-BE49-F238E27FC236}">
-                <a16:creationId xmlns:a16="http://schemas.microsoft.com/office/drawing/2014/main" id="{E2F6056A-D2D9-4EFA-03C8-7324646F5F49}"/>
-              </a:ext>
-            </a:extLst>
-          </p:cNvPr>
-          <p:cNvCxnSpPr/>
-          <p:nvPr/>
-        </p:nvCxnSpPr>
-        <p:spPr>
-          <a:xfrm>
-            <a:off x="9635294" y="7325889"/>
-            <a:ext cx="0" cy="2625417"/>
-          </a:xfrm>
-          <a:prstGeom prst="line">
-            <a:avLst/>
-          </a:prstGeom>
-          <a:noFill/>
-          <a:ln w="25400" cap="flat">
-            <a:solidFill>
-              <a:srgbClr val="000000"/>
-            </a:solidFill>
-            <a:prstDash val="solid"/>
-            <a:miter lim="400000"/>
-          </a:ln>
-          <a:effectLst/>
-          <a:sp3d/>
-        </p:spPr>
-        <p:style>
-          <a:lnRef idx="0">
-            <a:scrgbClr r="0" g="0" b="0"/>
-          </a:lnRef>
-          <a:fillRef idx="0">
-            <a:scrgbClr r="0" g="0" b="0"/>
-          </a:fillRef>
-          <a:effectRef idx="0">
-            <a:scrgbClr r="0" g="0" b="0"/>
-          </a:effectRef>
-          <a:fontRef idx="none"/>
-        </p:style>
-      </p:cxnSp>
-      <p:cxnSp>
-        <p:nvCxnSpPr>
-          <p:cNvPr id="21" name="Gerade Verbindung 20">
-            <a:extLst>
-              <a:ext uri="{FF2B5EF4-FFF2-40B4-BE49-F238E27FC236}">
-                <a16:creationId xmlns:a16="http://schemas.microsoft.com/office/drawing/2014/main" id="{F6A2D8E6-EE1B-A433-06AB-FE08AD2F9DF2}"/>
-              </a:ext>
-            </a:extLst>
-          </p:cNvPr>
-          <p:cNvCxnSpPr/>
-          <p:nvPr/>
-        </p:nvCxnSpPr>
-        <p:spPr>
-          <a:xfrm>
-            <a:off x="4882423" y="7325889"/>
-            <a:ext cx="0" cy="2625417"/>
-          </a:xfrm>
-          <a:prstGeom prst="line">
-            <a:avLst/>
-          </a:prstGeom>
-          <a:noFill/>
-          <a:ln w="25400" cap="flat">
-            <a:solidFill>
-              <a:srgbClr val="000000"/>
-            </a:solidFill>
-            <a:prstDash val="solid"/>
-            <a:miter lim="400000"/>
-          </a:ln>
-          <a:effectLst/>
-          <a:sp3d/>
-        </p:spPr>
-        <p:style>
-          <a:lnRef idx="0">
-            <a:scrgbClr r="0" g="0" b="0"/>
-          </a:lnRef>
-          <a:fillRef idx="0">
-            <a:scrgbClr r="0" g="0" b="0"/>
-          </a:fillRef>
-          <a:effectRef idx="0">
-            <a:scrgbClr r="0" g="0" b="0"/>
-          </a:effectRef>
-          <a:fontRef idx="none"/>
-        </p:style>
-      </p:cxnSp>
-      <p:sp>
-        <p:nvSpPr>
-          <p:cNvPr id="4" name="Pfeil nach rechts 3">
-            <a:extLst>
-              <a:ext uri="{FF2B5EF4-FFF2-40B4-BE49-F238E27FC236}">
-                <a16:creationId xmlns:a16="http://schemas.microsoft.com/office/drawing/2014/main" id="{F3EDA7ED-2270-195F-0EB6-B0BAF72155FE}"/>
+                <a16:creationId xmlns:a16="http://schemas.microsoft.com/office/drawing/2014/main" id="{B29D6964-7426-B581-B625-A48CBE4235B7}"/>
               </a:ext>
             </a:extLst>
           </p:cNvPr>
@@ -6334,20 +5407,17 @@
         </p:nvSpPr>
         <p:spPr>
           <a:xfrm>
-            <a:off x="2020157" y="5927104"/>
-            <a:ext cx="20343684" cy="2275367"/>
+            <a:off x="1330960" y="2783840"/>
+            <a:ext cx="3048000" cy="995680"/>
           </a:xfrm>
-          <a:prstGeom prst="rightArrow">
-            <a:avLst>
-              <a:gd name="adj1" fmla="val 31536"/>
-              <a:gd name="adj2" fmla="val 57060"/>
-            </a:avLst>
-          </a:prstGeom>
-          <a:solidFill>
-            <a:srgbClr val="000000"/>
-          </a:solidFill>
-          <a:ln w="12700" cap="flat">
-            <a:noFill/>
+          <a:prstGeom prst="rect">
+            <a:avLst/>
+          </a:prstGeom>
+          <a:noFill/>
+          <a:ln w="28575" cap="flat">
+            <a:solidFill>
+              <a:srgbClr val="002060"/>
+            </a:solidFill>
             <a:miter lim="400000"/>
           </a:ln>
           <a:effectLst/>
@@ -6387,7 +5457,7 @@
               <a:buNone/>
               <a:tabLst/>
             </a:pPr>
-            <a:endParaRPr kumimoji="0" lang="en-GB" sz="3200" b="0" i="0" u="none" strike="noStrike" cap="none" spc="0" normalizeH="0" baseline="0">
+            <a:endParaRPr kumimoji="0" lang="en-US" sz="3200" b="0" i="0" u="none" strike="noStrike" cap="none" spc="0" normalizeH="0" baseline="0" dirty="0">
               <a:ln>
                 <a:noFill/>
               </a:ln>
@@ -6406,27 +5476,29 @@
       </p:sp>
       <p:sp>
         <p:nvSpPr>
-          <p:cNvPr id="22" name="Textfeld 21">
+          <p:cNvPr id="7" name="Rectangle 6">
             <a:extLst>
               <a:ext uri="{FF2B5EF4-FFF2-40B4-BE49-F238E27FC236}">
-                <a16:creationId xmlns:a16="http://schemas.microsoft.com/office/drawing/2014/main" id="{FB882BC6-39B1-2685-EE6D-97E29F2A0924}"/>
+                <a16:creationId xmlns:a16="http://schemas.microsoft.com/office/drawing/2014/main" id="{5DF0F6C4-6116-D6C5-8588-28879E47A986}"/>
               </a:ext>
             </a:extLst>
           </p:cNvPr>
-          <p:cNvSpPr txBox="1"/>
+          <p:cNvSpPr/>
           <p:nvPr/>
         </p:nvSpPr>
         <p:spPr>
           <a:xfrm>
-            <a:off x="4318967" y="10487920"/>
-            <a:ext cx="1126912" cy="1122871"/>
+            <a:off x="4378960" y="2783840"/>
+            <a:ext cx="18531840" cy="995680"/>
           </a:xfrm>
           <a:prstGeom prst="rect">
             <a:avLst/>
           </a:prstGeom>
           <a:noFill/>
-          <a:ln w="12700" cap="flat">
-            <a:noFill/>
+          <a:ln w="28575" cap="flat">
+            <a:solidFill>
+              <a:srgbClr val="002060"/>
+            </a:solidFill>
             <a:miter lim="400000"/>
           </a:ln>
           <a:effectLst/>
@@ -6445,7 +5517,86 @@
           <a:fontRef idx="none"/>
         </p:style>
         <p:txBody>
-          <a:bodyPr rot="0" spcFirstLastPara="1" vertOverflow="overflow" horzOverflow="overflow" vert="horz" wrap="none" lIns="50800" tIns="50800" rIns="50800" bIns="50800" numCol="1" spcCol="38100" rtlCol="0" anchor="ctr">
+          <a:bodyPr rot="0" spcFirstLastPara="1" vertOverflow="overflow" horzOverflow="overflow" vert="horz" wrap="square" lIns="50800" tIns="50800" rIns="50800" bIns="50800" numCol="1" spcCol="38100" rtlCol="0" anchor="ctr">
+            <a:spAutoFit/>
+          </a:bodyPr>
+          <a:lstStyle/>
+          <a:p>
+            <a:pPr marL="0" marR="0" indent="0" algn="ctr" defTabSz="825500" rtl="0" fontAlgn="auto" latinLnBrk="0" hangingPunct="0">
+              <a:lnSpc>
+                <a:spcPct val="100000"/>
+              </a:lnSpc>
+              <a:spcBef>
+                <a:spcPts val="0"/>
+              </a:spcBef>
+              <a:spcAft>
+                <a:spcPts val="0"/>
+              </a:spcAft>
+              <a:buClrTx/>
+              <a:buSzTx/>
+              <a:buFontTx/>
+              <a:buNone/>
+              <a:tabLst/>
+            </a:pPr>
+            <a:endParaRPr kumimoji="0" lang="en-US" sz="3200" b="0" i="0" u="none" strike="noStrike" cap="none" spc="0" normalizeH="0" baseline="0" dirty="0">
+              <a:ln>
+                <a:noFill/>
+              </a:ln>
+              <a:solidFill>
+                <a:srgbClr val="FFFFFF"/>
+              </a:solidFill>
+              <a:effectLst/>
+              <a:uFillTx/>
+              <a:latin typeface="Helvetica Neue Medium"/>
+              <a:ea typeface="Helvetica Neue Medium"/>
+              <a:cs typeface="Helvetica Neue Medium"/>
+              <a:sym typeface="Helvetica Neue Medium"/>
+            </a:endParaRPr>
+          </a:p>
+        </p:txBody>
+      </p:sp>
+      <p:sp>
+        <p:nvSpPr>
+          <p:cNvPr id="8" name="TextBox 7">
+            <a:extLst>
+              <a:ext uri="{FF2B5EF4-FFF2-40B4-BE49-F238E27FC236}">
+                <a16:creationId xmlns:a16="http://schemas.microsoft.com/office/drawing/2014/main" id="{DC58AEB0-EF05-F53F-B6D2-1E2CA762AD14}"/>
+              </a:ext>
+            </a:extLst>
+          </p:cNvPr>
+          <p:cNvSpPr txBox="1"/>
+          <p:nvPr/>
+        </p:nvSpPr>
+        <p:spPr>
+          <a:xfrm>
+            <a:off x="1544320" y="2551775"/>
+            <a:ext cx="2834640" cy="984372"/>
+          </a:xfrm>
+          <a:prstGeom prst="rect">
+            <a:avLst/>
+          </a:prstGeom>
+          <a:noFill/>
+          <a:ln w="12700" cap="flat">
+            <a:noFill/>
+            <a:miter lim="400000"/>
+          </a:ln>
+          <a:effectLst/>
+          <a:sp3d/>
+        </p:spPr>
+        <p:style>
+          <a:lnRef idx="0">
+            <a:scrgbClr r="0" g="0" b="0"/>
+          </a:lnRef>
+          <a:fillRef idx="0">
+            <a:scrgbClr r="0" g="0" b="0"/>
+          </a:fillRef>
+          <a:effectRef idx="0">
+            <a:scrgbClr r="0" g="0" b="0"/>
+          </a:effectRef>
+          <a:fontRef idx="none"/>
+        </p:style>
+        <p:txBody>
+          <a:bodyPr rot="0" spcFirstLastPara="1" vertOverflow="overflow" horzOverflow="overflow" vert="horz" wrap="square" lIns="50800" tIns="50800" rIns="50800" bIns="50800" numCol="1" spcCol="38100" rtlCol="0" anchor="ctr">
             <a:spAutoFit/>
           </a:bodyPr>
           <a:lstStyle/>
@@ -6467,12 +5618,12 @@
               <a:tabLst/>
             </a:pPr>
             <a:r>
-              <a:rPr kumimoji="0" lang="en-GB" sz="3200" b="0" i="0" u="none" strike="noStrike" cap="none" spc="0" normalizeH="0" baseline="0" dirty="0">
+              <a:rPr kumimoji="0" lang="en-US" sz="2200" b="0" i="0" u="none" strike="noStrike" cap="none" spc="0" normalizeH="0" baseline="0" dirty="0">
                 <a:ln>
                   <a:noFill/>
                 </a:ln>
                 <a:solidFill>
-                  <a:srgbClr val="000000"/>
+                  <a:schemeClr val="bg1"/>
                 </a:solidFill>
                 <a:effectLst/>
                 <a:uFillTx/>
@@ -6481,34 +5632,36 @@
                 <a:cs typeface="+mn-cs"/>
                 <a:sym typeface="Helvetica Neue"/>
               </a:rPr>
-              <a:t>26.05</a:t>
+              <a:t>Data Load</a:t>
             </a:r>
           </a:p>
         </p:txBody>
       </p:sp>
       <p:sp>
         <p:nvSpPr>
-          <p:cNvPr id="23" name="Textfeld 22">
+          <p:cNvPr id="10" name="Rectangle 9">
             <a:extLst>
               <a:ext uri="{FF2B5EF4-FFF2-40B4-BE49-F238E27FC236}">
-                <a16:creationId xmlns:a16="http://schemas.microsoft.com/office/drawing/2014/main" id="{7F2F408C-3D12-8DE4-BB2A-EA0FA7CDC3D9}"/>
+                <a16:creationId xmlns:a16="http://schemas.microsoft.com/office/drawing/2014/main" id="{C880239A-6577-572F-4722-6836CD85224B}"/>
               </a:ext>
             </a:extLst>
           </p:cNvPr>
-          <p:cNvSpPr txBox="1"/>
+          <p:cNvSpPr/>
           <p:nvPr/>
         </p:nvSpPr>
         <p:spPr>
           <a:xfrm>
-            <a:off x="12972454" y="10487920"/>
-            <a:ext cx="1126912" cy="1122871"/>
+            <a:off x="1330960" y="3962111"/>
+            <a:ext cx="3048000" cy="995680"/>
           </a:xfrm>
           <a:prstGeom prst="rect">
             <a:avLst/>
           </a:prstGeom>
           <a:noFill/>
-          <a:ln w="12700" cap="flat">
-            <a:noFill/>
+          <a:ln w="28575" cap="flat">
+            <a:solidFill>
+              <a:srgbClr val="002060"/>
+            </a:solidFill>
             <a:miter lim="400000"/>
           </a:ln>
           <a:effectLst/>
@@ -6527,7 +5680,167 @@
           <a:fontRef idx="none"/>
         </p:style>
         <p:txBody>
-          <a:bodyPr rot="0" spcFirstLastPara="1" vertOverflow="overflow" horzOverflow="overflow" vert="horz" wrap="none" lIns="50800" tIns="50800" rIns="50800" bIns="50800" numCol="1" spcCol="38100" rtlCol="0" anchor="ctr">
+          <a:bodyPr rot="0" spcFirstLastPara="1" vertOverflow="overflow" horzOverflow="overflow" vert="horz" wrap="square" lIns="50800" tIns="50800" rIns="50800" bIns="50800" numCol="1" spcCol="38100" rtlCol="0" anchor="ctr">
+            <a:spAutoFit/>
+          </a:bodyPr>
+          <a:lstStyle/>
+          <a:p>
+            <a:pPr marL="0" marR="0" indent="0" algn="ctr" defTabSz="825500" rtl="0" fontAlgn="auto" latinLnBrk="0" hangingPunct="0">
+              <a:lnSpc>
+                <a:spcPct val="100000"/>
+              </a:lnSpc>
+              <a:spcBef>
+                <a:spcPts val="0"/>
+              </a:spcBef>
+              <a:spcAft>
+                <a:spcPts val="0"/>
+              </a:spcAft>
+              <a:buClrTx/>
+              <a:buSzTx/>
+              <a:buFontTx/>
+              <a:buNone/>
+              <a:tabLst/>
+            </a:pPr>
+            <a:endParaRPr kumimoji="0" lang="en-US" sz="3200" b="0" i="0" u="none" strike="noStrike" cap="none" spc="0" normalizeH="0" baseline="0" dirty="0">
+              <a:ln>
+                <a:noFill/>
+              </a:ln>
+              <a:solidFill>
+                <a:srgbClr val="FFFFFF"/>
+              </a:solidFill>
+              <a:effectLst/>
+              <a:uFillTx/>
+              <a:latin typeface="Helvetica Neue Medium"/>
+              <a:ea typeface="Helvetica Neue Medium"/>
+              <a:cs typeface="Helvetica Neue Medium"/>
+              <a:sym typeface="Helvetica Neue Medium"/>
+            </a:endParaRPr>
+          </a:p>
+        </p:txBody>
+      </p:sp>
+      <p:sp>
+        <p:nvSpPr>
+          <p:cNvPr id="11" name="Rectangle 10">
+            <a:extLst>
+              <a:ext uri="{FF2B5EF4-FFF2-40B4-BE49-F238E27FC236}">
+                <a16:creationId xmlns:a16="http://schemas.microsoft.com/office/drawing/2014/main" id="{8E36E23F-0BBD-505E-ADFA-8A1E2C249B3C}"/>
+              </a:ext>
+            </a:extLst>
+          </p:cNvPr>
+          <p:cNvSpPr/>
+          <p:nvPr/>
+        </p:nvSpPr>
+        <p:spPr>
+          <a:xfrm>
+            <a:off x="4378960" y="3962111"/>
+            <a:ext cx="18531840" cy="995680"/>
+          </a:xfrm>
+          <a:prstGeom prst="rect">
+            <a:avLst/>
+          </a:prstGeom>
+          <a:noFill/>
+          <a:ln w="28575" cap="flat">
+            <a:solidFill>
+              <a:srgbClr val="002060"/>
+            </a:solidFill>
+            <a:miter lim="400000"/>
+          </a:ln>
+          <a:effectLst/>
+          <a:sp3d/>
+        </p:spPr>
+        <p:style>
+          <a:lnRef idx="0">
+            <a:scrgbClr r="0" g="0" b="0"/>
+          </a:lnRef>
+          <a:fillRef idx="0">
+            <a:scrgbClr r="0" g="0" b="0"/>
+          </a:fillRef>
+          <a:effectRef idx="0">
+            <a:scrgbClr r="0" g="0" b="0"/>
+          </a:effectRef>
+          <a:fontRef idx="none"/>
+        </p:style>
+        <p:txBody>
+          <a:bodyPr rot="0" spcFirstLastPara="1" vertOverflow="overflow" horzOverflow="overflow" vert="horz" wrap="square" lIns="50800" tIns="50800" rIns="50800" bIns="50800" numCol="1" spcCol="38100" rtlCol="0" anchor="ctr">
+            <a:spAutoFit/>
+          </a:bodyPr>
+          <a:lstStyle/>
+          <a:p>
+            <a:pPr marL="0" marR="0" indent="0" algn="ctr" defTabSz="825500" rtl="0" fontAlgn="auto" latinLnBrk="0" hangingPunct="0">
+              <a:lnSpc>
+                <a:spcPct val="100000"/>
+              </a:lnSpc>
+              <a:spcBef>
+                <a:spcPts val="0"/>
+              </a:spcBef>
+              <a:spcAft>
+                <a:spcPts val="0"/>
+              </a:spcAft>
+              <a:buClrTx/>
+              <a:buSzTx/>
+              <a:buFontTx/>
+              <a:buNone/>
+              <a:tabLst/>
+            </a:pPr>
+            <a:endParaRPr kumimoji="0" lang="en-US" sz="3200" b="0" i="0" u="none" strike="noStrike" cap="none" spc="0" normalizeH="0" baseline="0">
+              <a:ln>
+                <a:noFill/>
+              </a:ln>
+              <a:solidFill>
+                <a:srgbClr val="FFFFFF"/>
+              </a:solidFill>
+              <a:effectLst/>
+              <a:uFillTx/>
+              <a:latin typeface="Helvetica Neue Medium"/>
+              <a:ea typeface="Helvetica Neue Medium"/>
+              <a:cs typeface="Helvetica Neue Medium"/>
+              <a:sym typeface="Helvetica Neue Medium"/>
+            </a:endParaRPr>
+          </a:p>
+        </p:txBody>
+      </p:sp>
+      <p:sp>
+        <p:nvSpPr>
+          <p:cNvPr id="12" name="TextBox 11">
+            <a:extLst>
+              <a:ext uri="{FF2B5EF4-FFF2-40B4-BE49-F238E27FC236}">
+                <a16:creationId xmlns:a16="http://schemas.microsoft.com/office/drawing/2014/main" id="{E9BA951B-243E-540C-A681-CA84FB39C33A}"/>
+              </a:ext>
+            </a:extLst>
+          </p:cNvPr>
+          <p:cNvSpPr txBox="1"/>
+          <p:nvPr/>
+        </p:nvSpPr>
+        <p:spPr>
+          <a:xfrm>
+            <a:off x="1544320" y="3788075"/>
+            <a:ext cx="2834640" cy="984372"/>
+          </a:xfrm>
+          <a:prstGeom prst="rect">
+            <a:avLst/>
+          </a:prstGeom>
+          <a:noFill/>
+          <a:ln w="12700" cap="flat">
+            <a:noFill/>
+            <a:miter lim="400000"/>
+          </a:ln>
+          <a:effectLst/>
+          <a:sp3d/>
+        </p:spPr>
+        <p:style>
+          <a:lnRef idx="0">
+            <a:scrgbClr r="0" g="0" b="0"/>
+          </a:lnRef>
+          <a:fillRef idx="0">
+            <a:scrgbClr r="0" g="0" b="0"/>
+          </a:fillRef>
+          <a:effectRef idx="0">
+            <a:scrgbClr r="0" g="0" b="0"/>
+          </a:effectRef>
+          <a:fontRef idx="none"/>
+        </p:style>
+        <p:txBody>
+          <a:bodyPr rot="0" spcFirstLastPara="1" vertOverflow="overflow" horzOverflow="overflow" vert="horz" wrap="square" lIns="50800" tIns="50800" rIns="50800" bIns="50800" numCol="1" spcCol="38100" rtlCol="0" anchor="ctr">
             <a:spAutoFit/>
           </a:bodyPr>
           <a:lstStyle/>
@@ -6549,16 +5862,12 @@
               <a:tabLst/>
             </a:pPr>
             <a:r>
-              <a:rPr lang="en-GB" sz="3200" dirty="0"/>
-              <a:t>07</a:t>
-            </a:r>
-            <a:r>
-              <a:rPr kumimoji="0" lang="en-GB" sz="3200" b="0" i="0" u="none" strike="noStrike" cap="none" spc="0" normalizeH="0" baseline="0" dirty="0">
+              <a:rPr kumimoji="0" lang="en-US" sz="2200" b="0" i="0" u="none" strike="noStrike" cap="none" spc="0" normalizeH="0" baseline="0" dirty="0">
                 <a:ln>
                   <a:noFill/>
                 </a:ln>
                 <a:solidFill>
-                  <a:srgbClr val="000000"/>
+                  <a:schemeClr val="bg1"/>
                 </a:solidFill>
                 <a:effectLst/>
                 <a:uFillTx/>
@@ -6567,34 +5876,36 @@
                 <a:cs typeface="+mn-cs"/>
                 <a:sym typeface="Helvetica Neue"/>
               </a:rPr>
-              <a:t>.06</a:t>
+              <a:t>Data Exploration</a:t>
             </a:r>
           </a:p>
         </p:txBody>
       </p:sp>
       <p:sp>
         <p:nvSpPr>
-          <p:cNvPr id="24" name="Textfeld 23">
+          <p:cNvPr id="13" name="Rectangle 12">
             <a:extLst>
               <a:ext uri="{FF2B5EF4-FFF2-40B4-BE49-F238E27FC236}">
-                <a16:creationId xmlns:a16="http://schemas.microsoft.com/office/drawing/2014/main" id="{3777C743-D766-73AC-29B2-886714417E9A}"/>
+                <a16:creationId xmlns:a16="http://schemas.microsoft.com/office/drawing/2014/main" id="{B93DD6AF-9C4B-2181-DF16-290C6CFA9BB8}"/>
               </a:ext>
             </a:extLst>
           </p:cNvPr>
-          <p:cNvSpPr txBox="1"/>
+          <p:cNvSpPr/>
           <p:nvPr/>
         </p:nvSpPr>
         <p:spPr>
           <a:xfrm>
-            <a:off x="8391635" y="10513403"/>
-            <a:ext cx="1126912" cy="1122871"/>
+            <a:off x="1330960" y="5140382"/>
+            <a:ext cx="3048000" cy="995680"/>
           </a:xfrm>
           <a:prstGeom prst="rect">
             <a:avLst/>
           </a:prstGeom>
           <a:noFill/>
-          <a:ln w="12700" cap="flat">
-            <a:noFill/>
+          <a:ln w="28575" cap="flat">
+            <a:solidFill>
+              <a:srgbClr val="002060"/>
+            </a:solidFill>
             <a:miter lim="400000"/>
           </a:ln>
           <a:effectLst/>
@@ -6613,7 +5924,167 @@
           <a:fontRef idx="none"/>
         </p:style>
         <p:txBody>
-          <a:bodyPr rot="0" spcFirstLastPara="1" vertOverflow="overflow" horzOverflow="overflow" vert="horz" wrap="none" lIns="50800" tIns="50800" rIns="50800" bIns="50800" numCol="1" spcCol="38100" rtlCol="0" anchor="ctr">
+          <a:bodyPr rot="0" spcFirstLastPara="1" vertOverflow="overflow" horzOverflow="overflow" vert="horz" wrap="square" lIns="50800" tIns="50800" rIns="50800" bIns="50800" numCol="1" spcCol="38100" rtlCol="0" anchor="ctr">
+            <a:spAutoFit/>
+          </a:bodyPr>
+          <a:lstStyle/>
+          <a:p>
+            <a:pPr marL="0" marR="0" indent="0" algn="ctr" defTabSz="825500" rtl="0" fontAlgn="auto" latinLnBrk="0" hangingPunct="0">
+              <a:lnSpc>
+                <a:spcPct val="100000"/>
+              </a:lnSpc>
+              <a:spcBef>
+                <a:spcPts val="0"/>
+              </a:spcBef>
+              <a:spcAft>
+                <a:spcPts val="0"/>
+              </a:spcAft>
+              <a:buClrTx/>
+              <a:buSzTx/>
+              <a:buFontTx/>
+              <a:buNone/>
+              <a:tabLst/>
+            </a:pPr>
+            <a:endParaRPr kumimoji="0" lang="en-US" sz="3200" b="0" i="0" u="none" strike="noStrike" cap="none" spc="0" normalizeH="0" baseline="0" dirty="0">
+              <a:ln>
+                <a:noFill/>
+              </a:ln>
+              <a:solidFill>
+                <a:srgbClr val="FFFFFF"/>
+              </a:solidFill>
+              <a:effectLst/>
+              <a:uFillTx/>
+              <a:latin typeface="Helvetica Neue Medium"/>
+              <a:ea typeface="Helvetica Neue Medium"/>
+              <a:cs typeface="Helvetica Neue Medium"/>
+              <a:sym typeface="Helvetica Neue Medium"/>
+            </a:endParaRPr>
+          </a:p>
+        </p:txBody>
+      </p:sp>
+      <p:sp>
+        <p:nvSpPr>
+          <p:cNvPr id="14" name="Rectangle 13">
+            <a:extLst>
+              <a:ext uri="{FF2B5EF4-FFF2-40B4-BE49-F238E27FC236}">
+                <a16:creationId xmlns:a16="http://schemas.microsoft.com/office/drawing/2014/main" id="{65992311-EBC0-22D4-B442-1CA26676BC49}"/>
+              </a:ext>
+            </a:extLst>
+          </p:cNvPr>
+          <p:cNvSpPr/>
+          <p:nvPr/>
+        </p:nvSpPr>
+        <p:spPr>
+          <a:xfrm>
+            <a:off x="4378960" y="5140382"/>
+            <a:ext cx="18531840" cy="995680"/>
+          </a:xfrm>
+          <a:prstGeom prst="rect">
+            <a:avLst/>
+          </a:prstGeom>
+          <a:noFill/>
+          <a:ln w="28575" cap="flat">
+            <a:solidFill>
+              <a:srgbClr val="002060"/>
+            </a:solidFill>
+            <a:miter lim="400000"/>
+          </a:ln>
+          <a:effectLst/>
+          <a:sp3d/>
+        </p:spPr>
+        <p:style>
+          <a:lnRef idx="0">
+            <a:scrgbClr r="0" g="0" b="0"/>
+          </a:lnRef>
+          <a:fillRef idx="0">
+            <a:scrgbClr r="0" g="0" b="0"/>
+          </a:fillRef>
+          <a:effectRef idx="0">
+            <a:scrgbClr r="0" g="0" b="0"/>
+          </a:effectRef>
+          <a:fontRef idx="none"/>
+        </p:style>
+        <p:txBody>
+          <a:bodyPr rot="0" spcFirstLastPara="1" vertOverflow="overflow" horzOverflow="overflow" vert="horz" wrap="square" lIns="50800" tIns="50800" rIns="50800" bIns="50800" numCol="1" spcCol="38100" rtlCol="0" anchor="ctr">
+            <a:spAutoFit/>
+          </a:bodyPr>
+          <a:lstStyle/>
+          <a:p>
+            <a:pPr marL="0" marR="0" indent="0" algn="ctr" defTabSz="825500" rtl="0" fontAlgn="auto" latinLnBrk="0" hangingPunct="0">
+              <a:lnSpc>
+                <a:spcPct val="100000"/>
+              </a:lnSpc>
+              <a:spcBef>
+                <a:spcPts val="0"/>
+              </a:spcBef>
+              <a:spcAft>
+                <a:spcPts val="0"/>
+              </a:spcAft>
+              <a:buClrTx/>
+              <a:buSzTx/>
+              <a:buFontTx/>
+              <a:buNone/>
+              <a:tabLst/>
+            </a:pPr>
+            <a:endParaRPr kumimoji="0" lang="en-US" sz="3200" b="0" i="0" u="none" strike="noStrike" cap="none" spc="0" normalizeH="0" baseline="0">
+              <a:ln>
+                <a:noFill/>
+              </a:ln>
+              <a:solidFill>
+                <a:srgbClr val="FFFFFF"/>
+              </a:solidFill>
+              <a:effectLst/>
+              <a:uFillTx/>
+              <a:latin typeface="Helvetica Neue Medium"/>
+              <a:ea typeface="Helvetica Neue Medium"/>
+              <a:cs typeface="Helvetica Neue Medium"/>
+              <a:sym typeface="Helvetica Neue Medium"/>
+            </a:endParaRPr>
+          </a:p>
+        </p:txBody>
+      </p:sp>
+      <p:sp>
+        <p:nvSpPr>
+          <p:cNvPr id="15" name="TextBox 14">
+            <a:extLst>
+              <a:ext uri="{FF2B5EF4-FFF2-40B4-BE49-F238E27FC236}">
+                <a16:creationId xmlns:a16="http://schemas.microsoft.com/office/drawing/2014/main" id="{9D45729C-3009-052C-82FE-A15D58131CAE}"/>
+              </a:ext>
+            </a:extLst>
+          </p:cNvPr>
+          <p:cNvSpPr txBox="1"/>
+          <p:nvPr/>
+        </p:nvSpPr>
+        <p:spPr>
+          <a:xfrm>
+            <a:off x="1544320" y="4952496"/>
+            <a:ext cx="2834640" cy="1012072"/>
+          </a:xfrm>
+          <a:prstGeom prst="rect">
+            <a:avLst/>
+          </a:prstGeom>
+          <a:noFill/>
+          <a:ln w="12700" cap="flat">
+            <a:noFill/>
+            <a:miter lim="400000"/>
+          </a:ln>
+          <a:effectLst/>
+          <a:sp3d/>
+        </p:spPr>
+        <p:style>
+          <a:lnRef idx="0">
+            <a:scrgbClr r="0" g="0" b="0"/>
+          </a:lnRef>
+          <a:fillRef idx="0">
+            <a:scrgbClr r="0" g="0" b="0"/>
+          </a:fillRef>
+          <a:effectRef idx="0">
+            <a:scrgbClr r="0" g="0" b="0"/>
+          </a:effectRef>
+          <a:fontRef idx="none"/>
+        </p:style>
+        <p:txBody>
+          <a:bodyPr rot="0" spcFirstLastPara="1" vertOverflow="overflow" horzOverflow="overflow" vert="horz" wrap="square" lIns="50800" tIns="50800" rIns="50800" bIns="50800" numCol="1" spcCol="38100" rtlCol="0" anchor="ctr">
             <a:spAutoFit/>
           </a:bodyPr>
           <a:lstStyle/>
@@ -6635,16 +6106,12 @@
               <a:tabLst/>
             </a:pPr>
             <a:r>
-              <a:rPr lang="en-GB" sz="3200" dirty="0"/>
-              <a:t>03</a:t>
-            </a:r>
-            <a:r>
-              <a:rPr kumimoji="0" lang="en-GB" sz="3200" b="0" i="0" u="none" strike="noStrike" cap="none" spc="0" normalizeH="0" baseline="0" dirty="0">
+              <a:rPr kumimoji="0" lang="en-US" sz="2200" b="0" i="0" u="none" strike="noStrike" cap="none" spc="0" normalizeH="0" baseline="0" dirty="0">
                 <a:ln>
                   <a:noFill/>
                 </a:ln>
                 <a:solidFill>
-                  <a:srgbClr val="000000"/>
+                  <a:schemeClr val="bg1"/>
                 </a:solidFill>
                 <a:effectLst/>
                 <a:uFillTx/>
@@ -6653,34 +6120,36 @@
                 <a:cs typeface="+mn-cs"/>
                 <a:sym typeface="Helvetica Neue"/>
               </a:rPr>
-              <a:t>.06</a:t>
+              <a:t>Function Definition</a:t>
             </a:r>
           </a:p>
         </p:txBody>
       </p:sp>
       <p:sp>
         <p:nvSpPr>
-          <p:cNvPr id="25" name="Textfeld 24">
+          <p:cNvPr id="16" name="Rectangle 15">
             <a:extLst>
               <a:ext uri="{FF2B5EF4-FFF2-40B4-BE49-F238E27FC236}">
-                <a16:creationId xmlns:a16="http://schemas.microsoft.com/office/drawing/2014/main" id="{0EEF8F27-C351-1553-8FFE-2B55DA06B952}"/>
+                <a16:creationId xmlns:a16="http://schemas.microsoft.com/office/drawing/2014/main" id="{A128C921-B5F0-E7C7-0F9A-72BFEEA4628E}"/>
               </a:ext>
             </a:extLst>
           </p:cNvPr>
-          <p:cNvSpPr txBox="1"/>
+          <p:cNvSpPr/>
           <p:nvPr/>
         </p:nvSpPr>
         <p:spPr>
           <a:xfrm>
-            <a:off x="20555954" y="10513402"/>
-            <a:ext cx="1126912" cy="1122871"/>
+            <a:off x="1330960" y="6318653"/>
+            <a:ext cx="3048000" cy="995680"/>
           </a:xfrm>
           <a:prstGeom prst="rect">
             <a:avLst/>
           </a:prstGeom>
           <a:noFill/>
-          <a:ln w="12700" cap="flat">
-            <a:noFill/>
+          <a:ln w="28575" cap="flat">
+            <a:solidFill>
+              <a:srgbClr val="002060"/>
+            </a:solidFill>
             <a:miter lim="400000"/>
           </a:ln>
           <a:effectLst/>
@@ -6699,7 +6168,167 @@
           <a:fontRef idx="none"/>
         </p:style>
         <p:txBody>
-          <a:bodyPr rot="0" spcFirstLastPara="1" vertOverflow="overflow" horzOverflow="overflow" vert="horz" wrap="none" lIns="50800" tIns="50800" rIns="50800" bIns="50800" numCol="1" spcCol="38100" rtlCol="0" anchor="ctr">
+          <a:bodyPr rot="0" spcFirstLastPara="1" vertOverflow="overflow" horzOverflow="overflow" vert="horz" wrap="square" lIns="50800" tIns="50800" rIns="50800" bIns="50800" numCol="1" spcCol="38100" rtlCol="0" anchor="ctr">
+            <a:spAutoFit/>
+          </a:bodyPr>
+          <a:lstStyle/>
+          <a:p>
+            <a:pPr marL="0" marR="0" indent="0" algn="ctr" defTabSz="825500" rtl="0" fontAlgn="auto" latinLnBrk="0" hangingPunct="0">
+              <a:lnSpc>
+                <a:spcPct val="100000"/>
+              </a:lnSpc>
+              <a:spcBef>
+                <a:spcPts val="0"/>
+              </a:spcBef>
+              <a:spcAft>
+                <a:spcPts val="0"/>
+              </a:spcAft>
+              <a:buClrTx/>
+              <a:buSzTx/>
+              <a:buFontTx/>
+              <a:buNone/>
+              <a:tabLst/>
+            </a:pPr>
+            <a:endParaRPr kumimoji="0" lang="en-US" sz="3200" b="0" i="0" u="none" strike="noStrike" cap="none" spc="0" normalizeH="0" baseline="0" dirty="0">
+              <a:ln>
+                <a:noFill/>
+              </a:ln>
+              <a:solidFill>
+                <a:srgbClr val="FFFFFF"/>
+              </a:solidFill>
+              <a:effectLst/>
+              <a:uFillTx/>
+              <a:latin typeface="Helvetica Neue Medium"/>
+              <a:ea typeface="Helvetica Neue Medium"/>
+              <a:cs typeface="Helvetica Neue Medium"/>
+              <a:sym typeface="Helvetica Neue Medium"/>
+            </a:endParaRPr>
+          </a:p>
+        </p:txBody>
+      </p:sp>
+      <p:sp>
+        <p:nvSpPr>
+          <p:cNvPr id="17" name="Rectangle 16">
+            <a:extLst>
+              <a:ext uri="{FF2B5EF4-FFF2-40B4-BE49-F238E27FC236}">
+                <a16:creationId xmlns:a16="http://schemas.microsoft.com/office/drawing/2014/main" id="{450331F1-B783-1428-636A-896E0165F43C}"/>
+              </a:ext>
+            </a:extLst>
+          </p:cNvPr>
+          <p:cNvSpPr/>
+          <p:nvPr/>
+        </p:nvSpPr>
+        <p:spPr>
+          <a:xfrm>
+            <a:off x="4378960" y="6318653"/>
+            <a:ext cx="18531840" cy="995680"/>
+          </a:xfrm>
+          <a:prstGeom prst="rect">
+            <a:avLst/>
+          </a:prstGeom>
+          <a:noFill/>
+          <a:ln w="28575" cap="flat">
+            <a:solidFill>
+              <a:srgbClr val="002060"/>
+            </a:solidFill>
+            <a:miter lim="400000"/>
+          </a:ln>
+          <a:effectLst/>
+          <a:sp3d/>
+        </p:spPr>
+        <p:style>
+          <a:lnRef idx="0">
+            <a:scrgbClr r="0" g="0" b="0"/>
+          </a:lnRef>
+          <a:fillRef idx="0">
+            <a:scrgbClr r="0" g="0" b="0"/>
+          </a:fillRef>
+          <a:effectRef idx="0">
+            <a:scrgbClr r="0" g="0" b="0"/>
+          </a:effectRef>
+          <a:fontRef idx="none"/>
+        </p:style>
+        <p:txBody>
+          <a:bodyPr rot="0" spcFirstLastPara="1" vertOverflow="overflow" horzOverflow="overflow" vert="horz" wrap="square" lIns="50800" tIns="50800" rIns="50800" bIns="50800" numCol="1" spcCol="38100" rtlCol="0" anchor="ctr">
+            <a:spAutoFit/>
+          </a:bodyPr>
+          <a:lstStyle/>
+          <a:p>
+            <a:pPr marL="0" marR="0" indent="0" algn="ctr" defTabSz="825500" rtl="0" fontAlgn="auto" latinLnBrk="0" hangingPunct="0">
+              <a:lnSpc>
+                <a:spcPct val="100000"/>
+              </a:lnSpc>
+              <a:spcBef>
+                <a:spcPts val="0"/>
+              </a:spcBef>
+              <a:spcAft>
+                <a:spcPts val="0"/>
+              </a:spcAft>
+              <a:buClrTx/>
+              <a:buSzTx/>
+              <a:buFontTx/>
+              <a:buNone/>
+              <a:tabLst/>
+            </a:pPr>
+            <a:endParaRPr kumimoji="0" lang="en-US" sz="3200" b="0" i="0" u="none" strike="noStrike" cap="none" spc="0" normalizeH="0" baseline="0">
+              <a:ln>
+                <a:noFill/>
+              </a:ln>
+              <a:solidFill>
+                <a:srgbClr val="FFFFFF"/>
+              </a:solidFill>
+              <a:effectLst/>
+              <a:uFillTx/>
+              <a:latin typeface="Helvetica Neue Medium"/>
+              <a:ea typeface="Helvetica Neue Medium"/>
+              <a:cs typeface="Helvetica Neue Medium"/>
+              <a:sym typeface="Helvetica Neue Medium"/>
+            </a:endParaRPr>
+          </a:p>
+        </p:txBody>
+      </p:sp>
+      <p:sp>
+        <p:nvSpPr>
+          <p:cNvPr id="18" name="TextBox 17">
+            <a:extLst>
+              <a:ext uri="{FF2B5EF4-FFF2-40B4-BE49-F238E27FC236}">
+                <a16:creationId xmlns:a16="http://schemas.microsoft.com/office/drawing/2014/main" id="{5A4098E2-41D4-17D4-7F6D-CDCECB07AE02}"/>
+              </a:ext>
+            </a:extLst>
+          </p:cNvPr>
+          <p:cNvSpPr txBox="1"/>
+          <p:nvPr/>
+        </p:nvSpPr>
+        <p:spPr>
+          <a:xfrm>
+            <a:off x="1544320" y="6144617"/>
+            <a:ext cx="2834640" cy="984372"/>
+          </a:xfrm>
+          <a:prstGeom prst="rect">
+            <a:avLst/>
+          </a:prstGeom>
+          <a:noFill/>
+          <a:ln w="12700" cap="flat">
+            <a:noFill/>
+            <a:miter lim="400000"/>
+          </a:ln>
+          <a:effectLst/>
+          <a:sp3d/>
+        </p:spPr>
+        <p:style>
+          <a:lnRef idx="0">
+            <a:scrgbClr r="0" g="0" b="0"/>
+          </a:lnRef>
+          <a:fillRef idx="0">
+            <a:scrgbClr r="0" g="0" b="0"/>
+          </a:fillRef>
+          <a:effectRef idx="0">
+            <a:scrgbClr r="0" g="0" b="0"/>
+          </a:effectRef>
+          <a:fontRef idx="none"/>
+        </p:style>
+        <p:txBody>
+          <a:bodyPr rot="0" spcFirstLastPara="1" vertOverflow="overflow" horzOverflow="overflow" vert="horz" wrap="square" lIns="50800" tIns="50800" rIns="50800" bIns="50800" numCol="1" spcCol="38100" rtlCol="0" anchor="ctr">
             <a:spAutoFit/>
           </a:bodyPr>
           <a:lstStyle/>
@@ -6721,12 +6350,12 @@
               <a:tabLst/>
             </a:pPr>
             <a:r>
-              <a:rPr kumimoji="0" lang="en-GB" sz="3200" b="0" i="0" u="none" strike="noStrike" cap="none" spc="0" normalizeH="0" baseline="0" dirty="0">
+              <a:rPr kumimoji="0" lang="en-US" sz="2200" b="0" i="0" u="none" strike="noStrike" cap="none" spc="0" normalizeH="0" baseline="0" dirty="0">
                 <a:ln>
                   <a:noFill/>
                 </a:ln>
                 <a:solidFill>
-                  <a:srgbClr val="000000"/>
+                  <a:schemeClr val="bg1"/>
                 </a:solidFill>
                 <a:effectLst/>
                 <a:uFillTx/>
@@ -6735,7 +6364,1313 @@
                 <a:cs typeface="+mn-cs"/>
                 <a:sym typeface="Helvetica Neue"/>
               </a:rPr>
-              <a:t>23.06</a:t>
+              <a:t>Classification Model*</a:t>
+            </a:r>
+          </a:p>
+        </p:txBody>
+      </p:sp>
+      <p:sp>
+        <p:nvSpPr>
+          <p:cNvPr id="19" name="Rectangle 18">
+            <a:extLst>
+              <a:ext uri="{FF2B5EF4-FFF2-40B4-BE49-F238E27FC236}">
+                <a16:creationId xmlns:a16="http://schemas.microsoft.com/office/drawing/2014/main" id="{F29BC25A-127C-9491-7A5D-2CB78B7A0015}"/>
+              </a:ext>
+            </a:extLst>
+          </p:cNvPr>
+          <p:cNvSpPr/>
+          <p:nvPr/>
+        </p:nvSpPr>
+        <p:spPr>
+          <a:xfrm>
+            <a:off x="1330960" y="7496924"/>
+            <a:ext cx="3048000" cy="995680"/>
+          </a:xfrm>
+          <a:prstGeom prst="rect">
+            <a:avLst/>
+          </a:prstGeom>
+          <a:noFill/>
+          <a:ln w="28575" cap="flat">
+            <a:solidFill>
+              <a:srgbClr val="002060"/>
+            </a:solidFill>
+            <a:miter lim="400000"/>
+          </a:ln>
+          <a:effectLst/>
+          <a:sp3d/>
+        </p:spPr>
+        <p:style>
+          <a:lnRef idx="0">
+            <a:scrgbClr r="0" g="0" b="0"/>
+          </a:lnRef>
+          <a:fillRef idx="0">
+            <a:scrgbClr r="0" g="0" b="0"/>
+          </a:fillRef>
+          <a:effectRef idx="0">
+            <a:scrgbClr r="0" g="0" b="0"/>
+          </a:effectRef>
+          <a:fontRef idx="none"/>
+        </p:style>
+        <p:txBody>
+          <a:bodyPr rot="0" spcFirstLastPara="1" vertOverflow="overflow" horzOverflow="overflow" vert="horz" wrap="square" lIns="50800" tIns="50800" rIns="50800" bIns="50800" numCol="1" spcCol="38100" rtlCol="0" anchor="ctr">
+            <a:spAutoFit/>
+          </a:bodyPr>
+          <a:lstStyle/>
+          <a:p>
+            <a:pPr marL="0" marR="0" indent="0" algn="ctr" defTabSz="825500" rtl="0" fontAlgn="auto" latinLnBrk="0" hangingPunct="0">
+              <a:lnSpc>
+                <a:spcPct val="100000"/>
+              </a:lnSpc>
+              <a:spcBef>
+                <a:spcPts val="0"/>
+              </a:spcBef>
+              <a:spcAft>
+                <a:spcPts val="0"/>
+              </a:spcAft>
+              <a:buClrTx/>
+              <a:buSzTx/>
+              <a:buFontTx/>
+              <a:buNone/>
+              <a:tabLst/>
+            </a:pPr>
+            <a:endParaRPr kumimoji="0" lang="en-US" sz="3200" b="0" i="0" u="none" strike="noStrike" cap="none" spc="0" normalizeH="0" baseline="0" dirty="0">
+              <a:ln>
+                <a:noFill/>
+              </a:ln>
+              <a:solidFill>
+                <a:srgbClr val="FFFFFF"/>
+              </a:solidFill>
+              <a:effectLst/>
+              <a:uFillTx/>
+              <a:latin typeface="Helvetica Neue Medium"/>
+              <a:ea typeface="Helvetica Neue Medium"/>
+              <a:cs typeface="Helvetica Neue Medium"/>
+              <a:sym typeface="Helvetica Neue Medium"/>
+            </a:endParaRPr>
+          </a:p>
+        </p:txBody>
+      </p:sp>
+      <p:sp>
+        <p:nvSpPr>
+          <p:cNvPr id="20" name="Rectangle 19">
+            <a:extLst>
+              <a:ext uri="{FF2B5EF4-FFF2-40B4-BE49-F238E27FC236}">
+                <a16:creationId xmlns:a16="http://schemas.microsoft.com/office/drawing/2014/main" id="{B31F2FFC-A712-838B-5DE3-A9932BD8EBA0}"/>
+              </a:ext>
+            </a:extLst>
+          </p:cNvPr>
+          <p:cNvSpPr/>
+          <p:nvPr/>
+        </p:nvSpPr>
+        <p:spPr>
+          <a:xfrm>
+            <a:off x="4378960" y="7496924"/>
+            <a:ext cx="18531840" cy="995680"/>
+          </a:xfrm>
+          <a:prstGeom prst="rect">
+            <a:avLst/>
+          </a:prstGeom>
+          <a:noFill/>
+          <a:ln w="28575" cap="flat">
+            <a:solidFill>
+              <a:srgbClr val="002060"/>
+            </a:solidFill>
+            <a:miter lim="400000"/>
+          </a:ln>
+          <a:effectLst/>
+          <a:sp3d/>
+        </p:spPr>
+        <p:style>
+          <a:lnRef idx="0">
+            <a:scrgbClr r="0" g="0" b="0"/>
+          </a:lnRef>
+          <a:fillRef idx="0">
+            <a:scrgbClr r="0" g="0" b="0"/>
+          </a:fillRef>
+          <a:effectRef idx="0">
+            <a:scrgbClr r="0" g="0" b="0"/>
+          </a:effectRef>
+          <a:fontRef idx="none"/>
+        </p:style>
+        <p:txBody>
+          <a:bodyPr rot="0" spcFirstLastPara="1" vertOverflow="overflow" horzOverflow="overflow" vert="horz" wrap="square" lIns="50800" tIns="50800" rIns="50800" bIns="50800" numCol="1" spcCol="38100" rtlCol="0" anchor="ctr">
+            <a:spAutoFit/>
+          </a:bodyPr>
+          <a:lstStyle/>
+          <a:p>
+            <a:pPr marL="0" marR="0" indent="0" algn="ctr" defTabSz="825500" rtl="0" fontAlgn="auto" latinLnBrk="0" hangingPunct="0">
+              <a:lnSpc>
+                <a:spcPct val="100000"/>
+              </a:lnSpc>
+              <a:spcBef>
+                <a:spcPts val="0"/>
+              </a:spcBef>
+              <a:spcAft>
+                <a:spcPts val="0"/>
+              </a:spcAft>
+              <a:buClrTx/>
+              <a:buSzTx/>
+              <a:buFontTx/>
+              <a:buNone/>
+              <a:tabLst/>
+            </a:pPr>
+            <a:endParaRPr kumimoji="0" lang="en-US" sz="3200" b="0" i="0" u="none" strike="noStrike" cap="none" spc="0" normalizeH="0" baseline="0">
+              <a:ln>
+                <a:noFill/>
+              </a:ln>
+              <a:solidFill>
+                <a:srgbClr val="FFFFFF"/>
+              </a:solidFill>
+              <a:effectLst/>
+              <a:uFillTx/>
+              <a:latin typeface="Helvetica Neue Medium"/>
+              <a:ea typeface="Helvetica Neue Medium"/>
+              <a:cs typeface="Helvetica Neue Medium"/>
+              <a:sym typeface="Helvetica Neue Medium"/>
+            </a:endParaRPr>
+          </a:p>
+        </p:txBody>
+      </p:sp>
+      <p:sp>
+        <p:nvSpPr>
+          <p:cNvPr id="21" name="TextBox 20">
+            <a:extLst>
+              <a:ext uri="{FF2B5EF4-FFF2-40B4-BE49-F238E27FC236}">
+                <a16:creationId xmlns:a16="http://schemas.microsoft.com/office/drawing/2014/main" id="{9FD09069-BF04-B568-6745-EC939EDF023C}"/>
+              </a:ext>
+            </a:extLst>
+          </p:cNvPr>
+          <p:cNvSpPr txBox="1"/>
+          <p:nvPr/>
+        </p:nvSpPr>
+        <p:spPr>
+          <a:xfrm>
+            <a:off x="1544320" y="7322888"/>
+            <a:ext cx="2834640" cy="984372"/>
+          </a:xfrm>
+          <a:prstGeom prst="rect">
+            <a:avLst/>
+          </a:prstGeom>
+          <a:noFill/>
+          <a:ln w="12700" cap="flat">
+            <a:noFill/>
+            <a:miter lim="400000"/>
+          </a:ln>
+          <a:effectLst/>
+          <a:sp3d/>
+        </p:spPr>
+        <p:style>
+          <a:lnRef idx="0">
+            <a:scrgbClr r="0" g="0" b="0"/>
+          </a:lnRef>
+          <a:fillRef idx="0">
+            <a:scrgbClr r="0" g="0" b="0"/>
+          </a:fillRef>
+          <a:effectRef idx="0">
+            <a:scrgbClr r="0" g="0" b="0"/>
+          </a:effectRef>
+          <a:fontRef idx="none"/>
+        </p:style>
+        <p:txBody>
+          <a:bodyPr rot="0" spcFirstLastPara="1" vertOverflow="overflow" horzOverflow="overflow" vert="horz" wrap="square" lIns="50800" tIns="50800" rIns="50800" bIns="50800" numCol="1" spcCol="38100" rtlCol="0" anchor="ctr">
+            <a:spAutoFit/>
+          </a:bodyPr>
+          <a:lstStyle/>
+          <a:p>
+            <a:pPr marL="0" marR="0" indent="0" algn="l" defTabSz="2438338" rtl="0" fontAlgn="auto" latinLnBrk="0" hangingPunct="0">
+              <a:lnSpc>
+                <a:spcPct val="90000"/>
+              </a:lnSpc>
+              <a:spcBef>
+                <a:spcPts val="4500"/>
+              </a:spcBef>
+              <a:spcAft>
+                <a:spcPts val="0"/>
+              </a:spcAft>
+              <a:buClrTx/>
+              <a:buSzTx/>
+              <a:buFontTx/>
+              <a:buNone/>
+              <a:tabLst/>
+            </a:pPr>
+            <a:r>
+              <a:rPr kumimoji="0" lang="en-US" sz="2200" b="0" i="0" u="none" strike="noStrike" cap="none" spc="0" normalizeH="0" baseline="0" dirty="0">
+                <a:ln>
+                  <a:noFill/>
+                </a:ln>
+                <a:solidFill>
+                  <a:schemeClr val="bg1"/>
+                </a:solidFill>
+                <a:effectLst/>
+                <a:uFillTx/>
+                <a:latin typeface="+mn-lt"/>
+                <a:ea typeface="+mn-ea"/>
+                <a:cs typeface="+mn-cs"/>
+                <a:sym typeface="Helvetica Neue"/>
+              </a:rPr>
+              <a:t>Data Processing</a:t>
+            </a:r>
+          </a:p>
+        </p:txBody>
+      </p:sp>
+      <p:sp>
+        <p:nvSpPr>
+          <p:cNvPr id="22" name="Rectangle 21">
+            <a:extLst>
+              <a:ext uri="{FF2B5EF4-FFF2-40B4-BE49-F238E27FC236}">
+                <a16:creationId xmlns:a16="http://schemas.microsoft.com/office/drawing/2014/main" id="{43E96364-49C3-0AFB-FB0F-316B93E83CA7}"/>
+              </a:ext>
+            </a:extLst>
+          </p:cNvPr>
+          <p:cNvSpPr/>
+          <p:nvPr/>
+        </p:nvSpPr>
+        <p:spPr>
+          <a:xfrm>
+            <a:off x="1330960" y="8675195"/>
+            <a:ext cx="3048000" cy="995680"/>
+          </a:xfrm>
+          <a:prstGeom prst="rect">
+            <a:avLst/>
+          </a:prstGeom>
+          <a:noFill/>
+          <a:ln w="28575" cap="flat">
+            <a:solidFill>
+              <a:srgbClr val="002060"/>
+            </a:solidFill>
+            <a:miter lim="400000"/>
+          </a:ln>
+          <a:effectLst/>
+          <a:sp3d/>
+        </p:spPr>
+        <p:style>
+          <a:lnRef idx="0">
+            <a:scrgbClr r="0" g="0" b="0"/>
+          </a:lnRef>
+          <a:fillRef idx="0">
+            <a:scrgbClr r="0" g="0" b="0"/>
+          </a:fillRef>
+          <a:effectRef idx="0">
+            <a:scrgbClr r="0" g="0" b="0"/>
+          </a:effectRef>
+          <a:fontRef idx="none"/>
+        </p:style>
+        <p:txBody>
+          <a:bodyPr rot="0" spcFirstLastPara="1" vertOverflow="overflow" horzOverflow="overflow" vert="horz" wrap="square" lIns="50800" tIns="50800" rIns="50800" bIns="50800" numCol="1" spcCol="38100" rtlCol="0" anchor="ctr">
+            <a:spAutoFit/>
+          </a:bodyPr>
+          <a:lstStyle/>
+          <a:p>
+            <a:pPr marL="0" marR="0" indent="0" algn="ctr" defTabSz="825500" rtl="0" fontAlgn="auto" latinLnBrk="0" hangingPunct="0">
+              <a:lnSpc>
+                <a:spcPct val="100000"/>
+              </a:lnSpc>
+              <a:spcBef>
+                <a:spcPts val="0"/>
+              </a:spcBef>
+              <a:spcAft>
+                <a:spcPts val="0"/>
+              </a:spcAft>
+              <a:buClrTx/>
+              <a:buSzTx/>
+              <a:buFontTx/>
+              <a:buNone/>
+              <a:tabLst/>
+            </a:pPr>
+            <a:endParaRPr kumimoji="0" lang="en-US" sz="3200" b="0" i="0" u="none" strike="noStrike" cap="none" spc="0" normalizeH="0" baseline="0" dirty="0">
+              <a:ln>
+                <a:noFill/>
+              </a:ln>
+              <a:solidFill>
+                <a:srgbClr val="FFFFFF"/>
+              </a:solidFill>
+              <a:effectLst/>
+              <a:uFillTx/>
+              <a:latin typeface="Helvetica Neue Medium"/>
+              <a:ea typeface="Helvetica Neue Medium"/>
+              <a:cs typeface="Helvetica Neue Medium"/>
+              <a:sym typeface="Helvetica Neue Medium"/>
+            </a:endParaRPr>
+          </a:p>
+        </p:txBody>
+      </p:sp>
+      <p:sp>
+        <p:nvSpPr>
+          <p:cNvPr id="23" name="Rectangle 22">
+            <a:extLst>
+              <a:ext uri="{FF2B5EF4-FFF2-40B4-BE49-F238E27FC236}">
+                <a16:creationId xmlns:a16="http://schemas.microsoft.com/office/drawing/2014/main" id="{78BFD8A7-DBF2-7433-3CB4-0014C8571E93}"/>
+              </a:ext>
+            </a:extLst>
+          </p:cNvPr>
+          <p:cNvSpPr/>
+          <p:nvPr/>
+        </p:nvSpPr>
+        <p:spPr>
+          <a:xfrm>
+            <a:off x="4378960" y="8675195"/>
+            <a:ext cx="18531840" cy="995680"/>
+          </a:xfrm>
+          <a:prstGeom prst="rect">
+            <a:avLst/>
+          </a:prstGeom>
+          <a:noFill/>
+          <a:ln w="28575" cap="flat">
+            <a:solidFill>
+              <a:srgbClr val="002060"/>
+            </a:solidFill>
+            <a:miter lim="400000"/>
+          </a:ln>
+          <a:effectLst/>
+          <a:sp3d/>
+        </p:spPr>
+        <p:style>
+          <a:lnRef idx="0">
+            <a:scrgbClr r="0" g="0" b="0"/>
+          </a:lnRef>
+          <a:fillRef idx="0">
+            <a:scrgbClr r="0" g="0" b="0"/>
+          </a:fillRef>
+          <a:effectRef idx="0">
+            <a:scrgbClr r="0" g="0" b="0"/>
+          </a:effectRef>
+          <a:fontRef idx="none"/>
+        </p:style>
+        <p:txBody>
+          <a:bodyPr rot="0" spcFirstLastPara="1" vertOverflow="overflow" horzOverflow="overflow" vert="horz" wrap="square" lIns="50800" tIns="50800" rIns="50800" bIns="50800" numCol="1" spcCol="38100" rtlCol="0" anchor="ctr">
+            <a:spAutoFit/>
+          </a:bodyPr>
+          <a:lstStyle/>
+          <a:p>
+            <a:pPr marL="0" marR="0" indent="0" algn="ctr" defTabSz="825500" rtl="0" fontAlgn="auto" latinLnBrk="0" hangingPunct="0">
+              <a:lnSpc>
+                <a:spcPct val="100000"/>
+              </a:lnSpc>
+              <a:spcBef>
+                <a:spcPts val="0"/>
+              </a:spcBef>
+              <a:spcAft>
+                <a:spcPts val="0"/>
+              </a:spcAft>
+              <a:buClrTx/>
+              <a:buSzTx/>
+              <a:buFontTx/>
+              <a:buNone/>
+              <a:tabLst/>
+            </a:pPr>
+            <a:endParaRPr kumimoji="0" lang="en-US" sz="3200" b="0" i="0" u="none" strike="noStrike" cap="none" spc="0" normalizeH="0" baseline="0">
+              <a:ln>
+                <a:noFill/>
+              </a:ln>
+              <a:solidFill>
+                <a:srgbClr val="FFFFFF"/>
+              </a:solidFill>
+              <a:effectLst/>
+              <a:uFillTx/>
+              <a:latin typeface="Helvetica Neue Medium"/>
+              <a:ea typeface="Helvetica Neue Medium"/>
+              <a:cs typeface="Helvetica Neue Medium"/>
+              <a:sym typeface="Helvetica Neue Medium"/>
+            </a:endParaRPr>
+          </a:p>
+        </p:txBody>
+      </p:sp>
+      <p:sp>
+        <p:nvSpPr>
+          <p:cNvPr id="24" name="TextBox 23">
+            <a:extLst>
+              <a:ext uri="{FF2B5EF4-FFF2-40B4-BE49-F238E27FC236}">
+                <a16:creationId xmlns:a16="http://schemas.microsoft.com/office/drawing/2014/main" id="{B83B72A3-DB7C-99B3-D5D1-2D3BDBD904C4}"/>
+              </a:ext>
+            </a:extLst>
+          </p:cNvPr>
+          <p:cNvSpPr txBox="1"/>
+          <p:nvPr/>
+        </p:nvSpPr>
+        <p:spPr>
+          <a:xfrm>
+            <a:off x="1544320" y="8501159"/>
+            <a:ext cx="2834640" cy="984372"/>
+          </a:xfrm>
+          <a:prstGeom prst="rect">
+            <a:avLst/>
+          </a:prstGeom>
+          <a:noFill/>
+          <a:ln w="12700" cap="flat">
+            <a:noFill/>
+            <a:miter lim="400000"/>
+          </a:ln>
+          <a:effectLst/>
+          <a:sp3d/>
+        </p:spPr>
+        <p:style>
+          <a:lnRef idx="0">
+            <a:scrgbClr r="0" g="0" b="0"/>
+          </a:lnRef>
+          <a:fillRef idx="0">
+            <a:scrgbClr r="0" g="0" b="0"/>
+          </a:fillRef>
+          <a:effectRef idx="0">
+            <a:scrgbClr r="0" g="0" b="0"/>
+          </a:effectRef>
+          <a:fontRef idx="none"/>
+        </p:style>
+        <p:txBody>
+          <a:bodyPr rot="0" spcFirstLastPara="1" vertOverflow="overflow" horzOverflow="overflow" vert="horz" wrap="square" lIns="50800" tIns="50800" rIns="50800" bIns="50800" numCol="1" spcCol="38100" rtlCol="0" anchor="ctr">
+            <a:spAutoFit/>
+          </a:bodyPr>
+          <a:lstStyle/>
+          <a:p>
+            <a:pPr marL="0" marR="0" indent="0" algn="l" defTabSz="2438338" rtl="0" fontAlgn="auto" latinLnBrk="0" hangingPunct="0">
+              <a:lnSpc>
+                <a:spcPct val="90000"/>
+              </a:lnSpc>
+              <a:spcBef>
+                <a:spcPts val="4500"/>
+              </a:spcBef>
+              <a:spcAft>
+                <a:spcPts val="0"/>
+              </a:spcAft>
+              <a:buClrTx/>
+              <a:buSzTx/>
+              <a:buFontTx/>
+              <a:buNone/>
+              <a:tabLst/>
+            </a:pPr>
+            <a:r>
+              <a:rPr kumimoji="0" lang="en-US" sz="2200" b="0" i="0" u="none" strike="noStrike" cap="none" spc="0" normalizeH="0" baseline="0" dirty="0">
+                <a:ln>
+                  <a:noFill/>
+                </a:ln>
+                <a:solidFill>
+                  <a:schemeClr val="bg1"/>
+                </a:solidFill>
+                <a:effectLst/>
+                <a:uFillTx/>
+                <a:latin typeface="+mn-lt"/>
+                <a:ea typeface="+mn-ea"/>
+                <a:cs typeface="+mn-cs"/>
+                <a:sym typeface="Helvetica Neue"/>
+              </a:rPr>
+              <a:t>Evaluation</a:t>
+            </a:r>
+          </a:p>
+        </p:txBody>
+      </p:sp>
+      <p:sp>
+        <p:nvSpPr>
+          <p:cNvPr id="25" name="Rectangle 24">
+            <a:extLst>
+              <a:ext uri="{FF2B5EF4-FFF2-40B4-BE49-F238E27FC236}">
+                <a16:creationId xmlns:a16="http://schemas.microsoft.com/office/drawing/2014/main" id="{C3B9D313-9709-91A8-79D9-408A62419306}"/>
+              </a:ext>
+            </a:extLst>
+          </p:cNvPr>
+          <p:cNvSpPr/>
+          <p:nvPr/>
+        </p:nvSpPr>
+        <p:spPr>
+          <a:xfrm>
+            <a:off x="1330960" y="9853466"/>
+            <a:ext cx="3048000" cy="995680"/>
+          </a:xfrm>
+          <a:prstGeom prst="rect">
+            <a:avLst/>
+          </a:prstGeom>
+          <a:noFill/>
+          <a:ln w="28575" cap="flat">
+            <a:solidFill>
+              <a:srgbClr val="002060"/>
+            </a:solidFill>
+            <a:miter lim="400000"/>
+          </a:ln>
+          <a:effectLst/>
+          <a:sp3d/>
+        </p:spPr>
+        <p:style>
+          <a:lnRef idx="0">
+            <a:scrgbClr r="0" g="0" b="0"/>
+          </a:lnRef>
+          <a:fillRef idx="0">
+            <a:scrgbClr r="0" g="0" b="0"/>
+          </a:fillRef>
+          <a:effectRef idx="0">
+            <a:scrgbClr r="0" g="0" b="0"/>
+          </a:effectRef>
+          <a:fontRef idx="none"/>
+        </p:style>
+        <p:txBody>
+          <a:bodyPr rot="0" spcFirstLastPara="1" vertOverflow="overflow" horzOverflow="overflow" vert="horz" wrap="square" lIns="50800" tIns="50800" rIns="50800" bIns="50800" numCol="1" spcCol="38100" rtlCol="0" anchor="ctr">
+            <a:spAutoFit/>
+          </a:bodyPr>
+          <a:lstStyle/>
+          <a:p>
+            <a:pPr marL="0" marR="0" indent="0" algn="ctr" defTabSz="825500" rtl="0" fontAlgn="auto" latinLnBrk="0" hangingPunct="0">
+              <a:lnSpc>
+                <a:spcPct val="100000"/>
+              </a:lnSpc>
+              <a:spcBef>
+                <a:spcPts val="0"/>
+              </a:spcBef>
+              <a:spcAft>
+                <a:spcPts val="0"/>
+              </a:spcAft>
+              <a:buClrTx/>
+              <a:buSzTx/>
+              <a:buFontTx/>
+              <a:buNone/>
+              <a:tabLst/>
+            </a:pPr>
+            <a:endParaRPr kumimoji="0" lang="en-US" sz="3200" b="0" i="0" u="none" strike="noStrike" cap="none" spc="0" normalizeH="0" baseline="0" dirty="0">
+              <a:ln>
+                <a:noFill/>
+              </a:ln>
+              <a:solidFill>
+                <a:srgbClr val="FFFFFF"/>
+              </a:solidFill>
+              <a:effectLst/>
+              <a:uFillTx/>
+              <a:latin typeface="Helvetica Neue Medium"/>
+              <a:ea typeface="Helvetica Neue Medium"/>
+              <a:cs typeface="Helvetica Neue Medium"/>
+              <a:sym typeface="Helvetica Neue Medium"/>
+            </a:endParaRPr>
+          </a:p>
+        </p:txBody>
+      </p:sp>
+      <p:sp>
+        <p:nvSpPr>
+          <p:cNvPr id="26" name="Rectangle 25">
+            <a:extLst>
+              <a:ext uri="{FF2B5EF4-FFF2-40B4-BE49-F238E27FC236}">
+                <a16:creationId xmlns:a16="http://schemas.microsoft.com/office/drawing/2014/main" id="{26CFD80E-72A0-1F45-A1C3-5B6A2BFBB2EF}"/>
+              </a:ext>
+            </a:extLst>
+          </p:cNvPr>
+          <p:cNvSpPr/>
+          <p:nvPr/>
+        </p:nvSpPr>
+        <p:spPr>
+          <a:xfrm>
+            <a:off x="4378960" y="9853466"/>
+            <a:ext cx="18531840" cy="995680"/>
+          </a:xfrm>
+          <a:prstGeom prst="rect">
+            <a:avLst/>
+          </a:prstGeom>
+          <a:noFill/>
+          <a:ln w="28575" cap="flat">
+            <a:solidFill>
+              <a:srgbClr val="002060"/>
+            </a:solidFill>
+            <a:miter lim="400000"/>
+          </a:ln>
+          <a:effectLst/>
+          <a:sp3d/>
+        </p:spPr>
+        <p:style>
+          <a:lnRef idx="0">
+            <a:scrgbClr r="0" g="0" b="0"/>
+          </a:lnRef>
+          <a:fillRef idx="0">
+            <a:scrgbClr r="0" g="0" b="0"/>
+          </a:fillRef>
+          <a:effectRef idx="0">
+            <a:scrgbClr r="0" g="0" b="0"/>
+          </a:effectRef>
+          <a:fontRef idx="none"/>
+        </p:style>
+        <p:txBody>
+          <a:bodyPr rot="0" spcFirstLastPara="1" vertOverflow="overflow" horzOverflow="overflow" vert="horz" wrap="square" lIns="50800" tIns="50800" rIns="50800" bIns="50800" numCol="1" spcCol="38100" rtlCol="0" anchor="ctr">
+            <a:spAutoFit/>
+          </a:bodyPr>
+          <a:lstStyle/>
+          <a:p>
+            <a:pPr marL="0" marR="0" indent="0" algn="ctr" defTabSz="825500" rtl="0" fontAlgn="auto" latinLnBrk="0" hangingPunct="0">
+              <a:lnSpc>
+                <a:spcPct val="100000"/>
+              </a:lnSpc>
+              <a:spcBef>
+                <a:spcPts val="0"/>
+              </a:spcBef>
+              <a:spcAft>
+                <a:spcPts val="0"/>
+              </a:spcAft>
+              <a:buClrTx/>
+              <a:buSzTx/>
+              <a:buFontTx/>
+              <a:buNone/>
+              <a:tabLst/>
+            </a:pPr>
+            <a:endParaRPr kumimoji="0" lang="en-US" sz="3200" b="0" i="0" u="none" strike="noStrike" cap="none" spc="0" normalizeH="0" baseline="0">
+              <a:ln>
+                <a:noFill/>
+              </a:ln>
+              <a:solidFill>
+                <a:srgbClr val="FFFFFF"/>
+              </a:solidFill>
+              <a:effectLst/>
+              <a:uFillTx/>
+              <a:latin typeface="Helvetica Neue Medium"/>
+              <a:ea typeface="Helvetica Neue Medium"/>
+              <a:cs typeface="Helvetica Neue Medium"/>
+              <a:sym typeface="Helvetica Neue Medium"/>
+            </a:endParaRPr>
+          </a:p>
+        </p:txBody>
+      </p:sp>
+      <p:sp>
+        <p:nvSpPr>
+          <p:cNvPr id="27" name="TextBox 26">
+            <a:extLst>
+              <a:ext uri="{FF2B5EF4-FFF2-40B4-BE49-F238E27FC236}">
+                <a16:creationId xmlns:a16="http://schemas.microsoft.com/office/drawing/2014/main" id="{46BB1C0D-ACFB-F431-6B8C-4D007211A87B}"/>
+              </a:ext>
+            </a:extLst>
+          </p:cNvPr>
+          <p:cNvSpPr txBox="1"/>
+          <p:nvPr/>
+        </p:nvSpPr>
+        <p:spPr>
+          <a:xfrm>
+            <a:off x="1430020" y="9679430"/>
+            <a:ext cx="2834640" cy="984372"/>
+          </a:xfrm>
+          <a:prstGeom prst="rect">
+            <a:avLst/>
+          </a:prstGeom>
+          <a:noFill/>
+          <a:ln w="12700" cap="flat">
+            <a:noFill/>
+            <a:miter lim="400000"/>
+          </a:ln>
+          <a:effectLst/>
+          <a:sp3d/>
+        </p:spPr>
+        <p:style>
+          <a:lnRef idx="0">
+            <a:scrgbClr r="0" g="0" b="0"/>
+          </a:lnRef>
+          <a:fillRef idx="0">
+            <a:scrgbClr r="0" g="0" b="0"/>
+          </a:fillRef>
+          <a:effectRef idx="0">
+            <a:scrgbClr r="0" g="0" b="0"/>
+          </a:effectRef>
+          <a:fontRef idx="none"/>
+        </p:style>
+        <p:txBody>
+          <a:bodyPr rot="0" spcFirstLastPara="1" vertOverflow="overflow" horzOverflow="overflow" vert="horz" wrap="square" lIns="50800" tIns="50800" rIns="50800" bIns="50800" numCol="1" spcCol="38100" rtlCol="0" anchor="ctr">
+            <a:spAutoFit/>
+          </a:bodyPr>
+          <a:lstStyle/>
+          <a:p>
+            <a:pPr marL="0" marR="0" indent="0" algn="l" defTabSz="2438338" rtl="0" fontAlgn="auto" latinLnBrk="0" hangingPunct="0">
+              <a:lnSpc>
+                <a:spcPct val="90000"/>
+              </a:lnSpc>
+              <a:spcBef>
+                <a:spcPts val="4500"/>
+              </a:spcBef>
+              <a:spcAft>
+                <a:spcPts val="0"/>
+              </a:spcAft>
+              <a:buClrTx/>
+              <a:buSzTx/>
+              <a:buFontTx/>
+              <a:buNone/>
+              <a:tabLst/>
+            </a:pPr>
+            <a:r>
+              <a:rPr kumimoji="0" lang="en-US" sz="2200" b="0" i="0" u="none" strike="noStrike" cap="none" spc="0" normalizeH="0" baseline="0" dirty="0">
+                <a:ln>
+                  <a:noFill/>
+                </a:ln>
+                <a:solidFill>
+                  <a:schemeClr val="bg1"/>
+                </a:solidFill>
+                <a:effectLst/>
+                <a:uFillTx/>
+                <a:latin typeface="+mn-lt"/>
+                <a:ea typeface="+mn-ea"/>
+                <a:cs typeface="+mn-cs"/>
+                <a:sym typeface="Helvetica Neue"/>
+              </a:rPr>
+              <a:t>Result Visualization</a:t>
+            </a:r>
+          </a:p>
+        </p:txBody>
+      </p:sp>
+      <p:sp>
+        <p:nvSpPr>
+          <p:cNvPr id="28" name="TextBox 27">
+            <a:extLst>
+              <a:ext uri="{FF2B5EF4-FFF2-40B4-BE49-F238E27FC236}">
+                <a16:creationId xmlns:a16="http://schemas.microsoft.com/office/drawing/2014/main" id="{93F1F4CD-6E99-7E58-E59D-13B194F0AB4C}"/>
+              </a:ext>
+            </a:extLst>
+          </p:cNvPr>
+          <p:cNvSpPr txBox="1"/>
+          <p:nvPr/>
+        </p:nvSpPr>
+        <p:spPr>
+          <a:xfrm>
+            <a:off x="5080000" y="2551775"/>
+            <a:ext cx="11226800" cy="984372"/>
+          </a:xfrm>
+          <a:prstGeom prst="rect">
+            <a:avLst/>
+          </a:prstGeom>
+          <a:noFill/>
+          <a:ln w="12700" cap="flat">
+            <a:noFill/>
+            <a:miter lim="400000"/>
+          </a:ln>
+          <a:effectLst/>
+          <a:sp3d/>
+        </p:spPr>
+        <p:style>
+          <a:lnRef idx="0">
+            <a:scrgbClr r="0" g="0" b="0"/>
+          </a:lnRef>
+          <a:fillRef idx="0">
+            <a:scrgbClr r="0" g="0" b="0"/>
+          </a:fillRef>
+          <a:effectRef idx="0">
+            <a:scrgbClr r="0" g="0" b="0"/>
+          </a:effectRef>
+          <a:fontRef idx="none"/>
+        </p:style>
+        <p:txBody>
+          <a:bodyPr rot="0" spcFirstLastPara="1" vertOverflow="overflow" horzOverflow="overflow" vert="horz" wrap="square" lIns="50800" tIns="50800" rIns="50800" bIns="50800" numCol="1" spcCol="38100" rtlCol="0" anchor="ctr">
+            <a:spAutoFit/>
+          </a:bodyPr>
+          <a:lstStyle/>
+          <a:p>
+            <a:pPr marL="0" marR="0" indent="0" algn="l" defTabSz="2438338" rtl="0" fontAlgn="auto" latinLnBrk="0" hangingPunct="0">
+              <a:lnSpc>
+                <a:spcPct val="90000"/>
+              </a:lnSpc>
+              <a:spcBef>
+                <a:spcPts val="4500"/>
+              </a:spcBef>
+              <a:spcAft>
+                <a:spcPts val="0"/>
+              </a:spcAft>
+              <a:buClrTx/>
+              <a:buSzTx/>
+              <a:buFontTx/>
+              <a:buNone/>
+              <a:tabLst/>
+            </a:pPr>
+            <a:r>
+              <a:rPr kumimoji="0" lang="en-US" sz="2200" b="0" i="0" u="none" strike="noStrike" cap="none" spc="0" normalizeH="0" baseline="0" dirty="0">
+                <a:ln>
+                  <a:noFill/>
+                </a:ln>
+                <a:solidFill>
+                  <a:schemeClr val="bg1"/>
+                </a:solidFill>
+                <a:effectLst/>
+                <a:uFillTx/>
+                <a:latin typeface="+mn-lt"/>
+                <a:ea typeface="+mn-ea"/>
+                <a:cs typeface="+mn-cs"/>
+                <a:sym typeface="Helvetica Neue"/>
+              </a:rPr>
+              <a:t>GPX files, SwissTLM3D, transform to coordinate system, …</a:t>
+            </a:r>
+          </a:p>
+        </p:txBody>
+      </p:sp>
+      <p:sp>
+        <p:nvSpPr>
+          <p:cNvPr id="29" name="TextBox 28">
+            <a:extLst>
+              <a:ext uri="{FF2B5EF4-FFF2-40B4-BE49-F238E27FC236}">
+                <a16:creationId xmlns:a16="http://schemas.microsoft.com/office/drawing/2014/main" id="{B4C5176C-2DD6-3691-2EB3-39D2F2E47C0C}"/>
+              </a:ext>
+            </a:extLst>
+          </p:cNvPr>
+          <p:cNvSpPr txBox="1"/>
+          <p:nvPr/>
+        </p:nvSpPr>
+        <p:spPr>
+          <a:xfrm>
+            <a:off x="5080000" y="3685511"/>
+            <a:ext cx="11226800" cy="984372"/>
+          </a:xfrm>
+          <a:prstGeom prst="rect">
+            <a:avLst/>
+          </a:prstGeom>
+          <a:noFill/>
+          <a:ln w="12700" cap="flat">
+            <a:noFill/>
+            <a:miter lim="400000"/>
+          </a:ln>
+          <a:effectLst/>
+          <a:sp3d/>
+        </p:spPr>
+        <p:style>
+          <a:lnRef idx="0">
+            <a:scrgbClr r="0" g="0" b="0"/>
+          </a:lnRef>
+          <a:fillRef idx="0">
+            <a:scrgbClr r="0" g="0" b="0"/>
+          </a:fillRef>
+          <a:effectRef idx="0">
+            <a:scrgbClr r="0" g="0" b="0"/>
+          </a:effectRef>
+          <a:fontRef idx="none"/>
+        </p:style>
+        <p:txBody>
+          <a:bodyPr rot="0" spcFirstLastPara="1" vertOverflow="overflow" horzOverflow="overflow" vert="horz" wrap="square" lIns="50800" tIns="50800" rIns="50800" bIns="50800" numCol="1" spcCol="38100" rtlCol="0" anchor="ctr">
+            <a:spAutoFit/>
+          </a:bodyPr>
+          <a:lstStyle/>
+          <a:p>
+            <a:pPr marL="0" marR="0" indent="0" algn="l" defTabSz="2438338" rtl="0" fontAlgn="auto" latinLnBrk="0" hangingPunct="0">
+              <a:lnSpc>
+                <a:spcPct val="90000"/>
+              </a:lnSpc>
+              <a:spcBef>
+                <a:spcPts val="4500"/>
+              </a:spcBef>
+              <a:spcAft>
+                <a:spcPts val="0"/>
+              </a:spcAft>
+              <a:buClrTx/>
+              <a:buSzTx/>
+              <a:buFontTx/>
+              <a:buNone/>
+              <a:tabLst/>
+            </a:pPr>
+            <a:r>
+              <a:rPr kumimoji="0" lang="en-US" sz="2200" b="0" i="0" u="none" strike="noStrike" cap="none" spc="0" normalizeH="0" baseline="0" dirty="0">
+                <a:ln>
+                  <a:noFill/>
+                </a:ln>
+                <a:solidFill>
+                  <a:schemeClr val="bg1"/>
+                </a:solidFill>
+                <a:effectLst/>
+                <a:uFillTx/>
+                <a:latin typeface="+mn-lt"/>
+                <a:ea typeface="+mn-ea"/>
+                <a:cs typeface="+mn-cs"/>
+                <a:sym typeface="Helvetica Neue"/>
+              </a:rPr>
+              <a:t>Plots, etc. </a:t>
+            </a:r>
+          </a:p>
+        </p:txBody>
+      </p:sp>
+      <p:sp>
+        <p:nvSpPr>
+          <p:cNvPr id="30" name="TextBox 29">
+            <a:extLst>
+              <a:ext uri="{FF2B5EF4-FFF2-40B4-BE49-F238E27FC236}">
+                <a16:creationId xmlns:a16="http://schemas.microsoft.com/office/drawing/2014/main" id="{BCC7D106-4D5C-B3CC-3C6C-80824CE42E3F}"/>
+              </a:ext>
+            </a:extLst>
+          </p:cNvPr>
+          <p:cNvSpPr txBox="1"/>
+          <p:nvPr/>
+        </p:nvSpPr>
+        <p:spPr>
+          <a:xfrm>
+            <a:off x="5079999" y="4866041"/>
+            <a:ext cx="12837297" cy="984372"/>
+          </a:xfrm>
+          <a:prstGeom prst="rect">
+            <a:avLst/>
+          </a:prstGeom>
+          <a:noFill/>
+          <a:ln w="12700" cap="flat">
+            <a:noFill/>
+            <a:miter lim="400000"/>
+          </a:ln>
+          <a:effectLst/>
+          <a:sp3d/>
+        </p:spPr>
+        <p:style>
+          <a:lnRef idx="0">
+            <a:scrgbClr r="0" g="0" b="0"/>
+          </a:lnRef>
+          <a:fillRef idx="0">
+            <a:scrgbClr r="0" g="0" b="0"/>
+          </a:fillRef>
+          <a:effectRef idx="0">
+            <a:scrgbClr r="0" g="0" b="0"/>
+          </a:effectRef>
+          <a:fontRef idx="none"/>
+        </p:style>
+        <p:txBody>
+          <a:bodyPr rot="0" spcFirstLastPara="1" vertOverflow="overflow" horzOverflow="overflow" vert="horz" wrap="square" lIns="50800" tIns="50800" rIns="50800" bIns="50800" numCol="1" spcCol="38100" rtlCol="0" anchor="ctr">
+            <a:spAutoFit/>
+          </a:bodyPr>
+          <a:lstStyle/>
+          <a:p>
+            <a:pPr marL="0" marR="0" indent="0" algn="l" defTabSz="2438338" rtl="0" fontAlgn="auto" latinLnBrk="0" hangingPunct="0">
+              <a:lnSpc>
+                <a:spcPct val="90000"/>
+              </a:lnSpc>
+              <a:spcBef>
+                <a:spcPts val="4500"/>
+              </a:spcBef>
+              <a:spcAft>
+                <a:spcPts val="0"/>
+              </a:spcAft>
+              <a:buClrTx/>
+              <a:buSzTx/>
+              <a:buFontTx/>
+              <a:buNone/>
+              <a:tabLst/>
+            </a:pPr>
+            <a:r>
+              <a:rPr kumimoji="0" lang="en-US" sz="2200" b="0" i="0" u="none" strike="noStrike" cap="none" spc="0" normalizeH="0" baseline="0" dirty="0">
+                <a:ln>
+                  <a:noFill/>
+                </a:ln>
+                <a:solidFill>
+                  <a:schemeClr val="bg1"/>
+                </a:solidFill>
+                <a:effectLst/>
+                <a:uFillTx/>
+                <a:latin typeface="+mn-lt"/>
+                <a:ea typeface="+mn-ea"/>
+                <a:cs typeface="+mn-cs"/>
+                <a:sym typeface="Helvetica Neue"/>
+              </a:rPr>
+              <a:t>Speed, average speed, Elevation Change, stop frequency, Distance measures, Temporal measures</a:t>
+            </a:r>
+          </a:p>
+        </p:txBody>
+      </p:sp>
+      <p:sp>
+        <p:nvSpPr>
+          <p:cNvPr id="31" name="TextBox 30">
+            <a:extLst>
+              <a:ext uri="{FF2B5EF4-FFF2-40B4-BE49-F238E27FC236}">
+                <a16:creationId xmlns:a16="http://schemas.microsoft.com/office/drawing/2014/main" id="{4B263CFD-85D4-69C4-2209-F34E9BD84106}"/>
+              </a:ext>
+            </a:extLst>
+          </p:cNvPr>
+          <p:cNvSpPr txBox="1"/>
+          <p:nvPr/>
+        </p:nvSpPr>
+        <p:spPr>
+          <a:xfrm>
+            <a:off x="5080000" y="6085464"/>
+            <a:ext cx="11226800" cy="984372"/>
+          </a:xfrm>
+          <a:prstGeom prst="rect">
+            <a:avLst/>
+          </a:prstGeom>
+          <a:noFill/>
+          <a:ln w="12700" cap="flat">
+            <a:noFill/>
+            <a:miter lim="400000"/>
+          </a:ln>
+          <a:effectLst/>
+          <a:sp3d/>
+        </p:spPr>
+        <p:style>
+          <a:lnRef idx="0">
+            <a:scrgbClr r="0" g="0" b="0"/>
+          </a:lnRef>
+          <a:fillRef idx="0">
+            <a:scrgbClr r="0" g="0" b="0"/>
+          </a:fillRef>
+          <a:effectRef idx="0">
+            <a:scrgbClr r="0" g="0" b="0"/>
+          </a:effectRef>
+          <a:fontRef idx="none"/>
+        </p:style>
+        <p:txBody>
+          <a:bodyPr rot="0" spcFirstLastPara="1" vertOverflow="overflow" horzOverflow="overflow" vert="horz" wrap="square" lIns="50800" tIns="50800" rIns="50800" bIns="50800" numCol="1" spcCol="38100" rtlCol="0" anchor="ctr">
+            <a:spAutoFit/>
+          </a:bodyPr>
+          <a:lstStyle/>
+          <a:p>
+            <a:pPr marL="0" marR="0" indent="0" algn="l" defTabSz="2438338" rtl="0" fontAlgn="auto" latinLnBrk="0" hangingPunct="0">
+              <a:lnSpc>
+                <a:spcPct val="90000"/>
+              </a:lnSpc>
+              <a:spcBef>
+                <a:spcPts val="4500"/>
+              </a:spcBef>
+              <a:spcAft>
+                <a:spcPts val="0"/>
+              </a:spcAft>
+              <a:buClrTx/>
+              <a:buSzTx/>
+              <a:buFontTx/>
+              <a:buNone/>
+              <a:tabLst/>
+            </a:pPr>
+            <a:r>
+              <a:rPr kumimoji="0" lang="en-US" sz="2200" b="0" i="0" u="none" strike="noStrike" cap="none" spc="0" normalizeH="0" baseline="0" dirty="0">
+                <a:ln>
+                  <a:noFill/>
+                </a:ln>
+                <a:solidFill>
+                  <a:schemeClr val="bg1"/>
+                </a:solidFill>
+                <a:effectLst/>
+                <a:uFillTx/>
+                <a:latin typeface="+mn-lt"/>
+                <a:ea typeface="+mn-ea"/>
+                <a:cs typeface="+mn-cs"/>
+                <a:sym typeface="Helvetica Neue"/>
+              </a:rPr>
+              <a:t>Decision Tree</a:t>
+            </a:r>
+          </a:p>
+        </p:txBody>
+      </p:sp>
+      <p:sp>
+        <p:nvSpPr>
+          <p:cNvPr id="33" name="TextBox 32">
+            <a:extLst>
+              <a:ext uri="{FF2B5EF4-FFF2-40B4-BE49-F238E27FC236}">
+                <a16:creationId xmlns:a16="http://schemas.microsoft.com/office/drawing/2014/main" id="{3B3FA9A4-1962-A148-1042-9C387485C2BD}"/>
+              </a:ext>
+            </a:extLst>
+          </p:cNvPr>
+          <p:cNvSpPr txBox="1"/>
+          <p:nvPr/>
+        </p:nvSpPr>
+        <p:spPr>
+          <a:xfrm>
+            <a:off x="5171440" y="8446013"/>
+            <a:ext cx="11226800" cy="984372"/>
+          </a:xfrm>
+          <a:prstGeom prst="rect">
+            <a:avLst/>
+          </a:prstGeom>
+          <a:noFill/>
+          <a:ln w="12700" cap="flat">
+            <a:noFill/>
+            <a:miter lim="400000"/>
+          </a:ln>
+          <a:effectLst/>
+          <a:sp3d/>
+        </p:spPr>
+        <p:style>
+          <a:lnRef idx="0">
+            <a:scrgbClr r="0" g="0" b="0"/>
+          </a:lnRef>
+          <a:fillRef idx="0">
+            <a:scrgbClr r="0" g="0" b="0"/>
+          </a:fillRef>
+          <a:effectRef idx="0">
+            <a:scrgbClr r="0" g="0" b="0"/>
+          </a:effectRef>
+          <a:fontRef idx="none"/>
+        </p:style>
+        <p:txBody>
+          <a:bodyPr rot="0" spcFirstLastPara="1" vertOverflow="overflow" horzOverflow="overflow" vert="horz" wrap="square" lIns="50800" tIns="50800" rIns="50800" bIns="50800" numCol="1" spcCol="38100" rtlCol="0" anchor="ctr">
+            <a:spAutoFit/>
+          </a:bodyPr>
+          <a:lstStyle/>
+          <a:p>
+            <a:pPr marL="0" marR="0" indent="0" algn="l" defTabSz="2438338" rtl="0" fontAlgn="auto" latinLnBrk="0" hangingPunct="0">
+              <a:lnSpc>
+                <a:spcPct val="90000"/>
+              </a:lnSpc>
+              <a:spcBef>
+                <a:spcPts val="4500"/>
+              </a:spcBef>
+              <a:spcAft>
+                <a:spcPts val="0"/>
+              </a:spcAft>
+              <a:buClrTx/>
+              <a:buSzTx/>
+              <a:buFontTx/>
+              <a:buNone/>
+              <a:tabLst/>
+            </a:pPr>
+            <a:r>
+              <a:rPr kumimoji="0" lang="en-US" sz="2200" b="0" i="0" u="none" strike="noStrike" cap="none" spc="0" normalizeH="0" baseline="0" dirty="0">
+                <a:ln>
+                  <a:noFill/>
+                </a:ln>
+                <a:solidFill>
+                  <a:schemeClr val="bg1"/>
+                </a:solidFill>
+                <a:effectLst/>
+                <a:uFillTx/>
+                <a:latin typeface="+mn-lt"/>
+                <a:ea typeface="+mn-ea"/>
+                <a:cs typeface="+mn-cs"/>
+                <a:sym typeface="Helvetica Neue"/>
+              </a:rPr>
+              <a:t>Accuracy, Precision, Recall, F1-Score, Confusion Matrix (comparison to Random Forest)</a:t>
+            </a:r>
+          </a:p>
+        </p:txBody>
+      </p:sp>
+      <p:sp>
+        <p:nvSpPr>
+          <p:cNvPr id="34" name="TextBox 33">
+            <a:extLst>
+              <a:ext uri="{FF2B5EF4-FFF2-40B4-BE49-F238E27FC236}">
+                <a16:creationId xmlns:a16="http://schemas.microsoft.com/office/drawing/2014/main" id="{196D712D-AE69-B519-D7BC-3AB9C4A5659C}"/>
+              </a:ext>
+            </a:extLst>
+          </p:cNvPr>
+          <p:cNvSpPr txBox="1"/>
+          <p:nvPr/>
+        </p:nvSpPr>
+        <p:spPr>
+          <a:xfrm>
+            <a:off x="5008880" y="9612976"/>
+            <a:ext cx="11226800" cy="984372"/>
+          </a:xfrm>
+          <a:prstGeom prst="rect">
+            <a:avLst/>
+          </a:prstGeom>
+          <a:noFill/>
+          <a:ln w="12700" cap="flat">
+            <a:noFill/>
+            <a:miter lim="400000"/>
+          </a:ln>
+          <a:effectLst/>
+          <a:sp3d/>
+        </p:spPr>
+        <p:style>
+          <a:lnRef idx="0">
+            <a:scrgbClr r="0" g="0" b="0"/>
+          </a:lnRef>
+          <a:fillRef idx="0">
+            <a:scrgbClr r="0" g="0" b="0"/>
+          </a:fillRef>
+          <a:effectRef idx="0">
+            <a:scrgbClr r="0" g="0" b="0"/>
+          </a:effectRef>
+          <a:fontRef idx="none"/>
+        </p:style>
+        <p:txBody>
+          <a:bodyPr rot="0" spcFirstLastPara="1" vertOverflow="overflow" horzOverflow="overflow" vert="horz" wrap="square" lIns="50800" tIns="50800" rIns="50800" bIns="50800" numCol="1" spcCol="38100" rtlCol="0" anchor="ctr">
+            <a:spAutoFit/>
+          </a:bodyPr>
+          <a:lstStyle/>
+          <a:p>
+            <a:pPr marL="0" marR="0" indent="0" algn="l" defTabSz="2438338" rtl="0" fontAlgn="auto" latinLnBrk="0" hangingPunct="0">
+              <a:lnSpc>
+                <a:spcPct val="90000"/>
+              </a:lnSpc>
+              <a:spcBef>
+                <a:spcPts val="4500"/>
+              </a:spcBef>
+              <a:spcAft>
+                <a:spcPts val="0"/>
+              </a:spcAft>
+              <a:buClrTx/>
+              <a:buSzTx/>
+              <a:buFontTx/>
+              <a:buNone/>
+              <a:tabLst/>
+            </a:pPr>
+            <a:r>
+              <a:rPr kumimoji="0" lang="en-US" sz="2200" b="0" i="0" u="none" strike="noStrike" cap="none" spc="0" normalizeH="0" baseline="0" dirty="0">
+                <a:ln>
+                  <a:noFill/>
+                </a:ln>
+                <a:solidFill>
+                  <a:schemeClr val="bg1"/>
+                </a:solidFill>
+                <a:effectLst/>
+                <a:uFillTx/>
+                <a:latin typeface="+mn-lt"/>
+                <a:ea typeface="+mn-ea"/>
+                <a:cs typeface="+mn-cs"/>
+                <a:sym typeface="Helvetica Neue"/>
+              </a:rPr>
+              <a:t>Classification, Accuracy…</a:t>
+            </a:r>
+          </a:p>
+        </p:txBody>
+      </p:sp>
+      <p:sp>
+        <p:nvSpPr>
+          <p:cNvPr id="3" name="TextBox 30">
+            <a:extLst>
+              <a:ext uri="{FF2B5EF4-FFF2-40B4-BE49-F238E27FC236}">
+                <a16:creationId xmlns:a16="http://schemas.microsoft.com/office/drawing/2014/main" id="{970E7EC2-2B76-C5CC-FA8F-B10749F1F8F3}"/>
+              </a:ext>
+            </a:extLst>
+          </p:cNvPr>
+          <p:cNvSpPr txBox="1"/>
+          <p:nvPr/>
+        </p:nvSpPr>
+        <p:spPr>
+          <a:xfrm>
+            <a:off x="5008880" y="7290342"/>
+            <a:ext cx="11226800" cy="984372"/>
+          </a:xfrm>
+          <a:prstGeom prst="rect">
+            <a:avLst/>
+          </a:prstGeom>
+          <a:noFill/>
+          <a:ln w="12700" cap="flat">
+            <a:noFill/>
+            <a:miter lim="400000"/>
+          </a:ln>
+          <a:effectLst/>
+          <a:sp3d/>
+        </p:spPr>
+        <p:style>
+          <a:lnRef idx="0">
+            <a:scrgbClr r="0" g="0" b="0"/>
+          </a:lnRef>
+          <a:fillRef idx="0">
+            <a:scrgbClr r="0" g="0" b="0"/>
+          </a:fillRef>
+          <a:effectRef idx="0">
+            <a:scrgbClr r="0" g="0" b="0"/>
+          </a:effectRef>
+          <a:fontRef idx="none"/>
+        </p:style>
+        <p:txBody>
+          <a:bodyPr rot="0" spcFirstLastPara="1" vertOverflow="overflow" horzOverflow="overflow" vert="horz" wrap="square" lIns="50800" tIns="50800" rIns="50800" bIns="50800" numCol="1" spcCol="38100" rtlCol="0" anchor="ctr">
+            <a:spAutoFit/>
+          </a:bodyPr>
+          <a:lstStyle/>
+          <a:p>
+            <a:pPr marL="0" marR="0" indent="0" algn="l" defTabSz="2438338" rtl="0" fontAlgn="auto" latinLnBrk="0" hangingPunct="0">
+              <a:lnSpc>
+                <a:spcPct val="90000"/>
+              </a:lnSpc>
+              <a:spcBef>
+                <a:spcPts val="4500"/>
+              </a:spcBef>
+              <a:spcAft>
+                <a:spcPts val="0"/>
+              </a:spcAft>
+              <a:buClrTx/>
+              <a:buSzTx/>
+              <a:buFontTx/>
+              <a:buNone/>
+              <a:tabLst/>
+            </a:pPr>
+            <a:r>
+              <a:rPr kumimoji="0" lang="en-US" sz="2200" b="0" i="0" u="none" strike="noStrike" cap="none" spc="0" normalizeH="0" baseline="0" dirty="0">
+                <a:ln>
+                  <a:noFill/>
+                </a:ln>
+                <a:solidFill>
+                  <a:schemeClr val="bg1"/>
+                </a:solidFill>
+                <a:effectLst/>
+                <a:uFillTx/>
+                <a:latin typeface="+mn-lt"/>
+                <a:ea typeface="+mn-ea"/>
+                <a:cs typeface="+mn-cs"/>
+                <a:sym typeface="Helvetica Neue"/>
+              </a:rPr>
+              <a:t>…</a:t>
             </a:r>
           </a:p>
         </p:txBody>
@@ -6743,7 +7678,7 @@
     </p:spTree>
     <p:extLst>
       <p:ext uri="{BB962C8B-B14F-4D97-AF65-F5344CB8AC3E}">
-        <p14:creationId xmlns:p14="http://schemas.microsoft.com/office/powerpoint/2010/main" val="945102512"/>
+        <p14:creationId xmlns:p14="http://schemas.microsoft.com/office/powerpoint/2010/main" val="1864166017"/>
       </p:ext>
     </p:extLst>
   </p:cSld>
@@ -6792,7 +7727,31 @@
           <a:p>
             <a:r>
               <a:rPr lang="de-CH" dirty="0"/>
-              <a:t>Research Plan</a:t>
+              <a:t>Research Plan (</a:t>
+            </a:r>
+            <a:r>
+              <a:rPr lang="de-CH" dirty="0" err="1"/>
+              <a:t>Example</a:t>
+            </a:r>
+            <a:r>
+              <a:rPr lang="de-CH" dirty="0"/>
+              <a:t> of </a:t>
+            </a:r>
+            <a:r>
+              <a:rPr lang="de-CH" dirty="0" err="1"/>
+              <a:t>Decision</a:t>
+            </a:r>
+            <a:r>
+              <a:rPr lang="de-CH" dirty="0"/>
+              <a:t> </a:t>
+            </a:r>
+            <a:r>
+              <a:rPr lang="de-CH" dirty="0" err="1"/>
+              <a:t>Tree</a:t>
+            </a:r>
+            <a:r>
+              <a:rPr lang="de-CH" dirty="0"/>
+              <a:t>)</a:t>
             </a:r>
             <a:endParaRPr dirty="0"/>
           </a:p>
@@ -6800,10 +7759,10 @@
       </p:sp>
       <p:sp>
         <p:nvSpPr>
-          <p:cNvPr id="6" name="Rectangle 5">
+          <p:cNvPr id="5" name="Rectangle 4">
             <a:extLst>
               <a:ext uri="{FF2B5EF4-FFF2-40B4-BE49-F238E27FC236}">
-                <a16:creationId xmlns:a16="http://schemas.microsoft.com/office/drawing/2014/main" id="{B29D6964-7426-B581-B625-A48CBE4235B7}"/>
+                <a16:creationId xmlns:a16="http://schemas.microsoft.com/office/drawing/2014/main" id="{5D07E1DB-4800-930D-1C1C-86DCCE5A67BB}"/>
               </a:ext>
             </a:extLst>
           </p:cNvPr>
@@ -6812,17 +7771,17 @@
         </p:nvSpPr>
         <p:spPr>
           <a:xfrm>
-            <a:off x="1330960" y="2783840"/>
-            <a:ext cx="3048000" cy="995680"/>
+            <a:off x="6753860" y="4218602"/>
+            <a:ext cx="11249660" cy="595035"/>
           </a:xfrm>
           <a:prstGeom prst="rect">
             <a:avLst/>
           </a:prstGeom>
-          <a:noFill/>
-          <a:ln w="28575" cap="flat">
-            <a:solidFill>
-              <a:srgbClr val="002060"/>
-            </a:solidFill>
+          <a:solidFill>
+            <a:srgbClr val="000000"/>
+          </a:solidFill>
+          <a:ln w="12700" cap="flat">
+            <a:noFill/>
             <a:miter lim="400000"/>
           </a:ln>
           <a:effectLst/>
@@ -6862,2220 +7821,56 @@
               <a:buNone/>
               <a:tabLst/>
             </a:pPr>
-            <a:endParaRPr kumimoji="0" lang="en-US" sz="3200" b="0" i="0" u="none" strike="noStrike" cap="none" spc="0" normalizeH="0" baseline="0" dirty="0">
-              <a:ln>
-                <a:noFill/>
-              </a:ln>
-              <a:solidFill>
-                <a:srgbClr val="FFFFFF"/>
-              </a:solidFill>
-              <a:effectLst/>
-              <a:uFillTx/>
-              <a:latin typeface="Helvetica Neue Medium"/>
-              <a:ea typeface="Helvetica Neue Medium"/>
-              <a:cs typeface="Helvetica Neue Medium"/>
-              <a:sym typeface="Helvetica Neue Medium"/>
-            </a:endParaRPr>
-          </a:p>
-        </p:txBody>
-      </p:sp>
-      <p:sp>
-        <p:nvSpPr>
-          <p:cNvPr id="7" name="Rectangle 6">
-            <a:extLst>
-              <a:ext uri="{FF2B5EF4-FFF2-40B4-BE49-F238E27FC236}">
-                <a16:creationId xmlns:a16="http://schemas.microsoft.com/office/drawing/2014/main" id="{5DF0F6C4-6116-D6C5-8588-28879E47A986}"/>
-              </a:ext>
-            </a:extLst>
-          </p:cNvPr>
-          <p:cNvSpPr/>
-          <p:nvPr/>
-        </p:nvSpPr>
-        <p:spPr>
-          <a:xfrm>
-            <a:off x="4378960" y="2783840"/>
-            <a:ext cx="18531840" cy="995680"/>
-          </a:xfrm>
-          <a:prstGeom prst="rect">
-            <a:avLst/>
-          </a:prstGeom>
-          <a:noFill/>
-          <a:ln w="28575" cap="flat">
-            <a:solidFill>
-              <a:srgbClr val="002060"/>
-            </a:solidFill>
-            <a:miter lim="400000"/>
-          </a:ln>
-          <a:effectLst/>
-          <a:sp3d/>
-        </p:spPr>
-        <p:style>
-          <a:lnRef idx="0">
-            <a:scrgbClr r="0" g="0" b="0"/>
-          </a:lnRef>
-          <a:fillRef idx="0">
-            <a:scrgbClr r="0" g="0" b="0"/>
-          </a:fillRef>
-          <a:effectRef idx="0">
-            <a:scrgbClr r="0" g="0" b="0"/>
-          </a:effectRef>
-          <a:fontRef idx="none"/>
-        </p:style>
-        <p:txBody>
-          <a:bodyPr rot="0" spcFirstLastPara="1" vertOverflow="overflow" horzOverflow="overflow" vert="horz" wrap="square" lIns="50800" tIns="50800" rIns="50800" bIns="50800" numCol="1" spcCol="38100" rtlCol="0" anchor="ctr">
-            <a:spAutoFit/>
-          </a:bodyPr>
-          <a:lstStyle/>
-          <a:p>
-            <a:pPr marL="0" marR="0" indent="0" algn="ctr" defTabSz="825500" rtl="0" fontAlgn="auto" latinLnBrk="0" hangingPunct="0">
-              <a:lnSpc>
-                <a:spcPct val="100000"/>
-              </a:lnSpc>
-              <a:spcBef>
-                <a:spcPts val="0"/>
-              </a:spcBef>
-              <a:spcAft>
-                <a:spcPts val="0"/>
-              </a:spcAft>
-              <a:buClrTx/>
-              <a:buSzTx/>
-              <a:buFontTx/>
-              <a:buNone/>
-              <a:tabLst/>
-            </a:pPr>
-            <a:endParaRPr kumimoji="0" lang="en-US" sz="3200" b="0" i="0" u="none" strike="noStrike" cap="none" spc="0" normalizeH="0" baseline="0" dirty="0">
-              <a:ln>
-                <a:noFill/>
-              </a:ln>
-              <a:solidFill>
-                <a:srgbClr val="FFFFFF"/>
-              </a:solidFill>
-              <a:effectLst/>
-              <a:uFillTx/>
-              <a:latin typeface="Helvetica Neue Medium"/>
-              <a:ea typeface="Helvetica Neue Medium"/>
-              <a:cs typeface="Helvetica Neue Medium"/>
-              <a:sym typeface="Helvetica Neue Medium"/>
-            </a:endParaRPr>
-          </a:p>
-        </p:txBody>
-      </p:sp>
-      <p:sp>
-        <p:nvSpPr>
-          <p:cNvPr id="8" name="TextBox 7">
-            <a:extLst>
-              <a:ext uri="{FF2B5EF4-FFF2-40B4-BE49-F238E27FC236}">
-                <a16:creationId xmlns:a16="http://schemas.microsoft.com/office/drawing/2014/main" id="{DC58AEB0-EF05-F53F-B6D2-1E2CA762AD14}"/>
-              </a:ext>
-            </a:extLst>
-          </p:cNvPr>
-          <p:cNvSpPr txBox="1"/>
-          <p:nvPr/>
-        </p:nvSpPr>
-        <p:spPr>
-          <a:xfrm>
-            <a:off x="1544320" y="2551775"/>
-            <a:ext cx="2834640" cy="984372"/>
-          </a:xfrm>
-          <a:prstGeom prst="rect">
-            <a:avLst/>
-          </a:prstGeom>
-          <a:noFill/>
-          <a:ln w="12700" cap="flat">
-            <a:noFill/>
-            <a:miter lim="400000"/>
-          </a:ln>
-          <a:effectLst/>
-          <a:sp3d/>
-        </p:spPr>
-        <p:style>
-          <a:lnRef idx="0">
-            <a:scrgbClr r="0" g="0" b="0"/>
-          </a:lnRef>
-          <a:fillRef idx="0">
-            <a:scrgbClr r="0" g="0" b="0"/>
-          </a:fillRef>
-          <a:effectRef idx="0">
-            <a:scrgbClr r="0" g="0" b="0"/>
-          </a:effectRef>
-          <a:fontRef idx="none"/>
-        </p:style>
-        <p:txBody>
-          <a:bodyPr rot="0" spcFirstLastPara="1" vertOverflow="overflow" horzOverflow="overflow" vert="horz" wrap="square" lIns="50800" tIns="50800" rIns="50800" bIns="50800" numCol="1" spcCol="38100" rtlCol="0" anchor="ctr">
-            <a:spAutoFit/>
-          </a:bodyPr>
-          <a:lstStyle/>
-          <a:p>
-            <a:pPr marL="0" marR="0" indent="0" algn="l" defTabSz="2438338" rtl="0" fontAlgn="auto" latinLnBrk="0" hangingPunct="0">
-              <a:lnSpc>
-                <a:spcPct val="90000"/>
-              </a:lnSpc>
-              <a:spcBef>
-                <a:spcPts val="4500"/>
-              </a:spcBef>
-              <a:spcAft>
-                <a:spcPts val="0"/>
-              </a:spcAft>
-              <a:buClrTx/>
-              <a:buSzTx/>
-              <a:buFontTx/>
-              <a:buNone/>
-              <a:tabLst/>
-            </a:pPr>
-            <a:r>
-              <a:rPr kumimoji="0" lang="en-US" sz="2200" b="0" i="0" u="none" strike="noStrike" cap="none" spc="0" normalizeH="0" baseline="0" dirty="0">
+            <a:r>
+              <a:rPr kumimoji="0" lang="en-US" sz="3200" b="0" i="0" u="none" strike="noStrike" cap="none" spc="0" normalizeH="0" baseline="0" dirty="0">
                 <a:ln>
                   <a:noFill/>
                 </a:ln>
                 <a:solidFill>
-                  <a:schemeClr val="bg1"/>
+                  <a:srgbClr val="FFFFFF"/>
                 </a:solidFill>
                 <a:effectLst/>
                 <a:uFillTx/>
-                <a:latin typeface="+mn-lt"/>
-                <a:ea typeface="+mn-ea"/>
-                <a:cs typeface="+mn-cs"/>
-                <a:sym typeface="Helvetica Neue"/>
+                <a:latin typeface="Helvetica Neue Medium"/>
+                <a:ea typeface="Helvetica Neue Medium"/>
+                <a:cs typeface="Helvetica Neue Medium"/>
+                <a:sym typeface="Helvetica Neue Medium"/>
               </a:rPr>
-              <a:t>Data Load</a:t>
-            </a:r>
-          </a:p>
-        </p:txBody>
-      </p:sp>
-      <p:sp>
-        <p:nvSpPr>
-          <p:cNvPr id="10" name="Rectangle 9">
-            <a:extLst>
-              <a:ext uri="{FF2B5EF4-FFF2-40B4-BE49-F238E27FC236}">
-                <a16:creationId xmlns:a16="http://schemas.microsoft.com/office/drawing/2014/main" id="{C880239A-6577-572F-4722-6836CD85224B}"/>
-              </a:ext>
-            </a:extLst>
-          </p:cNvPr>
-          <p:cNvSpPr/>
-          <p:nvPr/>
-        </p:nvSpPr>
-        <p:spPr>
-          <a:xfrm>
-            <a:off x="1330960" y="3962111"/>
-            <a:ext cx="3048000" cy="995680"/>
-          </a:xfrm>
-          <a:prstGeom prst="rect">
-            <a:avLst/>
-          </a:prstGeom>
-          <a:noFill/>
-          <a:ln w="28575" cap="flat">
-            <a:solidFill>
-              <a:srgbClr val="002060"/>
-            </a:solidFill>
-            <a:miter lim="400000"/>
-          </a:ln>
-          <a:effectLst/>
-          <a:sp3d/>
-        </p:spPr>
-        <p:style>
-          <a:lnRef idx="0">
-            <a:scrgbClr r="0" g="0" b="0"/>
-          </a:lnRef>
-          <a:fillRef idx="0">
-            <a:scrgbClr r="0" g="0" b="0"/>
-          </a:fillRef>
-          <a:effectRef idx="0">
-            <a:scrgbClr r="0" g="0" b="0"/>
-          </a:effectRef>
-          <a:fontRef idx="none"/>
-        </p:style>
-        <p:txBody>
-          <a:bodyPr rot="0" spcFirstLastPara="1" vertOverflow="overflow" horzOverflow="overflow" vert="horz" wrap="square" lIns="50800" tIns="50800" rIns="50800" bIns="50800" numCol="1" spcCol="38100" rtlCol="0" anchor="ctr">
-            <a:spAutoFit/>
-          </a:bodyPr>
-          <a:lstStyle/>
-          <a:p>
-            <a:pPr marL="0" marR="0" indent="0" algn="ctr" defTabSz="825500" rtl="0" fontAlgn="auto" latinLnBrk="0" hangingPunct="0">
-              <a:lnSpc>
-                <a:spcPct val="100000"/>
-              </a:lnSpc>
-              <a:spcBef>
-                <a:spcPts val="0"/>
-              </a:spcBef>
-              <a:spcAft>
-                <a:spcPts val="0"/>
-              </a:spcAft>
-              <a:buClrTx/>
-              <a:buSzTx/>
-              <a:buFontTx/>
-              <a:buNone/>
-              <a:tabLst/>
-            </a:pPr>
-            <a:endParaRPr kumimoji="0" lang="en-US" sz="3200" b="0" i="0" u="none" strike="noStrike" cap="none" spc="0" normalizeH="0" baseline="0" dirty="0">
-              <a:ln>
-                <a:noFill/>
-              </a:ln>
-              <a:solidFill>
-                <a:srgbClr val="FFFFFF"/>
-              </a:solidFill>
-              <a:effectLst/>
-              <a:uFillTx/>
-              <a:latin typeface="Helvetica Neue Medium"/>
-              <a:ea typeface="Helvetica Neue Medium"/>
-              <a:cs typeface="Helvetica Neue Medium"/>
-              <a:sym typeface="Helvetica Neue Medium"/>
-            </a:endParaRPr>
-          </a:p>
-        </p:txBody>
-      </p:sp>
-      <p:sp>
-        <p:nvSpPr>
-          <p:cNvPr id="11" name="Rectangle 10">
-            <a:extLst>
-              <a:ext uri="{FF2B5EF4-FFF2-40B4-BE49-F238E27FC236}">
-                <a16:creationId xmlns:a16="http://schemas.microsoft.com/office/drawing/2014/main" id="{8E36E23F-0BBD-505E-ADFA-8A1E2C249B3C}"/>
-              </a:ext>
-            </a:extLst>
-          </p:cNvPr>
-          <p:cNvSpPr/>
-          <p:nvPr/>
-        </p:nvSpPr>
-        <p:spPr>
-          <a:xfrm>
-            <a:off x="4378960" y="3962111"/>
-            <a:ext cx="18531840" cy="995680"/>
-          </a:xfrm>
-          <a:prstGeom prst="rect">
-            <a:avLst/>
-          </a:prstGeom>
-          <a:noFill/>
-          <a:ln w="28575" cap="flat">
-            <a:solidFill>
-              <a:srgbClr val="002060"/>
-            </a:solidFill>
-            <a:miter lim="400000"/>
-          </a:ln>
-          <a:effectLst/>
-          <a:sp3d/>
-        </p:spPr>
-        <p:style>
-          <a:lnRef idx="0">
-            <a:scrgbClr r="0" g="0" b="0"/>
-          </a:lnRef>
-          <a:fillRef idx="0">
-            <a:scrgbClr r="0" g="0" b="0"/>
-          </a:fillRef>
-          <a:effectRef idx="0">
-            <a:scrgbClr r="0" g="0" b="0"/>
-          </a:effectRef>
-          <a:fontRef idx="none"/>
-        </p:style>
-        <p:txBody>
-          <a:bodyPr rot="0" spcFirstLastPara="1" vertOverflow="overflow" horzOverflow="overflow" vert="horz" wrap="square" lIns="50800" tIns="50800" rIns="50800" bIns="50800" numCol="1" spcCol="38100" rtlCol="0" anchor="ctr">
-            <a:spAutoFit/>
-          </a:bodyPr>
-          <a:lstStyle/>
-          <a:p>
-            <a:pPr marL="0" marR="0" indent="0" algn="ctr" defTabSz="825500" rtl="0" fontAlgn="auto" latinLnBrk="0" hangingPunct="0">
-              <a:lnSpc>
-                <a:spcPct val="100000"/>
-              </a:lnSpc>
-              <a:spcBef>
-                <a:spcPts val="0"/>
-              </a:spcBef>
-              <a:spcAft>
-                <a:spcPts val="0"/>
-              </a:spcAft>
-              <a:buClrTx/>
-              <a:buSzTx/>
-              <a:buFontTx/>
-              <a:buNone/>
-              <a:tabLst/>
-            </a:pPr>
-            <a:endParaRPr kumimoji="0" lang="en-US" sz="3200" b="0" i="0" u="none" strike="noStrike" cap="none" spc="0" normalizeH="0" baseline="0">
-              <a:ln>
-                <a:noFill/>
-              </a:ln>
-              <a:solidFill>
-                <a:srgbClr val="FFFFFF"/>
-              </a:solidFill>
-              <a:effectLst/>
-              <a:uFillTx/>
-              <a:latin typeface="Helvetica Neue Medium"/>
-              <a:ea typeface="Helvetica Neue Medium"/>
-              <a:cs typeface="Helvetica Neue Medium"/>
-              <a:sym typeface="Helvetica Neue Medium"/>
-            </a:endParaRPr>
-          </a:p>
-        </p:txBody>
-      </p:sp>
-      <p:sp>
-        <p:nvSpPr>
-          <p:cNvPr id="12" name="TextBox 11">
-            <a:extLst>
-              <a:ext uri="{FF2B5EF4-FFF2-40B4-BE49-F238E27FC236}">
-                <a16:creationId xmlns:a16="http://schemas.microsoft.com/office/drawing/2014/main" id="{E9BA951B-243E-540C-A681-CA84FB39C33A}"/>
-              </a:ext>
-            </a:extLst>
-          </p:cNvPr>
-          <p:cNvSpPr txBox="1"/>
-          <p:nvPr/>
-        </p:nvSpPr>
-        <p:spPr>
-          <a:xfrm>
-            <a:off x="1544320" y="3788075"/>
-            <a:ext cx="2834640" cy="984372"/>
-          </a:xfrm>
-          <a:prstGeom prst="rect">
-            <a:avLst/>
-          </a:prstGeom>
-          <a:noFill/>
-          <a:ln w="12700" cap="flat">
-            <a:noFill/>
-            <a:miter lim="400000"/>
-          </a:ln>
-          <a:effectLst/>
-          <a:sp3d/>
-        </p:spPr>
-        <p:style>
-          <a:lnRef idx="0">
-            <a:scrgbClr r="0" g="0" b="0"/>
-          </a:lnRef>
-          <a:fillRef idx="0">
-            <a:scrgbClr r="0" g="0" b="0"/>
-          </a:fillRef>
-          <a:effectRef idx="0">
-            <a:scrgbClr r="0" g="0" b="0"/>
-          </a:effectRef>
-          <a:fontRef idx="none"/>
-        </p:style>
-        <p:txBody>
-          <a:bodyPr rot="0" spcFirstLastPara="1" vertOverflow="overflow" horzOverflow="overflow" vert="horz" wrap="square" lIns="50800" tIns="50800" rIns="50800" bIns="50800" numCol="1" spcCol="38100" rtlCol="0" anchor="ctr">
-            <a:spAutoFit/>
-          </a:bodyPr>
-          <a:lstStyle/>
-          <a:p>
-            <a:pPr marL="0" marR="0" indent="0" algn="l" defTabSz="2438338" rtl="0" fontAlgn="auto" latinLnBrk="0" hangingPunct="0">
-              <a:lnSpc>
-                <a:spcPct val="90000"/>
-              </a:lnSpc>
-              <a:spcBef>
-                <a:spcPts val="4500"/>
-              </a:spcBef>
-              <a:spcAft>
-                <a:spcPts val="0"/>
-              </a:spcAft>
-              <a:buClrTx/>
-              <a:buSzTx/>
-              <a:buFontTx/>
-              <a:buNone/>
-              <a:tabLst/>
-            </a:pPr>
-            <a:r>
-              <a:rPr kumimoji="0" lang="en-US" sz="2200" b="0" i="0" u="none" strike="noStrike" cap="none" spc="0" normalizeH="0" baseline="0" dirty="0">
+              <a:t>Jon: Screenshot from </a:t>
+            </a:r>
+            <a:r>
+              <a:rPr kumimoji="0" lang="en-US" sz="3200" b="0" i="0" u="none" strike="noStrike" cap="none" spc="0" normalizeH="0" baseline="0" dirty="0" err="1">
                 <a:ln>
                   <a:noFill/>
                 </a:ln>
                 <a:solidFill>
-                  <a:schemeClr val="bg1"/>
+                  <a:srgbClr val="FFFFFF"/>
                 </a:solidFill>
                 <a:effectLst/>
                 <a:uFillTx/>
-                <a:latin typeface="+mn-lt"/>
-                <a:ea typeface="+mn-ea"/>
-                <a:cs typeface="+mn-cs"/>
-                <a:sym typeface="Helvetica Neue"/>
+                <a:latin typeface="Helvetica Neue Medium"/>
+                <a:ea typeface="Helvetica Neue Medium"/>
+                <a:cs typeface="Helvetica Neue Medium"/>
+                <a:sym typeface="Helvetica Neue Medium"/>
               </a:rPr>
-              <a:t>Data Exploration</a:t>
-            </a:r>
-          </a:p>
-        </p:txBody>
-      </p:sp>
-      <p:sp>
-        <p:nvSpPr>
-          <p:cNvPr id="13" name="Rectangle 12">
-            <a:extLst>
-              <a:ext uri="{FF2B5EF4-FFF2-40B4-BE49-F238E27FC236}">
-                <a16:creationId xmlns:a16="http://schemas.microsoft.com/office/drawing/2014/main" id="{B93DD6AF-9C4B-2181-DF16-290C6CFA9BB8}"/>
-              </a:ext>
-            </a:extLst>
-          </p:cNvPr>
-          <p:cNvSpPr/>
-          <p:nvPr/>
-        </p:nvSpPr>
-        <p:spPr>
-          <a:xfrm>
-            <a:off x="1330960" y="5140382"/>
-            <a:ext cx="3048000" cy="995680"/>
-          </a:xfrm>
-          <a:prstGeom prst="rect">
-            <a:avLst/>
-          </a:prstGeom>
-          <a:noFill/>
-          <a:ln w="28575" cap="flat">
-            <a:solidFill>
-              <a:srgbClr val="002060"/>
-            </a:solidFill>
-            <a:miter lim="400000"/>
-          </a:ln>
-          <a:effectLst/>
-          <a:sp3d/>
-        </p:spPr>
-        <p:style>
-          <a:lnRef idx="0">
-            <a:scrgbClr r="0" g="0" b="0"/>
-          </a:lnRef>
-          <a:fillRef idx="0">
-            <a:scrgbClr r="0" g="0" b="0"/>
-          </a:fillRef>
-          <a:effectRef idx="0">
-            <a:scrgbClr r="0" g="0" b="0"/>
-          </a:effectRef>
-          <a:fontRef idx="none"/>
-        </p:style>
-        <p:txBody>
-          <a:bodyPr rot="0" spcFirstLastPara="1" vertOverflow="overflow" horzOverflow="overflow" vert="horz" wrap="square" lIns="50800" tIns="50800" rIns="50800" bIns="50800" numCol="1" spcCol="38100" rtlCol="0" anchor="ctr">
-            <a:spAutoFit/>
-          </a:bodyPr>
-          <a:lstStyle/>
-          <a:p>
-            <a:pPr marL="0" marR="0" indent="0" algn="ctr" defTabSz="825500" rtl="0" fontAlgn="auto" latinLnBrk="0" hangingPunct="0">
-              <a:lnSpc>
-                <a:spcPct val="100000"/>
-              </a:lnSpc>
-              <a:spcBef>
-                <a:spcPts val="0"/>
-              </a:spcBef>
-              <a:spcAft>
-                <a:spcPts val="0"/>
-              </a:spcAft>
-              <a:buClrTx/>
-              <a:buSzTx/>
-              <a:buFontTx/>
-              <a:buNone/>
-              <a:tabLst/>
-            </a:pPr>
-            <a:endParaRPr kumimoji="0" lang="en-US" sz="3200" b="0" i="0" u="none" strike="noStrike" cap="none" spc="0" normalizeH="0" baseline="0" dirty="0">
-              <a:ln>
-                <a:noFill/>
-              </a:ln>
-              <a:solidFill>
-                <a:srgbClr val="FFFFFF"/>
-              </a:solidFill>
-              <a:effectLst/>
-              <a:uFillTx/>
-              <a:latin typeface="Helvetica Neue Medium"/>
-              <a:ea typeface="Helvetica Neue Medium"/>
-              <a:cs typeface="Helvetica Neue Medium"/>
-              <a:sym typeface="Helvetica Neue Medium"/>
-            </a:endParaRPr>
-          </a:p>
-        </p:txBody>
-      </p:sp>
-      <p:sp>
-        <p:nvSpPr>
-          <p:cNvPr id="14" name="Rectangle 13">
-            <a:extLst>
-              <a:ext uri="{FF2B5EF4-FFF2-40B4-BE49-F238E27FC236}">
-                <a16:creationId xmlns:a16="http://schemas.microsoft.com/office/drawing/2014/main" id="{65992311-EBC0-22D4-B442-1CA26676BC49}"/>
-              </a:ext>
-            </a:extLst>
-          </p:cNvPr>
-          <p:cNvSpPr/>
-          <p:nvPr/>
-        </p:nvSpPr>
-        <p:spPr>
-          <a:xfrm>
-            <a:off x="4378960" y="5140382"/>
-            <a:ext cx="18531840" cy="995680"/>
-          </a:xfrm>
-          <a:prstGeom prst="rect">
-            <a:avLst/>
-          </a:prstGeom>
-          <a:noFill/>
-          <a:ln w="28575" cap="flat">
-            <a:solidFill>
-              <a:srgbClr val="002060"/>
-            </a:solidFill>
-            <a:miter lim="400000"/>
-          </a:ln>
-          <a:effectLst/>
-          <a:sp3d/>
-        </p:spPr>
-        <p:style>
-          <a:lnRef idx="0">
-            <a:scrgbClr r="0" g="0" b="0"/>
-          </a:lnRef>
-          <a:fillRef idx="0">
-            <a:scrgbClr r="0" g="0" b="0"/>
-          </a:fillRef>
-          <a:effectRef idx="0">
-            <a:scrgbClr r="0" g="0" b="0"/>
-          </a:effectRef>
-          <a:fontRef idx="none"/>
-        </p:style>
-        <p:txBody>
-          <a:bodyPr rot="0" spcFirstLastPara="1" vertOverflow="overflow" horzOverflow="overflow" vert="horz" wrap="square" lIns="50800" tIns="50800" rIns="50800" bIns="50800" numCol="1" spcCol="38100" rtlCol="0" anchor="ctr">
-            <a:spAutoFit/>
-          </a:bodyPr>
-          <a:lstStyle/>
-          <a:p>
-            <a:pPr marL="0" marR="0" indent="0" algn="ctr" defTabSz="825500" rtl="0" fontAlgn="auto" latinLnBrk="0" hangingPunct="0">
-              <a:lnSpc>
-                <a:spcPct val="100000"/>
-              </a:lnSpc>
-              <a:spcBef>
-                <a:spcPts val="0"/>
-              </a:spcBef>
-              <a:spcAft>
-                <a:spcPts val="0"/>
-              </a:spcAft>
-              <a:buClrTx/>
-              <a:buSzTx/>
-              <a:buFontTx/>
-              <a:buNone/>
-              <a:tabLst/>
-            </a:pPr>
-            <a:endParaRPr kumimoji="0" lang="en-US" sz="3200" b="0" i="0" u="none" strike="noStrike" cap="none" spc="0" normalizeH="0" baseline="0">
-              <a:ln>
-                <a:noFill/>
-              </a:ln>
-              <a:solidFill>
-                <a:srgbClr val="FFFFFF"/>
-              </a:solidFill>
-              <a:effectLst/>
-              <a:uFillTx/>
-              <a:latin typeface="Helvetica Neue Medium"/>
-              <a:ea typeface="Helvetica Neue Medium"/>
-              <a:cs typeface="Helvetica Neue Medium"/>
-              <a:sym typeface="Helvetica Neue Medium"/>
-            </a:endParaRPr>
-          </a:p>
-        </p:txBody>
-      </p:sp>
-      <p:sp>
-        <p:nvSpPr>
-          <p:cNvPr id="15" name="TextBox 14">
-            <a:extLst>
-              <a:ext uri="{FF2B5EF4-FFF2-40B4-BE49-F238E27FC236}">
-                <a16:creationId xmlns:a16="http://schemas.microsoft.com/office/drawing/2014/main" id="{9D45729C-3009-052C-82FE-A15D58131CAE}"/>
-              </a:ext>
-            </a:extLst>
-          </p:cNvPr>
-          <p:cNvSpPr txBox="1"/>
-          <p:nvPr/>
-        </p:nvSpPr>
-        <p:spPr>
-          <a:xfrm>
-            <a:off x="1544320" y="4952496"/>
-            <a:ext cx="2834640" cy="1012072"/>
-          </a:xfrm>
-          <a:prstGeom prst="rect">
-            <a:avLst/>
-          </a:prstGeom>
-          <a:noFill/>
-          <a:ln w="12700" cap="flat">
-            <a:noFill/>
-            <a:miter lim="400000"/>
-          </a:ln>
-          <a:effectLst/>
-          <a:sp3d/>
-        </p:spPr>
-        <p:style>
-          <a:lnRef idx="0">
-            <a:scrgbClr r="0" g="0" b="0"/>
-          </a:lnRef>
-          <a:fillRef idx="0">
-            <a:scrgbClr r="0" g="0" b="0"/>
-          </a:fillRef>
-          <a:effectRef idx="0">
-            <a:scrgbClr r="0" g="0" b="0"/>
-          </a:effectRef>
-          <a:fontRef idx="none"/>
-        </p:style>
-        <p:txBody>
-          <a:bodyPr rot="0" spcFirstLastPara="1" vertOverflow="overflow" horzOverflow="overflow" vert="horz" wrap="square" lIns="50800" tIns="50800" rIns="50800" bIns="50800" numCol="1" spcCol="38100" rtlCol="0" anchor="ctr">
-            <a:spAutoFit/>
-          </a:bodyPr>
-          <a:lstStyle/>
-          <a:p>
-            <a:pPr marL="0" marR="0" indent="0" algn="l" defTabSz="2438338" rtl="0" fontAlgn="auto" latinLnBrk="0" hangingPunct="0">
-              <a:lnSpc>
-                <a:spcPct val="90000"/>
-              </a:lnSpc>
-              <a:spcBef>
-                <a:spcPts val="4500"/>
-              </a:spcBef>
-              <a:spcAft>
-                <a:spcPts val="0"/>
-              </a:spcAft>
-              <a:buClrTx/>
-              <a:buSzTx/>
-              <a:buFontTx/>
-              <a:buNone/>
-              <a:tabLst/>
-            </a:pPr>
-            <a:r>
-              <a:rPr kumimoji="0" lang="en-US" sz="2200" b="0" i="0" u="none" strike="noStrike" cap="none" spc="0" normalizeH="0" baseline="0" dirty="0">
+              <a:t>Drawio</a:t>
+            </a:r>
+            <a:r>
+              <a:rPr kumimoji="0" lang="en-US" sz="3200" b="0" i="0" u="none" strike="noStrike" cap="none" spc="0" normalizeH="0" baseline="0" dirty="0">
                 <a:ln>
                   <a:noFill/>
                 </a:ln>
                 <a:solidFill>
-                  <a:schemeClr val="bg1"/>
+                  <a:srgbClr val="FFFFFF"/>
                 </a:solidFill>
                 <a:effectLst/>
                 <a:uFillTx/>
-                <a:latin typeface="+mn-lt"/>
-                <a:ea typeface="+mn-ea"/>
-                <a:cs typeface="+mn-cs"/>
-                <a:sym typeface="Helvetica Neue"/>
+                <a:latin typeface="Helvetica Neue Medium"/>
+                <a:ea typeface="Helvetica Neue Medium"/>
+                <a:cs typeface="Helvetica Neue Medium"/>
+                <a:sym typeface="Helvetica Neue Medium"/>
               </a:rPr>
-              <a:t>Function Definition</a:t>
-            </a:r>
-          </a:p>
-        </p:txBody>
-      </p:sp>
-      <p:sp>
-        <p:nvSpPr>
-          <p:cNvPr id="16" name="Rectangle 15">
-            <a:extLst>
-              <a:ext uri="{FF2B5EF4-FFF2-40B4-BE49-F238E27FC236}">
-                <a16:creationId xmlns:a16="http://schemas.microsoft.com/office/drawing/2014/main" id="{A128C921-B5F0-E7C7-0F9A-72BFEEA4628E}"/>
-              </a:ext>
-            </a:extLst>
-          </p:cNvPr>
-          <p:cNvSpPr/>
-          <p:nvPr/>
-        </p:nvSpPr>
-        <p:spPr>
-          <a:xfrm>
-            <a:off x="1330960" y="6318653"/>
-            <a:ext cx="3048000" cy="995680"/>
-          </a:xfrm>
-          <a:prstGeom prst="rect">
-            <a:avLst/>
-          </a:prstGeom>
-          <a:noFill/>
-          <a:ln w="28575" cap="flat">
-            <a:solidFill>
-              <a:srgbClr val="002060"/>
-            </a:solidFill>
-            <a:miter lim="400000"/>
-          </a:ln>
-          <a:effectLst/>
-          <a:sp3d/>
-        </p:spPr>
-        <p:style>
-          <a:lnRef idx="0">
-            <a:scrgbClr r="0" g="0" b="0"/>
-          </a:lnRef>
-          <a:fillRef idx="0">
-            <a:scrgbClr r="0" g="0" b="0"/>
-          </a:fillRef>
-          <a:effectRef idx="0">
-            <a:scrgbClr r="0" g="0" b="0"/>
-          </a:effectRef>
-          <a:fontRef idx="none"/>
-        </p:style>
-        <p:txBody>
-          <a:bodyPr rot="0" spcFirstLastPara="1" vertOverflow="overflow" horzOverflow="overflow" vert="horz" wrap="square" lIns="50800" tIns="50800" rIns="50800" bIns="50800" numCol="1" spcCol="38100" rtlCol="0" anchor="ctr">
-            <a:spAutoFit/>
-          </a:bodyPr>
-          <a:lstStyle/>
-          <a:p>
-            <a:pPr marL="0" marR="0" indent="0" algn="ctr" defTabSz="825500" rtl="0" fontAlgn="auto" latinLnBrk="0" hangingPunct="0">
-              <a:lnSpc>
-                <a:spcPct val="100000"/>
-              </a:lnSpc>
-              <a:spcBef>
-                <a:spcPts val="0"/>
-              </a:spcBef>
-              <a:spcAft>
-                <a:spcPts val="0"/>
-              </a:spcAft>
-              <a:buClrTx/>
-              <a:buSzTx/>
-              <a:buFontTx/>
-              <a:buNone/>
-              <a:tabLst/>
-            </a:pPr>
-            <a:endParaRPr kumimoji="0" lang="en-US" sz="3200" b="0" i="0" u="none" strike="noStrike" cap="none" spc="0" normalizeH="0" baseline="0" dirty="0">
-              <a:ln>
-                <a:noFill/>
-              </a:ln>
-              <a:solidFill>
-                <a:srgbClr val="FFFFFF"/>
-              </a:solidFill>
-              <a:effectLst/>
-              <a:uFillTx/>
-              <a:latin typeface="Helvetica Neue Medium"/>
-              <a:ea typeface="Helvetica Neue Medium"/>
-              <a:cs typeface="Helvetica Neue Medium"/>
-              <a:sym typeface="Helvetica Neue Medium"/>
-            </a:endParaRPr>
-          </a:p>
-        </p:txBody>
-      </p:sp>
-      <p:sp>
-        <p:nvSpPr>
-          <p:cNvPr id="17" name="Rectangle 16">
-            <a:extLst>
-              <a:ext uri="{FF2B5EF4-FFF2-40B4-BE49-F238E27FC236}">
-                <a16:creationId xmlns:a16="http://schemas.microsoft.com/office/drawing/2014/main" id="{450331F1-B783-1428-636A-896E0165F43C}"/>
-              </a:ext>
-            </a:extLst>
-          </p:cNvPr>
-          <p:cNvSpPr/>
-          <p:nvPr/>
-        </p:nvSpPr>
-        <p:spPr>
-          <a:xfrm>
-            <a:off x="4378960" y="6318653"/>
-            <a:ext cx="18531840" cy="995680"/>
-          </a:xfrm>
-          <a:prstGeom prst="rect">
-            <a:avLst/>
-          </a:prstGeom>
-          <a:noFill/>
-          <a:ln w="28575" cap="flat">
-            <a:solidFill>
-              <a:srgbClr val="002060"/>
-            </a:solidFill>
-            <a:miter lim="400000"/>
-          </a:ln>
-          <a:effectLst/>
-          <a:sp3d/>
-        </p:spPr>
-        <p:style>
-          <a:lnRef idx="0">
-            <a:scrgbClr r="0" g="0" b="0"/>
-          </a:lnRef>
-          <a:fillRef idx="0">
-            <a:scrgbClr r="0" g="0" b="0"/>
-          </a:fillRef>
-          <a:effectRef idx="0">
-            <a:scrgbClr r="0" g="0" b="0"/>
-          </a:effectRef>
-          <a:fontRef idx="none"/>
-        </p:style>
-        <p:txBody>
-          <a:bodyPr rot="0" spcFirstLastPara="1" vertOverflow="overflow" horzOverflow="overflow" vert="horz" wrap="square" lIns="50800" tIns="50800" rIns="50800" bIns="50800" numCol="1" spcCol="38100" rtlCol="0" anchor="ctr">
-            <a:spAutoFit/>
-          </a:bodyPr>
-          <a:lstStyle/>
-          <a:p>
-            <a:pPr marL="0" marR="0" indent="0" algn="ctr" defTabSz="825500" rtl="0" fontAlgn="auto" latinLnBrk="0" hangingPunct="0">
-              <a:lnSpc>
-                <a:spcPct val="100000"/>
-              </a:lnSpc>
-              <a:spcBef>
-                <a:spcPts val="0"/>
-              </a:spcBef>
-              <a:spcAft>
-                <a:spcPts val="0"/>
-              </a:spcAft>
-              <a:buClrTx/>
-              <a:buSzTx/>
-              <a:buFontTx/>
-              <a:buNone/>
-              <a:tabLst/>
-            </a:pPr>
-            <a:endParaRPr kumimoji="0" lang="en-US" sz="3200" b="0" i="0" u="none" strike="noStrike" cap="none" spc="0" normalizeH="0" baseline="0">
-              <a:ln>
-                <a:noFill/>
-              </a:ln>
-              <a:solidFill>
-                <a:srgbClr val="FFFFFF"/>
-              </a:solidFill>
-              <a:effectLst/>
-              <a:uFillTx/>
-              <a:latin typeface="Helvetica Neue Medium"/>
-              <a:ea typeface="Helvetica Neue Medium"/>
-              <a:cs typeface="Helvetica Neue Medium"/>
-              <a:sym typeface="Helvetica Neue Medium"/>
-            </a:endParaRPr>
-          </a:p>
-        </p:txBody>
-      </p:sp>
-      <p:sp>
-        <p:nvSpPr>
-          <p:cNvPr id="18" name="TextBox 17">
-            <a:extLst>
-              <a:ext uri="{FF2B5EF4-FFF2-40B4-BE49-F238E27FC236}">
-                <a16:creationId xmlns:a16="http://schemas.microsoft.com/office/drawing/2014/main" id="{5A4098E2-41D4-17D4-7F6D-CDCECB07AE02}"/>
-              </a:ext>
-            </a:extLst>
-          </p:cNvPr>
-          <p:cNvSpPr txBox="1"/>
-          <p:nvPr/>
-        </p:nvSpPr>
-        <p:spPr>
-          <a:xfrm>
-            <a:off x="1544320" y="6144617"/>
-            <a:ext cx="2834640" cy="984372"/>
-          </a:xfrm>
-          <a:prstGeom prst="rect">
-            <a:avLst/>
-          </a:prstGeom>
-          <a:noFill/>
-          <a:ln w="12700" cap="flat">
-            <a:noFill/>
-            <a:miter lim="400000"/>
-          </a:ln>
-          <a:effectLst/>
-          <a:sp3d/>
-        </p:spPr>
-        <p:style>
-          <a:lnRef idx="0">
-            <a:scrgbClr r="0" g="0" b="0"/>
-          </a:lnRef>
-          <a:fillRef idx="0">
-            <a:scrgbClr r="0" g="0" b="0"/>
-          </a:fillRef>
-          <a:effectRef idx="0">
-            <a:scrgbClr r="0" g="0" b="0"/>
-          </a:effectRef>
-          <a:fontRef idx="none"/>
-        </p:style>
-        <p:txBody>
-          <a:bodyPr rot="0" spcFirstLastPara="1" vertOverflow="overflow" horzOverflow="overflow" vert="horz" wrap="square" lIns="50800" tIns="50800" rIns="50800" bIns="50800" numCol="1" spcCol="38100" rtlCol="0" anchor="ctr">
-            <a:spAutoFit/>
-          </a:bodyPr>
-          <a:lstStyle/>
-          <a:p>
-            <a:pPr marL="0" marR="0" indent="0" algn="l" defTabSz="2438338" rtl="0" fontAlgn="auto" latinLnBrk="0" hangingPunct="0">
-              <a:lnSpc>
-                <a:spcPct val="90000"/>
-              </a:lnSpc>
-              <a:spcBef>
-                <a:spcPts val="4500"/>
-              </a:spcBef>
-              <a:spcAft>
-                <a:spcPts val="0"/>
-              </a:spcAft>
-              <a:buClrTx/>
-              <a:buSzTx/>
-              <a:buFontTx/>
-              <a:buNone/>
-              <a:tabLst/>
-            </a:pPr>
-            <a:r>
-              <a:rPr kumimoji="0" lang="en-US" sz="2200" b="0" i="0" u="none" strike="noStrike" cap="none" spc="0" normalizeH="0" baseline="0" dirty="0">
-                <a:ln>
-                  <a:noFill/>
-                </a:ln>
-                <a:solidFill>
-                  <a:schemeClr val="bg1"/>
-                </a:solidFill>
-                <a:effectLst/>
-                <a:uFillTx/>
-                <a:latin typeface="+mn-lt"/>
-                <a:ea typeface="+mn-ea"/>
-                <a:cs typeface="+mn-cs"/>
-                <a:sym typeface="Helvetica Neue"/>
-              </a:rPr>
-              <a:t>Classification Model*</a:t>
-            </a:r>
-          </a:p>
-        </p:txBody>
-      </p:sp>
-      <p:sp>
-        <p:nvSpPr>
-          <p:cNvPr id="19" name="Rectangle 18">
-            <a:extLst>
-              <a:ext uri="{FF2B5EF4-FFF2-40B4-BE49-F238E27FC236}">
-                <a16:creationId xmlns:a16="http://schemas.microsoft.com/office/drawing/2014/main" id="{F29BC25A-127C-9491-7A5D-2CB78B7A0015}"/>
-              </a:ext>
-            </a:extLst>
-          </p:cNvPr>
-          <p:cNvSpPr/>
-          <p:nvPr/>
-        </p:nvSpPr>
-        <p:spPr>
-          <a:xfrm>
-            <a:off x="1330960" y="7496924"/>
-            <a:ext cx="3048000" cy="995680"/>
-          </a:xfrm>
-          <a:prstGeom prst="rect">
-            <a:avLst/>
-          </a:prstGeom>
-          <a:noFill/>
-          <a:ln w="28575" cap="flat">
-            <a:solidFill>
-              <a:srgbClr val="002060"/>
-            </a:solidFill>
-            <a:miter lim="400000"/>
-          </a:ln>
-          <a:effectLst/>
-          <a:sp3d/>
-        </p:spPr>
-        <p:style>
-          <a:lnRef idx="0">
-            <a:scrgbClr r="0" g="0" b="0"/>
-          </a:lnRef>
-          <a:fillRef idx="0">
-            <a:scrgbClr r="0" g="0" b="0"/>
-          </a:fillRef>
-          <a:effectRef idx="0">
-            <a:scrgbClr r="0" g="0" b="0"/>
-          </a:effectRef>
-          <a:fontRef idx="none"/>
-        </p:style>
-        <p:txBody>
-          <a:bodyPr rot="0" spcFirstLastPara="1" vertOverflow="overflow" horzOverflow="overflow" vert="horz" wrap="square" lIns="50800" tIns="50800" rIns="50800" bIns="50800" numCol="1" spcCol="38100" rtlCol="0" anchor="ctr">
-            <a:spAutoFit/>
-          </a:bodyPr>
-          <a:lstStyle/>
-          <a:p>
-            <a:pPr marL="0" marR="0" indent="0" algn="ctr" defTabSz="825500" rtl="0" fontAlgn="auto" latinLnBrk="0" hangingPunct="0">
-              <a:lnSpc>
-                <a:spcPct val="100000"/>
-              </a:lnSpc>
-              <a:spcBef>
-                <a:spcPts val="0"/>
-              </a:spcBef>
-              <a:spcAft>
-                <a:spcPts val="0"/>
-              </a:spcAft>
-              <a:buClrTx/>
-              <a:buSzTx/>
-              <a:buFontTx/>
-              <a:buNone/>
-              <a:tabLst/>
-            </a:pPr>
-            <a:endParaRPr kumimoji="0" lang="en-US" sz="3200" b="0" i="0" u="none" strike="noStrike" cap="none" spc="0" normalizeH="0" baseline="0" dirty="0">
-              <a:ln>
-                <a:noFill/>
-              </a:ln>
-              <a:solidFill>
-                <a:srgbClr val="FFFFFF"/>
-              </a:solidFill>
-              <a:effectLst/>
-              <a:uFillTx/>
-              <a:latin typeface="Helvetica Neue Medium"/>
-              <a:ea typeface="Helvetica Neue Medium"/>
-              <a:cs typeface="Helvetica Neue Medium"/>
-              <a:sym typeface="Helvetica Neue Medium"/>
-            </a:endParaRPr>
-          </a:p>
-        </p:txBody>
-      </p:sp>
-      <p:sp>
-        <p:nvSpPr>
-          <p:cNvPr id="20" name="Rectangle 19">
-            <a:extLst>
-              <a:ext uri="{FF2B5EF4-FFF2-40B4-BE49-F238E27FC236}">
-                <a16:creationId xmlns:a16="http://schemas.microsoft.com/office/drawing/2014/main" id="{B31F2FFC-A712-838B-5DE3-A9932BD8EBA0}"/>
-              </a:ext>
-            </a:extLst>
-          </p:cNvPr>
-          <p:cNvSpPr/>
-          <p:nvPr/>
-        </p:nvSpPr>
-        <p:spPr>
-          <a:xfrm>
-            <a:off x="4378960" y="7496924"/>
-            <a:ext cx="18531840" cy="995680"/>
-          </a:xfrm>
-          <a:prstGeom prst="rect">
-            <a:avLst/>
-          </a:prstGeom>
-          <a:noFill/>
-          <a:ln w="28575" cap="flat">
-            <a:solidFill>
-              <a:srgbClr val="002060"/>
-            </a:solidFill>
-            <a:miter lim="400000"/>
-          </a:ln>
-          <a:effectLst/>
-          <a:sp3d/>
-        </p:spPr>
-        <p:style>
-          <a:lnRef idx="0">
-            <a:scrgbClr r="0" g="0" b="0"/>
-          </a:lnRef>
-          <a:fillRef idx="0">
-            <a:scrgbClr r="0" g="0" b="0"/>
-          </a:fillRef>
-          <a:effectRef idx="0">
-            <a:scrgbClr r="0" g="0" b="0"/>
-          </a:effectRef>
-          <a:fontRef idx="none"/>
-        </p:style>
-        <p:txBody>
-          <a:bodyPr rot="0" spcFirstLastPara="1" vertOverflow="overflow" horzOverflow="overflow" vert="horz" wrap="square" lIns="50800" tIns="50800" rIns="50800" bIns="50800" numCol="1" spcCol="38100" rtlCol="0" anchor="ctr">
-            <a:spAutoFit/>
-          </a:bodyPr>
-          <a:lstStyle/>
-          <a:p>
-            <a:pPr marL="0" marR="0" indent="0" algn="ctr" defTabSz="825500" rtl="0" fontAlgn="auto" latinLnBrk="0" hangingPunct="0">
-              <a:lnSpc>
-                <a:spcPct val="100000"/>
-              </a:lnSpc>
-              <a:spcBef>
-                <a:spcPts val="0"/>
-              </a:spcBef>
-              <a:spcAft>
-                <a:spcPts val="0"/>
-              </a:spcAft>
-              <a:buClrTx/>
-              <a:buSzTx/>
-              <a:buFontTx/>
-              <a:buNone/>
-              <a:tabLst/>
-            </a:pPr>
-            <a:endParaRPr kumimoji="0" lang="en-US" sz="3200" b="0" i="0" u="none" strike="noStrike" cap="none" spc="0" normalizeH="0" baseline="0">
-              <a:ln>
-                <a:noFill/>
-              </a:ln>
-              <a:solidFill>
-                <a:srgbClr val="FFFFFF"/>
-              </a:solidFill>
-              <a:effectLst/>
-              <a:uFillTx/>
-              <a:latin typeface="Helvetica Neue Medium"/>
-              <a:ea typeface="Helvetica Neue Medium"/>
-              <a:cs typeface="Helvetica Neue Medium"/>
-              <a:sym typeface="Helvetica Neue Medium"/>
-            </a:endParaRPr>
-          </a:p>
-        </p:txBody>
-      </p:sp>
-      <p:sp>
-        <p:nvSpPr>
-          <p:cNvPr id="21" name="TextBox 20">
-            <a:extLst>
-              <a:ext uri="{FF2B5EF4-FFF2-40B4-BE49-F238E27FC236}">
-                <a16:creationId xmlns:a16="http://schemas.microsoft.com/office/drawing/2014/main" id="{9FD09069-BF04-B568-6745-EC939EDF023C}"/>
-              </a:ext>
-            </a:extLst>
-          </p:cNvPr>
-          <p:cNvSpPr txBox="1"/>
-          <p:nvPr/>
-        </p:nvSpPr>
-        <p:spPr>
-          <a:xfrm>
-            <a:off x="1544320" y="7322888"/>
-            <a:ext cx="2834640" cy="984372"/>
-          </a:xfrm>
-          <a:prstGeom prst="rect">
-            <a:avLst/>
-          </a:prstGeom>
-          <a:noFill/>
-          <a:ln w="12700" cap="flat">
-            <a:noFill/>
-            <a:miter lim="400000"/>
-          </a:ln>
-          <a:effectLst/>
-          <a:sp3d/>
-        </p:spPr>
-        <p:style>
-          <a:lnRef idx="0">
-            <a:scrgbClr r="0" g="0" b="0"/>
-          </a:lnRef>
-          <a:fillRef idx="0">
-            <a:scrgbClr r="0" g="0" b="0"/>
-          </a:fillRef>
-          <a:effectRef idx="0">
-            <a:scrgbClr r="0" g="0" b="0"/>
-          </a:effectRef>
-          <a:fontRef idx="none"/>
-        </p:style>
-        <p:txBody>
-          <a:bodyPr rot="0" spcFirstLastPara="1" vertOverflow="overflow" horzOverflow="overflow" vert="horz" wrap="square" lIns="50800" tIns="50800" rIns="50800" bIns="50800" numCol="1" spcCol="38100" rtlCol="0" anchor="ctr">
-            <a:spAutoFit/>
-          </a:bodyPr>
-          <a:lstStyle/>
-          <a:p>
-            <a:pPr marL="0" marR="0" indent="0" algn="l" defTabSz="2438338" rtl="0" fontAlgn="auto" latinLnBrk="0" hangingPunct="0">
-              <a:lnSpc>
-                <a:spcPct val="90000"/>
-              </a:lnSpc>
-              <a:spcBef>
-                <a:spcPts val="4500"/>
-              </a:spcBef>
-              <a:spcAft>
-                <a:spcPts val="0"/>
-              </a:spcAft>
-              <a:buClrTx/>
-              <a:buSzTx/>
-              <a:buFontTx/>
-              <a:buNone/>
-              <a:tabLst/>
-            </a:pPr>
-            <a:r>
-              <a:rPr kumimoji="0" lang="en-US" sz="2200" b="0" i="0" u="none" strike="noStrike" cap="none" spc="0" normalizeH="0" baseline="0" dirty="0">
-                <a:ln>
-                  <a:noFill/>
-                </a:ln>
-                <a:solidFill>
-                  <a:schemeClr val="bg1"/>
-                </a:solidFill>
-                <a:effectLst/>
-                <a:uFillTx/>
-                <a:latin typeface="+mn-lt"/>
-                <a:ea typeface="+mn-ea"/>
-                <a:cs typeface="+mn-cs"/>
-                <a:sym typeface="Helvetica Neue"/>
-              </a:rPr>
-              <a:t>Data Processing</a:t>
-            </a:r>
-          </a:p>
-        </p:txBody>
-      </p:sp>
-      <p:sp>
-        <p:nvSpPr>
-          <p:cNvPr id="22" name="Rectangle 21">
-            <a:extLst>
-              <a:ext uri="{FF2B5EF4-FFF2-40B4-BE49-F238E27FC236}">
-                <a16:creationId xmlns:a16="http://schemas.microsoft.com/office/drawing/2014/main" id="{43E96364-49C3-0AFB-FB0F-316B93E83CA7}"/>
-              </a:ext>
-            </a:extLst>
-          </p:cNvPr>
-          <p:cNvSpPr/>
-          <p:nvPr/>
-        </p:nvSpPr>
-        <p:spPr>
-          <a:xfrm>
-            <a:off x="1330960" y="8675195"/>
-            <a:ext cx="3048000" cy="995680"/>
-          </a:xfrm>
-          <a:prstGeom prst="rect">
-            <a:avLst/>
-          </a:prstGeom>
-          <a:noFill/>
-          <a:ln w="28575" cap="flat">
-            <a:solidFill>
-              <a:srgbClr val="002060"/>
-            </a:solidFill>
-            <a:miter lim="400000"/>
-          </a:ln>
-          <a:effectLst/>
-          <a:sp3d/>
-        </p:spPr>
-        <p:style>
-          <a:lnRef idx="0">
-            <a:scrgbClr r="0" g="0" b="0"/>
-          </a:lnRef>
-          <a:fillRef idx="0">
-            <a:scrgbClr r="0" g="0" b="0"/>
-          </a:fillRef>
-          <a:effectRef idx="0">
-            <a:scrgbClr r="0" g="0" b="0"/>
-          </a:effectRef>
-          <a:fontRef idx="none"/>
-        </p:style>
-        <p:txBody>
-          <a:bodyPr rot="0" spcFirstLastPara="1" vertOverflow="overflow" horzOverflow="overflow" vert="horz" wrap="square" lIns="50800" tIns="50800" rIns="50800" bIns="50800" numCol="1" spcCol="38100" rtlCol="0" anchor="ctr">
-            <a:spAutoFit/>
-          </a:bodyPr>
-          <a:lstStyle/>
-          <a:p>
-            <a:pPr marL="0" marR="0" indent="0" algn="ctr" defTabSz="825500" rtl="0" fontAlgn="auto" latinLnBrk="0" hangingPunct="0">
-              <a:lnSpc>
-                <a:spcPct val="100000"/>
-              </a:lnSpc>
-              <a:spcBef>
-                <a:spcPts val="0"/>
-              </a:spcBef>
-              <a:spcAft>
-                <a:spcPts val="0"/>
-              </a:spcAft>
-              <a:buClrTx/>
-              <a:buSzTx/>
-              <a:buFontTx/>
-              <a:buNone/>
-              <a:tabLst/>
-            </a:pPr>
-            <a:endParaRPr kumimoji="0" lang="en-US" sz="3200" b="0" i="0" u="none" strike="noStrike" cap="none" spc="0" normalizeH="0" baseline="0" dirty="0">
-              <a:ln>
-                <a:noFill/>
-              </a:ln>
-              <a:solidFill>
-                <a:srgbClr val="FFFFFF"/>
-              </a:solidFill>
-              <a:effectLst/>
-              <a:uFillTx/>
-              <a:latin typeface="Helvetica Neue Medium"/>
-              <a:ea typeface="Helvetica Neue Medium"/>
-              <a:cs typeface="Helvetica Neue Medium"/>
-              <a:sym typeface="Helvetica Neue Medium"/>
-            </a:endParaRPr>
-          </a:p>
-        </p:txBody>
-      </p:sp>
-      <p:sp>
-        <p:nvSpPr>
-          <p:cNvPr id="23" name="Rectangle 22">
-            <a:extLst>
-              <a:ext uri="{FF2B5EF4-FFF2-40B4-BE49-F238E27FC236}">
-                <a16:creationId xmlns:a16="http://schemas.microsoft.com/office/drawing/2014/main" id="{78BFD8A7-DBF2-7433-3CB4-0014C8571E93}"/>
-              </a:ext>
-            </a:extLst>
-          </p:cNvPr>
-          <p:cNvSpPr/>
-          <p:nvPr/>
-        </p:nvSpPr>
-        <p:spPr>
-          <a:xfrm>
-            <a:off x="4378960" y="8675195"/>
-            <a:ext cx="18531840" cy="995680"/>
-          </a:xfrm>
-          <a:prstGeom prst="rect">
-            <a:avLst/>
-          </a:prstGeom>
-          <a:noFill/>
-          <a:ln w="28575" cap="flat">
-            <a:solidFill>
-              <a:srgbClr val="002060"/>
-            </a:solidFill>
-            <a:miter lim="400000"/>
-          </a:ln>
-          <a:effectLst/>
-          <a:sp3d/>
-        </p:spPr>
-        <p:style>
-          <a:lnRef idx="0">
-            <a:scrgbClr r="0" g="0" b="0"/>
-          </a:lnRef>
-          <a:fillRef idx="0">
-            <a:scrgbClr r="0" g="0" b="0"/>
-          </a:fillRef>
-          <a:effectRef idx="0">
-            <a:scrgbClr r="0" g="0" b="0"/>
-          </a:effectRef>
-          <a:fontRef idx="none"/>
-        </p:style>
-        <p:txBody>
-          <a:bodyPr rot="0" spcFirstLastPara="1" vertOverflow="overflow" horzOverflow="overflow" vert="horz" wrap="square" lIns="50800" tIns="50800" rIns="50800" bIns="50800" numCol="1" spcCol="38100" rtlCol="0" anchor="ctr">
-            <a:spAutoFit/>
-          </a:bodyPr>
-          <a:lstStyle/>
-          <a:p>
-            <a:pPr marL="0" marR="0" indent="0" algn="ctr" defTabSz="825500" rtl="0" fontAlgn="auto" latinLnBrk="0" hangingPunct="0">
-              <a:lnSpc>
-                <a:spcPct val="100000"/>
-              </a:lnSpc>
-              <a:spcBef>
-                <a:spcPts val="0"/>
-              </a:spcBef>
-              <a:spcAft>
-                <a:spcPts val="0"/>
-              </a:spcAft>
-              <a:buClrTx/>
-              <a:buSzTx/>
-              <a:buFontTx/>
-              <a:buNone/>
-              <a:tabLst/>
-            </a:pPr>
-            <a:endParaRPr kumimoji="0" lang="en-US" sz="3200" b="0" i="0" u="none" strike="noStrike" cap="none" spc="0" normalizeH="0" baseline="0">
-              <a:ln>
-                <a:noFill/>
-              </a:ln>
-              <a:solidFill>
-                <a:srgbClr val="FFFFFF"/>
-              </a:solidFill>
-              <a:effectLst/>
-              <a:uFillTx/>
-              <a:latin typeface="Helvetica Neue Medium"/>
-              <a:ea typeface="Helvetica Neue Medium"/>
-              <a:cs typeface="Helvetica Neue Medium"/>
-              <a:sym typeface="Helvetica Neue Medium"/>
-            </a:endParaRPr>
-          </a:p>
-        </p:txBody>
-      </p:sp>
-      <p:sp>
-        <p:nvSpPr>
-          <p:cNvPr id="24" name="TextBox 23">
-            <a:extLst>
-              <a:ext uri="{FF2B5EF4-FFF2-40B4-BE49-F238E27FC236}">
-                <a16:creationId xmlns:a16="http://schemas.microsoft.com/office/drawing/2014/main" id="{B83B72A3-DB7C-99B3-D5D1-2D3BDBD904C4}"/>
-              </a:ext>
-            </a:extLst>
-          </p:cNvPr>
-          <p:cNvSpPr txBox="1"/>
-          <p:nvPr/>
-        </p:nvSpPr>
-        <p:spPr>
-          <a:xfrm>
-            <a:off x="1544320" y="8501159"/>
-            <a:ext cx="2834640" cy="984372"/>
-          </a:xfrm>
-          <a:prstGeom prst="rect">
-            <a:avLst/>
-          </a:prstGeom>
-          <a:noFill/>
-          <a:ln w="12700" cap="flat">
-            <a:noFill/>
-            <a:miter lim="400000"/>
-          </a:ln>
-          <a:effectLst/>
-          <a:sp3d/>
-        </p:spPr>
-        <p:style>
-          <a:lnRef idx="0">
-            <a:scrgbClr r="0" g="0" b="0"/>
-          </a:lnRef>
-          <a:fillRef idx="0">
-            <a:scrgbClr r="0" g="0" b="0"/>
-          </a:fillRef>
-          <a:effectRef idx="0">
-            <a:scrgbClr r="0" g="0" b="0"/>
-          </a:effectRef>
-          <a:fontRef idx="none"/>
-        </p:style>
-        <p:txBody>
-          <a:bodyPr rot="0" spcFirstLastPara="1" vertOverflow="overflow" horzOverflow="overflow" vert="horz" wrap="square" lIns="50800" tIns="50800" rIns="50800" bIns="50800" numCol="1" spcCol="38100" rtlCol="0" anchor="ctr">
-            <a:spAutoFit/>
-          </a:bodyPr>
-          <a:lstStyle/>
-          <a:p>
-            <a:pPr marL="0" marR="0" indent="0" algn="l" defTabSz="2438338" rtl="0" fontAlgn="auto" latinLnBrk="0" hangingPunct="0">
-              <a:lnSpc>
-                <a:spcPct val="90000"/>
-              </a:lnSpc>
-              <a:spcBef>
-                <a:spcPts val="4500"/>
-              </a:spcBef>
-              <a:spcAft>
-                <a:spcPts val="0"/>
-              </a:spcAft>
-              <a:buClrTx/>
-              <a:buSzTx/>
-              <a:buFontTx/>
-              <a:buNone/>
-              <a:tabLst/>
-            </a:pPr>
-            <a:r>
-              <a:rPr kumimoji="0" lang="en-US" sz="2200" b="0" i="0" u="none" strike="noStrike" cap="none" spc="0" normalizeH="0" baseline="0" dirty="0">
-                <a:ln>
-                  <a:noFill/>
-                </a:ln>
-                <a:solidFill>
-                  <a:schemeClr val="bg1"/>
-                </a:solidFill>
-                <a:effectLst/>
-                <a:uFillTx/>
-                <a:latin typeface="+mn-lt"/>
-                <a:ea typeface="+mn-ea"/>
-                <a:cs typeface="+mn-cs"/>
-                <a:sym typeface="Helvetica Neue"/>
-              </a:rPr>
-              <a:t>Evaluation</a:t>
-            </a:r>
-          </a:p>
-        </p:txBody>
-      </p:sp>
-      <p:sp>
-        <p:nvSpPr>
-          <p:cNvPr id="25" name="Rectangle 24">
-            <a:extLst>
-              <a:ext uri="{FF2B5EF4-FFF2-40B4-BE49-F238E27FC236}">
-                <a16:creationId xmlns:a16="http://schemas.microsoft.com/office/drawing/2014/main" id="{C3B9D313-9709-91A8-79D9-408A62419306}"/>
-              </a:ext>
-            </a:extLst>
-          </p:cNvPr>
-          <p:cNvSpPr/>
-          <p:nvPr/>
-        </p:nvSpPr>
-        <p:spPr>
-          <a:xfrm>
-            <a:off x="1330960" y="9853466"/>
-            <a:ext cx="3048000" cy="995680"/>
-          </a:xfrm>
-          <a:prstGeom prst="rect">
-            <a:avLst/>
-          </a:prstGeom>
-          <a:noFill/>
-          <a:ln w="28575" cap="flat">
-            <a:solidFill>
-              <a:srgbClr val="002060"/>
-            </a:solidFill>
-            <a:miter lim="400000"/>
-          </a:ln>
-          <a:effectLst/>
-          <a:sp3d/>
-        </p:spPr>
-        <p:style>
-          <a:lnRef idx="0">
-            <a:scrgbClr r="0" g="0" b="0"/>
-          </a:lnRef>
-          <a:fillRef idx="0">
-            <a:scrgbClr r="0" g="0" b="0"/>
-          </a:fillRef>
-          <a:effectRef idx="0">
-            <a:scrgbClr r="0" g="0" b="0"/>
-          </a:effectRef>
-          <a:fontRef idx="none"/>
-        </p:style>
-        <p:txBody>
-          <a:bodyPr rot="0" spcFirstLastPara="1" vertOverflow="overflow" horzOverflow="overflow" vert="horz" wrap="square" lIns="50800" tIns="50800" rIns="50800" bIns="50800" numCol="1" spcCol="38100" rtlCol="0" anchor="ctr">
-            <a:spAutoFit/>
-          </a:bodyPr>
-          <a:lstStyle/>
-          <a:p>
-            <a:pPr marL="0" marR="0" indent="0" algn="ctr" defTabSz="825500" rtl="0" fontAlgn="auto" latinLnBrk="0" hangingPunct="0">
-              <a:lnSpc>
-                <a:spcPct val="100000"/>
-              </a:lnSpc>
-              <a:spcBef>
-                <a:spcPts val="0"/>
-              </a:spcBef>
-              <a:spcAft>
-                <a:spcPts val="0"/>
-              </a:spcAft>
-              <a:buClrTx/>
-              <a:buSzTx/>
-              <a:buFontTx/>
-              <a:buNone/>
-              <a:tabLst/>
-            </a:pPr>
-            <a:endParaRPr kumimoji="0" lang="en-US" sz="3200" b="0" i="0" u="none" strike="noStrike" cap="none" spc="0" normalizeH="0" baseline="0" dirty="0">
-              <a:ln>
-                <a:noFill/>
-              </a:ln>
-              <a:solidFill>
-                <a:srgbClr val="FFFFFF"/>
-              </a:solidFill>
-              <a:effectLst/>
-              <a:uFillTx/>
-              <a:latin typeface="Helvetica Neue Medium"/>
-              <a:ea typeface="Helvetica Neue Medium"/>
-              <a:cs typeface="Helvetica Neue Medium"/>
-              <a:sym typeface="Helvetica Neue Medium"/>
-            </a:endParaRPr>
-          </a:p>
-        </p:txBody>
-      </p:sp>
-      <p:sp>
-        <p:nvSpPr>
-          <p:cNvPr id="26" name="Rectangle 25">
-            <a:extLst>
-              <a:ext uri="{FF2B5EF4-FFF2-40B4-BE49-F238E27FC236}">
-                <a16:creationId xmlns:a16="http://schemas.microsoft.com/office/drawing/2014/main" id="{26CFD80E-72A0-1F45-A1C3-5B6A2BFBB2EF}"/>
-              </a:ext>
-            </a:extLst>
-          </p:cNvPr>
-          <p:cNvSpPr/>
-          <p:nvPr/>
-        </p:nvSpPr>
-        <p:spPr>
-          <a:xfrm>
-            <a:off x="4378960" y="9853466"/>
-            <a:ext cx="18531840" cy="995680"/>
-          </a:xfrm>
-          <a:prstGeom prst="rect">
-            <a:avLst/>
-          </a:prstGeom>
-          <a:noFill/>
-          <a:ln w="28575" cap="flat">
-            <a:solidFill>
-              <a:srgbClr val="002060"/>
-            </a:solidFill>
-            <a:miter lim="400000"/>
-          </a:ln>
-          <a:effectLst/>
-          <a:sp3d/>
-        </p:spPr>
-        <p:style>
-          <a:lnRef idx="0">
-            <a:scrgbClr r="0" g="0" b="0"/>
-          </a:lnRef>
-          <a:fillRef idx="0">
-            <a:scrgbClr r="0" g="0" b="0"/>
-          </a:fillRef>
-          <a:effectRef idx="0">
-            <a:scrgbClr r="0" g="0" b="0"/>
-          </a:effectRef>
-          <a:fontRef idx="none"/>
-        </p:style>
-        <p:txBody>
-          <a:bodyPr rot="0" spcFirstLastPara="1" vertOverflow="overflow" horzOverflow="overflow" vert="horz" wrap="square" lIns="50800" tIns="50800" rIns="50800" bIns="50800" numCol="1" spcCol="38100" rtlCol="0" anchor="ctr">
-            <a:spAutoFit/>
-          </a:bodyPr>
-          <a:lstStyle/>
-          <a:p>
-            <a:pPr marL="0" marR="0" indent="0" algn="ctr" defTabSz="825500" rtl="0" fontAlgn="auto" latinLnBrk="0" hangingPunct="0">
-              <a:lnSpc>
-                <a:spcPct val="100000"/>
-              </a:lnSpc>
-              <a:spcBef>
-                <a:spcPts val="0"/>
-              </a:spcBef>
-              <a:spcAft>
-                <a:spcPts val="0"/>
-              </a:spcAft>
-              <a:buClrTx/>
-              <a:buSzTx/>
-              <a:buFontTx/>
-              <a:buNone/>
-              <a:tabLst/>
-            </a:pPr>
-            <a:endParaRPr kumimoji="0" lang="en-US" sz="3200" b="0" i="0" u="none" strike="noStrike" cap="none" spc="0" normalizeH="0" baseline="0">
-              <a:ln>
-                <a:noFill/>
-              </a:ln>
-              <a:solidFill>
-                <a:srgbClr val="FFFFFF"/>
-              </a:solidFill>
-              <a:effectLst/>
-              <a:uFillTx/>
-              <a:latin typeface="Helvetica Neue Medium"/>
-              <a:ea typeface="Helvetica Neue Medium"/>
-              <a:cs typeface="Helvetica Neue Medium"/>
-              <a:sym typeface="Helvetica Neue Medium"/>
-            </a:endParaRPr>
-          </a:p>
-        </p:txBody>
-      </p:sp>
-      <p:sp>
-        <p:nvSpPr>
-          <p:cNvPr id="27" name="TextBox 26">
-            <a:extLst>
-              <a:ext uri="{FF2B5EF4-FFF2-40B4-BE49-F238E27FC236}">
-                <a16:creationId xmlns:a16="http://schemas.microsoft.com/office/drawing/2014/main" id="{46BB1C0D-ACFB-F431-6B8C-4D007211A87B}"/>
-              </a:ext>
-            </a:extLst>
-          </p:cNvPr>
-          <p:cNvSpPr txBox="1"/>
-          <p:nvPr/>
-        </p:nvSpPr>
-        <p:spPr>
-          <a:xfrm>
-            <a:off x="1430020" y="9679430"/>
-            <a:ext cx="2834640" cy="984372"/>
-          </a:xfrm>
-          <a:prstGeom prst="rect">
-            <a:avLst/>
-          </a:prstGeom>
-          <a:noFill/>
-          <a:ln w="12700" cap="flat">
-            <a:noFill/>
-            <a:miter lim="400000"/>
-          </a:ln>
-          <a:effectLst/>
-          <a:sp3d/>
-        </p:spPr>
-        <p:style>
-          <a:lnRef idx="0">
-            <a:scrgbClr r="0" g="0" b="0"/>
-          </a:lnRef>
-          <a:fillRef idx="0">
-            <a:scrgbClr r="0" g="0" b="0"/>
-          </a:fillRef>
-          <a:effectRef idx="0">
-            <a:scrgbClr r="0" g="0" b="0"/>
-          </a:effectRef>
-          <a:fontRef idx="none"/>
-        </p:style>
-        <p:txBody>
-          <a:bodyPr rot="0" spcFirstLastPara="1" vertOverflow="overflow" horzOverflow="overflow" vert="horz" wrap="square" lIns="50800" tIns="50800" rIns="50800" bIns="50800" numCol="1" spcCol="38100" rtlCol="0" anchor="ctr">
-            <a:spAutoFit/>
-          </a:bodyPr>
-          <a:lstStyle/>
-          <a:p>
-            <a:pPr marL="0" marR="0" indent="0" algn="l" defTabSz="2438338" rtl="0" fontAlgn="auto" latinLnBrk="0" hangingPunct="0">
-              <a:lnSpc>
-                <a:spcPct val="90000"/>
-              </a:lnSpc>
-              <a:spcBef>
-                <a:spcPts val="4500"/>
-              </a:spcBef>
-              <a:spcAft>
-                <a:spcPts val="0"/>
-              </a:spcAft>
-              <a:buClrTx/>
-              <a:buSzTx/>
-              <a:buFontTx/>
-              <a:buNone/>
-              <a:tabLst/>
-            </a:pPr>
-            <a:r>
-              <a:rPr kumimoji="0" lang="en-US" sz="2200" b="0" i="0" u="none" strike="noStrike" cap="none" spc="0" normalizeH="0" baseline="0" dirty="0">
-                <a:ln>
-                  <a:noFill/>
-                </a:ln>
-                <a:solidFill>
-                  <a:schemeClr val="bg1"/>
-                </a:solidFill>
-                <a:effectLst/>
-                <a:uFillTx/>
-                <a:latin typeface="+mn-lt"/>
-                <a:ea typeface="+mn-ea"/>
-                <a:cs typeface="+mn-cs"/>
-                <a:sym typeface="Helvetica Neue"/>
-              </a:rPr>
-              <a:t>Result Visualization</a:t>
-            </a:r>
-          </a:p>
-        </p:txBody>
-      </p:sp>
-      <p:sp>
-        <p:nvSpPr>
-          <p:cNvPr id="28" name="TextBox 27">
-            <a:extLst>
-              <a:ext uri="{FF2B5EF4-FFF2-40B4-BE49-F238E27FC236}">
-                <a16:creationId xmlns:a16="http://schemas.microsoft.com/office/drawing/2014/main" id="{93F1F4CD-6E99-7E58-E59D-13B194F0AB4C}"/>
-              </a:ext>
-            </a:extLst>
-          </p:cNvPr>
-          <p:cNvSpPr txBox="1"/>
-          <p:nvPr/>
-        </p:nvSpPr>
-        <p:spPr>
-          <a:xfrm>
-            <a:off x="5080000" y="2551775"/>
-            <a:ext cx="11226800" cy="984372"/>
-          </a:xfrm>
-          <a:prstGeom prst="rect">
-            <a:avLst/>
-          </a:prstGeom>
-          <a:noFill/>
-          <a:ln w="12700" cap="flat">
-            <a:noFill/>
-            <a:miter lim="400000"/>
-          </a:ln>
-          <a:effectLst/>
-          <a:sp3d/>
-        </p:spPr>
-        <p:style>
-          <a:lnRef idx="0">
-            <a:scrgbClr r="0" g="0" b="0"/>
-          </a:lnRef>
-          <a:fillRef idx="0">
-            <a:scrgbClr r="0" g="0" b="0"/>
-          </a:fillRef>
-          <a:effectRef idx="0">
-            <a:scrgbClr r="0" g="0" b="0"/>
-          </a:effectRef>
-          <a:fontRef idx="none"/>
-        </p:style>
-        <p:txBody>
-          <a:bodyPr rot="0" spcFirstLastPara="1" vertOverflow="overflow" horzOverflow="overflow" vert="horz" wrap="square" lIns="50800" tIns="50800" rIns="50800" bIns="50800" numCol="1" spcCol="38100" rtlCol="0" anchor="ctr">
-            <a:spAutoFit/>
-          </a:bodyPr>
-          <a:lstStyle/>
-          <a:p>
-            <a:pPr marL="0" marR="0" indent="0" algn="l" defTabSz="2438338" rtl="0" fontAlgn="auto" latinLnBrk="0" hangingPunct="0">
-              <a:lnSpc>
-                <a:spcPct val="90000"/>
-              </a:lnSpc>
-              <a:spcBef>
-                <a:spcPts val="4500"/>
-              </a:spcBef>
-              <a:spcAft>
-                <a:spcPts val="0"/>
-              </a:spcAft>
-              <a:buClrTx/>
-              <a:buSzTx/>
-              <a:buFontTx/>
-              <a:buNone/>
-              <a:tabLst/>
-            </a:pPr>
-            <a:r>
-              <a:rPr kumimoji="0" lang="en-US" sz="2200" b="0" i="0" u="none" strike="noStrike" cap="none" spc="0" normalizeH="0" baseline="0" dirty="0">
-                <a:ln>
-                  <a:noFill/>
-                </a:ln>
-                <a:solidFill>
-                  <a:schemeClr val="bg1"/>
-                </a:solidFill>
-                <a:effectLst/>
-                <a:uFillTx/>
-                <a:latin typeface="+mn-lt"/>
-                <a:ea typeface="+mn-ea"/>
-                <a:cs typeface="+mn-cs"/>
-                <a:sym typeface="Helvetica Neue"/>
-              </a:rPr>
-              <a:t>GPX files, SwissTLM3D, transform to coordinate system, …</a:t>
-            </a:r>
-          </a:p>
-        </p:txBody>
-      </p:sp>
-      <p:sp>
-        <p:nvSpPr>
-          <p:cNvPr id="29" name="TextBox 28">
-            <a:extLst>
-              <a:ext uri="{FF2B5EF4-FFF2-40B4-BE49-F238E27FC236}">
-                <a16:creationId xmlns:a16="http://schemas.microsoft.com/office/drawing/2014/main" id="{B4C5176C-2DD6-3691-2EB3-39D2F2E47C0C}"/>
-              </a:ext>
-            </a:extLst>
-          </p:cNvPr>
-          <p:cNvSpPr txBox="1"/>
-          <p:nvPr/>
-        </p:nvSpPr>
-        <p:spPr>
-          <a:xfrm>
-            <a:off x="5080000" y="3685511"/>
-            <a:ext cx="11226800" cy="984372"/>
-          </a:xfrm>
-          <a:prstGeom prst="rect">
-            <a:avLst/>
-          </a:prstGeom>
-          <a:noFill/>
-          <a:ln w="12700" cap="flat">
-            <a:noFill/>
-            <a:miter lim="400000"/>
-          </a:ln>
-          <a:effectLst/>
-          <a:sp3d/>
-        </p:spPr>
-        <p:style>
-          <a:lnRef idx="0">
-            <a:scrgbClr r="0" g="0" b="0"/>
-          </a:lnRef>
-          <a:fillRef idx="0">
-            <a:scrgbClr r="0" g="0" b="0"/>
-          </a:fillRef>
-          <a:effectRef idx="0">
-            <a:scrgbClr r="0" g="0" b="0"/>
-          </a:effectRef>
-          <a:fontRef idx="none"/>
-        </p:style>
-        <p:txBody>
-          <a:bodyPr rot="0" spcFirstLastPara="1" vertOverflow="overflow" horzOverflow="overflow" vert="horz" wrap="square" lIns="50800" tIns="50800" rIns="50800" bIns="50800" numCol="1" spcCol="38100" rtlCol="0" anchor="ctr">
-            <a:spAutoFit/>
-          </a:bodyPr>
-          <a:lstStyle/>
-          <a:p>
-            <a:pPr marL="0" marR="0" indent="0" algn="l" defTabSz="2438338" rtl="0" fontAlgn="auto" latinLnBrk="0" hangingPunct="0">
-              <a:lnSpc>
-                <a:spcPct val="90000"/>
-              </a:lnSpc>
-              <a:spcBef>
-                <a:spcPts val="4500"/>
-              </a:spcBef>
-              <a:spcAft>
-                <a:spcPts val="0"/>
-              </a:spcAft>
-              <a:buClrTx/>
-              <a:buSzTx/>
-              <a:buFontTx/>
-              <a:buNone/>
-              <a:tabLst/>
-            </a:pPr>
-            <a:r>
-              <a:rPr kumimoji="0" lang="en-US" sz="2200" b="0" i="0" u="none" strike="noStrike" cap="none" spc="0" normalizeH="0" baseline="0" dirty="0">
-                <a:ln>
-                  <a:noFill/>
-                </a:ln>
-                <a:solidFill>
-                  <a:schemeClr val="bg1"/>
-                </a:solidFill>
-                <a:effectLst/>
-                <a:uFillTx/>
-                <a:latin typeface="+mn-lt"/>
-                <a:ea typeface="+mn-ea"/>
-                <a:cs typeface="+mn-cs"/>
-                <a:sym typeface="Helvetica Neue"/>
-              </a:rPr>
-              <a:t>Plots, etc. </a:t>
-            </a:r>
-          </a:p>
-        </p:txBody>
-      </p:sp>
-      <p:sp>
-        <p:nvSpPr>
-          <p:cNvPr id="30" name="TextBox 29">
-            <a:extLst>
-              <a:ext uri="{FF2B5EF4-FFF2-40B4-BE49-F238E27FC236}">
-                <a16:creationId xmlns:a16="http://schemas.microsoft.com/office/drawing/2014/main" id="{BCC7D106-4D5C-B3CC-3C6C-80824CE42E3F}"/>
-              </a:ext>
-            </a:extLst>
-          </p:cNvPr>
-          <p:cNvSpPr txBox="1"/>
-          <p:nvPr/>
-        </p:nvSpPr>
-        <p:spPr>
-          <a:xfrm>
-            <a:off x="5080000" y="4866041"/>
-            <a:ext cx="11226800" cy="984372"/>
-          </a:xfrm>
-          <a:prstGeom prst="rect">
-            <a:avLst/>
-          </a:prstGeom>
-          <a:noFill/>
-          <a:ln w="12700" cap="flat">
-            <a:noFill/>
-            <a:miter lim="400000"/>
-          </a:ln>
-          <a:effectLst/>
-          <a:sp3d/>
-        </p:spPr>
-        <p:style>
-          <a:lnRef idx="0">
-            <a:scrgbClr r="0" g="0" b="0"/>
-          </a:lnRef>
-          <a:fillRef idx="0">
-            <a:scrgbClr r="0" g="0" b="0"/>
-          </a:fillRef>
-          <a:effectRef idx="0">
-            <a:scrgbClr r="0" g="0" b="0"/>
-          </a:effectRef>
-          <a:fontRef idx="none"/>
-        </p:style>
-        <p:txBody>
-          <a:bodyPr rot="0" spcFirstLastPara="1" vertOverflow="overflow" horzOverflow="overflow" vert="horz" wrap="square" lIns="50800" tIns="50800" rIns="50800" bIns="50800" numCol="1" spcCol="38100" rtlCol="0" anchor="ctr">
-            <a:spAutoFit/>
-          </a:bodyPr>
-          <a:lstStyle/>
-          <a:p>
-            <a:pPr marL="0" marR="0" indent="0" algn="l" defTabSz="2438338" rtl="0" fontAlgn="auto" latinLnBrk="0" hangingPunct="0">
-              <a:lnSpc>
-                <a:spcPct val="90000"/>
-              </a:lnSpc>
-              <a:spcBef>
-                <a:spcPts val="4500"/>
-              </a:spcBef>
-              <a:spcAft>
-                <a:spcPts val="0"/>
-              </a:spcAft>
-              <a:buClrTx/>
-              <a:buSzTx/>
-              <a:buFontTx/>
-              <a:buNone/>
-              <a:tabLst/>
-            </a:pPr>
-            <a:r>
-              <a:rPr kumimoji="0" lang="en-US" sz="2200" b="0" i="0" u="none" strike="noStrike" cap="none" spc="0" normalizeH="0" baseline="0" dirty="0">
-                <a:ln>
-                  <a:noFill/>
-                </a:ln>
-                <a:solidFill>
-                  <a:schemeClr val="bg1"/>
-                </a:solidFill>
-                <a:effectLst/>
-                <a:uFillTx/>
-                <a:latin typeface="+mn-lt"/>
-                <a:ea typeface="+mn-ea"/>
-                <a:cs typeface="+mn-cs"/>
-                <a:sym typeface="Helvetica Neue"/>
-              </a:rPr>
-              <a:t>Speed, average speed, Elevation Change, stop frequency, … </a:t>
-            </a:r>
-          </a:p>
-        </p:txBody>
-      </p:sp>
-      <p:sp>
-        <p:nvSpPr>
-          <p:cNvPr id="31" name="TextBox 30">
-            <a:extLst>
-              <a:ext uri="{FF2B5EF4-FFF2-40B4-BE49-F238E27FC236}">
-                <a16:creationId xmlns:a16="http://schemas.microsoft.com/office/drawing/2014/main" id="{4B263CFD-85D4-69C4-2209-F34E9BD84106}"/>
-              </a:ext>
-            </a:extLst>
-          </p:cNvPr>
-          <p:cNvSpPr txBox="1"/>
-          <p:nvPr/>
-        </p:nvSpPr>
-        <p:spPr>
-          <a:xfrm>
-            <a:off x="5080000" y="6085464"/>
-            <a:ext cx="11226800" cy="984372"/>
-          </a:xfrm>
-          <a:prstGeom prst="rect">
-            <a:avLst/>
-          </a:prstGeom>
-          <a:noFill/>
-          <a:ln w="12700" cap="flat">
-            <a:noFill/>
-            <a:miter lim="400000"/>
-          </a:ln>
-          <a:effectLst/>
-          <a:sp3d/>
-        </p:spPr>
-        <p:style>
-          <a:lnRef idx="0">
-            <a:scrgbClr r="0" g="0" b="0"/>
-          </a:lnRef>
-          <a:fillRef idx="0">
-            <a:scrgbClr r="0" g="0" b="0"/>
-          </a:fillRef>
-          <a:effectRef idx="0">
-            <a:scrgbClr r="0" g="0" b="0"/>
-          </a:effectRef>
-          <a:fontRef idx="none"/>
-        </p:style>
-        <p:txBody>
-          <a:bodyPr rot="0" spcFirstLastPara="1" vertOverflow="overflow" horzOverflow="overflow" vert="horz" wrap="square" lIns="50800" tIns="50800" rIns="50800" bIns="50800" numCol="1" spcCol="38100" rtlCol="0" anchor="ctr">
-            <a:spAutoFit/>
-          </a:bodyPr>
-          <a:lstStyle/>
-          <a:p>
-            <a:pPr marL="0" marR="0" indent="0" algn="l" defTabSz="2438338" rtl="0" fontAlgn="auto" latinLnBrk="0" hangingPunct="0">
-              <a:lnSpc>
-                <a:spcPct val="90000"/>
-              </a:lnSpc>
-              <a:spcBef>
-                <a:spcPts val="4500"/>
-              </a:spcBef>
-              <a:spcAft>
-                <a:spcPts val="0"/>
-              </a:spcAft>
-              <a:buClrTx/>
-              <a:buSzTx/>
-              <a:buFontTx/>
-              <a:buNone/>
-              <a:tabLst/>
-            </a:pPr>
-            <a:r>
-              <a:rPr kumimoji="0" lang="en-US" sz="2200" b="0" i="0" u="none" strike="noStrike" cap="none" spc="0" normalizeH="0" baseline="0" dirty="0">
-                <a:ln>
-                  <a:noFill/>
-                </a:ln>
-                <a:solidFill>
-                  <a:schemeClr val="bg1"/>
-                </a:solidFill>
-                <a:effectLst/>
-                <a:uFillTx/>
-                <a:latin typeface="+mn-lt"/>
-                <a:ea typeface="+mn-ea"/>
-                <a:cs typeface="+mn-cs"/>
-                <a:sym typeface="Helvetica Neue"/>
-              </a:rPr>
-              <a:t>…</a:t>
-            </a:r>
-          </a:p>
-        </p:txBody>
-      </p:sp>
-      <p:sp>
-        <p:nvSpPr>
-          <p:cNvPr id="32" name="TextBox 31">
-            <a:extLst>
-              <a:ext uri="{FF2B5EF4-FFF2-40B4-BE49-F238E27FC236}">
-                <a16:creationId xmlns:a16="http://schemas.microsoft.com/office/drawing/2014/main" id="{D7FA1AA6-EE8E-DB4E-779D-4A8968F752FB}"/>
-              </a:ext>
-            </a:extLst>
-          </p:cNvPr>
-          <p:cNvSpPr txBox="1"/>
-          <p:nvPr/>
-        </p:nvSpPr>
-        <p:spPr>
-          <a:xfrm>
-            <a:off x="5171440" y="7279050"/>
-            <a:ext cx="11226800" cy="984372"/>
-          </a:xfrm>
-          <a:prstGeom prst="rect">
-            <a:avLst/>
-          </a:prstGeom>
-          <a:noFill/>
-          <a:ln w="12700" cap="flat">
-            <a:noFill/>
-            <a:miter lim="400000"/>
-          </a:ln>
-          <a:effectLst/>
-          <a:sp3d/>
-        </p:spPr>
-        <p:style>
-          <a:lnRef idx="0">
-            <a:scrgbClr r="0" g="0" b="0"/>
-          </a:lnRef>
-          <a:fillRef idx="0">
-            <a:scrgbClr r="0" g="0" b="0"/>
-          </a:fillRef>
-          <a:effectRef idx="0">
-            <a:scrgbClr r="0" g="0" b="0"/>
-          </a:effectRef>
-          <a:fontRef idx="none"/>
-        </p:style>
-        <p:txBody>
-          <a:bodyPr rot="0" spcFirstLastPara="1" vertOverflow="overflow" horzOverflow="overflow" vert="horz" wrap="square" lIns="50800" tIns="50800" rIns="50800" bIns="50800" numCol="1" spcCol="38100" rtlCol="0" anchor="ctr">
-            <a:spAutoFit/>
-          </a:bodyPr>
-          <a:lstStyle/>
-          <a:p>
-            <a:pPr marL="0" marR="0" indent="0" algn="l" defTabSz="2438338" rtl="0" fontAlgn="auto" latinLnBrk="0" hangingPunct="0">
-              <a:lnSpc>
-                <a:spcPct val="90000"/>
-              </a:lnSpc>
-              <a:spcBef>
-                <a:spcPts val="4500"/>
-              </a:spcBef>
-              <a:spcAft>
-                <a:spcPts val="0"/>
-              </a:spcAft>
-              <a:buClrTx/>
-              <a:buSzTx/>
-              <a:buFontTx/>
-              <a:buNone/>
-              <a:tabLst/>
-            </a:pPr>
-            <a:r>
-              <a:rPr kumimoji="0" lang="en-US" sz="2200" b="0" i="0" u="none" strike="noStrike" cap="none" spc="0" normalizeH="0" baseline="0" dirty="0">
-                <a:ln>
-                  <a:noFill/>
-                </a:ln>
-                <a:solidFill>
-                  <a:schemeClr val="bg1"/>
-                </a:solidFill>
-                <a:effectLst/>
-                <a:uFillTx/>
-                <a:latin typeface="+mn-lt"/>
-                <a:ea typeface="+mn-ea"/>
-                <a:cs typeface="+mn-cs"/>
-                <a:sym typeface="Helvetica Neue"/>
-              </a:rPr>
-              <a:t>…</a:t>
-            </a:r>
-          </a:p>
-        </p:txBody>
-      </p:sp>
-      <p:sp>
-        <p:nvSpPr>
-          <p:cNvPr id="33" name="TextBox 32">
-            <a:extLst>
-              <a:ext uri="{FF2B5EF4-FFF2-40B4-BE49-F238E27FC236}">
-                <a16:creationId xmlns:a16="http://schemas.microsoft.com/office/drawing/2014/main" id="{3B3FA9A4-1962-A148-1042-9C387485C2BD}"/>
-              </a:ext>
-            </a:extLst>
-          </p:cNvPr>
-          <p:cNvSpPr txBox="1"/>
-          <p:nvPr/>
-        </p:nvSpPr>
-        <p:spPr>
-          <a:xfrm>
-            <a:off x="5171440" y="8446013"/>
-            <a:ext cx="11226800" cy="984372"/>
-          </a:xfrm>
-          <a:prstGeom prst="rect">
-            <a:avLst/>
-          </a:prstGeom>
-          <a:noFill/>
-          <a:ln w="12700" cap="flat">
-            <a:noFill/>
-            <a:miter lim="400000"/>
-          </a:ln>
-          <a:effectLst/>
-          <a:sp3d/>
-        </p:spPr>
-        <p:style>
-          <a:lnRef idx="0">
-            <a:scrgbClr r="0" g="0" b="0"/>
-          </a:lnRef>
-          <a:fillRef idx="0">
-            <a:scrgbClr r="0" g="0" b="0"/>
-          </a:fillRef>
-          <a:effectRef idx="0">
-            <a:scrgbClr r="0" g="0" b="0"/>
-          </a:effectRef>
-          <a:fontRef idx="none"/>
-        </p:style>
-        <p:txBody>
-          <a:bodyPr rot="0" spcFirstLastPara="1" vertOverflow="overflow" horzOverflow="overflow" vert="horz" wrap="square" lIns="50800" tIns="50800" rIns="50800" bIns="50800" numCol="1" spcCol="38100" rtlCol="0" anchor="ctr">
-            <a:spAutoFit/>
-          </a:bodyPr>
-          <a:lstStyle/>
-          <a:p>
-            <a:pPr marL="0" marR="0" indent="0" algn="l" defTabSz="2438338" rtl="0" fontAlgn="auto" latinLnBrk="0" hangingPunct="0">
-              <a:lnSpc>
-                <a:spcPct val="90000"/>
-              </a:lnSpc>
-              <a:spcBef>
-                <a:spcPts val="4500"/>
-              </a:spcBef>
-              <a:spcAft>
-                <a:spcPts val="0"/>
-              </a:spcAft>
-              <a:buClrTx/>
-              <a:buSzTx/>
-              <a:buFontTx/>
-              <a:buNone/>
-              <a:tabLst/>
-            </a:pPr>
-            <a:r>
-              <a:rPr kumimoji="0" lang="en-US" sz="2200" b="0" i="0" u="none" strike="noStrike" cap="none" spc="0" normalizeH="0" baseline="0" dirty="0">
-                <a:ln>
-                  <a:noFill/>
-                </a:ln>
-                <a:solidFill>
-                  <a:schemeClr val="bg1"/>
-                </a:solidFill>
-                <a:effectLst/>
-                <a:uFillTx/>
-                <a:latin typeface="+mn-lt"/>
-                <a:ea typeface="+mn-ea"/>
-                <a:cs typeface="+mn-cs"/>
-                <a:sym typeface="Helvetica Neue"/>
-              </a:rPr>
-              <a:t>Accuracy, Precision, Recall, F1-Score</a:t>
-            </a:r>
-          </a:p>
-        </p:txBody>
-      </p:sp>
-      <p:sp>
-        <p:nvSpPr>
-          <p:cNvPr id="34" name="TextBox 33">
-            <a:extLst>
-              <a:ext uri="{FF2B5EF4-FFF2-40B4-BE49-F238E27FC236}">
-                <a16:creationId xmlns:a16="http://schemas.microsoft.com/office/drawing/2014/main" id="{196D712D-AE69-B519-D7BC-3AB9C4A5659C}"/>
-              </a:ext>
-            </a:extLst>
-          </p:cNvPr>
-          <p:cNvSpPr txBox="1"/>
-          <p:nvPr/>
-        </p:nvSpPr>
-        <p:spPr>
-          <a:xfrm>
-            <a:off x="5008880" y="9612976"/>
-            <a:ext cx="11226800" cy="984372"/>
-          </a:xfrm>
-          <a:prstGeom prst="rect">
-            <a:avLst/>
-          </a:prstGeom>
-          <a:noFill/>
-          <a:ln w="12700" cap="flat">
-            <a:noFill/>
-            <a:miter lim="400000"/>
-          </a:ln>
-          <a:effectLst/>
-          <a:sp3d/>
-        </p:spPr>
-        <p:style>
-          <a:lnRef idx="0">
-            <a:scrgbClr r="0" g="0" b="0"/>
-          </a:lnRef>
-          <a:fillRef idx="0">
-            <a:scrgbClr r="0" g="0" b="0"/>
-          </a:fillRef>
-          <a:effectRef idx="0">
-            <a:scrgbClr r="0" g="0" b="0"/>
-          </a:effectRef>
-          <a:fontRef idx="none"/>
-        </p:style>
-        <p:txBody>
-          <a:bodyPr rot="0" spcFirstLastPara="1" vertOverflow="overflow" horzOverflow="overflow" vert="horz" wrap="square" lIns="50800" tIns="50800" rIns="50800" bIns="50800" numCol="1" spcCol="38100" rtlCol="0" anchor="ctr">
-            <a:spAutoFit/>
-          </a:bodyPr>
-          <a:lstStyle/>
-          <a:p>
-            <a:pPr marL="0" marR="0" indent="0" algn="l" defTabSz="2438338" rtl="0" fontAlgn="auto" latinLnBrk="0" hangingPunct="0">
-              <a:lnSpc>
-                <a:spcPct val="90000"/>
-              </a:lnSpc>
-              <a:spcBef>
-                <a:spcPts val="4500"/>
-              </a:spcBef>
-              <a:spcAft>
-                <a:spcPts val="0"/>
-              </a:spcAft>
-              <a:buClrTx/>
-              <a:buSzTx/>
-              <a:buFontTx/>
-              <a:buNone/>
-              <a:tabLst/>
-            </a:pPr>
-            <a:r>
-              <a:rPr kumimoji="0" lang="en-US" sz="2200" b="0" i="0" u="none" strike="noStrike" cap="none" spc="0" normalizeH="0" baseline="0" dirty="0">
-                <a:ln>
-                  <a:noFill/>
-                </a:ln>
-                <a:solidFill>
-                  <a:schemeClr val="bg1"/>
-                </a:solidFill>
-                <a:effectLst/>
-                <a:uFillTx/>
-                <a:latin typeface="+mn-lt"/>
-                <a:ea typeface="+mn-ea"/>
-                <a:cs typeface="+mn-cs"/>
-                <a:sym typeface="Helvetica Neue"/>
-              </a:rPr>
-              <a:t>Classification, Accuracy…</a:t>
+              <a:t> flow chart?</a:t>
             </a:r>
           </a:p>
         </p:txBody>
@@ -9083,7 +7878,7 @@
     </p:spTree>
     <p:extLst>
       <p:ext uri="{BB962C8B-B14F-4D97-AF65-F5344CB8AC3E}">
-        <p14:creationId xmlns:p14="http://schemas.microsoft.com/office/powerpoint/2010/main" val="1864166017"/>
+        <p14:creationId xmlns:p14="http://schemas.microsoft.com/office/powerpoint/2010/main" val="4273422023"/>
       </p:ext>
     </p:extLst>
   </p:cSld>
@@ -9113,206 +7908,6 @@
       </p:grpSpPr>
       <p:sp>
         <p:nvSpPr>
-          <p:cNvPr id="187" name="Possible Problems"/>
-          <p:cNvSpPr txBox="1">
-            <a:spLocks noGrp="1"/>
-          </p:cNvSpPr>
-          <p:nvPr>
-            <p:ph type="title"/>
-          </p:nvPr>
-        </p:nvSpPr>
-        <p:spPr>
-          <a:prstGeom prst="rect">
-            <a:avLst/>
-          </a:prstGeom>
-        </p:spPr>
-        <p:txBody>
-          <a:bodyPr/>
-          <a:lstStyle/>
-          <a:p>
-            <a:r>
-              <a:rPr lang="de-CH" dirty="0"/>
-              <a:t>Research Plan (</a:t>
-            </a:r>
-            <a:r>
-              <a:rPr lang="de-CH" dirty="0" err="1"/>
-              <a:t>Example</a:t>
-            </a:r>
-            <a:r>
-              <a:rPr lang="de-CH" dirty="0"/>
-              <a:t> of </a:t>
-            </a:r>
-            <a:r>
-              <a:rPr lang="de-CH" dirty="0" err="1"/>
-              <a:t>Decision</a:t>
-            </a:r>
-            <a:r>
-              <a:rPr lang="de-CH" dirty="0"/>
-              <a:t> </a:t>
-            </a:r>
-            <a:r>
-              <a:rPr lang="de-CH" dirty="0" err="1"/>
-              <a:t>Tree</a:t>
-            </a:r>
-            <a:r>
-              <a:rPr lang="de-CH" dirty="0"/>
-              <a:t>)</a:t>
-            </a:r>
-            <a:endParaRPr dirty="0"/>
-          </a:p>
-        </p:txBody>
-      </p:sp>
-      <p:sp>
-        <p:nvSpPr>
-          <p:cNvPr id="5" name="Rectangle 4">
-            <a:extLst>
-              <a:ext uri="{FF2B5EF4-FFF2-40B4-BE49-F238E27FC236}">
-                <a16:creationId xmlns:a16="http://schemas.microsoft.com/office/drawing/2014/main" id="{5D07E1DB-4800-930D-1C1C-86DCCE5A67BB}"/>
-              </a:ext>
-            </a:extLst>
-          </p:cNvPr>
-          <p:cNvSpPr/>
-          <p:nvPr/>
-        </p:nvSpPr>
-        <p:spPr>
-          <a:xfrm>
-            <a:off x="6753860" y="4218602"/>
-            <a:ext cx="11249660" cy="595035"/>
-          </a:xfrm>
-          <a:prstGeom prst="rect">
-            <a:avLst/>
-          </a:prstGeom>
-          <a:solidFill>
-            <a:srgbClr val="000000"/>
-          </a:solidFill>
-          <a:ln w="12700" cap="flat">
-            <a:noFill/>
-            <a:miter lim="400000"/>
-          </a:ln>
-          <a:effectLst/>
-          <a:sp3d/>
-        </p:spPr>
-        <p:style>
-          <a:lnRef idx="0">
-            <a:scrgbClr r="0" g="0" b="0"/>
-          </a:lnRef>
-          <a:fillRef idx="0">
-            <a:scrgbClr r="0" g="0" b="0"/>
-          </a:fillRef>
-          <a:effectRef idx="0">
-            <a:scrgbClr r="0" g="0" b="0"/>
-          </a:effectRef>
-          <a:fontRef idx="none"/>
-        </p:style>
-        <p:txBody>
-          <a:bodyPr rot="0" spcFirstLastPara="1" vertOverflow="overflow" horzOverflow="overflow" vert="horz" wrap="square" lIns="50800" tIns="50800" rIns="50800" bIns="50800" numCol="1" spcCol="38100" rtlCol="0" anchor="ctr">
-            <a:spAutoFit/>
-          </a:bodyPr>
-          <a:lstStyle/>
-          <a:p>
-            <a:pPr marL="0" marR="0" indent="0" algn="ctr" defTabSz="825500" rtl="0" fontAlgn="auto" latinLnBrk="0" hangingPunct="0">
-              <a:lnSpc>
-                <a:spcPct val="100000"/>
-              </a:lnSpc>
-              <a:spcBef>
-                <a:spcPts val="0"/>
-              </a:spcBef>
-              <a:spcAft>
-                <a:spcPts val="0"/>
-              </a:spcAft>
-              <a:buClrTx/>
-              <a:buSzTx/>
-              <a:buFontTx/>
-              <a:buNone/>
-              <a:tabLst/>
-            </a:pPr>
-            <a:r>
-              <a:rPr kumimoji="0" lang="en-US" sz="3200" b="0" i="0" u="none" strike="noStrike" cap="none" spc="0" normalizeH="0" baseline="0" dirty="0">
-                <a:ln>
-                  <a:noFill/>
-                </a:ln>
-                <a:solidFill>
-                  <a:srgbClr val="FFFFFF"/>
-                </a:solidFill>
-                <a:effectLst/>
-                <a:uFillTx/>
-                <a:latin typeface="Helvetica Neue Medium"/>
-                <a:ea typeface="Helvetica Neue Medium"/>
-                <a:cs typeface="Helvetica Neue Medium"/>
-                <a:sym typeface="Helvetica Neue Medium"/>
-              </a:rPr>
-              <a:t>Jon: Screenshot from </a:t>
-            </a:r>
-            <a:r>
-              <a:rPr kumimoji="0" lang="en-US" sz="3200" b="0" i="0" u="none" strike="noStrike" cap="none" spc="0" normalizeH="0" baseline="0" dirty="0" err="1">
-                <a:ln>
-                  <a:noFill/>
-                </a:ln>
-                <a:solidFill>
-                  <a:srgbClr val="FFFFFF"/>
-                </a:solidFill>
-                <a:effectLst/>
-                <a:uFillTx/>
-                <a:latin typeface="Helvetica Neue Medium"/>
-                <a:ea typeface="Helvetica Neue Medium"/>
-                <a:cs typeface="Helvetica Neue Medium"/>
-                <a:sym typeface="Helvetica Neue Medium"/>
-              </a:rPr>
-              <a:t>Drawio</a:t>
-            </a:r>
-            <a:r>
-              <a:rPr kumimoji="0" lang="en-US" sz="3200" b="0" i="0" u="none" strike="noStrike" cap="none" spc="0" normalizeH="0" baseline="0" dirty="0">
-                <a:ln>
-                  <a:noFill/>
-                </a:ln>
-                <a:solidFill>
-                  <a:srgbClr val="FFFFFF"/>
-                </a:solidFill>
-                <a:effectLst/>
-                <a:uFillTx/>
-                <a:latin typeface="Helvetica Neue Medium"/>
-                <a:ea typeface="Helvetica Neue Medium"/>
-                <a:cs typeface="Helvetica Neue Medium"/>
-                <a:sym typeface="Helvetica Neue Medium"/>
-              </a:rPr>
-              <a:t> flow chart?</a:t>
-            </a:r>
-          </a:p>
-        </p:txBody>
-      </p:sp>
-    </p:spTree>
-    <p:extLst>
-      <p:ext uri="{BB962C8B-B14F-4D97-AF65-F5344CB8AC3E}">
-        <p14:creationId xmlns:p14="http://schemas.microsoft.com/office/powerpoint/2010/main" val="4273422023"/>
-      </p:ext>
-    </p:extLst>
-  </p:cSld>
-  <p:clrMapOvr>
-    <a:masterClrMapping/>
-  </p:clrMapOvr>
-  <p:transition spd="med"/>
-</p:sld>
-</file>
-
-<file path=ppt/slides/slide7.xml><?xml version="1.0" encoding="utf-8"?>
-<p:sld xmlns:a="http://schemas.openxmlformats.org/drawingml/2006/main" xmlns:r="http://schemas.openxmlformats.org/officeDocument/2006/relationships" xmlns:p="http://schemas.openxmlformats.org/presentationml/2006/main">
-  <p:cSld>
-    <p:spTree>
-      <p:nvGrpSpPr>
-        <p:cNvPr id="1" name=""/>
-        <p:cNvGrpSpPr/>
-        <p:nvPr/>
-      </p:nvGrpSpPr>
-      <p:grpSpPr>
-        <a:xfrm>
-          <a:off x="0" y="0"/>
-          <a:ext cx="0" cy="0"/>
-          <a:chOff x="0" y="0"/>
-          <a:chExt cx="0" cy="0"/>
-        </a:xfrm>
-      </p:grpSpPr>
-      <p:sp>
-        <p:nvSpPr>
           <p:cNvPr id="183" name="Preliminary Results"/>
           <p:cNvSpPr txBox="1">
             <a:spLocks noGrp="1"/>
@@ -9331,8 +7926,10 @@
           <a:lstStyle/>
           <a:p>
             <a:r>
-              <a:t>Preliminary Results</a:t>
-            </a:r>
+              <a:rPr lang="de-CH" dirty="0"/>
+              <a:t>Goals &amp; Challenges</a:t>
+            </a:r>
+            <a:endParaRPr dirty="0"/>
           </a:p>
         </p:txBody>
       </p:sp>
@@ -9353,7 +7950,7 @@
         </p:spPr>
         <p:txBody>
           <a:bodyPr>
-            <a:normAutofit/>
+            <a:normAutofit lnSpcReduction="10000"/>
           </a:bodyPr>
           <a:lstStyle/>
           <a:p>
@@ -9647,83 +8244,12 @@
             </a:r>
             <a:r>
               <a:rPr lang="de-CH" dirty="0"/>
-              <a:t>. </a:t>
-            </a:r>
-          </a:p>
-          <a:p>
-            <a:endParaRPr dirty="0"/>
-          </a:p>
-        </p:txBody>
-      </p:sp>
-    </p:spTree>
-  </p:cSld>
-  <p:clrMapOvr>
-    <a:masterClrMapping/>
-  </p:clrMapOvr>
-  <p:transition spd="med"/>
-</p:sld>
-</file>
-
-<file path=ppt/slides/slide8.xml><?xml version="1.0" encoding="utf-8"?>
-<p:sld xmlns:a="http://schemas.openxmlformats.org/drawingml/2006/main" xmlns:r="http://schemas.openxmlformats.org/officeDocument/2006/relationships" xmlns:p="http://schemas.openxmlformats.org/presentationml/2006/main">
-  <p:cSld>
-    <p:spTree>
-      <p:nvGrpSpPr>
-        <p:cNvPr id="1" name=""/>
-        <p:cNvGrpSpPr/>
-        <p:nvPr/>
-      </p:nvGrpSpPr>
-      <p:grpSpPr>
-        <a:xfrm>
-          <a:off x="0" y="0"/>
-          <a:ext cx="0" cy="0"/>
-          <a:chOff x="0" y="0"/>
-          <a:chExt cx="0" cy="0"/>
-        </a:xfrm>
-      </p:grpSpPr>
-      <p:sp>
-        <p:nvSpPr>
-          <p:cNvPr id="187" name="Possible Problems"/>
-          <p:cNvSpPr txBox="1">
-            <a:spLocks noGrp="1"/>
-          </p:cNvSpPr>
-          <p:nvPr>
-            <p:ph type="title"/>
-          </p:nvPr>
-        </p:nvSpPr>
-        <p:spPr>
-          <a:prstGeom prst="rect">
-            <a:avLst/>
-          </a:prstGeom>
-        </p:spPr>
-        <p:txBody>
-          <a:bodyPr/>
-          <a:lstStyle/>
-          <a:p>
-            <a:r>
-              <a:t>Possible Problems</a:t>
-            </a:r>
-          </a:p>
-        </p:txBody>
-      </p:sp>
-      <p:sp>
-        <p:nvSpPr>
-          <p:cNvPr id="189" name="Text für Folienpunkt"/>
-          <p:cNvSpPr txBox="1">
-            <a:spLocks noGrp="1"/>
-          </p:cNvSpPr>
-          <p:nvPr>
-            <p:ph type="body" idx="1"/>
-          </p:nvPr>
-        </p:nvSpPr>
-        <p:spPr>
-          <a:prstGeom prst="rect">
-            <a:avLst/>
-          </a:prstGeom>
-        </p:spPr>
-        <p:txBody>
-          <a:bodyPr/>
-          <a:lstStyle/>
+              <a:t>.</a:t>
+            </a:r>
+          </a:p>
+          <a:p>
+            <a:endParaRPr lang="de-CH" dirty="0"/>
+          </a:p>
           <a:p>
             <a:r>
               <a:rPr lang="de-CH" dirty="0"/>
@@ -9807,8 +8333,11 @@
             </a:r>
             <a:r>
               <a:rPr lang="de-CH" dirty="0"/>
-              <a:t>. </a:t>
-            </a:r>
+              <a:t>.  </a:t>
+            </a:r>
+          </a:p>
+          <a:p>
+            <a:endParaRPr dirty="0"/>
           </a:p>
         </p:txBody>
       </p:sp>

--- a/Presentation.pptx
+++ b/Presentation.pptx
@@ -5,7 +5,7 @@
     <p:sldMasterId id="2147483648" r:id="rId1"/>
   </p:sldMasterIdLst>
   <p:notesMasterIdLst>
-    <p:notesMasterId r:id="rId8"/>
+    <p:notesMasterId r:id="rId9"/>
   </p:notesMasterIdLst>
   <p:sldIdLst>
     <p:sldId id="256" r:id="rId2"/>
@@ -14,6 +14,7 @@
     <p:sldId id="262" r:id="rId5"/>
     <p:sldId id="264" r:id="rId6"/>
     <p:sldId id="259" r:id="rId7"/>
+    <p:sldId id="265" r:id="rId8"/>
   </p:sldIdLst>
   <p:sldSz cx="24384000" cy="13716000"/>
   <p:notesSz cx="6858000" cy="9144000"/>
@@ -897,7 +898,7 @@
           </a:lstStyle>
           <a:p>
             <a:fld id="{86CB4B4D-7CA3-9044-876B-883B54F8677D}" type="slidenum">
-              <a:t>‹Nr.›</a:t>
+              <a:t>‹#›</a:t>
             </a:fld>
             <a:endParaRPr/>
           </a:p>
@@ -1019,7 +1020,7 @@
           <a:lstStyle/>
           <a:p>
             <a:fld id="{86CB4B4D-7CA3-9044-876B-883B54F8677D}" type="slidenum">
-              <a:t>‹Nr.›</a:t>
+              <a:t>‹#›</a:t>
             </a:fld>
             <a:endParaRPr/>
           </a:p>
@@ -1238,7 +1239,7 @@
           <a:lstStyle/>
           <a:p>
             <a:fld id="{86CB4B4D-7CA3-9044-876B-883B54F8677D}" type="slidenum">
-              <a:t>‹Nr.›</a:t>
+              <a:t>‹#›</a:t>
             </a:fld>
             <a:endParaRPr/>
           </a:p>
@@ -1446,7 +1447,7 @@
           <a:lstStyle/>
           <a:p>
             <a:fld id="{86CB4B4D-7CA3-9044-876B-883B54F8677D}" type="slidenum">
-              <a:t>‹Nr.›</a:t>
+              <a:t>‹#›</a:t>
             </a:fld>
             <a:endParaRPr/>
           </a:p>
@@ -1675,7 +1676,7 @@
           <a:lstStyle/>
           <a:p>
             <a:fld id="{86CB4B4D-7CA3-9044-876B-883B54F8677D}" type="slidenum">
-              <a:t>‹Nr.›</a:t>
+              <a:t>‹#›</a:t>
             </a:fld>
             <a:endParaRPr/>
           </a:p>
@@ -1909,7 +1910,7 @@
           <a:lstStyle/>
           <a:p>
             <a:fld id="{86CB4B4D-7CA3-9044-876B-883B54F8677D}" type="slidenum">
-              <a:t>‹Nr.›</a:t>
+              <a:t>‹#›</a:t>
             </a:fld>
             <a:endParaRPr/>
           </a:p>
@@ -2048,7 +2049,7 @@
           <a:lstStyle/>
           <a:p>
             <a:fld id="{86CB4B4D-7CA3-9044-876B-883B54F8677D}" type="slidenum">
-              <a:t>‹Nr.›</a:t>
+              <a:t>‹#›</a:t>
             </a:fld>
             <a:endParaRPr/>
           </a:p>
@@ -2137,7 +2138,7 @@
           </a:lstStyle>
           <a:p>
             <a:fld id="{86CB4B4D-7CA3-9044-876B-883B54F8677D}" type="slidenum">
-              <a:t>‹Nr.›</a:t>
+              <a:t>‹#›</a:t>
             </a:fld>
             <a:endParaRPr/>
           </a:p>
@@ -2189,7 +2190,7 @@
           <a:lstStyle/>
           <a:p>
             <a:fld id="{86CB4B4D-7CA3-9044-876B-883B54F8677D}" type="slidenum">
-              <a:t>‹Nr.›</a:t>
+              <a:t>‹#›</a:t>
             </a:fld>
             <a:endParaRPr/>
           </a:p>
@@ -2477,7 +2478,7 @@
           </a:lstStyle>
           <a:p>
             <a:fld id="{86CB4B4D-7CA3-9044-876B-883B54F8677D}" type="slidenum">
-              <a:t>‹Nr.›</a:t>
+              <a:t>‹#›</a:t>
             </a:fld>
             <a:endParaRPr/>
           </a:p>
@@ -2692,7 +2693,7 @@
           <a:lstStyle/>
           <a:p>
             <a:fld id="{86CB4B4D-7CA3-9044-876B-883B54F8677D}" type="slidenum">
-              <a:t>‹Nr.›</a:t>
+              <a:t>‹#›</a:t>
             </a:fld>
             <a:endParaRPr/>
           </a:p>
@@ -2851,7 +2852,7 @@
           <a:lstStyle/>
           <a:p>
             <a:fld id="{86CB4B4D-7CA3-9044-876B-883B54F8677D}" type="slidenum">
-              <a:t>‹Nr.›</a:t>
+              <a:t>‹#›</a:t>
             </a:fld>
             <a:endParaRPr/>
           </a:p>
@@ -2944,7 +2945,7 @@
           <a:lstStyle/>
           <a:p>
             <a:fld id="{86CB4B4D-7CA3-9044-876B-883B54F8677D}" type="slidenum">
-              <a:t>‹Nr.›</a:t>
+              <a:t>‹#›</a:t>
             </a:fld>
             <a:endParaRPr/>
           </a:p>
@@ -3140,7 +3141,7 @@
           <a:lstStyle/>
           <a:p>
             <a:fld id="{86CB4B4D-7CA3-9044-876B-883B54F8677D}" type="slidenum">
-              <a:t>‹Nr.›</a:t>
+              <a:t>‹#›</a:t>
             </a:fld>
             <a:endParaRPr/>
           </a:p>
@@ -3307,7 +3308,7 @@
           <a:lstStyle/>
           <a:p>
             <a:fld id="{86CB4B4D-7CA3-9044-876B-883B54F8677D}" type="slidenum">
-              <a:t>‹Nr.›</a:t>
+              <a:t>‹#›</a:t>
             </a:fld>
             <a:endParaRPr/>
           </a:p>
@@ -3474,7 +3475,7 @@
           <a:lstStyle/>
           <a:p>
             <a:fld id="{86CB4B4D-7CA3-9044-876B-883B54F8677D}" type="slidenum">
-              <a:t>‹Nr.›</a:t>
+              <a:t>‹#›</a:t>
             </a:fld>
             <a:endParaRPr/>
           </a:p>
@@ -3587,7 +3588,7 @@
           </a:lstStyle>
           <a:p>
             <a:fld id="{86CB4B4D-7CA3-9044-876B-883B54F8677D}" type="slidenum">
-              <a:t>‹Nr.›</a:t>
+              <a:t>‹#›</a:t>
             </a:fld>
             <a:endParaRPr/>
           </a:p>
@@ -3650,7 +3651,7 @@
           </a:ln>
           <a:extLst>
             <a:ext uri="{C572A759-6A51-4108-AA02-DFA0A04FC94B}">
-              <ma14:wrappingTextBoxFlag xmlns:ma14="http://schemas.microsoft.com/office/mac/drawingml/2011/main" xmlns:a14="http://schemas.microsoft.com/office/drawing/2010/main" xmlns:m="http://schemas.openxmlformats.org/officeDocument/2006/math" xmlns="" val="1"/>
+              <ma14:wrappingTextBoxFlag xmlns="" xmlns:m="http://schemas.openxmlformats.org/officeDocument/2006/math" xmlns:a14="http://schemas.microsoft.com/office/drawing/2010/main" xmlns:ma14="http://schemas.microsoft.com/office/mac/drawingml/2011/main" val="1"/>
             </a:ext>
           </a:extLst>
         </p:spPr>
@@ -3689,7 +3690,7 @@
           </a:ln>
           <a:extLst>
             <a:ext uri="{C572A759-6A51-4108-AA02-DFA0A04FC94B}">
-              <ma14:wrappingTextBoxFlag xmlns:ma14="http://schemas.microsoft.com/office/mac/drawingml/2011/main" xmlns:a14="http://schemas.microsoft.com/office/drawing/2010/main" xmlns:m="http://schemas.openxmlformats.org/officeDocument/2006/math" xmlns="" val="1"/>
+              <ma14:wrappingTextBoxFlag xmlns="" xmlns:m="http://schemas.openxmlformats.org/officeDocument/2006/math" xmlns:a14="http://schemas.microsoft.com/office/drawing/2010/main" xmlns:ma14="http://schemas.microsoft.com/office/mac/drawingml/2011/main" val="1"/>
             </a:ext>
           </a:extLst>
         </p:spPr>
@@ -3760,7 +3761,7 @@
           </a:lstStyle>
           <a:p>
             <a:fld id="{86CB4B4D-7CA3-9044-876B-883B54F8677D}" type="slidenum">
-              <a:t>‹Nr.›</a:t>
+              <a:t>‹#›</a:t>
             </a:fld>
             <a:endParaRPr/>
           </a:p>
@@ -4562,7 +4563,7 @@
           </a:prstGeom>
           <a:extLst>
             <a:ext uri="{C572A759-6A51-4108-AA02-DFA0A04FC94B}">
-              <ma14:wrappingTextBoxFlag xmlns:ma14="http://schemas.microsoft.com/office/mac/drawingml/2011/main" xmlns:a14="http://schemas.microsoft.com/office/drawing/2010/main" xmlns:m="http://schemas.openxmlformats.org/officeDocument/2006/math" xmlns="" val="1"/>
+              <ma14:wrappingTextBoxFlag xmlns="" xmlns:m="http://schemas.openxmlformats.org/officeDocument/2006/math" xmlns:a14="http://schemas.microsoft.com/office/drawing/2010/main" xmlns:ma14="http://schemas.microsoft.com/office/mac/drawingml/2011/main" val="1"/>
             </a:ext>
           </a:extLst>
         </p:spPr>
@@ -5008,7 +5009,7 @@
         </p:blipFill>
         <p:spPr>
           <a:xfrm>
-            <a:off x="20808480" y="3360100"/>
+            <a:off x="20798320" y="3224557"/>
             <a:ext cx="644880" cy="644880"/>
           </a:xfrm>
           <a:prstGeom prst="rect">
@@ -5047,7 +5048,7 @@
         </p:blipFill>
         <p:spPr>
           <a:xfrm>
-            <a:off x="19880854" y="3360100"/>
+            <a:off x="19870694" y="3224557"/>
             <a:ext cx="644880" cy="644880"/>
           </a:xfrm>
           <a:prstGeom prst="rect">
@@ -5086,7 +5087,7 @@
         </p:blipFill>
         <p:spPr>
           <a:xfrm>
-            <a:off x="18953227" y="3360100"/>
+            <a:off x="18943067" y="3224557"/>
             <a:ext cx="644880" cy="644880"/>
           </a:xfrm>
           <a:prstGeom prst="rect">
@@ -5125,7 +5126,7 @@
         </p:blipFill>
         <p:spPr>
           <a:xfrm>
-            <a:off x="18025600" y="3360100"/>
+            <a:off x="18015440" y="3224557"/>
             <a:ext cx="644880" cy="644880"/>
           </a:xfrm>
           <a:prstGeom prst="rect">
@@ -5164,7 +5165,7 @@
         </p:blipFill>
         <p:spPr>
           <a:xfrm>
-            <a:off x="19812134" y="5412880"/>
+            <a:off x="19812134" y="4979417"/>
             <a:ext cx="713600" cy="713600"/>
           </a:xfrm>
           <a:prstGeom prst="rect">
@@ -5203,7 +5204,7 @@
         </p:blipFill>
         <p:spPr>
           <a:xfrm>
-            <a:off x="18985440" y="5412880"/>
+            <a:off x="18985440" y="4979417"/>
             <a:ext cx="713600" cy="713600"/>
           </a:xfrm>
           <a:prstGeom prst="rect">
@@ -5242,12 +5243,137 @@
         </p:blipFill>
         <p:spPr>
           <a:xfrm>
-            <a:off x="19522574" y="7122160"/>
+            <a:off x="19540494" y="9587967"/>
             <a:ext cx="680720" cy="680720"/>
           </a:xfrm>
           <a:prstGeom prst="rect">
             <a:avLst/>
           </a:prstGeom>
+        </p:spPr>
+      </p:pic>
+      <p:pic>
+        <p:nvPicPr>
+          <p:cNvPr id="3" name="Graphic 2" descr="Folder Search outline">
+            <a:extLst>
+              <a:ext uri="{FF2B5EF4-FFF2-40B4-BE49-F238E27FC236}">
+                <a16:creationId xmlns:a16="http://schemas.microsoft.com/office/drawing/2014/main" id="{B58E71FF-9EDC-D028-370D-1A6F8CE45209}"/>
+              </a:ext>
+            </a:extLst>
+          </p:cNvPr>
+          <p:cNvPicPr>
+            <a:picLocks noChangeAspect="1"/>
+          </p:cNvPicPr>
+          <p:nvPr/>
+        </p:nvPicPr>
+        <p:blipFill>
+          <a:blip r:embed="rId17">
+            <a:extLst>
+              <a:ext uri="{28A0092B-C50C-407E-A947-70E740481C1C}">
+                <a14:useLocalDpi xmlns:a14="http://schemas.microsoft.com/office/drawing/2010/main" val="0"/>
+              </a:ext>
+              <a:ext uri="{96DAC541-7B7A-43D3-8B79-37D633B846F1}">
+                <asvg:svgBlip xmlns:asvg="http://schemas.microsoft.com/office/drawing/2016/SVG/main" r:embed="rId18"/>
+              </a:ext>
+            </a:extLst>
+          </a:blip>
+          <a:stretch>
+            <a:fillRect/>
+          </a:stretch>
+        </p:blipFill>
+        <p:spPr>
+          <a:xfrm>
+            <a:off x="19520174" y="6531911"/>
+            <a:ext cx="721360" cy="721360"/>
+          </a:xfrm>
+          <a:prstGeom prst="rect">
+            <a:avLst/>
+          </a:prstGeom>
+        </p:spPr>
+      </p:pic>
+      <p:pic>
+        <p:nvPicPr>
+          <p:cNvPr id="7" name="Graphic 6" descr="Database outline">
+            <a:extLst>
+              <a:ext uri="{FF2B5EF4-FFF2-40B4-BE49-F238E27FC236}">
+                <a16:creationId xmlns:a16="http://schemas.microsoft.com/office/drawing/2014/main" id="{4FB9C91D-58F4-7CF2-1F19-0DFB32DAEA39}"/>
+              </a:ext>
+            </a:extLst>
+          </p:cNvPr>
+          <p:cNvPicPr>
+            <a:picLocks noChangeAspect="1"/>
+          </p:cNvPicPr>
+          <p:nvPr/>
+        </p:nvPicPr>
+        <p:blipFill>
+          <a:blip r:embed="rId19">
+            <a:extLst>
+              <a:ext uri="{28A0092B-C50C-407E-A947-70E740481C1C}">
+                <a14:useLocalDpi xmlns:a14="http://schemas.microsoft.com/office/drawing/2010/main" val="0"/>
+              </a:ext>
+              <a:ext uri="{96DAC541-7B7A-43D3-8B79-37D633B846F1}">
+                <asvg:svgBlip xmlns:asvg="http://schemas.microsoft.com/office/drawing/2016/SVG/main" r:embed="rId20"/>
+              </a:ext>
+            </a:extLst>
+          </a:blip>
+          <a:stretch>
+            <a:fillRect/>
+          </a:stretch>
+        </p:blipFill>
+        <p:spPr>
+          <a:xfrm>
+            <a:off x="19594635" y="11005543"/>
+            <a:ext cx="591960" cy="591960"/>
+          </a:xfrm>
+          <a:prstGeom prst="rect">
+            <a:avLst/>
+          </a:prstGeom>
+        </p:spPr>
+      </p:pic>
+      <p:pic>
+        <p:nvPicPr>
+          <p:cNvPr id="1026" name="Picture 2" descr="Switzerland map Icon - Free PNG &amp; SVG 1617943 - Noun Project">
+            <a:extLst>
+              <a:ext uri="{FF2B5EF4-FFF2-40B4-BE49-F238E27FC236}">
+                <a16:creationId xmlns:a16="http://schemas.microsoft.com/office/drawing/2014/main" id="{ED7A052F-B5BB-0411-BC53-6BF6E0B5B8E0}"/>
+              </a:ext>
+            </a:extLst>
+          </p:cNvPr>
+          <p:cNvPicPr>
+            <a:picLocks noChangeAspect="1" noChangeArrowheads="1"/>
+          </p:cNvPicPr>
+          <p:nvPr/>
+        </p:nvPicPr>
+        <p:blipFill>
+          <a:blip r:embed="rId21">
+            <a:extLst>
+              <a:ext uri="{28A0092B-C50C-407E-A947-70E740481C1C}">
+                <a14:useLocalDpi xmlns:a14="http://schemas.microsoft.com/office/drawing/2010/main" val="0"/>
+              </a:ext>
+            </a:extLst>
+          </a:blip>
+          <a:srcRect/>
+          <a:stretch>
+            <a:fillRect/>
+          </a:stretch>
+        </p:blipFill>
+        <p:spPr bwMode="auto">
+          <a:xfrm>
+            <a:off x="19430004" y="7837651"/>
+            <a:ext cx="881380" cy="881380"/>
+          </a:xfrm>
+          <a:prstGeom prst="rect">
+            <a:avLst/>
+          </a:prstGeom>
+          <a:noFill/>
+          <a:extLst>
+            <a:ext uri="{909E8E84-426E-40DD-AFC4-6F175D3DCCD1}">
+              <a14:hiddenFill xmlns:a14="http://schemas.microsoft.com/office/drawing/2010/main">
+                <a:solidFill>
+                  <a:srgbClr val="FFFFFF"/>
+                </a:solidFill>
+              </a14:hiddenFill>
+            </a:ext>
+          </a:extLst>
         </p:spPr>
       </p:pic>
     </p:spTree>
@@ -5313,28 +5439,34 @@
           </p:nvPr>
         </p:nvSpPr>
         <p:spPr>
-          <a:prstGeom prst="rect">
-            <a:avLst/>
-          </a:prstGeom>
-        </p:spPr>
-        <p:txBody>
-          <a:bodyPr/>
+          <a:xfrm>
+            <a:off x="1206500" y="4248504"/>
+            <a:ext cx="21971000" cy="5413656"/>
+          </a:xfrm>
+          <a:prstGeom prst="rect">
+            <a:avLst/>
+          </a:prstGeom>
+        </p:spPr>
+        <p:txBody>
+          <a:bodyPr>
+            <a:normAutofit/>
+          </a:bodyPr>
           <a:lstStyle/>
           <a:p>
             <a:r>
-              <a:rPr lang="en-US" dirty="0"/>
+              <a:rPr lang="en-US" sz="4400" dirty="0"/>
               <a:t>How accurately can we identify transportation modes based on GPS data features such as speed, elevation change, distance measures and stop frequency? </a:t>
             </a:r>
           </a:p>
           <a:p>
             <a:r>
-              <a:rPr lang="en-US" dirty="0"/>
+              <a:rPr lang="en-US" sz="4400" dirty="0"/>
               <a:t>What are the challenges in distinguishing between similar modes (e.g., jogging &amp; biking)?</a:t>
             </a:r>
           </a:p>
           <a:p>
             <a:r>
-              <a:rPr lang="en-US" dirty="0"/>
+              <a:rPr lang="en-US" sz="4400" dirty="0"/>
               <a:t>How do factors like street data or environmental data influence the accuracy of transportation mode detection models? </a:t>
             </a:r>
           </a:p>
@@ -7260,7 +7392,7 @@
                 <a:cs typeface="+mn-cs"/>
                 <a:sym typeface="Helvetica Neue"/>
               </a:rPr>
-              <a:t>Plots, etc. </a:t>
+              <a:t>Plots, Visualization, etc. </a:t>
             </a:r>
           </a:p>
         </p:txBody>
@@ -7342,7 +7474,57 @@
                 <a:cs typeface="+mn-cs"/>
                 <a:sym typeface="Helvetica Neue"/>
               </a:rPr>
-              <a:t>Speed, average speed, Elevation Change, stop frequency, Distance measures, Temporal measures</a:t>
+              <a:t>Speed, Average </a:t>
+            </a:r>
+            <a:r>
+              <a:rPr lang="en-US" sz="2200" dirty="0">
+                <a:solidFill>
+                  <a:schemeClr val="bg1"/>
+                </a:solidFill>
+              </a:rPr>
+              <a:t>S</a:t>
+            </a:r>
+            <a:r>
+              <a:rPr kumimoji="0" lang="en-US" sz="2200" b="0" i="0" u="none" strike="noStrike" cap="none" spc="0" normalizeH="0" baseline="0" dirty="0">
+                <a:ln>
+                  <a:noFill/>
+                </a:ln>
+                <a:solidFill>
+                  <a:schemeClr val="bg1"/>
+                </a:solidFill>
+                <a:effectLst/>
+                <a:uFillTx/>
+                <a:latin typeface="+mn-lt"/>
+                <a:ea typeface="+mn-ea"/>
+                <a:cs typeface="+mn-cs"/>
+                <a:sym typeface="Helvetica Neue"/>
+              </a:rPr>
+              <a:t>peed, Elevation Change, Stop Frequency, Distance Measures, Temporal </a:t>
+            </a:r>
+            <a:r>
+              <a:rPr lang="en-US" sz="2200" dirty="0">
+                <a:solidFill>
+                  <a:schemeClr val="bg1"/>
+                </a:solidFill>
+              </a:rPr>
+              <a:t>Me</a:t>
+            </a:r>
+            <a:r>
+              <a:rPr kumimoji="0" lang="en-US" sz="2200" b="0" i="0" u="none" strike="noStrike" cap="none" spc="0" normalizeH="0" baseline="0" dirty="0">
+                <a:ln>
+                  <a:noFill/>
+                </a:ln>
+                <a:solidFill>
+                  <a:schemeClr val="bg1"/>
+                </a:solidFill>
+                <a:effectLst/>
+                <a:uFillTx/>
+                <a:latin typeface="+mn-lt"/>
+                <a:ea typeface="+mn-ea"/>
+                <a:cs typeface="+mn-cs"/>
+                <a:sym typeface="Helvetica Neue"/>
+              </a:rPr>
+              <a:t>asures</a:t>
             </a:r>
           </a:p>
         </p:txBody>
@@ -7675,6 +7857,171 @@
           </a:p>
         </p:txBody>
       </p:sp>
+      <p:sp>
+        <p:nvSpPr>
+          <p:cNvPr id="2" name="Arrow: Down 1">
+            <a:extLst>
+              <a:ext uri="{FF2B5EF4-FFF2-40B4-BE49-F238E27FC236}">
+                <a16:creationId xmlns:a16="http://schemas.microsoft.com/office/drawing/2014/main" id="{2C73095D-9166-D9F3-0D1A-B28FE2F52BFE}"/>
+              </a:ext>
+            </a:extLst>
+          </p:cNvPr>
+          <p:cNvSpPr/>
+          <p:nvPr/>
+        </p:nvSpPr>
+        <p:spPr>
+          <a:xfrm>
+            <a:off x="843280" y="2783840"/>
+            <a:ext cx="772160" cy="8839200"/>
+          </a:xfrm>
+          <a:prstGeom prst="downArrow">
+            <a:avLst/>
+          </a:prstGeom>
+          <a:solidFill>
+            <a:srgbClr val="FFFFFF"/>
+          </a:solidFill>
+          <a:ln w="28575" cap="flat">
+            <a:solidFill>
+              <a:srgbClr val="002060"/>
+            </a:solidFill>
+            <a:miter lim="400000"/>
+          </a:ln>
+          <a:effectLst/>
+          <a:sp3d/>
+        </p:spPr>
+        <p:style>
+          <a:lnRef idx="0">
+            <a:scrgbClr r="0" g="0" b="0"/>
+          </a:lnRef>
+          <a:fillRef idx="0">
+            <a:scrgbClr r="0" g="0" b="0"/>
+          </a:fillRef>
+          <a:effectRef idx="0">
+            <a:scrgbClr r="0" g="0" b="0"/>
+          </a:effectRef>
+          <a:fontRef idx="none"/>
+        </p:style>
+        <p:txBody>
+          <a:bodyPr rot="0" spcFirstLastPara="1" vertOverflow="overflow" horzOverflow="overflow" vert="horz" wrap="square" lIns="50800" tIns="50800" rIns="50800" bIns="50800" numCol="1" spcCol="38100" rtlCol="0" anchor="ctr">
+            <a:spAutoFit/>
+          </a:bodyPr>
+          <a:lstStyle/>
+          <a:p>
+            <a:pPr marL="0" marR="0" indent="0" algn="ctr" defTabSz="825500" rtl="0" fontAlgn="auto" latinLnBrk="0" hangingPunct="0">
+              <a:lnSpc>
+                <a:spcPct val="100000"/>
+              </a:lnSpc>
+              <a:spcBef>
+                <a:spcPts val="0"/>
+              </a:spcBef>
+              <a:spcAft>
+                <a:spcPts val="0"/>
+              </a:spcAft>
+              <a:buClrTx/>
+              <a:buSzTx/>
+              <a:buFontTx/>
+              <a:buNone/>
+              <a:tabLst/>
+            </a:pPr>
+            <a:endParaRPr kumimoji="0" lang="en-US" sz="3200" b="0" i="0" u="none" strike="noStrike" cap="none" spc="0" normalizeH="0" baseline="0">
+              <a:ln>
+                <a:noFill/>
+              </a:ln>
+              <a:solidFill>
+                <a:srgbClr val="FFFFFF"/>
+              </a:solidFill>
+              <a:effectLst/>
+              <a:uFillTx/>
+              <a:latin typeface="Helvetica Neue Medium"/>
+              <a:ea typeface="Helvetica Neue Medium"/>
+              <a:cs typeface="Helvetica Neue Medium"/>
+              <a:sym typeface="Helvetica Neue Medium"/>
+            </a:endParaRPr>
+          </a:p>
+        </p:txBody>
+      </p:sp>
+      <p:sp>
+        <p:nvSpPr>
+          <p:cNvPr id="4" name="TextBox 3">
+            <a:extLst>
+              <a:ext uri="{FF2B5EF4-FFF2-40B4-BE49-F238E27FC236}">
+                <a16:creationId xmlns:a16="http://schemas.microsoft.com/office/drawing/2014/main" id="{5F66DBEF-D60A-830D-172F-7823BE7D1FB7}"/>
+              </a:ext>
+            </a:extLst>
+          </p:cNvPr>
+          <p:cNvSpPr txBox="1"/>
+          <p:nvPr/>
+        </p:nvSpPr>
+        <p:spPr>
+          <a:xfrm>
+            <a:off x="1988820" y="10540454"/>
+            <a:ext cx="11226800" cy="928972"/>
+          </a:xfrm>
+          <a:prstGeom prst="rect">
+            <a:avLst/>
+          </a:prstGeom>
+          <a:noFill/>
+          <a:ln w="12700" cap="flat">
+            <a:noFill/>
+            <a:miter lim="400000"/>
+          </a:ln>
+          <a:effectLst/>
+          <a:sp3d/>
+        </p:spPr>
+        <p:style>
+          <a:lnRef idx="0">
+            <a:scrgbClr r="0" g="0" b="0"/>
+          </a:lnRef>
+          <a:fillRef idx="0">
+            <a:scrgbClr r="0" g="0" b="0"/>
+          </a:fillRef>
+          <a:effectRef idx="0">
+            <a:scrgbClr r="0" g="0" b="0"/>
+          </a:effectRef>
+          <a:fontRef idx="none"/>
+        </p:style>
+        <p:txBody>
+          <a:bodyPr rot="0" spcFirstLastPara="1" vertOverflow="overflow" horzOverflow="overflow" vert="horz" wrap="square" lIns="50800" tIns="50800" rIns="50800" bIns="50800" numCol="1" spcCol="38100" rtlCol="0" anchor="ctr">
+            <a:spAutoFit/>
+          </a:bodyPr>
+          <a:lstStyle/>
+          <a:p>
+            <a:pPr marL="0" marR="0" indent="0" algn="l" defTabSz="2438338" rtl="0" fontAlgn="auto" latinLnBrk="0" hangingPunct="0">
+              <a:lnSpc>
+                <a:spcPct val="90000"/>
+              </a:lnSpc>
+              <a:spcBef>
+                <a:spcPts val="4500"/>
+              </a:spcBef>
+              <a:spcAft>
+                <a:spcPts val="0"/>
+              </a:spcAft>
+              <a:buClrTx/>
+              <a:buSzTx/>
+              <a:buFontTx/>
+              <a:buNone/>
+              <a:tabLst/>
+            </a:pPr>
+            <a:r>
+              <a:rPr kumimoji="0" lang="en-US" sz="1800" b="0" i="1" u="none" strike="noStrike" cap="none" spc="0" normalizeH="0" baseline="0" dirty="0">
+                <a:ln>
+                  <a:noFill/>
+                </a:ln>
+                <a:solidFill>
+                  <a:schemeClr val="bg1"/>
+                </a:solidFill>
+                <a:effectLst/>
+                <a:uFillTx/>
+                <a:latin typeface="+mn-lt"/>
+                <a:ea typeface="+mn-ea"/>
+                <a:cs typeface="+mn-cs"/>
+                <a:sym typeface="Helvetica Neue"/>
+              </a:rPr>
+              <a:t>*more details on next slide</a:t>
+            </a:r>
+          </a:p>
+        </p:txBody>
+      </p:sp>
     </p:spTree>
     <p:extLst>
       <p:ext uri="{BB962C8B-B14F-4D97-AF65-F5344CB8AC3E}">
@@ -7727,151 +8074,9 @@
           <a:p>
             <a:r>
               <a:rPr lang="de-CH" dirty="0"/>
-              <a:t>Research Plan (</a:t>
-            </a:r>
-            <a:r>
-              <a:rPr lang="de-CH" dirty="0" err="1"/>
-              <a:t>Example</a:t>
-            </a:r>
-            <a:r>
-              <a:rPr lang="de-CH" dirty="0"/>
-              <a:t> of </a:t>
-            </a:r>
-            <a:r>
-              <a:rPr lang="de-CH" dirty="0" err="1"/>
-              <a:t>Decision</a:t>
-            </a:r>
-            <a:r>
-              <a:rPr lang="de-CH" dirty="0"/>
-              <a:t> </a:t>
-            </a:r>
-            <a:r>
-              <a:rPr lang="de-CH" dirty="0" err="1"/>
-              <a:t>Tree</a:t>
-            </a:r>
-            <a:r>
-              <a:rPr lang="de-CH" dirty="0"/>
-              <a:t>)</a:t>
+              <a:t>Research Plan (Classification Model)</a:t>
             </a:r>
             <a:endParaRPr dirty="0"/>
-          </a:p>
-        </p:txBody>
-      </p:sp>
-      <p:sp>
-        <p:nvSpPr>
-          <p:cNvPr id="5" name="Rectangle 4">
-            <a:extLst>
-              <a:ext uri="{FF2B5EF4-FFF2-40B4-BE49-F238E27FC236}">
-                <a16:creationId xmlns:a16="http://schemas.microsoft.com/office/drawing/2014/main" id="{5D07E1DB-4800-930D-1C1C-86DCCE5A67BB}"/>
-              </a:ext>
-            </a:extLst>
-          </p:cNvPr>
-          <p:cNvSpPr/>
-          <p:nvPr/>
-        </p:nvSpPr>
-        <p:spPr>
-          <a:xfrm>
-            <a:off x="6753860" y="4218602"/>
-            <a:ext cx="11249660" cy="595035"/>
-          </a:xfrm>
-          <a:prstGeom prst="rect">
-            <a:avLst/>
-          </a:prstGeom>
-          <a:solidFill>
-            <a:srgbClr val="000000"/>
-          </a:solidFill>
-          <a:ln w="12700" cap="flat">
-            <a:noFill/>
-            <a:miter lim="400000"/>
-          </a:ln>
-          <a:effectLst/>
-          <a:sp3d/>
-        </p:spPr>
-        <p:style>
-          <a:lnRef idx="0">
-            <a:scrgbClr r="0" g="0" b="0"/>
-          </a:lnRef>
-          <a:fillRef idx="0">
-            <a:scrgbClr r="0" g="0" b="0"/>
-          </a:fillRef>
-          <a:effectRef idx="0">
-            <a:scrgbClr r="0" g="0" b="0"/>
-          </a:effectRef>
-          <a:fontRef idx="none"/>
-        </p:style>
-        <p:txBody>
-          <a:bodyPr rot="0" spcFirstLastPara="1" vertOverflow="overflow" horzOverflow="overflow" vert="horz" wrap="square" lIns="50800" tIns="50800" rIns="50800" bIns="50800" numCol="1" spcCol="38100" rtlCol="0" anchor="ctr">
-            <a:spAutoFit/>
-          </a:bodyPr>
-          <a:lstStyle/>
-          <a:p>
-            <a:pPr marL="0" marR="0" indent="0" algn="ctr" defTabSz="825500" rtl="0" fontAlgn="auto" latinLnBrk="0" hangingPunct="0">
-              <a:lnSpc>
-                <a:spcPct val="100000"/>
-              </a:lnSpc>
-              <a:spcBef>
-                <a:spcPts val="0"/>
-              </a:spcBef>
-              <a:spcAft>
-                <a:spcPts val="0"/>
-              </a:spcAft>
-              <a:buClrTx/>
-              <a:buSzTx/>
-              <a:buFontTx/>
-              <a:buNone/>
-              <a:tabLst/>
-            </a:pPr>
-            <a:r>
-              <a:rPr kumimoji="0" lang="en-US" sz="3200" b="0" i="0" u="none" strike="noStrike" cap="none" spc="0" normalizeH="0" baseline="0" dirty="0">
-                <a:ln>
-                  <a:noFill/>
-                </a:ln>
-                <a:solidFill>
-                  <a:srgbClr val="FFFFFF"/>
-                </a:solidFill>
-                <a:effectLst/>
-                <a:uFillTx/>
-                <a:latin typeface="Helvetica Neue Medium"/>
-                <a:ea typeface="Helvetica Neue Medium"/>
-                <a:cs typeface="Helvetica Neue Medium"/>
-                <a:sym typeface="Helvetica Neue Medium"/>
-              </a:rPr>
-              <a:t>Jon: Screenshot from </a:t>
-            </a:r>
-            <a:r>
-              <a:rPr kumimoji="0" lang="en-US" sz="3200" b="0" i="0" u="none" strike="noStrike" cap="none" spc="0" normalizeH="0" baseline="0" dirty="0" err="1">
-                <a:ln>
-                  <a:noFill/>
-                </a:ln>
-                <a:solidFill>
-                  <a:srgbClr val="FFFFFF"/>
-                </a:solidFill>
-                <a:effectLst/>
-                <a:uFillTx/>
-                <a:latin typeface="Helvetica Neue Medium"/>
-                <a:ea typeface="Helvetica Neue Medium"/>
-                <a:cs typeface="Helvetica Neue Medium"/>
-                <a:sym typeface="Helvetica Neue Medium"/>
-              </a:rPr>
-              <a:t>Drawio</a:t>
-            </a:r>
-            <a:r>
-              <a:rPr kumimoji="0" lang="en-US" sz="3200" b="0" i="0" u="none" strike="noStrike" cap="none" spc="0" normalizeH="0" baseline="0" dirty="0">
-                <a:ln>
-                  <a:noFill/>
-                </a:ln>
-                <a:solidFill>
-                  <a:srgbClr val="FFFFFF"/>
-                </a:solidFill>
-                <a:effectLst/>
-                <a:uFillTx/>
-                <a:latin typeface="Helvetica Neue Medium"/>
-                <a:ea typeface="Helvetica Neue Medium"/>
-                <a:cs typeface="Helvetica Neue Medium"/>
-                <a:sym typeface="Helvetica Neue Medium"/>
-              </a:rPr>
-              <a:t> flow chart?</a:t>
-            </a:r>
           </a:p>
         </p:txBody>
       </p:sp>
@@ -7944,6 +8149,10 @@
           </p:nvPr>
         </p:nvSpPr>
         <p:spPr>
+          <a:xfrm>
+            <a:off x="1206500" y="3202024"/>
+            <a:ext cx="21971000" cy="8256012"/>
+          </a:xfrm>
           <a:prstGeom prst="rect">
             <a:avLst/>
           </a:prstGeom>
@@ -7955,28 +8164,84 @@
           <a:lstStyle/>
           <a:p>
             <a:r>
-              <a:rPr lang="de-CH" dirty="0"/>
-              <a:t>Model </a:t>
+              <a:rPr lang="en-US" dirty="0"/>
+              <a:t>Model Accuracy: Develop a classification model with high accuracy for identifying hiking, jogging, cycling, and ski touring using GPS features and provide a visualization of the results. </a:t>
             </a:r>
+          </a:p>
+          <a:p>
+            <a:r>
+              <a:rPr lang="en-US" dirty="0"/>
+              <a:t>Key Features: Determine the most critical GPS features for differentiating transportation modes. </a:t>
+            </a:r>
+          </a:p>
+          <a:p>
+            <a:r>
+              <a:rPr lang="en-US" dirty="0"/>
+              <a:t>Practical Applications: Highlight potential applications in fitness tracking and urban planning.</a:t>
+            </a:r>
+          </a:p>
+          <a:p>
+            <a:endParaRPr lang="en-US" dirty="0"/>
+          </a:p>
+          <a:p>
+            <a:r>
+              <a:rPr lang="en-US" dirty="0"/>
+              <a:t>Challenges Addressed: Identify challenges in distinguishing similar modes (e.g., jogging &amp; biking) and propose solutions.  </a:t>
+            </a:r>
+          </a:p>
+          <a:p>
+            <a:endParaRPr lang="en-US" dirty="0"/>
+          </a:p>
+        </p:txBody>
+      </p:sp>
+    </p:spTree>
+  </p:cSld>
+  <p:clrMapOvr>
+    <a:masterClrMapping/>
+  </p:clrMapOvr>
+  <p:transition spd="med"/>
+</p:sld>
+</file>
+
+<file path=ppt/slides/slide7.xml><?xml version="1.0" encoding="utf-8"?>
+<p:sld xmlns:a="http://schemas.openxmlformats.org/drawingml/2006/main" xmlns:r="http://schemas.openxmlformats.org/officeDocument/2006/relationships" xmlns:p="http://schemas.openxmlformats.org/presentationml/2006/main">
+  <p:cSld>
+    <p:spTree>
+      <p:nvGrpSpPr>
+        <p:cNvPr id="1" name=""/>
+        <p:cNvGrpSpPr/>
+        <p:nvPr/>
+      </p:nvGrpSpPr>
+      <p:grpSpPr>
+        <a:xfrm>
+          <a:off x="0" y="0"/>
+          <a:ext cx="0" cy="0"/>
+          <a:chOff x="0" y="0"/>
+          <a:chExt cx="0" cy="0"/>
+        </a:xfrm>
+      </p:grpSpPr>
+      <p:sp>
+        <p:nvSpPr>
+          <p:cNvPr id="183" name="Preliminary Results"/>
+          <p:cNvSpPr txBox="1">
+            <a:spLocks noGrp="1"/>
+          </p:cNvSpPr>
+          <p:nvPr>
+            <p:ph type="title"/>
+          </p:nvPr>
+        </p:nvSpPr>
+        <p:spPr>
+          <a:prstGeom prst="rect">
+            <a:avLst/>
+          </a:prstGeom>
+        </p:spPr>
+        <p:txBody>
+          <a:bodyPr/>
+          <a:lstStyle/>
+          <a:p>
             <a:r>
               <a:rPr lang="de-CH" dirty="0" err="1"/>
-              <a:t>Accuracy</a:t>
-            </a:r>
-            <a:r>
-              <a:rPr lang="de-CH" dirty="0"/>
-              <a:t>: </a:t>
-            </a:r>
-            <a:r>
-              <a:rPr lang="de-CH" dirty="0" err="1"/>
-              <a:t>Develop</a:t>
-            </a:r>
-            <a:r>
-              <a:rPr lang="de-CH" dirty="0"/>
-              <a:t> a </a:t>
-            </a:r>
-            <a:r>
-              <a:rPr lang="de-CH" dirty="0" err="1"/>
-              <a:t>classification</a:t>
+              <a:t>Preliminary</a:t>
             </a:r>
             <a:r>
               <a:rPr lang="de-CH" dirty="0"/>
@@ -7984,364 +8249,70 @@
             </a:r>
             <a:r>
               <a:rPr lang="de-CH" dirty="0" err="1"/>
-              <a:t>model</a:t>
+              <a:t>Results</a:t>
+            </a:r>
+            <a:endParaRPr dirty="0"/>
+          </a:p>
+        </p:txBody>
+      </p:sp>
+      <p:sp>
+        <p:nvSpPr>
+          <p:cNvPr id="185" name="Text für Folienpunkt"/>
+          <p:cNvSpPr txBox="1">
+            <a:spLocks noGrp="1"/>
+          </p:cNvSpPr>
+          <p:nvPr>
+            <p:ph type="body" idx="1"/>
+          </p:nvPr>
+        </p:nvSpPr>
+        <p:spPr>
+          <a:xfrm>
+            <a:off x="1206500" y="3202024"/>
+            <a:ext cx="21971000" cy="8256012"/>
+          </a:xfrm>
+          <a:prstGeom prst="rect">
+            <a:avLst/>
+          </a:prstGeom>
+        </p:spPr>
+        <p:txBody>
+          <a:bodyPr>
+            <a:normAutofit/>
+          </a:bodyPr>
+          <a:lstStyle/>
+          <a:p>
+            <a:r>
+              <a:rPr lang="en-US" dirty="0"/>
+              <a:t>..</a:t>
             </a:r>
             <a:r>
-              <a:rPr lang="de-CH" dirty="0"/>
-              <a:t> </a:t>
+              <a:rPr lang="en-US" dirty="0" err="1"/>
+              <a:t>nur</a:t>
             </a:r>
             <a:r>
-              <a:rPr lang="de-CH" dirty="0" err="1"/>
-              <a:t>with</a:t>
+              <a:rPr lang="en-US" dirty="0"/>
+              <a:t> falls </a:t>
             </a:r>
             <a:r>
-              <a:rPr lang="de-CH" dirty="0"/>
-              <a:t> high </a:t>
+              <a:rPr lang="en-US" dirty="0" err="1"/>
+              <a:t>nötig</a:t>
             </a:r>
             <a:r>
-              <a:rPr lang="de-CH" dirty="0" err="1"/>
-              <a:t>accuracy</a:t>
+              <a:rPr lang="en-US"/>
+              <a:t>…</a:t>
             </a:r>
-            <a:r>
-              <a:rPr lang="de-CH" dirty="0"/>
-              <a:t> </a:t>
-            </a:r>
-            <a:r>
-              <a:rPr lang="de-CH" dirty="0" err="1"/>
-              <a:t>for</a:t>
-            </a:r>
-            <a:r>
-              <a:rPr lang="de-CH" dirty="0"/>
-              <a:t> </a:t>
-            </a:r>
-            <a:r>
-              <a:rPr lang="de-CH" dirty="0" err="1"/>
-              <a:t>identifying</a:t>
-            </a:r>
-            <a:r>
-              <a:rPr lang="de-CH" dirty="0"/>
-              <a:t> </a:t>
-            </a:r>
-            <a:r>
-              <a:rPr lang="de-CH" dirty="0" err="1"/>
-              <a:t>hiking</a:t>
-            </a:r>
-            <a:r>
-              <a:rPr lang="de-CH" dirty="0"/>
-              <a:t>, </a:t>
-            </a:r>
-            <a:r>
-              <a:rPr lang="de-CH" dirty="0" err="1"/>
-              <a:t>jogging</a:t>
-            </a:r>
-            <a:r>
-              <a:rPr lang="de-CH" dirty="0"/>
-              <a:t>, </a:t>
-            </a:r>
-            <a:r>
-              <a:rPr lang="de-CH" dirty="0" err="1"/>
-              <a:t>cycling</a:t>
-            </a:r>
-            <a:r>
-              <a:rPr lang="de-CH" dirty="0"/>
-              <a:t>, and </a:t>
-            </a:r>
-            <a:r>
-              <a:rPr lang="de-CH" dirty="0" err="1"/>
-              <a:t>ski</a:t>
-            </a:r>
-            <a:r>
-              <a:rPr lang="de-CH" dirty="0"/>
-              <a:t> </a:t>
-            </a:r>
-            <a:r>
-              <a:rPr lang="de-CH" dirty="0" err="1"/>
-              <a:t>touring</a:t>
-            </a:r>
-            <a:r>
-              <a:rPr lang="de-CH" dirty="0"/>
-              <a:t> </a:t>
-            </a:r>
-            <a:r>
-              <a:rPr lang="de-CH" dirty="0" err="1"/>
-              <a:t>using</a:t>
-            </a:r>
-            <a:r>
-              <a:rPr lang="de-CH" dirty="0"/>
-              <a:t> GPS </a:t>
-            </a:r>
-            <a:r>
-              <a:rPr lang="de-CH" dirty="0" err="1"/>
-              <a:t>features</a:t>
-            </a:r>
-            <a:r>
-              <a:rPr lang="de-CH" dirty="0"/>
-              <a:t> and </a:t>
-            </a:r>
-            <a:r>
-              <a:rPr lang="de-CH" dirty="0" err="1"/>
-              <a:t>provide</a:t>
-            </a:r>
-            <a:r>
-              <a:rPr lang="de-CH" dirty="0"/>
-              <a:t> a </a:t>
-            </a:r>
-            <a:r>
-              <a:rPr lang="de-CH" dirty="0" err="1"/>
-              <a:t>visualization</a:t>
-            </a:r>
-            <a:r>
-              <a:rPr lang="de-CH" dirty="0"/>
-              <a:t> </a:t>
-            </a:r>
-            <a:r>
-              <a:rPr lang="de-CH" dirty="0" err="1"/>
-              <a:t>of</a:t>
-            </a:r>
-            <a:r>
-              <a:rPr lang="de-CH" dirty="0"/>
-              <a:t> </a:t>
-            </a:r>
-            <a:r>
-              <a:rPr lang="de-CH" dirty="0" err="1"/>
-              <a:t>the</a:t>
-            </a:r>
-            <a:r>
-              <a:rPr lang="de-CH" dirty="0"/>
-              <a:t> </a:t>
-            </a:r>
-            <a:r>
-              <a:rPr lang="de-CH" dirty="0" err="1"/>
-              <a:t>results</a:t>
-            </a:r>
-            <a:r>
-              <a:rPr lang="de-CH" dirty="0"/>
-              <a:t>. </a:t>
-            </a:r>
-          </a:p>
-          <a:p>
-            <a:r>
-              <a:rPr lang="de-CH" dirty="0"/>
-              <a:t>Key Features: </a:t>
-            </a:r>
-            <a:r>
-              <a:rPr lang="de-CH" dirty="0" err="1"/>
-              <a:t>Determine</a:t>
-            </a:r>
-            <a:r>
-              <a:rPr lang="de-CH" dirty="0"/>
-              <a:t> </a:t>
-            </a:r>
-            <a:r>
-              <a:rPr lang="de-CH" dirty="0" err="1"/>
-              <a:t>the</a:t>
-            </a:r>
-            <a:r>
-              <a:rPr lang="de-CH" dirty="0"/>
-              <a:t> </a:t>
-            </a:r>
-            <a:r>
-              <a:rPr lang="de-CH" dirty="0" err="1"/>
-              <a:t>most</a:t>
-            </a:r>
-            <a:r>
-              <a:rPr lang="de-CH" dirty="0"/>
-              <a:t> </a:t>
-            </a:r>
-            <a:r>
-              <a:rPr lang="de-CH" dirty="0" err="1"/>
-              <a:t>critical</a:t>
-            </a:r>
-            <a:r>
-              <a:rPr lang="de-CH" dirty="0"/>
-              <a:t> GPS </a:t>
-            </a:r>
-            <a:r>
-              <a:rPr lang="de-CH" dirty="0" err="1"/>
-              <a:t>features</a:t>
-            </a:r>
-            <a:r>
-              <a:rPr lang="de-CH" dirty="0"/>
-              <a:t> </a:t>
-            </a:r>
-            <a:r>
-              <a:rPr lang="de-CH" dirty="0" err="1"/>
-              <a:t>for</a:t>
-            </a:r>
-            <a:r>
-              <a:rPr lang="de-CH" dirty="0"/>
-              <a:t> </a:t>
-            </a:r>
-            <a:r>
-              <a:rPr lang="de-CH" dirty="0" err="1"/>
-              <a:t>differentiating</a:t>
-            </a:r>
-            <a:r>
-              <a:rPr lang="de-CH" dirty="0"/>
-              <a:t> </a:t>
-            </a:r>
-            <a:r>
-              <a:rPr lang="de-CH" dirty="0" err="1"/>
-              <a:t>transportation</a:t>
-            </a:r>
-            <a:r>
-              <a:rPr lang="de-CH" dirty="0"/>
-              <a:t> </a:t>
-            </a:r>
-            <a:r>
-              <a:rPr lang="de-CH" dirty="0" err="1"/>
-              <a:t>modes</a:t>
-            </a:r>
-            <a:r>
-              <a:rPr lang="de-CH" dirty="0"/>
-              <a:t>. </a:t>
-            </a:r>
-          </a:p>
-          <a:p>
-            <a:r>
-              <a:rPr lang="de-CH" dirty="0" err="1"/>
-              <a:t>Practical</a:t>
-            </a:r>
-            <a:r>
-              <a:rPr lang="de-CH" dirty="0"/>
-              <a:t> </a:t>
-            </a:r>
-            <a:r>
-              <a:rPr lang="de-CH" dirty="0" err="1"/>
-              <a:t>Applications</a:t>
-            </a:r>
-            <a:r>
-              <a:rPr lang="de-CH" dirty="0"/>
-              <a:t>: Highlight potential </a:t>
-            </a:r>
-            <a:r>
-              <a:rPr lang="de-CH" dirty="0" err="1"/>
-              <a:t>applications</a:t>
-            </a:r>
-            <a:r>
-              <a:rPr lang="de-CH" dirty="0"/>
-              <a:t> in </a:t>
-            </a:r>
-            <a:r>
-              <a:rPr lang="de-CH" dirty="0" err="1"/>
-              <a:t>fitness</a:t>
-            </a:r>
-            <a:r>
-              <a:rPr lang="de-CH" dirty="0"/>
-              <a:t> </a:t>
-            </a:r>
-            <a:r>
-              <a:rPr lang="de-CH" dirty="0" err="1"/>
-              <a:t>tracking</a:t>
-            </a:r>
-            <a:r>
-              <a:rPr lang="de-CH" dirty="0"/>
-              <a:t> and urban </a:t>
-            </a:r>
-            <a:r>
-              <a:rPr lang="de-CH" dirty="0" err="1"/>
-              <a:t>planning</a:t>
-            </a:r>
-            <a:r>
-              <a:rPr lang="de-CH" dirty="0"/>
-              <a:t>.</a:t>
-            </a:r>
-          </a:p>
-          <a:p>
-            <a:endParaRPr lang="de-CH" dirty="0"/>
-          </a:p>
-          <a:p>
-            <a:r>
-              <a:rPr lang="de-CH" dirty="0"/>
-              <a:t>Challenges </a:t>
-            </a:r>
-            <a:r>
-              <a:rPr lang="de-CH" dirty="0" err="1"/>
-              <a:t>Addressed</a:t>
-            </a:r>
-            <a:r>
-              <a:rPr lang="de-CH" dirty="0"/>
-              <a:t>: </a:t>
-            </a:r>
-            <a:r>
-              <a:rPr lang="de-CH" dirty="0" err="1"/>
-              <a:t>Identify</a:t>
-            </a:r>
-            <a:r>
-              <a:rPr lang="de-CH" dirty="0"/>
-              <a:t> </a:t>
-            </a:r>
-            <a:r>
-              <a:rPr lang="de-CH" dirty="0" err="1"/>
-              <a:t>challenges</a:t>
-            </a:r>
-            <a:r>
-              <a:rPr lang="de-CH" dirty="0"/>
-              <a:t> in </a:t>
-            </a:r>
-            <a:r>
-              <a:rPr lang="de-CH" dirty="0" err="1"/>
-              <a:t>distinguishing</a:t>
-            </a:r>
-            <a:r>
-              <a:rPr lang="de-CH" dirty="0"/>
-              <a:t> </a:t>
-            </a:r>
-            <a:r>
-              <a:rPr lang="de-CH" dirty="0" err="1"/>
-              <a:t>similar</a:t>
-            </a:r>
-            <a:r>
-              <a:rPr lang="de-CH" dirty="0"/>
-              <a:t> </a:t>
-            </a:r>
-            <a:r>
-              <a:rPr lang="de-CH" dirty="0" err="1"/>
-              <a:t>modes</a:t>
-            </a:r>
-            <a:r>
-              <a:rPr lang="de-CH" dirty="0"/>
-              <a:t> (e.g., </a:t>
-            </a:r>
-            <a:r>
-              <a:rPr lang="de-CH" dirty="0" err="1"/>
-              <a:t>jogging</a:t>
-            </a:r>
-            <a:r>
-              <a:rPr lang="de-CH" dirty="0"/>
-              <a:t> &amp; </a:t>
-            </a:r>
-            <a:r>
-              <a:rPr lang="de-CH" dirty="0" err="1"/>
-              <a:t>biking</a:t>
-            </a:r>
-            <a:r>
-              <a:rPr lang="de-CH" dirty="0"/>
-              <a:t>) and </a:t>
-            </a:r>
-            <a:r>
-              <a:rPr lang="de-CH" dirty="0" err="1"/>
-              <a:t>propose</a:t>
-            </a:r>
-            <a:r>
-              <a:rPr lang="de-CH" dirty="0"/>
-              <a:t> </a:t>
-            </a:r>
-            <a:r>
-              <a:rPr lang="de-CH" dirty="0" err="1"/>
-              <a:t>solutions</a:t>
-            </a:r>
-            <a:r>
-              <a:rPr lang="de-CH" dirty="0"/>
-              <a:t>.  </a:t>
-            </a:r>
-          </a:p>
-          <a:p>
-            <a:endParaRPr dirty="0"/>
+            <a:endParaRPr lang="en-US" dirty="0"/>
+          </a:p>
+          <a:p>
+            <a:endParaRPr lang="en-US" dirty="0"/>
           </a:p>
         </p:txBody>
       </p:sp>
     </p:spTree>
+    <p:extLst>
+      <p:ext uri="{BB962C8B-B14F-4D97-AF65-F5344CB8AC3E}">
+        <p14:creationId xmlns:p14="http://schemas.microsoft.com/office/powerpoint/2010/main" val="1846159096"/>
+      </p:ext>
+    </p:extLst>
   </p:cSld>
   <p:clrMapOvr>
     <a:masterClrMapping/>

--- a/Presentation.pptx
+++ b/Presentation.pptx
@@ -13,8 +13,8 @@
     <p:sldId id="258" r:id="rId4"/>
     <p:sldId id="262" r:id="rId5"/>
     <p:sldId id="264" r:id="rId6"/>
-    <p:sldId id="259" r:id="rId7"/>
-    <p:sldId id="265" r:id="rId8"/>
+    <p:sldId id="265" r:id="rId7"/>
+    <p:sldId id="259" r:id="rId8"/>
   </p:sldIdLst>
   <p:sldSz cx="24384000" cy="13716000"/>
   <p:notesSz cx="6858000" cy="9144000"/>
@@ -898,7 +898,7 @@
           </a:lstStyle>
           <a:p>
             <a:fld id="{86CB4B4D-7CA3-9044-876B-883B54F8677D}" type="slidenum">
-              <a:t>‹#›</a:t>
+              <a:t>‹Nr.›</a:t>
             </a:fld>
             <a:endParaRPr/>
           </a:p>
@@ -1020,7 +1020,7 @@
           <a:lstStyle/>
           <a:p>
             <a:fld id="{86CB4B4D-7CA3-9044-876B-883B54F8677D}" type="slidenum">
-              <a:t>‹#›</a:t>
+              <a:t>‹Nr.›</a:t>
             </a:fld>
             <a:endParaRPr/>
           </a:p>
@@ -1239,7 +1239,7 @@
           <a:lstStyle/>
           <a:p>
             <a:fld id="{86CB4B4D-7CA3-9044-876B-883B54F8677D}" type="slidenum">
-              <a:t>‹#›</a:t>
+              <a:t>‹Nr.›</a:t>
             </a:fld>
             <a:endParaRPr/>
           </a:p>
@@ -1447,7 +1447,7 @@
           <a:lstStyle/>
           <a:p>
             <a:fld id="{86CB4B4D-7CA3-9044-876B-883B54F8677D}" type="slidenum">
-              <a:t>‹#›</a:t>
+              <a:t>‹Nr.›</a:t>
             </a:fld>
             <a:endParaRPr/>
           </a:p>
@@ -1676,7 +1676,7 @@
           <a:lstStyle/>
           <a:p>
             <a:fld id="{86CB4B4D-7CA3-9044-876B-883B54F8677D}" type="slidenum">
-              <a:t>‹#›</a:t>
+              <a:t>‹Nr.›</a:t>
             </a:fld>
             <a:endParaRPr/>
           </a:p>
@@ -1910,7 +1910,7 @@
           <a:lstStyle/>
           <a:p>
             <a:fld id="{86CB4B4D-7CA3-9044-876B-883B54F8677D}" type="slidenum">
-              <a:t>‹#›</a:t>
+              <a:t>‹Nr.›</a:t>
             </a:fld>
             <a:endParaRPr/>
           </a:p>
@@ -2049,7 +2049,7 @@
           <a:lstStyle/>
           <a:p>
             <a:fld id="{86CB4B4D-7CA3-9044-876B-883B54F8677D}" type="slidenum">
-              <a:t>‹#›</a:t>
+              <a:t>‹Nr.›</a:t>
             </a:fld>
             <a:endParaRPr/>
           </a:p>
@@ -2138,7 +2138,7 @@
           </a:lstStyle>
           <a:p>
             <a:fld id="{86CB4B4D-7CA3-9044-876B-883B54F8677D}" type="slidenum">
-              <a:t>‹#›</a:t>
+              <a:t>‹Nr.›</a:t>
             </a:fld>
             <a:endParaRPr/>
           </a:p>
@@ -2190,7 +2190,7 @@
           <a:lstStyle/>
           <a:p>
             <a:fld id="{86CB4B4D-7CA3-9044-876B-883B54F8677D}" type="slidenum">
-              <a:t>‹#›</a:t>
+              <a:t>‹Nr.›</a:t>
             </a:fld>
             <a:endParaRPr/>
           </a:p>
@@ -2478,7 +2478,7 @@
           </a:lstStyle>
           <a:p>
             <a:fld id="{86CB4B4D-7CA3-9044-876B-883B54F8677D}" type="slidenum">
-              <a:t>‹#›</a:t>
+              <a:t>‹Nr.›</a:t>
             </a:fld>
             <a:endParaRPr/>
           </a:p>
@@ -2693,7 +2693,7 @@
           <a:lstStyle/>
           <a:p>
             <a:fld id="{86CB4B4D-7CA3-9044-876B-883B54F8677D}" type="slidenum">
-              <a:t>‹#›</a:t>
+              <a:t>‹Nr.›</a:t>
             </a:fld>
             <a:endParaRPr/>
           </a:p>
@@ -2852,7 +2852,7 @@
           <a:lstStyle/>
           <a:p>
             <a:fld id="{86CB4B4D-7CA3-9044-876B-883B54F8677D}" type="slidenum">
-              <a:t>‹#›</a:t>
+              <a:t>‹Nr.›</a:t>
             </a:fld>
             <a:endParaRPr/>
           </a:p>
@@ -2945,7 +2945,7 @@
           <a:lstStyle/>
           <a:p>
             <a:fld id="{86CB4B4D-7CA3-9044-876B-883B54F8677D}" type="slidenum">
-              <a:t>‹#›</a:t>
+              <a:t>‹Nr.›</a:t>
             </a:fld>
             <a:endParaRPr/>
           </a:p>
@@ -3141,7 +3141,7 @@
           <a:lstStyle/>
           <a:p>
             <a:fld id="{86CB4B4D-7CA3-9044-876B-883B54F8677D}" type="slidenum">
-              <a:t>‹#›</a:t>
+              <a:t>‹Nr.›</a:t>
             </a:fld>
             <a:endParaRPr/>
           </a:p>
@@ -3308,7 +3308,7 @@
           <a:lstStyle/>
           <a:p>
             <a:fld id="{86CB4B4D-7CA3-9044-876B-883B54F8677D}" type="slidenum">
-              <a:t>‹#›</a:t>
+              <a:t>‹Nr.›</a:t>
             </a:fld>
             <a:endParaRPr/>
           </a:p>
@@ -3475,7 +3475,7 @@
           <a:lstStyle/>
           <a:p>
             <a:fld id="{86CB4B4D-7CA3-9044-876B-883B54F8677D}" type="slidenum">
-              <a:t>‹#›</a:t>
+              <a:t>‹Nr.›</a:t>
             </a:fld>
             <a:endParaRPr/>
           </a:p>
@@ -3588,7 +3588,7 @@
           </a:lstStyle>
           <a:p>
             <a:fld id="{86CB4B4D-7CA3-9044-876B-883B54F8677D}" type="slidenum">
-              <a:t>‹#›</a:t>
+              <a:t>‹Nr.›</a:t>
             </a:fld>
             <a:endParaRPr/>
           </a:p>
@@ -3651,7 +3651,7 @@
           </a:ln>
           <a:extLst>
             <a:ext uri="{C572A759-6A51-4108-AA02-DFA0A04FC94B}">
-              <ma14:wrappingTextBoxFlag xmlns="" xmlns:m="http://schemas.openxmlformats.org/officeDocument/2006/math" xmlns:a14="http://schemas.microsoft.com/office/drawing/2010/main" xmlns:ma14="http://schemas.microsoft.com/office/mac/drawingml/2011/main" val="1"/>
+              <ma14:wrappingTextBoxFlag xmlns:ma14="http://schemas.microsoft.com/office/mac/drawingml/2011/main" xmlns:a14="http://schemas.microsoft.com/office/drawing/2010/main" xmlns:m="http://schemas.openxmlformats.org/officeDocument/2006/math" xmlns="" val="1"/>
             </a:ext>
           </a:extLst>
         </p:spPr>
@@ -3690,7 +3690,7 @@
           </a:ln>
           <a:extLst>
             <a:ext uri="{C572A759-6A51-4108-AA02-DFA0A04FC94B}">
-              <ma14:wrappingTextBoxFlag xmlns="" xmlns:m="http://schemas.openxmlformats.org/officeDocument/2006/math" xmlns:a14="http://schemas.microsoft.com/office/drawing/2010/main" xmlns:ma14="http://schemas.microsoft.com/office/mac/drawingml/2011/main" val="1"/>
+              <ma14:wrappingTextBoxFlag xmlns:ma14="http://schemas.microsoft.com/office/mac/drawingml/2011/main" xmlns:a14="http://schemas.microsoft.com/office/drawing/2010/main" xmlns:m="http://schemas.openxmlformats.org/officeDocument/2006/math" xmlns="" val="1"/>
             </a:ext>
           </a:extLst>
         </p:spPr>
@@ -3761,7 +3761,7 @@
           </a:lstStyle>
           <a:p>
             <a:fld id="{86CB4B4D-7CA3-9044-876B-883B54F8677D}" type="slidenum">
-              <a:t>‹#›</a:t>
+              <a:t>‹Nr.›</a:t>
             </a:fld>
             <a:endParaRPr/>
           </a:p>
@@ -4563,7 +4563,7 @@
           </a:prstGeom>
           <a:extLst>
             <a:ext uri="{C572A759-6A51-4108-AA02-DFA0A04FC94B}">
-              <ma14:wrappingTextBoxFlag xmlns="" xmlns:m="http://schemas.openxmlformats.org/officeDocument/2006/math" xmlns:a14="http://schemas.microsoft.com/office/drawing/2010/main" xmlns:ma14="http://schemas.microsoft.com/office/mac/drawingml/2011/main" val="1"/>
+              <ma14:wrappingTextBoxFlag xmlns:ma14="http://schemas.microsoft.com/office/mac/drawingml/2011/main" xmlns:a14="http://schemas.microsoft.com/office/drawing/2010/main" xmlns:m="http://schemas.openxmlformats.org/officeDocument/2006/math" xmlns="" val="1"/>
             </a:ext>
           </a:extLst>
         </p:spPr>
@@ -7770,7 +7770,7 @@
                 <a:cs typeface="+mn-cs"/>
                 <a:sym typeface="Helvetica Neue"/>
               </a:rPr>
-              <a:t>Classification, Accuracy…</a:t>
+              <a:t>Classification, Accuracy</a:t>
             </a:r>
           </a:p>
         </p:txBody>
@@ -8074,9 +8074,128 @@
           <a:p>
             <a:r>
               <a:rPr lang="de-CH" dirty="0"/>
-              <a:t>Research Plan (Classification Model)</a:t>
+              <a:t>Classification Model</a:t>
             </a:r>
             <a:endParaRPr dirty="0"/>
+          </a:p>
+        </p:txBody>
+      </p:sp>
+      <p:pic>
+        <p:nvPicPr>
+          <p:cNvPr id="3" name="Grafik 2" descr="Ein Bild, das Diagramm, Text, technische Zeichnung, Plan enthält.&#10;&#10;Automatisch generierte Beschreibung">
+            <a:extLst>
+              <a:ext uri="{FF2B5EF4-FFF2-40B4-BE49-F238E27FC236}">
+                <a16:creationId xmlns:a16="http://schemas.microsoft.com/office/drawing/2014/main" id="{C8AC697F-C569-2F1E-9052-C8AC86CA8632}"/>
+              </a:ext>
+            </a:extLst>
+          </p:cNvPr>
+          <p:cNvPicPr>
+            <a:picLocks noChangeAspect="1"/>
+          </p:cNvPicPr>
+          <p:nvPr/>
+        </p:nvPicPr>
+        <p:blipFill>
+          <a:blip r:embed="rId2">
+            <a:extLst>
+              <a:ext uri="{28A0092B-C50C-407E-A947-70E740481C1C}">
+                <a14:useLocalDpi xmlns:a14="http://schemas.microsoft.com/office/drawing/2010/main" val="0"/>
+              </a:ext>
+            </a:extLst>
+          </a:blip>
+          <a:stretch>
+            <a:fillRect/>
+          </a:stretch>
+        </p:blipFill>
+        <p:spPr>
+          <a:xfrm>
+            <a:off x="4808745" y="2624356"/>
+            <a:ext cx="12425770" cy="10680000"/>
+          </a:xfrm>
+          <a:prstGeom prst="rect">
+            <a:avLst/>
+          </a:prstGeom>
+        </p:spPr>
+      </p:pic>
+      <p:sp>
+        <p:nvSpPr>
+          <p:cNvPr id="4" name="Rechteck 3">
+            <a:extLst>
+              <a:ext uri="{FF2B5EF4-FFF2-40B4-BE49-F238E27FC236}">
+                <a16:creationId xmlns:a16="http://schemas.microsoft.com/office/drawing/2014/main" id="{F780B9FB-0F98-7356-81F5-74BB947A5551}"/>
+              </a:ext>
+            </a:extLst>
+          </p:cNvPr>
+          <p:cNvSpPr/>
+          <p:nvPr/>
+        </p:nvSpPr>
+        <p:spPr>
+          <a:xfrm>
+            <a:off x="11986054" y="7414053"/>
+            <a:ext cx="3237471" cy="2446638"/>
+          </a:xfrm>
+          <a:prstGeom prst="rect">
+            <a:avLst/>
+          </a:prstGeom>
+          <a:solidFill>
+            <a:srgbClr val="000000">
+              <a:alpha val="6122"/>
+            </a:srgbClr>
+          </a:solidFill>
+          <a:ln w="12700" cap="flat">
+            <a:noFill/>
+            <a:miter lim="400000"/>
+          </a:ln>
+          <a:effectLst/>
+          <a:sp3d/>
+        </p:spPr>
+        <p:style>
+          <a:lnRef idx="0">
+            <a:scrgbClr r="0" g="0" b="0"/>
+          </a:lnRef>
+          <a:fillRef idx="0">
+            <a:scrgbClr r="0" g="0" b="0"/>
+          </a:fillRef>
+          <a:effectRef idx="0">
+            <a:scrgbClr r="0" g="0" b="0"/>
+          </a:effectRef>
+          <a:fontRef idx="none"/>
+        </p:style>
+        <p:txBody>
+          <a:bodyPr rot="0" spcFirstLastPara="1" vertOverflow="overflow" horzOverflow="overflow" vert="horz" wrap="square" lIns="50800" tIns="50800" rIns="50800" bIns="50800" numCol="1" spcCol="38100" rtlCol="0" anchor="ctr">
+            <a:spAutoFit/>
+          </a:bodyPr>
+          <a:lstStyle/>
+          <a:p>
+            <a:pPr marL="0" marR="0" indent="0" algn="ctr" defTabSz="825500" rtl="0" fontAlgn="auto" latinLnBrk="0" hangingPunct="0">
+              <a:lnSpc>
+                <a:spcPct val="100000"/>
+              </a:lnSpc>
+              <a:spcBef>
+                <a:spcPts val="0"/>
+              </a:spcBef>
+              <a:spcAft>
+                <a:spcPts val="0"/>
+              </a:spcAft>
+              <a:buClrTx/>
+              <a:buSzTx/>
+              <a:buFontTx/>
+              <a:buNone/>
+              <a:tabLst/>
+            </a:pPr>
+            <a:endParaRPr kumimoji="0" lang="en-GB" sz="3200" b="0" i="0" u="none" strike="noStrike" cap="none" spc="0" normalizeH="0" baseline="0">
+              <a:ln>
+                <a:noFill/>
+              </a:ln>
+              <a:solidFill>
+                <a:srgbClr val="FFFFFF"/>
+              </a:solidFill>
+              <a:effectLst/>
+              <a:uFillTx/>
+              <a:latin typeface="Helvetica Neue Medium"/>
+              <a:ea typeface="Helvetica Neue Medium"/>
+              <a:cs typeface="Helvetica Neue Medium"/>
+              <a:sym typeface="Helvetica Neue Medium"/>
+            </a:endParaRPr>
           </a:p>
         </p:txBody>
       </p:sp>
@@ -8131,70 +8250,391 @@
           <a:lstStyle/>
           <a:p>
             <a:r>
+              <a:rPr lang="de-CH" dirty="0" err="1"/>
+              <a:t>Preliminary</a:t>
+            </a:r>
+            <a:r>
               <a:rPr lang="de-CH" dirty="0"/>
-              <a:t>Goals &amp; Challenges</a:t>
+              <a:t> </a:t>
+            </a:r>
+            <a:r>
+              <a:rPr lang="de-CH" dirty="0" err="1"/>
+              <a:t>Results</a:t>
             </a:r>
             <a:endParaRPr dirty="0"/>
           </a:p>
         </p:txBody>
       </p:sp>
-      <p:sp>
-        <p:nvSpPr>
-          <p:cNvPr id="185" name="Text für Folienpunkt"/>
-          <p:cNvSpPr txBox="1">
-            <a:spLocks noGrp="1"/>
-          </p:cNvSpPr>
-          <p:nvPr>
-            <p:ph type="body" idx="1"/>
-          </p:nvPr>
-        </p:nvSpPr>
+      <p:pic>
+        <p:nvPicPr>
+          <p:cNvPr id="5" name="Grafik 4" descr="Ein Bild, das Diagramm, Karte, Reihe, Text enthält.&#10;&#10;Automatisch generierte Beschreibung">
+            <a:extLst>
+              <a:ext uri="{FF2B5EF4-FFF2-40B4-BE49-F238E27FC236}">
+                <a16:creationId xmlns:a16="http://schemas.microsoft.com/office/drawing/2014/main" id="{B9AED734-8B2B-2742-A5CF-A0A534ACB41C}"/>
+              </a:ext>
+            </a:extLst>
+          </p:cNvPr>
+          <p:cNvPicPr>
+            <a:picLocks noChangeAspect="1"/>
+          </p:cNvPicPr>
+          <p:nvPr/>
+        </p:nvPicPr>
+        <p:blipFill>
+          <a:blip r:embed="rId2">
+            <a:extLst>
+              <a:ext uri="{28A0092B-C50C-407E-A947-70E740481C1C}">
+                <a14:useLocalDpi xmlns:a14="http://schemas.microsoft.com/office/drawing/2010/main" val="0"/>
+              </a:ext>
+            </a:extLst>
+          </a:blip>
+          <a:stretch>
+            <a:fillRect/>
+          </a:stretch>
+        </p:blipFill>
         <p:spPr>
           <a:xfrm>
-            <a:off x="1206500" y="3202024"/>
-            <a:ext cx="21971000" cy="8256012"/>
+            <a:off x="2984585" y="3014019"/>
+            <a:ext cx="15548062" cy="9927187"/>
           </a:xfrm>
           <a:prstGeom prst="rect">
             <a:avLst/>
           </a:prstGeom>
         </p:spPr>
+      </p:pic>
+      <p:sp>
+        <p:nvSpPr>
+          <p:cNvPr id="6" name="Textfeld 5">
+            <a:extLst>
+              <a:ext uri="{FF2B5EF4-FFF2-40B4-BE49-F238E27FC236}">
+                <a16:creationId xmlns:a16="http://schemas.microsoft.com/office/drawing/2014/main" id="{78BD7F5F-5108-0807-BC2F-54566530E907}"/>
+              </a:ext>
+            </a:extLst>
+          </p:cNvPr>
+          <p:cNvSpPr txBox="1"/>
+          <p:nvPr/>
+        </p:nvSpPr>
+        <p:spPr>
+          <a:xfrm>
+            <a:off x="18532647" y="5385150"/>
+            <a:ext cx="2561599" cy="1067472"/>
+          </a:xfrm>
+          <a:prstGeom prst="rect">
+            <a:avLst/>
+          </a:prstGeom>
+          <a:noFill/>
+          <a:ln w="12700" cap="flat">
+            <a:noFill/>
+            <a:miter lim="400000"/>
+          </a:ln>
+          <a:effectLst/>
+          <a:sp3d/>
+        </p:spPr>
+        <p:style>
+          <a:lnRef idx="0">
+            <a:scrgbClr r="0" g="0" b="0"/>
+          </a:lnRef>
+          <a:fillRef idx="0">
+            <a:scrgbClr r="0" g="0" b="0"/>
+          </a:fillRef>
+          <a:effectRef idx="0">
+            <a:scrgbClr r="0" g="0" b="0"/>
+          </a:effectRef>
+          <a:fontRef idx="none"/>
+        </p:style>
         <p:txBody>
-          <a:bodyPr>
-            <a:normAutofit lnSpcReduction="10000"/>
+          <a:bodyPr rot="0" spcFirstLastPara="1" vertOverflow="overflow" horzOverflow="overflow" vert="horz" wrap="none" lIns="50800" tIns="50800" rIns="50800" bIns="50800" numCol="1" spcCol="38100" rtlCol="0" anchor="ctr">
+            <a:spAutoFit/>
           </a:bodyPr>
           <a:lstStyle/>
           <a:p>
+            <a:pPr marL="0" marR="0" indent="0" algn="l" defTabSz="2438338" rtl="0" fontAlgn="auto" latinLnBrk="0" hangingPunct="0">
+              <a:lnSpc>
+                <a:spcPct val="90000"/>
+              </a:lnSpc>
+              <a:spcBef>
+                <a:spcPts val="4500"/>
+              </a:spcBef>
+              <a:spcAft>
+                <a:spcPts val="0"/>
+              </a:spcAft>
+              <a:buClrTx/>
+              <a:buSzTx/>
+              <a:buFontTx/>
+              <a:buNone/>
+              <a:tabLst/>
+            </a:pPr>
             <a:r>
-              <a:rPr lang="en-US" dirty="0"/>
-              <a:t>Model Accuracy: Develop a classification model with high accuracy for identifying hiking, jogging, cycling, and ski touring using GPS features and provide a visualization of the results. </a:t>
+              <a:rPr lang="en-GB" sz="2800" dirty="0"/>
+              <a:t>Buffered tracks</a:t>
             </a:r>
-          </a:p>
-          <a:p>
+            <a:endParaRPr kumimoji="0" lang="en-GB" sz="2800" b="0" i="0" u="none" strike="noStrike" cap="none" spc="0" normalizeH="0" baseline="0" dirty="0">
+              <a:ln>
+                <a:noFill/>
+              </a:ln>
+              <a:solidFill>
+                <a:srgbClr val="000000"/>
+              </a:solidFill>
+              <a:effectLst/>
+              <a:uFillTx/>
+              <a:latin typeface="+mn-lt"/>
+              <a:ea typeface="+mn-ea"/>
+              <a:cs typeface="+mn-cs"/>
+              <a:sym typeface="Helvetica Neue"/>
+            </a:endParaRPr>
+          </a:p>
+        </p:txBody>
+      </p:sp>
+      <p:sp>
+        <p:nvSpPr>
+          <p:cNvPr id="7" name="Textfeld 6">
+            <a:extLst>
+              <a:ext uri="{FF2B5EF4-FFF2-40B4-BE49-F238E27FC236}">
+                <a16:creationId xmlns:a16="http://schemas.microsoft.com/office/drawing/2014/main" id="{107D1896-0382-DAE0-5622-44BCC8E29E99}"/>
+              </a:ext>
+            </a:extLst>
+          </p:cNvPr>
+          <p:cNvSpPr txBox="1"/>
+          <p:nvPr/>
+        </p:nvSpPr>
+        <p:spPr>
+          <a:xfrm>
+            <a:off x="18532647" y="6195907"/>
+            <a:ext cx="4361771" cy="1067472"/>
+          </a:xfrm>
+          <a:prstGeom prst="rect">
+            <a:avLst/>
+          </a:prstGeom>
+          <a:noFill/>
+          <a:ln w="12700" cap="flat">
+            <a:noFill/>
+            <a:miter lim="400000"/>
+          </a:ln>
+          <a:effectLst/>
+          <a:sp3d/>
+        </p:spPr>
+        <p:style>
+          <a:lnRef idx="0">
+            <a:scrgbClr r="0" g="0" b="0"/>
+          </a:lnRef>
+          <a:fillRef idx="0">
+            <a:scrgbClr r="0" g="0" b="0"/>
+          </a:fillRef>
+          <a:effectRef idx="0">
+            <a:scrgbClr r="0" g="0" b="0"/>
+          </a:effectRef>
+          <a:fontRef idx="none"/>
+        </p:style>
+        <p:txBody>
+          <a:bodyPr rot="0" spcFirstLastPara="1" vertOverflow="overflow" horzOverflow="overflow" vert="horz" wrap="none" lIns="50800" tIns="50800" rIns="50800" bIns="50800" numCol="1" spcCol="38100" rtlCol="0" anchor="ctr">
+            <a:spAutoFit/>
+          </a:bodyPr>
+          <a:lstStyle/>
+          <a:p>
+            <a:pPr marL="0" marR="0" indent="0" algn="l" defTabSz="2438338" rtl="0" fontAlgn="auto" latinLnBrk="0" hangingPunct="0">
+              <a:lnSpc>
+                <a:spcPct val="90000"/>
+              </a:lnSpc>
+              <a:spcBef>
+                <a:spcPts val="4500"/>
+              </a:spcBef>
+              <a:spcAft>
+                <a:spcPts val="0"/>
+              </a:spcAft>
+              <a:buClrTx/>
+              <a:buSzTx/>
+              <a:buFontTx/>
+              <a:buNone/>
+              <a:tabLst/>
+            </a:pPr>
             <a:r>
-              <a:rPr lang="en-US" dirty="0"/>
-              <a:t>Key Features: Determine the most critical GPS features for differentiating transportation modes. </a:t>
+              <a:rPr lang="en-GB" sz="2800" dirty="0"/>
+              <a:t>Intersected Street network</a:t>
             </a:r>
-          </a:p>
-          <a:p>
-            <a:r>
-              <a:rPr lang="en-US" dirty="0"/>
-              <a:t>Practical Applications: Highlight potential applications in fitness tracking and urban planning.</a:t>
-            </a:r>
-          </a:p>
-          <a:p>
-            <a:endParaRPr lang="en-US" dirty="0"/>
-          </a:p>
-          <a:p>
-            <a:r>
-              <a:rPr lang="en-US" dirty="0"/>
-              <a:t>Challenges Addressed: Identify challenges in distinguishing similar modes (e.g., jogging &amp; biking) and propose solutions.  </a:t>
-            </a:r>
-          </a:p>
-          <a:p>
-            <a:endParaRPr lang="en-US" dirty="0"/>
+            <a:endParaRPr kumimoji="0" lang="en-GB" sz="2800" b="0" i="0" u="none" strike="noStrike" cap="none" spc="0" normalizeH="0" baseline="0" dirty="0">
+              <a:ln>
+                <a:noFill/>
+              </a:ln>
+              <a:solidFill>
+                <a:srgbClr val="000000"/>
+              </a:solidFill>
+              <a:effectLst/>
+              <a:uFillTx/>
+              <a:latin typeface="+mn-lt"/>
+              <a:ea typeface="+mn-ea"/>
+              <a:cs typeface="+mn-cs"/>
+              <a:sym typeface="Helvetica Neue"/>
+            </a:endParaRPr>
           </a:p>
         </p:txBody>
       </p:sp>
+      <p:sp>
+        <p:nvSpPr>
+          <p:cNvPr id="8" name="Rechteck 7">
+            <a:extLst>
+              <a:ext uri="{FF2B5EF4-FFF2-40B4-BE49-F238E27FC236}">
+                <a16:creationId xmlns:a16="http://schemas.microsoft.com/office/drawing/2014/main" id="{8864CE41-E88F-DEA8-19AD-FF2C2060234D}"/>
+              </a:ext>
+            </a:extLst>
+          </p:cNvPr>
+          <p:cNvSpPr/>
+          <p:nvPr/>
+        </p:nvSpPr>
+        <p:spPr>
+          <a:xfrm>
+            <a:off x="17991439" y="6912601"/>
+            <a:ext cx="370703" cy="256715"/>
+          </a:xfrm>
+          <a:prstGeom prst="rect">
+            <a:avLst/>
+          </a:prstGeom>
+          <a:solidFill>
+            <a:srgbClr val="BEBEBE"/>
+          </a:solidFill>
+          <a:ln w="12700" cap="flat">
+            <a:noFill/>
+            <a:miter lim="400000"/>
+          </a:ln>
+          <a:effectLst/>
+          <a:sp3d/>
+        </p:spPr>
+        <p:style>
+          <a:lnRef idx="0">
+            <a:scrgbClr r="0" g="0" b="0"/>
+          </a:lnRef>
+          <a:fillRef idx="0">
+            <a:scrgbClr r="0" g="0" b="0"/>
+          </a:fillRef>
+          <a:effectRef idx="0">
+            <a:scrgbClr r="0" g="0" b="0"/>
+          </a:effectRef>
+          <a:fontRef idx="none"/>
+        </p:style>
+        <p:txBody>
+          <a:bodyPr rot="0" spcFirstLastPara="1" vertOverflow="overflow" horzOverflow="overflow" vert="horz" wrap="square" lIns="50800" tIns="50800" rIns="50800" bIns="50800" numCol="1" spcCol="38100" rtlCol="0" anchor="ctr">
+            <a:spAutoFit/>
+          </a:bodyPr>
+          <a:lstStyle/>
+          <a:p>
+            <a:pPr marL="0" marR="0" indent="0" algn="ctr" defTabSz="825500" rtl="0" fontAlgn="auto" latinLnBrk="0" hangingPunct="0">
+              <a:lnSpc>
+                <a:spcPct val="100000"/>
+              </a:lnSpc>
+              <a:spcBef>
+                <a:spcPts val="0"/>
+              </a:spcBef>
+              <a:spcAft>
+                <a:spcPts val="0"/>
+              </a:spcAft>
+              <a:buClrTx/>
+              <a:buSzTx/>
+              <a:buFontTx/>
+              <a:buNone/>
+              <a:tabLst/>
+            </a:pPr>
+            <a:endParaRPr kumimoji="0" lang="en-GB" sz="3200" b="0" i="0" u="none" strike="noStrike" cap="none" spc="0" normalizeH="0" baseline="0">
+              <a:ln>
+                <a:noFill/>
+              </a:ln>
+              <a:solidFill>
+                <a:srgbClr val="FFFFFF"/>
+              </a:solidFill>
+              <a:effectLst/>
+              <a:uFillTx/>
+              <a:latin typeface="Helvetica Neue Medium"/>
+              <a:ea typeface="Helvetica Neue Medium"/>
+              <a:cs typeface="Helvetica Neue Medium"/>
+              <a:sym typeface="Helvetica Neue Medium"/>
+            </a:endParaRPr>
+          </a:p>
+        </p:txBody>
+      </p:sp>
+      <p:sp>
+        <p:nvSpPr>
+          <p:cNvPr id="9" name="Rechteck 8">
+            <a:extLst>
+              <a:ext uri="{FF2B5EF4-FFF2-40B4-BE49-F238E27FC236}">
+                <a16:creationId xmlns:a16="http://schemas.microsoft.com/office/drawing/2014/main" id="{119A36AE-E34B-3C2C-EF94-7135552F15C3}"/>
+              </a:ext>
+            </a:extLst>
+          </p:cNvPr>
+          <p:cNvSpPr/>
+          <p:nvPr/>
+        </p:nvSpPr>
+        <p:spPr>
+          <a:xfrm>
+            <a:off x="17995555" y="6076453"/>
+            <a:ext cx="370703" cy="256715"/>
+          </a:xfrm>
+          <a:prstGeom prst="rect">
+            <a:avLst/>
+          </a:prstGeom>
+          <a:solidFill>
+            <a:srgbClr val="FD2009"/>
+          </a:solidFill>
+          <a:ln w="12700" cap="flat">
+            <a:noFill/>
+            <a:miter lim="400000"/>
+          </a:ln>
+          <a:effectLst/>
+          <a:sp3d/>
+        </p:spPr>
+        <p:style>
+          <a:lnRef idx="0">
+            <a:scrgbClr r="0" g="0" b="0"/>
+          </a:lnRef>
+          <a:fillRef idx="0">
+            <a:scrgbClr r="0" g="0" b="0"/>
+          </a:fillRef>
+          <a:effectRef idx="0">
+            <a:scrgbClr r="0" g="0" b="0"/>
+          </a:effectRef>
+          <a:fontRef idx="none"/>
+        </p:style>
+        <p:txBody>
+          <a:bodyPr rot="0" spcFirstLastPara="1" vertOverflow="overflow" horzOverflow="overflow" vert="horz" wrap="square" lIns="50800" tIns="50800" rIns="50800" bIns="50800" numCol="1" spcCol="38100" rtlCol="0" anchor="ctr">
+            <a:spAutoFit/>
+          </a:bodyPr>
+          <a:lstStyle/>
+          <a:p>
+            <a:pPr marL="0" marR="0" indent="0" algn="ctr" defTabSz="825500" rtl="0" fontAlgn="auto" latinLnBrk="0" hangingPunct="0">
+              <a:lnSpc>
+                <a:spcPct val="100000"/>
+              </a:lnSpc>
+              <a:spcBef>
+                <a:spcPts val="0"/>
+              </a:spcBef>
+              <a:spcAft>
+                <a:spcPts val="0"/>
+              </a:spcAft>
+              <a:buClrTx/>
+              <a:buSzTx/>
+              <a:buFontTx/>
+              <a:buNone/>
+              <a:tabLst/>
+            </a:pPr>
+            <a:endParaRPr kumimoji="0" lang="en-GB" sz="3200" b="0" i="0" u="none" strike="noStrike" cap="none" spc="0" normalizeH="0" baseline="0">
+              <a:ln>
+                <a:noFill/>
+              </a:ln>
+              <a:solidFill>
+                <a:srgbClr val="FFFFFF"/>
+              </a:solidFill>
+              <a:effectLst/>
+              <a:uFillTx/>
+              <a:latin typeface="Helvetica Neue Medium"/>
+              <a:ea typeface="Helvetica Neue Medium"/>
+              <a:cs typeface="Helvetica Neue Medium"/>
+              <a:sym typeface="Helvetica Neue Medium"/>
+            </a:endParaRPr>
+          </a:p>
+        </p:txBody>
+      </p:sp>
     </p:spTree>
+    <p:extLst>
+      <p:ext uri="{BB962C8B-B14F-4D97-AF65-F5344CB8AC3E}">
+        <p14:creationId xmlns:p14="http://schemas.microsoft.com/office/powerpoint/2010/main" val="1846159096"/>
+      </p:ext>
+    </p:extLst>
   </p:cSld>
   <p:clrMapOvr>
     <a:masterClrMapping/>
@@ -8240,16 +8680,8 @@
           <a:lstStyle/>
           <a:p>
             <a:r>
-              <a:rPr lang="de-CH" dirty="0" err="1"/>
-              <a:t>Preliminary</a:t>
-            </a:r>
-            <a:r>
               <a:rPr lang="de-CH" dirty="0"/>
-              <a:t> </a:t>
-            </a:r>
-            <a:r>
-              <a:rPr lang="de-CH" dirty="0" err="1"/>
-              <a:t>Results</a:t>
+              <a:t>Goals &amp; Challenges</a:t>
             </a:r>
             <a:endParaRPr dirty="0"/>
           </a:p>
@@ -8282,37 +8714,51 @@
           <a:p>
             <a:r>
               <a:rPr lang="en-US" dirty="0"/>
-              <a:t>..</a:t>
+              <a:t>Model Accuracy: </a:t>
             </a:r>
-            <a:r>
-              <a:rPr lang="en-US" dirty="0" err="1"/>
-              <a:t>nur</a:t>
-            </a:r>
+            <a:br>
+              <a:rPr lang="en-US" dirty="0"/>
+            </a:br>
             <a:r>
               <a:rPr lang="en-US" dirty="0"/>
-              <a:t> falls </a:t>
+              <a:t>Develop a classification model with high accuracy</a:t>
             </a:r>
+          </a:p>
+          <a:p>
             <a:r>
-              <a:rPr lang="en-US" dirty="0" err="1"/>
-              <a:t>nötig</a:t>
+              <a:rPr lang="en-US" dirty="0"/>
+              <a:t>Key Features: </a:t>
             </a:r>
+            <a:br>
+              <a:rPr lang="en-US" dirty="0"/>
+            </a:br>
             <a:r>
-              <a:rPr lang="en-US"/>
-              <a:t>…</a:t>
+              <a:rPr lang="en-US" dirty="0"/>
+              <a:t>Determine the most critical GPS features for differentiating transportation modes</a:t>
             </a:r>
+          </a:p>
+          <a:p>
+            <a:r>
+              <a:rPr lang="en-US" dirty="0"/>
+              <a:t>Appealing result visualization</a:t>
+            </a:r>
+            <a:br>
+              <a:rPr lang="en-US" dirty="0"/>
+            </a:br>
             <a:endParaRPr lang="en-US" dirty="0"/>
           </a:p>
           <a:p>
+            <a:r>
+              <a:rPr lang="en-US" dirty="0"/>
+              <a:t>Challenges Addressed: Identify challenges in distinguishing similar modes (e.g., jogging &amp; biking) and propose solutions.  </a:t>
+            </a:r>
+          </a:p>
+          <a:p>
             <a:endParaRPr lang="en-US" dirty="0"/>
           </a:p>
         </p:txBody>
       </p:sp>
     </p:spTree>
-    <p:extLst>
-      <p:ext uri="{BB962C8B-B14F-4D97-AF65-F5344CB8AC3E}">
-        <p14:creationId xmlns:p14="http://schemas.microsoft.com/office/powerpoint/2010/main" val="1846159096"/>
-      </p:ext>
-    </p:extLst>
   </p:cSld>
   <p:clrMapOvr>
     <a:masterClrMapping/>

--- a/Presentation.pptx
+++ b/Presentation.pptx
@@ -3651,7 +3651,7 @@
           </a:ln>
           <a:extLst>
             <a:ext uri="{C572A759-6A51-4108-AA02-DFA0A04FC94B}">
-              <ma14:wrappingTextBoxFlag xmlns:ma14="http://schemas.microsoft.com/office/mac/drawingml/2011/main" xmlns:a14="http://schemas.microsoft.com/office/drawing/2010/main" xmlns:m="http://schemas.openxmlformats.org/officeDocument/2006/math" xmlns="" val="1"/>
+              <ma14:wrappingTextBoxFlag xmlns="" xmlns:m="http://schemas.openxmlformats.org/officeDocument/2006/math" xmlns:a14="http://schemas.microsoft.com/office/drawing/2010/main" xmlns:ma14="http://schemas.microsoft.com/office/mac/drawingml/2011/main" val="1"/>
             </a:ext>
           </a:extLst>
         </p:spPr>
@@ -3690,7 +3690,7 @@
           </a:ln>
           <a:extLst>
             <a:ext uri="{C572A759-6A51-4108-AA02-DFA0A04FC94B}">
-              <ma14:wrappingTextBoxFlag xmlns:ma14="http://schemas.microsoft.com/office/mac/drawingml/2011/main" xmlns:a14="http://schemas.microsoft.com/office/drawing/2010/main" xmlns:m="http://schemas.openxmlformats.org/officeDocument/2006/math" xmlns="" val="1"/>
+              <ma14:wrappingTextBoxFlag xmlns="" xmlns:m="http://schemas.openxmlformats.org/officeDocument/2006/math" xmlns:a14="http://schemas.microsoft.com/office/drawing/2010/main" xmlns:ma14="http://schemas.microsoft.com/office/mac/drawingml/2011/main" val="1"/>
             </a:ext>
           </a:extLst>
         </p:spPr>
@@ -4563,7 +4563,7 @@
           </a:prstGeom>
           <a:extLst>
             <a:ext uri="{C572A759-6A51-4108-AA02-DFA0A04FC94B}">
-              <ma14:wrappingTextBoxFlag xmlns:ma14="http://schemas.microsoft.com/office/mac/drawingml/2011/main" xmlns:a14="http://schemas.microsoft.com/office/drawing/2010/main" xmlns:m="http://schemas.openxmlformats.org/officeDocument/2006/math" xmlns="" val="1"/>
+              <ma14:wrappingTextBoxFlag xmlns="" xmlns:m="http://schemas.openxmlformats.org/officeDocument/2006/math" xmlns:a14="http://schemas.microsoft.com/office/drawing/2010/main" xmlns:ma14="http://schemas.microsoft.com/office/mac/drawingml/2011/main" val="1"/>
             </a:ext>
           </a:extLst>
         </p:spPr>
@@ -5500,6 +5500,88 @@
       </p:grpSpPr>
       <p:sp>
         <p:nvSpPr>
+          <p:cNvPr id="32" name="TextBox 11">
+            <a:extLst>
+              <a:ext uri="{FF2B5EF4-FFF2-40B4-BE49-F238E27FC236}">
+                <a16:creationId xmlns:a16="http://schemas.microsoft.com/office/drawing/2014/main" id="{24244F25-D412-3C7E-EAF4-E705348CAE8E}"/>
+              </a:ext>
+            </a:extLst>
+          </p:cNvPr>
+          <p:cNvSpPr txBox="1"/>
+          <p:nvPr/>
+        </p:nvSpPr>
+        <p:spPr>
+          <a:xfrm>
+            <a:off x="1544320" y="3750612"/>
+            <a:ext cx="2834640" cy="984372"/>
+          </a:xfrm>
+          <a:prstGeom prst="rect">
+            <a:avLst/>
+          </a:prstGeom>
+          <a:noFill/>
+          <a:ln w="12700" cap="flat">
+            <a:noFill/>
+            <a:miter lim="400000"/>
+          </a:ln>
+          <a:effectLst/>
+          <a:sp3d/>
+        </p:spPr>
+        <p:style>
+          <a:lnRef idx="0">
+            <a:scrgbClr r="0" g="0" b="0"/>
+          </a:lnRef>
+          <a:fillRef idx="0">
+            <a:scrgbClr r="0" g="0" b="0"/>
+          </a:fillRef>
+          <a:effectRef idx="0">
+            <a:scrgbClr r="0" g="0" b="0"/>
+          </a:effectRef>
+          <a:fontRef idx="none"/>
+        </p:style>
+        <p:txBody>
+          <a:bodyPr rot="0" spcFirstLastPara="1" vertOverflow="overflow" horzOverflow="overflow" vert="horz" wrap="square" lIns="50800" tIns="50800" rIns="50800" bIns="50800" numCol="1" spcCol="38100" rtlCol="0" anchor="ctr">
+            <a:spAutoFit/>
+          </a:bodyPr>
+          <a:lstStyle/>
+          <a:p>
+            <a:pPr marL="0" marR="0" indent="0" algn="l" defTabSz="2438338" rtl="0" fontAlgn="auto" latinLnBrk="0" hangingPunct="0">
+              <a:lnSpc>
+                <a:spcPct val="90000"/>
+              </a:lnSpc>
+              <a:spcBef>
+                <a:spcPts val="4500"/>
+              </a:spcBef>
+              <a:spcAft>
+                <a:spcPts val="0"/>
+              </a:spcAft>
+              <a:buClrTx/>
+              <a:buSzTx/>
+              <a:buFontTx/>
+              <a:buNone/>
+              <a:tabLst/>
+            </a:pPr>
+            <a:r>
+              <a:rPr kumimoji="0" lang="en-US" sz="2200" b="0" i="0" u="none" strike="noStrike" cap="none" spc="0" normalizeH="0" baseline="0" dirty="0">
+                <a:ln>
+                  <a:noFill/>
+                </a:ln>
+                <a:solidFill>
+                  <a:schemeClr val="bg1"/>
+                </a:solidFill>
+                <a:effectLst/>
+                <a:uFillTx/>
+                <a:latin typeface="+mn-lt"/>
+                <a:ea typeface="+mn-ea"/>
+                <a:cs typeface="+mn-cs"/>
+                <a:sym typeface="Helvetica Neue"/>
+              </a:rPr>
+              <a:t>Data Exploration</a:t>
+            </a:r>
+          </a:p>
+        </p:txBody>
+      </p:sp>
+      <p:sp>
+        <p:nvSpPr>
           <p:cNvPr id="187" name="Possible Problems"/>
           <p:cNvSpPr txBox="1">
             <a:spLocks noGrp="1"/>
@@ -5783,7 +5865,7 @@
         </p:nvSpPr>
         <p:spPr>
           <a:xfrm>
-            <a:off x="1330960" y="3962111"/>
+            <a:off x="1330960" y="5046632"/>
             <a:ext cx="3048000" cy="995680"/>
           </a:xfrm>
           <a:prstGeom prst="rect">
@@ -5864,7 +5946,7 @@
         </p:nvSpPr>
         <p:spPr>
           <a:xfrm>
-            <a:off x="4378960" y="3962111"/>
+            <a:off x="4378960" y="5046632"/>
             <a:ext cx="18531840" cy="995680"/>
           </a:xfrm>
           <a:prstGeom prst="rect">
@@ -5945,7 +6027,7 @@
         </p:nvSpPr>
         <p:spPr>
           <a:xfrm>
-            <a:off x="1544320" y="3788075"/>
+            <a:off x="1544320" y="4872596"/>
             <a:ext cx="2834640" cy="984372"/>
           </a:xfrm>
           <a:prstGeom prst="rect">
@@ -6008,7 +6090,7 @@
                 <a:cs typeface="+mn-cs"/>
                 <a:sym typeface="Helvetica Neue"/>
               </a:rPr>
-              <a:t>Data Exploration</a:t>
+              <a:t>Data Processing</a:t>
             </a:r>
           </a:p>
         </p:txBody>
@@ -6027,7 +6109,7 @@
         </p:nvSpPr>
         <p:spPr>
           <a:xfrm>
-            <a:off x="1330960" y="5140382"/>
+            <a:off x="1330960" y="6224903"/>
             <a:ext cx="3048000" cy="995680"/>
           </a:xfrm>
           <a:prstGeom prst="rect">
@@ -6108,7 +6190,7 @@
         </p:nvSpPr>
         <p:spPr>
           <a:xfrm>
-            <a:off x="4378960" y="5140382"/>
+            <a:off x="4378960" y="6224903"/>
             <a:ext cx="18531840" cy="995680"/>
           </a:xfrm>
           <a:prstGeom prst="rect">
@@ -6189,7 +6271,7 @@
         </p:nvSpPr>
         <p:spPr>
           <a:xfrm>
-            <a:off x="1544320" y="4952496"/>
+            <a:off x="1544320" y="6037017"/>
             <a:ext cx="2834640" cy="1012072"/>
           </a:xfrm>
           <a:prstGeom prst="rect">
@@ -6271,7 +6353,7 @@
         </p:nvSpPr>
         <p:spPr>
           <a:xfrm>
-            <a:off x="1330960" y="6318653"/>
+            <a:off x="1330960" y="7403174"/>
             <a:ext cx="3048000" cy="995680"/>
           </a:xfrm>
           <a:prstGeom prst="rect">
@@ -6352,7 +6434,7 @@
         </p:nvSpPr>
         <p:spPr>
           <a:xfrm>
-            <a:off x="4378960" y="6318653"/>
+            <a:off x="4378960" y="7403174"/>
             <a:ext cx="18531840" cy="995680"/>
           </a:xfrm>
           <a:prstGeom prst="rect">
@@ -6433,7 +6515,7 @@
         </p:nvSpPr>
         <p:spPr>
           <a:xfrm>
-            <a:off x="1544320" y="6144617"/>
+            <a:off x="1544320" y="7229138"/>
             <a:ext cx="2834640" cy="984372"/>
           </a:xfrm>
           <a:prstGeom prst="rect">
@@ -6515,7 +6597,7 @@
         </p:nvSpPr>
         <p:spPr>
           <a:xfrm>
-            <a:off x="1330960" y="7496924"/>
+            <a:off x="1330960" y="8581445"/>
             <a:ext cx="3048000" cy="995680"/>
           </a:xfrm>
           <a:prstGeom prst="rect">
@@ -6596,7 +6678,7 @@
         </p:nvSpPr>
         <p:spPr>
           <a:xfrm>
-            <a:off x="4378960" y="7496924"/>
+            <a:off x="4378960" y="8581445"/>
             <a:ext cx="18531840" cy="995680"/>
           </a:xfrm>
           <a:prstGeom prst="rect">
@@ -6677,7 +6759,7 @@
         </p:nvSpPr>
         <p:spPr>
           <a:xfrm>
-            <a:off x="1544320" y="7322888"/>
+            <a:off x="1544320" y="8407409"/>
             <a:ext cx="2834640" cy="984372"/>
           </a:xfrm>
           <a:prstGeom prst="rect">
@@ -6759,7 +6841,7 @@
         </p:nvSpPr>
         <p:spPr>
           <a:xfrm>
-            <a:off x="1330960" y="8675195"/>
+            <a:off x="1330960" y="9759716"/>
             <a:ext cx="3048000" cy="995680"/>
           </a:xfrm>
           <a:prstGeom prst="rect">
@@ -6840,7 +6922,7 @@
         </p:nvSpPr>
         <p:spPr>
           <a:xfrm>
-            <a:off x="4378960" y="8675195"/>
+            <a:off x="4378960" y="9759716"/>
             <a:ext cx="18531840" cy="995680"/>
           </a:xfrm>
           <a:prstGeom prst="rect">
@@ -6921,7 +7003,7 @@
         </p:nvSpPr>
         <p:spPr>
           <a:xfrm>
-            <a:off x="1544320" y="8501159"/>
+            <a:off x="1544320" y="9585680"/>
             <a:ext cx="2834640" cy="984372"/>
           </a:xfrm>
           <a:prstGeom prst="rect">
@@ -7003,7 +7085,7 @@
         </p:nvSpPr>
         <p:spPr>
           <a:xfrm>
-            <a:off x="1330960" y="9853466"/>
+            <a:off x="1330960" y="10937987"/>
             <a:ext cx="3048000" cy="995680"/>
           </a:xfrm>
           <a:prstGeom prst="rect">
@@ -7084,7 +7166,7 @@
         </p:nvSpPr>
         <p:spPr>
           <a:xfrm>
-            <a:off x="4378960" y="9853466"/>
+            <a:off x="4378960" y="10937987"/>
             <a:ext cx="18531840" cy="995680"/>
           </a:xfrm>
           <a:prstGeom prst="rect">
@@ -7165,7 +7247,7 @@
         </p:nvSpPr>
         <p:spPr>
           <a:xfrm>
-            <a:off x="1430020" y="9679430"/>
+            <a:off x="1430020" y="10763951"/>
             <a:ext cx="2834640" cy="984372"/>
           </a:xfrm>
           <a:prstGeom prst="rect">
@@ -7329,7 +7411,7 @@
         </p:nvSpPr>
         <p:spPr>
           <a:xfrm>
-            <a:off x="5080000" y="3685511"/>
+            <a:off x="5080000" y="4770032"/>
             <a:ext cx="11226800" cy="984372"/>
           </a:xfrm>
           <a:prstGeom prst="rect">
@@ -7392,7 +7474,7 @@
                 <a:cs typeface="+mn-cs"/>
                 <a:sym typeface="Helvetica Neue"/>
               </a:rPr>
-              <a:t>Plots, Visualization, etc. </a:t>
+              <a:t>Outlier removal, Interpolation (Strava Tracks -&gt; 10s)</a:t>
             </a:r>
           </a:p>
         </p:txBody>
@@ -7411,8 +7493,8 @@
         </p:nvSpPr>
         <p:spPr>
           <a:xfrm>
-            <a:off x="5079999" y="4866041"/>
-            <a:ext cx="12837297" cy="984372"/>
+            <a:off x="5079999" y="5950562"/>
+            <a:ext cx="16174225" cy="984372"/>
           </a:xfrm>
           <a:prstGeom prst="rect">
             <a:avLst/>
@@ -7474,7 +7556,7 @@
                 <a:cs typeface="+mn-cs"/>
                 <a:sym typeface="Helvetica Neue"/>
               </a:rPr>
-              <a:t>Speed, Average </a:t>
+              <a:t>Speed (cross scale), Average </a:t>
             </a:r>
             <a:r>
               <a:rPr lang="en-US" sz="2200" dirty="0">
@@ -7543,7 +7625,7 @@
         </p:nvSpPr>
         <p:spPr>
           <a:xfrm>
-            <a:off x="5080000" y="6085464"/>
+            <a:off x="5080000" y="7169985"/>
             <a:ext cx="11226800" cy="984372"/>
           </a:xfrm>
           <a:prstGeom prst="rect">
@@ -7625,8 +7707,8 @@
         </p:nvSpPr>
         <p:spPr>
           <a:xfrm>
-            <a:off x="5171440" y="8446013"/>
-            <a:ext cx="11226800" cy="984372"/>
+            <a:off x="5171440" y="9378185"/>
+            <a:ext cx="11226800" cy="1289071"/>
           </a:xfrm>
           <a:prstGeom prst="rect">
             <a:avLst/>
@@ -7688,7 +7770,7 @@
                 <a:cs typeface="+mn-cs"/>
                 <a:sym typeface="Helvetica Neue"/>
               </a:rPr>
-              <a:t>Accuracy, Precision, Recall, F1-Score, Confusion Matrix (comparison to Random Forest)</a:t>
+              <a:t>Predictive evaluation: Accuracy, Precision, Recall, F1-Score, Confusion Matrix (comparison to Random Forest)</a:t>
             </a:r>
           </a:p>
         </p:txBody>
@@ -7707,7 +7789,7 @@
         </p:nvSpPr>
         <p:spPr>
           <a:xfrm>
-            <a:off x="5008880" y="9612976"/>
+            <a:off x="5008880" y="10697497"/>
             <a:ext cx="11226800" cy="984372"/>
           </a:xfrm>
           <a:prstGeom prst="rect">
@@ -7789,7 +7871,7 @@
         </p:nvSpPr>
         <p:spPr>
           <a:xfrm>
-            <a:off x="5008880" y="7290342"/>
+            <a:off x="5008880" y="8374863"/>
             <a:ext cx="11226800" cy="984372"/>
           </a:xfrm>
           <a:prstGeom prst="rect">
@@ -7852,7 +7934,7 @@
                 <a:cs typeface="+mn-cs"/>
                 <a:sym typeface="Helvetica Neue"/>
               </a:rPr>
-              <a:t>…</a:t>
+              <a:t>Principal Component Analysis</a:t>
             </a:r>
           </a:p>
         </p:txBody>
@@ -7954,7 +8036,7 @@
         </p:nvSpPr>
         <p:spPr>
           <a:xfrm>
-            <a:off x="1988820" y="10540454"/>
+            <a:off x="1988820" y="11624975"/>
             <a:ext cx="11226800" cy="928972"/>
           </a:xfrm>
           <a:prstGeom prst="rect">
@@ -8018,6 +8100,250 @@
                 <a:sym typeface="Helvetica Neue"/>
               </a:rPr>
               <a:t>*more details on next slide</a:t>
+            </a:r>
+          </a:p>
+        </p:txBody>
+      </p:sp>
+      <p:sp>
+        <p:nvSpPr>
+          <p:cNvPr id="5" name="Rectangle 9">
+            <a:extLst>
+              <a:ext uri="{FF2B5EF4-FFF2-40B4-BE49-F238E27FC236}">
+                <a16:creationId xmlns:a16="http://schemas.microsoft.com/office/drawing/2014/main" id="{6FEBA9F9-51B3-6598-E260-ED8AFEC01E28}"/>
+              </a:ext>
+            </a:extLst>
+          </p:cNvPr>
+          <p:cNvSpPr/>
+          <p:nvPr/>
+        </p:nvSpPr>
+        <p:spPr>
+          <a:xfrm>
+            <a:off x="1430020" y="3924648"/>
+            <a:ext cx="2948940" cy="995680"/>
+          </a:xfrm>
+          <a:prstGeom prst="rect">
+            <a:avLst/>
+          </a:prstGeom>
+          <a:noFill/>
+          <a:ln w="28575" cap="flat">
+            <a:solidFill>
+              <a:srgbClr val="002060"/>
+            </a:solidFill>
+            <a:miter lim="400000"/>
+          </a:ln>
+          <a:effectLst/>
+          <a:sp3d/>
+        </p:spPr>
+        <p:style>
+          <a:lnRef idx="0">
+            <a:scrgbClr r="0" g="0" b="0"/>
+          </a:lnRef>
+          <a:fillRef idx="0">
+            <a:scrgbClr r="0" g="0" b="0"/>
+          </a:fillRef>
+          <a:effectRef idx="0">
+            <a:scrgbClr r="0" g="0" b="0"/>
+          </a:effectRef>
+          <a:fontRef idx="none"/>
+        </p:style>
+        <p:txBody>
+          <a:bodyPr rot="0" spcFirstLastPara="1" vertOverflow="overflow" horzOverflow="overflow" vert="horz" wrap="square" lIns="50800" tIns="50800" rIns="50800" bIns="50800" numCol="1" spcCol="38100" rtlCol="0" anchor="ctr">
+            <a:spAutoFit/>
+          </a:bodyPr>
+          <a:lstStyle/>
+          <a:p>
+            <a:pPr marL="0" marR="0" indent="0" algn="ctr" defTabSz="825500" rtl="0" fontAlgn="auto" latinLnBrk="0" hangingPunct="0">
+              <a:lnSpc>
+                <a:spcPct val="100000"/>
+              </a:lnSpc>
+              <a:spcBef>
+                <a:spcPts val="0"/>
+              </a:spcBef>
+              <a:spcAft>
+                <a:spcPts val="0"/>
+              </a:spcAft>
+              <a:buClrTx/>
+              <a:buSzTx/>
+              <a:buFontTx/>
+              <a:buNone/>
+              <a:tabLst/>
+            </a:pPr>
+            <a:endParaRPr kumimoji="0" lang="en-US" sz="3200" b="0" i="0" u="none" strike="noStrike" cap="none" spc="0" normalizeH="0" baseline="0" dirty="0">
+              <a:ln>
+                <a:noFill/>
+              </a:ln>
+              <a:solidFill>
+                <a:srgbClr val="FFFFFF"/>
+              </a:solidFill>
+              <a:effectLst/>
+              <a:uFillTx/>
+              <a:latin typeface="Helvetica Neue Medium"/>
+              <a:ea typeface="Helvetica Neue Medium"/>
+              <a:cs typeface="Helvetica Neue Medium"/>
+              <a:sym typeface="Helvetica Neue Medium"/>
+            </a:endParaRPr>
+          </a:p>
+        </p:txBody>
+      </p:sp>
+      <p:sp>
+        <p:nvSpPr>
+          <p:cNvPr id="9" name="Rectangle 10">
+            <a:extLst>
+              <a:ext uri="{FF2B5EF4-FFF2-40B4-BE49-F238E27FC236}">
+                <a16:creationId xmlns:a16="http://schemas.microsoft.com/office/drawing/2014/main" id="{B52C9406-D441-046E-5394-7781ECC18B65}"/>
+              </a:ext>
+            </a:extLst>
+          </p:cNvPr>
+          <p:cNvSpPr/>
+          <p:nvPr/>
+        </p:nvSpPr>
+        <p:spPr>
+          <a:xfrm>
+            <a:off x="4378960" y="3924648"/>
+            <a:ext cx="18531840" cy="995680"/>
+          </a:xfrm>
+          <a:prstGeom prst="rect">
+            <a:avLst/>
+          </a:prstGeom>
+          <a:noFill/>
+          <a:ln w="28575" cap="flat">
+            <a:solidFill>
+              <a:srgbClr val="002060"/>
+            </a:solidFill>
+            <a:miter lim="400000"/>
+          </a:ln>
+          <a:effectLst/>
+          <a:sp3d/>
+        </p:spPr>
+        <p:style>
+          <a:lnRef idx="0">
+            <a:scrgbClr r="0" g="0" b="0"/>
+          </a:lnRef>
+          <a:fillRef idx="0">
+            <a:scrgbClr r="0" g="0" b="0"/>
+          </a:fillRef>
+          <a:effectRef idx="0">
+            <a:scrgbClr r="0" g="0" b="0"/>
+          </a:effectRef>
+          <a:fontRef idx="none"/>
+        </p:style>
+        <p:txBody>
+          <a:bodyPr rot="0" spcFirstLastPara="1" vertOverflow="overflow" horzOverflow="overflow" vert="horz" wrap="square" lIns="50800" tIns="50800" rIns="50800" bIns="50800" numCol="1" spcCol="38100" rtlCol="0" anchor="ctr">
+            <a:spAutoFit/>
+          </a:bodyPr>
+          <a:lstStyle/>
+          <a:p>
+            <a:pPr marL="0" marR="0" indent="0" algn="ctr" defTabSz="825500" rtl="0" fontAlgn="auto" latinLnBrk="0" hangingPunct="0">
+              <a:lnSpc>
+                <a:spcPct val="100000"/>
+              </a:lnSpc>
+              <a:spcBef>
+                <a:spcPts val="0"/>
+              </a:spcBef>
+              <a:spcAft>
+                <a:spcPts val="0"/>
+              </a:spcAft>
+              <a:buClrTx/>
+              <a:buSzTx/>
+              <a:buFontTx/>
+              <a:buNone/>
+              <a:tabLst/>
+            </a:pPr>
+            <a:endParaRPr kumimoji="0" lang="en-US" sz="3200" b="0" i="0" u="none" strike="noStrike" cap="none" spc="0" normalizeH="0" baseline="0">
+              <a:ln>
+                <a:noFill/>
+              </a:ln>
+              <a:solidFill>
+                <a:srgbClr val="FFFFFF"/>
+              </a:solidFill>
+              <a:effectLst/>
+              <a:uFillTx/>
+              <a:latin typeface="Helvetica Neue Medium"/>
+              <a:ea typeface="Helvetica Neue Medium"/>
+              <a:cs typeface="Helvetica Neue Medium"/>
+              <a:sym typeface="Helvetica Neue Medium"/>
+            </a:endParaRPr>
+          </a:p>
+        </p:txBody>
+      </p:sp>
+      <p:sp>
+        <p:nvSpPr>
+          <p:cNvPr id="35" name="TextBox 28">
+            <a:extLst>
+              <a:ext uri="{FF2B5EF4-FFF2-40B4-BE49-F238E27FC236}">
+                <a16:creationId xmlns:a16="http://schemas.microsoft.com/office/drawing/2014/main" id="{2205FD3D-B610-BEFE-91EF-9194BA313353}"/>
+              </a:ext>
+            </a:extLst>
+          </p:cNvPr>
+          <p:cNvSpPr txBox="1"/>
+          <p:nvPr/>
+        </p:nvSpPr>
+        <p:spPr>
+          <a:xfrm>
+            <a:off x="5080000" y="3648048"/>
+            <a:ext cx="11226800" cy="984372"/>
+          </a:xfrm>
+          <a:prstGeom prst="rect">
+            <a:avLst/>
+          </a:prstGeom>
+          <a:noFill/>
+          <a:ln w="12700" cap="flat">
+            <a:noFill/>
+            <a:miter lim="400000"/>
+          </a:ln>
+          <a:effectLst/>
+          <a:sp3d/>
+        </p:spPr>
+        <p:style>
+          <a:lnRef idx="0">
+            <a:scrgbClr r="0" g="0" b="0"/>
+          </a:lnRef>
+          <a:fillRef idx="0">
+            <a:scrgbClr r="0" g="0" b="0"/>
+          </a:fillRef>
+          <a:effectRef idx="0">
+            <a:scrgbClr r="0" g="0" b="0"/>
+          </a:effectRef>
+          <a:fontRef idx="none"/>
+        </p:style>
+        <p:txBody>
+          <a:bodyPr rot="0" spcFirstLastPara="1" vertOverflow="overflow" horzOverflow="overflow" vert="horz" wrap="square" lIns="50800" tIns="50800" rIns="50800" bIns="50800" numCol="1" spcCol="38100" rtlCol="0" anchor="ctr">
+            <a:spAutoFit/>
+          </a:bodyPr>
+          <a:lstStyle/>
+          <a:p>
+            <a:pPr marL="0" marR="0" indent="0" algn="l" defTabSz="2438338" rtl="0" fontAlgn="auto" latinLnBrk="0" hangingPunct="0">
+              <a:lnSpc>
+                <a:spcPct val="90000"/>
+              </a:lnSpc>
+              <a:spcBef>
+                <a:spcPts val="4500"/>
+              </a:spcBef>
+              <a:spcAft>
+                <a:spcPts val="0"/>
+              </a:spcAft>
+              <a:buClrTx/>
+              <a:buSzTx/>
+              <a:buFontTx/>
+              <a:buNone/>
+              <a:tabLst/>
+            </a:pPr>
+            <a:r>
+              <a:rPr kumimoji="0" lang="en-US" sz="2200" b="0" i="0" u="none" strike="noStrike" cap="none" spc="0" normalizeH="0" baseline="0" dirty="0">
+                <a:ln>
+                  <a:noFill/>
+                </a:ln>
+                <a:solidFill>
+                  <a:schemeClr val="bg1"/>
+                </a:solidFill>
+                <a:effectLst/>
+                <a:uFillTx/>
+                <a:latin typeface="+mn-lt"/>
+                <a:ea typeface="+mn-ea"/>
+                <a:cs typeface="+mn-cs"/>
+                <a:sym typeface="Helvetica Neue"/>
+              </a:rPr>
+              <a:t>Plots, Visualization, etc. </a:t>
             </a:r>
           </a:p>
         </p:txBody>

--- a/Presentation.pptx
+++ b/Presentation.pptx
@@ -642,6 +642,87 @@
 </p:notes>
 </file>
 
+<file path=ppt/notesSlides/notesSlide3.xml><?xml version="1.0" encoding="utf-8"?>
+<p:notes xmlns:a="http://schemas.openxmlformats.org/drawingml/2006/main" xmlns:r="http://schemas.openxmlformats.org/officeDocument/2006/relationships" xmlns:p="http://schemas.openxmlformats.org/presentationml/2006/main">
+  <p:cSld>
+    <p:spTree>
+      <p:nvGrpSpPr>
+        <p:cNvPr id="1" name=""/>
+        <p:cNvGrpSpPr/>
+        <p:nvPr/>
+      </p:nvGrpSpPr>
+      <p:grpSpPr>
+        <a:xfrm>
+          <a:off x="0" y="0"/>
+          <a:ext cx="0" cy="0"/>
+          <a:chOff x="0" y="0"/>
+          <a:chExt cx="0" cy="0"/>
+        </a:xfrm>
+      </p:grpSpPr>
+      <p:sp>
+        <p:nvSpPr>
+          <p:cNvPr id="2" name="Folienbildplatzhalter 1"/>
+          <p:cNvSpPr>
+            <a:spLocks noGrp="1" noRot="1" noChangeAspect="1"/>
+          </p:cNvSpPr>
+          <p:nvPr>
+            <p:ph type="sldImg"/>
+          </p:nvPr>
+        </p:nvSpPr>
+        <p:spPr>
+          <a:xfrm>
+            <a:off x="381000" y="685800"/>
+            <a:ext cx="6096000" cy="3429000"/>
+          </a:xfrm>
+        </p:spPr>
+      </p:sp>
+      <p:sp>
+        <p:nvSpPr>
+          <p:cNvPr id="3" name="Notizenplatzhalter 2"/>
+          <p:cNvSpPr>
+            <a:spLocks noGrp="1"/>
+          </p:cNvSpPr>
+          <p:nvPr>
+            <p:ph type="body" idx="1"/>
+          </p:nvPr>
+        </p:nvSpPr>
+        <p:spPr/>
+        <p:txBody>
+          <a:bodyPr/>
+          <a:lstStyle/>
+          <a:p>
+            <a:r>
+              <a:rPr lang="en-GB" dirty="0" err="1"/>
+              <a:t>visal</a:t>
+            </a:r>
+            <a:r>
+              <a:rPr lang="en-GB" dirty="0"/>
+              <a:t> attribute (</a:t>
+            </a:r>
+            <a:r>
+              <a:rPr lang="en-GB" dirty="0" err="1"/>
+              <a:t>eg.</a:t>
+            </a:r>
+            <a:r>
+              <a:rPr lang="en-GB" dirty="0"/>
+              <a:t> size) of uncertainty -&gt; dot size of percentage of points</a:t>
+            </a:r>
+          </a:p>
+        </p:txBody>
+      </p:sp>
+    </p:spTree>
+    <p:extLst>
+      <p:ext uri="{BB962C8B-B14F-4D97-AF65-F5344CB8AC3E}">
+        <p14:creationId xmlns:p14="http://schemas.microsoft.com/office/powerpoint/2010/main" val="1856038481"/>
+      </p:ext>
+    </p:extLst>
+  </p:cSld>
+  <p:clrMapOvr>
+    <a:masterClrMapping/>
+  </p:clrMapOvr>
+</p:notes>
+</file>
+
 <file path=ppt/slideLayouts/slideLayout1.xml><?xml version="1.0" encoding="utf-8"?>
 <p:sldLayout xmlns:a="http://schemas.openxmlformats.org/drawingml/2006/main" xmlns:r="http://schemas.openxmlformats.org/officeDocument/2006/relationships" xmlns:p="http://schemas.openxmlformats.org/presentationml/2006/main" type="title">
   <p:cSld name="Titel">
@@ -3651,7 +3732,7 @@
           </a:ln>
           <a:extLst>
             <a:ext uri="{C572A759-6A51-4108-AA02-DFA0A04FC94B}">
-              <ma14:wrappingTextBoxFlag xmlns="" xmlns:m="http://schemas.openxmlformats.org/officeDocument/2006/math" xmlns:a14="http://schemas.microsoft.com/office/drawing/2010/main" xmlns:ma14="http://schemas.microsoft.com/office/mac/drawingml/2011/main" val="1"/>
+              <ma14:wrappingTextBoxFlag xmlns:ma14="http://schemas.microsoft.com/office/mac/drawingml/2011/main" xmlns:a14="http://schemas.microsoft.com/office/drawing/2010/main" xmlns:m="http://schemas.openxmlformats.org/officeDocument/2006/math" xmlns="" val="1"/>
             </a:ext>
           </a:extLst>
         </p:spPr>
@@ -3690,7 +3771,7 @@
           </a:ln>
           <a:extLst>
             <a:ext uri="{C572A759-6A51-4108-AA02-DFA0A04FC94B}">
-              <ma14:wrappingTextBoxFlag xmlns="" xmlns:m="http://schemas.openxmlformats.org/officeDocument/2006/math" xmlns:a14="http://schemas.microsoft.com/office/drawing/2010/main" xmlns:ma14="http://schemas.microsoft.com/office/mac/drawingml/2011/main" val="1"/>
+              <ma14:wrappingTextBoxFlag xmlns:ma14="http://schemas.microsoft.com/office/mac/drawingml/2011/main" xmlns:a14="http://schemas.microsoft.com/office/drawing/2010/main" xmlns:m="http://schemas.openxmlformats.org/officeDocument/2006/math" xmlns="" val="1"/>
             </a:ext>
           </a:extLst>
         </p:spPr>
@@ -4563,7 +4644,7 @@
           </a:prstGeom>
           <a:extLst>
             <a:ext uri="{C572A759-6A51-4108-AA02-DFA0A04FC94B}">
-              <ma14:wrappingTextBoxFlag xmlns="" xmlns:m="http://schemas.openxmlformats.org/officeDocument/2006/math" xmlns:a14="http://schemas.microsoft.com/office/drawing/2010/main" xmlns:ma14="http://schemas.microsoft.com/office/mac/drawingml/2011/main" val="1"/>
+              <ma14:wrappingTextBoxFlag xmlns:ma14="http://schemas.microsoft.com/office/mac/drawingml/2011/main" xmlns:a14="http://schemas.microsoft.com/office/drawing/2010/main" xmlns:m="http://schemas.openxmlformats.org/officeDocument/2006/math" xmlns="" val="1"/>
             </a:ext>
           </a:extLst>
         </p:spPr>
@@ -4608,8 +4689,13 @@
             </a:r>
             <a:r>
               <a:rPr dirty="0"/>
-              <a:t> of Transportation</a:t>
+              <a:t> of </a:t>
             </a:r>
+            <a:r>
+              <a:rPr lang="de-CH" dirty="0" err="1"/>
+              <a:t>Activity</a:t>
+            </a:r>
+            <a:endParaRPr dirty="0"/>
           </a:p>
         </p:txBody>
       </p:sp>
@@ -4733,7 +4819,7 @@
             </a:br>
             <a:r>
               <a:rPr lang="en-US" sz="3200" dirty="0"/>
-              <a:t>We have collected GPS data with different types of movement/transportation such as hiking, </a:t>
+              <a:t>We have collected GPS data with different types of activity such as hiking, </a:t>
             </a:r>
             <a:br>
               <a:rPr lang="en-US" sz="3200" dirty="0"/>
@@ -7770,7 +7856,7 @@
                 <a:cs typeface="+mn-cs"/>
                 <a:sym typeface="Helvetica Neue"/>
               </a:rPr>
-              <a:t>Predictive evaluation: Accuracy, Precision, Recall, F1-Score, Confusion Matrix (comparison to Random Forest)</a:t>
+              <a:t>Predictive validation: Accuracy, Precision, Recall, F1-Score, Confusion Matrix (comparison to Random Forest)</a:t>
             </a:r>
           </a:p>
         </p:txBody>
@@ -8408,7 +8494,7 @@
       </p:sp>
       <p:pic>
         <p:nvPicPr>
-          <p:cNvPr id="3" name="Grafik 2" descr="Ein Bild, das Diagramm, Text, technische Zeichnung, Plan enthält.&#10;&#10;Automatisch generierte Beschreibung">
+          <p:cNvPr id="3" name="Grafik 2">
             <a:extLst>
               <a:ext uri="{FF2B5EF4-FFF2-40B4-BE49-F238E27FC236}">
                 <a16:creationId xmlns:a16="http://schemas.microsoft.com/office/drawing/2014/main" id="{C8AC697F-C569-2F1E-9052-C8AC86CA8632}"/>
@@ -8421,21 +8507,20 @@
           <p:nvPr/>
         </p:nvPicPr>
         <p:blipFill>
-          <a:blip r:embed="rId2">
+          <a:blip r:embed="rId3">
             <a:extLst>
               <a:ext uri="{28A0092B-C50C-407E-A947-70E740481C1C}">
                 <a14:useLocalDpi xmlns:a14="http://schemas.microsoft.com/office/drawing/2010/main" val="0"/>
               </a:ext>
             </a:extLst>
           </a:blip>
-          <a:stretch>
-            <a:fillRect/>
-          </a:stretch>
+          <a:srcRect/>
+          <a:stretch/>
         </p:blipFill>
         <p:spPr>
           <a:xfrm>
-            <a:off x="4808745" y="2624356"/>
-            <a:ext cx="12425770" cy="10680000"/>
+            <a:off x="4643273" y="2666887"/>
+            <a:ext cx="10885384" cy="10680000"/>
           </a:xfrm>
           <a:prstGeom prst="rect">
             <a:avLst/>
